--- a/Polkadot-PPT.pptx
+++ b/Polkadot-PPT.pptx
@@ -5,39 +5,27 @@
     <p:sldMasterId id="2147483802" r:id="rId1"/>
   </p:sldMasterIdLst>
   <p:notesMasterIdLst>
-    <p:notesMasterId r:id="rId29"/>
+    <p:notesMasterId r:id="rId17"/>
   </p:notesMasterIdLst>
   <p:handoutMasterIdLst>
-    <p:handoutMasterId r:id="rId30"/>
+    <p:handoutMasterId r:id="rId18"/>
   </p:handoutMasterIdLst>
   <p:sldIdLst>
-    <p:sldId id="256" r:id="rId2"/>
-    <p:sldId id="259" r:id="rId3"/>
-    <p:sldId id="260" r:id="rId4"/>
-    <p:sldId id="261" r:id="rId5"/>
-    <p:sldId id="262" r:id="rId6"/>
-    <p:sldId id="263" r:id="rId7"/>
+    <p:sldId id="259" r:id="rId2"/>
+    <p:sldId id="260" r:id="rId3"/>
+    <p:sldId id="261" r:id="rId4"/>
+    <p:sldId id="283" r:id="rId5"/>
+    <p:sldId id="284" r:id="rId6"/>
+    <p:sldId id="285" r:id="rId7"/>
     <p:sldId id="264" r:id="rId8"/>
-    <p:sldId id="265" r:id="rId9"/>
-    <p:sldId id="266" r:id="rId10"/>
-    <p:sldId id="283" r:id="rId11"/>
-    <p:sldId id="267" r:id="rId12"/>
-    <p:sldId id="268" r:id="rId13"/>
-    <p:sldId id="269" r:id="rId14"/>
-    <p:sldId id="270" r:id="rId15"/>
-    <p:sldId id="271" r:id="rId16"/>
-    <p:sldId id="272" r:id="rId17"/>
-    <p:sldId id="284" r:id="rId18"/>
-    <p:sldId id="273" r:id="rId19"/>
-    <p:sldId id="274" r:id="rId20"/>
-    <p:sldId id="275" r:id="rId21"/>
-    <p:sldId id="276" r:id="rId22"/>
-    <p:sldId id="277" r:id="rId23"/>
-    <p:sldId id="278" r:id="rId24"/>
-    <p:sldId id="279" r:id="rId25"/>
-    <p:sldId id="280" r:id="rId26"/>
-    <p:sldId id="281" r:id="rId27"/>
-    <p:sldId id="282" r:id="rId28"/>
+    <p:sldId id="270" r:id="rId9"/>
+    <p:sldId id="276" r:id="rId10"/>
+    <p:sldId id="277" r:id="rId11"/>
+    <p:sldId id="278" r:id="rId12"/>
+    <p:sldId id="279" r:id="rId13"/>
+    <p:sldId id="280" r:id="rId14"/>
+    <p:sldId id="281" r:id="rId15"/>
+    <p:sldId id="282" r:id="rId16"/>
   </p:sldIdLst>
   <p:sldSz cx="9144000" cy="6858000" type="screen4x3"/>
   <p:notesSz cx="6858000" cy="9144000"/>
@@ -3265,7 +3253,7 @@
           <a:p>
             <a:fld id="{202C1FBA-CF23-45CA-A289-03E32D160964}" type="datetimeFigureOut">
               <a:rPr lang="zh-CN" altLang="en-US" smtClean="0"/>
-              <a:t>2020/12/11</a:t>
+              <a:t>2020/12/12</a:t>
             </a:fld>
             <a:endParaRPr lang="zh-CN" altLang="en-US"/>
           </a:p>
@@ -3430,7 +3418,7 @@
           <a:p>
             <a:fld id="{6D966BD8-0FC1-456F-BDC6-7D0CA8E36566}" type="datetimeFigureOut">
               <a:rPr lang="zh-CN" altLang="en-US" smtClean="0"/>
-              <a:t>2020/12/11</a:t>
+              <a:t>2020/12/12</a:t>
             </a:fld>
             <a:endParaRPr lang="zh-CN" altLang="en-US"/>
           </a:p>
@@ -10156,14 +10144,14 @@
           <a:lstStyle/>
           <a:p>
             <a:r>
-              <a:rPr lang="en-US" altLang="zh-CN" sz="4400" dirty="0"/>
+              <a:rPr lang="en-US" altLang="zh-CN" dirty="0"/>
               <a:t>Some Details about </a:t>
             </a:r>
             <a:r>
-              <a:rPr lang="en-US" altLang="zh-CN" sz="4400" dirty="0" err="1"/>
+              <a:rPr lang="en-US" altLang="zh-CN" dirty="0" err="1"/>
               <a:t>Polkadot</a:t>
             </a:r>
-            <a:endParaRPr lang="zh-CN" altLang="en-US" sz="4400" dirty="0"/>
+            <a:endParaRPr lang="zh-CN" altLang="en-US" sz="2400" dirty="0"/>
           </a:p>
         </p:txBody>
       </p:sp>
@@ -10183,2453 +10171,6 @@
           <a:lstStyle/>
           <a:p>
             <a:r>
-              <a:rPr lang="en-US" altLang="zh-CN" sz="2800" dirty="0"/>
-              <a:t>December,</a:t>
-            </a:r>
-            <a:r>
-              <a:rPr lang="zh-CN" altLang="en-US" sz="2800" dirty="0"/>
-              <a:t> </a:t>
-            </a:r>
-            <a:r>
-              <a:rPr lang="en-US" altLang="zh-CN" sz="2800" dirty="0"/>
-              <a:t>2020</a:t>
-            </a:r>
-            <a:endParaRPr lang="zh-CN" altLang="en-US" sz="2800" dirty="0"/>
-          </a:p>
-        </p:txBody>
-      </p:sp>
-    </p:spTree>
-    <p:extLst>
-      <p:ext uri="{BB962C8B-B14F-4D97-AF65-F5344CB8AC3E}">
-        <p14:creationId xmlns:p14="http://schemas.microsoft.com/office/powerpoint/2010/main" val="1691820105"/>
-      </p:ext>
-    </p:extLst>
-  </p:cSld>
-  <p:clrMapOvr>
-    <a:masterClrMapping/>
-  </p:clrMapOvr>
-  <mc:AlternateContent xmlns:mc="http://schemas.openxmlformats.org/markup-compatibility/2006" xmlns:p14="http://schemas.microsoft.com/office/powerpoint/2010/main">
-    <mc:Choice Requires="p14">
-      <p:transition p14:dur="10"/>
-    </mc:Choice>
-    <mc:Fallback xmlns="">
-      <p:transition/>
-    </mc:Fallback>
-  </mc:AlternateContent>
-</p:sld>
-</file>
-
-<file path=ppt/slides/slide10.xml><?xml version="1.0" encoding="utf-8"?>
-<p:sld xmlns:a="http://schemas.openxmlformats.org/drawingml/2006/main" xmlns:r="http://schemas.openxmlformats.org/officeDocument/2006/relationships" xmlns:p="http://schemas.openxmlformats.org/presentationml/2006/main">
-  <p:cSld>
-    <p:spTree>
-      <p:nvGrpSpPr>
-        <p:cNvPr id="1" name=""/>
-        <p:cNvGrpSpPr/>
-        <p:nvPr/>
-      </p:nvGrpSpPr>
-      <p:grpSpPr>
-        <a:xfrm>
-          <a:off x="0" y="0"/>
-          <a:ext cx="0" cy="0"/>
-          <a:chOff x="0" y="0"/>
-          <a:chExt cx="0" cy="0"/>
-        </a:xfrm>
-      </p:grpSpPr>
-      <p:sp>
-        <p:nvSpPr>
-          <p:cNvPr id="2" name="内容占位符 1"/>
-          <p:cNvSpPr>
-            <a:spLocks noGrp="1"/>
-          </p:cNvSpPr>
-          <p:nvPr>
-            <p:ph sz="quarter" idx="10"/>
-          </p:nvPr>
-        </p:nvSpPr>
-        <p:spPr/>
-        <p:txBody>
-          <a:bodyPr/>
-          <a:lstStyle/>
-          <a:p>
-            <a:r>
-              <a:rPr lang="zh-CN" altLang="en-US" dirty="0"/>
-              <a:t>极简版内页去除了题图，换以纯色背景；</a:t>
-            </a:r>
-            <a:endParaRPr lang="en-US" altLang="zh-CN" dirty="0"/>
-          </a:p>
-          <a:p>
-            <a:r>
-              <a:rPr lang="zh-CN" altLang="en-US" dirty="0"/>
-              <a:t>供内页内容较为复杂时使用，可以避免复杂图片对内容呈现的干扰；</a:t>
-            </a:r>
-            <a:endParaRPr lang="en-US" altLang="zh-CN" dirty="0"/>
-          </a:p>
-          <a:p>
-            <a:r>
-              <a:rPr lang="zh-CN" altLang="en-US" dirty="0"/>
-              <a:t>供</a:t>
-            </a:r>
-            <a:r>
-              <a:rPr lang="en-US" altLang="zh-CN" dirty="0"/>
-              <a:t>PPT</a:t>
-            </a:r>
-            <a:r>
-              <a:rPr lang="zh-CN" altLang="en-US" dirty="0"/>
-              <a:t>使用场合较为严肃，不适合复杂图片出现的情况下。</a:t>
-            </a:r>
-            <a:endParaRPr lang="en-US" altLang="zh-CN" dirty="0"/>
-          </a:p>
-          <a:p>
-            <a:r>
-              <a:rPr lang="zh-CN" altLang="en-US" dirty="0"/>
-              <a:t>如需使用，建议</a:t>
-            </a:r>
-            <a:r>
-              <a:rPr lang="en-US" altLang="zh-CN" dirty="0"/>
-              <a:t>PPT</a:t>
-            </a:r>
-            <a:r>
-              <a:rPr lang="zh-CN" altLang="en-US" dirty="0"/>
-              <a:t>所有内页均使用极简版式，可以达到更简洁清爽的效果。</a:t>
-            </a:r>
-          </a:p>
-        </p:txBody>
-      </p:sp>
-      <p:sp>
-        <p:nvSpPr>
-          <p:cNvPr id="3" name="标题 2"/>
-          <p:cNvSpPr>
-            <a:spLocks noGrp="1"/>
-          </p:cNvSpPr>
-          <p:nvPr>
-            <p:ph type="title"/>
-          </p:nvPr>
-        </p:nvSpPr>
-        <p:spPr/>
-        <p:txBody>
-          <a:bodyPr/>
-          <a:lstStyle/>
-          <a:p>
-            <a:r>
-              <a:rPr lang="zh-CN" altLang="en-US" dirty="0"/>
-              <a:t>极简版内页</a:t>
-            </a:r>
-          </a:p>
-        </p:txBody>
-      </p:sp>
-    </p:spTree>
-    <p:extLst>
-      <p:ext uri="{BB962C8B-B14F-4D97-AF65-F5344CB8AC3E}">
-        <p14:creationId xmlns:p14="http://schemas.microsoft.com/office/powerpoint/2010/main" val="1305822291"/>
-      </p:ext>
-    </p:extLst>
-  </p:cSld>
-  <p:clrMapOvr>
-    <a:masterClrMapping/>
-  </p:clrMapOvr>
-</p:sld>
-</file>
-
-<file path=ppt/slides/slide11.xml><?xml version="1.0" encoding="utf-8"?>
-<p:sld xmlns:a="http://schemas.openxmlformats.org/drawingml/2006/main" xmlns:r="http://schemas.openxmlformats.org/officeDocument/2006/relationships" xmlns:p="http://schemas.openxmlformats.org/presentationml/2006/main">
-  <p:cSld>
-    <p:spTree>
-      <p:nvGrpSpPr>
-        <p:cNvPr id="1" name=""/>
-        <p:cNvGrpSpPr/>
-        <p:nvPr/>
-      </p:nvGrpSpPr>
-      <p:grpSpPr>
-        <a:xfrm>
-          <a:off x="0" y="0"/>
-          <a:ext cx="0" cy="0"/>
-          <a:chOff x="0" y="0"/>
-          <a:chExt cx="0" cy="0"/>
-        </a:xfrm>
-      </p:grpSpPr>
-      <p:sp>
-        <p:nvSpPr>
-          <p:cNvPr id="3" name="文本框 2"/>
-          <p:cNvSpPr txBox="1"/>
-          <p:nvPr/>
-        </p:nvSpPr>
-        <p:spPr>
-          <a:xfrm>
-            <a:off x="5544675" y="6039674"/>
-            <a:ext cx="3467616" cy="584775"/>
-          </a:xfrm>
-          <a:prstGeom prst="rect">
-            <a:avLst/>
-          </a:prstGeom>
-          <a:noFill/>
-        </p:spPr>
-        <p:txBody>
-          <a:bodyPr wrap="none" rtlCol="0">
-            <a:spAutoFit/>
-          </a:bodyPr>
-          <a:lstStyle/>
-          <a:p>
-            <a:r>
-              <a:rPr lang="zh-CN" altLang="en-US" sz="1600" dirty="0"/>
-              <a:t>空白页面，可供大型图表、图片排版</a:t>
-            </a:r>
-            <a:endParaRPr lang="en-US" altLang="zh-CN" sz="1600" dirty="0"/>
-          </a:p>
-          <a:p>
-            <a:r>
-              <a:rPr lang="zh-CN" altLang="en-US" sz="1600" dirty="0"/>
-              <a:t>此文本框仅为注释，</a:t>
-            </a:r>
-            <a:r>
-              <a:rPr lang="zh-CN" altLang="en-US" sz="1600" b="1" dirty="0">
-                <a:solidFill>
-                  <a:schemeClr val="accent1"/>
-                </a:solidFill>
-              </a:rPr>
-              <a:t>制作时请删除</a:t>
-            </a:r>
-          </a:p>
-        </p:txBody>
-      </p:sp>
-    </p:spTree>
-    <p:extLst>
-      <p:ext uri="{BB962C8B-B14F-4D97-AF65-F5344CB8AC3E}">
-        <p14:creationId xmlns:p14="http://schemas.microsoft.com/office/powerpoint/2010/main" val="119608353"/>
-      </p:ext>
-    </p:extLst>
-  </p:cSld>
-  <p:clrMapOvr>
-    <a:masterClrMapping/>
-  </p:clrMapOvr>
-  <p:transition spd="med">
-    <p:push/>
-  </p:transition>
-</p:sld>
-</file>
-
-<file path=ppt/slides/slide12.xml><?xml version="1.0" encoding="utf-8"?>
-<p:sld xmlns:a="http://schemas.openxmlformats.org/drawingml/2006/main" xmlns:r="http://schemas.openxmlformats.org/officeDocument/2006/relationships" xmlns:p="http://schemas.openxmlformats.org/presentationml/2006/main">
-  <p:cSld>
-    <p:spTree>
-      <p:nvGrpSpPr>
-        <p:cNvPr id="1" name=""/>
-        <p:cNvGrpSpPr/>
-        <p:nvPr/>
-      </p:nvGrpSpPr>
-      <p:grpSpPr>
-        <a:xfrm>
-          <a:off x="0" y="0"/>
-          <a:ext cx="0" cy="0"/>
-          <a:chOff x="0" y="0"/>
-          <a:chExt cx="0" cy="0"/>
-        </a:xfrm>
-      </p:grpSpPr>
-      <p:sp>
-        <p:nvSpPr>
-          <p:cNvPr id="2" name="内容占位符 1"/>
-          <p:cNvSpPr>
-            <a:spLocks noGrp="1"/>
-          </p:cNvSpPr>
-          <p:nvPr>
-            <p:ph sz="quarter" idx="10"/>
-          </p:nvPr>
-        </p:nvSpPr>
-        <p:spPr/>
-        <p:txBody>
-          <a:bodyPr/>
-          <a:lstStyle/>
-          <a:p>
-            <a:r>
-              <a:rPr lang="zh-CN" altLang="en-US" dirty="0"/>
-              <a:t>第一栏内容第一栏内容第一栏内容第一栏内容第一栏内容第一栏内容</a:t>
-            </a:r>
-            <a:endParaRPr lang="en-US" altLang="zh-CN" dirty="0"/>
-          </a:p>
-          <a:p>
-            <a:r>
-              <a:rPr lang="zh-CN" altLang="en-US" dirty="0"/>
-              <a:t>第一栏内容第一栏内容第一栏内容第一栏内容第一栏内容第一栏内容</a:t>
-            </a:r>
-          </a:p>
-          <a:p>
-            <a:r>
-              <a:rPr lang="zh-CN" altLang="en-US" dirty="0"/>
-              <a:t>第一栏内容第一栏内容第一栏内容第一栏内容第一栏内容第一栏内容</a:t>
-            </a:r>
-          </a:p>
-          <a:p>
-            <a:endParaRPr lang="zh-CN" altLang="en-US" dirty="0"/>
-          </a:p>
-        </p:txBody>
-      </p:sp>
-      <p:sp>
-        <p:nvSpPr>
-          <p:cNvPr id="3" name="内容占位符 2"/>
-          <p:cNvSpPr>
-            <a:spLocks noGrp="1"/>
-          </p:cNvSpPr>
-          <p:nvPr>
-            <p:ph sz="quarter" idx="11"/>
-          </p:nvPr>
-        </p:nvSpPr>
-        <p:spPr/>
-        <p:txBody>
-          <a:bodyPr/>
-          <a:lstStyle/>
-          <a:p>
-            <a:r>
-              <a:rPr lang="zh-CN" altLang="en-US" dirty="0"/>
-              <a:t>第二栏内容第二栏内容第二栏内容第二栏内容第二栏内容第二栏内容</a:t>
-            </a:r>
-          </a:p>
-          <a:p>
-            <a:r>
-              <a:rPr lang="zh-CN" altLang="en-US" dirty="0"/>
-              <a:t>第二栏内容第二栏内容第二栏内容第二栏内容第二栏内容第二栏内容</a:t>
-            </a:r>
-          </a:p>
-          <a:p>
-            <a:r>
-              <a:rPr lang="zh-CN" altLang="en-US" dirty="0"/>
-              <a:t>第二栏内容第二栏内容第二栏内容第二栏内容第二栏内容第二栏内容</a:t>
-            </a:r>
-          </a:p>
-          <a:p>
-            <a:endParaRPr lang="zh-CN" altLang="en-US" dirty="0"/>
-          </a:p>
-        </p:txBody>
-      </p:sp>
-      <p:sp>
-        <p:nvSpPr>
-          <p:cNvPr id="4" name="标题 3"/>
-          <p:cNvSpPr>
-            <a:spLocks noGrp="1"/>
-          </p:cNvSpPr>
-          <p:nvPr>
-            <p:ph type="title"/>
-          </p:nvPr>
-        </p:nvSpPr>
-        <p:spPr/>
-        <p:txBody>
-          <a:bodyPr/>
-          <a:lstStyle/>
-          <a:p>
-            <a:r>
-              <a:rPr lang="zh-CN" altLang="en-US" dirty="0"/>
-              <a:t>标题内容标题内容</a:t>
-            </a:r>
-          </a:p>
-        </p:txBody>
-      </p:sp>
-    </p:spTree>
-    <p:extLst>
-      <p:ext uri="{BB962C8B-B14F-4D97-AF65-F5344CB8AC3E}">
-        <p14:creationId xmlns:p14="http://schemas.microsoft.com/office/powerpoint/2010/main" val="3094480875"/>
-      </p:ext>
-    </p:extLst>
-  </p:cSld>
-  <p:clrMapOvr>
-    <a:masterClrMapping/>
-  </p:clrMapOvr>
-</p:sld>
-</file>
-
-<file path=ppt/slides/slide13.xml><?xml version="1.0" encoding="utf-8"?>
-<p:sld xmlns:a="http://schemas.openxmlformats.org/drawingml/2006/main" xmlns:r="http://schemas.openxmlformats.org/officeDocument/2006/relationships" xmlns:p="http://schemas.openxmlformats.org/presentationml/2006/main">
-  <p:cSld>
-    <p:spTree>
-      <p:nvGrpSpPr>
-        <p:cNvPr id="1" name=""/>
-        <p:cNvGrpSpPr/>
-        <p:nvPr/>
-      </p:nvGrpSpPr>
-      <p:grpSpPr>
-        <a:xfrm>
-          <a:off x="0" y="0"/>
-          <a:ext cx="0" cy="0"/>
-          <a:chOff x="0" y="0"/>
-          <a:chExt cx="0" cy="0"/>
-        </a:xfrm>
-      </p:grpSpPr>
-      <p:sp>
-        <p:nvSpPr>
-          <p:cNvPr id="2" name="标题 1"/>
-          <p:cNvSpPr>
-            <a:spLocks noGrp="1"/>
-          </p:cNvSpPr>
-          <p:nvPr>
-            <p:ph type="title"/>
-          </p:nvPr>
-        </p:nvSpPr>
-        <p:spPr/>
-        <p:txBody>
-          <a:bodyPr/>
-          <a:lstStyle/>
-          <a:p>
-            <a:r>
-              <a:rPr lang="zh-CN" altLang="en-US" dirty="0"/>
-              <a:t>比较内容标题</a:t>
-            </a:r>
-          </a:p>
-        </p:txBody>
-      </p:sp>
-      <p:sp>
-        <p:nvSpPr>
-          <p:cNvPr id="3" name="内容占位符 2"/>
-          <p:cNvSpPr>
-            <a:spLocks noGrp="1"/>
-          </p:cNvSpPr>
-          <p:nvPr>
-            <p:ph sz="quarter" idx="10"/>
-          </p:nvPr>
-        </p:nvSpPr>
-        <p:spPr/>
-        <p:txBody>
-          <a:bodyPr/>
-          <a:lstStyle/>
-          <a:p>
-            <a:r>
-              <a:rPr lang="zh-CN" altLang="en-US" dirty="0"/>
-              <a:t>比较内容比较内容比较内容</a:t>
-            </a:r>
-            <a:endParaRPr lang="en-US" altLang="zh-CN" dirty="0"/>
-          </a:p>
-          <a:p>
-            <a:r>
-              <a:rPr lang="zh-CN" altLang="en-US" dirty="0"/>
-              <a:t>比较内容比较内容比较内容</a:t>
-            </a:r>
-          </a:p>
-          <a:p>
-            <a:r>
-              <a:rPr lang="zh-CN" altLang="en-US" dirty="0"/>
-              <a:t>比较内容比较内容比较内容</a:t>
-            </a:r>
-          </a:p>
-          <a:p>
-            <a:r>
-              <a:rPr lang="zh-CN" altLang="en-US" dirty="0"/>
-              <a:t>比较内容比较内容比较内容</a:t>
-            </a:r>
-          </a:p>
-          <a:p>
-            <a:r>
-              <a:rPr lang="zh-CN" altLang="en-US" dirty="0"/>
-              <a:t>比较内容比较内容比较内容</a:t>
-            </a:r>
-          </a:p>
-          <a:p>
-            <a:endParaRPr lang="zh-CN" altLang="en-US" dirty="0"/>
-          </a:p>
-        </p:txBody>
-      </p:sp>
-      <p:sp>
-        <p:nvSpPr>
-          <p:cNvPr id="4" name="内容占位符 3"/>
-          <p:cNvSpPr>
-            <a:spLocks noGrp="1"/>
-          </p:cNvSpPr>
-          <p:nvPr>
-            <p:ph sz="quarter" idx="11"/>
-          </p:nvPr>
-        </p:nvSpPr>
-        <p:spPr/>
-        <p:txBody>
-          <a:bodyPr/>
-          <a:lstStyle/>
-          <a:p>
-            <a:r>
-              <a:rPr lang="zh-CN" altLang="en-US" dirty="0"/>
-              <a:t>比较内容比较内容比较内容</a:t>
-            </a:r>
-          </a:p>
-          <a:p>
-            <a:r>
-              <a:rPr lang="zh-CN" altLang="en-US" dirty="0"/>
-              <a:t>比较内容比较内容比较内容</a:t>
-            </a:r>
-          </a:p>
-          <a:p>
-            <a:r>
-              <a:rPr lang="zh-CN" altLang="en-US" dirty="0"/>
-              <a:t>比较内容比较内容比较内容</a:t>
-            </a:r>
-          </a:p>
-          <a:p>
-            <a:r>
-              <a:rPr lang="zh-CN" altLang="en-US" dirty="0"/>
-              <a:t>比较内容比较内容比较内容</a:t>
-            </a:r>
-          </a:p>
-          <a:p>
-            <a:r>
-              <a:rPr lang="zh-CN" altLang="en-US" dirty="0"/>
-              <a:t>比较内容比较内容比较内容</a:t>
-            </a:r>
-          </a:p>
-          <a:p>
-            <a:endParaRPr lang="zh-CN" altLang="en-US" dirty="0"/>
-          </a:p>
-        </p:txBody>
-      </p:sp>
-      <p:sp>
-        <p:nvSpPr>
-          <p:cNvPr id="5" name="文本占位符 4"/>
-          <p:cNvSpPr>
-            <a:spLocks noGrp="1"/>
-          </p:cNvSpPr>
-          <p:nvPr>
-            <p:ph type="body" sz="quarter" idx="3"/>
-          </p:nvPr>
-        </p:nvSpPr>
-        <p:spPr/>
-        <p:txBody>
-          <a:bodyPr>
-            <a:normAutofit/>
-          </a:bodyPr>
-          <a:lstStyle/>
-          <a:p>
-            <a:r>
-              <a:rPr lang="zh-CN" altLang="en-US" dirty="0"/>
-              <a:t>比较内容标题</a:t>
-            </a:r>
-          </a:p>
-        </p:txBody>
-      </p:sp>
-    </p:spTree>
-    <p:extLst>
-      <p:ext uri="{BB962C8B-B14F-4D97-AF65-F5344CB8AC3E}">
-        <p14:creationId xmlns:p14="http://schemas.microsoft.com/office/powerpoint/2010/main" val="1201453235"/>
-      </p:ext>
-    </p:extLst>
-  </p:cSld>
-  <p:clrMapOvr>
-    <a:masterClrMapping/>
-  </p:clrMapOvr>
-</p:sld>
-</file>
-
-<file path=ppt/slides/slide14.xml><?xml version="1.0" encoding="utf-8"?>
-<p:sld xmlns:a="http://schemas.openxmlformats.org/drawingml/2006/main" xmlns:r="http://schemas.openxmlformats.org/officeDocument/2006/relationships" xmlns:p="http://schemas.openxmlformats.org/presentationml/2006/main">
-  <p:cSld>
-    <p:spTree>
-      <p:nvGrpSpPr>
-        <p:cNvPr id="1" name=""/>
-        <p:cNvGrpSpPr/>
-        <p:nvPr/>
-      </p:nvGrpSpPr>
-      <p:grpSpPr>
-        <a:xfrm>
-          <a:off x="0" y="0"/>
-          <a:ext cx="0" cy="0"/>
-          <a:chOff x="0" y="0"/>
-          <a:chExt cx="0" cy="0"/>
-        </a:xfrm>
-      </p:grpSpPr>
-      <p:sp>
-        <p:nvSpPr>
-          <p:cNvPr id="2" name="标题 1"/>
-          <p:cNvSpPr>
-            <a:spLocks noGrp="1"/>
-          </p:cNvSpPr>
-          <p:nvPr>
-            <p:ph type="title"/>
-          </p:nvPr>
-        </p:nvSpPr>
-        <p:spPr/>
-        <p:txBody>
-          <a:bodyPr>
-            <a:normAutofit fontScale="90000"/>
-          </a:bodyPr>
-          <a:lstStyle/>
-          <a:p>
-            <a:r>
-              <a:rPr lang="zh-CN" altLang="en-US" dirty="0">
-                <a:latin typeface="微软雅黑" panose="020B0503020204020204" pitchFamily="34" charset="-122"/>
-                <a:ea typeface="微软雅黑" panose="020B0503020204020204" pitchFamily="34" charset="-122"/>
-              </a:rPr>
-              <a:t>目录 </a:t>
-            </a:r>
-            <a:r>
-              <a:rPr lang="en-US" altLang="zh-CN" dirty="0">
-                <a:latin typeface="微软雅黑" panose="020B0503020204020204" pitchFamily="34" charset="-122"/>
-                <a:ea typeface="微软雅黑" panose="020B0503020204020204" pitchFamily="34" charset="-122"/>
-              </a:rPr>
-              <a:t>Contents</a:t>
-            </a:r>
-            <a:endParaRPr lang="zh-CN" altLang="en-US" dirty="0">
-              <a:latin typeface="微软雅黑" panose="020B0503020204020204" pitchFamily="34" charset="-122"/>
-              <a:ea typeface="微软雅黑" panose="020B0503020204020204" pitchFamily="34" charset="-122"/>
-            </a:endParaRPr>
-          </a:p>
-        </p:txBody>
-      </p:sp>
-      <p:sp>
-        <p:nvSpPr>
-          <p:cNvPr id="4" name="Freeform 10"/>
-          <p:cNvSpPr>
-            <a:spLocks/>
-          </p:cNvSpPr>
-          <p:nvPr userDrawn="1"/>
-        </p:nvSpPr>
-        <p:spPr bwMode="auto">
-          <a:xfrm>
-            <a:off x="1841535" y="1367357"/>
-            <a:ext cx="843427" cy="343858"/>
-          </a:xfrm>
-          <a:custGeom>
-            <a:avLst/>
-            <a:gdLst>
-              <a:gd name="T0" fmla="*/ 3120 w 3800"/>
-              <a:gd name="T1" fmla="*/ 0 h 1532"/>
-              <a:gd name="T2" fmla="*/ 682 w 3800"/>
-              <a:gd name="T3" fmla="*/ 0 h 1532"/>
-              <a:gd name="T4" fmla="*/ 682 w 3800"/>
-              <a:gd name="T5" fmla="*/ 284 h 1532"/>
-              <a:gd name="T6" fmla="*/ 0 w 3800"/>
-              <a:gd name="T7" fmla="*/ 766 h 1532"/>
-              <a:gd name="T8" fmla="*/ 682 w 3800"/>
-              <a:gd name="T9" fmla="*/ 1248 h 1532"/>
-              <a:gd name="T10" fmla="*/ 682 w 3800"/>
-              <a:gd name="T11" fmla="*/ 1532 h 1532"/>
-              <a:gd name="T12" fmla="*/ 3120 w 3800"/>
-              <a:gd name="T13" fmla="*/ 1532 h 1532"/>
-              <a:gd name="T14" fmla="*/ 3120 w 3800"/>
-              <a:gd name="T15" fmla="*/ 1248 h 1532"/>
-              <a:gd name="T16" fmla="*/ 3800 w 3800"/>
-              <a:gd name="T17" fmla="*/ 766 h 1532"/>
-              <a:gd name="T18" fmla="*/ 3120 w 3800"/>
-              <a:gd name="T19" fmla="*/ 284 h 1532"/>
-              <a:gd name="T20" fmla="*/ 3120 w 3800"/>
-              <a:gd name="T21" fmla="*/ 0 h 1532"/>
-            </a:gdLst>
-            <a:ahLst/>
-            <a:cxnLst>
-              <a:cxn ang="0">
-                <a:pos x="T0" y="T1"/>
-              </a:cxn>
-              <a:cxn ang="0">
-                <a:pos x="T2" y="T3"/>
-              </a:cxn>
-              <a:cxn ang="0">
-                <a:pos x="T4" y="T5"/>
-              </a:cxn>
-              <a:cxn ang="0">
-                <a:pos x="T6" y="T7"/>
-              </a:cxn>
-              <a:cxn ang="0">
-                <a:pos x="T8" y="T9"/>
-              </a:cxn>
-              <a:cxn ang="0">
-                <a:pos x="T10" y="T11"/>
-              </a:cxn>
-              <a:cxn ang="0">
-                <a:pos x="T12" y="T13"/>
-              </a:cxn>
-              <a:cxn ang="0">
-                <a:pos x="T14" y="T15"/>
-              </a:cxn>
-              <a:cxn ang="0">
-                <a:pos x="T16" y="T17"/>
-              </a:cxn>
-              <a:cxn ang="0">
-                <a:pos x="T18" y="T19"/>
-              </a:cxn>
-              <a:cxn ang="0">
-                <a:pos x="T20" y="T21"/>
-              </a:cxn>
-            </a:cxnLst>
-            <a:rect l="0" t="0" r="r" b="b"/>
-            <a:pathLst>
-              <a:path w="3800" h="1532">
-                <a:moveTo>
-                  <a:pt x="3120" y="0"/>
-                </a:moveTo>
-                <a:lnTo>
-                  <a:pt x="682" y="0"/>
-                </a:lnTo>
-                <a:lnTo>
-                  <a:pt x="682" y="284"/>
-                </a:lnTo>
-                <a:lnTo>
-                  <a:pt x="0" y="766"/>
-                </a:lnTo>
-                <a:lnTo>
-                  <a:pt x="682" y="1248"/>
-                </a:lnTo>
-                <a:lnTo>
-                  <a:pt x="682" y="1532"/>
-                </a:lnTo>
-                <a:lnTo>
-                  <a:pt x="3120" y="1532"/>
-                </a:lnTo>
-                <a:lnTo>
-                  <a:pt x="3120" y="1248"/>
-                </a:lnTo>
-                <a:lnTo>
-                  <a:pt x="3800" y="766"/>
-                </a:lnTo>
-                <a:lnTo>
-                  <a:pt x="3120" y="284"/>
-                </a:lnTo>
-                <a:lnTo>
-                  <a:pt x="3120" y="0"/>
-                </a:lnTo>
-                <a:close/>
-              </a:path>
-            </a:pathLst>
-          </a:custGeom>
-          <a:solidFill>
-            <a:schemeClr val="bg2"/>
-          </a:solidFill>
-          <a:ln>
-            <a:noFill/>
-          </a:ln>
-        </p:spPr>
-        <p:txBody>
-          <a:bodyPr vert="horz" wrap="square" lIns="91440" tIns="45720" rIns="91440" bIns="45720" numCol="1" anchor="ctr" anchorCtr="0" compatLnSpc="1">
-            <a:prstTxWarp prst="textNoShape">
-              <a:avLst/>
-            </a:prstTxWarp>
-            <a:noAutofit/>
-          </a:bodyPr>
-          <a:lstStyle/>
-          <a:p>
-            <a:pPr algn="ctr"/>
-            <a:endParaRPr lang="zh-CN" altLang="en-US" sz="3200" b="1"/>
-          </a:p>
-        </p:txBody>
-      </p:sp>
-      <p:sp>
-        <p:nvSpPr>
-          <p:cNvPr id="5" name="文本框 4"/>
-          <p:cNvSpPr txBox="1"/>
-          <p:nvPr userDrawn="1"/>
-        </p:nvSpPr>
-        <p:spPr>
-          <a:xfrm>
-            <a:off x="2071646" y="1303550"/>
-            <a:ext cx="383206" cy="443226"/>
-          </a:xfrm>
-          <a:prstGeom prst="rect">
-            <a:avLst/>
-          </a:prstGeom>
-          <a:noFill/>
-        </p:spPr>
-        <p:txBody>
-          <a:bodyPr wrap="none" rtlCol="0" anchor="ctr">
-            <a:noAutofit/>
-          </a:bodyPr>
-          <a:lstStyle/>
-          <a:p>
-            <a:pPr algn="ctr"/>
-            <a:r>
-              <a:rPr lang="en-US" altLang="zh-CN" b="1" dirty="0">
-                <a:solidFill>
-                  <a:schemeClr val="bg1"/>
-                </a:solidFill>
-                <a:latin typeface="微软雅黑" panose="020B0503020204020204" pitchFamily="34" charset="-122"/>
-                <a:ea typeface="微软雅黑" panose="020B0503020204020204" pitchFamily="34" charset="-122"/>
-              </a:rPr>
-              <a:t>1</a:t>
-            </a:r>
-            <a:endParaRPr lang="zh-CN" altLang="en-US" b="1" dirty="0">
-              <a:solidFill>
-                <a:schemeClr val="bg1"/>
-              </a:solidFill>
-              <a:latin typeface="微软雅黑" panose="020B0503020204020204" pitchFamily="34" charset="-122"/>
-              <a:ea typeface="微软雅黑" panose="020B0503020204020204" pitchFamily="34" charset="-122"/>
-            </a:endParaRPr>
-          </a:p>
-        </p:txBody>
-      </p:sp>
-      <p:cxnSp>
-        <p:nvCxnSpPr>
-          <p:cNvPr id="7" name="直接连接符 6"/>
-          <p:cNvCxnSpPr>
-            <a:stCxn id="4" idx="6"/>
-          </p:cNvCxnSpPr>
-          <p:nvPr/>
-        </p:nvCxnSpPr>
-        <p:spPr>
-          <a:xfrm>
-            <a:off x="2534033" y="1711215"/>
-            <a:ext cx="4500000" cy="0"/>
-          </a:xfrm>
-          <a:prstGeom prst="line">
-            <a:avLst/>
-          </a:prstGeom>
-          <a:ln>
-            <a:solidFill>
-              <a:schemeClr val="bg2"/>
-            </a:solidFill>
-          </a:ln>
-        </p:spPr>
-        <p:style>
-          <a:lnRef idx="1">
-            <a:schemeClr val="accent1"/>
-          </a:lnRef>
-          <a:fillRef idx="0">
-            <a:schemeClr val="accent1"/>
-          </a:fillRef>
-          <a:effectRef idx="0">
-            <a:schemeClr val="accent1"/>
-          </a:effectRef>
-          <a:fontRef idx="minor">
-            <a:schemeClr val="tx1"/>
-          </a:fontRef>
-        </p:style>
-      </p:cxnSp>
-      <p:sp>
-        <p:nvSpPr>
-          <p:cNvPr id="11" name="文本框 10"/>
-          <p:cNvSpPr txBox="1"/>
-          <p:nvPr/>
-        </p:nvSpPr>
-        <p:spPr>
-          <a:xfrm>
-            <a:off x="2915073" y="1274734"/>
-            <a:ext cx="4387392" cy="461665"/>
-          </a:xfrm>
-          <a:prstGeom prst="rect">
-            <a:avLst/>
-          </a:prstGeom>
-          <a:noFill/>
-        </p:spPr>
-        <p:txBody>
-          <a:bodyPr wrap="square" rtlCol="0">
-            <a:spAutoFit/>
-          </a:bodyPr>
-          <a:lstStyle/>
-          <a:p>
-            <a:r>
-              <a:rPr lang="zh-CN" altLang="en-US" sz="2400" dirty="0">
-                <a:solidFill>
-                  <a:schemeClr val="tx1">
-                    <a:lumMod val="75000"/>
-                    <a:lumOff val="25000"/>
-                  </a:schemeClr>
-                </a:solidFill>
-              </a:rPr>
-              <a:t>说明</a:t>
-            </a:r>
-          </a:p>
-        </p:txBody>
-      </p:sp>
-      <p:sp>
-        <p:nvSpPr>
-          <p:cNvPr id="13" name="Freeform 10"/>
-          <p:cNvSpPr>
-            <a:spLocks/>
-          </p:cNvSpPr>
-          <p:nvPr userDrawn="1"/>
-        </p:nvSpPr>
-        <p:spPr bwMode="auto">
-          <a:xfrm>
-            <a:off x="1841535" y="2287330"/>
-            <a:ext cx="843427" cy="343858"/>
-          </a:xfrm>
-          <a:custGeom>
-            <a:avLst/>
-            <a:gdLst>
-              <a:gd name="T0" fmla="*/ 3120 w 3800"/>
-              <a:gd name="T1" fmla="*/ 0 h 1532"/>
-              <a:gd name="T2" fmla="*/ 682 w 3800"/>
-              <a:gd name="T3" fmla="*/ 0 h 1532"/>
-              <a:gd name="T4" fmla="*/ 682 w 3800"/>
-              <a:gd name="T5" fmla="*/ 284 h 1532"/>
-              <a:gd name="T6" fmla="*/ 0 w 3800"/>
-              <a:gd name="T7" fmla="*/ 766 h 1532"/>
-              <a:gd name="T8" fmla="*/ 682 w 3800"/>
-              <a:gd name="T9" fmla="*/ 1248 h 1532"/>
-              <a:gd name="T10" fmla="*/ 682 w 3800"/>
-              <a:gd name="T11" fmla="*/ 1532 h 1532"/>
-              <a:gd name="T12" fmla="*/ 3120 w 3800"/>
-              <a:gd name="T13" fmla="*/ 1532 h 1532"/>
-              <a:gd name="T14" fmla="*/ 3120 w 3800"/>
-              <a:gd name="T15" fmla="*/ 1248 h 1532"/>
-              <a:gd name="T16" fmla="*/ 3800 w 3800"/>
-              <a:gd name="T17" fmla="*/ 766 h 1532"/>
-              <a:gd name="T18" fmla="*/ 3120 w 3800"/>
-              <a:gd name="T19" fmla="*/ 284 h 1532"/>
-              <a:gd name="T20" fmla="*/ 3120 w 3800"/>
-              <a:gd name="T21" fmla="*/ 0 h 1532"/>
-            </a:gdLst>
-            <a:ahLst/>
-            <a:cxnLst>
-              <a:cxn ang="0">
-                <a:pos x="T0" y="T1"/>
-              </a:cxn>
-              <a:cxn ang="0">
-                <a:pos x="T2" y="T3"/>
-              </a:cxn>
-              <a:cxn ang="0">
-                <a:pos x="T4" y="T5"/>
-              </a:cxn>
-              <a:cxn ang="0">
-                <a:pos x="T6" y="T7"/>
-              </a:cxn>
-              <a:cxn ang="0">
-                <a:pos x="T8" y="T9"/>
-              </a:cxn>
-              <a:cxn ang="0">
-                <a:pos x="T10" y="T11"/>
-              </a:cxn>
-              <a:cxn ang="0">
-                <a:pos x="T12" y="T13"/>
-              </a:cxn>
-              <a:cxn ang="0">
-                <a:pos x="T14" y="T15"/>
-              </a:cxn>
-              <a:cxn ang="0">
-                <a:pos x="T16" y="T17"/>
-              </a:cxn>
-              <a:cxn ang="0">
-                <a:pos x="T18" y="T19"/>
-              </a:cxn>
-              <a:cxn ang="0">
-                <a:pos x="T20" y="T21"/>
-              </a:cxn>
-            </a:cxnLst>
-            <a:rect l="0" t="0" r="r" b="b"/>
-            <a:pathLst>
-              <a:path w="3800" h="1532">
-                <a:moveTo>
-                  <a:pt x="3120" y="0"/>
-                </a:moveTo>
-                <a:lnTo>
-                  <a:pt x="682" y="0"/>
-                </a:lnTo>
-                <a:lnTo>
-                  <a:pt x="682" y="284"/>
-                </a:lnTo>
-                <a:lnTo>
-                  <a:pt x="0" y="766"/>
-                </a:lnTo>
-                <a:lnTo>
-                  <a:pt x="682" y="1248"/>
-                </a:lnTo>
-                <a:lnTo>
-                  <a:pt x="682" y="1532"/>
-                </a:lnTo>
-                <a:lnTo>
-                  <a:pt x="3120" y="1532"/>
-                </a:lnTo>
-                <a:lnTo>
-                  <a:pt x="3120" y="1248"/>
-                </a:lnTo>
-                <a:lnTo>
-                  <a:pt x="3800" y="766"/>
-                </a:lnTo>
-                <a:lnTo>
-                  <a:pt x="3120" y="284"/>
-                </a:lnTo>
-                <a:lnTo>
-                  <a:pt x="3120" y="0"/>
-                </a:lnTo>
-                <a:close/>
-              </a:path>
-            </a:pathLst>
-          </a:custGeom>
-          <a:solidFill>
-            <a:schemeClr val="bg2"/>
-          </a:solidFill>
-          <a:ln>
-            <a:noFill/>
-          </a:ln>
-        </p:spPr>
-        <p:txBody>
-          <a:bodyPr vert="horz" wrap="square" lIns="91440" tIns="45720" rIns="91440" bIns="45720" numCol="1" anchor="ctr" anchorCtr="0" compatLnSpc="1">
-            <a:prstTxWarp prst="textNoShape">
-              <a:avLst/>
-            </a:prstTxWarp>
-            <a:noAutofit/>
-          </a:bodyPr>
-          <a:lstStyle/>
-          <a:p>
-            <a:pPr algn="ctr"/>
-            <a:endParaRPr lang="zh-CN" altLang="en-US" sz="3200" b="1"/>
-          </a:p>
-        </p:txBody>
-      </p:sp>
-      <p:sp>
-        <p:nvSpPr>
-          <p:cNvPr id="14" name="文本框 13"/>
-          <p:cNvSpPr txBox="1"/>
-          <p:nvPr userDrawn="1"/>
-        </p:nvSpPr>
-        <p:spPr>
-          <a:xfrm>
-            <a:off x="2071646" y="2223523"/>
-            <a:ext cx="383206" cy="443226"/>
-          </a:xfrm>
-          <a:prstGeom prst="rect">
-            <a:avLst/>
-          </a:prstGeom>
-          <a:noFill/>
-        </p:spPr>
-        <p:txBody>
-          <a:bodyPr wrap="none" rtlCol="0" anchor="ctr">
-            <a:noAutofit/>
-          </a:bodyPr>
-          <a:lstStyle/>
-          <a:p>
-            <a:pPr algn="ctr"/>
-            <a:r>
-              <a:rPr lang="en-US" altLang="zh-CN" b="1" dirty="0">
-                <a:solidFill>
-                  <a:schemeClr val="bg1"/>
-                </a:solidFill>
-                <a:latin typeface="微软雅黑" panose="020B0503020204020204" pitchFamily="34" charset="-122"/>
-                <a:ea typeface="微软雅黑" panose="020B0503020204020204" pitchFamily="34" charset="-122"/>
-              </a:rPr>
-              <a:t>2</a:t>
-            </a:r>
-            <a:endParaRPr lang="zh-CN" altLang="en-US" b="1" dirty="0">
-              <a:solidFill>
-                <a:schemeClr val="bg1"/>
-              </a:solidFill>
-              <a:latin typeface="微软雅黑" panose="020B0503020204020204" pitchFamily="34" charset="-122"/>
-              <a:ea typeface="微软雅黑" panose="020B0503020204020204" pitchFamily="34" charset="-122"/>
-            </a:endParaRPr>
-          </a:p>
-        </p:txBody>
-      </p:sp>
-      <p:cxnSp>
-        <p:nvCxnSpPr>
-          <p:cNvPr id="15" name="直接连接符 14"/>
-          <p:cNvCxnSpPr>
-            <a:stCxn id="13" idx="6"/>
-          </p:cNvCxnSpPr>
-          <p:nvPr/>
-        </p:nvCxnSpPr>
-        <p:spPr>
-          <a:xfrm>
-            <a:off x="2534033" y="2631188"/>
-            <a:ext cx="4500000" cy="0"/>
-          </a:xfrm>
-          <a:prstGeom prst="line">
-            <a:avLst/>
-          </a:prstGeom>
-          <a:ln>
-            <a:solidFill>
-              <a:schemeClr val="bg2"/>
-            </a:solidFill>
-          </a:ln>
-        </p:spPr>
-        <p:style>
-          <a:lnRef idx="1">
-            <a:schemeClr val="accent1"/>
-          </a:lnRef>
-          <a:fillRef idx="0">
-            <a:schemeClr val="accent1"/>
-          </a:fillRef>
-          <a:effectRef idx="0">
-            <a:schemeClr val="accent1"/>
-          </a:effectRef>
-          <a:fontRef idx="minor">
-            <a:schemeClr val="tx1"/>
-          </a:fontRef>
-        </p:style>
-      </p:cxnSp>
-      <p:sp>
-        <p:nvSpPr>
-          <p:cNvPr id="16" name="文本框 15"/>
-          <p:cNvSpPr txBox="1"/>
-          <p:nvPr/>
-        </p:nvSpPr>
-        <p:spPr>
-          <a:xfrm>
-            <a:off x="2915073" y="2194707"/>
-            <a:ext cx="4387392" cy="461665"/>
-          </a:xfrm>
-          <a:prstGeom prst="rect">
-            <a:avLst/>
-          </a:prstGeom>
-          <a:noFill/>
-        </p:spPr>
-        <p:txBody>
-          <a:bodyPr wrap="square" rtlCol="0">
-            <a:spAutoFit/>
-          </a:bodyPr>
-          <a:lstStyle/>
-          <a:p>
-            <a:r>
-              <a:rPr lang="zh-CN" altLang="en-US" sz="2400" dirty="0">
-                <a:solidFill>
-                  <a:schemeClr val="tx1">
-                    <a:lumMod val="75000"/>
-                    <a:lumOff val="25000"/>
-                  </a:schemeClr>
-                </a:solidFill>
-              </a:rPr>
-              <a:t>无页码版式</a:t>
-            </a:r>
-          </a:p>
-        </p:txBody>
-      </p:sp>
-      <p:sp>
-        <p:nvSpPr>
-          <p:cNvPr id="18" name="Freeform 10"/>
-          <p:cNvSpPr>
-            <a:spLocks/>
-          </p:cNvSpPr>
-          <p:nvPr userDrawn="1"/>
-        </p:nvSpPr>
-        <p:spPr bwMode="auto">
-          <a:xfrm>
-            <a:off x="1841535" y="3207303"/>
-            <a:ext cx="843427" cy="343858"/>
-          </a:xfrm>
-          <a:custGeom>
-            <a:avLst/>
-            <a:gdLst>
-              <a:gd name="T0" fmla="*/ 3120 w 3800"/>
-              <a:gd name="T1" fmla="*/ 0 h 1532"/>
-              <a:gd name="T2" fmla="*/ 682 w 3800"/>
-              <a:gd name="T3" fmla="*/ 0 h 1532"/>
-              <a:gd name="T4" fmla="*/ 682 w 3800"/>
-              <a:gd name="T5" fmla="*/ 284 h 1532"/>
-              <a:gd name="T6" fmla="*/ 0 w 3800"/>
-              <a:gd name="T7" fmla="*/ 766 h 1532"/>
-              <a:gd name="T8" fmla="*/ 682 w 3800"/>
-              <a:gd name="T9" fmla="*/ 1248 h 1532"/>
-              <a:gd name="T10" fmla="*/ 682 w 3800"/>
-              <a:gd name="T11" fmla="*/ 1532 h 1532"/>
-              <a:gd name="T12" fmla="*/ 3120 w 3800"/>
-              <a:gd name="T13" fmla="*/ 1532 h 1532"/>
-              <a:gd name="T14" fmla="*/ 3120 w 3800"/>
-              <a:gd name="T15" fmla="*/ 1248 h 1532"/>
-              <a:gd name="T16" fmla="*/ 3800 w 3800"/>
-              <a:gd name="T17" fmla="*/ 766 h 1532"/>
-              <a:gd name="T18" fmla="*/ 3120 w 3800"/>
-              <a:gd name="T19" fmla="*/ 284 h 1532"/>
-              <a:gd name="T20" fmla="*/ 3120 w 3800"/>
-              <a:gd name="T21" fmla="*/ 0 h 1532"/>
-            </a:gdLst>
-            <a:ahLst/>
-            <a:cxnLst>
-              <a:cxn ang="0">
-                <a:pos x="T0" y="T1"/>
-              </a:cxn>
-              <a:cxn ang="0">
-                <a:pos x="T2" y="T3"/>
-              </a:cxn>
-              <a:cxn ang="0">
-                <a:pos x="T4" y="T5"/>
-              </a:cxn>
-              <a:cxn ang="0">
-                <a:pos x="T6" y="T7"/>
-              </a:cxn>
-              <a:cxn ang="0">
-                <a:pos x="T8" y="T9"/>
-              </a:cxn>
-              <a:cxn ang="0">
-                <a:pos x="T10" y="T11"/>
-              </a:cxn>
-              <a:cxn ang="0">
-                <a:pos x="T12" y="T13"/>
-              </a:cxn>
-              <a:cxn ang="0">
-                <a:pos x="T14" y="T15"/>
-              </a:cxn>
-              <a:cxn ang="0">
-                <a:pos x="T16" y="T17"/>
-              </a:cxn>
-              <a:cxn ang="0">
-                <a:pos x="T18" y="T19"/>
-              </a:cxn>
-              <a:cxn ang="0">
-                <a:pos x="T20" y="T21"/>
-              </a:cxn>
-            </a:cxnLst>
-            <a:rect l="0" t="0" r="r" b="b"/>
-            <a:pathLst>
-              <a:path w="3800" h="1532">
-                <a:moveTo>
-                  <a:pt x="3120" y="0"/>
-                </a:moveTo>
-                <a:lnTo>
-                  <a:pt x="682" y="0"/>
-                </a:lnTo>
-                <a:lnTo>
-                  <a:pt x="682" y="284"/>
-                </a:lnTo>
-                <a:lnTo>
-                  <a:pt x="0" y="766"/>
-                </a:lnTo>
-                <a:lnTo>
-                  <a:pt x="682" y="1248"/>
-                </a:lnTo>
-                <a:lnTo>
-                  <a:pt x="682" y="1532"/>
-                </a:lnTo>
-                <a:lnTo>
-                  <a:pt x="3120" y="1532"/>
-                </a:lnTo>
-                <a:lnTo>
-                  <a:pt x="3120" y="1248"/>
-                </a:lnTo>
-                <a:lnTo>
-                  <a:pt x="3800" y="766"/>
-                </a:lnTo>
-                <a:lnTo>
-                  <a:pt x="3120" y="284"/>
-                </a:lnTo>
-                <a:lnTo>
-                  <a:pt x="3120" y="0"/>
-                </a:lnTo>
-                <a:close/>
-              </a:path>
-            </a:pathLst>
-          </a:custGeom>
-          <a:solidFill>
-            <a:schemeClr val="accent1"/>
-          </a:solidFill>
-          <a:ln>
-            <a:noFill/>
-          </a:ln>
-        </p:spPr>
-        <p:txBody>
-          <a:bodyPr vert="horz" wrap="square" lIns="91440" tIns="45720" rIns="91440" bIns="45720" numCol="1" anchor="ctr" anchorCtr="0" compatLnSpc="1">
-            <a:prstTxWarp prst="textNoShape">
-              <a:avLst/>
-            </a:prstTxWarp>
-            <a:noAutofit/>
-          </a:bodyPr>
-          <a:lstStyle/>
-          <a:p>
-            <a:pPr algn="ctr"/>
-            <a:endParaRPr lang="zh-CN" altLang="en-US" sz="3200" b="1"/>
-          </a:p>
-        </p:txBody>
-      </p:sp>
-      <p:sp>
-        <p:nvSpPr>
-          <p:cNvPr id="19" name="文本框 18"/>
-          <p:cNvSpPr txBox="1"/>
-          <p:nvPr userDrawn="1"/>
-        </p:nvSpPr>
-        <p:spPr>
-          <a:xfrm>
-            <a:off x="2071646" y="3143496"/>
-            <a:ext cx="383206" cy="443226"/>
-          </a:xfrm>
-          <a:prstGeom prst="rect">
-            <a:avLst/>
-          </a:prstGeom>
-          <a:noFill/>
-        </p:spPr>
-        <p:txBody>
-          <a:bodyPr wrap="none" rtlCol="0" anchor="ctr">
-            <a:noAutofit/>
-          </a:bodyPr>
-          <a:lstStyle/>
-          <a:p>
-            <a:pPr algn="ctr"/>
-            <a:r>
-              <a:rPr lang="en-US" altLang="zh-CN" b="1" dirty="0">
-                <a:solidFill>
-                  <a:schemeClr val="bg1"/>
-                </a:solidFill>
-                <a:latin typeface="微软雅黑" panose="020B0503020204020204" pitchFamily="34" charset="-122"/>
-                <a:ea typeface="微软雅黑" panose="020B0503020204020204" pitchFamily="34" charset="-122"/>
-              </a:rPr>
-              <a:t>3</a:t>
-            </a:r>
-            <a:endParaRPr lang="zh-CN" altLang="en-US" b="1" dirty="0">
-              <a:solidFill>
-                <a:schemeClr val="bg1"/>
-              </a:solidFill>
-              <a:latin typeface="微软雅黑" panose="020B0503020204020204" pitchFamily="34" charset="-122"/>
-              <a:ea typeface="微软雅黑" panose="020B0503020204020204" pitchFamily="34" charset="-122"/>
-            </a:endParaRPr>
-          </a:p>
-        </p:txBody>
-      </p:sp>
-      <p:cxnSp>
-        <p:nvCxnSpPr>
-          <p:cNvPr id="20" name="直接连接符 19"/>
-          <p:cNvCxnSpPr>
-            <a:stCxn id="18" idx="6"/>
-          </p:cNvCxnSpPr>
-          <p:nvPr/>
-        </p:nvCxnSpPr>
-        <p:spPr>
-          <a:xfrm>
-            <a:off x="2534033" y="3551161"/>
-            <a:ext cx="4500000" cy="0"/>
-          </a:xfrm>
-          <a:prstGeom prst="line">
-            <a:avLst/>
-          </a:prstGeom>
-          <a:ln>
-            <a:solidFill>
-              <a:schemeClr val="accent1"/>
-            </a:solidFill>
-          </a:ln>
-        </p:spPr>
-        <p:style>
-          <a:lnRef idx="1">
-            <a:schemeClr val="accent1"/>
-          </a:lnRef>
-          <a:fillRef idx="0">
-            <a:schemeClr val="accent1"/>
-          </a:fillRef>
-          <a:effectRef idx="0">
-            <a:schemeClr val="accent1"/>
-          </a:effectRef>
-          <a:fontRef idx="minor">
-            <a:schemeClr val="tx1"/>
-          </a:fontRef>
-        </p:style>
-      </p:cxnSp>
-      <p:sp>
-        <p:nvSpPr>
-          <p:cNvPr id="21" name="文本框 20"/>
-          <p:cNvSpPr txBox="1"/>
-          <p:nvPr/>
-        </p:nvSpPr>
-        <p:spPr>
-          <a:xfrm>
-            <a:off x="2915073" y="3114680"/>
-            <a:ext cx="4387392" cy="461665"/>
-          </a:xfrm>
-          <a:prstGeom prst="rect">
-            <a:avLst/>
-          </a:prstGeom>
-          <a:noFill/>
-        </p:spPr>
-        <p:txBody>
-          <a:bodyPr wrap="square" rtlCol="0">
-            <a:spAutoFit/>
-          </a:bodyPr>
-          <a:lstStyle/>
-          <a:p>
-            <a:r>
-              <a:rPr lang="zh-CN" altLang="en-US" sz="2400" dirty="0">
-                <a:solidFill>
-                  <a:schemeClr val="tx1">
-                    <a:lumMod val="75000"/>
-                    <a:lumOff val="25000"/>
-                  </a:schemeClr>
-                </a:solidFill>
-              </a:rPr>
-              <a:t>有页码版式</a:t>
-            </a:r>
-          </a:p>
-        </p:txBody>
-      </p:sp>
-      <p:sp>
-        <p:nvSpPr>
-          <p:cNvPr id="23" name="Freeform 10"/>
-          <p:cNvSpPr>
-            <a:spLocks/>
-          </p:cNvSpPr>
-          <p:nvPr userDrawn="1"/>
-        </p:nvSpPr>
-        <p:spPr bwMode="auto">
-          <a:xfrm>
-            <a:off x="1841535" y="4127276"/>
-            <a:ext cx="843427" cy="343858"/>
-          </a:xfrm>
-          <a:custGeom>
-            <a:avLst/>
-            <a:gdLst>
-              <a:gd name="T0" fmla="*/ 3120 w 3800"/>
-              <a:gd name="T1" fmla="*/ 0 h 1532"/>
-              <a:gd name="T2" fmla="*/ 682 w 3800"/>
-              <a:gd name="T3" fmla="*/ 0 h 1532"/>
-              <a:gd name="T4" fmla="*/ 682 w 3800"/>
-              <a:gd name="T5" fmla="*/ 284 h 1532"/>
-              <a:gd name="T6" fmla="*/ 0 w 3800"/>
-              <a:gd name="T7" fmla="*/ 766 h 1532"/>
-              <a:gd name="T8" fmla="*/ 682 w 3800"/>
-              <a:gd name="T9" fmla="*/ 1248 h 1532"/>
-              <a:gd name="T10" fmla="*/ 682 w 3800"/>
-              <a:gd name="T11" fmla="*/ 1532 h 1532"/>
-              <a:gd name="T12" fmla="*/ 3120 w 3800"/>
-              <a:gd name="T13" fmla="*/ 1532 h 1532"/>
-              <a:gd name="T14" fmla="*/ 3120 w 3800"/>
-              <a:gd name="T15" fmla="*/ 1248 h 1532"/>
-              <a:gd name="T16" fmla="*/ 3800 w 3800"/>
-              <a:gd name="T17" fmla="*/ 766 h 1532"/>
-              <a:gd name="T18" fmla="*/ 3120 w 3800"/>
-              <a:gd name="T19" fmla="*/ 284 h 1532"/>
-              <a:gd name="T20" fmla="*/ 3120 w 3800"/>
-              <a:gd name="T21" fmla="*/ 0 h 1532"/>
-            </a:gdLst>
-            <a:ahLst/>
-            <a:cxnLst>
-              <a:cxn ang="0">
-                <a:pos x="T0" y="T1"/>
-              </a:cxn>
-              <a:cxn ang="0">
-                <a:pos x="T2" y="T3"/>
-              </a:cxn>
-              <a:cxn ang="0">
-                <a:pos x="T4" y="T5"/>
-              </a:cxn>
-              <a:cxn ang="0">
-                <a:pos x="T6" y="T7"/>
-              </a:cxn>
-              <a:cxn ang="0">
-                <a:pos x="T8" y="T9"/>
-              </a:cxn>
-              <a:cxn ang="0">
-                <a:pos x="T10" y="T11"/>
-              </a:cxn>
-              <a:cxn ang="0">
-                <a:pos x="T12" y="T13"/>
-              </a:cxn>
-              <a:cxn ang="0">
-                <a:pos x="T14" y="T15"/>
-              </a:cxn>
-              <a:cxn ang="0">
-                <a:pos x="T16" y="T17"/>
-              </a:cxn>
-              <a:cxn ang="0">
-                <a:pos x="T18" y="T19"/>
-              </a:cxn>
-              <a:cxn ang="0">
-                <a:pos x="T20" y="T21"/>
-              </a:cxn>
-            </a:cxnLst>
-            <a:rect l="0" t="0" r="r" b="b"/>
-            <a:pathLst>
-              <a:path w="3800" h="1532">
-                <a:moveTo>
-                  <a:pt x="3120" y="0"/>
-                </a:moveTo>
-                <a:lnTo>
-                  <a:pt x="682" y="0"/>
-                </a:lnTo>
-                <a:lnTo>
-                  <a:pt x="682" y="284"/>
-                </a:lnTo>
-                <a:lnTo>
-                  <a:pt x="0" y="766"/>
-                </a:lnTo>
-                <a:lnTo>
-                  <a:pt x="682" y="1248"/>
-                </a:lnTo>
-                <a:lnTo>
-                  <a:pt x="682" y="1532"/>
-                </a:lnTo>
-                <a:lnTo>
-                  <a:pt x="3120" y="1532"/>
-                </a:lnTo>
-                <a:lnTo>
-                  <a:pt x="3120" y="1248"/>
-                </a:lnTo>
-                <a:lnTo>
-                  <a:pt x="3800" y="766"/>
-                </a:lnTo>
-                <a:lnTo>
-                  <a:pt x="3120" y="284"/>
-                </a:lnTo>
-                <a:lnTo>
-                  <a:pt x="3120" y="0"/>
-                </a:lnTo>
-                <a:close/>
-              </a:path>
-            </a:pathLst>
-          </a:custGeom>
-          <a:solidFill>
-            <a:schemeClr val="bg2"/>
-          </a:solidFill>
-          <a:ln>
-            <a:noFill/>
-          </a:ln>
-        </p:spPr>
-        <p:txBody>
-          <a:bodyPr vert="horz" wrap="square" lIns="91440" tIns="45720" rIns="91440" bIns="45720" numCol="1" anchor="ctr" anchorCtr="0" compatLnSpc="1">
-            <a:prstTxWarp prst="textNoShape">
-              <a:avLst/>
-            </a:prstTxWarp>
-            <a:noAutofit/>
-          </a:bodyPr>
-          <a:lstStyle/>
-          <a:p>
-            <a:pPr algn="ctr"/>
-            <a:endParaRPr lang="zh-CN" altLang="en-US" sz="3200" b="1"/>
-          </a:p>
-        </p:txBody>
-      </p:sp>
-      <p:sp>
-        <p:nvSpPr>
-          <p:cNvPr id="24" name="文本框 23"/>
-          <p:cNvSpPr txBox="1"/>
-          <p:nvPr userDrawn="1"/>
-        </p:nvSpPr>
-        <p:spPr>
-          <a:xfrm>
-            <a:off x="2071646" y="4063469"/>
-            <a:ext cx="383206" cy="443226"/>
-          </a:xfrm>
-          <a:prstGeom prst="rect">
-            <a:avLst/>
-          </a:prstGeom>
-          <a:noFill/>
-        </p:spPr>
-        <p:txBody>
-          <a:bodyPr wrap="none" rtlCol="0" anchor="ctr">
-            <a:noAutofit/>
-          </a:bodyPr>
-          <a:lstStyle/>
-          <a:p>
-            <a:pPr algn="ctr"/>
-            <a:r>
-              <a:rPr lang="en-US" altLang="zh-CN" b="1" dirty="0">
-                <a:solidFill>
-                  <a:schemeClr val="bg1"/>
-                </a:solidFill>
-                <a:latin typeface="微软雅黑" panose="020B0503020204020204" pitchFamily="34" charset="-122"/>
-                <a:ea typeface="微软雅黑" panose="020B0503020204020204" pitchFamily="34" charset="-122"/>
-              </a:rPr>
-              <a:t>4</a:t>
-            </a:r>
-            <a:endParaRPr lang="zh-CN" altLang="en-US" b="1" dirty="0">
-              <a:solidFill>
-                <a:schemeClr val="bg1"/>
-              </a:solidFill>
-              <a:latin typeface="微软雅黑" panose="020B0503020204020204" pitchFamily="34" charset="-122"/>
-              <a:ea typeface="微软雅黑" panose="020B0503020204020204" pitchFamily="34" charset="-122"/>
-            </a:endParaRPr>
-          </a:p>
-        </p:txBody>
-      </p:sp>
-      <p:cxnSp>
-        <p:nvCxnSpPr>
-          <p:cNvPr id="25" name="直接连接符 24"/>
-          <p:cNvCxnSpPr>
-            <a:stCxn id="23" idx="6"/>
-          </p:cNvCxnSpPr>
-          <p:nvPr/>
-        </p:nvCxnSpPr>
-        <p:spPr>
-          <a:xfrm>
-            <a:off x="2534033" y="4471134"/>
-            <a:ext cx="4500000" cy="0"/>
-          </a:xfrm>
-          <a:prstGeom prst="line">
-            <a:avLst/>
-          </a:prstGeom>
-          <a:ln>
-            <a:solidFill>
-              <a:schemeClr val="bg2"/>
-            </a:solidFill>
-          </a:ln>
-        </p:spPr>
-        <p:style>
-          <a:lnRef idx="1">
-            <a:schemeClr val="accent1"/>
-          </a:lnRef>
-          <a:fillRef idx="0">
-            <a:schemeClr val="accent1"/>
-          </a:fillRef>
-          <a:effectRef idx="0">
-            <a:schemeClr val="accent1"/>
-          </a:effectRef>
-          <a:fontRef idx="minor">
-            <a:schemeClr val="tx1"/>
-          </a:fontRef>
-        </p:style>
-      </p:cxnSp>
-      <p:sp>
-        <p:nvSpPr>
-          <p:cNvPr id="26" name="文本框 25"/>
-          <p:cNvSpPr txBox="1"/>
-          <p:nvPr/>
-        </p:nvSpPr>
-        <p:spPr>
-          <a:xfrm>
-            <a:off x="2915073" y="4034653"/>
-            <a:ext cx="4387392" cy="461665"/>
-          </a:xfrm>
-          <a:prstGeom prst="rect">
-            <a:avLst/>
-          </a:prstGeom>
-          <a:noFill/>
-        </p:spPr>
-        <p:txBody>
-          <a:bodyPr wrap="square" rtlCol="0">
-            <a:spAutoFit/>
-          </a:bodyPr>
-          <a:lstStyle/>
-          <a:p>
-            <a:r>
-              <a:rPr lang="zh-CN" altLang="en-US" sz="2400" dirty="0">
-                <a:solidFill>
-                  <a:schemeClr val="tx1">
-                    <a:lumMod val="75000"/>
-                    <a:lumOff val="25000"/>
-                  </a:schemeClr>
-                </a:solidFill>
-              </a:rPr>
-              <a:t>图形与配色</a:t>
-            </a:r>
-          </a:p>
-        </p:txBody>
-      </p:sp>
-      <p:sp>
-        <p:nvSpPr>
-          <p:cNvPr id="33" name="Freeform 10"/>
-          <p:cNvSpPr>
-            <a:spLocks/>
-          </p:cNvSpPr>
-          <p:nvPr userDrawn="1"/>
-        </p:nvSpPr>
-        <p:spPr bwMode="auto">
-          <a:xfrm>
-            <a:off x="1841535" y="5047251"/>
-            <a:ext cx="843427" cy="343858"/>
-          </a:xfrm>
-          <a:custGeom>
-            <a:avLst/>
-            <a:gdLst>
-              <a:gd name="T0" fmla="*/ 3120 w 3800"/>
-              <a:gd name="T1" fmla="*/ 0 h 1532"/>
-              <a:gd name="T2" fmla="*/ 682 w 3800"/>
-              <a:gd name="T3" fmla="*/ 0 h 1532"/>
-              <a:gd name="T4" fmla="*/ 682 w 3800"/>
-              <a:gd name="T5" fmla="*/ 284 h 1532"/>
-              <a:gd name="T6" fmla="*/ 0 w 3800"/>
-              <a:gd name="T7" fmla="*/ 766 h 1532"/>
-              <a:gd name="T8" fmla="*/ 682 w 3800"/>
-              <a:gd name="T9" fmla="*/ 1248 h 1532"/>
-              <a:gd name="T10" fmla="*/ 682 w 3800"/>
-              <a:gd name="T11" fmla="*/ 1532 h 1532"/>
-              <a:gd name="T12" fmla="*/ 3120 w 3800"/>
-              <a:gd name="T13" fmla="*/ 1532 h 1532"/>
-              <a:gd name="T14" fmla="*/ 3120 w 3800"/>
-              <a:gd name="T15" fmla="*/ 1248 h 1532"/>
-              <a:gd name="T16" fmla="*/ 3800 w 3800"/>
-              <a:gd name="T17" fmla="*/ 766 h 1532"/>
-              <a:gd name="T18" fmla="*/ 3120 w 3800"/>
-              <a:gd name="T19" fmla="*/ 284 h 1532"/>
-              <a:gd name="T20" fmla="*/ 3120 w 3800"/>
-              <a:gd name="T21" fmla="*/ 0 h 1532"/>
-            </a:gdLst>
-            <a:ahLst/>
-            <a:cxnLst>
-              <a:cxn ang="0">
-                <a:pos x="T0" y="T1"/>
-              </a:cxn>
-              <a:cxn ang="0">
-                <a:pos x="T2" y="T3"/>
-              </a:cxn>
-              <a:cxn ang="0">
-                <a:pos x="T4" y="T5"/>
-              </a:cxn>
-              <a:cxn ang="0">
-                <a:pos x="T6" y="T7"/>
-              </a:cxn>
-              <a:cxn ang="0">
-                <a:pos x="T8" y="T9"/>
-              </a:cxn>
-              <a:cxn ang="0">
-                <a:pos x="T10" y="T11"/>
-              </a:cxn>
-              <a:cxn ang="0">
-                <a:pos x="T12" y="T13"/>
-              </a:cxn>
-              <a:cxn ang="0">
-                <a:pos x="T14" y="T15"/>
-              </a:cxn>
-              <a:cxn ang="0">
-                <a:pos x="T16" y="T17"/>
-              </a:cxn>
-              <a:cxn ang="0">
-                <a:pos x="T18" y="T19"/>
-              </a:cxn>
-              <a:cxn ang="0">
-                <a:pos x="T20" y="T21"/>
-              </a:cxn>
-            </a:cxnLst>
-            <a:rect l="0" t="0" r="r" b="b"/>
-            <a:pathLst>
-              <a:path w="3800" h="1532">
-                <a:moveTo>
-                  <a:pt x="3120" y="0"/>
-                </a:moveTo>
-                <a:lnTo>
-                  <a:pt x="682" y="0"/>
-                </a:lnTo>
-                <a:lnTo>
-                  <a:pt x="682" y="284"/>
-                </a:lnTo>
-                <a:lnTo>
-                  <a:pt x="0" y="766"/>
-                </a:lnTo>
-                <a:lnTo>
-                  <a:pt x="682" y="1248"/>
-                </a:lnTo>
-                <a:lnTo>
-                  <a:pt x="682" y="1532"/>
-                </a:lnTo>
-                <a:lnTo>
-                  <a:pt x="3120" y="1532"/>
-                </a:lnTo>
-                <a:lnTo>
-                  <a:pt x="3120" y="1248"/>
-                </a:lnTo>
-                <a:lnTo>
-                  <a:pt x="3800" y="766"/>
-                </a:lnTo>
-                <a:lnTo>
-                  <a:pt x="3120" y="284"/>
-                </a:lnTo>
-                <a:lnTo>
-                  <a:pt x="3120" y="0"/>
-                </a:lnTo>
-                <a:close/>
-              </a:path>
-            </a:pathLst>
-          </a:custGeom>
-          <a:solidFill>
-            <a:schemeClr val="bg2"/>
-          </a:solidFill>
-          <a:ln>
-            <a:noFill/>
-          </a:ln>
-        </p:spPr>
-        <p:txBody>
-          <a:bodyPr vert="horz" wrap="square" lIns="91440" tIns="45720" rIns="91440" bIns="45720" numCol="1" anchor="ctr" anchorCtr="0" compatLnSpc="1">
-            <a:prstTxWarp prst="textNoShape">
-              <a:avLst/>
-            </a:prstTxWarp>
-            <a:noAutofit/>
-          </a:bodyPr>
-          <a:lstStyle/>
-          <a:p>
-            <a:pPr algn="ctr"/>
-            <a:endParaRPr lang="zh-CN" altLang="en-US" sz="3200" b="1"/>
-          </a:p>
-        </p:txBody>
-      </p:sp>
-      <p:sp>
-        <p:nvSpPr>
-          <p:cNvPr id="34" name="文本框 33"/>
-          <p:cNvSpPr txBox="1"/>
-          <p:nvPr userDrawn="1"/>
-        </p:nvSpPr>
-        <p:spPr>
-          <a:xfrm>
-            <a:off x="2071646" y="4983444"/>
-            <a:ext cx="383206" cy="443226"/>
-          </a:xfrm>
-          <a:prstGeom prst="rect">
-            <a:avLst/>
-          </a:prstGeom>
-          <a:noFill/>
-        </p:spPr>
-        <p:txBody>
-          <a:bodyPr wrap="none" rtlCol="0" anchor="ctr">
-            <a:noAutofit/>
-          </a:bodyPr>
-          <a:lstStyle/>
-          <a:p>
-            <a:pPr algn="ctr"/>
-            <a:r>
-              <a:rPr lang="en-US" altLang="zh-CN" b="1" dirty="0">
-                <a:solidFill>
-                  <a:schemeClr val="bg1"/>
-                </a:solidFill>
-                <a:latin typeface="微软雅黑" panose="020B0503020204020204" pitchFamily="34" charset="-122"/>
-                <a:ea typeface="微软雅黑" panose="020B0503020204020204" pitchFamily="34" charset="-122"/>
-              </a:rPr>
-              <a:t>5</a:t>
-            </a:r>
-            <a:endParaRPr lang="zh-CN" altLang="en-US" b="1" dirty="0">
-              <a:solidFill>
-                <a:schemeClr val="bg1"/>
-              </a:solidFill>
-              <a:latin typeface="微软雅黑" panose="020B0503020204020204" pitchFamily="34" charset="-122"/>
-              <a:ea typeface="微软雅黑" panose="020B0503020204020204" pitchFamily="34" charset="-122"/>
-            </a:endParaRPr>
-          </a:p>
-        </p:txBody>
-      </p:sp>
-      <p:cxnSp>
-        <p:nvCxnSpPr>
-          <p:cNvPr id="35" name="直接连接符 34"/>
-          <p:cNvCxnSpPr>
-            <a:stCxn id="33" idx="6"/>
-          </p:cNvCxnSpPr>
-          <p:nvPr/>
-        </p:nvCxnSpPr>
-        <p:spPr>
-          <a:xfrm>
-            <a:off x="2534033" y="5391109"/>
-            <a:ext cx="4500000" cy="0"/>
-          </a:xfrm>
-          <a:prstGeom prst="line">
-            <a:avLst/>
-          </a:prstGeom>
-          <a:ln>
-            <a:solidFill>
-              <a:schemeClr val="bg2"/>
-            </a:solidFill>
-          </a:ln>
-        </p:spPr>
-        <p:style>
-          <a:lnRef idx="1">
-            <a:schemeClr val="accent1"/>
-          </a:lnRef>
-          <a:fillRef idx="0">
-            <a:schemeClr val="accent1"/>
-          </a:fillRef>
-          <a:effectRef idx="0">
-            <a:schemeClr val="accent1"/>
-          </a:effectRef>
-          <a:fontRef idx="minor">
-            <a:schemeClr val="tx1"/>
-          </a:fontRef>
-        </p:style>
-      </p:cxnSp>
-      <p:sp>
-        <p:nvSpPr>
-          <p:cNvPr id="36" name="文本框 35"/>
-          <p:cNvSpPr txBox="1"/>
-          <p:nvPr/>
-        </p:nvSpPr>
-        <p:spPr>
-          <a:xfrm>
-            <a:off x="2915073" y="4954628"/>
-            <a:ext cx="4387392" cy="461665"/>
-          </a:xfrm>
-          <a:prstGeom prst="rect">
-            <a:avLst/>
-          </a:prstGeom>
-          <a:noFill/>
-        </p:spPr>
-        <p:txBody>
-          <a:bodyPr wrap="square" rtlCol="0">
-            <a:spAutoFit/>
-          </a:bodyPr>
-          <a:lstStyle/>
-          <a:p>
-            <a:r>
-              <a:rPr lang="zh-CN" altLang="en-US" sz="2400" dirty="0">
-                <a:solidFill>
-                  <a:schemeClr val="tx1">
-                    <a:lumMod val="75000"/>
-                    <a:lumOff val="25000"/>
-                  </a:schemeClr>
-                </a:solidFill>
-              </a:rPr>
-              <a:t>图片处理及排版</a:t>
-            </a:r>
-          </a:p>
-        </p:txBody>
-      </p:sp>
-    </p:spTree>
-    <p:extLst>
-      <p:ext uri="{BB962C8B-B14F-4D97-AF65-F5344CB8AC3E}">
-        <p14:creationId xmlns:p14="http://schemas.microsoft.com/office/powerpoint/2010/main" val="2473960281"/>
-      </p:ext>
-    </p:extLst>
-  </p:cSld>
-  <p:clrMapOvr>
-    <a:masterClrMapping/>
-  </p:clrMapOvr>
-</p:sld>
-</file>
-
-<file path=ppt/slides/slide15.xml><?xml version="1.0" encoding="utf-8"?>
-<p:sld xmlns:a="http://schemas.openxmlformats.org/drawingml/2006/main" xmlns:r="http://schemas.openxmlformats.org/officeDocument/2006/relationships" xmlns:p="http://schemas.openxmlformats.org/presentationml/2006/main">
-  <p:cSld>
-    <p:spTree>
-      <p:nvGrpSpPr>
-        <p:cNvPr id="1" name=""/>
-        <p:cNvGrpSpPr/>
-        <p:nvPr/>
-      </p:nvGrpSpPr>
-      <p:grpSpPr>
-        <a:xfrm>
-          <a:off x="0" y="0"/>
-          <a:ext cx="0" cy="0"/>
-          <a:chOff x="0" y="0"/>
-          <a:chExt cx="0" cy="0"/>
-        </a:xfrm>
-      </p:grpSpPr>
-      <p:sp>
-        <p:nvSpPr>
-          <p:cNvPr id="5" name="内容占位符 4"/>
-          <p:cNvSpPr>
-            <a:spLocks noGrp="1"/>
-          </p:cNvSpPr>
-          <p:nvPr>
-            <p:ph sz="quarter" idx="10"/>
-          </p:nvPr>
-        </p:nvSpPr>
-        <p:spPr/>
-        <p:txBody>
-          <a:bodyPr>
-            <a:normAutofit/>
-          </a:bodyPr>
-          <a:lstStyle/>
-          <a:p>
-            <a:r>
-              <a:rPr lang="zh-CN" altLang="en-US" dirty="0"/>
-              <a:t>文字内容文字内容文字内容文字内容</a:t>
-            </a:r>
-            <a:endParaRPr lang="en-US" altLang="zh-CN" dirty="0"/>
-          </a:p>
-          <a:p>
-            <a:pPr lvl="1"/>
-            <a:r>
-              <a:rPr lang="zh-CN" altLang="en-US" dirty="0"/>
-              <a:t>文字内容文字内容文字内容文字内容文字内容</a:t>
-            </a:r>
-            <a:endParaRPr lang="en-US" altLang="zh-CN" dirty="0"/>
-          </a:p>
-          <a:p>
-            <a:pPr lvl="1"/>
-            <a:r>
-              <a:rPr lang="zh-CN" altLang="en-US" dirty="0"/>
-              <a:t>文字内容文字内容文字内容文字内容文字内容</a:t>
-            </a:r>
-            <a:endParaRPr lang="en-US" altLang="zh-CN" dirty="0"/>
-          </a:p>
-          <a:p>
-            <a:r>
-              <a:rPr lang="zh-CN" altLang="en-US" dirty="0"/>
-              <a:t>文字内容文字内容文字内容文字内容</a:t>
-            </a:r>
-            <a:endParaRPr lang="en-US" altLang="zh-CN" dirty="0"/>
-          </a:p>
-        </p:txBody>
-      </p:sp>
-      <p:sp>
-        <p:nvSpPr>
-          <p:cNvPr id="4" name="标题 3"/>
-          <p:cNvSpPr>
-            <a:spLocks noGrp="1"/>
-          </p:cNvSpPr>
-          <p:nvPr>
-            <p:ph type="title"/>
-          </p:nvPr>
-        </p:nvSpPr>
-        <p:spPr/>
-        <p:txBody>
-          <a:bodyPr/>
-          <a:lstStyle/>
-          <a:p>
-            <a:r>
-              <a:rPr lang="zh-CN" altLang="en-US" dirty="0"/>
-              <a:t>标题内容标题内容</a:t>
-            </a:r>
-          </a:p>
-        </p:txBody>
-      </p:sp>
-    </p:spTree>
-    <p:extLst>
-      <p:ext uri="{BB962C8B-B14F-4D97-AF65-F5344CB8AC3E}">
-        <p14:creationId xmlns:p14="http://schemas.microsoft.com/office/powerpoint/2010/main" val="418563550"/>
-      </p:ext>
-    </p:extLst>
-  </p:cSld>
-  <p:clrMapOvr>
-    <a:masterClrMapping/>
-  </p:clrMapOvr>
-</p:sld>
-</file>
-
-<file path=ppt/slides/slide16.xml><?xml version="1.0" encoding="utf-8"?>
-<p:sld xmlns:a="http://schemas.openxmlformats.org/drawingml/2006/main" xmlns:r="http://schemas.openxmlformats.org/officeDocument/2006/relationships" xmlns:p="http://schemas.openxmlformats.org/presentationml/2006/main">
-  <p:cSld>
-    <p:spTree>
-      <p:nvGrpSpPr>
-        <p:cNvPr id="1" name=""/>
-        <p:cNvGrpSpPr/>
-        <p:nvPr/>
-      </p:nvGrpSpPr>
-      <p:grpSpPr>
-        <a:xfrm>
-          <a:off x="0" y="0"/>
-          <a:ext cx="0" cy="0"/>
-          <a:chOff x="0" y="0"/>
-          <a:chExt cx="0" cy="0"/>
-        </a:xfrm>
-      </p:grpSpPr>
-      <p:sp>
-        <p:nvSpPr>
-          <p:cNvPr id="2" name="标题 1"/>
-          <p:cNvSpPr>
-            <a:spLocks noGrp="1"/>
-          </p:cNvSpPr>
-          <p:nvPr>
-            <p:ph type="title"/>
-          </p:nvPr>
-        </p:nvSpPr>
-        <p:spPr/>
-        <p:txBody>
-          <a:bodyPr/>
-          <a:lstStyle/>
-          <a:p>
-            <a:r>
-              <a:rPr lang="zh-CN" altLang="en-US" dirty="0"/>
-              <a:t>纯标题页面标题内容</a:t>
-            </a:r>
-          </a:p>
-        </p:txBody>
-      </p:sp>
-    </p:spTree>
-    <p:extLst>
-      <p:ext uri="{BB962C8B-B14F-4D97-AF65-F5344CB8AC3E}">
-        <p14:creationId xmlns:p14="http://schemas.microsoft.com/office/powerpoint/2010/main" val="2465555886"/>
-      </p:ext>
-    </p:extLst>
-  </p:cSld>
-  <p:clrMapOvr>
-    <a:masterClrMapping/>
-  </p:clrMapOvr>
-</p:sld>
-</file>
-
-<file path=ppt/slides/slide17.xml><?xml version="1.0" encoding="utf-8"?>
-<p:sld xmlns:a="http://schemas.openxmlformats.org/drawingml/2006/main" xmlns:r="http://schemas.openxmlformats.org/officeDocument/2006/relationships" xmlns:p="http://schemas.openxmlformats.org/presentationml/2006/main">
-  <p:cSld>
-    <p:spTree>
-      <p:nvGrpSpPr>
-        <p:cNvPr id="1" name=""/>
-        <p:cNvGrpSpPr/>
-        <p:nvPr/>
-      </p:nvGrpSpPr>
-      <p:grpSpPr>
-        <a:xfrm>
-          <a:off x="0" y="0"/>
-          <a:ext cx="0" cy="0"/>
-          <a:chOff x="0" y="0"/>
-          <a:chExt cx="0" cy="0"/>
-        </a:xfrm>
-      </p:grpSpPr>
-      <p:sp>
-        <p:nvSpPr>
-          <p:cNvPr id="2" name="内容占位符 1"/>
-          <p:cNvSpPr>
-            <a:spLocks noGrp="1"/>
-          </p:cNvSpPr>
-          <p:nvPr>
-            <p:ph sz="quarter" idx="10"/>
-          </p:nvPr>
-        </p:nvSpPr>
-        <p:spPr/>
-        <p:txBody>
-          <a:bodyPr/>
-          <a:lstStyle/>
-          <a:p>
-            <a:r>
-              <a:rPr lang="zh-CN" altLang="en-US" dirty="0"/>
-              <a:t>极简版内页去除了题图，换以纯色背景；</a:t>
-            </a:r>
-            <a:endParaRPr lang="en-US" altLang="zh-CN" dirty="0"/>
-          </a:p>
-          <a:p>
-            <a:r>
-              <a:rPr lang="zh-CN" altLang="en-US" dirty="0"/>
-              <a:t>供内页内容较为复杂时使用，可以避免复杂图片对内容呈现的干扰；</a:t>
-            </a:r>
-            <a:endParaRPr lang="en-US" altLang="zh-CN" dirty="0"/>
-          </a:p>
-          <a:p>
-            <a:r>
-              <a:rPr lang="zh-CN" altLang="en-US" dirty="0"/>
-              <a:t>供</a:t>
-            </a:r>
-            <a:r>
-              <a:rPr lang="en-US" altLang="zh-CN" dirty="0"/>
-              <a:t>PPT</a:t>
-            </a:r>
-            <a:r>
-              <a:rPr lang="zh-CN" altLang="en-US" dirty="0"/>
-              <a:t>使用场合较为严肃，不适合题图复杂图片出现的情况下。</a:t>
-            </a:r>
-            <a:endParaRPr lang="en-US" altLang="zh-CN" dirty="0"/>
-          </a:p>
-          <a:p>
-            <a:r>
-              <a:rPr lang="zh-CN" altLang="en-US" dirty="0"/>
-              <a:t>如需使用，建议所有内页均使用极简版式，以达到更简洁、清爽的效果。</a:t>
-            </a:r>
-          </a:p>
-          <a:p>
-            <a:endParaRPr lang="zh-CN" altLang="en-US" dirty="0"/>
-          </a:p>
-        </p:txBody>
-      </p:sp>
-      <p:sp>
-        <p:nvSpPr>
-          <p:cNvPr id="3" name="标题 2"/>
-          <p:cNvSpPr>
-            <a:spLocks noGrp="1"/>
-          </p:cNvSpPr>
-          <p:nvPr>
-            <p:ph type="title"/>
-          </p:nvPr>
-        </p:nvSpPr>
-        <p:spPr/>
-        <p:txBody>
-          <a:bodyPr/>
-          <a:lstStyle/>
-          <a:p>
-            <a:r>
-              <a:rPr lang="zh-CN" altLang="en-US" dirty="0"/>
-              <a:t>极简版内页</a:t>
-            </a:r>
-            <a:r>
-              <a:rPr lang="en-US" altLang="zh-CN" dirty="0"/>
-              <a:t>-</a:t>
-            </a:r>
-            <a:r>
-              <a:rPr lang="zh-CN" altLang="en-US" dirty="0"/>
-              <a:t>有页码</a:t>
-            </a:r>
-          </a:p>
-        </p:txBody>
-      </p:sp>
-      <p:sp>
-        <p:nvSpPr>
-          <p:cNvPr id="4" name="灯片编号占位符 3"/>
-          <p:cNvSpPr>
-            <a:spLocks noGrp="1"/>
-          </p:cNvSpPr>
-          <p:nvPr>
-            <p:ph type="sldNum" sz="quarter" idx="12"/>
-          </p:nvPr>
-        </p:nvSpPr>
-        <p:spPr/>
-        <p:txBody>
-          <a:bodyPr/>
-          <a:lstStyle/>
-          <a:p>
-            <a:fld id="{D4CE0C3C-47D3-4455-AB34-8268314DB49D}" type="slidenum">
-              <a:rPr lang="en-US" altLang="zh-CN" smtClean="0"/>
-              <a:pPr/>
-              <a:t>17</a:t>
-            </a:fld>
-            <a:endParaRPr lang="en-US" altLang="zh-CN"/>
-          </a:p>
-        </p:txBody>
-      </p:sp>
-    </p:spTree>
-    <p:extLst>
-      <p:ext uri="{BB962C8B-B14F-4D97-AF65-F5344CB8AC3E}">
-        <p14:creationId xmlns:p14="http://schemas.microsoft.com/office/powerpoint/2010/main" val="1026729523"/>
-      </p:ext>
-    </p:extLst>
-  </p:cSld>
-  <p:clrMapOvr>
-    <a:masterClrMapping/>
-  </p:clrMapOvr>
-</p:sld>
-</file>
-
-<file path=ppt/slides/slide18.xml><?xml version="1.0" encoding="utf-8"?>
-<p:sld xmlns:a="http://schemas.openxmlformats.org/drawingml/2006/main" xmlns:r="http://schemas.openxmlformats.org/officeDocument/2006/relationships" xmlns:p="http://schemas.openxmlformats.org/presentationml/2006/main">
-  <p:cSld>
-    <p:spTree>
-      <p:nvGrpSpPr>
-        <p:cNvPr id="1" name=""/>
-        <p:cNvGrpSpPr/>
-        <p:nvPr/>
-      </p:nvGrpSpPr>
-      <p:grpSpPr>
-        <a:xfrm>
-          <a:off x="0" y="0"/>
-          <a:ext cx="0" cy="0"/>
-          <a:chOff x="0" y="0"/>
-          <a:chExt cx="0" cy="0"/>
-        </a:xfrm>
-      </p:grpSpPr>
-      <p:sp>
-        <p:nvSpPr>
-          <p:cNvPr id="2" name="灯片编号占位符 1"/>
-          <p:cNvSpPr>
-            <a:spLocks noGrp="1"/>
-          </p:cNvSpPr>
-          <p:nvPr>
-            <p:ph type="sldNum" sz="quarter" idx="12"/>
-          </p:nvPr>
-        </p:nvSpPr>
-        <p:spPr/>
-        <p:txBody>
-          <a:bodyPr/>
-          <a:lstStyle/>
-          <a:p>
-            <a:fld id="{E1703B59-C883-4B8B-974E-AFB30A6C43A7}" type="slidenum">
-              <a:rPr lang="en-US" altLang="zh-CN" smtClean="0"/>
-              <a:pPr/>
-              <a:t>18</a:t>
-            </a:fld>
-            <a:endParaRPr lang="en-US" altLang="zh-CN"/>
-          </a:p>
-        </p:txBody>
-      </p:sp>
-      <p:sp>
-        <p:nvSpPr>
-          <p:cNvPr id="3" name="文本框 2"/>
-          <p:cNvSpPr txBox="1"/>
-          <p:nvPr/>
-        </p:nvSpPr>
-        <p:spPr>
-          <a:xfrm>
-            <a:off x="5544675" y="6039674"/>
-            <a:ext cx="3467616" cy="584775"/>
-          </a:xfrm>
-          <a:prstGeom prst="rect">
-            <a:avLst/>
-          </a:prstGeom>
-          <a:noFill/>
-        </p:spPr>
-        <p:txBody>
-          <a:bodyPr wrap="none" rtlCol="0">
-            <a:spAutoFit/>
-          </a:bodyPr>
-          <a:lstStyle/>
-          <a:p>
-            <a:r>
-              <a:rPr lang="zh-CN" altLang="en-US" sz="1600" dirty="0"/>
-              <a:t>空白页面，可供大型图表、图片排版</a:t>
-            </a:r>
-            <a:endParaRPr lang="en-US" altLang="zh-CN" sz="1600" dirty="0"/>
-          </a:p>
-          <a:p>
-            <a:r>
-              <a:rPr lang="zh-CN" altLang="en-US" sz="1600" dirty="0"/>
-              <a:t>此文本框仅为注释，</a:t>
-            </a:r>
-            <a:r>
-              <a:rPr lang="zh-CN" altLang="en-US" sz="1600" b="1" dirty="0">
-                <a:solidFill>
-                  <a:schemeClr val="accent1"/>
-                </a:solidFill>
-              </a:rPr>
-              <a:t>制作时请删除</a:t>
-            </a:r>
-          </a:p>
-        </p:txBody>
-      </p:sp>
-    </p:spTree>
-    <p:extLst>
-      <p:ext uri="{BB962C8B-B14F-4D97-AF65-F5344CB8AC3E}">
-        <p14:creationId xmlns:p14="http://schemas.microsoft.com/office/powerpoint/2010/main" val="2352436808"/>
-      </p:ext>
-    </p:extLst>
-  </p:cSld>
-  <p:clrMapOvr>
-    <a:masterClrMapping/>
-  </p:clrMapOvr>
-</p:sld>
-</file>
-
-<file path=ppt/slides/slide19.xml><?xml version="1.0" encoding="utf-8"?>
-<p:sld xmlns:a="http://schemas.openxmlformats.org/drawingml/2006/main" xmlns:r="http://schemas.openxmlformats.org/officeDocument/2006/relationships" xmlns:p="http://schemas.openxmlformats.org/presentationml/2006/main">
-  <p:cSld>
-    <p:spTree>
-      <p:nvGrpSpPr>
-        <p:cNvPr id="1" name=""/>
-        <p:cNvGrpSpPr/>
-        <p:nvPr/>
-      </p:nvGrpSpPr>
-      <p:grpSpPr>
-        <a:xfrm>
-          <a:off x="0" y="0"/>
-          <a:ext cx="0" cy="0"/>
-          <a:chOff x="0" y="0"/>
-          <a:chExt cx="0" cy="0"/>
-        </a:xfrm>
-      </p:grpSpPr>
-      <p:sp>
-        <p:nvSpPr>
-          <p:cNvPr id="2" name="内容占位符 1"/>
-          <p:cNvSpPr>
-            <a:spLocks noGrp="1"/>
-          </p:cNvSpPr>
-          <p:nvPr>
-            <p:ph sz="quarter" idx="10"/>
-          </p:nvPr>
-        </p:nvSpPr>
-        <p:spPr/>
-        <p:txBody>
-          <a:bodyPr/>
-          <a:lstStyle/>
-          <a:p>
-            <a:r>
-              <a:rPr lang="zh-CN" altLang="en-US" dirty="0"/>
-              <a:t>第一栏内容第一栏内容第一栏内容第一栏内容第一栏内容第一栏内容</a:t>
-            </a:r>
-            <a:endParaRPr lang="en-US" altLang="zh-CN" dirty="0"/>
-          </a:p>
-          <a:p>
-            <a:r>
-              <a:rPr lang="zh-CN" altLang="en-US" dirty="0"/>
-              <a:t>第一栏内容第一栏内容第一栏内容第一栏内容第一栏内容第一栏内容</a:t>
-            </a:r>
-          </a:p>
-          <a:p>
-            <a:r>
-              <a:rPr lang="zh-CN" altLang="en-US" dirty="0"/>
-              <a:t>第一栏内容第一栏内容第一栏内容第一栏内容第一栏内容第一栏内容</a:t>
-            </a:r>
-          </a:p>
-        </p:txBody>
-      </p:sp>
-      <p:sp>
-        <p:nvSpPr>
-          <p:cNvPr id="3" name="内容占位符 2"/>
-          <p:cNvSpPr>
-            <a:spLocks noGrp="1"/>
-          </p:cNvSpPr>
-          <p:nvPr>
-            <p:ph sz="quarter" idx="11"/>
-          </p:nvPr>
-        </p:nvSpPr>
-        <p:spPr/>
-        <p:txBody>
-          <a:bodyPr/>
-          <a:lstStyle/>
-          <a:p>
-            <a:r>
-              <a:rPr lang="zh-CN" altLang="en-US" dirty="0"/>
-              <a:t>第二栏内容第二栏内容第二栏内容第二栏内容第二栏内容第二栏内容</a:t>
-            </a:r>
-          </a:p>
-          <a:p>
-            <a:r>
-              <a:rPr lang="zh-CN" altLang="en-US" dirty="0"/>
-              <a:t>第二栏内容第二栏内容第二栏内容第二栏内容第二栏内容第二栏内容</a:t>
-            </a:r>
-          </a:p>
-          <a:p>
-            <a:r>
-              <a:rPr lang="zh-CN" altLang="en-US" dirty="0"/>
-              <a:t>第二栏内容第二栏内容第二栏内容第二栏内容第二栏内容第二栏内容</a:t>
-            </a:r>
-          </a:p>
-        </p:txBody>
-      </p:sp>
-      <p:sp>
-        <p:nvSpPr>
-          <p:cNvPr id="4" name="灯片编号占位符 3"/>
-          <p:cNvSpPr>
-            <a:spLocks noGrp="1"/>
-          </p:cNvSpPr>
-          <p:nvPr>
-            <p:ph type="sldNum" sz="quarter" idx="12"/>
-          </p:nvPr>
-        </p:nvSpPr>
-        <p:spPr/>
-        <p:txBody>
-          <a:bodyPr/>
-          <a:lstStyle/>
-          <a:p>
-            <a:fld id="{54BD5A17-3153-4A95-988E-B577C14000F1}" type="slidenum">
-              <a:rPr lang="en-US" altLang="zh-CN" smtClean="0"/>
-              <a:pPr/>
-              <a:t>19</a:t>
-            </a:fld>
-            <a:endParaRPr lang="en-US" altLang="zh-CN" dirty="0"/>
-          </a:p>
-        </p:txBody>
-      </p:sp>
-      <p:sp>
-        <p:nvSpPr>
-          <p:cNvPr id="5" name="标题 4"/>
-          <p:cNvSpPr>
-            <a:spLocks noGrp="1"/>
-          </p:cNvSpPr>
-          <p:nvPr>
-            <p:ph type="title"/>
-          </p:nvPr>
-        </p:nvSpPr>
-        <p:spPr/>
-        <p:txBody>
-          <a:bodyPr/>
-          <a:lstStyle/>
-          <a:p>
-            <a:r>
-              <a:rPr lang="zh-CN" altLang="en-US" dirty="0"/>
-              <a:t>标题内容标题内容</a:t>
-            </a:r>
-          </a:p>
-        </p:txBody>
-      </p:sp>
-    </p:spTree>
-    <p:extLst>
-      <p:ext uri="{BB962C8B-B14F-4D97-AF65-F5344CB8AC3E}">
-        <p14:creationId xmlns:p14="http://schemas.microsoft.com/office/powerpoint/2010/main" val="1462846646"/>
-      </p:ext>
-    </p:extLst>
-  </p:cSld>
-  <p:clrMapOvr>
-    <a:masterClrMapping/>
-  </p:clrMapOvr>
-</p:sld>
-</file>
-
-<file path=ppt/slides/slide2.xml><?xml version="1.0" encoding="utf-8"?>
-<p:sld xmlns:a="http://schemas.openxmlformats.org/drawingml/2006/main" xmlns:r="http://schemas.openxmlformats.org/officeDocument/2006/relationships" xmlns:p="http://schemas.openxmlformats.org/presentationml/2006/main">
-  <p:cSld>
-    <p:spTree>
-      <p:nvGrpSpPr>
-        <p:cNvPr id="1" name=""/>
-        <p:cNvGrpSpPr/>
-        <p:nvPr/>
-      </p:nvGrpSpPr>
-      <p:grpSpPr>
-        <a:xfrm>
-          <a:off x="0" y="0"/>
-          <a:ext cx="0" cy="0"/>
-          <a:chOff x="0" y="0"/>
-          <a:chExt cx="0" cy="0"/>
-        </a:xfrm>
-      </p:grpSpPr>
-      <p:sp>
-        <p:nvSpPr>
-          <p:cNvPr id="4" name="标题 3"/>
-          <p:cNvSpPr>
-            <a:spLocks noGrp="1"/>
-          </p:cNvSpPr>
-          <p:nvPr>
-            <p:ph type="title"/>
-          </p:nvPr>
-        </p:nvSpPr>
-        <p:spPr/>
-        <p:txBody>
-          <a:bodyPr/>
-          <a:lstStyle/>
-          <a:p>
-            <a:r>
-              <a:rPr lang="en-US" altLang="zh-CN" dirty="0"/>
-              <a:t>Some Details about </a:t>
-            </a:r>
-            <a:r>
-              <a:rPr lang="en-US" altLang="zh-CN" dirty="0" err="1"/>
-              <a:t>Polkadot</a:t>
-            </a:r>
-            <a:endParaRPr lang="zh-CN" altLang="en-US" sz="2400" dirty="0"/>
-          </a:p>
-        </p:txBody>
-      </p:sp>
-      <p:sp>
-        <p:nvSpPr>
-          <p:cNvPr id="5" name="副标题 4"/>
-          <p:cNvSpPr>
-            <a:spLocks noGrp="1"/>
-          </p:cNvSpPr>
-          <p:nvPr>
-            <p:ph type="subTitle" idx="1"/>
-          </p:nvPr>
-        </p:nvSpPr>
-        <p:spPr/>
-        <p:txBody>
-          <a:bodyPr/>
-          <a:lstStyle/>
-          <a:p>
-            <a:r>
               <a:rPr lang="en-US" altLang="zh-CN" dirty="0"/>
               <a:t>Wang Kaixuan</a:t>
             </a:r>
@@ -12673,1531 +10214,7 @@
 </p:sld>
 </file>
 
-<file path=ppt/slides/slide20.xml><?xml version="1.0" encoding="utf-8"?>
-<p:sld xmlns:a="http://schemas.openxmlformats.org/drawingml/2006/main" xmlns:r="http://schemas.openxmlformats.org/officeDocument/2006/relationships" xmlns:p="http://schemas.openxmlformats.org/presentationml/2006/main">
-  <p:cSld>
-    <p:spTree>
-      <p:nvGrpSpPr>
-        <p:cNvPr id="1" name=""/>
-        <p:cNvGrpSpPr/>
-        <p:nvPr/>
-      </p:nvGrpSpPr>
-      <p:grpSpPr>
-        <a:xfrm>
-          <a:off x="0" y="0"/>
-          <a:ext cx="0" cy="0"/>
-          <a:chOff x="0" y="0"/>
-          <a:chExt cx="0" cy="0"/>
-        </a:xfrm>
-      </p:grpSpPr>
-      <p:sp>
-        <p:nvSpPr>
-          <p:cNvPr id="2" name="标题 1"/>
-          <p:cNvSpPr>
-            <a:spLocks noGrp="1"/>
-          </p:cNvSpPr>
-          <p:nvPr>
-            <p:ph type="title"/>
-          </p:nvPr>
-        </p:nvSpPr>
-        <p:spPr/>
-        <p:txBody>
-          <a:bodyPr/>
-          <a:lstStyle/>
-          <a:p>
-            <a:r>
-              <a:rPr lang="zh-CN" altLang="en-US" dirty="0"/>
-              <a:t>比较内容标题</a:t>
-            </a:r>
-          </a:p>
-        </p:txBody>
-      </p:sp>
-      <p:sp>
-        <p:nvSpPr>
-          <p:cNvPr id="3" name="内容占位符 2"/>
-          <p:cNvSpPr>
-            <a:spLocks noGrp="1"/>
-          </p:cNvSpPr>
-          <p:nvPr>
-            <p:ph sz="quarter" idx="10"/>
-          </p:nvPr>
-        </p:nvSpPr>
-        <p:spPr/>
-        <p:txBody>
-          <a:bodyPr/>
-          <a:lstStyle/>
-          <a:p>
-            <a:r>
-              <a:rPr lang="zh-CN" altLang="en-US" dirty="0"/>
-              <a:t>比较内容比较内容比较内容</a:t>
-            </a:r>
-            <a:endParaRPr lang="en-US" altLang="zh-CN" dirty="0"/>
-          </a:p>
-          <a:p>
-            <a:r>
-              <a:rPr lang="zh-CN" altLang="en-US" dirty="0"/>
-              <a:t>比较内容比较内容比较内容</a:t>
-            </a:r>
-          </a:p>
-          <a:p>
-            <a:r>
-              <a:rPr lang="zh-CN" altLang="en-US" dirty="0"/>
-              <a:t>比较内容比较内容比较内容</a:t>
-            </a:r>
-          </a:p>
-          <a:p>
-            <a:r>
-              <a:rPr lang="zh-CN" altLang="en-US" dirty="0"/>
-              <a:t>比较内容比较内容比较内容</a:t>
-            </a:r>
-          </a:p>
-          <a:p>
-            <a:r>
-              <a:rPr lang="zh-CN" altLang="en-US" dirty="0"/>
-              <a:t>比较内容比较内容比较内容</a:t>
-            </a:r>
-          </a:p>
-        </p:txBody>
-      </p:sp>
-      <p:sp>
-        <p:nvSpPr>
-          <p:cNvPr id="4" name="内容占位符 3"/>
-          <p:cNvSpPr>
-            <a:spLocks noGrp="1"/>
-          </p:cNvSpPr>
-          <p:nvPr>
-            <p:ph sz="quarter" idx="11"/>
-          </p:nvPr>
-        </p:nvSpPr>
-        <p:spPr/>
-        <p:txBody>
-          <a:bodyPr/>
-          <a:lstStyle/>
-          <a:p>
-            <a:r>
-              <a:rPr lang="zh-CN" altLang="en-US" dirty="0"/>
-              <a:t>比较内容比较内容比较内容</a:t>
-            </a:r>
-            <a:endParaRPr lang="en-US" altLang="zh-CN" dirty="0"/>
-          </a:p>
-          <a:p>
-            <a:r>
-              <a:rPr lang="zh-CN" altLang="en-US" dirty="0"/>
-              <a:t>比较内容比较内容比较内容</a:t>
-            </a:r>
-          </a:p>
-          <a:p>
-            <a:r>
-              <a:rPr lang="zh-CN" altLang="en-US" dirty="0"/>
-              <a:t>比较内容比较内容比较内容</a:t>
-            </a:r>
-          </a:p>
-          <a:p>
-            <a:r>
-              <a:rPr lang="zh-CN" altLang="en-US" dirty="0"/>
-              <a:t>比较内容比较内容比较内容</a:t>
-            </a:r>
-          </a:p>
-          <a:p>
-            <a:r>
-              <a:rPr lang="zh-CN" altLang="en-US" dirty="0"/>
-              <a:t>比较内容比较内容比较内容</a:t>
-            </a:r>
-          </a:p>
-        </p:txBody>
-      </p:sp>
-      <p:sp>
-        <p:nvSpPr>
-          <p:cNvPr id="5" name="文本占位符 4"/>
-          <p:cNvSpPr>
-            <a:spLocks noGrp="1"/>
-          </p:cNvSpPr>
-          <p:nvPr>
-            <p:ph type="body" sz="quarter" idx="3"/>
-          </p:nvPr>
-        </p:nvSpPr>
-        <p:spPr/>
-        <p:txBody>
-          <a:bodyPr>
-            <a:normAutofit/>
-          </a:bodyPr>
-          <a:lstStyle/>
-          <a:p>
-            <a:r>
-              <a:rPr lang="zh-CN" altLang="en-US" dirty="0"/>
-              <a:t>比较内容标题</a:t>
-            </a:r>
-          </a:p>
-        </p:txBody>
-      </p:sp>
-      <p:sp>
-        <p:nvSpPr>
-          <p:cNvPr id="6" name="灯片编号占位符 5"/>
-          <p:cNvSpPr>
-            <a:spLocks noGrp="1"/>
-          </p:cNvSpPr>
-          <p:nvPr>
-            <p:ph type="sldNum" sz="quarter" idx="12"/>
-          </p:nvPr>
-        </p:nvSpPr>
-        <p:spPr/>
-        <p:txBody>
-          <a:bodyPr/>
-          <a:lstStyle/>
-          <a:p>
-            <a:fld id="{54BD5A17-3153-4A95-988E-B577C14000F1}" type="slidenum">
-              <a:rPr lang="en-US" altLang="zh-CN" smtClean="0"/>
-              <a:pPr/>
-              <a:t>20</a:t>
-            </a:fld>
-            <a:endParaRPr lang="en-US" altLang="zh-CN" dirty="0"/>
-          </a:p>
-        </p:txBody>
-      </p:sp>
-    </p:spTree>
-    <p:extLst>
-      <p:ext uri="{BB962C8B-B14F-4D97-AF65-F5344CB8AC3E}">
-        <p14:creationId xmlns:p14="http://schemas.microsoft.com/office/powerpoint/2010/main" val="2343789687"/>
-      </p:ext>
-    </p:extLst>
-  </p:cSld>
-  <p:clrMapOvr>
-    <a:masterClrMapping/>
-  </p:clrMapOvr>
-</p:sld>
-</file>
-
-<file path=ppt/slides/slide21.xml><?xml version="1.0" encoding="utf-8"?>
-<p:sld xmlns:a="http://schemas.openxmlformats.org/drawingml/2006/main" xmlns:r="http://schemas.openxmlformats.org/officeDocument/2006/relationships" xmlns:p="http://schemas.openxmlformats.org/presentationml/2006/main">
-  <p:cSld>
-    <p:spTree>
-      <p:nvGrpSpPr>
-        <p:cNvPr id="1" name=""/>
-        <p:cNvGrpSpPr/>
-        <p:nvPr/>
-      </p:nvGrpSpPr>
-      <p:grpSpPr>
-        <a:xfrm>
-          <a:off x="0" y="0"/>
-          <a:ext cx="0" cy="0"/>
-          <a:chOff x="0" y="0"/>
-          <a:chExt cx="0" cy="0"/>
-        </a:xfrm>
-      </p:grpSpPr>
-      <p:sp>
-        <p:nvSpPr>
-          <p:cNvPr id="2" name="标题 1"/>
-          <p:cNvSpPr>
-            <a:spLocks noGrp="1"/>
-          </p:cNvSpPr>
-          <p:nvPr>
-            <p:ph type="title"/>
-          </p:nvPr>
-        </p:nvSpPr>
-        <p:spPr/>
-        <p:txBody>
-          <a:bodyPr>
-            <a:normAutofit fontScale="90000"/>
-          </a:bodyPr>
-          <a:lstStyle/>
-          <a:p>
-            <a:r>
-              <a:rPr lang="zh-CN" altLang="en-US" dirty="0">
-                <a:latin typeface="微软雅黑" panose="020B0503020204020204" pitchFamily="34" charset="-122"/>
-                <a:ea typeface="微软雅黑" panose="020B0503020204020204" pitchFamily="34" charset="-122"/>
-              </a:rPr>
-              <a:t>目录 </a:t>
-            </a:r>
-            <a:r>
-              <a:rPr lang="en-US" altLang="zh-CN" dirty="0">
-                <a:latin typeface="微软雅黑" panose="020B0503020204020204" pitchFamily="34" charset="-122"/>
-                <a:ea typeface="微软雅黑" panose="020B0503020204020204" pitchFamily="34" charset="-122"/>
-              </a:rPr>
-              <a:t>Contents</a:t>
-            </a:r>
-            <a:endParaRPr lang="zh-CN" altLang="en-US" dirty="0">
-              <a:latin typeface="微软雅黑" panose="020B0503020204020204" pitchFamily="34" charset="-122"/>
-              <a:ea typeface="微软雅黑" panose="020B0503020204020204" pitchFamily="34" charset="-122"/>
-            </a:endParaRPr>
-          </a:p>
-        </p:txBody>
-      </p:sp>
-      <p:sp>
-        <p:nvSpPr>
-          <p:cNvPr id="4" name="Freeform 10"/>
-          <p:cNvSpPr>
-            <a:spLocks noChangeAspect="1"/>
-          </p:cNvSpPr>
-          <p:nvPr userDrawn="1"/>
-        </p:nvSpPr>
-        <p:spPr bwMode="auto">
-          <a:xfrm>
-            <a:off x="1841535" y="1367357"/>
-            <a:ext cx="843427" cy="343858"/>
-          </a:xfrm>
-          <a:custGeom>
-            <a:avLst/>
-            <a:gdLst>
-              <a:gd name="T0" fmla="*/ 3120 w 3800"/>
-              <a:gd name="T1" fmla="*/ 0 h 1532"/>
-              <a:gd name="T2" fmla="*/ 682 w 3800"/>
-              <a:gd name="T3" fmla="*/ 0 h 1532"/>
-              <a:gd name="T4" fmla="*/ 682 w 3800"/>
-              <a:gd name="T5" fmla="*/ 284 h 1532"/>
-              <a:gd name="T6" fmla="*/ 0 w 3800"/>
-              <a:gd name="T7" fmla="*/ 766 h 1532"/>
-              <a:gd name="T8" fmla="*/ 682 w 3800"/>
-              <a:gd name="T9" fmla="*/ 1248 h 1532"/>
-              <a:gd name="T10" fmla="*/ 682 w 3800"/>
-              <a:gd name="T11" fmla="*/ 1532 h 1532"/>
-              <a:gd name="T12" fmla="*/ 3120 w 3800"/>
-              <a:gd name="T13" fmla="*/ 1532 h 1532"/>
-              <a:gd name="T14" fmla="*/ 3120 w 3800"/>
-              <a:gd name="T15" fmla="*/ 1248 h 1532"/>
-              <a:gd name="T16" fmla="*/ 3800 w 3800"/>
-              <a:gd name="T17" fmla="*/ 766 h 1532"/>
-              <a:gd name="T18" fmla="*/ 3120 w 3800"/>
-              <a:gd name="T19" fmla="*/ 284 h 1532"/>
-              <a:gd name="T20" fmla="*/ 3120 w 3800"/>
-              <a:gd name="T21" fmla="*/ 0 h 1532"/>
-            </a:gdLst>
-            <a:ahLst/>
-            <a:cxnLst>
-              <a:cxn ang="0">
-                <a:pos x="T0" y="T1"/>
-              </a:cxn>
-              <a:cxn ang="0">
-                <a:pos x="T2" y="T3"/>
-              </a:cxn>
-              <a:cxn ang="0">
-                <a:pos x="T4" y="T5"/>
-              </a:cxn>
-              <a:cxn ang="0">
-                <a:pos x="T6" y="T7"/>
-              </a:cxn>
-              <a:cxn ang="0">
-                <a:pos x="T8" y="T9"/>
-              </a:cxn>
-              <a:cxn ang="0">
-                <a:pos x="T10" y="T11"/>
-              </a:cxn>
-              <a:cxn ang="0">
-                <a:pos x="T12" y="T13"/>
-              </a:cxn>
-              <a:cxn ang="0">
-                <a:pos x="T14" y="T15"/>
-              </a:cxn>
-              <a:cxn ang="0">
-                <a:pos x="T16" y="T17"/>
-              </a:cxn>
-              <a:cxn ang="0">
-                <a:pos x="T18" y="T19"/>
-              </a:cxn>
-              <a:cxn ang="0">
-                <a:pos x="T20" y="T21"/>
-              </a:cxn>
-            </a:cxnLst>
-            <a:rect l="0" t="0" r="r" b="b"/>
-            <a:pathLst>
-              <a:path w="3800" h="1532">
-                <a:moveTo>
-                  <a:pt x="3120" y="0"/>
-                </a:moveTo>
-                <a:lnTo>
-                  <a:pt x="682" y="0"/>
-                </a:lnTo>
-                <a:lnTo>
-                  <a:pt x="682" y="284"/>
-                </a:lnTo>
-                <a:lnTo>
-                  <a:pt x="0" y="766"/>
-                </a:lnTo>
-                <a:lnTo>
-                  <a:pt x="682" y="1248"/>
-                </a:lnTo>
-                <a:lnTo>
-                  <a:pt x="682" y="1532"/>
-                </a:lnTo>
-                <a:lnTo>
-                  <a:pt x="3120" y="1532"/>
-                </a:lnTo>
-                <a:lnTo>
-                  <a:pt x="3120" y="1248"/>
-                </a:lnTo>
-                <a:lnTo>
-                  <a:pt x="3800" y="766"/>
-                </a:lnTo>
-                <a:lnTo>
-                  <a:pt x="3120" y="284"/>
-                </a:lnTo>
-                <a:lnTo>
-                  <a:pt x="3120" y="0"/>
-                </a:lnTo>
-                <a:close/>
-              </a:path>
-            </a:pathLst>
-          </a:custGeom>
-          <a:solidFill>
-            <a:schemeClr val="bg2"/>
-          </a:solidFill>
-          <a:ln>
-            <a:noFill/>
-          </a:ln>
-        </p:spPr>
-        <p:txBody>
-          <a:bodyPr vert="horz" wrap="square" lIns="91440" tIns="45720" rIns="91440" bIns="45720" numCol="1" anchor="ctr" anchorCtr="0" compatLnSpc="1">
-            <a:prstTxWarp prst="textNoShape">
-              <a:avLst/>
-            </a:prstTxWarp>
-            <a:noAutofit/>
-          </a:bodyPr>
-          <a:lstStyle/>
-          <a:p>
-            <a:pPr algn="ctr"/>
-            <a:endParaRPr lang="zh-CN" altLang="en-US" sz="3200" b="1"/>
-          </a:p>
-        </p:txBody>
-      </p:sp>
-      <p:sp>
-        <p:nvSpPr>
-          <p:cNvPr id="5" name="文本框 4"/>
-          <p:cNvSpPr txBox="1">
-            <a:spLocks/>
-          </p:cNvSpPr>
-          <p:nvPr userDrawn="1"/>
-        </p:nvSpPr>
-        <p:spPr>
-          <a:xfrm>
-            <a:off x="2071646" y="1303550"/>
-            <a:ext cx="383206" cy="443226"/>
-          </a:xfrm>
-          <a:prstGeom prst="rect">
-            <a:avLst/>
-          </a:prstGeom>
-          <a:noFill/>
-        </p:spPr>
-        <p:txBody>
-          <a:bodyPr wrap="none" rtlCol="0" anchor="ctr">
-            <a:noAutofit/>
-          </a:bodyPr>
-          <a:lstStyle/>
-          <a:p>
-            <a:pPr algn="ctr"/>
-            <a:r>
-              <a:rPr lang="en-US" altLang="zh-CN" b="1" dirty="0">
-                <a:solidFill>
-                  <a:schemeClr val="bg1"/>
-                </a:solidFill>
-                <a:latin typeface="微软雅黑" panose="020B0503020204020204" pitchFamily="34" charset="-122"/>
-                <a:ea typeface="微软雅黑" panose="020B0503020204020204" pitchFamily="34" charset="-122"/>
-              </a:rPr>
-              <a:t>1</a:t>
-            </a:r>
-            <a:endParaRPr lang="zh-CN" altLang="en-US" b="1" dirty="0">
-              <a:solidFill>
-                <a:schemeClr val="bg1"/>
-              </a:solidFill>
-              <a:latin typeface="微软雅黑" panose="020B0503020204020204" pitchFamily="34" charset="-122"/>
-              <a:ea typeface="微软雅黑" panose="020B0503020204020204" pitchFamily="34" charset="-122"/>
-            </a:endParaRPr>
-          </a:p>
-        </p:txBody>
-      </p:sp>
-      <p:cxnSp>
-        <p:nvCxnSpPr>
-          <p:cNvPr id="7" name="直接连接符 6"/>
-          <p:cNvCxnSpPr>
-            <a:stCxn id="4" idx="6"/>
-          </p:cNvCxnSpPr>
-          <p:nvPr/>
-        </p:nvCxnSpPr>
-        <p:spPr>
-          <a:xfrm>
-            <a:off x="2534033" y="1711215"/>
-            <a:ext cx="4500000" cy="0"/>
-          </a:xfrm>
-          <a:prstGeom prst="line">
-            <a:avLst/>
-          </a:prstGeom>
-          <a:ln>
-            <a:solidFill>
-              <a:schemeClr val="bg2"/>
-            </a:solidFill>
-          </a:ln>
-        </p:spPr>
-        <p:style>
-          <a:lnRef idx="1">
-            <a:schemeClr val="accent1"/>
-          </a:lnRef>
-          <a:fillRef idx="0">
-            <a:schemeClr val="accent1"/>
-          </a:fillRef>
-          <a:effectRef idx="0">
-            <a:schemeClr val="accent1"/>
-          </a:effectRef>
-          <a:fontRef idx="minor">
-            <a:schemeClr val="tx1"/>
-          </a:fontRef>
-        </p:style>
-      </p:cxnSp>
-      <p:sp>
-        <p:nvSpPr>
-          <p:cNvPr id="11" name="文本框 10"/>
-          <p:cNvSpPr txBox="1"/>
-          <p:nvPr/>
-        </p:nvSpPr>
-        <p:spPr>
-          <a:xfrm>
-            <a:off x="2915073" y="1274734"/>
-            <a:ext cx="4387392" cy="461665"/>
-          </a:xfrm>
-          <a:prstGeom prst="rect">
-            <a:avLst/>
-          </a:prstGeom>
-          <a:noFill/>
-        </p:spPr>
-        <p:txBody>
-          <a:bodyPr wrap="square" rtlCol="0">
-            <a:spAutoFit/>
-          </a:bodyPr>
-          <a:lstStyle/>
-          <a:p>
-            <a:r>
-              <a:rPr lang="zh-CN" altLang="en-US" sz="2400" dirty="0">
-                <a:solidFill>
-                  <a:schemeClr val="tx1">
-                    <a:lumMod val="75000"/>
-                    <a:lumOff val="25000"/>
-                  </a:schemeClr>
-                </a:solidFill>
-              </a:rPr>
-              <a:t>说明</a:t>
-            </a:r>
-          </a:p>
-        </p:txBody>
-      </p:sp>
-      <p:sp>
-        <p:nvSpPr>
-          <p:cNvPr id="13" name="Freeform 10"/>
-          <p:cNvSpPr>
-            <a:spLocks noChangeAspect="1"/>
-          </p:cNvSpPr>
-          <p:nvPr userDrawn="1"/>
-        </p:nvSpPr>
-        <p:spPr bwMode="auto">
-          <a:xfrm>
-            <a:off x="1841535" y="2287330"/>
-            <a:ext cx="843427" cy="343858"/>
-          </a:xfrm>
-          <a:custGeom>
-            <a:avLst/>
-            <a:gdLst>
-              <a:gd name="T0" fmla="*/ 3120 w 3800"/>
-              <a:gd name="T1" fmla="*/ 0 h 1532"/>
-              <a:gd name="T2" fmla="*/ 682 w 3800"/>
-              <a:gd name="T3" fmla="*/ 0 h 1532"/>
-              <a:gd name="T4" fmla="*/ 682 w 3800"/>
-              <a:gd name="T5" fmla="*/ 284 h 1532"/>
-              <a:gd name="T6" fmla="*/ 0 w 3800"/>
-              <a:gd name="T7" fmla="*/ 766 h 1532"/>
-              <a:gd name="T8" fmla="*/ 682 w 3800"/>
-              <a:gd name="T9" fmla="*/ 1248 h 1532"/>
-              <a:gd name="T10" fmla="*/ 682 w 3800"/>
-              <a:gd name="T11" fmla="*/ 1532 h 1532"/>
-              <a:gd name="T12" fmla="*/ 3120 w 3800"/>
-              <a:gd name="T13" fmla="*/ 1532 h 1532"/>
-              <a:gd name="T14" fmla="*/ 3120 w 3800"/>
-              <a:gd name="T15" fmla="*/ 1248 h 1532"/>
-              <a:gd name="T16" fmla="*/ 3800 w 3800"/>
-              <a:gd name="T17" fmla="*/ 766 h 1532"/>
-              <a:gd name="T18" fmla="*/ 3120 w 3800"/>
-              <a:gd name="T19" fmla="*/ 284 h 1532"/>
-              <a:gd name="T20" fmla="*/ 3120 w 3800"/>
-              <a:gd name="T21" fmla="*/ 0 h 1532"/>
-            </a:gdLst>
-            <a:ahLst/>
-            <a:cxnLst>
-              <a:cxn ang="0">
-                <a:pos x="T0" y="T1"/>
-              </a:cxn>
-              <a:cxn ang="0">
-                <a:pos x="T2" y="T3"/>
-              </a:cxn>
-              <a:cxn ang="0">
-                <a:pos x="T4" y="T5"/>
-              </a:cxn>
-              <a:cxn ang="0">
-                <a:pos x="T6" y="T7"/>
-              </a:cxn>
-              <a:cxn ang="0">
-                <a:pos x="T8" y="T9"/>
-              </a:cxn>
-              <a:cxn ang="0">
-                <a:pos x="T10" y="T11"/>
-              </a:cxn>
-              <a:cxn ang="0">
-                <a:pos x="T12" y="T13"/>
-              </a:cxn>
-              <a:cxn ang="0">
-                <a:pos x="T14" y="T15"/>
-              </a:cxn>
-              <a:cxn ang="0">
-                <a:pos x="T16" y="T17"/>
-              </a:cxn>
-              <a:cxn ang="0">
-                <a:pos x="T18" y="T19"/>
-              </a:cxn>
-              <a:cxn ang="0">
-                <a:pos x="T20" y="T21"/>
-              </a:cxn>
-            </a:cxnLst>
-            <a:rect l="0" t="0" r="r" b="b"/>
-            <a:pathLst>
-              <a:path w="3800" h="1532">
-                <a:moveTo>
-                  <a:pt x="3120" y="0"/>
-                </a:moveTo>
-                <a:lnTo>
-                  <a:pt x="682" y="0"/>
-                </a:lnTo>
-                <a:lnTo>
-                  <a:pt x="682" y="284"/>
-                </a:lnTo>
-                <a:lnTo>
-                  <a:pt x="0" y="766"/>
-                </a:lnTo>
-                <a:lnTo>
-                  <a:pt x="682" y="1248"/>
-                </a:lnTo>
-                <a:lnTo>
-                  <a:pt x="682" y="1532"/>
-                </a:lnTo>
-                <a:lnTo>
-                  <a:pt x="3120" y="1532"/>
-                </a:lnTo>
-                <a:lnTo>
-                  <a:pt x="3120" y="1248"/>
-                </a:lnTo>
-                <a:lnTo>
-                  <a:pt x="3800" y="766"/>
-                </a:lnTo>
-                <a:lnTo>
-                  <a:pt x="3120" y="284"/>
-                </a:lnTo>
-                <a:lnTo>
-                  <a:pt x="3120" y="0"/>
-                </a:lnTo>
-                <a:close/>
-              </a:path>
-            </a:pathLst>
-          </a:custGeom>
-          <a:solidFill>
-            <a:schemeClr val="bg2"/>
-          </a:solidFill>
-          <a:ln>
-            <a:noFill/>
-          </a:ln>
-        </p:spPr>
-        <p:txBody>
-          <a:bodyPr vert="horz" wrap="square" lIns="91440" tIns="45720" rIns="91440" bIns="45720" numCol="1" anchor="ctr" anchorCtr="0" compatLnSpc="1">
-            <a:prstTxWarp prst="textNoShape">
-              <a:avLst/>
-            </a:prstTxWarp>
-            <a:noAutofit/>
-          </a:bodyPr>
-          <a:lstStyle/>
-          <a:p>
-            <a:pPr algn="ctr"/>
-            <a:endParaRPr lang="zh-CN" altLang="en-US" sz="3200" b="1"/>
-          </a:p>
-        </p:txBody>
-      </p:sp>
-      <p:sp>
-        <p:nvSpPr>
-          <p:cNvPr id="14" name="文本框 13"/>
-          <p:cNvSpPr txBox="1"/>
-          <p:nvPr userDrawn="1"/>
-        </p:nvSpPr>
-        <p:spPr>
-          <a:xfrm>
-            <a:off x="2071646" y="2223523"/>
-            <a:ext cx="383206" cy="443226"/>
-          </a:xfrm>
-          <a:prstGeom prst="rect">
-            <a:avLst/>
-          </a:prstGeom>
-          <a:noFill/>
-        </p:spPr>
-        <p:txBody>
-          <a:bodyPr wrap="none" rtlCol="0" anchor="ctr">
-            <a:noAutofit/>
-          </a:bodyPr>
-          <a:lstStyle/>
-          <a:p>
-            <a:pPr algn="ctr"/>
-            <a:r>
-              <a:rPr lang="en-US" altLang="zh-CN" b="1" dirty="0">
-                <a:solidFill>
-                  <a:schemeClr val="bg1"/>
-                </a:solidFill>
-                <a:latin typeface="微软雅黑" panose="020B0503020204020204" pitchFamily="34" charset="-122"/>
-                <a:ea typeface="微软雅黑" panose="020B0503020204020204" pitchFamily="34" charset="-122"/>
-              </a:rPr>
-              <a:t>2</a:t>
-            </a:r>
-            <a:endParaRPr lang="zh-CN" altLang="en-US" b="1" dirty="0">
-              <a:solidFill>
-                <a:schemeClr val="bg1"/>
-              </a:solidFill>
-              <a:latin typeface="微软雅黑" panose="020B0503020204020204" pitchFamily="34" charset="-122"/>
-              <a:ea typeface="微软雅黑" panose="020B0503020204020204" pitchFamily="34" charset="-122"/>
-            </a:endParaRPr>
-          </a:p>
-        </p:txBody>
-      </p:sp>
-      <p:cxnSp>
-        <p:nvCxnSpPr>
-          <p:cNvPr id="15" name="直接连接符 14"/>
-          <p:cNvCxnSpPr>
-            <a:stCxn id="13" idx="6"/>
-          </p:cNvCxnSpPr>
-          <p:nvPr/>
-        </p:nvCxnSpPr>
-        <p:spPr>
-          <a:xfrm>
-            <a:off x="2534033" y="2631188"/>
-            <a:ext cx="4500000" cy="0"/>
-          </a:xfrm>
-          <a:prstGeom prst="line">
-            <a:avLst/>
-          </a:prstGeom>
-          <a:ln>
-            <a:solidFill>
-              <a:schemeClr val="bg2"/>
-            </a:solidFill>
-          </a:ln>
-        </p:spPr>
-        <p:style>
-          <a:lnRef idx="1">
-            <a:schemeClr val="accent1"/>
-          </a:lnRef>
-          <a:fillRef idx="0">
-            <a:schemeClr val="accent1"/>
-          </a:fillRef>
-          <a:effectRef idx="0">
-            <a:schemeClr val="accent1"/>
-          </a:effectRef>
-          <a:fontRef idx="minor">
-            <a:schemeClr val="tx1"/>
-          </a:fontRef>
-        </p:style>
-      </p:cxnSp>
-      <p:sp>
-        <p:nvSpPr>
-          <p:cNvPr id="16" name="文本框 15"/>
-          <p:cNvSpPr txBox="1"/>
-          <p:nvPr/>
-        </p:nvSpPr>
-        <p:spPr>
-          <a:xfrm>
-            <a:off x="2915073" y="2194707"/>
-            <a:ext cx="4387392" cy="461665"/>
-          </a:xfrm>
-          <a:prstGeom prst="rect">
-            <a:avLst/>
-          </a:prstGeom>
-          <a:noFill/>
-        </p:spPr>
-        <p:txBody>
-          <a:bodyPr wrap="square" rtlCol="0">
-            <a:spAutoFit/>
-          </a:bodyPr>
-          <a:lstStyle/>
-          <a:p>
-            <a:r>
-              <a:rPr lang="zh-CN" altLang="en-US" sz="2400" dirty="0">
-                <a:solidFill>
-                  <a:schemeClr val="tx1">
-                    <a:lumMod val="75000"/>
-                    <a:lumOff val="25000"/>
-                  </a:schemeClr>
-                </a:solidFill>
-              </a:rPr>
-              <a:t>无页码版式</a:t>
-            </a:r>
-          </a:p>
-        </p:txBody>
-      </p:sp>
-      <p:sp>
-        <p:nvSpPr>
-          <p:cNvPr id="18" name="Freeform 10"/>
-          <p:cNvSpPr>
-            <a:spLocks noChangeAspect="1"/>
-          </p:cNvSpPr>
-          <p:nvPr userDrawn="1"/>
-        </p:nvSpPr>
-        <p:spPr bwMode="auto">
-          <a:xfrm>
-            <a:off x="1841535" y="3207303"/>
-            <a:ext cx="843427" cy="343858"/>
-          </a:xfrm>
-          <a:custGeom>
-            <a:avLst/>
-            <a:gdLst>
-              <a:gd name="T0" fmla="*/ 3120 w 3800"/>
-              <a:gd name="T1" fmla="*/ 0 h 1532"/>
-              <a:gd name="T2" fmla="*/ 682 w 3800"/>
-              <a:gd name="T3" fmla="*/ 0 h 1532"/>
-              <a:gd name="T4" fmla="*/ 682 w 3800"/>
-              <a:gd name="T5" fmla="*/ 284 h 1532"/>
-              <a:gd name="T6" fmla="*/ 0 w 3800"/>
-              <a:gd name="T7" fmla="*/ 766 h 1532"/>
-              <a:gd name="T8" fmla="*/ 682 w 3800"/>
-              <a:gd name="T9" fmla="*/ 1248 h 1532"/>
-              <a:gd name="T10" fmla="*/ 682 w 3800"/>
-              <a:gd name="T11" fmla="*/ 1532 h 1532"/>
-              <a:gd name="T12" fmla="*/ 3120 w 3800"/>
-              <a:gd name="T13" fmla="*/ 1532 h 1532"/>
-              <a:gd name="T14" fmla="*/ 3120 w 3800"/>
-              <a:gd name="T15" fmla="*/ 1248 h 1532"/>
-              <a:gd name="T16" fmla="*/ 3800 w 3800"/>
-              <a:gd name="T17" fmla="*/ 766 h 1532"/>
-              <a:gd name="T18" fmla="*/ 3120 w 3800"/>
-              <a:gd name="T19" fmla="*/ 284 h 1532"/>
-              <a:gd name="T20" fmla="*/ 3120 w 3800"/>
-              <a:gd name="T21" fmla="*/ 0 h 1532"/>
-            </a:gdLst>
-            <a:ahLst/>
-            <a:cxnLst>
-              <a:cxn ang="0">
-                <a:pos x="T0" y="T1"/>
-              </a:cxn>
-              <a:cxn ang="0">
-                <a:pos x="T2" y="T3"/>
-              </a:cxn>
-              <a:cxn ang="0">
-                <a:pos x="T4" y="T5"/>
-              </a:cxn>
-              <a:cxn ang="0">
-                <a:pos x="T6" y="T7"/>
-              </a:cxn>
-              <a:cxn ang="0">
-                <a:pos x="T8" y="T9"/>
-              </a:cxn>
-              <a:cxn ang="0">
-                <a:pos x="T10" y="T11"/>
-              </a:cxn>
-              <a:cxn ang="0">
-                <a:pos x="T12" y="T13"/>
-              </a:cxn>
-              <a:cxn ang="0">
-                <a:pos x="T14" y="T15"/>
-              </a:cxn>
-              <a:cxn ang="0">
-                <a:pos x="T16" y="T17"/>
-              </a:cxn>
-              <a:cxn ang="0">
-                <a:pos x="T18" y="T19"/>
-              </a:cxn>
-              <a:cxn ang="0">
-                <a:pos x="T20" y="T21"/>
-              </a:cxn>
-            </a:cxnLst>
-            <a:rect l="0" t="0" r="r" b="b"/>
-            <a:pathLst>
-              <a:path w="3800" h="1532">
-                <a:moveTo>
-                  <a:pt x="3120" y="0"/>
-                </a:moveTo>
-                <a:lnTo>
-                  <a:pt x="682" y="0"/>
-                </a:lnTo>
-                <a:lnTo>
-                  <a:pt x="682" y="284"/>
-                </a:lnTo>
-                <a:lnTo>
-                  <a:pt x="0" y="766"/>
-                </a:lnTo>
-                <a:lnTo>
-                  <a:pt x="682" y="1248"/>
-                </a:lnTo>
-                <a:lnTo>
-                  <a:pt x="682" y="1532"/>
-                </a:lnTo>
-                <a:lnTo>
-                  <a:pt x="3120" y="1532"/>
-                </a:lnTo>
-                <a:lnTo>
-                  <a:pt x="3120" y="1248"/>
-                </a:lnTo>
-                <a:lnTo>
-                  <a:pt x="3800" y="766"/>
-                </a:lnTo>
-                <a:lnTo>
-                  <a:pt x="3120" y="284"/>
-                </a:lnTo>
-                <a:lnTo>
-                  <a:pt x="3120" y="0"/>
-                </a:lnTo>
-                <a:close/>
-              </a:path>
-            </a:pathLst>
-          </a:custGeom>
-          <a:solidFill>
-            <a:schemeClr val="bg2"/>
-          </a:solidFill>
-          <a:ln>
-            <a:noFill/>
-          </a:ln>
-        </p:spPr>
-        <p:txBody>
-          <a:bodyPr vert="horz" wrap="square" lIns="91440" tIns="45720" rIns="91440" bIns="45720" numCol="1" anchor="ctr" anchorCtr="0" compatLnSpc="1">
-            <a:prstTxWarp prst="textNoShape">
-              <a:avLst/>
-            </a:prstTxWarp>
-            <a:noAutofit/>
-          </a:bodyPr>
-          <a:lstStyle/>
-          <a:p>
-            <a:pPr algn="ctr"/>
-            <a:endParaRPr lang="zh-CN" altLang="en-US" sz="3200" b="1"/>
-          </a:p>
-        </p:txBody>
-      </p:sp>
-      <p:sp>
-        <p:nvSpPr>
-          <p:cNvPr id="19" name="文本框 18"/>
-          <p:cNvSpPr txBox="1"/>
-          <p:nvPr userDrawn="1"/>
-        </p:nvSpPr>
-        <p:spPr>
-          <a:xfrm>
-            <a:off x="2071646" y="3143496"/>
-            <a:ext cx="383206" cy="443226"/>
-          </a:xfrm>
-          <a:prstGeom prst="rect">
-            <a:avLst/>
-          </a:prstGeom>
-          <a:noFill/>
-        </p:spPr>
-        <p:txBody>
-          <a:bodyPr wrap="none" rtlCol="0" anchor="ctr">
-            <a:noAutofit/>
-          </a:bodyPr>
-          <a:lstStyle/>
-          <a:p>
-            <a:pPr algn="ctr"/>
-            <a:r>
-              <a:rPr lang="en-US" altLang="zh-CN" b="1" dirty="0">
-                <a:solidFill>
-                  <a:schemeClr val="bg1"/>
-                </a:solidFill>
-                <a:latin typeface="微软雅黑" panose="020B0503020204020204" pitchFamily="34" charset="-122"/>
-                <a:ea typeface="微软雅黑" panose="020B0503020204020204" pitchFamily="34" charset="-122"/>
-              </a:rPr>
-              <a:t>3</a:t>
-            </a:r>
-            <a:endParaRPr lang="zh-CN" altLang="en-US" b="1" dirty="0">
-              <a:solidFill>
-                <a:schemeClr val="bg1"/>
-              </a:solidFill>
-              <a:latin typeface="微软雅黑" panose="020B0503020204020204" pitchFamily="34" charset="-122"/>
-              <a:ea typeface="微软雅黑" panose="020B0503020204020204" pitchFamily="34" charset="-122"/>
-            </a:endParaRPr>
-          </a:p>
-        </p:txBody>
-      </p:sp>
-      <p:cxnSp>
-        <p:nvCxnSpPr>
-          <p:cNvPr id="20" name="直接连接符 19"/>
-          <p:cNvCxnSpPr>
-            <a:stCxn id="18" idx="6"/>
-          </p:cNvCxnSpPr>
-          <p:nvPr/>
-        </p:nvCxnSpPr>
-        <p:spPr>
-          <a:xfrm>
-            <a:off x="2534033" y="3551161"/>
-            <a:ext cx="4500000" cy="0"/>
-          </a:xfrm>
-          <a:prstGeom prst="line">
-            <a:avLst/>
-          </a:prstGeom>
-          <a:ln>
-            <a:solidFill>
-              <a:schemeClr val="bg2"/>
-            </a:solidFill>
-          </a:ln>
-        </p:spPr>
-        <p:style>
-          <a:lnRef idx="1">
-            <a:schemeClr val="accent1"/>
-          </a:lnRef>
-          <a:fillRef idx="0">
-            <a:schemeClr val="accent1"/>
-          </a:fillRef>
-          <a:effectRef idx="0">
-            <a:schemeClr val="accent1"/>
-          </a:effectRef>
-          <a:fontRef idx="minor">
-            <a:schemeClr val="tx1"/>
-          </a:fontRef>
-        </p:style>
-      </p:cxnSp>
-      <p:sp>
-        <p:nvSpPr>
-          <p:cNvPr id="21" name="文本框 20"/>
-          <p:cNvSpPr txBox="1"/>
-          <p:nvPr/>
-        </p:nvSpPr>
-        <p:spPr>
-          <a:xfrm>
-            <a:off x="2915073" y="3114680"/>
-            <a:ext cx="4387392" cy="461665"/>
-          </a:xfrm>
-          <a:prstGeom prst="rect">
-            <a:avLst/>
-          </a:prstGeom>
-          <a:noFill/>
-        </p:spPr>
-        <p:txBody>
-          <a:bodyPr wrap="square" rtlCol="0">
-            <a:spAutoFit/>
-          </a:bodyPr>
-          <a:lstStyle/>
-          <a:p>
-            <a:r>
-              <a:rPr lang="zh-CN" altLang="en-US" sz="2400" dirty="0">
-                <a:solidFill>
-                  <a:schemeClr val="tx1">
-                    <a:lumMod val="75000"/>
-                    <a:lumOff val="25000"/>
-                  </a:schemeClr>
-                </a:solidFill>
-              </a:rPr>
-              <a:t>有页码版式</a:t>
-            </a:r>
-          </a:p>
-        </p:txBody>
-      </p:sp>
-      <p:sp>
-        <p:nvSpPr>
-          <p:cNvPr id="23" name="Freeform 10"/>
-          <p:cNvSpPr>
-            <a:spLocks noChangeAspect="1"/>
-          </p:cNvSpPr>
-          <p:nvPr userDrawn="1"/>
-        </p:nvSpPr>
-        <p:spPr bwMode="auto">
-          <a:xfrm>
-            <a:off x="1841535" y="4127276"/>
-            <a:ext cx="843427" cy="343858"/>
-          </a:xfrm>
-          <a:custGeom>
-            <a:avLst/>
-            <a:gdLst>
-              <a:gd name="T0" fmla="*/ 3120 w 3800"/>
-              <a:gd name="T1" fmla="*/ 0 h 1532"/>
-              <a:gd name="T2" fmla="*/ 682 w 3800"/>
-              <a:gd name="T3" fmla="*/ 0 h 1532"/>
-              <a:gd name="T4" fmla="*/ 682 w 3800"/>
-              <a:gd name="T5" fmla="*/ 284 h 1532"/>
-              <a:gd name="T6" fmla="*/ 0 w 3800"/>
-              <a:gd name="T7" fmla="*/ 766 h 1532"/>
-              <a:gd name="T8" fmla="*/ 682 w 3800"/>
-              <a:gd name="T9" fmla="*/ 1248 h 1532"/>
-              <a:gd name="T10" fmla="*/ 682 w 3800"/>
-              <a:gd name="T11" fmla="*/ 1532 h 1532"/>
-              <a:gd name="T12" fmla="*/ 3120 w 3800"/>
-              <a:gd name="T13" fmla="*/ 1532 h 1532"/>
-              <a:gd name="T14" fmla="*/ 3120 w 3800"/>
-              <a:gd name="T15" fmla="*/ 1248 h 1532"/>
-              <a:gd name="T16" fmla="*/ 3800 w 3800"/>
-              <a:gd name="T17" fmla="*/ 766 h 1532"/>
-              <a:gd name="T18" fmla="*/ 3120 w 3800"/>
-              <a:gd name="T19" fmla="*/ 284 h 1532"/>
-              <a:gd name="T20" fmla="*/ 3120 w 3800"/>
-              <a:gd name="T21" fmla="*/ 0 h 1532"/>
-            </a:gdLst>
-            <a:ahLst/>
-            <a:cxnLst>
-              <a:cxn ang="0">
-                <a:pos x="T0" y="T1"/>
-              </a:cxn>
-              <a:cxn ang="0">
-                <a:pos x="T2" y="T3"/>
-              </a:cxn>
-              <a:cxn ang="0">
-                <a:pos x="T4" y="T5"/>
-              </a:cxn>
-              <a:cxn ang="0">
-                <a:pos x="T6" y="T7"/>
-              </a:cxn>
-              <a:cxn ang="0">
-                <a:pos x="T8" y="T9"/>
-              </a:cxn>
-              <a:cxn ang="0">
-                <a:pos x="T10" y="T11"/>
-              </a:cxn>
-              <a:cxn ang="0">
-                <a:pos x="T12" y="T13"/>
-              </a:cxn>
-              <a:cxn ang="0">
-                <a:pos x="T14" y="T15"/>
-              </a:cxn>
-              <a:cxn ang="0">
-                <a:pos x="T16" y="T17"/>
-              </a:cxn>
-              <a:cxn ang="0">
-                <a:pos x="T18" y="T19"/>
-              </a:cxn>
-              <a:cxn ang="0">
-                <a:pos x="T20" y="T21"/>
-              </a:cxn>
-            </a:cxnLst>
-            <a:rect l="0" t="0" r="r" b="b"/>
-            <a:pathLst>
-              <a:path w="3800" h="1532">
-                <a:moveTo>
-                  <a:pt x="3120" y="0"/>
-                </a:moveTo>
-                <a:lnTo>
-                  <a:pt x="682" y="0"/>
-                </a:lnTo>
-                <a:lnTo>
-                  <a:pt x="682" y="284"/>
-                </a:lnTo>
-                <a:lnTo>
-                  <a:pt x="0" y="766"/>
-                </a:lnTo>
-                <a:lnTo>
-                  <a:pt x="682" y="1248"/>
-                </a:lnTo>
-                <a:lnTo>
-                  <a:pt x="682" y="1532"/>
-                </a:lnTo>
-                <a:lnTo>
-                  <a:pt x="3120" y="1532"/>
-                </a:lnTo>
-                <a:lnTo>
-                  <a:pt x="3120" y="1248"/>
-                </a:lnTo>
-                <a:lnTo>
-                  <a:pt x="3800" y="766"/>
-                </a:lnTo>
-                <a:lnTo>
-                  <a:pt x="3120" y="284"/>
-                </a:lnTo>
-                <a:lnTo>
-                  <a:pt x="3120" y="0"/>
-                </a:lnTo>
-                <a:close/>
-              </a:path>
-            </a:pathLst>
-          </a:custGeom>
-          <a:solidFill>
-            <a:schemeClr val="accent1"/>
-          </a:solidFill>
-          <a:ln>
-            <a:noFill/>
-          </a:ln>
-        </p:spPr>
-        <p:txBody>
-          <a:bodyPr vert="horz" wrap="square" lIns="91440" tIns="45720" rIns="91440" bIns="45720" numCol="1" anchor="ctr" anchorCtr="0" compatLnSpc="1">
-            <a:prstTxWarp prst="textNoShape">
-              <a:avLst/>
-            </a:prstTxWarp>
-            <a:noAutofit/>
-          </a:bodyPr>
-          <a:lstStyle/>
-          <a:p>
-            <a:pPr algn="ctr"/>
-            <a:endParaRPr lang="zh-CN" altLang="en-US" sz="3200" b="1"/>
-          </a:p>
-        </p:txBody>
-      </p:sp>
-      <p:sp>
-        <p:nvSpPr>
-          <p:cNvPr id="24" name="文本框 23"/>
-          <p:cNvSpPr txBox="1"/>
-          <p:nvPr userDrawn="1"/>
-        </p:nvSpPr>
-        <p:spPr>
-          <a:xfrm>
-            <a:off x="2071646" y="4063469"/>
-            <a:ext cx="383206" cy="443226"/>
-          </a:xfrm>
-          <a:prstGeom prst="rect">
-            <a:avLst/>
-          </a:prstGeom>
-          <a:noFill/>
-        </p:spPr>
-        <p:txBody>
-          <a:bodyPr wrap="none" rtlCol="0" anchor="ctr">
-            <a:noAutofit/>
-          </a:bodyPr>
-          <a:lstStyle/>
-          <a:p>
-            <a:pPr algn="ctr"/>
-            <a:r>
-              <a:rPr lang="en-US" altLang="zh-CN" b="1" dirty="0">
-                <a:solidFill>
-                  <a:schemeClr val="bg1"/>
-                </a:solidFill>
-                <a:latin typeface="微软雅黑" panose="020B0503020204020204" pitchFamily="34" charset="-122"/>
-                <a:ea typeface="微软雅黑" panose="020B0503020204020204" pitchFamily="34" charset="-122"/>
-              </a:rPr>
-              <a:t>4</a:t>
-            </a:r>
-            <a:endParaRPr lang="zh-CN" altLang="en-US" b="1" dirty="0">
-              <a:solidFill>
-                <a:schemeClr val="bg1"/>
-              </a:solidFill>
-              <a:latin typeface="微软雅黑" panose="020B0503020204020204" pitchFamily="34" charset="-122"/>
-              <a:ea typeface="微软雅黑" panose="020B0503020204020204" pitchFamily="34" charset="-122"/>
-            </a:endParaRPr>
-          </a:p>
-        </p:txBody>
-      </p:sp>
-      <p:cxnSp>
-        <p:nvCxnSpPr>
-          <p:cNvPr id="25" name="直接连接符 24"/>
-          <p:cNvCxnSpPr>
-            <a:stCxn id="23" idx="6"/>
-          </p:cNvCxnSpPr>
-          <p:nvPr/>
-        </p:nvCxnSpPr>
-        <p:spPr>
-          <a:xfrm>
-            <a:off x="2534033" y="4471134"/>
-            <a:ext cx="4500000" cy="0"/>
-          </a:xfrm>
-          <a:prstGeom prst="line">
-            <a:avLst/>
-          </a:prstGeom>
-          <a:ln>
-            <a:solidFill>
-              <a:schemeClr val="accent1"/>
-            </a:solidFill>
-          </a:ln>
-        </p:spPr>
-        <p:style>
-          <a:lnRef idx="1">
-            <a:schemeClr val="accent1"/>
-          </a:lnRef>
-          <a:fillRef idx="0">
-            <a:schemeClr val="accent1"/>
-          </a:fillRef>
-          <a:effectRef idx="0">
-            <a:schemeClr val="accent1"/>
-          </a:effectRef>
-          <a:fontRef idx="minor">
-            <a:schemeClr val="tx1"/>
-          </a:fontRef>
-        </p:style>
-      </p:cxnSp>
-      <p:sp>
-        <p:nvSpPr>
-          <p:cNvPr id="26" name="文本框 25"/>
-          <p:cNvSpPr txBox="1"/>
-          <p:nvPr/>
-        </p:nvSpPr>
-        <p:spPr>
-          <a:xfrm>
-            <a:off x="2915073" y="4034653"/>
-            <a:ext cx="4387392" cy="461665"/>
-          </a:xfrm>
-          <a:prstGeom prst="rect">
-            <a:avLst/>
-          </a:prstGeom>
-          <a:noFill/>
-        </p:spPr>
-        <p:txBody>
-          <a:bodyPr wrap="square" rtlCol="0">
-            <a:spAutoFit/>
-          </a:bodyPr>
-          <a:lstStyle/>
-          <a:p>
-            <a:r>
-              <a:rPr lang="zh-CN" altLang="en-US" sz="2400" dirty="0">
-                <a:solidFill>
-                  <a:schemeClr val="tx1">
-                    <a:lumMod val="75000"/>
-                    <a:lumOff val="25000"/>
-                  </a:schemeClr>
-                </a:solidFill>
-              </a:rPr>
-              <a:t>图形与配色</a:t>
-            </a:r>
-          </a:p>
-        </p:txBody>
-      </p:sp>
-      <p:sp>
-        <p:nvSpPr>
-          <p:cNvPr id="33" name="Freeform 10"/>
-          <p:cNvSpPr>
-            <a:spLocks noChangeAspect="1"/>
-          </p:cNvSpPr>
-          <p:nvPr userDrawn="1"/>
-        </p:nvSpPr>
-        <p:spPr bwMode="auto">
-          <a:xfrm>
-            <a:off x="1841535" y="5047251"/>
-            <a:ext cx="843427" cy="343858"/>
-          </a:xfrm>
-          <a:custGeom>
-            <a:avLst/>
-            <a:gdLst>
-              <a:gd name="T0" fmla="*/ 3120 w 3800"/>
-              <a:gd name="T1" fmla="*/ 0 h 1532"/>
-              <a:gd name="T2" fmla="*/ 682 w 3800"/>
-              <a:gd name="T3" fmla="*/ 0 h 1532"/>
-              <a:gd name="T4" fmla="*/ 682 w 3800"/>
-              <a:gd name="T5" fmla="*/ 284 h 1532"/>
-              <a:gd name="T6" fmla="*/ 0 w 3800"/>
-              <a:gd name="T7" fmla="*/ 766 h 1532"/>
-              <a:gd name="T8" fmla="*/ 682 w 3800"/>
-              <a:gd name="T9" fmla="*/ 1248 h 1532"/>
-              <a:gd name="T10" fmla="*/ 682 w 3800"/>
-              <a:gd name="T11" fmla="*/ 1532 h 1532"/>
-              <a:gd name="T12" fmla="*/ 3120 w 3800"/>
-              <a:gd name="T13" fmla="*/ 1532 h 1532"/>
-              <a:gd name="T14" fmla="*/ 3120 w 3800"/>
-              <a:gd name="T15" fmla="*/ 1248 h 1532"/>
-              <a:gd name="T16" fmla="*/ 3800 w 3800"/>
-              <a:gd name="T17" fmla="*/ 766 h 1532"/>
-              <a:gd name="T18" fmla="*/ 3120 w 3800"/>
-              <a:gd name="T19" fmla="*/ 284 h 1532"/>
-              <a:gd name="T20" fmla="*/ 3120 w 3800"/>
-              <a:gd name="T21" fmla="*/ 0 h 1532"/>
-            </a:gdLst>
-            <a:ahLst/>
-            <a:cxnLst>
-              <a:cxn ang="0">
-                <a:pos x="T0" y="T1"/>
-              </a:cxn>
-              <a:cxn ang="0">
-                <a:pos x="T2" y="T3"/>
-              </a:cxn>
-              <a:cxn ang="0">
-                <a:pos x="T4" y="T5"/>
-              </a:cxn>
-              <a:cxn ang="0">
-                <a:pos x="T6" y="T7"/>
-              </a:cxn>
-              <a:cxn ang="0">
-                <a:pos x="T8" y="T9"/>
-              </a:cxn>
-              <a:cxn ang="0">
-                <a:pos x="T10" y="T11"/>
-              </a:cxn>
-              <a:cxn ang="0">
-                <a:pos x="T12" y="T13"/>
-              </a:cxn>
-              <a:cxn ang="0">
-                <a:pos x="T14" y="T15"/>
-              </a:cxn>
-              <a:cxn ang="0">
-                <a:pos x="T16" y="T17"/>
-              </a:cxn>
-              <a:cxn ang="0">
-                <a:pos x="T18" y="T19"/>
-              </a:cxn>
-              <a:cxn ang="0">
-                <a:pos x="T20" y="T21"/>
-              </a:cxn>
-            </a:cxnLst>
-            <a:rect l="0" t="0" r="r" b="b"/>
-            <a:pathLst>
-              <a:path w="3800" h="1532">
-                <a:moveTo>
-                  <a:pt x="3120" y="0"/>
-                </a:moveTo>
-                <a:lnTo>
-                  <a:pt x="682" y="0"/>
-                </a:lnTo>
-                <a:lnTo>
-                  <a:pt x="682" y="284"/>
-                </a:lnTo>
-                <a:lnTo>
-                  <a:pt x="0" y="766"/>
-                </a:lnTo>
-                <a:lnTo>
-                  <a:pt x="682" y="1248"/>
-                </a:lnTo>
-                <a:lnTo>
-                  <a:pt x="682" y="1532"/>
-                </a:lnTo>
-                <a:lnTo>
-                  <a:pt x="3120" y="1532"/>
-                </a:lnTo>
-                <a:lnTo>
-                  <a:pt x="3120" y="1248"/>
-                </a:lnTo>
-                <a:lnTo>
-                  <a:pt x="3800" y="766"/>
-                </a:lnTo>
-                <a:lnTo>
-                  <a:pt x="3120" y="284"/>
-                </a:lnTo>
-                <a:lnTo>
-                  <a:pt x="3120" y="0"/>
-                </a:lnTo>
-                <a:close/>
-              </a:path>
-            </a:pathLst>
-          </a:custGeom>
-          <a:solidFill>
-            <a:schemeClr val="bg2"/>
-          </a:solidFill>
-          <a:ln>
-            <a:noFill/>
-          </a:ln>
-        </p:spPr>
-        <p:txBody>
-          <a:bodyPr vert="horz" wrap="square" lIns="91440" tIns="45720" rIns="91440" bIns="45720" numCol="1" anchor="ctr" anchorCtr="0" compatLnSpc="1">
-            <a:prstTxWarp prst="textNoShape">
-              <a:avLst/>
-            </a:prstTxWarp>
-            <a:noAutofit/>
-          </a:bodyPr>
-          <a:lstStyle/>
-          <a:p>
-            <a:pPr algn="ctr"/>
-            <a:endParaRPr lang="zh-CN" altLang="en-US" sz="3200" b="1"/>
-          </a:p>
-        </p:txBody>
-      </p:sp>
-      <p:sp>
-        <p:nvSpPr>
-          <p:cNvPr id="34" name="文本框 33"/>
-          <p:cNvSpPr txBox="1"/>
-          <p:nvPr userDrawn="1"/>
-        </p:nvSpPr>
-        <p:spPr>
-          <a:xfrm>
-            <a:off x="2071646" y="4983444"/>
-            <a:ext cx="383206" cy="443226"/>
-          </a:xfrm>
-          <a:prstGeom prst="rect">
-            <a:avLst/>
-          </a:prstGeom>
-          <a:noFill/>
-        </p:spPr>
-        <p:txBody>
-          <a:bodyPr wrap="none" rtlCol="0" anchor="ctr">
-            <a:noAutofit/>
-          </a:bodyPr>
-          <a:lstStyle/>
-          <a:p>
-            <a:pPr algn="ctr"/>
-            <a:r>
-              <a:rPr lang="en-US" altLang="zh-CN" b="1" dirty="0">
-                <a:solidFill>
-                  <a:schemeClr val="bg1"/>
-                </a:solidFill>
-                <a:latin typeface="微软雅黑" panose="020B0503020204020204" pitchFamily="34" charset="-122"/>
-                <a:ea typeface="微软雅黑" panose="020B0503020204020204" pitchFamily="34" charset="-122"/>
-              </a:rPr>
-              <a:t>5</a:t>
-            </a:r>
-            <a:endParaRPr lang="zh-CN" altLang="en-US" b="1" dirty="0">
-              <a:solidFill>
-                <a:schemeClr val="bg1"/>
-              </a:solidFill>
-              <a:latin typeface="微软雅黑" panose="020B0503020204020204" pitchFamily="34" charset="-122"/>
-              <a:ea typeface="微软雅黑" panose="020B0503020204020204" pitchFamily="34" charset="-122"/>
-            </a:endParaRPr>
-          </a:p>
-        </p:txBody>
-      </p:sp>
-      <p:cxnSp>
-        <p:nvCxnSpPr>
-          <p:cNvPr id="35" name="直接连接符 34"/>
-          <p:cNvCxnSpPr>
-            <a:stCxn id="33" idx="6"/>
-          </p:cNvCxnSpPr>
-          <p:nvPr/>
-        </p:nvCxnSpPr>
-        <p:spPr>
-          <a:xfrm>
-            <a:off x="2534033" y="5391109"/>
-            <a:ext cx="4500000" cy="0"/>
-          </a:xfrm>
-          <a:prstGeom prst="line">
-            <a:avLst/>
-          </a:prstGeom>
-          <a:ln>
-            <a:solidFill>
-              <a:schemeClr val="bg2"/>
-            </a:solidFill>
-          </a:ln>
-        </p:spPr>
-        <p:style>
-          <a:lnRef idx="1">
-            <a:schemeClr val="accent1"/>
-          </a:lnRef>
-          <a:fillRef idx="0">
-            <a:schemeClr val="accent1"/>
-          </a:fillRef>
-          <a:effectRef idx="0">
-            <a:schemeClr val="accent1"/>
-          </a:effectRef>
-          <a:fontRef idx="minor">
-            <a:schemeClr val="tx1"/>
-          </a:fontRef>
-        </p:style>
-      </p:cxnSp>
-      <p:sp>
-        <p:nvSpPr>
-          <p:cNvPr id="36" name="文本框 35"/>
-          <p:cNvSpPr txBox="1"/>
-          <p:nvPr/>
-        </p:nvSpPr>
-        <p:spPr>
-          <a:xfrm>
-            <a:off x="2915073" y="4954628"/>
-            <a:ext cx="4387392" cy="461665"/>
-          </a:xfrm>
-          <a:prstGeom prst="rect">
-            <a:avLst/>
-          </a:prstGeom>
-          <a:noFill/>
-        </p:spPr>
-        <p:txBody>
-          <a:bodyPr wrap="square" rtlCol="0">
-            <a:spAutoFit/>
-          </a:bodyPr>
-          <a:lstStyle/>
-          <a:p>
-            <a:r>
-              <a:rPr lang="zh-CN" altLang="en-US" sz="2400" dirty="0">
-                <a:solidFill>
-                  <a:schemeClr val="tx1">
-                    <a:lumMod val="75000"/>
-                    <a:lumOff val="25000"/>
-                  </a:schemeClr>
-                </a:solidFill>
-              </a:rPr>
-              <a:t>图片处理及排版</a:t>
-            </a:r>
-          </a:p>
-        </p:txBody>
-      </p:sp>
-    </p:spTree>
-    <p:extLst>
-      <p:ext uri="{BB962C8B-B14F-4D97-AF65-F5344CB8AC3E}">
-        <p14:creationId xmlns:p14="http://schemas.microsoft.com/office/powerpoint/2010/main" val="3578238027"/>
-      </p:ext>
-    </p:extLst>
-  </p:cSld>
-  <p:clrMapOvr>
-    <a:masterClrMapping/>
-  </p:clrMapOvr>
-</p:sld>
-</file>
-
-<file path=ppt/slides/slide22.xml><?xml version="1.0" encoding="utf-8"?>
+<file path=ppt/slides/slide10.xml><?xml version="1.0" encoding="utf-8"?>
 <p:sld xmlns:a="http://schemas.openxmlformats.org/drawingml/2006/main" xmlns:r="http://schemas.openxmlformats.org/officeDocument/2006/relationships" xmlns:p="http://schemas.openxmlformats.org/presentationml/2006/main">
   <p:cSld>
     <p:spTree>
@@ -14267,7 +10284,7 @@
 </p:sld>
 </file>
 
-<file path=ppt/slides/slide23.xml><?xml version="1.0" encoding="utf-8"?>
+<file path=ppt/slides/slide11.xml><?xml version="1.0" encoding="utf-8"?>
 <p:sld xmlns:a="http://schemas.openxmlformats.org/drawingml/2006/main" xmlns:r="http://schemas.openxmlformats.org/officeDocument/2006/relationships" xmlns:p="http://schemas.openxmlformats.org/presentationml/2006/main">
   <p:cSld>
     <p:spTree>
@@ -18744,7 +14761,7 @@
 </p:sld>
 </file>
 
-<file path=ppt/slides/slide24.xml><?xml version="1.0" encoding="utf-8"?>
+<file path=ppt/slides/slide12.xml><?xml version="1.0" encoding="utf-8"?>
 <p:sld xmlns:a="http://schemas.openxmlformats.org/drawingml/2006/main" xmlns:r="http://schemas.openxmlformats.org/officeDocument/2006/relationships" xmlns:p="http://schemas.openxmlformats.org/presentationml/2006/main">
   <p:cSld>
     <p:spTree>
@@ -19581,7 +15598,7 @@
 </p:sld>
 </file>
 
-<file path=ppt/slides/slide25.xml><?xml version="1.0" encoding="utf-8"?>
+<file path=ppt/slides/slide13.xml><?xml version="1.0" encoding="utf-8"?>
 <p:sld xmlns:a="http://schemas.openxmlformats.org/drawingml/2006/main" xmlns:r="http://schemas.openxmlformats.org/officeDocument/2006/relationships" xmlns:p="http://schemas.openxmlformats.org/presentationml/2006/main">
   <p:cSld>
     <p:spTree>
@@ -20918,7 +16935,7 @@
 </p:sld>
 </file>
 
-<file path=ppt/slides/slide26.xml><?xml version="1.0" encoding="utf-8"?>
+<file path=ppt/slides/slide14.xml><?xml version="1.0" encoding="utf-8"?>
 <p:sld xmlns:a="http://schemas.openxmlformats.org/drawingml/2006/main" xmlns:r="http://schemas.openxmlformats.org/officeDocument/2006/relationships" xmlns:p="http://schemas.openxmlformats.org/presentationml/2006/main">
   <p:cSld>
     <p:spTree>
@@ -21427,7 +17444,7 @@
 </p:sld>
 </file>
 
-<file path=ppt/slides/slide27.xml><?xml version="1.0" encoding="utf-8"?>
+<file path=ppt/slides/slide15.xml><?xml version="1.0" encoding="utf-8"?>
 <p:sld xmlns:a="http://schemas.openxmlformats.org/drawingml/2006/main" xmlns:r="http://schemas.openxmlformats.org/officeDocument/2006/relationships" xmlns:p="http://schemas.openxmlformats.org/presentationml/2006/main">
   <p:cSld>
     <p:spTree>
@@ -21482,7 +17499,7 @@
 </p:sld>
 </file>
 
-<file path=ppt/slides/slide3.xml><?xml version="1.0" encoding="utf-8"?>
+<file path=ppt/slides/slide2.xml><?xml version="1.0" encoding="utf-8"?>
 <p:sld xmlns:a="http://schemas.openxmlformats.org/drawingml/2006/main" xmlns:r="http://schemas.openxmlformats.org/officeDocument/2006/relationships" xmlns:p="http://schemas.openxmlformats.org/presentationml/2006/main">
   <p:cSld>
     <p:spTree>
@@ -21521,7 +17538,7 @@
                 <a:latin typeface="微软雅黑" panose="020B0503020204020204" pitchFamily="34" charset="-122"/>
                 <a:ea typeface="微软雅黑" panose="020B0503020204020204" pitchFamily="34" charset="-122"/>
               </a:rPr>
-              <a:t>目录 </a:t>
+              <a:t> </a:t>
             </a:r>
             <a:r>
               <a:rPr lang="en-US" altLang="zh-CN" dirty="0">
@@ -21776,8 +17793,8 @@
         </p:nvSpPr>
         <p:spPr>
           <a:xfrm>
-            <a:off x="2915073" y="1274734"/>
-            <a:ext cx="4387392" cy="461665"/>
+            <a:off x="2915072" y="1274734"/>
+            <a:ext cx="6125295" cy="400110"/>
           </a:xfrm>
           <a:prstGeom prst="rect">
             <a:avLst/>
@@ -21791,9 +17808,10 @@
           <a:lstStyle/>
           <a:p>
             <a:r>
-              <a:rPr lang="zh-CN" altLang="en-US" sz="2400" dirty="0"/>
-              <a:t>说明</a:t>
+              <a:rPr lang="en-GB" altLang="zh-CN" sz="2000" dirty="0"/>
+              <a:t>Nominated proof-of-stake and validator election</a:t>
             </a:r>
+            <a:endParaRPr lang="zh-CN" altLang="en-US" sz="2000" dirty="0"/>
           </a:p>
         </p:txBody>
       </p:sp>
@@ -22853,7 +18871,7 @@
 </p:sld>
 </file>
 
-<file path=ppt/slides/slide4.xml><?xml version="1.0" encoding="utf-8"?>
+<file path=ppt/slides/slide3.xml><?xml version="1.0" encoding="utf-8"?>
 <p:sld xmlns:a="http://schemas.openxmlformats.org/drawingml/2006/main" xmlns:r="http://schemas.openxmlformats.org/officeDocument/2006/relationships" xmlns:p="http://schemas.openxmlformats.org/presentationml/2006/main">
   <p:cSld>
     <p:spTree>
@@ -22888,13 +18906,6 @@
           <a:lstStyle/>
           <a:p>
             <a:r>
-              <a:rPr lang="zh-CN" altLang="en-US" dirty="0">
-                <a:latin typeface="微软雅黑" panose="020B0503020204020204" pitchFamily="34" charset="-122"/>
-                <a:ea typeface="微软雅黑" panose="020B0503020204020204" pitchFamily="34" charset="-122"/>
-              </a:rPr>
-              <a:t>目录 </a:t>
-            </a:r>
-            <a:r>
               <a:rPr lang="en-US" altLang="zh-CN" dirty="0">
                 <a:latin typeface="微软雅黑" panose="020B0503020204020204" pitchFamily="34" charset="-122"/>
                 <a:ea typeface="微软雅黑" panose="020B0503020204020204" pitchFamily="34" charset="-122"/>
@@ -23132,8 +19143,8 @@
         </p:nvSpPr>
         <p:spPr>
           <a:xfrm>
-            <a:off x="2915073" y="1274734"/>
-            <a:ext cx="4387392" cy="461665"/>
+            <a:off x="2915072" y="1274734"/>
+            <a:ext cx="5418159" cy="400110"/>
           </a:xfrm>
           <a:prstGeom prst="rect">
             <a:avLst/>
@@ -23147,9 +19158,10 @@
           <a:lstStyle/>
           <a:p>
             <a:r>
-              <a:rPr lang="zh-CN" altLang="en-US" sz="2400" dirty="0"/>
-              <a:t>说明</a:t>
+              <a:rPr lang="en-GB" altLang="zh-CN" sz="2000" dirty="0"/>
+              <a:t>Nominated proof-of-stake and validator election</a:t>
             </a:r>
+            <a:endParaRPr lang="zh-CN" altLang="en-US" sz="2000" dirty="0"/>
           </a:p>
         </p:txBody>
       </p:sp>
@@ -24182,6 +20194,226 @@
 </p:sld>
 </file>
 
+<file path=ppt/slides/slide4.xml><?xml version="1.0" encoding="utf-8"?>
+<p:sld xmlns:a="http://schemas.openxmlformats.org/drawingml/2006/main" xmlns:r="http://schemas.openxmlformats.org/officeDocument/2006/relationships" xmlns:p="http://schemas.openxmlformats.org/presentationml/2006/main">
+  <p:cSld>
+    <p:spTree>
+      <p:nvGrpSpPr>
+        <p:cNvPr id="1" name=""/>
+        <p:cNvGrpSpPr/>
+        <p:nvPr/>
+      </p:nvGrpSpPr>
+      <p:grpSpPr>
+        <a:xfrm>
+          <a:off x="0" y="0"/>
+          <a:ext cx="0" cy="0"/>
+          <a:chOff x="0" y="0"/>
+          <a:chExt cx="0" cy="0"/>
+        </a:xfrm>
+      </p:grpSpPr>
+      <p:sp>
+        <p:nvSpPr>
+          <p:cNvPr id="2" name="内容占位符 1">
+            <a:extLst>
+              <a:ext uri="{FF2B5EF4-FFF2-40B4-BE49-F238E27FC236}">
+                <a16:creationId xmlns:a16="http://schemas.microsoft.com/office/drawing/2014/main" id="{DB1BAE6E-338E-4980-8A6F-80FF1EEFFFD1}"/>
+              </a:ext>
+            </a:extLst>
+          </p:cNvPr>
+          <p:cNvSpPr>
+            <a:spLocks noGrp="1"/>
+          </p:cNvSpPr>
+          <p:nvPr>
+            <p:ph sz="quarter" idx="10"/>
+          </p:nvPr>
+        </p:nvSpPr>
+        <p:spPr/>
+        <p:txBody>
+          <a:bodyPr/>
+          <a:lstStyle/>
+          <a:p>
+            <a:r>
+              <a:rPr lang="en-GB" altLang="zh-CN" dirty="0" err="1"/>
+              <a:t>NPoS</a:t>
+            </a:r>
+            <a:r>
+              <a:rPr lang="en-GB" altLang="zh-CN" dirty="0"/>
+              <a:t> is a very own version of </a:t>
+            </a:r>
+            <a:r>
+              <a:rPr lang="en-GB" altLang="zh-CN" dirty="0" err="1"/>
+              <a:t>PoS</a:t>
+            </a:r>
+            <a:r>
+              <a:rPr lang="en-GB" altLang="zh-CN" dirty="0"/>
+              <a:t> for </a:t>
+            </a:r>
+            <a:r>
+              <a:rPr lang="en-GB" altLang="zh-CN" dirty="0" err="1"/>
+              <a:t>Polkadot</a:t>
+            </a:r>
+            <a:r>
+              <a:rPr lang="en-GB" altLang="zh-CN" dirty="0"/>
+              <a:t>.</a:t>
+            </a:r>
+          </a:p>
+          <a:p>
+            <a:r>
+              <a:rPr lang="en-GB" altLang="zh-CN" dirty="0" err="1"/>
+              <a:t>NPoS’s</a:t>
+            </a:r>
+            <a:r>
+              <a:rPr lang="en-GB" altLang="zh-CN" dirty="0"/>
+              <a:t> </a:t>
+            </a:r>
+            <a:r>
+              <a:rPr lang="en-GB" altLang="zh-CN" dirty="0" err="1"/>
+              <a:t>Adventages</a:t>
+            </a:r>
+            <a:r>
+              <a:rPr lang="en-GB" altLang="zh-CN" dirty="0"/>
+              <a:t>:</a:t>
+            </a:r>
+          </a:p>
+          <a:p>
+            <a:pPr lvl="1"/>
+            <a:r>
+              <a:rPr lang="en-GB" altLang="zh-CN" dirty="0"/>
+              <a:t>more efficient than </a:t>
+            </a:r>
+            <a:r>
+              <a:rPr lang="en-GB" altLang="zh-CN" dirty="0" err="1"/>
+              <a:t>PoW</a:t>
+            </a:r>
+            <a:endParaRPr lang="en-GB" altLang="zh-CN" dirty="0"/>
+          </a:p>
+          <a:p>
+            <a:pPr lvl="1"/>
+            <a:r>
+              <a:rPr lang="en-GB" altLang="zh-CN" dirty="0"/>
+              <a:t>considerably more secure than conventional forms of </a:t>
+            </a:r>
+            <a:r>
+              <a:rPr lang="en-GB" altLang="zh-CN" dirty="0" err="1"/>
+              <a:t>PoS</a:t>
+            </a:r>
+            <a:r>
+              <a:rPr lang="en-GB" altLang="zh-CN" dirty="0"/>
+              <a:t> such as </a:t>
+            </a:r>
+            <a:r>
+              <a:rPr lang="en-GB" altLang="zh-CN" dirty="0" err="1"/>
+              <a:t>DPoS</a:t>
+            </a:r>
+            <a:r>
+              <a:rPr lang="en-GB" altLang="zh-CN" dirty="0"/>
+              <a:t> and </a:t>
+            </a:r>
+            <a:r>
+              <a:rPr lang="en-GB" altLang="zh-CN" dirty="0" err="1"/>
+              <a:t>BPoS</a:t>
+            </a:r>
+            <a:r>
+              <a:rPr lang="en-GB" altLang="zh-CN" dirty="0"/>
+              <a:t>.</a:t>
+            </a:r>
+          </a:p>
+          <a:p>
+            <a:r>
+              <a:rPr lang="en-GB" altLang="zh-CN" dirty="0" err="1"/>
+              <a:t>NPoS</a:t>
+            </a:r>
+            <a:r>
+              <a:rPr lang="en-GB" altLang="zh-CN" dirty="0"/>
+              <a:t> Scheme:</a:t>
+            </a:r>
+          </a:p>
+          <a:p>
+            <a:pPr lvl="1"/>
+            <a:r>
+              <a:rPr lang="en-GB" altLang="zh-CN" dirty="0"/>
+              <a:t>A new set of validators is elected at the beginning of every era(about one day)</a:t>
+            </a:r>
+          </a:p>
+          <a:p>
+            <a:pPr lvl="2"/>
+            <a:r>
+              <a:rPr lang="en-GB" altLang="zh-CN" dirty="0"/>
+              <a:t>Any DOT holder could become a validator candidate or a nominator.</a:t>
+            </a:r>
+          </a:p>
+          <a:p>
+            <a:pPr lvl="2"/>
+            <a:r>
+              <a:rPr lang="en-GB" altLang="zh-CN" dirty="0"/>
+              <a:t>Candidate need stake the amount of stake and spend commission fee for operational costs</a:t>
+            </a:r>
+          </a:p>
+          <a:p>
+            <a:pPr lvl="2"/>
+            <a:r>
+              <a:rPr lang="en-GB" altLang="zh-CN" dirty="0"/>
+              <a:t>Nominator locks some stake and published a list with any number of candidates</a:t>
+            </a:r>
+          </a:p>
+          <a:p>
+            <a:pPr lvl="1"/>
+            <a:endParaRPr lang="zh-CN" altLang="en-US" dirty="0"/>
+          </a:p>
+        </p:txBody>
+      </p:sp>
+      <p:sp>
+        <p:nvSpPr>
+          <p:cNvPr id="3" name="标题 2">
+            <a:extLst>
+              <a:ext uri="{FF2B5EF4-FFF2-40B4-BE49-F238E27FC236}">
+                <a16:creationId xmlns:a16="http://schemas.microsoft.com/office/drawing/2014/main" id="{FC0B8879-339D-4222-A070-BECDD62991BE}"/>
+              </a:ext>
+            </a:extLst>
+          </p:cNvPr>
+          <p:cNvSpPr>
+            <a:spLocks noGrp="1"/>
+          </p:cNvSpPr>
+          <p:nvPr>
+            <p:ph type="title"/>
+          </p:nvPr>
+        </p:nvSpPr>
+        <p:spPr/>
+        <p:txBody>
+          <a:bodyPr>
+            <a:normAutofit/>
+          </a:bodyPr>
+          <a:lstStyle/>
+          <a:p>
+            <a:r>
+              <a:rPr lang="en-GB" altLang="zh-CN" dirty="0"/>
+              <a:t>Nominated proof-of-stake(</a:t>
+            </a:r>
+            <a:r>
+              <a:rPr lang="en-GB" altLang="zh-CN" dirty="0" err="1"/>
+              <a:t>NPoS</a:t>
+            </a:r>
+            <a:r>
+              <a:rPr lang="en-GB" altLang="zh-CN" dirty="0"/>
+              <a:t>)</a:t>
+            </a:r>
+            <a:endParaRPr lang="zh-CN" altLang="en-US" dirty="0"/>
+          </a:p>
+        </p:txBody>
+      </p:sp>
+    </p:spTree>
+    <p:extLst>
+      <p:ext uri="{BB962C8B-B14F-4D97-AF65-F5344CB8AC3E}">
+        <p14:creationId xmlns:p14="http://schemas.microsoft.com/office/powerpoint/2010/main" val="1919944177"/>
+      </p:ext>
+    </p:extLst>
+  </p:cSld>
+  <p:clrMapOvr>
+    <a:masterClrMapping/>
+  </p:clrMapOvr>
+</p:sld>
+</file>
+
 <file path=ppt/slides/slide5.xml><?xml version="1.0" encoding="utf-8"?>
 <p:sld xmlns:a="http://schemas.openxmlformats.org/drawingml/2006/main" xmlns:r="http://schemas.openxmlformats.org/officeDocument/2006/relationships" xmlns:p="http://schemas.openxmlformats.org/presentationml/2006/main">
   <p:cSld>
@@ -24201,7 +20433,13 @@
       </p:grpSpPr>
       <p:sp>
         <p:nvSpPr>
-          <p:cNvPr id="4" name="内容占位符 3"/>
+          <p:cNvPr id="2" name="内容占位符 1">
+            <a:extLst>
+              <a:ext uri="{FF2B5EF4-FFF2-40B4-BE49-F238E27FC236}">
+                <a16:creationId xmlns:a16="http://schemas.microsoft.com/office/drawing/2014/main" id="{1C033211-2BB1-4F34-AA8B-843D7AA332B4}"/>
+              </a:ext>
+            </a:extLst>
+          </p:cNvPr>
           <p:cNvSpPr>
             <a:spLocks noGrp="1"/>
           </p:cNvSpPr>
@@ -24209,69 +20447,24 @@
             <p:ph sz="quarter" idx="10"/>
           </p:nvPr>
         </p:nvSpPr>
-        <p:spPr>
-          <a:xfrm>
-            <a:off x="494025" y="1685678"/>
-            <a:ext cx="5761117" cy="4921498"/>
-          </a:xfrm>
-        </p:spPr>
+        <p:spPr/>
         <p:txBody>
           <a:bodyPr/>
           <a:lstStyle/>
           <a:p>
-            <a:pPr>
-              <a:lnSpc>
-                <a:spcPct val="150000"/>
-              </a:lnSpc>
-            </a:pPr>
-            <a:r>
-              <a:rPr lang="zh-CN" altLang="en-US" dirty="0"/>
-              <a:t>点击开始</a:t>
-            </a:r>
-            <a:r>
-              <a:rPr lang="en-US" altLang="zh-CN" dirty="0"/>
-              <a:t>-</a:t>
-            </a:r>
-            <a:r>
-              <a:rPr lang="zh-CN" altLang="en-US" dirty="0"/>
-              <a:t>新增幻灯片的下拉按钮可以看到本</a:t>
-            </a:r>
-            <a:r>
-              <a:rPr lang="en-US" altLang="zh-CN" dirty="0"/>
-              <a:t>PPT</a:t>
-            </a:r>
-            <a:r>
-              <a:rPr lang="zh-CN" altLang="en-US" dirty="0"/>
-              <a:t>所包含的版式。</a:t>
-            </a:r>
-            <a:endParaRPr lang="en-US" altLang="zh-CN" dirty="0"/>
-          </a:p>
-          <a:p>
-            <a:pPr>
-              <a:lnSpc>
-                <a:spcPct val="150000"/>
-              </a:lnSpc>
-            </a:pPr>
-            <a:r>
-              <a:rPr lang="zh-CN" altLang="en-US" dirty="0"/>
-              <a:t>版式分为有页码版和没有页码版，供使用者选择。其中有页码的版式会自动添加页码。</a:t>
-            </a:r>
-            <a:endParaRPr lang="en-US" altLang="zh-CN" dirty="0"/>
-          </a:p>
-          <a:p>
-            <a:pPr marL="0" indent="0">
-              <a:lnSpc>
-                <a:spcPct val="150000"/>
-              </a:lnSpc>
-              <a:buNone/>
-            </a:pPr>
-            <a:endParaRPr lang="en-US" altLang="zh-CN" dirty="0"/>
+            <a:endParaRPr lang="zh-CN" altLang="en-US" dirty="0"/>
           </a:p>
         </p:txBody>
       </p:sp>
       <p:sp>
         <p:nvSpPr>
-          <p:cNvPr id="3" name="标题 2"/>
+          <p:cNvPr id="3" name="标题 2">
+            <a:extLst>
+              <a:ext uri="{FF2B5EF4-FFF2-40B4-BE49-F238E27FC236}">
+                <a16:creationId xmlns:a16="http://schemas.microsoft.com/office/drawing/2014/main" id="{2B9782E0-BCC9-449C-B0FC-3AE2578AB581}"/>
+              </a:ext>
+            </a:extLst>
+          </p:cNvPr>
           <p:cNvSpPr>
             <a:spLocks noGrp="1"/>
           </p:cNvSpPr>
@@ -24285,39 +20478,25 @@
           <a:lstStyle/>
           <a:p>
             <a:r>
-              <a:rPr lang="zh-CN" altLang="en-US" dirty="0"/>
-              <a:t>关于模板的使用说明</a:t>
+              <a:rPr lang="en-GB" altLang="zh-CN" dirty="0"/>
+              <a:t>Analysis of </a:t>
             </a:r>
+            <a:r>
+              <a:rPr lang="en-GB" altLang="zh-CN" dirty="0" err="1"/>
+              <a:t>NPoS</a:t>
+            </a:r>
+            <a:r>
+              <a:rPr lang="en-GB" altLang="zh-CN" dirty="0"/>
+              <a:t>-Decentralisation</a:t>
+            </a:r>
+            <a:endParaRPr lang="zh-CN" altLang="en-US" dirty="0"/>
           </a:p>
         </p:txBody>
       </p:sp>
-      <p:pic>
-        <p:nvPicPr>
-          <p:cNvPr id="5" name="图片 4"/>
-          <p:cNvPicPr>
-            <a:picLocks noChangeAspect="1"/>
-          </p:cNvPicPr>
-          <p:nvPr/>
-        </p:nvPicPr>
-        <p:blipFill rotWithShape="1">
-          <a:blip r:embed="rId2"/>
-          <a:srcRect l="6347" t="6852" r="68334" b="13318"/>
-          <a:stretch/>
-        </p:blipFill>
-        <p:spPr>
-          <a:xfrm>
-            <a:off x="6446886" y="1762704"/>
-            <a:ext cx="2419301" cy="4767445"/>
-          </a:xfrm>
-          <a:prstGeom prst="rect">
-            <a:avLst/>
-          </a:prstGeom>
-        </p:spPr>
-      </p:pic>
     </p:spTree>
     <p:extLst>
       <p:ext uri="{BB962C8B-B14F-4D97-AF65-F5344CB8AC3E}">
-        <p14:creationId xmlns:p14="http://schemas.microsoft.com/office/powerpoint/2010/main" val="233054111"/>
+        <p14:creationId xmlns:p14="http://schemas.microsoft.com/office/powerpoint/2010/main" val="2494463445"/>
       </p:ext>
     </p:extLst>
   </p:cSld>
@@ -24346,7 +20525,13 @@
       </p:grpSpPr>
       <p:sp>
         <p:nvSpPr>
-          <p:cNvPr id="4" name="内容占位符 3"/>
+          <p:cNvPr id="2" name="内容占位符 1">
+            <a:extLst>
+              <a:ext uri="{FF2B5EF4-FFF2-40B4-BE49-F238E27FC236}">
+                <a16:creationId xmlns:a16="http://schemas.microsoft.com/office/drawing/2014/main" id="{1C033211-2BB1-4F34-AA8B-843D7AA332B4}"/>
+              </a:ext>
+            </a:extLst>
+          </p:cNvPr>
           <p:cNvSpPr>
             <a:spLocks noGrp="1"/>
           </p:cNvSpPr>
@@ -24354,86 +20539,24 @@
             <p:ph sz="quarter" idx="10"/>
           </p:nvPr>
         </p:nvSpPr>
-        <p:spPr>
-          <a:xfrm>
-            <a:off x="494025" y="1685678"/>
-            <a:ext cx="4644417" cy="4921498"/>
-          </a:xfrm>
-        </p:spPr>
+        <p:spPr/>
         <p:txBody>
           <a:bodyPr/>
           <a:lstStyle/>
           <a:p>
-            <a:pPr>
-              <a:lnSpc>
-                <a:spcPct val="150000"/>
-              </a:lnSpc>
-            </a:pPr>
-            <a:r>
-              <a:rPr lang="zh-CN" altLang="en-US" dirty="0"/>
-              <a:t>请在设计菜单卡的下拉列表里可以选择保存当前主题。下次使用时即可在设计菜单中直接调用主题设置。</a:t>
-            </a:r>
-            <a:endParaRPr lang="en-US" altLang="zh-CN" dirty="0"/>
-          </a:p>
-          <a:p>
-            <a:pPr>
-              <a:lnSpc>
-                <a:spcPct val="150000"/>
-              </a:lnSpc>
-            </a:pPr>
-            <a:r>
-              <a:rPr lang="zh-CN" altLang="en-US" dirty="0"/>
-              <a:t>字体使用的是等线字体，系统升级为</a:t>
-            </a:r>
-            <a:r>
-              <a:rPr lang="en-US" altLang="zh-CN" dirty="0"/>
-              <a:t>WIN10</a:t>
-            </a:r>
-            <a:r>
-              <a:rPr lang="zh-CN" altLang="en-US" dirty="0"/>
-              <a:t>后自动安装。</a:t>
-            </a:r>
-            <a:r>
-              <a:rPr lang="zh-CN" altLang="en-US"/>
-              <a:t>如系统尚未升级可以尝试微软雅黑字体。</a:t>
-            </a:r>
-            <a:r>
-              <a:rPr lang="zh-CN" altLang="en-US" dirty="0"/>
-              <a:t>配色使用的是</a:t>
-            </a:r>
-            <a:r>
-              <a:rPr lang="en-US" altLang="zh-CN" dirty="0"/>
-              <a:t>VI</a:t>
-            </a:r>
-            <a:r>
-              <a:rPr lang="zh-CN" altLang="en-US" dirty="0"/>
-              <a:t>辅助色系。</a:t>
-            </a:r>
-            <a:endParaRPr lang="en-US" altLang="zh-CN" dirty="0"/>
-          </a:p>
-          <a:p>
-            <a:pPr marL="0" indent="0">
-              <a:lnSpc>
-                <a:spcPct val="150000"/>
-              </a:lnSpc>
-              <a:buNone/>
-            </a:pPr>
-            <a:endParaRPr lang="en-US" altLang="zh-CN" dirty="0"/>
-          </a:p>
-          <a:p>
-            <a:pPr marL="0" indent="0">
-              <a:lnSpc>
-                <a:spcPct val="150000"/>
-              </a:lnSpc>
-              <a:buNone/>
-            </a:pPr>
-            <a:endParaRPr lang="en-US" altLang="zh-CN" dirty="0"/>
+            <a:endParaRPr lang="zh-CN" altLang="en-US" dirty="0"/>
           </a:p>
         </p:txBody>
       </p:sp>
       <p:sp>
         <p:nvSpPr>
-          <p:cNvPr id="3" name="标题 2"/>
+          <p:cNvPr id="3" name="标题 2">
+            <a:extLst>
+              <a:ext uri="{FF2B5EF4-FFF2-40B4-BE49-F238E27FC236}">
+                <a16:creationId xmlns:a16="http://schemas.microsoft.com/office/drawing/2014/main" id="{2B9782E0-BCC9-449C-B0FC-3AE2578AB581}"/>
+              </a:ext>
+            </a:extLst>
+          </p:cNvPr>
           <p:cNvSpPr>
             <a:spLocks noGrp="1"/>
           </p:cNvSpPr>
@@ -24447,39 +20570,25 @@
           <a:lstStyle/>
           <a:p>
             <a:r>
-              <a:rPr lang="zh-CN" altLang="en-US" dirty="0"/>
-              <a:t>关于模板的使用说明</a:t>
+              <a:rPr lang="en-GB" altLang="zh-CN" dirty="0"/>
+              <a:t>Analysis of </a:t>
             </a:r>
+            <a:r>
+              <a:rPr lang="en-GB" altLang="zh-CN" dirty="0" err="1"/>
+              <a:t>NPoS</a:t>
+            </a:r>
+            <a:r>
+              <a:rPr lang="en-GB" altLang="zh-CN" dirty="0"/>
+              <a:t>-Security</a:t>
+            </a:r>
+            <a:endParaRPr lang="zh-CN" altLang="en-US" dirty="0"/>
           </a:p>
         </p:txBody>
       </p:sp>
-      <p:pic>
-        <p:nvPicPr>
-          <p:cNvPr id="7" name="图片 6"/>
-          <p:cNvPicPr>
-            <a:picLocks noChangeAspect="1"/>
-          </p:cNvPicPr>
-          <p:nvPr/>
-        </p:nvPicPr>
-        <p:blipFill rotWithShape="1">
-          <a:blip r:embed="rId2"/>
-          <a:srcRect r="29920"/>
-          <a:stretch/>
-        </p:blipFill>
-        <p:spPr>
-          <a:xfrm>
-            <a:off x="5321876" y="1685678"/>
-            <a:ext cx="3544311" cy="3304039"/>
-          </a:xfrm>
-          <a:prstGeom prst="rect">
-            <a:avLst/>
-          </a:prstGeom>
-        </p:spPr>
-      </p:pic>
     </p:spTree>
     <p:extLst>
       <p:ext uri="{BB962C8B-B14F-4D97-AF65-F5344CB8AC3E}">
-        <p14:creationId xmlns:p14="http://schemas.microsoft.com/office/powerpoint/2010/main" val="4256661517"/>
+        <p14:creationId xmlns:p14="http://schemas.microsoft.com/office/powerpoint/2010/main" val="2574557201"/>
       </p:ext>
     </p:extLst>
   </p:cSld>
@@ -25836,55 +21945,7 @@
       </p:grpSpPr>
       <p:sp>
         <p:nvSpPr>
-          <p:cNvPr id="5" name="内容占位符 4"/>
-          <p:cNvSpPr>
-            <a:spLocks noGrp="1"/>
-          </p:cNvSpPr>
-          <p:nvPr>
-            <p:ph sz="quarter" idx="10"/>
-          </p:nvPr>
-        </p:nvSpPr>
-        <p:spPr/>
-        <p:txBody>
-          <a:bodyPr>
-            <a:normAutofit/>
-          </a:bodyPr>
-          <a:lstStyle/>
-          <a:p>
-            <a:r>
-              <a:rPr lang="zh-CN" altLang="en-US" dirty="0"/>
-              <a:t>文字内容文字内容文字内容文字内容</a:t>
-            </a:r>
-            <a:endParaRPr lang="en-US" altLang="zh-CN" dirty="0"/>
-          </a:p>
-          <a:p>
-            <a:pPr lvl="1"/>
-            <a:r>
-              <a:rPr lang="zh-CN" altLang="en-US" dirty="0"/>
-              <a:t>文字内容文字内容文字内容文字内容文字内容</a:t>
-            </a:r>
-            <a:endParaRPr lang="en-US" altLang="zh-CN" dirty="0"/>
-          </a:p>
-          <a:p>
-            <a:pPr lvl="1"/>
-            <a:r>
-              <a:rPr lang="zh-CN" altLang="en-US" dirty="0"/>
-              <a:t>文字内容文字内容文字内容文字内容文字内容</a:t>
-            </a:r>
-            <a:endParaRPr lang="en-US" altLang="zh-CN" dirty="0"/>
-          </a:p>
-          <a:p>
-            <a:r>
-              <a:rPr lang="zh-CN" altLang="en-US" dirty="0"/>
-              <a:t>文字内容文字内容文字内容文字内容</a:t>
-            </a:r>
-            <a:endParaRPr lang="en-US" altLang="zh-CN" dirty="0"/>
-          </a:p>
-        </p:txBody>
-      </p:sp>
-      <p:sp>
-        <p:nvSpPr>
-          <p:cNvPr id="3" name="标题 2"/>
+          <p:cNvPr id="2" name="标题 1"/>
           <p:cNvSpPr>
             <a:spLocks noGrp="1"/>
           </p:cNvSpPr>
@@ -25894,12 +21955,1288 @@
         </p:nvSpPr>
         <p:spPr/>
         <p:txBody>
-          <a:bodyPr/>
+          <a:bodyPr>
+            <a:normAutofit fontScale="90000"/>
+          </a:bodyPr>
           <a:lstStyle/>
           <a:p>
             <a:r>
-              <a:rPr lang="zh-CN" altLang="en-US" dirty="0"/>
-              <a:t>标题内容标题内容</a:t>
+              <a:rPr lang="zh-CN" altLang="en-US" dirty="0">
+                <a:latin typeface="微软雅黑" panose="020B0503020204020204" pitchFamily="34" charset="-122"/>
+                <a:ea typeface="微软雅黑" panose="020B0503020204020204" pitchFamily="34" charset="-122"/>
+              </a:rPr>
+              <a:t>目录 </a:t>
+            </a:r>
+            <a:r>
+              <a:rPr lang="en-US" altLang="zh-CN" dirty="0">
+                <a:latin typeface="微软雅黑" panose="020B0503020204020204" pitchFamily="34" charset="-122"/>
+                <a:ea typeface="微软雅黑" panose="020B0503020204020204" pitchFamily="34" charset="-122"/>
+              </a:rPr>
+              <a:t>Contents</a:t>
+            </a:r>
+            <a:endParaRPr lang="zh-CN" altLang="en-US" dirty="0">
+              <a:latin typeface="微软雅黑" panose="020B0503020204020204" pitchFamily="34" charset="-122"/>
+              <a:ea typeface="微软雅黑" panose="020B0503020204020204" pitchFamily="34" charset="-122"/>
+            </a:endParaRPr>
+          </a:p>
+        </p:txBody>
+      </p:sp>
+      <p:sp>
+        <p:nvSpPr>
+          <p:cNvPr id="4" name="Freeform 10"/>
+          <p:cNvSpPr>
+            <a:spLocks/>
+          </p:cNvSpPr>
+          <p:nvPr userDrawn="1"/>
+        </p:nvSpPr>
+        <p:spPr bwMode="auto">
+          <a:xfrm>
+            <a:off x="1841535" y="1367357"/>
+            <a:ext cx="843427" cy="343858"/>
+          </a:xfrm>
+          <a:custGeom>
+            <a:avLst/>
+            <a:gdLst>
+              <a:gd name="T0" fmla="*/ 3120 w 3800"/>
+              <a:gd name="T1" fmla="*/ 0 h 1532"/>
+              <a:gd name="T2" fmla="*/ 682 w 3800"/>
+              <a:gd name="T3" fmla="*/ 0 h 1532"/>
+              <a:gd name="T4" fmla="*/ 682 w 3800"/>
+              <a:gd name="T5" fmla="*/ 284 h 1532"/>
+              <a:gd name="T6" fmla="*/ 0 w 3800"/>
+              <a:gd name="T7" fmla="*/ 766 h 1532"/>
+              <a:gd name="T8" fmla="*/ 682 w 3800"/>
+              <a:gd name="T9" fmla="*/ 1248 h 1532"/>
+              <a:gd name="T10" fmla="*/ 682 w 3800"/>
+              <a:gd name="T11" fmla="*/ 1532 h 1532"/>
+              <a:gd name="T12" fmla="*/ 3120 w 3800"/>
+              <a:gd name="T13" fmla="*/ 1532 h 1532"/>
+              <a:gd name="T14" fmla="*/ 3120 w 3800"/>
+              <a:gd name="T15" fmla="*/ 1248 h 1532"/>
+              <a:gd name="T16" fmla="*/ 3800 w 3800"/>
+              <a:gd name="T17" fmla="*/ 766 h 1532"/>
+              <a:gd name="T18" fmla="*/ 3120 w 3800"/>
+              <a:gd name="T19" fmla="*/ 284 h 1532"/>
+              <a:gd name="T20" fmla="*/ 3120 w 3800"/>
+              <a:gd name="T21" fmla="*/ 0 h 1532"/>
+            </a:gdLst>
+            <a:ahLst/>
+            <a:cxnLst>
+              <a:cxn ang="0">
+                <a:pos x="T0" y="T1"/>
+              </a:cxn>
+              <a:cxn ang="0">
+                <a:pos x="T2" y="T3"/>
+              </a:cxn>
+              <a:cxn ang="0">
+                <a:pos x="T4" y="T5"/>
+              </a:cxn>
+              <a:cxn ang="0">
+                <a:pos x="T6" y="T7"/>
+              </a:cxn>
+              <a:cxn ang="0">
+                <a:pos x="T8" y="T9"/>
+              </a:cxn>
+              <a:cxn ang="0">
+                <a:pos x="T10" y="T11"/>
+              </a:cxn>
+              <a:cxn ang="0">
+                <a:pos x="T12" y="T13"/>
+              </a:cxn>
+              <a:cxn ang="0">
+                <a:pos x="T14" y="T15"/>
+              </a:cxn>
+              <a:cxn ang="0">
+                <a:pos x="T16" y="T17"/>
+              </a:cxn>
+              <a:cxn ang="0">
+                <a:pos x="T18" y="T19"/>
+              </a:cxn>
+              <a:cxn ang="0">
+                <a:pos x="T20" y="T21"/>
+              </a:cxn>
+            </a:cxnLst>
+            <a:rect l="0" t="0" r="r" b="b"/>
+            <a:pathLst>
+              <a:path w="3800" h="1532">
+                <a:moveTo>
+                  <a:pt x="3120" y="0"/>
+                </a:moveTo>
+                <a:lnTo>
+                  <a:pt x="682" y="0"/>
+                </a:lnTo>
+                <a:lnTo>
+                  <a:pt x="682" y="284"/>
+                </a:lnTo>
+                <a:lnTo>
+                  <a:pt x="0" y="766"/>
+                </a:lnTo>
+                <a:lnTo>
+                  <a:pt x="682" y="1248"/>
+                </a:lnTo>
+                <a:lnTo>
+                  <a:pt x="682" y="1532"/>
+                </a:lnTo>
+                <a:lnTo>
+                  <a:pt x="3120" y="1532"/>
+                </a:lnTo>
+                <a:lnTo>
+                  <a:pt x="3120" y="1248"/>
+                </a:lnTo>
+                <a:lnTo>
+                  <a:pt x="3800" y="766"/>
+                </a:lnTo>
+                <a:lnTo>
+                  <a:pt x="3120" y="284"/>
+                </a:lnTo>
+                <a:lnTo>
+                  <a:pt x="3120" y="0"/>
+                </a:lnTo>
+                <a:close/>
+              </a:path>
+            </a:pathLst>
+          </a:custGeom>
+          <a:solidFill>
+            <a:schemeClr val="bg2"/>
+          </a:solidFill>
+          <a:ln>
+            <a:noFill/>
+          </a:ln>
+        </p:spPr>
+        <p:txBody>
+          <a:bodyPr vert="horz" wrap="square" lIns="91440" tIns="45720" rIns="91440" bIns="45720" numCol="1" anchor="ctr" anchorCtr="0" compatLnSpc="1">
+            <a:prstTxWarp prst="textNoShape">
+              <a:avLst/>
+            </a:prstTxWarp>
+            <a:noAutofit/>
+          </a:bodyPr>
+          <a:lstStyle/>
+          <a:p>
+            <a:pPr algn="ctr"/>
+            <a:endParaRPr lang="zh-CN" altLang="en-US" sz="3200" b="1"/>
+          </a:p>
+        </p:txBody>
+      </p:sp>
+      <p:sp>
+        <p:nvSpPr>
+          <p:cNvPr id="5" name="文本框 4"/>
+          <p:cNvSpPr txBox="1"/>
+          <p:nvPr userDrawn="1"/>
+        </p:nvSpPr>
+        <p:spPr>
+          <a:xfrm>
+            <a:off x="2071646" y="1303550"/>
+            <a:ext cx="383206" cy="443226"/>
+          </a:xfrm>
+          <a:prstGeom prst="rect">
+            <a:avLst/>
+          </a:prstGeom>
+          <a:noFill/>
+        </p:spPr>
+        <p:txBody>
+          <a:bodyPr wrap="none" rtlCol="0" anchor="ctr">
+            <a:noAutofit/>
+          </a:bodyPr>
+          <a:lstStyle/>
+          <a:p>
+            <a:pPr algn="ctr"/>
+            <a:r>
+              <a:rPr lang="en-US" altLang="zh-CN" b="1" dirty="0">
+                <a:solidFill>
+                  <a:schemeClr val="bg1"/>
+                </a:solidFill>
+                <a:latin typeface="微软雅黑" panose="020B0503020204020204" pitchFamily="34" charset="-122"/>
+                <a:ea typeface="微软雅黑" panose="020B0503020204020204" pitchFamily="34" charset="-122"/>
+              </a:rPr>
+              <a:t>1</a:t>
+            </a:r>
+            <a:endParaRPr lang="zh-CN" altLang="en-US" b="1" dirty="0">
+              <a:solidFill>
+                <a:schemeClr val="bg1"/>
+              </a:solidFill>
+              <a:latin typeface="微软雅黑" panose="020B0503020204020204" pitchFamily="34" charset="-122"/>
+              <a:ea typeface="微软雅黑" panose="020B0503020204020204" pitchFamily="34" charset="-122"/>
+            </a:endParaRPr>
+          </a:p>
+        </p:txBody>
+      </p:sp>
+      <p:cxnSp>
+        <p:nvCxnSpPr>
+          <p:cNvPr id="7" name="直接连接符 6"/>
+          <p:cNvCxnSpPr>
+            <a:stCxn id="4" idx="6"/>
+          </p:cNvCxnSpPr>
+          <p:nvPr/>
+        </p:nvCxnSpPr>
+        <p:spPr>
+          <a:xfrm>
+            <a:off x="2534033" y="1711215"/>
+            <a:ext cx="4500000" cy="0"/>
+          </a:xfrm>
+          <a:prstGeom prst="line">
+            <a:avLst/>
+          </a:prstGeom>
+          <a:ln>
+            <a:solidFill>
+              <a:schemeClr val="bg2"/>
+            </a:solidFill>
+          </a:ln>
+        </p:spPr>
+        <p:style>
+          <a:lnRef idx="1">
+            <a:schemeClr val="accent1"/>
+          </a:lnRef>
+          <a:fillRef idx="0">
+            <a:schemeClr val="accent1"/>
+          </a:fillRef>
+          <a:effectRef idx="0">
+            <a:schemeClr val="accent1"/>
+          </a:effectRef>
+          <a:fontRef idx="minor">
+            <a:schemeClr val="tx1"/>
+          </a:fontRef>
+        </p:style>
+      </p:cxnSp>
+      <p:sp>
+        <p:nvSpPr>
+          <p:cNvPr id="11" name="文本框 10"/>
+          <p:cNvSpPr txBox="1"/>
+          <p:nvPr/>
+        </p:nvSpPr>
+        <p:spPr>
+          <a:xfrm>
+            <a:off x="2915073" y="1274734"/>
+            <a:ext cx="4387392" cy="461665"/>
+          </a:xfrm>
+          <a:prstGeom prst="rect">
+            <a:avLst/>
+          </a:prstGeom>
+          <a:noFill/>
+        </p:spPr>
+        <p:txBody>
+          <a:bodyPr wrap="square" rtlCol="0">
+            <a:spAutoFit/>
+          </a:bodyPr>
+          <a:lstStyle/>
+          <a:p>
+            <a:r>
+              <a:rPr lang="zh-CN" altLang="en-US" sz="2400" dirty="0">
+                <a:solidFill>
+                  <a:schemeClr val="tx1">
+                    <a:lumMod val="75000"/>
+                    <a:lumOff val="25000"/>
+                  </a:schemeClr>
+                </a:solidFill>
+              </a:rPr>
+              <a:t>说明</a:t>
+            </a:r>
+          </a:p>
+        </p:txBody>
+      </p:sp>
+      <p:sp>
+        <p:nvSpPr>
+          <p:cNvPr id="13" name="Freeform 10"/>
+          <p:cNvSpPr>
+            <a:spLocks/>
+          </p:cNvSpPr>
+          <p:nvPr userDrawn="1"/>
+        </p:nvSpPr>
+        <p:spPr bwMode="auto">
+          <a:xfrm>
+            <a:off x="1841535" y="2287330"/>
+            <a:ext cx="843427" cy="343858"/>
+          </a:xfrm>
+          <a:custGeom>
+            <a:avLst/>
+            <a:gdLst>
+              <a:gd name="T0" fmla="*/ 3120 w 3800"/>
+              <a:gd name="T1" fmla="*/ 0 h 1532"/>
+              <a:gd name="T2" fmla="*/ 682 w 3800"/>
+              <a:gd name="T3" fmla="*/ 0 h 1532"/>
+              <a:gd name="T4" fmla="*/ 682 w 3800"/>
+              <a:gd name="T5" fmla="*/ 284 h 1532"/>
+              <a:gd name="T6" fmla="*/ 0 w 3800"/>
+              <a:gd name="T7" fmla="*/ 766 h 1532"/>
+              <a:gd name="T8" fmla="*/ 682 w 3800"/>
+              <a:gd name="T9" fmla="*/ 1248 h 1532"/>
+              <a:gd name="T10" fmla="*/ 682 w 3800"/>
+              <a:gd name="T11" fmla="*/ 1532 h 1532"/>
+              <a:gd name="T12" fmla="*/ 3120 w 3800"/>
+              <a:gd name="T13" fmla="*/ 1532 h 1532"/>
+              <a:gd name="T14" fmla="*/ 3120 w 3800"/>
+              <a:gd name="T15" fmla="*/ 1248 h 1532"/>
+              <a:gd name="T16" fmla="*/ 3800 w 3800"/>
+              <a:gd name="T17" fmla="*/ 766 h 1532"/>
+              <a:gd name="T18" fmla="*/ 3120 w 3800"/>
+              <a:gd name="T19" fmla="*/ 284 h 1532"/>
+              <a:gd name="T20" fmla="*/ 3120 w 3800"/>
+              <a:gd name="T21" fmla="*/ 0 h 1532"/>
+            </a:gdLst>
+            <a:ahLst/>
+            <a:cxnLst>
+              <a:cxn ang="0">
+                <a:pos x="T0" y="T1"/>
+              </a:cxn>
+              <a:cxn ang="0">
+                <a:pos x="T2" y="T3"/>
+              </a:cxn>
+              <a:cxn ang="0">
+                <a:pos x="T4" y="T5"/>
+              </a:cxn>
+              <a:cxn ang="0">
+                <a:pos x="T6" y="T7"/>
+              </a:cxn>
+              <a:cxn ang="0">
+                <a:pos x="T8" y="T9"/>
+              </a:cxn>
+              <a:cxn ang="0">
+                <a:pos x="T10" y="T11"/>
+              </a:cxn>
+              <a:cxn ang="0">
+                <a:pos x="T12" y="T13"/>
+              </a:cxn>
+              <a:cxn ang="0">
+                <a:pos x="T14" y="T15"/>
+              </a:cxn>
+              <a:cxn ang="0">
+                <a:pos x="T16" y="T17"/>
+              </a:cxn>
+              <a:cxn ang="0">
+                <a:pos x="T18" y="T19"/>
+              </a:cxn>
+              <a:cxn ang="0">
+                <a:pos x="T20" y="T21"/>
+              </a:cxn>
+            </a:cxnLst>
+            <a:rect l="0" t="0" r="r" b="b"/>
+            <a:pathLst>
+              <a:path w="3800" h="1532">
+                <a:moveTo>
+                  <a:pt x="3120" y="0"/>
+                </a:moveTo>
+                <a:lnTo>
+                  <a:pt x="682" y="0"/>
+                </a:lnTo>
+                <a:lnTo>
+                  <a:pt x="682" y="284"/>
+                </a:lnTo>
+                <a:lnTo>
+                  <a:pt x="0" y="766"/>
+                </a:lnTo>
+                <a:lnTo>
+                  <a:pt x="682" y="1248"/>
+                </a:lnTo>
+                <a:lnTo>
+                  <a:pt x="682" y="1532"/>
+                </a:lnTo>
+                <a:lnTo>
+                  <a:pt x="3120" y="1532"/>
+                </a:lnTo>
+                <a:lnTo>
+                  <a:pt x="3120" y="1248"/>
+                </a:lnTo>
+                <a:lnTo>
+                  <a:pt x="3800" y="766"/>
+                </a:lnTo>
+                <a:lnTo>
+                  <a:pt x="3120" y="284"/>
+                </a:lnTo>
+                <a:lnTo>
+                  <a:pt x="3120" y="0"/>
+                </a:lnTo>
+                <a:close/>
+              </a:path>
+            </a:pathLst>
+          </a:custGeom>
+          <a:solidFill>
+            <a:schemeClr val="bg2"/>
+          </a:solidFill>
+          <a:ln>
+            <a:noFill/>
+          </a:ln>
+        </p:spPr>
+        <p:txBody>
+          <a:bodyPr vert="horz" wrap="square" lIns="91440" tIns="45720" rIns="91440" bIns="45720" numCol="1" anchor="ctr" anchorCtr="0" compatLnSpc="1">
+            <a:prstTxWarp prst="textNoShape">
+              <a:avLst/>
+            </a:prstTxWarp>
+            <a:noAutofit/>
+          </a:bodyPr>
+          <a:lstStyle/>
+          <a:p>
+            <a:pPr algn="ctr"/>
+            <a:endParaRPr lang="zh-CN" altLang="en-US" sz="3200" b="1"/>
+          </a:p>
+        </p:txBody>
+      </p:sp>
+      <p:sp>
+        <p:nvSpPr>
+          <p:cNvPr id="14" name="文本框 13"/>
+          <p:cNvSpPr txBox="1"/>
+          <p:nvPr userDrawn="1"/>
+        </p:nvSpPr>
+        <p:spPr>
+          <a:xfrm>
+            <a:off x="2071646" y="2223523"/>
+            <a:ext cx="383206" cy="443226"/>
+          </a:xfrm>
+          <a:prstGeom prst="rect">
+            <a:avLst/>
+          </a:prstGeom>
+          <a:noFill/>
+        </p:spPr>
+        <p:txBody>
+          <a:bodyPr wrap="none" rtlCol="0" anchor="ctr">
+            <a:noAutofit/>
+          </a:bodyPr>
+          <a:lstStyle/>
+          <a:p>
+            <a:pPr algn="ctr"/>
+            <a:r>
+              <a:rPr lang="en-US" altLang="zh-CN" b="1" dirty="0">
+                <a:solidFill>
+                  <a:schemeClr val="bg1"/>
+                </a:solidFill>
+                <a:latin typeface="微软雅黑" panose="020B0503020204020204" pitchFamily="34" charset="-122"/>
+                <a:ea typeface="微软雅黑" panose="020B0503020204020204" pitchFamily="34" charset="-122"/>
+              </a:rPr>
+              <a:t>2</a:t>
+            </a:r>
+            <a:endParaRPr lang="zh-CN" altLang="en-US" b="1" dirty="0">
+              <a:solidFill>
+                <a:schemeClr val="bg1"/>
+              </a:solidFill>
+              <a:latin typeface="微软雅黑" panose="020B0503020204020204" pitchFamily="34" charset="-122"/>
+              <a:ea typeface="微软雅黑" panose="020B0503020204020204" pitchFamily="34" charset="-122"/>
+            </a:endParaRPr>
+          </a:p>
+        </p:txBody>
+      </p:sp>
+      <p:cxnSp>
+        <p:nvCxnSpPr>
+          <p:cNvPr id="15" name="直接连接符 14"/>
+          <p:cNvCxnSpPr>
+            <a:stCxn id="13" idx="6"/>
+          </p:cNvCxnSpPr>
+          <p:nvPr/>
+        </p:nvCxnSpPr>
+        <p:spPr>
+          <a:xfrm>
+            <a:off x="2534033" y="2631188"/>
+            <a:ext cx="4500000" cy="0"/>
+          </a:xfrm>
+          <a:prstGeom prst="line">
+            <a:avLst/>
+          </a:prstGeom>
+          <a:ln>
+            <a:solidFill>
+              <a:schemeClr val="bg2"/>
+            </a:solidFill>
+          </a:ln>
+        </p:spPr>
+        <p:style>
+          <a:lnRef idx="1">
+            <a:schemeClr val="accent1"/>
+          </a:lnRef>
+          <a:fillRef idx="0">
+            <a:schemeClr val="accent1"/>
+          </a:fillRef>
+          <a:effectRef idx="0">
+            <a:schemeClr val="accent1"/>
+          </a:effectRef>
+          <a:fontRef idx="minor">
+            <a:schemeClr val="tx1"/>
+          </a:fontRef>
+        </p:style>
+      </p:cxnSp>
+      <p:sp>
+        <p:nvSpPr>
+          <p:cNvPr id="16" name="文本框 15"/>
+          <p:cNvSpPr txBox="1"/>
+          <p:nvPr/>
+        </p:nvSpPr>
+        <p:spPr>
+          <a:xfrm>
+            <a:off x="2915073" y="2194707"/>
+            <a:ext cx="4387392" cy="461665"/>
+          </a:xfrm>
+          <a:prstGeom prst="rect">
+            <a:avLst/>
+          </a:prstGeom>
+          <a:noFill/>
+        </p:spPr>
+        <p:txBody>
+          <a:bodyPr wrap="square" rtlCol="0">
+            <a:spAutoFit/>
+          </a:bodyPr>
+          <a:lstStyle/>
+          <a:p>
+            <a:r>
+              <a:rPr lang="zh-CN" altLang="en-US" sz="2400" dirty="0">
+                <a:solidFill>
+                  <a:schemeClr val="tx1">
+                    <a:lumMod val="75000"/>
+                    <a:lumOff val="25000"/>
+                  </a:schemeClr>
+                </a:solidFill>
+              </a:rPr>
+              <a:t>无页码版式</a:t>
+            </a:r>
+          </a:p>
+        </p:txBody>
+      </p:sp>
+      <p:sp>
+        <p:nvSpPr>
+          <p:cNvPr id="18" name="Freeform 10"/>
+          <p:cNvSpPr>
+            <a:spLocks/>
+          </p:cNvSpPr>
+          <p:nvPr userDrawn="1"/>
+        </p:nvSpPr>
+        <p:spPr bwMode="auto">
+          <a:xfrm>
+            <a:off x="1841535" y="3207303"/>
+            <a:ext cx="843427" cy="343858"/>
+          </a:xfrm>
+          <a:custGeom>
+            <a:avLst/>
+            <a:gdLst>
+              <a:gd name="T0" fmla="*/ 3120 w 3800"/>
+              <a:gd name="T1" fmla="*/ 0 h 1532"/>
+              <a:gd name="T2" fmla="*/ 682 w 3800"/>
+              <a:gd name="T3" fmla="*/ 0 h 1532"/>
+              <a:gd name="T4" fmla="*/ 682 w 3800"/>
+              <a:gd name="T5" fmla="*/ 284 h 1532"/>
+              <a:gd name="T6" fmla="*/ 0 w 3800"/>
+              <a:gd name="T7" fmla="*/ 766 h 1532"/>
+              <a:gd name="T8" fmla="*/ 682 w 3800"/>
+              <a:gd name="T9" fmla="*/ 1248 h 1532"/>
+              <a:gd name="T10" fmla="*/ 682 w 3800"/>
+              <a:gd name="T11" fmla="*/ 1532 h 1532"/>
+              <a:gd name="T12" fmla="*/ 3120 w 3800"/>
+              <a:gd name="T13" fmla="*/ 1532 h 1532"/>
+              <a:gd name="T14" fmla="*/ 3120 w 3800"/>
+              <a:gd name="T15" fmla="*/ 1248 h 1532"/>
+              <a:gd name="T16" fmla="*/ 3800 w 3800"/>
+              <a:gd name="T17" fmla="*/ 766 h 1532"/>
+              <a:gd name="T18" fmla="*/ 3120 w 3800"/>
+              <a:gd name="T19" fmla="*/ 284 h 1532"/>
+              <a:gd name="T20" fmla="*/ 3120 w 3800"/>
+              <a:gd name="T21" fmla="*/ 0 h 1532"/>
+            </a:gdLst>
+            <a:ahLst/>
+            <a:cxnLst>
+              <a:cxn ang="0">
+                <a:pos x="T0" y="T1"/>
+              </a:cxn>
+              <a:cxn ang="0">
+                <a:pos x="T2" y="T3"/>
+              </a:cxn>
+              <a:cxn ang="0">
+                <a:pos x="T4" y="T5"/>
+              </a:cxn>
+              <a:cxn ang="0">
+                <a:pos x="T6" y="T7"/>
+              </a:cxn>
+              <a:cxn ang="0">
+                <a:pos x="T8" y="T9"/>
+              </a:cxn>
+              <a:cxn ang="0">
+                <a:pos x="T10" y="T11"/>
+              </a:cxn>
+              <a:cxn ang="0">
+                <a:pos x="T12" y="T13"/>
+              </a:cxn>
+              <a:cxn ang="0">
+                <a:pos x="T14" y="T15"/>
+              </a:cxn>
+              <a:cxn ang="0">
+                <a:pos x="T16" y="T17"/>
+              </a:cxn>
+              <a:cxn ang="0">
+                <a:pos x="T18" y="T19"/>
+              </a:cxn>
+              <a:cxn ang="0">
+                <a:pos x="T20" y="T21"/>
+              </a:cxn>
+            </a:cxnLst>
+            <a:rect l="0" t="0" r="r" b="b"/>
+            <a:pathLst>
+              <a:path w="3800" h="1532">
+                <a:moveTo>
+                  <a:pt x="3120" y="0"/>
+                </a:moveTo>
+                <a:lnTo>
+                  <a:pt x="682" y="0"/>
+                </a:lnTo>
+                <a:lnTo>
+                  <a:pt x="682" y="284"/>
+                </a:lnTo>
+                <a:lnTo>
+                  <a:pt x="0" y="766"/>
+                </a:lnTo>
+                <a:lnTo>
+                  <a:pt x="682" y="1248"/>
+                </a:lnTo>
+                <a:lnTo>
+                  <a:pt x="682" y="1532"/>
+                </a:lnTo>
+                <a:lnTo>
+                  <a:pt x="3120" y="1532"/>
+                </a:lnTo>
+                <a:lnTo>
+                  <a:pt x="3120" y="1248"/>
+                </a:lnTo>
+                <a:lnTo>
+                  <a:pt x="3800" y="766"/>
+                </a:lnTo>
+                <a:lnTo>
+                  <a:pt x="3120" y="284"/>
+                </a:lnTo>
+                <a:lnTo>
+                  <a:pt x="3120" y="0"/>
+                </a:lnTo>
+                <a:close/>
+              </a:path>
+            </a:pathLst>
+          </a:custGeom>
+          <a:solidFill>
+            <a:schemeClr val="accent1"/>
+          </a:solidFill>
+          <a:ln>
+            <a:noFill/>
+          </a:ln>
+        </p:spPr>
+        <p:txBody>
+          <a:bodyPr vert="horz" wrap="square" lIns="91440" tIns="45720" rIns="91440" bIns="45720" numCol="1" anchor="ctr" anchorCtr="0" compatLnSpc="1">
+            <a:prstTxWarp prst="textNoShape">
+              <a:avLst/>
+            </a:prstTxWarp>
+            <a:noAutofit/>
+          </a:bodyPr>
+          <a:lstStyle/>
+          <a:p>
+            <a:pPr algn="ctr"/>
+            <a:endParaRPr lang="zh-CN" altLang="en-US" sz="3200" b="1"/>
+          </a:p>
+        </p:txBody>
+      </p:sp>
+      <p:sp>
+        <p:nvSpPr>
+          <p:cNvPr id="19" name="文本框 18"/>
+          <p:cNvSpPr txBox="1"/>
+          <p:nvPr userDrawn="1"/>
+        </p:nvSpPr>
+        <p:spPr>
+          <a:xfrm>
+            <a:off x="2071646" y="3143496"/>
+            <a:ext cx="383206" cy="443226"/>
+          </a:xfrm>
+          <a:prstGeom prst="rect">
+            <a:avLst/>
+          </a:prstGeom>
+          <a:noFill/>
+        </p:spPr>
+        <p:txBody>
+          <a:bodyPr wrap="none" rtlCol="0" anchor="ctr">
+            <a:noAutofit/>
+          </a:bodyPr>
+          <a:lstStyle/>
+          <a:p>
+            <a:pPr algn="ctr"/>
+            <a:r>
+              <a:rPr lang="en-US" altLang="zh-CN" b="1" dirty="0">
+                <a:solidFill>
+                  <a:schemeClr val="bg1"/>
+                </a:solidFill>
+                <a:latin typeface="微软雅黑" panose="020B0503020204020204" pitchFamily="34" charset="-122"/>
+                <a:ea typeface="微软雅黑" panose="020B0503020204020204" pitchFamily="34" charset="-122"/>
+              </a:rPr>
+              <a:t>3</a:t>
+            </a:r>
+            <a:endParaRPr lang="zh-CN" altLang="en-US" b="1" dirty="0">
+              <a:solidFill>
+                <a:schemeClr val="bg1"/>
+              </a:solidFill>
+              <a:latin typeface="微软雅黑" panose="020B0503020204020204" pitchFamily="34" charset="-122"/>
+              <a:ea typeface="微软雅黑" panose="020B0503020204020204" pitchFamily="34" charset="-122"/>
+            </a:endParaRPr>
+          </a:p>
+        </p:txBody>
+      </p:sp>
+      <p:cxnSp>
+        <p:nvCxnSpPr>
+          <p:cNvPr id="20" name="直接连接符 19"/>
+          <p:cNvCxnSpPr>
+            <a:stCxn id="18" idx="6"/>
+          </p:cNvCxnSpPr>
+          <p:nvPr/>
+        </p:nvCxnSpPr>
+        <p:spPr>
+          <a:xfrm>
+            <a:off x="2534033" y="3551161"/>
+            <a:ext cx="4500000" cy="0"/>
+          </a:xfrm>
+          <a:prstGeom prst="line">
+            <a:avLst/>
+          </a:prstGeom>
+          <a:ln>
+            <a:solidFill>
+              <a:schemeClr val="accent1"/>
+            </a:solidFill>
+          </a:ln>
+        </p:spPr>
+        <p:style>
+          <a:lnRef idx="1">
+            <a:schemeClr val="accent1"/>
+          </a:lnRef>
+          <a:fillRef idx="0">
+            <a:schemeClr val="accent1"/>
+          </a:fillRef>
+          <a:effectRef idx="0">
+            <a:schemeClr val="accent1"/>
+          </a:effectRef>
+          <a:fontRef idx="minor">
+            <a:schemeClr val="tx1"/>
+          </a:fontRef>
+        </p:style>
+      </p:cxnSp>
+      <p:sp>
+        <p:nvSpPr>
+          <p:cNvPr id="21" name="文本框 20"/>
+          <p:cNvSpPr txBox="1"/>
+          <p:nvPr/>
+        </p:nvSpPr>
+        <p:spPr>
+          <a:xfrm>
+            <a:off x="2915073" y="3114680"/>
+            <a:ext cx="4387392" cy="461665"/>
+          </a:xfrm>
+          <a:prstGeom prst="rect">
+            <a:avLst/>
+          </a:prstGeom>
+          <a:noFill/>
+        </p:spPr>
+        <p:txBody>
+          <a:bodyPr wrap="square" rtlCol="0">
+            <a:spAutoFit/>
+          </a:bodyPr>
+          <a:lstStyle/>
+          <a:p>
+            <a:r>
+              <a:rPr lang="zh-CN" altLang="en-US" sz="2400" dirty="0">
+                <a:solidFill>
+                  <a:schemeClr val="tx1">
+                    <a:lumMod val="75000"/>
+                    <a:lumOff val="25000"/>
+                  </a:schemeClr>
+                </a:solidFill>
+              </a:rPr>
+              <a:t>有页码版式</a:t>
+            </a:r>
+          </a:p>
+        </p:txBody>
+      </p:sp>
+      <p:sp>
+        <p:nvSpPr>
+          <p:cNvPr id="23" name="Freeform 10"/>
+          <p:cNvSpPr>
+            <a:spLocks/>
+          </p:cNvSpPr>
+          <p:nvPr userDrawn="1"/>
+        </p:nvSpPr>
+        <p:spPr bwMode="auto">
+          <a:xfrm>
+            <a:off x="1841535" y="4127276"/>
+            <a:ext cx="843427" cy="343858"/>
+          </a:xfrm>
+          <a:custGeom>
+            <a:avLst/>
+            <a:gdLst>
+              <a:gd name="T0" fmla="*/ 3120 w 3800"/>
+              <a:gd name="T1" fmla="*/ 0 h 1532"/>
+              <a:gd name="T2" fmla="*/ 682 w 3800"/>
+              <a:gd name="T3" fmla="*/ 0 h 1532"/>
+              <a:gd name="T4" fmla="*/ 682 w 3800"/>
+              <a:gd name="T5" fmla="*/ 284 h 1532"/>
+              <a:gd name="T6" fmla="*/ 0 w 3800"/>
+              <a:gd name="T7" fmla="*/ 766 h 1532"/>
+              <a:gd name="T8" fmla="*/ 682 w 3800"/>
+              <a:gd name="T9" fmla="*/ 1248 h 1532"/>
+              <a:gd name="T10" fmla="*/ 682 w 3800"/>
+              <a:gd name="T11" fmla="*/ 1532 h 1532"/>
+              <a:gd name="T12" fmla="*/ 3120 w 3800"/>
+              <a:gd name="T13" fmla="*/ 1532 h 1532"/>
+              <a:gd name="T14" fmla="*/ 3120 w 3800"/>
+              <a:gd name="T15" fmla="*/ 1248 h 1532"/>
+              <a:gd name="T16" fmla="*/ 3800 w 3800"/>
+              <a:gd name="T17" fmla="*/ 766 h 1532"/>
+              <a:gd name="T18" fmla="*/ 3120 w 3800"/>
+              <a:gd name="T19" fmla="*/ 284 h 1532"/>
+              <a:gd name="T20" fmla="*/ 3120 w 3800"/>
+              <a:gd name="T21" fmla="*/ 0 h 1532"/>
+            </a:gdLst>
+            <a:ahLst/>
+            <a:cxnLst>
+              <a:cxn ang="0">
+                <a:pos x="T0" y="T1"/>
+              </a:cxn>
+              <a:cxn ang="0">
+                <a:pos x="T2" y="T3"/>
+              </a:cxn>
+              <a:cxn ang="0">
+                <a:pos x="T4" y="T5"/>
+              </a:cxn>
+              <a:cxn ang="0">
+                <a:pos x="T6" y="T7"/>
+              </a:cxn>
+              <a:cxn ang="0">
+                <a:pos x="T8" y="T9"/>
+              </a:cxn>
+              <a:cxn ang="0">
+                <a:pos x="T10" y="T11"/>
+              </a:cxn>
+              <a:cxn ang="0">
+                <a:pos x="T12" y="T13"/>
+              </a:cxn>
+              <a:cxn ang="0">
+                <a:pos x="T14" y="T15"/>
+              </a:cxn>
+              <a:cxn ang="0">
+                <a:pos x="T16" y="T17"/>
+              </a:cxn>
+              <a:cxn ang="0">
+                <a:pos x="T18" y="T19"/>
+              </a:cxn>
+              <a:cxn ang="0">
+                <a:pos x="T20" y="T21"/>
+              </a:cxn>
+            </a:cxnLst>
+            <a:rect l="0" t="0" r="r" b="b"/>
+            <a:pathLst>
+              <a:path w="3800" h="1532">
+                <a:moveTo>
+                  <a:pt x="3120" y="0"/>
+                </a:moveTo>
+                <a:lnTo>
+                  <a:pt x="682" y="0"/>
+                </a:lnTo>
+                <a:lnTo>
+                  <a:pt x="682" y="284"/>
+                </a:lnTo>
+                <a:lnTo>
+                  <a:pt x="0" y="766"/>
+                </a:lnTo>
+                <a:lnTo>
+                  <a:pt x="682" y="1248"/>
+                </a:lnTo>
+                <a:lnTo>
+                  <a:pt x="682" y="1532"/>
+                </a:lnTo>
+                <a:lnTo>
+                  <a:pt x="3120" y="1532"/>
+                </a:lnTo>
+                <a:lnTo>
+                  <a:pt x="3120" y="1248"/>
+                </a:lnTo>
+                <a:lnTo>
+                  <a:pt x="3800" y="766"/>
+                </a:lnTo>
+                <a:lnTo>
+                  <a:pt x="3120" y="284"/>
+                </a:lnTo>
+                <a:lnTo>
+                  <a:pt x="3120" y="0"/>
+                </a:lnTo>
+                <a:close/>
+              </a:path>
+            </a:pathLst>
+          </a:custGeom>
+          <a:solidFill>
+            <a:schemeClr val="bg2"/>
+          </a:solidFill>
+          <a:ln>
+            <a:noFill/>
+          </a:ln>
+        </p:spPr>
+        <p:txBody>
+          <a:bodyPr vert="horz" wrap="square" lIns="91440" tIns="45720" rIns="91440" bIns="45720" numCol="1" anchor="ctr" anchorCtr="0" compatLnSpc="1">
+            <a:prstTxWarp prst="textNoShape">
+              <a:avLst/>
+            </a:prstTxWarp>
+            <a:noAutofit/>
+          </a:bodyPr>
+          <a:lstStyle/>
+          <a:p>
+            <a:pPr algn="ctr"/>
+            <a:endParaRPr lang="zh-CN" altLang="en-US" sz="3200" b="1"/>
+          </a:p>
+        </p:txBody>
+      </p:sp>
+      <p:sp>
+        <p:nvSpPr>
+          <p:cNvPr id="24" name="文本框 23"/>
+          <p:cNvSpPr txBox="1"/>
+          <p:nvPr userDrawn="1"/>
+        </p:nvSpPr>
+        <p:spPr>
+          <a:xfrm>
+            <a:off x="2071646" y="4063469"/>
+            <a:ext cx="383206" cy="443226"/>
+          </a:xfrm>
+          <a:prstGeom prst="rect">
+            <a:avLst/>
+          </a:prstGeom>
+          <a:noFill/>
+        </p:spPr>
+        <p:txBody>
+          <a:bodyPr wrap="none" rtlCol="0" anchor="ctr">
+            <a:noAutofit/>
+          </a:bodyPr>
+          <a:lstStyle/>
+          <a:p>
+            <a:pPr algn="ctr"/>
+            <a:r>
+              <a:rPr lang="en-US" altLang="zh-CN" b="1" dirty="0">
+                <a:solidFill>
+                  <a:schemeClr val="bg1"/>
+                </a:solidFill>
+                <a:latin typeface="微软雅黑" panose="020B0503020204020204" pitchFamily="34" charset="-122"/>
+                <a:ea typeface="微软雅黑" panose="020B0503020204020204" pitchFamily="34" charset="-122"/>
+              </a:rPr>
+              <a:t>4</a:t>
+            </a:r>
+            <a:endParaRPr lang="zh-CN" altLang="en-US" b="1" dirty="0">
+              <a:solidFill>
+                <a:schemeClr val="bg1"/>
+              </a:solidFill>
+              <a:latin typeface="微软雅黑" panose="020B0503020204020204" pitchFamily="34" charset="-122"/>
+              <a:ea typeface="微软雅黑" panose="020B0503020204020204" pitchFamily="34" charset="-122"/>
+            </a:endParaRPr>
+          </a:p>
+        </p:txBody>
+      </p:sp>
+      <p:cxnSp>
+        <p:nvCxnSpPr>
+          <p:cNvPr id="25" name="直接连接符 24"/>
+          <p:cNvCxnSpPr>
+            <a:stCxn id="23" idx="6"/>
+          </p:cNvCxnSpPr>
+          <p:nvPr/>
+        </p:nvCxnSpPr>
+        <p:spPr>
+          <a:xfrm>
+            <a:off x="2534033" y="4471134"/>
+            <a:ext cx="4500000" cy="0"/>
+          </a:xfrm>
+          <a:prstGeom prst="line">
+            <a:avLst/>
+          </a:prstGeom>
+          <a:ln>
+            <a:solidFill>
+              <a:schemeClr val="bg2"/>
+            </a:solidFill>
+          </a:ln>
+        </p:spPr>
+        <p:style>
+          <a:lnRef idx="1">
+            <a:schemeClr val="accent1"/>
+          </a:lnRef>
+          <a:fillRef idx="0">
+            <a:schemeClr val="accent1"/>
+          </a:fillRef>
+          <a:effectRef idx="0">
+            <a:schemeClr val="accent1"/>
+          </a:effectRef>
+          <a:fontRef idx="minor">
+            <a:schemeClr val="tx1"/>
+          </a:fontRef>
+        </p:style>
+      </p:cxnSp>
+      <p:sp>
+        <p:nvSpPr>
+          <p:cNvPr id="26" name="文本框 25"/>
+          <p:cNvSpPr txBox="1"/>
+          <p:nvPr/>
+        </p:nvSpPr>
+        <p:spPr>
+          <a:xfrm>
+            <a:off x="2915073" y="4034653"/>
+            <a:ext cx="4387392" cy="461665"/>
+          </a:xfrm>
+          <a:prstGeom prst="rect">
+            <a:avLst/>
+          </a:prstGeom>
+          <a:noFill/>
+        </p:spPr>
+        <p:txBody>
+          <a:bodyPr wrap="square" rtlCol="0">
+            <a:spAutoFit/>
+          </a:bodyPr>
+          <a:lstStyle/>
+          <a:p>
+            <a:r>
+              <a:rPr lang="zh-CN" altLang="en-US" sz="2400" dirty="0">
+                <a:solidFill>
+                  <a:schemeClr val="tx1">
+                    <a:lumMod val="75000"/>
+                    <a:lumOff val="25000"/>
+                  </a:schemeClr>
+                </a:solidFill>
+              </a:rPr>
+              <a:t>图形与配色</a:t>
+            </a:r>
+          </a:p>
+        </p:txBody>
+      </p:sp>
+      <p:sp>
+        <p:nvSpPr>
+          <p:cNvPr id="33" name="Freeform 10"/>
+          <p:cNvSpPr>
+            <a:spLocks/>
+          </p:cNvSpPr>
+          <p:nvPr userDrawn="1"/>
+        </p:nvSpPr>
+        <p:spPr bwMode="auto">
+          <a:xfrm>
+            <a:off x="1841535" y="5047251"/>
+            <a:ext cx="843427" cy="343858"/>
+          </a:xfrm>
+          <a:custGeom>
+            <a:avLst/>
+            <a:gdLst>
+              <a:gd name="T0" fmla="*/ 3120 w 3800"/>
+              <a:gd name="T1" fmla="*/ 0 h 1532"/>
+              <a:gd name="T2" fmla="*/ 682 w 3800"/>
+              <a:gd name="T3" fmla="*/ 0 h 1532"/>
+              <a:gd name="T4" fmla="*/ 682 w 3800"/>
+              <a:gd name="T5" fmla="*/ 284 h 1532"/>
+              <a:gd name="T6" fmla="*/ 0 w 3800"/>
+              <a:gd name="T7" fmla="*/ 766 h 1532"/>
+              <a:gd name="T8" fmla="*/ 682 w 3800"/>
+              <a:gd name="T9" fmla="*/ 1248 h 1532"/>
+              <a:gd name="T10" fmla="*/ 682 w 3800"/>
+              <a:gd name="T11" fmla="*/ 1532 h 1532"/>
+              <a:gd name="T12" fmla="*/ 3120 w 3800"/>
+              <a:gd name="T13" fmla="*/ 1532 h 1532"/>
+              <a:gd name="T14" fmla="*/ 3120 w 3800"/>
+              <a:gd name="T15" fmla="*/ 1248 h 1532"/>
+              <a:gd name="T16" fmla="*/ 3800 w 3800"/>
+              <a:gd name="T17" fmla="*/ 766 h 1532"/>
+              <a:gd name="T18" fmla="*/ 3120 w 3800"/>
+              <a:gd name="T19" fmla="*/ 284 h 1532"/>
+              <a:gd name="T20" fmla="*/ 3120 w 3800"/>
+              <a:gd name="T21" fmla="*/ 0 h 1532"/>
+            </a:gdLst>
+            <a:ahLst/>
+            <a:cxnLst>
+              <a:cxn ang="0">
+                <a:pos x="T0" y="T1"/>
+              </a:cxn>
+              <a:cxn ang="0">
+                <a:pos x="T2" y="T3"/>
+              </a:cxn>
+              <a:cxn ang="0">
+                <a:pos x="T4" y="T5"/>
+              </a:cxn>
+              <a:cxn ang="0">
+                <a:pos x="T6" y="T7"/>
+              </a:cxn>
+              <a:cxn ang="0">
+                <a:pos x="T8" y="T9"/>
+              </a:cxn>
+              <a:cxn ang="0">
+                <a:pos x="T10" y="T11"/>
+              </a:cxn>
+              <a:cxn ang="0">
+                <a:pos x="T12" y="T13"/>
+              </a:cxn>
+              <a:cxn ang="0">
+                <a:pos x="T14" y="T15"/>
+              </a:cxn>
+              <a:cxn ang="0">
+                <a:pos x="T16" y="T17"/>
+              </a:cxn>
+              <a:cxn ang="0">
+                <a:pos x="T18" y="T19"/>
+              </a:cxn>
+              <a:cxn ang="0">
+                <a:pos x="T20" y="T21"/>
+              </a:cxn>
+            </a:cxnLst>
+            <a:rect l="0" t="0" r="r" b="b"/>
+            <a:pathLst>
+              <a:path w="3800" h="1532">
+                <a:moveTo>
+                  <a:pt x="3120" y="0"/>
+                </a:moveTo>
+                <a:lnTo>
+                  <a:pt x="682" y="0"/>
+                </a:lnTo>
+                <a:lnTo>
+                  <a:pt x="682" y="284"/>
+                </a:lnTo>
+                <a:lnTo>
+                  <a:pt x="0" y="766"/>
+                </a:lnTo>
+                <a:lnTo>
+                  <a:pt x="682" y="1248"/>
+                </a:lnTo>
+                <a:lnTo>
+                  <a:pt x="682" y="1532"/>
+                </a:lnTo>
+                <a:lnTo>
+                  <a:pt x="3120" y="1532"/>
+                </a:lnTo>
+                <a:lnTo>
+                  <a:pt x="3120" y="1248"/>
+                </a:lnTo>
+                <a:lnTo>
+                  <a:pt x="3800" y="766"/>
+                </a:lnTo>
+                <a:lnTo>
+                  <a:pt x="3120" y="284"/>
+                </a:lnTo>
+                <a:lnTo>
+                  <a:pt x="3120" y="0"/>
+                </a:lnTo>
+                <a:close/>
+              </a:path>
+            </a:pathLst>
+          </a:custGeom>
+          <a:solidFill>
+            <a:schemeClr val="bg2"/>
+          </a:solidFill>
+          <a:ln>
+            <a:noFill/>
+          </a:ln>
+        </p:spPr>
+        <p:txBody>
+          <a:bodyPr vert="horz" wrap="square" lIns="91440" tIns="45720" rIns="91440" bIns="45720" numCol="1" anchor="ctr" anchorCtr="0" compatLnSpc="1">
+            <a:prstTxWarp prst="textNoShape">
+              <a:avLst/>
+            </a:prstTxWarp>
+            <a:noAutofit/>
+          </a:bodyPr>
+          <a:lstStyle/>
+          <a:p>
+            <a:pPr algn="ctr"/>
+            <a:endParaRPr lang="zh-CN" altLang="en-US" sz="3200" b="1"/>
+          </a:p>
+        </p:txBody>
+      </p:sp>
+      <p:sp>
+        <p:nvSpPr>
+          <p:cNvPr id="34" name="文本框 33"/>
+          <p:cNvSpPr txBox="1"/>
+          <p:nvPr userDrawn="1"/>
+        </p:nvSpPr>
+        <p:spPr>
+          <a:xfrm>
+            <a:off x="2071646" y="4983444"/>
+            <a:ext cx="383206" cy="443226"/>
+          </a:xfrm>
+          <a:prstGeom prst="rect">
+            <a:avLst/>
+          </a:prstGeom>
+          <a:noFill/>
+        </p:spPr>
+        <p:txBody>
+          <a:bodyPr wrap="none" rtlCol="0" anchor="ctr">
+            <a:noAutofit/>
+          </a:bodyPr>
+          <a:lstStyle/>
+          <a:p>
+            <a:pPr algn="ctr"/>
+            <a:r>
+              <a:rPr lang="en-US" altLang="zh-CN" b="1" dirty="0">
+                <a:solidFill>
+                  <a:schemeClr val="bg1"/>
+                </a:solidFill>
+                <a:latin typeface="微软雅黑" panose="020B0503020204020204" pitchFamily="34" charset="-122"/>
+                <a:ea typeface="微软雅黑" panose="020B0503020204020204" pitchFamily="34" charset="-122"/>
+              </a:rPr>
+              <a:t>5</a:t>
+            </a:r>
+            <a:endParaRPr lang="zh-CN" altLang="en-US" b="1" dirty="0">
+              <a:solidFill>
+                <a:schemeClr val="bg1"/>
+              </a:solidFill>
+              <a:latin typeface="微软雅黑" panose="020B0503020204020204" pitchFamily="34" charset="-122"/>
+              <a:ea typeface="微软雅黑" panose="020B0503020204020204" pitchFamily="34" charset="-122"/>
+            </a:endParaRPr>
+          </a:p>
+        </p:txBody>
+      </p:sp>
+      <p:cxnSp>
+        <p:nvCxnSpPr>
+          <p:cNvPr id="35" name="直接连接符 34"/>
+          <p:cNvCxnSpPr>
+            <a:stCxn id="33" idx="6"/>
+          </p:cNvCxnSpPr>
+          <p:nvPr/>
+        </p:nvCxnSpPr>
+        <p:spPr>
+          <a:xfrm>
+            <a:off x="2534033" y="5391109"/>
+            <a:ext cx="4500000" cy="0"/>
+          </a:xfrm>
+          <a:prstGeom prst="line">
+            <a:avLst/>
+          </a:prstGeom>
+          <a:ln>
+            <a:solidFill>
+              <a:schemeClr val="bg2"/>
+            </a:solidFill>
+          </a:ln>
+        </p:spPr>
+        <p:style>
+          <a:lnRef idx="1">
+            <a:schemeClr val="accent1"/>
+          </a:lnRef>
+          <a:fillRef idx="0">
+            <a:schemeClr val="accent1"/>
+          </a:fillRef>
+          <a:effectRef idx="0">
+            <a:schemeClr val="accent1"/>
+          </a:effectRef>
+          <a:fontRef idx="minor">
+            <a:schemeClr val="tx1"/>
+          </a:fontRef>
+        </p:style>
+      </p:cxnSp>
+      <p:sp>
+        <p:nvSpPr>
+          <p:cNvPr id="36" name="文本框 35"/>
+          <p:cNvSpPr txBox="1"/>
+          <p:nvPr/>
+        </p:nvSpPr>
+        <p:spPr>
+          <a:xfrm>
+            <a:off x="2915073" y="4954628"/>
+            <a:ext cx="4387392" cy="461665"/>
+          </a:xfrm>
+          <a:prstGeom prst="rect">
+            <a:avLst/>
+          </a:prstGeom>
+          <a:noFill/>
+        </p:spPr>
+        <p:txBody>
+          <a:bodyPr wrap="square" rtlCol="0">
+            <a:spAutoFit/>
+          </a:bodyPr>
+          <a:lstStyle/>
+          <a:p>
+            <a:r>
+              <a:rPr lang="zh-CN" altLang="en-US" sz="2400" dirty="0">
+                <a:solidFill>
+                  <a:schemeClr val="tx1">
+                    <a:lumMod val="75000"/>
+                    <a:lumOff val="25000"/>
+                  </a:schemeClr>
+                </a:solidFill>
+              </a:rPr>
+              <a:t>图片处理及排版</a:t>
             </a:r>
           </a:p>
         </p:txBody>
@@ -25907,7 +23244,7 @@
     </p:spTree>
     <p:extLst>
       <p:ext uri="{BB962C8B-B14F-4D97-AF65-F5344CB8AC3E}">
-        <p14:creationId xmlns:p14="http://schemas.microsoft.com/office/powerpoint/2010/main" val="1753666233"/>
+        <p14:creationId xmlns:p14="http://schemas.microsoft.com/office/powerpoint/2010/main" val="2473960281"/>
       </p:ext>
     </p:extLst>
   </p:cSld>
@@ -25936,7 +23273,7 @@
       </p:grpSpPr>
       <p:sp>
         <p:nvSpPr>
-          <p:cNvPr id="6" name="标题 5"/>
+          <p:cNvPr id="2" name="标题 1"/>
           <p:cNvSpPr>
             <a:spLocks noGrp="1"/>
           </p:cNvSpPr>
@@ -25946,12 +23283,1290 @@
         </p:nvSpPr>
         <p:spPr/>
         <p:txBody>
-          <a:bodyPr/>
+          <a:bodyPr>
+            <a:normAutofit fontScale="90000"/>
+          </a:bodyPr>
           <a:lstStyle/>
           <a:p>
             <a:r>
-              <a:rPr lang="zh-CN" altLang="en-US" dirty="0"/>
-              <a:t>纯标题页面标题内容</a:t>
+              <a:rPr lang="zh-CN" altLang="en-US" dirty="0">
+                <a:latin typeface="微软雅黑" panose="020B0503020204020204" pitchFamily="34" charset="-122"/>
+                <a:ea typeface="微软雅黑" panose="020B0503020204020204" pitchFamily="34" charset="-122"/>
+              </a:rPr>
+              <a:t>目录 </a:t>
+            </a:r>
+            <a:r>
+              <a:rPr lang="en-US" altLang="zh-CN" dirty="0">
+                <a:latin typeface="微软雅黑" panose="020B0503020204020204" pitchFamily="34" charset="-122"/>
+                <a:ea typeface="微软雅黑" panose="020B0503020204020204" pitchFamily="34" charset="-122"/>
+              </a:rPr>
+              <a:t>Contents</a:t>
+            </a:r>
+            <a:endParaRPr lang="zh-CN" altLang="en-US" dirty="0">
+              <a:latin typeface="微软雅黑" panose="020B0503020204020204" pitchFamily="34" charset="-122"/>
+              <a:ea typeface="微软雅黑" panose="020B0503020204020204" pitchFamily="34" charset="-122"/>
+            </a:endParaRPr>
+          </a:p>
+        </p:txBody>
+      </p:sp>
+      <p:sp>
+        <p:nvSpPr>
+          <p:cNvPr id="4" name="Freeform 10"/>
+          <p:cNvSpPr>
+            <a:spLocks noChangeAspect="1"/>
+          </p:cNvSpPr>
+          <p:nvPr userDrawn="1"/>
+        </p:nvSpPr>
+        <p:spPr bwMode="auto">
+          <a:xfrm>
+            <a:off x="1841535" y="1367357"/>
+            <a:ext cx="843427" cy="343858"/>
+          </a:xfrm>
+          <a:custGeom>
+            <a:avLst/>
+            <a:gdLst>
+              <a:gd name="T0" fmla="*/ 3120 w 3800"/>
+              <a:gd name="T1" fmla="*/ 0 h 1532"/>
+              <a:gd name="T2" fmla="*/ 682 w 3800"/>
+              <a:gd name="T3" fmla="*/ 0 h 1532"/>
+              <a:gd name="T4" fmla="*/ 682 w 3800"/>
+              <a:gd name="T5" fmla="*/ 284 h 1532"/>
+              <a:gd name="T6" fmla="*/ 0 w 3800"/>
+              <a:gd name="T7" fmla="*/ 766 h 1532"/>
+              <a:gd name="T8" fmla="*/ 682 w 3800"/>
+              <a:gd name="T9" fmla="*/ 1248 h 1532"/>
+              <a:gd name="T10" fmla="*/ 682 w 3800"/>
+              <a:gd name="T11" fmla="*/ 1532 h 1532"/>
+              <a:gd name="T12" fmla="*/ 3120 w 3800"/>
+              <a:gd name="T13" fmla="*/ 1532 h 1532"/>
+              <a:gd name="T14" fmla="*/ 3120 w 3800"/>
+              <a:gd name="T15" fmla="*/ 1248 h 1532"/>
+              <a:gd name="T16" fmla="*/ 3800 w 3800"/>
+              <a:gd name="T17" fmla="*/ 766 h 1532"/>
+              <a:gd name="T18" fmla="*/ 3120 w 3800"/>
+              <a:gd name="T19" fmla="*/ 284 h 1532"/>
+              <a:gd name="T20" fmla="*/ 3120 w 3800"/>
+              <a:gd name="T21" fmla="*/ 0 h 1532"/>
+            </a:gdLst>
+            <a:ahLst/>
+            <a:cxnLst>
+              <a:cxn ang="0">
+                <a:pos x="T0" y="T1"/>
+              </a:cxn>
+              <a:cxn ang="0">
+                <a:pos x="T2" y="T3"/>
+              </a:cxn>
+              <a:cxn ang="0">
+                <a:pos x="T4" y="T5"/>
+              </a:cxn>
+              <a:cxn ang="0">
+                <a:pos x="T6" y="T7"/>
+              </a:cxn>
+              <a:cxn ang="0">
+                <a:pos x="T8" y="T9"/>
+              </a:cxn>
+              <a:cxn ang="0">
+                <a:pos x="T10" y="T11"/>
+              </a:cxn>
+              <a:cxn ang="0">
+                <a:pos x="T12" y="T13"/>
+              </a:cxn>
+              <a:cxn ang="0">
+                <a:pos x="T14" y="T15"/>
+              </a:cxn>
+              <a:cxn ang="0">
+                <a:pos x="T16" y="T17"/>
+              </a:cxn>
+              <a:cxn ang="0">
+                <a:pos x="T18" y="T19"/>
+              </a:cxn>
+              <a:cxn ang="0">
+                <a:pos x="T20" y="T21"/>
+              </a:cxn>
+            </a:cxnLst>
+            <a:rect l="0" t="0" r="r" b="b"/>
+            <a:pathLst>
+              <a:path w="3800" h="1532">
+                <a:moveTo>
+                  <a:pt x="3120" y="0"/>
+                </a:moveTo>
+                <a:lnTo>
+                  <a:pt x="682" y="0"/>
+                </a:lnTo>
+                <a:lnTo>
+                  <a:pt x="682" y="284"/>
+                </a:lnTo>
+                <a:lnTo>
+                  <a:pt x="0" y="766"/>
+                </a:lnTo>
+                <a:lnTo>
+                  <a:pt x="682" y="1248"/>
+                </a:lnTo>
+                <a:lnTo>
+                  <a:pt x="682" y="1532"/>
+                </a:lnTo>
+                <a:lnTo>
+                  <a:pt x="3120" y="1532"/>
+                </a:lnTo>
+                <a:lnTo>
+                  <a:pt x="3120" y="1248"/>
+                </a:lnTo>
+                <a:lnTo>
+                  <a:pt x="3800" y="766"/>
+                </a:lnTo>
+                <a:lnTo>
+                  <a:pt x="3120" y="284"/>
+                </a:lnTo>
+                <a:lnTo>
+                  <a:pt x="3120" y="0"/>
+                </a:lnTo>
+                <a:close/>
+              </a:path>
+            </a:pathLst>
+          </a:custGeom>
+          <a:solidFill>
+            <a:schemeClr val="bg2"/>
+          </a:solidFill>
+          <a:ln>
+            <a:noFill/>
+          </a:ln>
+        </p:spPr>
+        <p:txBody>
+          <a:bodyPr vert="horz" wrap="square" lIns="91440" tIns="45720" rIns="91440" bIns="45720" numCol="1" anchor="ctr" anchorCtr="0" compatLnSpc="1">
+            <a:prstTxWarp prst="textNoShape">
+              <a:avLst/>
+            </a:prstTxWarp>
+            <a:noAutofit/>
+          </a:bodyPr>
+          <a:lstStyle/>
+          <a:p>
+            <a:pPr algn="ctr"/>
+            <a:endParaRPr lang="zh-CN" altLang="en-US" sz="3200" b="1"/>
+          </a:p>
+        </p:txBody>
+      </p:sp>
+      <p:sp>
+        <p:nvSpPr>
+          <p:cNvPr id="5" name="文本框 4"/>
+          <p:cNvSpPr txBox="1">
+            <a:spLocks/>
+          </p:cNvSpPr>
+          <p:nvPr userDrawn="1"/>
+        </p:nvSpPr>
+        <p:spPr>
+          <a:xfrm>
+            <a:off x="2071646" y="1303550"/>
+            <a:ext cx="383206" cy="443226"/>
+          </a:xfrm>
+          <a:prstGeom prst="rect">
+            <a:avLst/>
+          </a:prstGeom>
+          <a:noFill/>
+        </p:spPr>
+        <p:txBody>
+          <a:bodyPr wrap="none" rtlCol="0" anchor="ctr">
+            <a:noAutofit/>
+          </a:bodyPr>
+          <a:lstStyle/>
+          <a:p>
+            <a:pPr algn="ctr"/>
+            <a:r>
+              <a:rPr lang="en-US" altLang="zh-CN" b="1" dirty="0">
+                <a:solidFill>
+                  <a:schemeClr val="bg1"/>
+                </a:solidFill>
+                <a:latin typeface="微软雅黑" panose="020B0503020204020204" pitchFamily="34" charset="-122"/>
+                <a:ea typeface="微软雅黑" panose="020B0503020204020204" pitchFamily="34" charset="-122"/>
+              </a:rPr>
+              <a:t>1</a:t>
+            </a:r>
+            <a:endParaRPr lang="zh-CN" altLang="en-US" b="1" dirty="0">
+              <a:solidFill>
+                <a:schemeClr val="bg1"/>
+              </a:solidFill>
+              <a:latin typeface="微软雅黑" panose="020B0503020204020204" pitchFamily="34" charset="-122"/>
+              <a:ea typeface="微软雅黑" panose="020B0503020204020204" pitchFamily="34" charset="-122"/>
+            </a:endParaRPr>
+          </a:p>
+        </p:txBody>
+      </p:sp>
+      <p:cxnSp>
+        <p:nvCxnSpPr>
+          <p:cNvPr id="7" name="直接连接符 6"/>
+          <p:cNvCxnSpPr>
+            <a:stCxn id="4" idx="6"/>
+          </p:cNvCxnSpPr>
+          <p:nvPr/>
+        </p:nvCxnSpPr>
+        <p:spPr>
+          <a:xfrm>
+            <a:off x="2534033" y="1711215"/>
+            <a:ext cx="4500000" cy="0"/>
+          </a:xfrm>
+          <a:prstGeom prst="line">
+            <a:avLst/>
+          </a:prstGeom>
+          <a:ln>
+            <a:solidFill>
+              <a:schemeClr val="bg2"/>
+            </a:solidFill>
+          </a:ln>
+        </p:spPr>
+        <p:style>
+          <a:lnRef idx="1">
+            <a:schemeClr val="accent1"/>
+          </a:lnRef>
+          <a:fillRef idx="0">
+            <a:schemeClr val="accent1"/>
+          </a:fillRef>
+          <a:effectRef idx="0">
+            <a:schemeClr val="accent1"/>
+          </a:effectRef>
+          <a:fontRef idx="minor">
+            <a:schemeClr val="tx1"/>
+          </a:fontRef>
+        </p:style>
+      </p:cxnSp>
+      <p:sp>
+        <p:nvSpPr>
+          <p:cNvPr id="11" name="文本框 10"/>
+          <p:cNvSpPr txBox="1"/>
+          <p:nvPr/>
+        </p:nvSpPr>
+        <p:spPr>
+          <a:xfrm>
+            <a:off x="2915073" y="1274734"/>
+            <a:ext cx="4387392" cy="461665"/>
+          </a:xfrm>
+          <a:prstGeom prst="rect">
+            <a:avLst/>
+          </a:prstGeom>
+          <a:noFill/>
+        </p:spPr>
+        <p:txBody>
+          <a:bodyPr wrap="square" rtlCol="0">
+            <a:spAutoFit/>
+          </a:bodyPr>
+          <a:lstStyle/>
+          <a:p>
+            <a:r>
+              <a:rPr lang="zh-CN" altLang="en-US" sz="2400" dirty="0">
+                <a:solidFill>
+                  <a:schemeClr val="tx1">
+                    <a:lumMod val="75000"/>
+                    <a:lumOff val="25000"/>
+                  </a:schemeClr>
+                </a:solidFill>
+              </a:rPr>
+              <a:t>说明</a:t>
+            </a:r>
+          </a:p>
+        </p:txBody>
+      </p:sp>
+      <p:sp>
+        <p:nvSpPr>
+          <p:cNvPr id="13" name="Freeform 10"/>
+          <p:cNvSpPr>
+            <a:spLocks noChangeAspect="1"/>
+          </p:cNvSpPr>
+          <p:nvPr userDrawn="1"/>
+        </p:nvSpPr>
+        <p:spPr bwMode="auto">
+          <a:xfrm>
+            <a:off x="1841535" y="2287330"/>
+            <a:ext cx="843427" cy="343858"/>
+          </a:xfrm>
+          <a:custGeom>
+            <a:avLst/>
+            <a:gdLst>
+              <a:gd name="T0" fmla="*/ 3120 w 3800"/>
+              <a:gd name="T1" fmla="*/ 0 h 1532"/>
+              <a:gd name="T2" fmla="*/ 682 w 3800"/>
+              <a:gd name="T3" fmla="*/ 0 h 1532"/>
+              <a:gd name="T4" fmla="*/ 682 w 3800"/>
+              <a:gd name="T5" fmla="*/ 284 h 1532"/>
+              <a:gd name="T6" fmla="*/ 0 w 3800"/>
+              <a:gd name="T7" fmla="*/ 766 h 1532"/>
+              <a:gd name="T8" fmla="*/ 682 w 3800"/>
+              <a:gd name="T9" fmla="*/ 1248 h 1532"/>
+              <a:gd name="T10" fmla="*/ 682 w 3800"/>
+              <a:gd name="T11" fmla="*/ 1532 h 1532"/>
+              <a:gd name="T12" fmla="*/ 3120 w 3800"/>
+              <a:gd name="T13" fmla="*/ 1532 h 1532"/>
+              <a:gd name="T14" fmla="*/ 3120 w 3800"/>
+              <a:gd name="T15" fmla="*/ 1248 h 1532"/>
+              <a:gd name="T16" fmla="*/ 3800 w 3800"/>
+              <a:gd name="T17" fmla="*/ 766 h 1532"/>
+              <a:gd name="T18" fmla="*/ 3120 w 3800"/>
+              <a:gd name="T19" fmla="*/ 284 h 1532"/>
+              <a:gd name="T20" fmla="*/ 3120 w 3800"/>
+              <a:gd name="T21" fmla="*/ 0 h 1532"/>
+            </a:gdLst>
+            <a:ahLst/>
+            <a:cxnLst>
+              <a:cxn ang="0">
+                <a:pos x="T0" y="T1"/>
+              </a:cxn>
+              <a:cxn ang="0">
+                <a:pos x="T2" y="T3"/>
+              </a:cxn>
+              <a:cxn ang="0">
+                <a:pos x="T4" y="T5"/>
+              </a:cxn>
+              <a:cxn ang="0">
+                <a:pos x="T6" y="T7"/>
+              </a:cxn>
+              <a:cxn ang="0">
+                <a:pos x="T8" y="T9"/>
+              </a:cxn>
+              <a:cxn ang="0">
+                <a:pos x="T10" y="T11"/>
+              </a:cxn>
+              <a:cxn ang="0">
+                <a:pos x="T12" y="T13"/>
+              </a:cxn>
+              <a:cxn ang="0">
+                <a:pos x="T14" y="T15"/>
+              </a:cxn>
+              <a:cxn ang="0">
+                <a:pos x="T16" y="T17"/>
+              </a:cxn>
+              <a:cxn ang="0">
+                <a:pos x="T18" y="T19"/>
+              </a:cxn>
+              <a:cxn ang="0">
+                <a:pos x="T20" y="T21"/>
+              </a:cxn>
+            </a:cxnLst>
+            <a:rect l="0" t="0" r="r" b="b"/>
+            <a:pathLst>
+              <a:path w="3800" h="1532">
+                <a:moveTo>
+                  <a:pt x="3120" y="0"/>
+                </a:moveTo>
+                <a:lnTo>
+                  <a:pt x="682" y="0"/>
+                </a:lnTo>
+                <a:lnTo>
+                  <a:pt x="682" y="284"/>
+                </a:lnTo>
+                <a:lnTo>
+                  <a:pt x="0" y="766"/>
+                </a:lnTo>
+                <a:lnTo>
+                  <a:pt x="682" y="1248"/>
+                </a:lnTo>
+                <a:lnTo>
+                  <a:pt x="682" y="1532"/>
+                </a:lnTo>
+                <a:lnTo>
+                  <a:pt x="3120" y="1532"/>
+                </a:lnTo>
+                <a:lnTo>
+                  <a:pt x="3120" y="1248"/>
+                </a:lnTo>
+                <a:lnTo>
+                  <a:pt x="3800" y="766"/>
+                </a:lnTo>
+                <a:lnTo>
+                  <a:pt x="3120" y="284"/>
+                </a:lnTo>
+                <a:lnTo>
+                  <a:pt x="3120" y="0"/>
+                </a:lnTo>
+                <a:close/>
+              </a:path>
+            </a:pathLst>
+          </a:custGeom>
+          <a:solidFill>
+            <a:schemeClr val="bg2"/>
+          </a:solidFill>
+          <a:ln>
+            <a:noFill/>
+          </a:ln>
+        </p:spPr>
+        <p:txBody>
+          <a:bodyPr vert="horz" wrap="square" lIns="91440" tIns="45720" rIns="91440" bIns="45720" numCol="1" anchor="ctr" anchorCtr="0" compatLnSpc="1">
+            <a:prstTxWarp prst="textNoShape">
+              <a:avLst/>
+            </a:prstTxWarp>
+            <a:noAutofit/>
+          </a:bodyPr>
+          <a:lstStyle/>
+          <a:p>
+            <a:pPr algn="ctr"/>
+            <a:endParaRPr lang="zh-CN" altLang="en-US" sz="3200" b="1"/>
+          </a:p>
+        </p:txBody>
+      </p:sp>
+      <p:sp>
+        <p:nvSpPr>
+          <p:cNvPr id="14" name="文本框 13"/>
+          <p:cNvSpPr txBox="1"/>
+          <p:nvPr userDrawn="1"/>
+        </p:nvSpPr>
+        <p:spPr>
+          <a:xfrm>
+            <a:off x="2071646" y="2223523"/>
+            <a:ext cx="383206" cy="443226"/>
+          </a:xfrm>
+          <a:prstGeom prst="rect">
+            <a:avLst/>
+          </a:prstGeom>
+          <a:noFill/>
+        </p:spPr>
+        <p:txBody>
+          <a:bodyPr wrap="none" rtlCol="0" anchor="ctr">
+            <a:noAutofit/>
+          </a:bodyPr>
+          <a:lstStyle/>
+          <a:p>
+            <a:pPr algn="ctr"/>
+            <a:r>
+              <a:rPr lang="en-US" altLang="zh-CN" b="1" dirty="0">
+                <a:solidFill>
+                  <a:schemeClr val="bg1"/>
+                </a:solidFill>
+                <a:latin typeface="微软雅黑" panose="020B0503020204020204" pitchFamily="34" charset="-122"/>
+                <a:ea typeface="微软雅黑" panose="020B0503020204020204" pitchFamily="34" charset="-122"/>
+              </a:rPr>
+              <a:t>2</a:t>
+            </a:r>
+            <a:endParaRPr lang="zh-CN" altLang="en-US" b="1" dirty="0">
+              <a:solidFill>
+                <a:schemeClr val="bg1"/>
+              </a:solidFill>
+              <a:latin typeface="微软雅黑" panose="020B0503020204020204" pitchFamily="34" charset="-122"/>
+              <a:ea typeface="微软雅黑" panose="020B0503020204020204" pitchFamily="34" charset="-122"/>
+            </a:endParaRPr>
+          </a:p>
+        </p:txBody>
+      </p:sp>
+      <p:cxnSp>
+        <p:nvCxnSpPr>
+          <p:cNvPr id="15" name="直接连接符 14"/>
+          <p:cNvCxnSpPr>
+            <a:stCxn id="13" idx="6"/>
+          </p:cNvCxnSpPr>
+          <p:nvPr/>
+        </p:nvCxnSpPr>
+        <p:spPr>
+          <a:xfrm>
+            <a:off x="2534033" y="2631188"/>
+            <a:ext cx="4500000" cy="0"/>
+          </a:xfrm>
+          <a:prstGeom prst="line">
+            <a:avLst/>
+          </a:prstGeom>
+          <a:ln>
+            <a:solidFill>
+              <a:schemeClr val="bg2"/>
+            </a:solidFill>
+          </a:ln>
+        </p:spPr>
+        <p:style>
+          <a:lnRef idx="1">
+            <a:schemeClr val="accent1"/>
+          </a:lnRef>
+          <a:fillRef idx="0">
+            <a:schemeClr val="accent1"/>
+          </a:fillRef>
+          <a:effectRef idx="0">
+            <a:schemeClr val="accent1"/>
+          </a:effectRef>
+          <a:fontRef idx="minor">
+            <a:schemeClr val="tx1"/>
+          </a:fontRef>
+        </p:style>
+      </p:cxnSp>
+      <p:sp>
+        <p:nvSpPr>
+          <p:cNvPr id="16" name="文本框 15"/>
+          <p:cNvSpPr txBox="1"/>
+          <p:nvPr/>
+        </p:nvSpPr>
+        <p:spPr>
+          <a:xfrm>
+            <a:off x="2915073" y="2194707"/>
+            <a:ext cx="4387392" cy="461665"/>
+          </a:xfrm>
+          <a:prstGeom prst="rect">
+            <a:avLst/>
+          </a:prstGeom>
+          <a:noFill/>
+        </p:spPr>
+        <p:txBody>
+          <a:bodyPr wrap="square" rtlCol="0">
+            <a:spAutoFit/>
+          </a:bodyPr>
+          <a:lstStyle/>
+          <a:p>
+            <a:r>
+              <a:rPr lang="zh-CN" altLang="en-US" sz="2400" dirty="0">
+                <a:solidFill>
+                  <a:schemeClr val="tx1">
+                    <a:lumMod val="75000"/>
+                    <a:lumOff val="25000"/>
+                  </a:schemeClr>
+                </a:solidFill>
+              </a:rPr>
+              <a:t>无页码版式</a:t>
+            </a:r>
+          </a:p>
+        </p:txBody>
+      </p:sp>
+      <p:sp>
+        <p:nvSpPr>
+          <p:cNvPr id="18" name="Freeform 10"/>
+          <p:cNvSpPr>
+            <a:spLocks noChangeAspect="1"/>
+          </p:cNvSpPr>
+          <p:nvPr userDrawn="1"/>
+        </p:nvSpPr>
+        <p:spPr bwMode="auto">
+          <a:xfrm>
+            <a:off x="1841535" y="3207303"/>
+            <a:ext cx="843427" cy="343858"/>
+          </a:xfrm>
+          <a:custGeom>
+            <a:avLst/>
+            <a:gdLst>
+              <a:gd name="T0" fmla="*/ 3120 w 3800"/>
+              <a:gd name="T1" fmla="*/ 0 h 1532"/>
+              <a:gd name="T2" fmla="*/ 682 w 3800"/>
+              <a:gd name="T3" fmla="*/ 0 h 1532"/>
+              <a:gd name="T4" fmla="*/ 682 w 3800"/>
+              <a:gd name="T5" fmla="*/ 284 h 1532"/>
+              <a:gd name="T6" fmla="*/ 0 w 3800"/>
+              <a:gd name="T7" fmla="*/ 766 h 1532"/>
+              <a:gd name="T8" fmla="*/ 682 w 3800"/>
+              <a:gd name="T9" fmla="*/ 1248 h 1532"/>
+              <a:gd name="T10" fmla="*/ 682 w 3800"/>
+              <a:gd name="T11" fmla="*/ 1532 h 1532"/>
+              <a:gd name="T12" fmla="*/ 3120 w 3800"/>
+              <a:gd name="T13" fmla="*/ 1532 h 1532"/>
+              <a:gd name="T14" fmla="*/ 3120 w 3800"/>
+              <a:gd name="T15" fmla="*/ 1248 h 1532"/>
+              <a:gd name="T16" fmla="*/ 3800 w 3800"/>
+              <a:gd name="T17" fmla="*/ 766 h 1532"/>
+              <a:gd name="T18" fmla="*/ 3120 w 3800"/>
+              <a:gd name="T19" fmla="*/ 284 h 1532"/>
+              <a:gd name="T20" fmla="*/ 3120 w 3800"/>
+              <a:gd name="T21" fmla="*/ 0 h 1532"/>
+            </a:gdLst>
+            <a:ahLst/>
+            <a:cxnLst>
+              <a:cxn ang="0">
+                <a:pos x="T0" y="T1"/>
+              </a:cxn>
+              <a:cxn ang="0">
+                <a:pos x="T2" y="T3"/>
+              </a:cxn>
+              <a:cxn ang="0">
+                <a:pos x="T4" y="T5"/>
+              </a:cxn>
+              <a:cxn ang="0">
+                <a:pos x="T6" y="T7"/>
+              </a:cxn>
+              <a:cxn ang="0">
+                <a:pos x="T8" y="T9"/>
+              </a:cxn>
+              <a:cxn ang="0">
+                <a:pos x="T10" y="T11"/>
+              </a:cxn>
+              <a:cxn ang="0">
+                <a:pos x="T12" y="T13"/>
+              </a:cxn>
+              <a:cxn ang="0">
+                <a:pos x="T14" y="T15"/>
+              </a:cxn>
+              <a:cxn ang="0">
+                <a:pos x="T16" y="T17"/>
+              </a:cxn>
+              <a:cxn ang="0">
+                <a:pos x="T18" y="T19"/>
+              </a:cxn>
+              <a:cxn ang="0">
+                <a:pos x="T20" y="T21"/>
+              </a:cxn>
+            </a:cxnLst>
+            <a:rect l="0" t="0" r="r" b="b"/>
+            <a:pathLst>
+              <a:path w="3800" h="1532">
+                <a:moveTo>
+                  <a:pt x="3120" y="0"/>
+                </a:moveTo>
+                <a:lnTo>
+                  <a:pt x="682" y="0"/>
+                </a:lnTo>
+                <a:lnTo>
+                  <a:pt x="682" y="284"/>
+                </a:lnTo>
+                <a:lnTo>
+                  <a:pt x="0" y="766"/>
+                </a:lnTo>
+                <a:lnTo>
+                  <a:pt x="682" y="1248"/>
+                </a:lnTo>
+                <a:lnTo>
+                  <a:pt x="682" y="1532"/>
+                </a:lnTo>
+                <a:lnTo>
+                  <a:pt x="3120" y="1532"/>
+                </a:lnTo>
+                <a:lnTo>
+                  <a:pt x="3120" y="1248"/>
+                </a:lnTo>
+                <a:lnTo>
+                  <a:pt x="3800" y="766"/>
+                </a:lnTo>
+                <a:lnTo>
+                  <a:pt x="3120" y="284"/>
+                </a:lnTo>
+                <a:lnTo>
+                  <a:pt x="3120" y="0"/>
+                </a:lnTo>
+                <a:close/>
+              </a:path>
+            </a:pathLst>
+          </a:custGeom>
+          <a:solidFill>
+            <a:schemeClr val="bg2"/>
+          </a:solidFill>
+          <a:ln>
+            <a:noFill/>
+          </a:ln>
+        </p:spPr>
+        <p:txBody>
+          <a:bodyPr vert="horz" wrap="square" lIns="91440" tIns="45720" rIns="91440" bIns="45720" numCol="1" anchor="ctr" anchorCtr="0" compatLnSpc="1">
+            <a:prstTxWarp prst="textNoShape">
+              <a:avLst/>
+            </a:prstTxWarp>
+            <a:noAutofit/>
+          </a:bodyPr>
+          <a:lstStyle/>
+          <a:p>
+            <a:pPr algn="ctr"/>
+            <a:endParaRPr lang="zh-CN" altLang="en-US" sz="3200" b="1"/>
+          </a:p>
+        </p:txBody>
+      </p:sp>
+      <p:sp>
+        <p:nvSpPr>
+          <p:cNvPr id="19" name="文本框 18"/>
+          <p:cNvSpPr txBox="1"/>
+          <p:nvPr userDrawn="1"/>
+        </p:nvSpPr>
+        <p:spPr>
+          <a:xfrm>
+            <a:off x="2071646" y="3143496"/>
+            <a:ext cx="383206" cy="443226"/>
+          </a:xfrm>
+          <a:prstGeom prst="rect">
+            <a:avLst/>
+          </a:prstGeom>
+          <a:noFill/>
+        </p:spPr>
+        <p:txBody>
+          <a:bodyPr wrap="none" rtlCol="0" anchor="ctr">
+            <a:noAutofit/>
+          </a:bodyPr>
+          <a:lstStyle/>
+          <a:p>
+            <a:pPr algn="ctr"/>
+            <a:r>
+              <a:rPr lang="en-US" altLang="zh-CN" b="1" dirty="0">
+                <a:solidFill>
+                  <a:schemeClr val="bg1"/>
+                </a:solidFill>
+                <a:latin typeface="微软雅黑" panose="020B0503020204020204" pitchFamily="34" charset="-122"/>
+                <a:ea typeface="微软雅黑" panose="020B0503020204020204" pitchFamily="34" charset="-122"/>
+              </a:rPr>
+              <a:t>3</a:t>
+            </a:r>
+            <a:endParaRPr lang="zh-CN" altLang="en-US" b="1" dirty="0">
+              <a:solidFill>
+                <a:schemeClr val="bg1"/>
+              </a:solidFill>
+              <a:latin typeface="微软雅黑" panose="020B0503020204020204" pitchFamily="34" charset="-122"/>
+              <a:ea typeface="微软雅黑" panose="020B0503020204020204" pitchFamily="34" charset="-122"/>
+            </a:endParaRPr>
+          </a:p>
+        </p:txBody>
+      </p:sp>
+      <p:cxnSp>
+        <p:nvCxnSpPr>
+          <p:cNvPr id="20" name="直接连接符 19"/>
+          <p:cNvCxnSpPr>
+            <a:stCxn id="18" idx="6"/>
+          </p:cNvCxnSpPr>
+          <p:nvPr/>
+        </p:nvCxnSpPr>
+        <p:spPr>
+          <a:xfrm>
+            <a:off x="2534033" y="3551161"/>
+            <a:ext cx="4500000" cy="0"/>
+          </a:xfrm>
+          <a:prstGeom prst="line">
+            <a:avLst/>
+          </a:prstGeom>
+          <a:ln>
+            <a:solidFill>
+              <a:schemeClr val="bg2"/>
+            </a:solidFill>
+          </a:ln>
+        </p:spPr>
+        <p:style>
+          <a:lnRef idx="1">
+            <a:schemeClr val="accent1"/>
+          </a:lnRef>
+          <a:fillRef idx="0">
+            <a:schemeClr val="accent1"/>
+          </a:fillRef>
+          <a:effectRef idx="0">
+            <a:schemeClr val="accent1"/>
+          </a:effectRef>
+          <a:fontRef idx="minor">
+            <a:schemeClr val="tx1"/>
+          </a:fontRef>
+        </p:style>
+      </p:cxnSp>
+      <p:sp>
+        <p:nvSpPr>
+          <p:cNvPr id="21" name="文本框 20"/>
+          <p:cNvSpPr txBox="1"/>
+          <p:nvPr/>
+        </p:nvSpPr>
+        <p:spPr>
+          <a:xfrm>
+            <a:off x="2915073" y="3114680"/>
+            <a:ext cx="4387392" cy="461665"/>
+          </a:xfrm>
+          <a:prstGeom prst="rect">
+            <a:avLst/>
+          </a:prstGeom>
+          <a:noFill/>
+        </p:spPr>
+        <p:txBody>
+          <a:bodyPr wrap="square" rtlCol="0">
+            <a:spAutoFit/>
+          </a:bodyPr>
+          <a:lstStyle/>
+          <a:p>
+            <a:r>
+              <a:rPr lang="zh-CN" altLang="en-US" sz="2400" dirty="0">
+                <a:solidFill>
+                  <a:schemeClr val="tx1">
+                    <a:lumMod val="75000"/>
+                    <a:lumOff val="25000"/>
+                  </a:schemeClr>
+                </a:solidFill>
+              </a:rPr>
+              <a:t>有页码版式</a:t>
+            </a:r>
+          </a:p>
+        </p:txBody>
+      </p:sp>
+      <p:sp>
+        <p:nvSpPr>
+          <p:cNvPr id="23" name="Freeform 10"/>
+          <p:cNvSpPr>
+            <a:spLocks noChangeAspect="1"/>
+          </p:cNvSpPr>
+          <p:nvPr userDrawn="1"/>
+        </p:nvSpPr>
+        <p:spPr bwMode="auto">
+          <a:xfrm>
+            <a:off x="1841535" y="4127276"/>
+            <a:ext cx="843427" cy="343858"/>
+          </a:xfrm>
+          <a:custGeom>
+            <a:avLst/>
+            <a:gdLst>
+              <a:gd name="T0" fmla="*/ 3120 w 3800"/>
+              <a:gd name="T1" fmla="*/ 0 h 1532"/>
+              <a:gd name="T2" fmla="*/ 682 w 3800"/>
+              <a:gd name="T3" fmla="*/ 0 h 1532"/>
+              <a:gd name="T4" fmla="*/ 682 w 3800"/>
+              <a:gd name="T5" fmla="*/ 284 h 1532"/>
+              <a:gd name="T6" fmla="*/ 0 w 3800"/>
+              <a:gd name="T7" fmla="*/ 766 h 1532"/>
+              <a:gd name="T8" fmla="*/ 682 w 3800"/>
+              <a:gd name="T9" fmla="*/ 1248 h 1532"/>
+              <a:gd name="T10" fmla="*/ 682 w 3800"/>
+              <a:gd name="T11" fmla="*/ 1532 h 1532"/>
+              <a:gd name="T12" fmla="*/ 3120 w 3800"/>
+              <a:gd name="T13" fmla="*/ 1532 h 1532"/>
+              <a:gd name="T14" fmla="*/ 3120 w 3800"/>
+              <a:gd name="T15" fmla="*/ 1248 h 1532"/>
+              <a:gd name="T16" fmla="*/ 3800 w 3800"/>
+              <a:gd name="T17" fmla="*/ 766 h 1532"/>
+              <a:gd name="T18" fmla="*/ 3120 w 3800"/>
+              <a:gd name="T19" fmla="*/ 284 h 1532"/>
+              <a:gd name="T20" fmla="*/ 3120 w 3800"/>
+              <a:gd name="T21" fmla="*/ 0 h 1532"/>
+            </a:gdLst>
+            <a:ahLst/>
+            <a:cxnLst>
+              <a:cxn ang="0">
+                <a:pos x="T0" y="T1"/>
+              </a:cxn>
+              <a:cxn ang="0">
+                <a:pos x="T2" y="T3"/>
+              </a:cxn>
+              <a:cxn ang="0">
+                <a:pos x="T4" y="T5"/>
+              </a:cxn>
+              <a:cxn ang="0">
+                <a:pos x="T6" y="T7"/>
+              </a:cxn>
+              <a:cxn ang="0">
+                <a:pos x="T8" y="T9"/>
+              </a:cxn>
+              <a:cxn ang="0">
+                <a:pos x="T10" y="T11"/>
+              </a:cxn>
+              <a:cxn ang="0">
+                <a:pos x="T12" y="T13"/>
+              </a:cxn>
+              <a:cxn ang="0">
+                <a:pos x="T14" y="T15"/>
+              </a:cxn>
+              <a:cxn ang="0">
+                <a:pos x="T16" y="T17"/>
+              </a:cxn>
+              <a:cxn ang="0">
+                <a:pos x="T18" y="T19"/>
+              </a:cxn>
+              <a:cxn ang="0">
+                <a:pos x="T20" y="T21"/>
+              </a:cxn>
+            </a:cxnLst>
+            <a:rect l="0" t="0" r="r" b="b"/>
+            <a:pathLst>
+              <a:path w="3800" h="1532">
+                <a:moveTo>
+                  <a:pt x="3120" y="0"/>
+                </a:moveTo>
+                <a:lnTo>
+                  <a:pt x="682" y="0"/>
+                </a:lnTo>
+                <a:lnTo>
+                  <a:pt x="682" y="284"/>
+                </a:lnTo>
+                <a:lnTo>
+                  <a:pt x="0" y="766"/>
+                </a:lnTo>
+                <a:lnTo>
+                  <a:pt x="682" y="1248"/>
+                </a:lnTo>
+                <a:lnTo>
+                  <a:pt x="682" y="1532"/>
+                </a:lnTo>
+                <a:lnTo>
+                  <a:pt x="3120" y="1532"/>
+                </a:lnTo>
+                <a:lnTo>
+                  <a:pt x="3120" y="1248"/>
+                </a:lnTo>
+                <a:lnTo>
+                  <a:pt x="3800" y="766"/>
+                </a:lnTo>
+                <a:lnTo>
+                  <a:pt x="3120" y="284"/>
+                </a:lnTo>
+                <a:lnTo>
+                  <a:pt x="3120" y="0"/>
+                </a:lnTo>
+                <a:close/>
+              </a:path>
+            </a:pathLst>
+          </a:custGeom>
+          <a:solidFill>
+            <a:schemeClr val="accent1"/>
+          </a:solidFill>
+          <a:ln>
+            <a:noFill/>
+          </a:ln>
+        </p:spPr>
+        <p:txBody>
+          <a:bodyPr vert="horz" wrap="square" lIns="91440" tIns="45720" rIns="91440" bIns="45720" numCol="1" anchor="ctr" anchorCtr="0" compatLnSpc="1">
+            <a:prstTxWarp prst="textNoShape">
+              <a:avLst/>
+            </a:prstTxWarp>
+            <a:noAutofit/>
+          </a:bodyPr>
+          <a:lstStyle/>
+          <a:p>
+            <a:pPr algn="ctr"/>
+            <a:endParaRPr lang="zh-CN" altLang="en-US" sz="3200" b="1"/>
+          </a:p>
+        </p:txBody>
+      </p:sp>
+      <p:sp>
+        <p:nvSpPr>
+          <p:cNvPr id="24" name="文本框 23"/>
+          <p:cNvSpPr txBox="1"/>
+          <p:nvPr userDrawn="1"/>
+        </p:nvSpPr>
+        <p:spPr>
+          <a:xfrm>
+            <a:off x="2071646" y="4063469"/>
+            <a:ext cx="383206" cy="443226"/>
+          </a:xfrm>
+          <a:prstGeom prst="rect">
+            <a:avLst/>
+          </a:prstGeom>
+          <a:noFill/>
+        </p:spPr>
+        <p:txBody>
+          <a:bodyPr wrap="none" rtlCol="0" anchor="ctr">
+            <a:noAutofit/>
+          </a:bodyPr>
+          <a:lstStyle/>
+          <a:p>
+            <a:pPr algn="ctr"/>
+            <a:r>
+              <a:rPr lang="en-US" altLang="zh-CN" b="1" dirty="0">
+                <a:solidFill>
+                  <a:schemeClr val="bg1"/>
+                </a:solidFill>
+                <a:latin typeface="微软雅黑" panose="020B0503020204020204" pitchFamily="34" charset="-122"/>
+                <a:ea typeface="微软雅黑" panose="020B0503020204020204" pitchFamily="34" charset="-122"/>
+              </a:rPr>
+              <a:t>4</a:t>
+            </a:r>
+            <a:endParaRPr lang="zh-CN" altLang="en-US" b="1" dirty="0">
+              <a:solidFill>
+                <a:schemeClr val="bg1"/>
+              </a:solidFill>
+              <a:latin typeface="微软雅黑" panose="020B0503020204020204" pitchFamily="34" charset="-122"/>
+              <a:ea typeface="微软雅黑" panose="020B0503020204020204" pitchFamily="34" charset="-122"/>
+            </a:endParaRPr>
+          </a:p>
+        </p:txBody>
+      </p:sp>
+      <p:cxnSp>
+        <p:nvCxnSpPr>
+          <p:cNvPr id="25" name="直接连接符 24"/>
+          <p:cNvCxnSpPr>
+            <a:stCxn id="23" idx="6"/>
+          </p:cNvCxnSpPr>
+          <p:nvPr/>
+        </p:nvCxnSpPr>
+        <p:spPr>
+          <a:xfrm>
+            <a:off x="2534033" y="4471134"/>
+            <a:ext cx="4500000" cy="0"/>
+          </a:xfrm>
+          <a:prstGeom prst="line">
+            <a:avLst/>
+          </a:prstGeom>
+          <a:ln>
+            <a:solidFill>
+              <a:schemeClr val="accent1"/>
+            </a:solidFill>
+          </a:ln>
+        </p:spPr>
+        <p:style>
+          <a:lnRef idx="1">
+            <a:schemeClr val="accent1"/>
+          </a:lnRef>
+          <a:fillRef idx="0">
+            <a:schemeClr val="accent1"/>
+          </a:fillRef>
+          <a:effectRef idx="0">
+            <a:schemeClr val="accent1"/>
+          </a:effectRef>
+          <a:fontRef idx="minor">
+            <a:schemeClr val="tx1"/>
+          </a:fontRef>
+        </p:style>
+      </p:cxnSp>
+      <p:sp>
+        <p:nvSpPr>
+          <p:cNvPr id="26" name="文本框 25"/>
+          <p:cNvSpPr txBox="1"/>
+          <p:nvPr/>
+        </p:nvSpPr>
+        <p:spPr>
+          <a:xfrm>
+            <a:off x="2915073" y="4034653"/>
+            <a:ext cx="4387392" cy="461665"/>
+          </a:xfrm>
+          <a:prstGeom prst="rect">
+            <a:avLst/>
+          </a:prstGeom>
+          <a:noFill/>
+        </p:spPr>
+        <p:txBody>
+          <a:bodyPr wrap="square" rtlCol="0">
+            <a:spAutoFit/>
+          </a:bodyPr>
+          <a:lstStyle/>
+          <a:p>
+            <a:r>
+              <a:rPr lang="zh-CN" altLang="en-US" sz="2400" dirty="0">
+                <a:solidFill>
+                  <a:schemeClr val="tx1">
+                    <a:lumMod val="75000"/>
+                    <a:lumOff val="25000"/>
+                  </a:schemeClr>
+                </a:solidFill>
+              </a:rPr>
+              <a:t>图形与配色</a:t>
+            </a:r>
+          </a:p>
+        </p:txBody>
+      </p:sp>
+      <p:sp>
+        <p:nvSpPr>
+          <p:cNvPr id="33" name="Freeform 10"/>
+          <p:cNvSpPr>
+            <a:spLocks noChangeAspect="1"/>
+          </p:cNvSpPr>
+          <p:nvPr userDrawn="1"/>
+        </p:nvSpPr>
+        <p:spPr bwMode="auto">
+          <a:xfrm>
+            <a:off x="1841535" y="5047251"/>
+            <a:ext cx="843427" cy="343858"/>
+          </a:xfrm>
+          <a:custGeom>
+            <a:avLst/>
+            <a:gdLst>
+              <a:gd name="T0" fmla="*/ 3120 w 3800"/>
+              <a:gd name="T1" fmla="*/ 0 h 1532"/>
+              <a:gd name="T2" fmla="*/ 682 w 3800"/>
+              <a:gd name="T3" fmla="*/ 0 h 1532"/>
+              <a:gd name="T4" fmla="*/ 682 w 3800"/>
+              <a:gd name="T5" fmla="*/ 284 h 1532"/>
+              <a:gd name="T6" fmla="*/ 0 w 3800"/>
+              <a:gd name="T7" fmla="*/ 766 h 1532"/>
+              <a:gd name="T8" fmla="*/ 682 w 3800"/>
+              <a:gd name="T9" fmla="*/ 1248 h 1532"/>
+              <a:gd name="T10" fmla="*/ 682 w 3800"/>
+              <a:gd name="T11" fmla="*/ 1532 h 1532"/>
+              <a:gd name="T12" fmla="*/ 3120 w 3800"/>
+              <a:gd name="T13" fmla="*/ 1532 h 1532"/>
+              <a:gd name="T14" fmla="*/ 3120 w 3800"/>
+              <a:gd name="T15" fmla="*/ 1248 h 1532"/>
+              <a:gd name="T16" fmla="*/ 3800 w 3800"/>
+              <a:gd name="T17" fmla="*/ 766 h 1532"/>
+              <a:gd name="T18" fmla="*/ 3120 w 3800"/>
+              <a:gd name="T19" fmla="*/ 284 h 1532"/>
+              <a:gd name="T20" fmla="*/ 3120 w 3800"/>
+              <a:gd name="T21" fmla="*/ 0 h 1532"/>
+            </a:gdLst>
+            <a:ahLst/>
+            <a:cxnLst>
+              <a:cxn ang="0">
+                <a:pos x="T0" y="T1"/>
+              </a:cxn>
+              <a:cxn ang="0">
+                <a:pos x="T2" y="T3"/>
+              </a:cxn>
+              <a:cxn ang="0">
+                <a:pos x="T4" y="T5"/>
+              </a:cxn>
+              <a:cxn ang="0">
+                <a:pos x="T6" y="T7"/>
+              </a:cxn>
+              <a:cxn ang="0">
+                <a:pos x="T8" y="T9"/>
+              </a:cxn>
+              <a:cxn ang="0">
+                <a:pos x="T10" y="T11"/>
+              </a:cxn>
+              <a:cxn ang="0">
+                <a:pos x="T12" y="T13"/>
+              </a:cxn>
+              <a:cxn ang="0">
+                <a:pos x="T14" y="T15"/>
+              </a:cxn>
+              <a:cxn ang="0">
+                <a:pos x="T16" y="T17"/>
+              </a:cxn>
+              <a:cxn ang="0">
+                <a:pos x="T18" y="T19"/>
+              </a:cxn>
+              <a:cxn ang="0">
+                <a:pos x="T20" y="T21"/>
+              </a:cxn>
+            </a:cxnLst>
+            <a:rect l="0" t="0" r="r" b="b"/>
+            <a:pathLst>
+              <a:path w="3800" h="1532">
+                <a:moveTo>
+                  <a:pt x="3120" y="0"/>
+                </a:moveTo>
+                <a:lnTo>
+                  <a:pt x="682" y="0"/>
+                </a:lnTo>
+                <a:lnTo>
+                  <a:pt x="682" y="284"/>
+                </a:lnTo>
+                <a:lnTo>
+                  <a:pt x="0" y="766"/>
+                </a:lnTo>
+                <a:lnTo>
+                  <a:pt x="682" y="1248"/>
+                </a:lnTo>
+                <a:lnTo>
+                  <a:pt x="682" y="1532"/>
+                </a:lnTo>
+                <a:lnTo>
+                  <a:pt x="3120" y="1532"/>
+                </a:lnTo>
+                <a:lnTo>
+                  <a:pt x="3120" y="1248"/>
+                </a:lnTo>
+                <a:lnTo>
+                  <a:pt x="3800" y="766"/>
+                </a:lnTo>
+                <a:lnTo>
+                  <a:pt x="3120" y="284"/>
+                </a:lnTo>
+                <a:lnTo>
+                  <a:pt x="3120" y="0"/>
+                </a:lnTo>
+                <a:close/>
+              </a:path>
+            </a:pathLst>
+          </a:custGeom>
+          <a:solidFill>
+            <a:schemeClr val="bg2"/>
+          </a:solidFill>
+          <a:ln>
+            <a:noFill/>
+          </a:ln>
+        </p:spPr>
+        <p:txBody>
+          <a:bodyPr vert="horz" wrap="square" lIns="91440" tIns="45720" rIns="91440" bIns="45720" numCol="1" anchor="ctr" anchorCtr="0" compatLnSpc="1">
+            <a:prstTxWarp prst="textNoShape">
+              <a:avLst/>
+            </a:prstTxWarp>
+            <a:noAutofit/>
+          </a:bodyPr>
+          <a:lstStyle/>
+          <a:p>
+            <a:pPr algn="ctr"/>
+            <a:endParaRPr lang="zh-CN" altLang="en-US" sz="3200" b="1"/>
+          </a:p>
+        </p:txBody>
+      </p:sp>
+      <p:sp>
+        <p:nvSpPr>
+          <p:cNvPr id="34" name="文本框 33"/>
+          <p:cNvSpPr txBox="1"/>
+          <p:nvPr userDrawn="1"/>
+        </p:nvSpPr>
+        <p:spPr>
+          <a:xfrm>
+            <a:off x="2071646" y="4983444"/>
+            <a:ext cx="383206" cy="443226"/>
+          </a:xfrm>
+          <a:prstGeom prst="rect">
+            <a:avLst/>
+          </a:prstGeom>
+          <a:noFill/>
+        </p:spPr>
+        <p:txBody>
+          <a:bodyPr wrap="none" rtlCol="0" anchor="ctr">
+            <a:noAutofit/>
+          </a:bodyPr>
+          <a:lstStyle/>
+          <a:p>
+            <a:pPr algn="ctr"/>
+            <a:r>
+              <a:rPr lang="en-US" altLang="zh-CN" b="1" dirty="0">
+                <a:solidFill>
+                  <a:schemeClr val="bg1"/>
+                </a:solidFill>
+                <a:latin typeface="微软雅黑" panose="020B0503020204020204" pitchFamily="34" charset="-122"/>
+                <a:ea typeface="微软雅黑" panose="020B0503020204020204" pitchFamily="34" charset="-122"/>
+              </a:rPr>
+              <a:t>5</a:t>
+            </a:r>
+            <a:endParaRPr lang="zh-CN" altLang="en-US" b="1" dirty="0">
+              <a:solidFill>
+                <a:schemeClr val="bg1"/>
+              </a:solidFill>
+              <a:latin typeface="微软雅黑" panose="020B0503020204020204" pitchFamily="34" charset="-122"/>
+              <a:ea typeface="微软雅黑" panose="020B0503020204020204" pitchFamily="34" charset="-122"/>
+            </a:endParaRPr>
+          </a:p>
+        </p:txBody>
+      </p:sp>
+      <p:cxnSp>
+        <p:nvCxnSpPr>
+          <p:cNvPr id="35" name="直接连接符 34"/>
+          <p:cNvCxnSpPr>
+            <a:stCxn id="33" idx="6"/>
+          </p:cNvCxnSpPr>
+          <p:nvPr/>
+        </p:nvCxnSpPr>
+        <p:spPr>
+          <a:xfrm>
+            <a:off x="2534033" y="5391109"/>
+            <a:ext cx="4500000" cy="0"/>
+          </a:xfrm>
+          <a:prstGeom prst="line">
+            <a:avLst/>
+          </a:prstGeom>
+          <a:ln>
+            <a:solidFill>
+              <a:schemeClr val="bg2"/>
+            </a:solidFill>
+          </a:ln>
+        </p:spPr>
+        <p:style>
+          <a:lnRef idx="1">
+            <a:schemeClr val="accent1"/>
+          </a:lnRef>
+          <a:fillRef idx="0">
+            <a:schemeClr val="accent1"/>
+          </a:fillRef>
+          <a:effectRef idx="0">
+            <a:schemeClr val="accent1"/>
+          </a:effectRef>
+          <a:fontRef idx="minor">
+            <a:schemeClr val="tx1"/>
+          </a:fontRef>
+        </p:style>
+      </p:cxnSp>
+      <p:sp>
+        <p:nvSpPr>
+          <p:cNvPr id="36" name="文本框 35"/>
+          <p:cNvSpPr txBox="1"/>
+          <p:nvPr/>
+        </p:nvSpPr>
+        <p:spPr>
+          <a:xfrm>
+            <a:off x="2915073" y="4954628"/>
+            <a:ext cx="4387392" cy="461665"/>
+          </a:xfrm>
+          <a:prstGeom prst="rect">
+            <a:avLst/>
+          </a:prstGeom>
+          <a:noFill/>
+        </p:spPr>
+        <p:txBody>
+          <a:bodyPr wrap="square" rtlCol="0">
+            <a:spAutoFit/>
+          </a:bodyPr>
+          <a:lstStyle/>
+          <a:p>
+            <a:r>
+              <a:rPr lang="zh-CN" altLang="en-US" sz="2400" dirty="0">
+                <a:solidFill>
+                  <a:schemeClr val="tx1">
+                    <a:lumMod val="75000"/>
+                    <a:lumOff val="25000"/>
+                  </a:schemeClr>
+                </a:solidFill>
+              </a:rPr>
+              <a:t>图片处理及排版</a:t>
             </a:r>
           </a:p>
         </p:txBody>
@@ -25959,7 +24574,7 @@
     </p:spTree>
     <p:extLst>
       <p:ext uri="{BB962C8B-B14F-4D97-AF65-F5344CB8AC3E}">
-        <p14:creationId xmlns:p14="http://schemas.microsoft.com/office/powerpoint/2010/main" val="3624108227"/>
+        <p14:creationId xmlns:p14="http://schemas.microsoft.com/office/powerpoint/2010/main" val="3578238027"/>
       </p:ext>
     </p:extLst>
   </p:cSld>

--- a/Polkadot-PPT.pptx
+++ b/Polkadot-PPT.pptx
@@ -5,10 +5,10 @@
     <p:sldMasterId id="2147483802" r:id="rId1"/>
   </p:sldMasterIdLst>
   <p:notesMasterIdLst>
-    <p:notesMasterId r:id="rId17"/>
+    <p:notesMasterId r:id="rId21"/>
   </p:notesMasterIdLst>
   <p:handoutMasterIdLst>
-    <p:handoutMasterId r:id="rId18"/>
+    <p:handoutMasterId r:id="rId22"/>
   </p:handoutMasterIdLst>
   <p:sldIdLst>
     <p:sldId id="259" r:id="rId2"/>
@@ -16,16 +16,20 @@
     <p:sldId id="261" r:id="rId4"/>
     <p:sldId id="283" r:id="rId5"/>
     <p:sldId id="284" r:id="rId6"/>
-    <p:sldId id="285" r:id="rId7"/>
-    <p:sldId id="264" r:id="rId8"/>
-    <p:sldId id="270" r:id="rId9"/>
-    <p:sldId id="276" r:id="rId10"/>
-    <p:sldId id="277" r:id="rId11"/>
-    <p:sldId id="278" r:id="rId12"/>
-    <p:sldId id="279" r:id="rId13"/>
-    <p:sldId id="280" r:id="rId14"/>
-    <p:sldId id="281" r:id="rId15"/>
-    <p:sldId id="282" r:id="rId16"/>
+    <p:sldId id="286" r:id="rId7"/>
+    <p:sldId id="285" r:id="rId8"/>
+    <p:sldId id="287" r:id="rId9"/>
+    <p:sldId id="264" r:id="rId10"/>
+    <p:sldId id="288" r:id="rId11"/>
+    <p:sldId id="289" r:id="rId12"/>
+    <p:sldId id="270" r:id="rId13"/>
+    <p:sldId id="276" r:id="rId14"/>
+    <p:sldId id="277" r:id="rId15"/>
+    <p:sldId id="278" r:id="rId16"/>
+    <p:sldId id="279" r:id="rId17"/>
+    <p:sldId id="280" r:id="rId18"/>
+    <p:sldId id="281" r:id="rId19"/>
+    <p:sldId id="282" r:id="rId20"/>
   </p:sldIdLst>
   <p:sldSz cx="9144000" cy="6858000" type="screen4x3"/>
   <p:notesSz cx="6858000" cy="9144000"/>
@@ -10233,6 +10237,3048 @@
       </p:grpSpPr>
       <p:sp>
         <p:nvSpPr>
+          <p:cNvPr id="2" name="内容占位符 1">
+            <a:extLst>
+              <a:ext uri="{FF2B5EF4-FFF2-40B4-BE49-F238E27FC236}">
+                <a16:creationId xmlns:a16="http://schemas.microsoft.com/office/drawing/2014/main" id="{AF3ED768-F4AC-4570-9A14-87BFBBA452E6}"/>
+              </a:ext>
+            </a:extLst>
+          </p:cNvPr>
+          <p:cNvSpPr>
+            <a:spLocks noGrp="1"/>
+          </p:cNvSpPr>
+          <p:nvPr>
+            <p:ph sz="quarter" idx="10"/>
+          </p:nvPr>
+        </p:nvSpPr>
+        <p:spPr>
+          <a:xfrm>
+            <a:off x="494025" y="1685678"/>
+            <a:ext cx="5467863" cy="4562722"/>
+          </a:xfrm>
+        </p:spPr>
+        <p:txBody>
+          <a:bodyPr/>
+          <a:lstStyle/>
+          <a:p>
+            <a:r>
+              <a:rPr lang="en-US" altLang="zh-CN" dirty="0"/>
+              <a:t>State</a:t>
+            </a:r>
+          </a:p>
+          <a:p>
+            <a:pPr lvl="1"/>
+            <a:r>
+              <a:rPr lang="en-US" altLang="zh-CN" dirty="0"/>
+              <a:t>Represented by an </a:t>
+            </a:r>
+            <a:r>
+              <a:rPr lang="en-US" altLang="zh-CN" b="1" i="1" dirty="0"/>
+              <a:t>associative array </a:t>
+            </a:r>
+            <a:r>
+              <a:rPr lang="en-US" altLang="zh-CN" dirty="0"/>
+              <a:t>data structure, composed by a collection of </a:t>
+            </a:r>
+            <a:r>
+              <a:rPr lang="en-US" altLang="zh-CN" b="1" dirty="0"/>
+              <a:t>key-value pairs</a:t>
+            </a:r>
+            <a:r>
+              <a:rPr lang="en-US" altLang="zh-CN" dirty="0"/>
+              <a:t> where each key is unique.</a:t>
+            </a:r>
+          </a:p>
+          <a:p>
+            <a:pPr lvl="1"/>
+            <a:r>
+              <a:rPr lang="en-US" altLang="zh-CN" dirty="0"/>
+              <a:t>Both key and value need to be </a:t>
+            </a:r>
+            <a:r>
+              <a:rPr lang="en-US" altLang="zh-CN" b="1" dirty="0"/>
+              <a:t>finite byte arrays</a:t>
+            </a:r>
+          </a:p>
+          <a:p>
+            <a:pPr lvl="1"/>
+            <a:r>
+              <a:rPr lang="en-US" altLang="zh-CN" dirty="0"/>
+              <a:t>K-V pairs are arranged in a </a:t>
+            </a:r>
+            <a:r>
+              <a:rPr lang="en-US" altLang="zh-CN" b="1" dirty="0"/>
+              <a:t>Merkel radix-16 tree</a:t>
+            </a:r>
+          </a:p>
+          <a:p>
+            <a:pPr lvl="2"/>
+            <a:r>
+              <a:rPr lang="en-US" altLang="zh-CN" dirty="0"/>
+              <a:t>whose root identifies the current state of the relay chain.</a:t>
+            </a:r>
+          </a:p>
+          <a:p>
+            <a:pPr lvl="2"/>
+            <a:r>
+              <a:rPr lang="en-US" altLang="zh-CN" dirty="0"/>
+              <a:t>provides an efficient mean to produce the proof of inclusion for an individual pair in the state.</a:t>
+            </a:r>
+          </a:p>
+          <a:p>
+            <a:pPr lvl="2"/>
+            <a:r>
+              <a:rPr lang="en-US" altLang="zh-CN" dirty="0"/>
+              <a:t>Shouldn’t store any information regarding the internal operation of the </a:t>
+            </a:r>
+            <a:r>
+              <a:rPr lang="en-US" altLang="zh-CN" dirty="0" err="1"/>
+              <a:t>parachains</a:t>
+            </a:r>
+            <a:r>
+              <a:rPr lang="en-US" altLang="zh-CN" dirty="0"/>
+              <a:t>.</a:t>
+            </a:r>
+            <a:endParaRPr lang="en-US" altLang="zh-CN" b="1" dirty="0"/>
+          </a:p>
+        </p:txBody>
+      </p:sp>
+      <p:sp>
+        <p:nvSpPr>
+          <p:cNvPr id="3" name="标题 2">
+            <a:extLst>
+              <a:ext uri="{FF2B5EF4-FFF2-40B4-BE49-F238E27FC236}">
+                <a16:creationId xmlns:a16="http://schemas.microsoft.com/office/drawing/2014/main" id="{CDC1A08A-FFC4-4FE8-B7F5-70FBB0F936C3}"/>
+              </a:ext>
+            </a:extLst>
+          </p:cNvPr>
+          <p:cNvSpPr>
+            <a:spLocks noGrp="1"/>
+          </p:cNvSpPr>
+          <p:nvPr>
+            <p:ph type="title"/>
+          </p:nvPr>
+        </p:nvSpPr>
+        <p:spPr/>
+        <p:txBody>
+          <a:bodyPr/>
+          <a:lstStyle/>
+          <a:p>
+            <a:r>
+              <a:rPr lang="en-US" altLang="zh-CN" dirty="0"/>
+              <a:t>Relay Chain protocol: A state machine</a:t>
+            </a:r>
+            <a:endParaRPr lang="zh-CN" altLang="en-US" dirty="0"/>
+          </a:p>
+        </p:txBody>
+      </p:sp>
+      <p:pic>
+        <p:nvPicPr>
+          <p:cNvPr id="1028" name="Picture 4" descr="Image for post">
+            <a:extLst>
+              <a:ext uri="{FF2B5EF4-FFF2-40B4-BE49-F238E27FC236}">
+                <a16:creationId xmlns:a16="http://schemas.microsoft.com/office/drawing/2014/main" id="{894962E4-700B-49B9-872D-84F3BCB9FB80}"/>
+              </a:ext>
+            </a:extLst>
+          </p:cNvPr>
+          <p:cNvPicPr>
+            <a:picLocks noChangeAspect="1" noChangeArrowheads="1"/>
+          </p:cNvPicPr>
+          <p:nvPr/>
+        </p:nvPicPr>
+        <p:blipFill>
+          <a:blip r:embed="rId2" cstate="print">
+            <a:extLst>
+              <a:ext uri="{28A0092B-C50C-407E-A947-70E740481C1C}">
+                <a14:useLocalDpi xmlns:a14="http://schemas.microsoft.com/office/drawing/2010/main" val="0"/>
+              </a:ext>
+            </a:extLst>
+          </a:blip>
+          <a:srcRect/>
+          <a:stretch>
+            <a:fillRect/>
+          </a:stretch>
+        </p:blipFill>
+        <p:spPr bwMode="auto">
+          <a:xfrm>
+            <a:off x="5911370" y="1826391"/>
+            <a:ext cx="3232630" cy="2056761"/>
+          </a:xfrm>
+          <a:prstGeom prst="rect">
+            <a:avLst/>
+          </a:prstGeom>
+          <a:noFill/>
+          <a:extLst>
+            <a:ext uri="{909E8E84-426E-40DD-AFC4-6F175D3DCCD1}">
+              <a14:hiddenFill xmlns:a14="http://schemas.microsoft.com/office/drawing/2010/main">
+                <a:solidFill>
+                  <a:srgbClr val="FFFFFF"/>
+                </a:solidFill>
+              </a14:hiddenFill>
+            </a:ext>
+          </a:extLst>
+        </p:spPr>
+      </p:pic>
+      <p:pic>
+        <p:nvPicPr>
+          <p:cNvPr id="1032" name="Picture 8" descr="在这里插入图片描述">
+            <a:extLst>
+              <a:ext uri="{FF2B5EF4-FFF2-40B4-BE49-F238E27FC236}">
+                <a16:creationId xmlns:a16="http://schemas.microsoft.com/office/drawing/2014/main" id="{9AD33FE6-61C2-437A-B21E-9A57BE1D5478}"/>
+              </a:ext>
+            </a:extLst>
+          </p:cNvPr>
+          <p:cNvPicPr>
+            <a:picLocks noChangeAspect="1" noChangeArrowheads="1"/>
+          </p:cNvPicPr>
+          <p:nvPr/>
+        </p:nvPicPr>
+        <p:blipFill rotWithShape="1">
+          <a:blip r:embed="rId3" cstate="print">
+            <a:extLst>
+              <a:ext uri="{28A0092B-C50C-407E-A947-70E740481C1C}">
+                <a14:useLocalDpi xmlns:a14="http://schemas.microsoft.com/office/drawing/2010/main" val="0"/>
+              </a:ext>
+            </a:extLst>
+          </a:blip>
+          <a:srcRect r="4334" b="5235"/>
+          <a:stretch/>
+        </p:blipFill>
+        <p:spPr bwMode="auto">
+          <a:xfrm>
+            <a:off x="5961888" y="4161083"/>
+            <a:ext cx="2791719" cy="1695256"/>
+          </a:xfrm>
+          <a:prstGeom prst="rect">
+            <a:avLst/>
+          </a:prstGeom>
+          <a:noFill/>
+          <a:extLst>
+            <a:ext uri="{909E8E84-426E-40DD-AFC4-6F175D3DCCD1}">
+              <a14:hiddenFill xmlns:a14="http://schemas.microsoft.com/office/drawing/2010/main">
+                <a:solidFill>
+                  <a:srgbClr val="FFFFFF"/>
+                </a:solidFill>
+              </a14:hiddenFill>
+            </a:ext>
+          </a:extLst>
+        </p:spPr>
+      </p:pic>
+    </p:spTree>
+    <p:extLst>
+      <p:ext uri="{BB962C8B-B14F-4D97-AF65-F5344CB8AC3E}">
+        <p14:creationId xmlns:p14="http://schemas.microsoft.com/office/powerpoint/2010/main" val="3134510520"/>
+      </p:ext>
+    </p:extLst>
+  </p:cSld>
+  <p:clrMapOvr>
+    <a:masterClrMapping/>
+  </p:clrMapOvr>
+</p:sld>
+</file>
+
+<file path=ppt/slides/slide11.xml><?xml version="1.0" encoding="utf-8"?>
+<p:sld xmlns:a="http://schemas.openxmlformats.org/drawingml/2006/main" xmlns:r="http://schemas.openxmlformats.org/officeDocument/2006/relationships" xmlns:p="http://schemas.openxmlformats.org/presentationml/2006/main">
+  <p:cSld>
+    <p:spTree>
+      <p:nvGrpSpPr>
+        <p:cNvPr id="1" name=""/>
+        <p:cNvGrpSpPr/>
+        <p:nvPr/>
+      </p:nvGrpSpPr>
+      <p:grpSpPr>
+        <a:xfrm>
+          <a:off x="0" y="0"/>
+          <a:ext cx="0" cy="0"/>
+          <a:chOff x="0" y="0"/>
+          <a:chExt cx="0" cy="0"/>
+        </a:xfrm>
+      </p:grpSpPr>
+      <p:sp>
+        <p:nvSpPr>
+          <p:cNvPr id="2" name="内容占位符 1">
+            <a:extLst>
+              <a:ext uri="{FF2B5EF4-FFF2-40B4-BE49-F238E27FC236}">
+                <a16:creationId xmlns:a16="http://schemas.microsoft.com/office/drawing/2014/main" id="{AF3ED768-F4AC-4570-9A14-87BFBBA452E6}"/>
+              </a:ext>
+            </a:extLst>
+          </p:cNvPr>
+          <p:cNvSpPr>
+            <a:spLocks noGrp="1"/>
+          </p:cNvSpPr>
+          <p:nvPr>
+            <p:ph sz="quarter" idx="10"/>
+          </p:nvPr>
+        </p:nvSpPr>
+        <p:spPr>
+          <a:xfrm>
+            <a:off x="494025" y="1685678"/>
+            <a:ext cx="8070855" cy="4538338"/>
+          </a:xfrm>
+        </p:spPr>
+        <p:txBody>
+          <a:bodyPr/>
+          <a:lstStyle/>
+          <a:p>
+            <a:r>
+              <a:rPr lang="en-US" altLang="zh-CN" dirty="0"/>
+              <a:t>State transition:</a:t>
+            </a:r>
+          </a:p>
+          <a:p>
+            <a:pPr lvl="1"/>
+            <a:endParaRPr lang="en-US" altLang="zh-CN" dirty="0"/>
+          </a:p>
+        </p:txBody>
+      </p:sp>
+      <p:sp>
+        <p:nvSpPr>
+          <p:cNvPr id="3" name="标题 2">
+            <a:extLst>
+              <a:ext uri="{FF2B5EF4-FFF2-40B4-BE49-F238E27FC236}">
+                <a16:creationId xmlns:a16="http://schemas.microsoft.com/office/drawing/2014/main" id="{CDC1A08A-FFC4-4FE8-B7F5-70FBB0F936C3}"/>
+              </a:ext>
+            </a:extLst>
+          </p:cNvPr>
+          <p:cNvSpPr>
+            <a:spLocks noGrp="1"/>
+          </p:cNvSpPr>
+          <p:nvPr>
+            <p:ph type="title"/>
+          </p:nvPr>
+        </p:nvSpPr>
+        <p:spPr/>
+        <p:txBody>
+          <a:bodyPr/>
+          <a:lstStyle/>
+          <a:p>
+            <a:r>
+              <a:rPr lang="en-US" altLang="zh-CN" dirty="0"/>
+              <a:t>Relay Chain protocol: A state machine</a:t>
+            </a:r>
+            <a:endParaRPr lang="zh-CN" altLang="en-US" dirty="0"/>
+          </a:p>
+        </p:txBody>
+      </p:sp>
+    </p:spTree>
+    <p:extLst>
+      <p:ext uri="{BB962C8B-B14F-4D97-AF65-F5344CB8AC3E}">
+        <p14:creationId xmlns:p14="http://schemas.microsoft.com/office/powerpoint/2010/main" val="745560625"/>
+      </p:ext>
+    </p:extLst>
+  </p:cSld>
+  <p:clrMapOvr>
+    <a:masterClrMapping/>
+  </p:clrMapOvr>
+</p:sld>
+</file>
+
+<file path=ppt/slides/slide12.xml><?xml version="1.0" encoding="utf-8"?>
+<p:sld xmlns:a="http://schemas.openxmlformats.org/drawingml/2006/main" xmlns:r="http://schemas.openxmlformats.org/officeDocument/2006/relationships" xmlns:p="http://schemas.openxmlformats.org/presentationml/2006/main">
+  <p:cSld>
+    <p:spTree>
+      <p:nvGrpSpPr>
+        <p:cNvPr id="1" name=""/>
+        <p:cNvGrpSpPr/>
+        <p:nvPr/>
+      </p:nvGrpSpPr>
+      <p:grpSpPr>
+        <a:xfrm>
+          <a:off x="0" y="0"/>
+          <a:ext cx="0" cy="0"/>
+          <a:chOff x="0" y="0"/>
+          <a:chExt cx="0" cy="0"/>
+        </a:xfrm>
+      </p:grpSpPr>
+      <p:sp>
+        <p:nvSpPr>
+          <p:cNvPr id="2" name="标题 1"/>
+          <p:cNvSpPr>
+            <a:spLocks noGrp="1"/>
+          </p:cNvSpPr>
+          <p:nvPr>
+            <p:ph type="title"/>
+          </p:nvPr>
+        </p:nvSpPr>
+        <p:spPr/>
+        <p:txBody>
+          <a:bodyPr>
+            <a:normAutofit fontScale="90000"/>
+          </a:bodyPr>
+          <a:lstStyle/>
+          <a:p>
+            <a:r>
+              <a:rPr lang="zh-CN" altLang="en-US" dirty="0">
+                <a:latin typeface="微软雅黑" panose="020B0503020204020204" pitchFamily="34" charset="-122"/>
+                <a:ea typeface="微软雅黑" panose="020B0503020204020204" pitchFamily="34" charset="-122"/>
+              </a:rPr>
+              <a:t>目录 </a:t>
+            </a:r>
+            <a:r>
+              <a:rPr lang="en-US" altLang="zh-CN" dirty="0">
+                <a:latin typeface="微软雅黑" panose="020B0503020204020204" pitchFamily="34" charset="-122"/>
+                <a:ea typeface="微软雅黑" panose="020B0503020204020204" pitchFamily="34" charset="-122"/>
+              </a:rPr>
+              <a:t>Contents</a:t>
+            </a:r>
+            <a:endParaRPr lang="zh-CN" altLang="en-US" dirty="0">
+              <a:latin typeface="微软雅黑" panose="020B0503020204020204" pitchFamily="34" charset="-122"/>
+              <a:ea typeface="微软雅黑" panose="020B0503020204020204" pitchFamily="34" charset="-122"/>
+            </a:endParaRPr>
+          </a:p>
+        </p:txBody>
+      </p:sp>
+      <p:sp>
+        <p:nvSpPr>
+          <p:cNvPr id="4" name="Freeform 10"/>
+          <p:cNvSpPr>
+            <a:spLocks/>
+          </p:cNvSpPr>
+          <p:nvPr userDrawn="1"/>
+        </p:nvSpPr>
+        <p:spPr bwMode="auto">
+          <a:xfrm>
+            <a:off x="1841535" y="1367357"/>
+            <a:ext cx="843427" cy="343858"/>
+          </a:xfrm>
+          <a:custGeom>
+            <a:avLst/>
+            <a:gdLst>
+              <a:gd name="T0" fmla="*/ 3120 w 3800"/>
+              <a:gd name="T1" fmla="*/ 0 h 1532"/>
+              <a:gd name="T2" fmla="*/ 682 w 3800"/>
+              <a:gd name="T3" fmla="*/ 0 h 1532"/>
+              <a:gd name="T4" fmla="*/ 682 w 3800"/>
+              <a:gd name="T5" fmla="*/ 284 h 1532"/>
+              <a:gd name="T6" fmla="*/ 0 w 3800"/>
+              <a:gd name="T7" fmla="*/ 766 h 1532"/>
+              <a:gd name="T8" fmla="*/ 682 w 3800"/>
+              <a:gd name="T9" fmla="*/ 1248 h 1532"/>
+              <a:gd name="T10" fmla="*/ 682 w 3800"/>
+              <a:gd name="T11" fmla="*/ 1532 h 1532"/>
+              <a:gd name="T12" fmla="*/ 3120 w 3800"/>
+              <a:gd name="T13" fmla="*/ 1532 h 1532"/>
+              <a:gd name="T14" fmla="*/ 3120 w 3800"/>
+              <a:gd name="T15" fmla="*/ 1248 h 1532"/>
+              <a:gd name="T16" fmla="*/ 3800 w 3800"/>
+              <a:gd name="T17" fmla="*/ 766 h 1532"/>
+              <a:gd name="T18" fmla="*/ 3120 w 3800"/>
+              <a:gd name="T19" fmla="*/ 284 h 1532"/>
+              <a:gd name="T20" fmla="*/ 3120 w 3800"/>
+              <a:gd name="T21" fmla="*/ 0 h 1532"/>
+            </a:gdLst>
+            <a:ahLst/>
+            <a:cxnLst>
+              <a:cxn ang="0">
+                <a:pos x="T0" y="T1"/>
+              </a:cxn>
+              <a:cxn ang="0">
+                <a:pos x="T2" y="T3"/>
+              </a:cxn>
+              <a:cxn ang="0">
+                <a:pos x="T4" y="T5"/>
+              </a:cxn>
+              <a:cxn ang="0">
+                <a:pos x="T6" y="T7"/>
+              </a:cxn>
+              <a:cxn ang="0">
+                <a:pos x="T8" y="T9"/>
+              </a:cxn>
+              <a:cxn ang="0">
+                <a:pos x="T10" y="T11"/>
+              </a:cxn>
+              <a:cxn ang="0">
+                <a:pos x="T12" y="T13"/>
+              </a:cxn>
+              <a:cxn ang="0">
+                <a:pos x="T14" y="T15"/>
+              </a:cxn>
+              <a:cxn ang="0">
+                <a:pos x="T16" y="T17"/>
+              </a:cxn>
+              <a:cxn ang="0">
+                <a:pos x="T18" y="T19"/>
+              </a:cxn>
+              <a:cxn ang="0">
+                <a:pos x="T20" y="T21"/>
+              </a:cxn>
+            </a:cxnLst>
+            <a:rect l="0" t="0" r="r" b="b"/>
+            <a:pathLst>
+              <a:path w="3800" h="1532">
+                <a:moveTo>
+                  <a:pt x="3120" y="0"/>
+                </a:moveTo>
+                <a:lnTo>
+                  <a:pt x="682" y="0"/>
+                </a:lnTo>
+                <a:lnTo>
+                  <a:pt x="682" y="284"/>
+                </a:lnTo>
+                <a:lnTo>
+                  <a:pt x="0" y="766"/>
+                </a:lnTo>
+                <a:lnTo>
+                  <a:pt x="682" y="1248"/>
+                </a:lnTo>
+                <a:lnTo>
+                  <a:pt x="682" y="1532"/>
+                </a:lnTo>
+                <a:lnTo>
+                  <a:pt x="3120" y="1532"/>
+                </a:lnTo>
+                <a:lnTo>
+                  <a:pt x="3120" y="1248"/>
+                </a:lnTo>
+                <a:lnTo>
+                  <a:pt x="3800" y="766"/>
+                </a:lnTo>
+                <a:lnTo>
+                  <a:pt x="3120" y="284"/>
+                </a:lnTo>
+                <a:lnTo>
+                  <a:pt x="3120" y="0"/>
+                </a:lnTo>
+                <a:close/>
+              </a:path>
+            </a:pathLst>
+          </a:custGeom>
+          <a:solidFill>
+            <a:schemeClr val="bg2"/>
+          </a:solidFill>
+          <a:ln>
+            <a:noFill/>
+          </a:ln>
+        </p:spPr>
+        <p:txBody>
+          <a:bodyPr vert="horz" wrap="square" lIns="91440" tIns="45720" rIns="91440" bIns="45720" numCol="1" anchor="ctr" anchorCtr="0" compatLnSpc="1">
+            <a:prstTxWarp prst="textNoShape">
+              <a:avLst/>
+            </a:prstTxWarp>
+            <a:noAutofit/>
+          </a:bodyPr>
+          <a:lstStyle/>
+          <a:p>
+            <a:pPr algn="ctr"/>
+            <a:endParaRPr lang="zh-CN" altLang="en-US" sz="3200" b="1"/>
+          </a:p>
+        </p:txBody>
+      </p:sp>
+      <p:sp>
+        <p:nvSpPr>
+          <p:cNvPr id="5" name="文本框 4"/>
+          <p:cNvSpPr txBox="1"/>
+          <p:nvPr userDrawn="1"/>
+        </p:nvSpPr>
+        <p:spPr>
+          <a:xfrm>
+            <a:off x="2071646" y="1303550"/>
+            <a:ext cx="383206" cy="443226"/>
+          </a:xfrm>
+          <a:prstGeom prst="rect">
+            <a:avLst/>
+          </a:prstGeom>
+          <a:noFill/>
+        </p:spPr>
+        <p:txBody>
+          <a:bodyPr wrap="none" rtlCol="0" anchor="ctr">
+            <a:noAutofit/>
+          </a:bodyPr>
+          <a:lstStyle/>
+          <a:p>
+            <a:pPr algn="ctr"/>
+            <a:r>
+              <a:rPr lang="en-US" altLang="zh-CN" b="1" dirty="0">
+                <a:solidFill>
+                  <a:schemeClr val="bg1"/>
+                </a:solidFill>
+                <a:latin typeface="微软雅黑" panose="020B0503020204020204" pitchFamily="34" charset="-122"/>
+                <a:ea typeface="微软雅黑" panose="020B0503020204020204" pitchFamily="34" charset="-122"/>
+              </a:rPr>
+              <a:t>1</a:t>
+            </a:r>
+            <a:endParaRPr lang="zh-CN" altLang="en-US" b="1" dirty="0">
+              <a:solidFill>
+                <a:schemeClr val="bg1"/>
+              </a:solidFill>
+              <a:latin typeface="微软雅黑" panose="020B0503020204020204" pitchFamily="34" charset="-122"/>
+              <a:ea typeface="微软雅黑" panose="020B0503020204020204" pitchFamily="34" charset="-122"/>
+            </a:endParaRPr>
+          </a:p>
+        </p:txBody>
+      </p:sp>
+      <p:cxnSp>
+        <p:nvCxnSpPr>
+          <p:cNvPr id="7" name="直接连接符 6"/>
+          <p:cNvCxnSpPr>
+            <a:stCxn id="4" idx="6"/>
+          </p:cNvCxnSpPr>
+          <p:nvPr/>
+        </p:nvCxnSpPr>
+        <p:spPr>
+          <a:xfrm>
+            <a:off x="2534033" y="1711215"/>
+            <a:ext cx="4500000" cy="0"/>
+          </a:xfrm>
+          <a:prstGeom prst="line">
+            <a:avLst/>
+          </a:prstGeom>
+          <a:ln>
+            <a:solidFill>
+              <a:schemeClr val="bg2"/>
+            </a:solidFill>
+          </a:ln>
+        </p:spPr>
+        <p:style>
+          <a:lnRef idx="1">
+            <a:schemeClr val="accent1"/>
+          </a:lnRef>
+          <a:fillRef idx="0">
+            <a:schemeClr val="accent1"/>
+          </a:fillRef>
+          <a:effectRef idx="0">
+            <a:schemeClr val="accent1"/>
+          </a:effectRef>
+          <a:fontRef idx="minor">
+            <a:schemeClr val="tx1"/>
+          </a:fontRef>
+        </p:style>
+      </p:cxnSp>
+      <p:sp>
+        <p:nvSpPr>
+          <p:cNvPr id="13" name="Freeform 10"/>
+          <p:cNvSpPr>
+            <a:spLocks/>
+          </p:cNvSpPr>
+          <p:nvPr userDrawn="1"/>
+        </p:nvSpPr>
+        <p:spPr bwMode="auto">
+          <a:xfrm>
+            <a:off x="1841535" y="2287330"/>
+            <a:ext cx="843427" cy="343858"/>
+          </a:xfrm>
+          <a:custGeom>
+            <a:avLst/>
+            <a:gdLst>
+              <a:gd name="T0" fmla="*/ 3120 w 3800"/>
+              <a:gd name="T1" fmla="*/ 0 h 1532"/>
+              <a:gd name="T2" fmla="*/ 682 w 3800"/>
+              <a:gd name="T3" fmla="*/ 0 h 1532"/>
+              <a:gd name="T4" fmla="*/ 682 w 3800"/>
+              <a:gd name="T5" fmla="*/ 284 h 1532"/>
+              <a:gd name="T6" fmla="*/ 0 w 3800"/>
+              <a:gd name="T7" fmla="*/ 766 h 1532"/>
+              <a:gd name="T8" fmla="*/ 682 w 3800"/>
+              <a:gd name="T9" fmla="*/ 1248 h 1532"/>
+              <a:gd name="T10" fmla="*/ 682 w 3800"/>
+              <a:gd name="T11" fmla="*/ 1532 h 1532"/>
+              <a:gd name="T12" fmla="*/ 3120 w 3800"/>
+              <a:gd name="T13" fmla="*/ 1532 h 1532"/>
+              <a:gd name="T14" fmla="*/ 3120 w 3800"/>
+              <a:gd name="T15" fmla="*/ 1248 h 1532"/>
+              <a:gd name="T16" fmla="*/ 3800 w 3800"/>
+              <a:gd name="T17" fmla="*/ 766 h 1532"/>
+              <a:gd name="T18" fmla="*/ 3120 w 3800"/>
+              <a:gd name="T19" fmla="*/ 284 h 1532"/>
+              <a:gd name="T20" fmla="*/ 3120 w 3800"/>
+              <a:gd name="T21" fmla="*/ 0 h 1532"/>
+            </a:gdLst>
+            <a:ahLst/>
+            <a:cxnLst>
+              <a:cxn ang="0">
+                <a:pos x="T0" y="T1"/>
+              </a:cxn>
+              <a:cxn ang="0">
+                <a:pos x="T2" y="T3"/>
+              </a:cxn>
+              <a:cxn ang="0">
+                <a:pos x="T4" y="T5"/>
+              </a:cxn>
+              <a:cxn ang="0">
+                <a:pos x="T6" y="T7"/>
+              </a:cxn>
+              <a:cxn ang="0">
+                <a:pos x="T8" y="T9"/>
+              </a:cxn>
+              <a:cxn ang="0">
+                <a:pos x="T10" y="T11"/>
+              </a:cxn>
+              <a:cxn ang="0">
+                <a:pos x="T12" y="T13"/>
+              </a:cxn>
+              <a:cxn ang="0">
+                <a:pos x="T14" y="T15"/>
+              </a:cxn>
+              <a:cxn ang="0">
+                <a:pos x="T16" y="T17"/>
+              </a:cxn>
+              <a:cxn ang="0">
+                <a:pos x="T18" y="T19"/>
+              </a:cxn>
+              <a:cxn ang="0">
+                <a:pos x="T20" y="T21"/>
+              </a:cxn>
+            </a:cxnLst>
+            <a:rect l="0" t="0" r="r" b="b"/>
+            <a:pathLst>
+              <a:path w="3800" h="1532">
+                <a:moveTo>
+                  <a:pt x="3120" y="0"/>
+                </a:moveTo>
+                <a:lnTo>
+                  <a:pt x="682" y="0"/>
+                </a:lnTo>
+                <a:lnTo>
+                  <a:pt x="682" y="284"/>
+                </a:lnTo>
+                <a:lnTo>
+                  <a:pt x="0" y="766"/>
+                </a:lnTo>
+                <a:lnTo>
+                  <a:pt x="682" y="1248"/>
+                </a:lnTo>
+                <a:lnTo>
+                  <a:pt x="682" y="1532"/>
+                </a:lnTo>
+                <a:lnTo>
+                  <a:pt x="3120" y="1532"/>
+                </a:lnTo>
+                <a:lnTo>
+                  <a:pt x="3120" y="1248"/>
+                </a:lnTo>
+                <a:lnTo>
+                  <a:pt x="3800" y="766"/>
+                </a:lnTo>
+                <a:lnTo>
+                  <a:pt x="3120" y="284"/>
+                </a:lnTo>
+                <a:lnTo>
+                  <a:pt x="3120" y="0"/>
+                </a:lnTo>
+                <a:close/>
+              </a:path>
+            </a:pathLst>
+          </a:custGeom>
+          <a:solidFill>
+            <a:schemeClr val="bg2"/>
+          </a:solidFill>
+          <a:ln>
+            <a:noFill/>
+          </a:ln>
+        </p:spPr>
+        <p:txBody>
+          <a:bodyPr vert="horz" wrap="square" lIns="91440" tIns="45720" rIns="91440" bIns="45720" numCol="1" anchor="ctr" anchorCtr="0" compatLnSpc="1">
+            <a:prstTxWarp prst="textNoShape">
+              <a:avLst/>
+            </a:prstTxWarp>
+            <a:noAutofit/>
+          </a:bodyPr>
+          <a:lstStyle/>
+          <a:p>
+            <a:pPr algn="ctr"/>
+            <a:endParaRPr lang="zh-CN" altLang="en-US" sz="3200" b="1"/>
+          </a:p>
+        </p:txBody>
+      </p:sp>
+      <p:sp>
+        <p:nvSpPr>
+          <p:cNvPr id="14" name="文本框 13"/>
+          <p:cNvSpPr txBox="1"/>
+          <p:nvPr userDrawn="1"/>
+        </p:nvSpPr>
+        <p:spPr>
+          <a:xfrm>
+            <a:off x="2071646" y="2223523"/>
+            <a:ext cx="383206" cy="443226"/>
+          </a:xfrm>
+          <a:prstGeom prst="rect">
+            <a:avLst/>
+          </a:prstGeom>
+          <a:noFill/>
+        </p:spPr>
+        <p:txBody>
+          <a:bodyPr wrap="none" rtlCol="0" anchor="ctr">
+            <a:noAutofit/>
+          </a:bodyPr>
+          <a:lstStyle/>
+          <a:p>
+            <a:pPr algn="ctr"/>
+            <a:r>
+              <a:rPr lang="en-US" altLang="zh-CN" b="1" dirty="0">
+                <a:solidFill>
+                  <a:schemeClr val="bg1"/>
+                </a:solidFill>
+                <a:latin typeface="微软雅黑" panose="020B0503020204020204" pitchFamily="34" charset="-122"/>
+                <a:ea typeface="微软雅黑" panose="020B0503020204020204" pitchFamily="34" charset="-122"/>
+              </a:rPr>
+              <a:t>2</a:t>
+            </a:r>
+            <a:endParaRPr lang="zh-CN" altLang="en-US" b="1" dirty="0">
+              <a:solidFill>
+                <a:schemeClr val="bg1"/>
+              </a:solidFill>
+              <a:latin typeface="微软雅黑" panose="020B0503020204020204" pitchFamily="34" charset="-122"/>
+              <a:ea typeface="微软雅黑" panose="020B0503020204020204" pitchFamily="34" charset="-122"/>
+            </a:endParaRPr>
+          </a:p>
+        </p:txBody>
+      </p:sp>
+      <p:cxnSp>
+        <p:nvCxnSpPr>
+          <p:cNvPr id="15" name="直接连接符 14"/>
+          <p:cNvCxnSpPr>
+            <a:stCxn id="13" idx="6"/>
+          </p:cNvCxnSpPr>
+          <p:nvPr/>
+        </p:nvCxnSpPr>
+        <p:spPr>
+          <a:xfrm>
+            <a:off x="2534033" y="2631188"/>
+            <a:ext cx="4500000" cy="0"/>
+          </a:xfrm>
+          <a:prstGeom prst="line">
+            <a:avLst/>
+          </a:prstGeom>
+          <a:ln>
+            <a:solidFill>
+              <a:schemeClr val="bg2"/>
+            </a:solidFill>
+          </a:ln>
+        </p:spPr>
+        <p:style>
+          <a:lnRef idx="1">
+            <a:schemeClr val="accent1"/>
+          </a:lnRef>
+          <a:fillRef idx="0">
+            <a:schemeClr val="accent1"/>
+          </a:fillRef>
+          <a:effectRef idx="0">
+            <a:schemeClr val="accent1"/>
+          </a:effectRef>
+          <a:fontRef idx="minor">
+            <a:schemeClr val="tx1"/>
+          </a:fontRef>
+        </p:style>
+      </p:cxnSp>
+      <p:sp>
+        <p:nvSpPr>
+          <p:cNvPr id="18" name="Freeform 10"/>
+          <p:cNvSpPr>
+            <a:spLocks/>
+          </p:cNvSpPr>
+          <p:nvPr userDrawn="1"/>
+        </p:nvSpPr>
+        <p:spPr bwMode="auto">
+          <a:xfrm>
+            <a:off x="1841535" y="3207303"/>
+            <a:ext cx="843427" cy="343858"/>
+          </a:xfrm>
+          <a:custGeom>
+            <a:avLst/>
+            <a:gdLst>
+              <a:gd name="T0" fmla="*/ 3120 w 3800"/>
+              <a:gd name="T1" fmla="*/ 0 h 1532"/>
+              <a:gd name="T2" fmla="*/ 682 w 3800"/>
+              <a:gd name="T3" fmla="*/ 0 h 1532"/>
+              <a:gd name="T4" fmla="*/ 682 w 3800"/>
+              <a:gd name="T5" fmla="*/ 284 h 1532"/>
+              <a:gd name="T6" fmla="*/ 0 w 3800"/>
+              <a:gd name="T7" fmla="*/ 766 h 1532"/>
+              <a:gd name="T8" fmla="*/ 682 w 3800"/>
+              <a:gd name="T9" fmla="*/ 1248 h 1532"/>
+              <a:gd name="T10" fmla="*/ 682 w 3800"/>
+              <a:gd name="T11" fmla="*/ 1532 h 1532"/>
+              <a:gd name="T12" fmla="*/ 3120 w 3800"/>
+              <a:gd name="T13" fmla="*/ 1532 h 1532"/>
+              <a:gd name="T14" fmla="*/ 3120 w 3800"/>
+              <a:gd name="T15" fmla="*/ 1248 h 1532"/>
+              <a:gd name="T16" fmla="*/ 3800 w 3800"/>
+              <a:gd name="T17" fmla="*/ 766 h 1532"/>
+              <a:gd name="T18" fmla="*/ 3120 w 3800"/>
+              <a:gd name="T19" fmla="*/ 284 h 1532"/>
+              <a:gd name="T20" fmla="*/ 3120 w 3800"/>
+              <a:gd name="T21" fmla="*/ 0 h 1532"/>
+            </a:gdLst>
+            <a:ahLst/>
+            <a:cxnLst>
+              <a:cxn ang="0">
+                <a:pos x="T0" y="T1"/>
+              </a:cxn>
+              <a:cxn ang="0">
+                <a:pos x="T2" y="T3"/>
+              </a:cxn>
+              <a:cxn ang="0">
+                <a:pos x="T4" y="T5"/>
+              </a:cxn>
+              <a:cxn ang="0">
+                <a:pos x="T6" y="T7"/>
+              </a:cxn>
+              <a:cxn ang="0">
+                <a:pos x="T8" y="T9"/>
+              </a:cxn>
+              <a:cxn ang="0">
+                <a:pos x="T10" y="T11"/>
+              </a:cxn>
+              <a:cxn ang="0">
+                <a:pos x="T12" y="T13"/>
+              </a:cxn>
+              <a:cxn ang="0">
+                <a:pos x="T14" y="T15"/>
+              </a:cxn>
+              <a:cxn ang="0">
+                <a:pos x="T16" y="T17"/>
+              </a:cxn>
+              <a:cxn ang="0">
+                <a:pos x="T18" y="T19"/>
+              </a:cxn>
+              <a:cxn ang="0">
+                <a:pos x="T20" y="T21"/>
+              </a:cxn>
+            </a:cxnLst>
+            <a:rect l="0" t="0" r="r" b="b"/>
+            <a:pathLst>
+              <a:path w="3800" h="1532">
+                <a:moveTo>
+                  <a:pt x="3120" y="0"/>
+                </a:moveTo>
+                <a:lnTo>
+                  <a:pt x="682" y="0"/>
+                </a:lnTo>
+                <a:lnTo>
+                  <a:pt x="682" y="284"/>
+                </a:lnTo>
+                <a:lnTo>
+                  <a:pt x="0" y="766"/>
+                </a:lnTo>
+                <a:lnTo>
+                  <a:pt x="682" y="1248"/>
+                </a:lnTo>
+                <a:lnTo>
+                  <a:pt x="682" y="1532"/>
+                </a:lnTo>
+                <a:lnTo>
+                  <a:pt x="3120" y="1532"/>
+                </a:lnTo>
+                <a:lnTo>
+                  <a:pt x="3120" y="1248"/>
+                </a:lnTo>
+                <a:lnTo>
+                  <a:pt x="3800" y="766"/>
+                </a:lnTo>
+                <a:lnTo>
+                  <a:pt x="3120" y="284"/>
+                </a:lnTo>
+                <a:lnTo>
+                  <a:pt x="3120" y="0"/>
+                </a:lnTo>
+                <a:close/>
+              </a:path>
+            </a:pathLst>
+          </a:custGeom>
+          <a:solidFill>
+            <a:schemeClr val="accent1"/>
+          </a:solidFill>
+          <a:ln>
+            <a:noFill/>
+          </a:ln>
+        </p:spPr>
+        <p:txBody>
+          <a:bodyPr vert="horz" wrap="square" lIns="91440" tIns="45720" rIns="91440" bIns="45720" numCol="1" anchor="ctr" anchorCtr="0" compatLnSpc="1">
+            <a:prstTxWarp prst="textNoShape">
+              <a:avLst/>
+            </a:prstTxWarp>
+            <a:noAutofit/>
+          </a:bodyPr>
+          <a:lstStyle/>
+          <a:p>
+            <a:pPr algn="ctr"/>
+            <a:endParaRPr lang="zh-CN" altLang="en-US" sz="3200" b="1"/>
+          </a:p>
+        </p:txBody>
+      </p:sp>
+      <p:sp>
+        <p:nvSpPr>
+          <p:cNvPr id="19" name="文本框 18"/>
+          <p:cNvSpPr txBox="1"/>
+          <p:nvPr userDrawn="1"/>
+        </p:nvSpPr>
+        <p:spPr>
+          <a:xfrm>
+            <a:off x="2071646" y="3143496"/>
+            <a:ext cx="383206" cy="443226"/>
+          </a:xfrm>
+          <a:prstGeom prst="rect">
+            <a:avLst/>
+          </a:prstGeom>
+          <a:noFill/>
+        </p:spPr>
+        <p:txBody>
+          <a:bodyPr wrap="none" rtlCol="0" anchor="ctr">
+            <a:noAutofit/>
+          </a:bodyPr>
+          <a:lstStyle/>
+          <a:p>
+            <a:pPr algn="ctr"/>
+            <a:r>
+              <a:rPr lang="en-US" altLang="zh-CN" b="1" dirty="0">
+                <a:solidFill>
+                  <a:schemeClr val="bg1"/>
+                </a:solidFill>
+                <a:latin typeface="微软雅黑" panose="020B0503020204020204" pitchFamily="34" charset="-122"/>
+                <a:ea typeface="微软雅黑" panose="020B0503020204020204" pitchFamily="34" charset="-122"/>
+              </a:rPr>
+              <a:t>3</a:t>
+            </a:r>
+            <a:endParaRPr lang="zh-CN" altLang="en-US" b="1" dirty="0">
+              <a:solidFill>
+                <a:schemeClr val="bg1"/>
+              </a:solidFill>
+              <a:latin typeface="微软雅黑" panose="020B0503020204020204" pitchFamily="34" charset="-122"/>
+              <a:ea typeface="微软雅黑" panose="020B0503020204020204" pitchFamily="34" charset="-122"/>
+            </a:endParaRPr>
+          </a:p>
+        </p:txBody>
+      </p:sp>
+      <p:cxnSp>
+        <p:nvCxnSpPr>
+          <p:cNvPr id="20" name="直接连接符 19"/>
+          <p:cNvCxnSpPr>
+            <a:stCxn id="18" idx="6"/>
+          </p:cNvCxnSpPr>
+          <p:nvPr/>
+        </p:nvCxnSpPr>
+        <p:spPr>
+          <a:xfrm>
+            <a:off x="2534033" y="3551161"/>
+            <a:ext cx="4500000" cy="0"/>
+          </a:xfrm>
+          <a:prstGeom prst="line">
+            <a:avLst/>
+          </a:prstGeom>
+          <a:ln>
+            <a:solidFill>
+              <a:schemeClr val="accent1"/>
+            </a:solidFill>
+          </a:ln>
+        </p:spPr>
+        <p:style>
+          <a:lnRef idx="1">
+            <a:schemeClr val="accent1"/>
+          </a:lnRef>
+          <a:fillRef idx="0">
+            <a:schemeClr val="accent1"/>
+          </a:fillRef>
+          <a:effectRef idx="0">
+            <a:schemeClr val="accent1"/>
+          </a:effectRef>
+          <a:fontRef idx="minor">
+            <a:schemeClr val="tx1"/>
+          </a:fontRef>
+        </p:style>
+      </p:cxnSp>
+      <p:sp>
+        <p:nvSpPr>
+          <p:cNvPr id="21" name="文本框 20"/>
+          <p:cNvSpPr txBox="1"/>
+          <p:nvPr/>
+        </p:nvSpPr>
+        <p:spPr>
+          <a:xfrm>
+            <a:off x="2915073" y="3114680"/>
+            <a:ext cx="4387392" cy="461665"/>
+          </a:xfrm>
+          <a:prstGeom prst="rect">
+            <a:avLst/>
+          </a:prstGeom>
+          <a:noFill/>
+        </p:spPr>
+        <p:txBody>
+          <a:bodyPr wrap="square" rtlCol="0">
+            <a:spAutoFit/>
+          </a:bodyPr>
+          <a:lstStyle/>
+          <a:p>
+            <a:r>
+              <a:rPr lang="zh-CN" altLang="en-US" sz="2400" dirty="0">
+                <a:solidFill>
+                  <a:schemeClr val="tx1">
+                    <a:lumMod val="75000"/>
+                    <a:lumOff val="25000"/>
+                  </a:schemeClr>
+                </a:solidFill>
+              </a:rPr>
+              <a:t>有页码版式</a:t>
+            </a:r>
+          </a:p>
+        </p:txBody>
+      </p:sp>
+      <p:sp>
+        <p:nvSpPr>
+          <p:cNvPr id="23" name="Freeform 10"/>
+          <p:cNvSpPr>
+            <a:spLocks/>
+          </p:cNvSpPr>
+          <p:nvPr userDrawn="1"/>
+        </p:nvSpPr>
+        <p:spPr bwMode="auto">
+          <a:xfrm>
+            <a:off x="1841535" y="4127276"/>
+            <a:ext cx="843427" cy="343858"/>
+          </a:xfrm>
+          <a:custGeom>
+            <a:avLst/>
+            <a:gdLst>
+              <a:gd name="T0" fmla="*/ 3120 w 3800"/>
+              <a:gd name="T1" fmla="*/ 0 h 1532"/>
+              <a:gd name="T2" fmla="*/ 682 w 3800"/>
+              <a:gd name="T3" fmla="*/ 0 h 1532"/>
+              <a:gd name="T4" fmla="*/ 682 w 3800"/>
+              <a:gd name="T5" fmla="*/ 284 h 1532"/>
+              <a:gd name="T6" fmla="*/ 0 w 3800"/>
+              <a:gd name="T7" fmla="*/ 766 h 1532"/>
+              <a:gd name="T8" fmla="*/ 682 w 3800"/>
+              <a:gd name="T9" fmla="*/ 1248 h 1532"/>
+              <a:gd name="T10" fmla="*/ 682 w 3800"/>
+              <a:gd name="T11" fmla="*/ 1532 h 1532"/>
+              <a:gd name="T12" fmla="*/ 3120 w 3800"/>
+              <a:gd name="T13" fmla="*/ 1532 h 1532"/>
+              <a:gd name="T14" fmla="*/ 3120 w 3800"/>
+              <a:gd name="T15" fmla="*/ 1248 h 1532"/>
+              <a:gd name="T16" fmla="*/ 3800 w 3800"/>
+              <a:gd name="T17" fmla="*/ 766 h 1532"/>
+              <a:gd name="T18" fmla="*/ 3120 w 3800"/>
+              <a:gd name="T19" fmla="*/ 284 h 1532"/>
+              <a:gd name="T20" fmla="*/ 3120 w 3800"/>
+              <a:gd name="T21" fmla="*/ 0 h 1532"/>
+            </a:gdLst>
+            <a:ahLst/>
+            <a:cxnLst>
+              <a:cxn ang="0">
+                <a:pos x="T0" y="T1"/>
+              </a:cxn>
+              <a:cxn ang="0">
+                <a:pos x="T2" y="T3"/>
+              </a:cxn>
+              <a:cxn ang="0">
+                <a:pos x="T4" y="T5"/>
+              </a:cxn>
+              <a:cxn ang="0">
+                <a:pos x="T6" y="T7"/>
+              </a:cxn>
+              <a:cxn ang="0">
+                <a:pos x="T8" y="T9"/>
+              </a:cxn>
+              <a:cxn ang="0">
+                <a:pos x="T10" y="T11"/>
+              </a:cxn>
+              <a:cxn ang="0">
+                <a:pos x="T12" y="T13"/>
+              </a:cxn>
+              <a:cxn ang="0">
+                <a:pos x="T14" y="T15"/>
+              </a:cxn>
+              <a:cxn ang="0">
+                <a:pos x="T16" y="T17"/>
+              </a:cxn>
+              <a:cxn ang="0">
+                <a:pos x="T18" y="T19"/>
+              </a:cxn>
+              <a:cxn ang="0">
+                <a:pos x="T20" y="T21"/>
+              </a:cxn>
+            </a:cxnLst>
+            <a:rect l="0" t="0" r="r" b="b"/>
+            <a:pathLst>
+              <a:path w="3800" h="1532">
+                <a:moveTo>
+                  <a:pt x="3120" y="0"/>
+                </a:moveTo>
+                <a:lnTo>
+                  <a:pt x="682" y="0"/>
+                </a:lnTo>
+                <a:lnTo>
+                  <a:pt x="682" y="284"/>
+                </a:lnTo>
+                <a:lnTo>
+                  <a:pt x="0" y="766"/>
+                </a:lnTo>
+                <a:lnTo>
+                  <a:pt x="682" y="1248"/>
+                </a:lnTo>
+                <a:lnTo>
+                  <a:pt x="682" y="1532"/>
+                </a:lnTo>
+                <a:lnTo>
+                  <a:pt x="3120" y="1532"/>
+                </a:lnTo>
+                <a:lnTo>
+                  <a:pt x="3120" y="1248"/>
+                </a:lnTo>
+                <a:lnTo>
+                  <a:pt x="3800" y="766"/>
+                </a:lnTo>
+                <a:lnTo>
+                  <a:pt x="3120" y="284"/>
+                </a:lnTo>
+                <a:lnTo>
+                  <a:pt x="3120" y="0"/>
+                </a:lnTo>
+                <a:close/>
+              </a:path>
+            </a:pathLst>
+          </a:custGeom>
+          <a:solidFill>
+            <a:schemeClr val="bg2"/>
+          </a:solidFill>
+          <a:ln>
+            <a:noFill/>
+          </a:ln>
+        </p:spPr>
+        <p:txBody>
+          <a:bodyPr vert="horz" wrap="square" lIns="91440" tIns="45720" rIns="91440" bIns="45720" numCol="1" anchor="ctr" anchorCtr="0" compatLnSpc="1">
+            <a:prstTxWarp prst="textNoShape">
+              <a:avLst/>
+            </a:prstTxWarp>
+            <a:noAutofit/>
+          </a:bodyPr>
+          <a:lstStyle/>
+          <a:p>
+            <a:pPr algn="ctr"/>
+            <a:endParaRPr lang="zh-CN" altLang="en-US" sz="3200" b="1"/>
+          </a:p>
+        </p:txBody>
+      </p:sp>
+      <p:sp>
+        <p:nvSpPr>
+          <p:cNvPr id="24" name="文本框 23"/>
+          <p:cNvSpPr txBox="1"/>
+          <p:nvPr userDrawn="1"/>
+        </p:nvSpPr>
+        <p:spPr>
+          <a:xfrm>
+            <a:off x="2071646" y="4063469"/>
+            <a:ext cx="383206" cy="443226"/>
+          </a:xfrm>
+          <a:prstGeom prst="rect">
+            <a:avLst/>
+          </a:prstGeom>
+          <a:noFill/>
+        </p:spPr>
+        <p:txBody>
+          <a:bodyPr wrap="none" rtlCol="0" anchor="ctr">
+            <a:noAutofit/>
+          </a:bodyPr>
+          <a:lstStyle/>
+          <a:p>
+            <a:pPr algn="ctr"/>
+            <a:r>
+              <a:rPr lang="en-US" altLang="zh-CN" b="1" dirty="0">
+                <a:solidFill>
+                  <a:schemeClr val="bg1"/>
+                </a:solidFill>
+                <a:latin typeface="微软雅黑" panose="020B0503020204020204" pitchFamily="34" charset="-122"/>
+                <a:ea typeface="微软雅黑" panose="020B0503020204020204" pitchFamily="34" charset="-122"/>
+              </a:rPr>
+              <a:t>4</a:t>
+            </a:r>
+            <a:endParaRPr lang="zh-CN" altLang="en-US" b="1" dirty="0">
+              <a:solidFill>
+                <a:schemeClr val="bg1"/>
+              </a:solidFill>
+              <a:latin typeface="微软雅黑" panose="020B0503020204020204" pitchFamily="34" charset="-122"/>
+              <a:ea typeface="微软雅黑" panose="020B0503020204020204" pitchFamily="34" charset="-122"/>
+            </a:endParaRPr>
+          </a:p>
+        </p:txBody>
+      </p:sp>
+      <p:cxnSp>
+        <p:nvCxnSpPr>
+          <p:cNvPr id="25" name="直接连接符 24"/>
+          <p:cNvCxnSpPr>
+            <a:stCxn id="23" idx="6"/>
+          </p:cNvCxnSpPr>
+          <p:nvPr/>
+        </p:nvCxnSpPr>
+        <p:spPr>
+          <a:xfrm>
+            <a:off x="2534033" y="4471134"/>
+            <a:ext cx="4500000" cy="0"/>
+          </a:xfrm>
+          <a:prstGeom prst="line">
+            <a:avLst/>
+          </a:prstGeom>
+          <a:ln>
+            <a:solidFill>
+              <a:schemeClr val="bg2"/>
+            </a:solidFill>
+          </a:ln>
+        </p:spPr>
+        <p:style>
+          <a:lnRef idx="1">
+            <a:schemeClr val="accent1"/>
+          </a:lnRef>
+          <a:fillRef idx="0">
+            <a:schemeClr val="accent1"/>
+          </a:fillRef>
+          <a:effectRef idx="0">
+            <a:schemeClr val="accent1"/>
+          </a:effectRef>
+          <a:fontRef idx="minor">
+            <a:schemeClr val="tx1"/>
+          </a:fontRef>
+        </p:style>
+      </p:cxnSp>
+      <p:sp>
+        <p:nvSpPr>
+          <p:cNvPr id="26" name="文本框 25"/>
+          <p:cNvSpPr txBox="1"/>
+          <p:nvPr/>
+        </p:nvSpPr>
+        <p:spPr>
+          <a:xfrm>
+            <a:off x="2915073" y="4034653"/>
+            <a:ext cx="4387392" cy="461665"/>
+          </a:xfrm>
+          <a:prstGeom prst="rect">
+            <a:avLst/>
+          </a:prstGeom>
+          <a:noFill/>
+        </p:spPr>
+        <p:txBody>
+          <a:bodyPr wrap="square" rtlCol="0">
+            <a:spAutoFit/>
+          </a:bodyPr>
+          <a:lstStyle/>
+          <a:p>
+            <a:r>
+              <a:rPr lang="zh-CN" altLang="en-US" sz="2400" dirty="0">
+                <a:solidFill>
+                  <a:schemeClr val="tx1">
+                    <a:lumMod val="75000"/>
+                    <a:lumOff val="25000"/>
+                  </a:schemeClr>
+                </a:solidFill>
+              </a:rPr>
+              <a:t>图形与配色</a:t>
+            </a:r>
+          </a:p>
+        </p:txBody>
+      </p:sp>
+      <p:sp>
+        <p:nvSpPr>
+          <p:cNvPr id="33" name="Freeform 10"/>
+          <p:cNvSpPr>
+            <a:spLocks/>
+          </p:cNvSpPr>
+          <p:nvPr userDrawn="1"/>
+        </p:nvSpPr>
+        <p:spPr bwMode="auto">
+          <a:xfrm>
+            <a:off x="1841535" y="5047251"/>
+            <a:ext cx="843427" cy="343858"/>
+          </a:xfrm>
+          <a:custGeom>
+            <a:avLst/>
+            <a:gdLst>
+              <a:gd name="T0" fmla="*/ 3120 w 3800"/>
+              <a:gd name="T1" fmla="*/ 0 h 1532"/>
+              <a:gd name="T2" fmla="*/ 682 w 3800"/>
+              <a:gd name="T3" fmla="*/ 0 h 1532"/>
+              <a:gd name="T4" fmla="*/ 682 w 3800"/>
+              <a:gd name="T5" fmla="*/ 284 h 1532"/>
+              <a:gd name="T6" fmla="*/ 0 w 3800"/>
+              <a:gd name="T7" fmla="*/ 766 h 1532"/>
+              <a:gd name="T8" fmla="*/ 682 w 3800"/>
+              <a:gd name="T9" fmla="*/ 1248 h 1532"/>
+              <a:gd name="T10" fmla="*/ 682 w 3800"/>
+              <a:gd name="T11" fmla="*/ 1532 h 1532"/>
+              <a:gd name="T12" fmla="*/ 3120 w 3800"/>
+              <a:gd name="T13" fmla="*/ 1532 h 1532"/>
+              <a:gd name="T14" fmla="*/ 3120 w 3800"/>
+              <a:gd name="T15" fmla="*/ 1248 h 1532"/>
+              <a:gd name="T16" fmla="*/ 3800 w 3800"/>
+              <a:gd name="T17" fmla="*/ 766 h 1532"/>
+              <a:gd name="T18" fmla="*/ 3120 w 3800"/>
+              <a:gd name="T19" fmla="*/ 284 h 1532"/>
+              <a:gd name="T20" fmla="*/ 3120 w 3800"/>
+              <a:gd name="T21" fmla="*/ 0 h 1532"/>
+            </a:gdLst>
+            <a:ahLst/>
+            <a:cxnLst>
+              <a:cxn ang="0">
+                <a:pos x="T0" y="T1"/>
+              </a:cxn>
+              <a:cxn ang="0">
+                <a:pos x="T2" y="T3"/>
+              </a:cxn>
+              <a:cxn ang="0">
+                <a:pos x="T4" y="T5"/>
+              </a:cxn>
+              <a:cxn ang="0">
+                <a:pos x="T6" y="T7"/>
+              </a:cxn>
+              <a:cxn ang="0">
+                <a:pos x="T8" y="T9"/>
+              </a:cxn>
+              <a:cxn ang="0">
+                <a:pos x="T10" y="T11"/>
+              </a:cxn>
+              <a:cxn ang="0">
+                <a:pos x="T12" y="T13"/>
+              </a:cxn>
+              <a:cxn ang="0">
+                <a:pos x="T14" y="T15"/>
+              </a:cxn>
+              <a:cxn ang="0">
+                <a:pos x="T16" y="T17"/>
+              </a:cxn>
+              <a:cxn ang="0">
+                <a:pos x="T18" y="T19"/>
+              </a:cxn>
+              <a:cxn ang="0">
+                <a:pos x="T20" y="T21"/>
+              </a:cxn>
+            </a:cxnLst>
+            <a:rect l="0" t="0" r="r" b="b"/>
+            <a:pathLst>
+              <a:path w="3800" h="1532">
+                <a:moveTo>
+                  <a:pt x="3120" y="0"/>
+                </a:moveTo>
+                <a:lnTo>
+                  <a:pt x="682" y="0"/>
+                </a:lnTo>
+                <a:lnTo>
+                  <a:pt x="682" y="284"/>
+                </a:lnTo>
+                <a:lnTo>
+                  <a:pt x="0" y="766"/>
+                </a:lnTo>
+                <a:lnTo>
+                  <a:pt x="682" y="1248"/>
+                </a:lnTo>
+                <a:lnTo>
+                  <a:pt x="682" y="1532"/>
+                </a:lnTo>
+                <a:lnTo>
+                  <a:pt x="3120" y="1532"/>
+                </a:lnTo>
+                <a:lnTo>
+                  <a:pt x="3120" y="1248"/>
+                </a:lnTo>
+                <a:lnTo>
+                  <a:pt x="3800" y="766"/>
+                </a:lnTo>
+                <a:lnTo>
+                  <a:pt x="3120" y="284"/>
+                </a:lnTo>
+                <a:lnTo>
+                  <a:pt x="3120" y="0"/>
+                </a:lnTo>
+                <a:close/>
+              </a:path>
+            </a:pathLst>
+          </a:custGeom>
+          <a:solidFill>
+            <a:schemeClr val="bg2"/>
+          </a:solidFill>
+          <a:ln>
+            <a:noFill/>
+          </a:ln>
+        </p:spPr>
+        <p:txBody>
+          <a:bodyPr vert="horz" wrap="square" lIns="91440" tIns="45720" rIns="91440" bIns="45720" numCol="1" anchor="ctr" anchorCtr="0" compatLnSpc="1">
+            <a:prstTxWarp prst="textNoShape">
+              <a:avLst/>
+            </a:prstTxWarp>
+            <a:noAutofit/>
+          </a:bodyPr>
+          <a:lstStyle/>
+          <a:p>
+            <a:pPr algn="ctr"/>
+            <a:endParaRPr lang="zh-CN" altLang="en-US" sz="3200" b="1"/>
+          </a:p>
+        </p:txBody>
+      </p:sp>
+      <p:sp>
+        <p:nvSpPr>
+          <p:cNvPr id="34" name="文本框 33"/>
+          <p:cNvSpPr txBox="1"/>
+          <p:nvPr userDrawn="1"/>
+        </p:nvSpPr>
+        <p:spPr>
+          <a:xfrm>
+            <a:off x="2071646" y="4983444"/>
+            <a:ext cx="383206" cy="443226"/>
+          </a:xfrm>
+          <a:prstGeom prst="rect">
+            <a:avLst/>
+          </a:prstGeom>
+          <a:noFill/>
+        </p:spPr>
+        <p:txBody>
+          <a:bodyPr wrap="none" rtlCol="0" anchor="ctr">
+            <a:noAutofit/>
+          </a:bodyPr>
+          <a:lstStyle/>
+          <a:p>
+            <a:pPr algn="ctr"/>
+            <a:r>
+              <a:rPr lang="en-US" altLang="zh-CN" b="1" dirty="0">
+                <a:solidFill>
+                  <a:schemeClr val="bg1"/>
+                </a:solidFill>
+                <a:latin typeface="微软雅黑" panose="020B0503020204020204" pitchFamily="34" charset="-122"/>
+                <a:ea typeface="微软雅黑" panose="020B0503020204020204" pitchFamily="34" charset="-122"/>
+              </a:rPr>
+              <a:t>5</a:t>
+            </a:r>
+            <a:endParaRPr lang="zh-CN" altLang="en-US" b="1" dirty="0">
+              <a:solidFill>
+                <a:schemeClr val="bg1"/>
+              </a:solidFill>
+              <a:latin typeface="微软雅黑" panose="020B0503020204020204" pitchFamily="34" charset="-122"/>
+              <a:ea typeface="微软雅黑" panose="020B0503020204020204" pitchFamily="34" charset="-122"/>
+            </a:endParaRPr>
+          </a:p>
+        </p:txBody>
+      </p:sp>
+      <p:cxnSp>
+        <p:nvCxnSpPr>
+          <p:cNvPr id="35" name="直接连接符 34"/>
+          <p:cNvCxnSpPr>
+            <a:stCxn id="33" idx="6"/>
+          </p:cNvCxnSpPr>
+          <p:nvPr/>
+        </p:nvCxnSpPr>
+        <p:spPr>
+          <a:xfrm>
+            <a:off x="2534033" y="5391109"/>
+            <a:ext cx="4500000" cy="0"/>
+          </a:xfrm>
+          <a:prstGeom prst="line">
+            <a:avLst/>
+          </a:prstGeom>
+          <a:ln>
+            <a:solidFill>
+              <a:schemeClr val="bg2"/>
+            </a:solidFill>
+          </a:ln>
+        </p:spPr>
+        <p:style>
+          <a:lnRef idx="1">
+            <a:schemeClr val="accent1"/>
+          </a:lnRef>
+          <a:fillRef idx="0">
+            <a:schemeClr val="accent1"/>
+          </a:fillRef>
+          <a:effectRef idx="0">
+            <a:schemeClr val="accent1"/>
+          </a:effectRef>
+          <a:fontRef idx="minor">
+            <a:schemeClr val="tx1"/>
+          </a:fontRef>
+        </p:style>
+      </p:cxnSp>
+      <p:sp>
+        <p:nvSpPr>
+          <p:cNvPr id="36" name="文本框 35"/>
+          <p:cNvSpPr txBox="1"/>
+          <p:nvPr/>
+        </p:nvSpPr>
+        <p:spPr>
+          <a:xfrm>
+            <a:off x="2915073" y="4954628"/>
+            <a:ext cx="4387392" cy="461665"/>
+          </a:xfrm>
+          <a:prstGeom prst="rect">
+            <a:avLst/>
+          </a:prstGeom>
+          <a:noFill/>
+        </p:spPr>
+        <p:txBody>
+          <a:bodyPr wrap="square" rtlCol="0">
+            <a:spAutoFit/>
+          </a:bodyPr>
+          <a:lstStyle/>
+          <a:p>
+            <a:r>
+              <a:rPr lang="zh-CN" altLang="en-US" sz="2400" dirty="0">
+                <a:solidFill>
+                  <a:schemeClr val="tx1">
+                    <a:lumMod val="75000"/>
+                    <a:lumOff val="25000"/>
+                  </a:schemeClr>
+                </a:solidFill>
+              </a:rPr>
+              <a:t>图片处理及排版</a:t>
+            </a:r>
+          </a:p>
+        </p:txBody>
+      </p:sp>
+      <p:sp>
+        <p:nvSpPr>
+          <p:cNvPr id="27" name="文本框 26">
+            <a:extLst>
+              <a:ext uri="{FF2B5EF4-FFF2-40B4-BE49-F238E27FC236}">
+                <a16:creationId xmlns:a16="http://schemas.microsoft.com/office/drawing/2014/main" id="{C293F93C-C1A3-439F-A262-E1905B2857D9}"/>
+              </a:ext>
+            </a:extLst>
+          </p:cNvPr>
+          <p:cNvSpPr txBox="1"/>
+          <p:nvPr/>
+        </p:nvSpPr>
+        <p:spPr>
+          <a:xfrm>
+            <a:off x="2915072" y="1274734"/>
+            <a:ext cx="6125295" cy="461665"/>
+          </a:xfrm>
+          <a:prstGeom prst="rect">
+            <a:avLst/>
+          </a:prstGeom>
+          <a:noFill/>
+        </p:spPr>
+        <p:txBody>
+          <a:bodyPr wrap="square" rtlCol="0">
+            <a:spAutoFit/>
+          </a:bodyPr>
+          <a:lstStyle/>
+          <a:p>
+            <a:r>
+              <a:rPr lang="en-GB" altLang="zh-CN" sz="2400" dirty="0" err="1"/>
+              <a:t>NPoS</a:t>
+            </a:r>
+            <a:r>
+              <a:rPr lang="en-GB" altLang="zh-CN" sz="2400" dirty="0"/>
+              <a:t> and Validator election</a:t>
+            </a:r>
+            <a:endParaRPr lang="zh-CN" altLang="en-US" sz="2400" dirty="0"/>
+          </a:p>
+        </p:txBody>
+      </p:sp>
+      <p:sp>
+        <p:nvSpPr>
+          <p:cNvPr id="28" name="文本框 27">
+            <a:extLst>
+              <a:ext uri="{FF2B5EF4-FFF2-40B4-BE49-F238E27FC236}">
+                <a16:creationId xmlns:a16="http://schemas.microsoft.com/office/drawing/2014/main" id="{99EAB6ED-066D-4735-9417-28930BB854F6}"/>
+              </a:ext>
+            </a:extLst>
+          </p:cNvPr>
+          <p:cNvSpPr txBox="1"/>
+          <p:nvPr/>
+        </p:nvSpPr>
+        <p:spPr>
+          <a:xfrm>
+            <a:off x="2915073" y="2194707"/>
+            <a:ext cx="4387392" cy="461665"/>
+          </a:xfrm>
+          <a:prstGeom prst="rect">
+            <a:avLst/>
+          </a:prstGeom>
+          <a:noFill/>
+        </p:spPr>
+        <p:txBody>
+          <a:bodyPr wrap="square" rtlCol="0">
+            <a:spAutoFit/>
+          </a:bodyPr>
+          <a:lstStyle/>
+          <a:p>
+            <a:r>
+              <a:rPr lang="en-US" altLang="zh-CN" sz="2400" dirty="0">
+                <a:solidFill>
+                  <a:schemeClr val="tx1">
+                    <a:lumMod val="75000"/>
+                    <a:lumOff val="25000"/>
+                  </a:schemeClr>
+                </a:solidFill>
+              </a:rPr>
+              <a:t>Relay Chain State Machine</a:t>
+            </a:r>
+            <a:endParaRPr lang="zh-CN" altLang="en-US" sz="2400" dirty="0">
+              <a:solidFill>
+                <a:schemeClr val="tx1">
+                  <a:lumMod val="75000"/>
+                  <a:lumOff val="25000"/>
+                </a:schemeClr>
+              </a:solidFill>
+            </a:endParaRPr>
+          </a:p>
+        </p:txBody>
+      </p:sp>
+    </p:spTree>
+    <p:extLst>
+      <p:ext uri="{BB962C8B-B14F-4D97-AF65-F5344CB8AC3E}">
+        <p14:creationId xmlns:p14="http://schemas.microsoft.com/office/powerpoint/2010/main" val="2473960281"/>
+      </p:ext>
+    </p:extLst>
+  </p:cSld>
+  <p:clrMapOvr>
+    <a:masterClrMapping/>
+  </p:clrMapOvr>
+</p:sld>
+</file>
+
+<file path=ppt/slides/slide13.xml><?xml version="1.0" encoding="utf-8"?>
+<p:sld xmlns:a="http://schemas.openxmlformats.org/drawingml/2006/main" xmlns:r="http://schemas.openxmlformats.org/officeDocument/2006/relationships" xmlns:p="http://schemas.openxmlformats.org/presentationml/2006/main">
+  <p:cSld>
+    <p:spTree>
+      <p:nvGrpSpPr>
+        <p:cNvPr id="1" name=""/>
+        <p:cNvGrpSpPr/>
+        <p:nvPr/>
+      </p:nvGrpSpPr>
+      <p:grpSpPr>
+        <a:xfrm>
+          <a:off x="0" y="0"/>
+          <a:ext cx="0" cy="0"/>
+          <a:chOff x="0" y="0"/>
+          <a:chExt cx="0" cy="0"/>
+        </a:xfrm>
+      </p:grpSpPr>
+      <p:sp>
+        <p:nvSpPr>
+          <p:cNvPr id="2" name="标题 1"/>
+          <p:cNvSpPr>
+            <a:spLocks noGrp="1"/>
+          </p:cNvSpPr>
+          <p:nvPr>
+            <p:ph type="title"/>
+          </p:nvPr>
+        </p:nvSpPr>
+        <p:spPr/>
+        <p:txBody>
+          <a:bodyPr>
+            <a:normAutofit fontScale="90000"/>
+          </a:bodyPr>
+          <a:lstStyle/>
+          <a:p>
+            <a:r>
+              <a:rPr lang="en-US" altLang="zh-CN" dirty="0">
+                <a:latin typeface="微软雅黑" panose="020B0503020204020204" pitchFamily="34" charset="-122"/>
+                <a:ea typeface="微软雅黑" panose="020B0503020204020204" pitchFamily="34" charset="-122"/>
+              </a:rPr>
+              <a:t>Contents</a:t>
+            </a:r>
+            <a:endParaRPr lang="zh-CN" altLang="en-US" dirty="0">
+              <a:latin typeface="微软雅黑" panose="020B0503020204020204" pitchFamily="34" charset="-122"/>
+              <a:ea typeface="微软雅黑" panose="020B0503020204020204" pitchFamily="34" charset="-122"/>
+            </a:endParaRPr>
+          </a:p>
+        </p:txBody>
+      </p:sp>
+      <p:sp>
+        <p:nvSpPr>
+          <p:cNvPr id="4" name="Freeform 10"/>
+          <p:cNvSpPr>
+            <a:spLocks noChangeAspect="1"/>
+          </p:cNvSpPr>
+          <p:nvPr userDrawn="1"/>
+        </p:nvSpPr>
+        <p:spPr bwMode="auto">
+          <a:xfrm>
+            <a:off x="1841535" y="1367357"/>
+            <a:ext cx="843427" cy="343858"/>
+          </a:xfrm>
+          <a:custGeom>
+            <a:avLst/>
+            <a:gdLst>
+              <a:gd name="T0" fmla="*/ 3120 w 3800"/>
+              <a:gd name="T1" fmla="*/ 0 h 1532"/>
+              <a:gd name="T2" fmla="*/ 682 w 3800"/>
+              <a:gd name="T3" fmla="*/ 0 h 1532"/>
+              <a:gd name="T4" fmla="*/ 682 w 3800"/>
+              <a:gd name="T5" fmla="*/ 284 h 1532"/>
+              <a:gd name="T6" fmla="*/ 0 w 3800"/>
+              <a:gd name="T7" fmla="*/ 766 h 1532"/>
+              <a:gd name="T8" fmla="*/ 682 w 3800"/>
+              <a:gd name="T9" fmla="*/ 1248 h 1532"/>
+              <a:gd name="T10" fmla="*/ 682 w 3800"/>
+              <a:gd name="T11" fmla="*/ 1532 h 1532"/>
+              <a:gd name="T12" fmla="*/ 3120 w 3800"/>
+              <a:gd name="T13" fmla="*/ 1532 h 1532"/>
+              <a:gd name="T14" fmla="*/ 3120 w 3800"/>
+              <a:gd name="T15" fmla="*/ 1248 h 1532"/>
+              <a:gd name="T16" fmla="*/ 3800 w 3800"/>
+              <a:gd name="T17" fmla="*/ 766 h 1532"/>
+              <a:gd name="T18" fmla="*/ 3120 w 3800"/>
+              <a:gd name="T19" fmla="*/ 284 h 1532"/>
+              <a:gd name="T20" fmla="*/ 3120 w 3800"/>
+              <a:gd name="T21" fmla="*/ 0 h 1532"/>
+            </a:gdLst>
+            <a:ahLst/>
+            <a:cxnLst>
+              <a:cxn ang="0">
+                <a:pos x="T0" y="T1"/>
+              </a:cxn>
+              <a:cxn ang="0">
+                <a:pos x="T2" y="T3"/>
+              </a:cxn>
+              <a:cxn ang="0">
+                <a:pos x="T4" y="T5"/>
+              </a:cxn>
+              <a:cxn ang="0">
+                <a:pos x="T6" y="T7"/>
+              </a:cxn>
+              <a:cxn ang="0">
+                <a:pos x="T8" y="T9"/>
+              </a:cxn>
+              <a:cxn ang="0">
+                <a:pos x="T10" y="T11"/>
+              </a:cxn>
+              <a:cxn ang="0">
+                <a:pos x="T12" y="T13"/>
+              </a:cxn>
+              <a:cxn ang="0">
+                <a:pos x="T14" y="T15"/>
+              </a:cxn>
+              <a:cxn ang="0">
+                <a:pos x="T16" y="T17"/>
+              </a:cxn>
+              <a:cxn ang="0">
+                <a:pos x="T18" y="T19"/>
+              </a:cxn>
+              <a:cxn ang="0">
+                <a:pos x="T20" y="T21"/>
+              </a:cxn>
+            </a:cxnLst>
+            <a:rect l="0" t="0" r="r" b="b"/>
+            <a:pathLst>
+              <a:path w="3800" h="1532">
+                <a:moveTo>
+                  <a:pt x="3120" y="0"/>
+                </a:moveTo>
+                <a:lnTo>
+                  <a:pt x="682" y="0"/>
+                </a:lnTo>
+                <a:lnTo>
+                  <a:pt x="682" y="284"/>
+                </a:lnTo>
+                <a:lnTo>
+                  <a:pt x="0" y="766"/>
+                </a:lnTo>
+                <a:lnTo>
+                  <a:pt x="682" y="1248"/>
+                </a:lnTo>
+                <a:lnTo>
+                  <a:pt x="682" y="1532"/>
+                </a:lnTo>
+                <a:lnTo>
+                  <a:pt x="3120" y="1532"/>
+                </a:lnTo>
+                <a:lnTo>
+                  <a:pt x="3120" y="1248"/>
+                </a:lnTo>
+                <a:lnTo>
+                  <a:pt x="3800" y="766"/>
+                </a:lnTo>
+                <a:lnTo>
+                  <a:pt x="3120" y="284"/>
+                </a:lnTo>
+                <a:lnTo>
+                  <a:pt x="3120" y="0"/>
+                </a:lnTo>
+                <a:close/>
+              </a:path>
+            </a:pathLst>
+          </a:custGeom>
+          <a:solidFill>
+            <a:schemeClr val="bg2"/>
+          </a:solidFill>
+          <a:ln>
+            <a:noFill/>
+          </a:ln>
+        </p:spPr>
+        <p:txBody>
+          <a:bodyPr vert="horz" wrap="square" lIns="91440" tIns="45720" rIns="91440" bIns="45720" numCol="1" anchor="ctr" anchorCtr="0" compatLnSpc="1">
+            <a:prstTxWarp prst="textNoShape">
+              <a:avLst/>
+            </a:prstTxWarp>
+            <a:noAutofit/>
+          </a:bodyPr>
+          <a:lstStyle/>
+          <a:p>
+            <a:pPr algn="ctr"/>
+            <a:endParaRPr lang="zh-CN" altLang="en-US" sz="3200" b="1"/>
+          </a:p>
+        </p:txBody>
+      </p:sp>
+      <p:sp>
+        <p:nvSpPr>
+          <p:cNvPr id="5" name="文本框 4"/>
+          <p:cNvSpPr txBox="1">
+            <a:spLocks/>
+          </p:cNvSpPr>
+          <p:nvPr userDrawn="1"/>
+        </p:nvSpPr>
+        <p:spPr>
+          <a:xfrm>
+            <a:off x="2071646" y="1303550"/>
+            <a:ext cx="383206" cy="443226"/>
+          </a:xfrm>
+          <a:prstGeom prst="rect">
+            <a:avLst/>
+          </a:prstGeom>
+          <a:noFill/>
+        </p:spPr>
+        <p:txBody>
+          <a:bodyPr wrap="none" rtlCol="0" anchor="ctr">
+            <a:noAutofit/>
+          </a:bodyPr>
+          <a:lstStyle/>
+          <a:p>
+            <a:pPr algn="ctr"/>
+            <a:r>
+              <a:rPr lang="en-US" altLang="zh-CN" b="1" dirty="0">
+                <a:solidFill>
+                  <a:schemeClr val="bg1"/>
+                </a:solidFill>
+                <a:latin typeface="微软雅黑" panose="020B0503020204020204" pitchFamily="34" charset="-122"/>
+                <a:ea typeface="微软雅黑" panose="020B0503020204020204" pitchFamily="34" charset="-122"/>
+              </a:rPr>
+              <a:t>1</a:t>
+            </a:r>
+            <a:endParaRPr lang="zh-CN" altLang="en-US" b="1" dirty="0">
+              <a:solidFill>
+                <a:schemeClr val="bg1"/>
+              </a:solidFill>
+              <a:latin typeface="微软雅黑" panose="020B0503020204020204" pitchFamily="34" charset="-122"/>
+              <a:ea typeface="微软雅黑" panose="020B0503020204020204" pitchFamily="34" charset="-122"/>
+            </a:endParaRPr>
+          </a:p>
+        </p:txBody>
+      </p:sp>
+      <p:cxnSp>
+        <p:nvCxnSpPr>
+          <p:cNvPr id="7" name="直接连接符 6"/>
+          <p:cNvCxnSpPr>
+            <a:stCxn id="4" idx="6"/>
+          </p:cNvCxnSpPr>
+          <p:nvPr/>
+        </p:nvCxnSpPr>
+        <p:spPr>
+          <a:xfrm>
+            <a:off x="2534033" y="1711215"/>
+            <a:ext cx="4500000" cy="0"/>
+          </a:xfrm>
+          <a:prstGeom prst="line">
+            <a:avLst/>
+          </a:prstGeom>
+          <a:ln>
+            <a:solidFill>
+              <a:schemeClr val="bg2"/>
+            </a:solidFill>
+          </a:ln>
+        </p:spPr>
+        <p:style>
+          <a:lnRef idx="1">
+            <a:schemeClr val="accent1"/>
+          </a:lnRef>
+          <a:fillRef idx="0">
+            <a:schemeClr val="accent1"/>
+          </a:fillRef>
+          <a:effectRef idx="0">
+            <a:schemeClr val="accent1"/>
+          </a:effectRef>
+          <a:fontRef idx="minor">
+            <a:schemeClr val="tx1"/>
+          </a:fontRef>
+        </p:style>
+      </p:cxnSp>
+      <p:sp>
+        <p:nvSpPr>
+          <p:cNvPr id="13" name="Freeform 10"/>
+          <p:cNvSpPr>
+            <a:spLocks noChangeAspect="1"/>
+          </p:cNvSpPr>
+          <p:nvPr userDrawn="1"/>
+        </p:nvSpPr>
+        <p:spPr bwMode="auto">
+          <a:xfrm>
+            <a:off x="1841535" y="2287330"/>
+            <a:ext cx="843427" cy="343858"/>
+          </a:xfrm>
+          <a:custGeom>
+            <a:avLst/>
+            <a:gdLst>
+              <a:gd name="T0" fmla="*/ 3120 w 3800"/>
+              <a:gd name="T1" fmla="*/ 0 h 1532"/>
+              <a:gd name="T2" fmla="*/ 682 w 3800"/>
+              <a:gd name="T3" fmla="*/ 0 h 1532"/>
+              <a:gd name="T4" fmla="*/ 682 w 3800"/>
+              <a:gd name="T5" fmla="*/ 284 h 1532"/>
+              <a:gd name="T6" fmla="*/ 0 w 3800"/>
+              <a:gd name="T7" fmla="*/ 766 h 1532"/>
+              <a:gd name="T8" fmla="*/ 682 w 3800"/>
+              <a:gd name="T9" fmla="*/ 1248 h 1532"/>
+              <a:gd name="T10" fmla="*/ 682 w 3800"/>
+              <a:gd name="T11" fmla="*/ 1532 h 1532"/>
+              <a:gd name="T12" fmla="*/ 3120 w 3800"/>
+              <a:gd name="T13" fmla="*/ 1532 h 1532"/>
+              <a:gd name="T14" fmla="*/ 3120 w 3800"/>
+              <a:gd name="T15" fmla="*/ 1248 h 1532"/>
+              <a:gd name="T16" fmla="*/ 3800 w 3800"/>
+              <a:gd name="T17" fmla="*/ 766 h 1532"/>
+              <a:gd name="T18" fmla="*/ 3120 w 3800"/>
+              <a:gd name="T19" fmla="*/ 284 h 1532"/>
+              <a:gd name="T20" fmla="*/ 3120 w 3800"/>
+              <a:gd name="T21" fmla="*/ 0 h 1532"/>
+            </a:gdLst>
+            <a:ahLst/>
+            <a:cxnLst>
+              <a:cxn ang="0">
+                <a:pos x="T0" y="T1"/>
+              </a:cxn>
+              <a:cxn ang="0">
+                <a:pos x="T2" y="T3"/>
+              </a:cxn>
+              <a:cxn ang="0">
+                <a:pos x="T4" y="T5"/>
+              </a:cxn>
+              <a:cxn ang="0">
+                <a:pos x="T6" y="T7"/>
+              </a:cxn>
+              <a:cxn ang="0">
+                <a:pos x="T8" y="T9"/>
+              </a:cxn>
+              <a:cxn ang="0">
+                <a:pos x="T10" y="T11"/>
+              </a:cxn>
+              <a:cxn ang="0">
+                <a:pos x="T12" y="T13"/>
+              </a:cxn>
+              <a:cxn ang="0">
+                <a:pos x="T14" y="T15"/>
+              </a:cxn>
+              <a:cxn ang="0">
+                <a:pos x="T16" y="T17"/>
+              </a:cxn>
+              <a:cxn ang="0">
+                <a:pos x="T18" y="T19"/>
+              </a:cxn>
+              <a:cxn ang="0">
+                <a:pos x="T20" y="T21"/>
+              </a:cxn>
+            </a:cxnLst>
+            <a:rect l="0" t="0" r="r" b="b"/>
+            <a:pathLst>
+              <a:path w="3800" h="1532">
+                <a:moveTo>
+                  <a:pt x="3120" y="0"/>
+                </a:moveTo>
+                <a:lnTo>
+                  <a:pt x="682" y="0"/>
+                </a:lnTo>
+                <a:lnTo>
+                  <a:pt x="682" y="284"/>
+                </a:lnTo>
+                <a:lnTo>
+                  <a:pt x="0" y="766"/>
+                </a:lnTo>
+                <a:lnTo>
+                  <a:pt x="682" y="1248"/>
+                </a:lnTo>
+                <a:lnTo>
+                  <a:pt x="682" y="1532"/>
+                </a:lnTo>
+                <a:lnTo>
+                  <a:pt x="3120" y="1532"/>
+                </a:lnTo>
+                <a:lnTo>
+                  <a:pt x="3120" y="1248"/>
+                </a:lnTo>
+                <a:lnTo>
+                  <a:pt x="3800" y="766"/>
+                </a:lnTo>
+                <a:lnTo>
+                  <a:pt x="3120" y="284"/>
+                </a:lnTo>
+                <a:lnTo>
+                  <a:pt x="3120" y="0"/>
+                </a:lnTo>
+                <a:close/>
+              </a:path>
+            </a:pathLst>
+          </a:custGeom>
+          <a:solidFill>
+            <a:schemeClr val="bg2"/>
+          </a:solidFill>
+          <a:ln>
+            <a:noFill/>
+          </a:ln>
+        </p:spPr>
+        <p:txBody>
+          <a:bodyPr vert="horz" wrap="square" lIns="91440" tIns="45720" rIns="91440" bIns="45720" numCol="1" anchor="ctr" anchorCtr="0" compatLnSpc="1">
+            <a:prstTxWarp prst="textNoShape">
+              <a:avLst/>
+            </a:prstTxWarp>
+            <a:noAutofit/>
+          </a:bodyPr>
+          <a:lstStyle/>
+          <a:p>
+            <a:pPr algn="ctr"/>
+            <a:endParaRPr lang="zh-CN" altLang="en-US" sz="3200" b="1"/>
+          </a:p>
+        </p:txBody>
+      </p:sp>
+      <p:sp>
+        <p:nvSpPr>
+          <p:cNvPr id="14" name="文本框 13"/>
+          <p:cNvSpPr txBox="1"/>
+          <p:nvPr userDrawn="1"/>
+        </p:nvSpPr>
+        <p:spPr>
+          <a:xfrm>
+            <a:off x="2071646" y="2223523"/>
+            <a:ext cx="383206" cy="443226"/>
+          </a:xfrm>
+          <a:prstGeom prst="rect">
+            <a:avLst/>
+          </a:prstGeom>
+          <a:noFill/>
+        </p:spPr>
+        <p:txBody>
+          <a:bodyPr wrap="none" rtlCol="0" anchor="ctr">
+            <a:noAutofit/>
+          </a:bodyPr>
+          <a:lstStyle/>
+          <a:p>
+            <a:pPr algn="ctr"/>
+            <a:r>
+              <a:rPr lang="en-US" altLang="zh-CN" b="1" dirty="0">
+                <a:solidFill>
+                  <a:schemeClr val="bg1"/>
+                </a:solidFill>
+                <a:latin typeface="微软雅黑" panose="020B0503020204020204" pitchFamily="34" charset="-122"/>
+                <a:ea typeface="微软雅黑" panose="020B0503020204020204" pitchFamily="34" charset="-122"/>
+              </a:rPr>
+              <a:t>2</a:t>
+            </a:r>
+            <a:endParaRPr lang="zh-CN" altLang="en-US" b="1" dirty="0">
+              <a:solidFill>
+                <a:schemeClr val="bg1"/>
+              </a:solidFill>
+              <a:latin typeface="微软雅黑" panose="020B0503020204020204" pitchFamily="34" charset="-122"/>
+              <a:ea typeface="微软雅黑" panose="020B0503020204020204" pitchFamily="34" charset="-122"/>
+            </a:endParaRPr>
+          </a:p>
+        </p:txBody>
+      </p:sp>
+      <p:cxnSp>
+        <p:nvCxnSpPr>
+          <p:cNvPr id="15" name="直接连接符 14"/>
+          <p:cNvCxnSpPr>
+            <a:stCxn id="13" idx="6"/>
+          </p:cNvCxnSpPr>
+          <p:nvPr/>
+        </p:nvCxnSpPr>
+        <p:spPr>
+          <a:xfrm>
+            <a:off x="2534033" y="2631188"/>
+            <a:ext cx="4500000" cy="0"/>
+          </a:xfrm>
+          <a:prstGeom prst="line">
+            <a:avLst/>
+          </a:prstGeom>
+          <a:ln>
+            <a:solidFill>
+              <a:schemeClr val="bg2"/>
+            </a:solidFill>
+          </a:ln>
+        </p:spPr>
+        <p:style>
+          <a:lnRef idx="1">
+            <a:schemeClr val="accent1"/>
+          </a:lnRef>
+          <a:fillRef idx="0">
+            <a:schemeClr val="accent1"/>
+          </a:fillRef>
+          <a:effectRef idx="0">
+            <a:schemeClr val="accent1"/>
+          </a:effectRef>
+          <a:fontRef idx="minor">
+            <a:schemeClr val="tx1"/>
+          </a:fontRef>
+        </p:style>
+      </p:cxnSp>
+      <p:sp>
+        <p:nvSpPr>
+          <p:cNvPr id="18" name="Freeform 10"/>
+          <p:cNvSpPr>
+            <a:spLocks noChangeAspect="1"/>
+          </p:cNvSpPr>
+          <p:nvPr userDrawn="1"/>
+        </p:nvSpPr>
+        <p:spPr bwMode="auto">
+          <a:xfrm>
+            <a:off x="1841535" y="3207303"/>
+            <a:ext cx="843427" cy="343858"/>
+          </a:xfrm>
+          <a:custGeom>
+            <a:avLst/>
+            <a:gdLst>
+              <a:gd name="T0" fmla="*/ 3120 w 3800"/>
+              <a:gd name="T1" fmla="*/ 0 h 1532"/>
+              <a:gd name="T2" fmla="*/ 682 w 3800"/>
+              <a:gd name="T3" fmla="*/ 0 h 1532"/>
+              <a:gd name="T4" fmla="*/ 682 w 3800"/>
+              <a:gd name="T5" fmla="*/ 284 h 1532"/>
+              <a:gd name="T6" fmla="*/ 0 w 3800"/>
+              <a:gd name="T7" fmla="*/ 766 h 1532"/>
+              <a:gd name="T8" fmla="*/ 682 w 3800"/>
+              <a:gd name="T9" fmla="*/ 1248 h 1532"/>
+              <a:gd name="T10" fmla="*/ 682 w 3800"/>
+              <a:gd name="T11" fmla="*/ 1532 h 1532"/>
+              <a:gd name="T12" fmla="*/ 3120 w 3800"/>
+              <a:gd name="T13" fmla="*/ 1532 h 1532"/>
+              <a:gd name="T14" fmla="*/ 3120 w 3800"/>
+              <a:gd name="T15" fmla="*/ 1248 h 1532"/>
+              <a:gd name="T16" fmla="*/ 3800 w 3800"/>
+              <a:gd name="T17" fmla="*/ 766 h 1532"/>
+              <a:gd name="T18" fmla="*/ 3120 w 3800"/>
+              <a:gd name="T19" fmla="*/ 284 h 1532"/>
+              <a:gd name="T20" fmla="*/ 3120 w 3800"/>
+              <a:gd name="T21" fmla="*/ 0 h 1532"/>
+            </a:gdLst>
+            <a:ahLst/>
+            <a:cxnLst>
+              <a:cxn ang="0">
+                <a:pos x="T0" y="T1"/>
+              </a:cxn>
+              <a:cxn ang="0">
+                <a:pos x="T2" y="T3"/>
+              </a:cxn>
+              <a:cxn ang="0">
+                <a:pos x="T4" y="T5"/>
+              </a:cxn>
+              <a:cxn ang="0">
+                <a:pos x="T6" y="T7"/>
+              </a:cxn>
+              <a:cxn ang="0">
+                <a:pos x="T8" y="T9"/>
+              </a:cxn>
+              <a:cxn ang="0">
+                <a:pos x="T10" y="T11"/>
+              </a:cxn>
+              <a:cxn ang="0">
+                <a:pos x="T12" y="T13"/>
+              </a:cxn>
+              <a:cxn ang="0">
+                <a:pos x="T14" y="T15"/>
+              </a:cxn>
+              <a:cxn ang="0">
+                <a:pos x="T16" y="T17"/>
+              </a:cxn>
+              <a:cxn ang="0">
+                <a:pos x="T18" y="T19"/>
+              </a:cxn>
+              <a:cxn ang="0">
+                <a:pos x="T20" y="T21"/>
+              </a:cxn>
+            </a:cxnLst>
+            <a:rect l="0" t="0" r="r" b="b"/>
+            <a:pathLst>
+              <a:path w="3800" h="1532">
+                <a:moveTo>
+                  <a:pt x="3120" y="0"/>
+                </a:moveTo>
+                <a:lnTo>
+                  <a:pt x="682" y="0"/>
+                </a:lnTo>
+                <a:lnTo>
+                  <a:pt x="682" y="284"/>
+                </a:lnTo>
+                <a:lnTo>
+                  <a:pt x="0" y="766"/>
+                </a:lnTo>
+                <a:lnTo>
+                  <a:pt x="682" y="1248"/>
+                </a:lnTo>
+                <a:lnTo>
+                  <a:pt x="682" y="1532"/>
+                </a:lnTo>
+                <a:lnTo>
+                  <a:pt x="3120" y="1532"/>
+                </a:lnTo>
+                <a:lnTo>
+                  <a:pt x="3120" y="1248"/>
+                </a:lnTo>
+                <a:lnTo>
+                  <a:pt x="3800" y="766"/>
+                </a:lnTo>
+                <a:lnTo>
+                  <a:pt x="3120" y="284"/>
+                </a:lnTo>
+                <a:lnTo>
+                  <a:pt x="3120" y="0"/>
+                </a:lnTo>
+                <a:close/>
+              </a:path>
+            </a:pathLst>
+          </a:custGeom>
+          <a:solidFill>
+            <a:schemeClr val="bg2"/>
+          </a:solidFill>
+          <a:ln>
+            <a:noFill/>
+          </a:ln>
+        </p:spPr>
+        <p:txBody>
+          <a:bodyPr vert="horz" wrap="square" lIns="91440" tIns="45720" rIns="91440" bIns="45720" numCol="1" anchor="ctr" anchorCtr="0" compatLnSpc="1">
+            <a:prstTxWarp prst="textNoShape">
+              <a:avLst/>
+            </a:prstTxWarp>
+            <a:noAutofit/>
+          </a:bodyPr>
+          <a:lstStyle/>
+          <a:p>
+            <a:pPr algn="ctr"/>
+            <a:endParaRPr lang="zh-CN" altLang="en-US" sz="3200" b="1"/>
+          </a:p>
+        </p:txBody>
+      </p:sp>
+      <p:sp>
+        <p:nvSpPr>
+          <p:cNvPr id="19" name="文本框 18"/>
+          <p:cNvSpPr txBox="1"/>
+          <p:nvPr userDrawn="1"/>
+        </p:nvSpPr>
+        <p:spPr>
+          <a:xfrm>
+            <a:off x="2071646" y="3143496"/>
+            <a:ext cx="383206" cy="443226"/>
+          </a:xfrm>
+          <a:prstGeom prst="rect">
+            <a:avLst/>
+          </a:prstGeom>
+          <a:noFill/>
+        </p:spPr>
+        <p:txBody>
+          <a:bodyPr wrap="none" rtlCol="0" anchor="ctr">
+            <a:noAutofit/>
+          </a:bodyPr>
+          <a:lstStyle/>
+          <a:p>
+            <a:pPr algn="ctr"/>
+            <a:r>
+              <a:rPr lang="en-US" altLang="zh-CN" b="1" dirty="0">
+                <a:solidFill>
+                  <a:schemeClr val="bg1"/>
+                </a:solidFill>
+                <a:latin typeface="微软雅黑" panose="020B0503020204020204" pitchFamily="34" charset="-122"/>
+                <a:ea typeface="微软雅黑" panose="020B0503020204020204" pitchFamily="34" charset="-122"/>
+              </a:rPr>
+              <a:t>3</a:t>
+            </a:r>
+            <a:endParaRPr lang="zh-CN" altLang="en-US" b="1" dirty="0">
+              <a:solidFill>
+                <a:schemeClr val="bg1"/>
+              </a:solidFill>
+              <a:latin typeface="微软雅黑" panose="020B0503020204020204" pitchFamily="34" charset="-122"/>
+              <a:ea typeface="微软雅黑" panose="020B0503020204020204" pitchFamily="34" charset="-122"/>
+            </a:endParaRPr>
+          </a:p>
+        </p:txBody>
+      </p:sp>
+      <p:cxnSp>
+        <p:nvCxnSpPr>
+          <p:cNvPr id="20" name="直接连接符 19"/>
+          <p:cNvCxnSpPr>
+            <a:stCxn id="18" idx="6"/>
+          </p:cNvCxnSpPr>
+          <p:nvPr/>
+        </p:nvCxnSpPr>
+        <p:spPr>
+          <a:xfrm>
+            <a:off x="2534033" y="3551161"/>
+            <a:ext cx="4500000" cy="0"/>
+          </a:xfrm>
+          <a:prstGeom prst="line">
+            <a:avLst/>
+          </a:prstGeom>
+          <a:ln>
+            <a:solidFill>
+              <a:schemeClr val="bg2"/>
+            </a:solidFill>
+          </a:ln>
+        </p:spPr>
+        <p:style>
+          <a:lnRef idx="1">
+            <a:schemeClr val="accent1"/>
+          </a:lnRef>
+          <a:fillRef idx="0">
+            <a:schemeClr val="accent1"/>
+          </a:fillRef>
+          <a:effectRef idx="0">
+            <a:schemeClr val="accent1"/>
+          </a:effectRef>
+          <a:fontRef idx="minor">
+            <a:schemeClr val="tx1"/>
+          </a:fontRef>
+        </p:style>
+      </p:cxnSp>
+      <p:sp>
+        <p:nvSpPr>
+          <p:cNvPr id="21" name="文本框 20"/>
+          <p:cNvSpPr txBox="1"/>
+          <p:nvPr/>
+        </p:nvSpPr>
+        <p:spPr>
+          <a:xfrm>
+            <a:off x="2915073" y="3114680"/>
+            <a:ext cx="4387392" cy="461665"/>
+          </a:xfrm>
+          <a:prstGeom prst="rect">
+            <a:avLst/>
+          </a:prstGeom>
+          <a:noFill/>
+        </p:spPr>
+        <p:txBody>
+          <a:bodyPr wrap="square" rtlCol="0">
+            <a:spAutoFit/>
+          </a:bodyPr>
+          <a:lstStyle/>
+          <a:p>
+            <a:r>
+              <a:rPr lang="zh-CN" altLang="en-US" sz="2400" dirty="0">
+                <a:solidFill>
+                  <a:schemeClr val="tx1">
+                    <a:lumMod val="75000"/>
+                    <a:lumOff val="25000"/>
+                  </a:schemeClr>
+                </a:solidFill>
+              </a:rPr>
+              <a:t>有页码版式</a:t>
+            </a:r>
+          </a:p>
+        </p:txBody>
+      </p:sp>
+      <p:sp>
+        <p:nvSpPr>
+          <p:cNvPr id="23" name="Freeform 10"/>
+          <p:cNvSpPr>
+            <a:spLocks noChangeAspect="1"/>
+          </p:cNvSpPr>
+          <p:nvPr userDrawn="1"/>
+        </p:nvSpPr>
+        <p:spPr bwMode="auto">
+          <a:xfrm>
+            <a:off x="1841535" y="4127276"/>
+            <a:ext cx="843427" cy="343858"/>
+          </a:xfrm>
+          <a:custGeom>
+            <a:avLst/>
+            <a:gdLst>
+              <a:gd name="T0" fmla="*/ 3120 w 3800"/>
+              <a:gd name="T1" fmla="*/ 0 h 1532"/>
+              <a:gd name="T2" fmla="*/ 682 w 3800"/>
+              <a:gd name="T3" fmla="*/ 0 h 1532"/>
+              <a:gd name="T4" fmla="*/ 682 w 3800"/>
+              <a:gd name="T5" fmla="*/ 284 h 1532"/>
+              <a:gd name="T6" fmla="*/ 0 w 3800"/>
+              <a:gd name="T7" fmla="*/ 766 h 1532"/>
+              <a:gd name="T8" fmla="*/ 682 w 3800"/>
+              <a:gd name="T9" fmla="*/ 1248 h 1532"/>
+              <a:gd name="T10" fmla="*/ 682 w 3800"/>
+              <a:gd name="T11" fmla="*/ 1532 h 1532"/>
+              <a:gd name="T12" fmla="*/ 3120 w 3800"/>
+              <a:gd name="T13" fmla="*/ 1532 h 1532"/>
+              <a:gd name="T14" fmla="*/ 3120 w 3800"/>
+              <a:gd name="T15" fmla="*/ 1248 h 1532"/>
+              <a:gd name="T16" fmla="*/ 3800 w 3800"/>
+              <a:gd name="T17" fmla="*/ 766 h 1532"/>
+              <a:gd name="T18" fmla="*/ 3120 w 3800"/>
+              <a:gd name="T19" fmla="*/ 284 h 1532"/>
+              <a:gd name="T20" fmla="*/ 3120 w 3800"/>
+              <a:gd name="T21" fmla="*/ 0 h 1532"/>
+            </a:gdLst>
+            <a:ahLst/>
+            <a:cxnLst>
+              <a:cxn ang="0">
+                <a:pos x="T0" y="T1"/>
+              </a:cxn>
+              <a:cxn ang="0">
+                <a:pos x="T2" y="T3"/>
+              </a:cxn>
+              <a:cxn ang="0">
+                <a:pos x="T4" y="T5"/>
+              </a:cxn>
+              <a:cxn ang="0">
+                <a:pos x="T6" y="T7"/>
+              </a:cxn>
+              <a:cxn ang="0">
+                <a:pos x="T8" y="T9"/>
+              </a:cxn>
+              <a:cxn ang="0">
+                <a:pos x="T10" y="T11"/>
+              </a:cxn>
+              <a:cxn ang="0">
+                <a:pos x="T12" y="T13"/>
+              </a:cxn>
+              <a:cxn ang="0">
+                <a:pos x="T14" y="T15"/>
+              </a:cxn>
+              <a:cxn ang="0">
+                <a:pos x="T16" y="T17"/>
+              </a:cxn>
+              <a:cxn ang="0">
+                <a:pos x="T18" y="T19"/>
+              </a:cxn>
+              <a:cxn ang="0">
+                <a:pos x="T20" y="T21"/>
+              </a:cxn>
+            </a:cxnLst>
+            <a:rect l="0" t="0" r="r" b="b"/>
+            <a:pathLst>
+              <a:path w="3800" h="1532">
+                <a:moveTo>
+                  <a:pt x="3120" y="0"/>
+                </a:moveTo>
+                <a:lnTo>
+                  <a:pt x="682" y="0"/>
+                </a:lnTo>
+                <a:lnTo>
+                  <a:pt x="682" y="284"/>
+                </a:lnTo>
+                <a:lnTo>
+                  <a:pt x="0" y="766"/>
+                </a:lnTo>
+                <a:lnTo>
+                  <a:pt x="682" y="1248"/>
+                </a:lnTo>
+                <a:lnTo>
+                  <a:pt x="682" y="1532"/>
+                </a:lnTo>
+                <a:lnTo>
+                  <a:pt x="3120" y="1532"/>
+                </a:lnTo>
+                <a:lnTo>
+                  <a:pt x="3120" y="1248"/>
+                </a:lnTo>
+                <a:lnTo>
+                  <a:pt x="3800" y="766"/>
+                </a:lnTo>
+                <a:lnTo>
+                  <a:pt x="3120" y="284"/>
+                </a:lnTo>
+                <a:lnTo>
+                  <a:pt x="3120" y="0"/>
+                </a:lnTo>
+                <a:close/>
+              </a:path>
+            </a:pathLst>
+          </a:custGeom>
+          <a:solidFill>
+            <a:schemeClr val="accent1"/>
+          </a:solidFill>
+          <a:ln>
+            <a:noFill/>
+          </a:ln>
+        </p:spPr>
+        <p:txBody>
+          <a:bodyPr vert="horz" wrap="square" lIns="91440" tIns="45720" rIns="91440" bIns="45720" numCol="1" anchor="ctr" anchorCtr="0" compatLnSpc="1">
+            <a:prstTxWarp prst="textNoShape">
+              <a:avLst/>
+            </a:prstTxWarp>
+            <a:noAutofit/>
+          </a:bodyPr>
+          <a:lstStyle/>
+          <a:p>
+            <a:pPr algn="ctr"/>
+            <a:endParaRPr lang="zh-CN" altLang="en-US" sz="3200" b="1"/>
+          </a:p>
+        </p:txBody>
+      </p:sp>
+      <p:sp>
+        <p:nvSpPr>
+          <p:cNvPr id="24" name="文本框 23"/>
+          <p:cNvSpPr txBox="1"/>
+          <p:nvPr userDrawn="1"/>
+        </p:nvSpPr>
+        <p:spPr>
+          <a:xfrm>
+            <a:off x="2071646" y="4063469"/>
+            <a:ext cx="383206" cy="443226"/>
+          </a:xfrm>
+          <a:prstGeom prst="rect">
+            <a:avLst/>
+          </a:prstGeom>
+          <a:noFill/>
+        </p:spPr>
+        <p:txBody>
+          <a:bodyPr wrap="none" rtlCol="0" anchor="ctr">
+            <a:noAutofit/>
+          </a:bodyPr>
+          <a:lstStyle/>
+          <a:p>
+            <a:pPr algn="ctr"/>
+            <a:r>
+              <a:rPr lang="en-US" altLang="zh-CN" b="1" dirty="0">
+                <a:solidFill>
+                  <a:schemeClr val="bg1"/>
+                </a:solidFill>
+                <a:latin typeface="微软雅黑" panose="020B0503020204020204" pitchFamily="34" charset="-122"/>
+                <a:ea typeface="微软雅黑" panose="020B0503020204020204" pitchFamily="34" charset="-122"/>
+              </a:rPr>
+              <a:t>4</a:t>
+            </a:r>
+            <a:endParaRPr lang="zh-CN" altLang="en-US" b="1" dirty="0">
+              <a:solidFill>
+                <a:schemeClr val="bg1"/>
+              </a:solidFill>
+              <a:latin typeface="微软雅黑" panose="020B0503020204020204" pitchFamily="34" charset="-122"/>
+              <a:ea typeface="微软雅黑" panose="020B0503020204020204" pitchFamily="34" charset="-122"/>
+            </a:endParaRPr>
+          </a:p>
+        </p:txBody>
+      </p:sp>
+      <p:cxnSp>
+        <p:nvCxnSpPr>
+          <p:cNvPr id="25" name="直接连接符 24"/>
+          <p:cNvCxnSpPr>
+            <a:stCxn id="23" idx="6"/>
+          </p:cNvCxnSpPr>
+          <p:nvPr/>
+        </p:nvCxnSpPr>
+        <p:spPr>
+          <a:xfrm>
+            <a:off x="2534033" y="4471134"/>
+            <a:ext cx="4500000" cy="0"/>
+          </a:xfrm>
+          <a:prstGeom prst="line">
+            <a:avLst/>
+          </a:prstGeom>
+          <a:ln>
+            <a:solidFill>
+              <a:schemeClr val="accent1"/>
+            </a:solidFill>
+          </a:ln>
+        </p:spPr>
+        <p:style>
+          <a:lnRef idx="1">
+            <a:schemeClr val="accent1"/>
+          </a:lnRef>
+          <a:fillRef idx="0">
+            <a:schemeClr val="accent1"/>
+          </a:fillRef>
+          <a:effectRef idx="0">
+            <a:schemeClr val="accent1"/>
+          </a:effectRef>
+          <a:fontRef idx="minor">
+            <a:schemeClr val="tx1"/>
+          </a:fontRef>
+        </p:style>
+      </p:cxnSp>
+      <p:sp>
+        <p:nvSpPr>
+          <p:cNvPr id="26" name="文本框 25"/>
+          <p:cNvSpPr txBox="1"/>
+          <p:nvPr/>
+        </p:nvSpPr>
+        <p:spPr>
+          <a:xfrm>
+            <a:off x="2915073" y="4034653"/>
+            <a:ext cx="4387392" cy="461665"/>
+          </a:xfrm>
+          <a:prstGeom prst="rect">
+            <a:avLst/>
+          </a:prstGeom>
+          <a:noFill/>
+        </p:spPr>
+        <p:txBody>
+          <a:bodyPr wrap="square" rtlCol="0">
+            <a:spAutoFit/>
+          </a:bodyPr>
+          <a:lstStyle/>
+          <a:p>
+            <a:r>
+              <a:rPr lang="zh-CN" altLang="en-US" sz="2400" dirty="0">
+                <a:solidFill>
+                  <a:schemeClr val="tx1">
+                    <a:lumMod val="75000"/>
+                    <a:lumOff val="25000"/>
+                  </a:schemeClr>
+                </a:solidFill>
+              </a:rPr>
+              <a:t>图形与配色</a:t>
+            </a:r>
+          </a:p>
+        </p:txBody>
+      </p:sp>
+      <p:sp>
+        <p:nvSpPr>
+          <p:cNvPr id="33" name="Freeform 10"/>
+          <p:cNvSpPr>
+            <a:spLocks noChangeAspect="1"/>
+          </p:cNvSpPr>
+          <p:nvPr userDrawn="1"/>
+        </p:nvSpPr>
+        <p:spPr bwMode="auto">
+          <a:xfrm>
+            <a:off x="1841535" y="5047251"/>
+            <a:ext cx="843427" cy="343858"/>
+          </a:xfrm>
+          <a:custGeom>
+            <a:avLst/>
+            <a:gdLst>
+              <a:gd name="T0" fmla="*/ 3120 w 3800"/>
+              <a:gd name="T1" fmla="*/ 0 h 1532"/>
+              <a:gd name="T2" fmla="*/ 682 w 3800"/>
+              <a:gd name="T3" fmla="*/ 0 h 1532"/>
+              <a:gd name="T4" fmla="*/ 682 w 3800"/>
+              <a:gd name="T5" fmla="*/ 284 h 1532"/>
+              <a:gd name="T6" fmla="*/ 0 w 3800"/>
+              <a:gd name="T7" fmla="*/ 766 h 1532"/>
+              <a:gd name="T8" fmla="*/ 682 w 3800"/>
+              <a:gd name="T9" fmla="*/ 1248 h 1532"/>
+              <a:gd name="T10" fmla="*/ 682 w 3800"/>
+              <a:gd name="T11" fmla="*/ 1532 h 1532"/>
+              <a:gd name="T12" fmla="*/ 3120 w 3800"/>
+              <a:gd name="T13" fmla="*/ 1532 h 1532"/>
+              <a:gd name="T14" fmla="*/ 3120 w 3800"/>
+              <a:gd name="T15" fmla="*/ 1248 h 1532"/>
+              <a:gd name="T16" fmla="*/ 3800 w 3800"/>
+              <a:gd name="T17" fmla="*/ 766 h 1532"/>
+              <a:gd name="T18" fmla="*/ 3120 w 3800"/>
+              <a:gd name="T19" fmla="*/ 284 h 1532"/>
+              <a:gd name="T20" fmla="*/ 3120 w 3800"/>
+              <a:gd name="T21" fmla="*/ 0 h 1532"/>
+            </a:gdLst>
+            <a:ahLst/>
+            <a:cxnLst>
+              <a:cxn ang="0">
+                <a:pos x="T0" y="T1"/>
+              </a:cxn>
+              <a:cxn ang="0">
+                <a:pos x="T2" y="T3"/>
+              </a:cxn>
+              <a:cxn ang="0">
+                <a:pos x="T4" y="T5"/>
+              </a:cxn>
+              <a:cxn ang="0">
+                <a:pos x="T6" y="T7"/>
+              </a:cxn>
+              <a:cxn ang="0">
+                <a:pos x="T8" y="T9"/>
+              </a:cxn>
+              <a:cxn ang="0">
+                <a:pos x="T10" y="T11"/>
+              </a:cxn>
+              <a:cxn ang="0">
+                <a:pos x="T12" y="T13"/>
+              </a:cxn>
+              <a:cxn ang="0">
+                <a:pos x="T14" y="T15"/>
+              </a:cxn>
+              <a:cxn ang="0">
+                <a:pos x="T16" y="T17"/>
+              </a:cxn>
+              <a:cxn ang="0">
+                <a:pos x="T18" y="T19"/>
+              </a:cxn>
+              <a:cxn ang="0">
+                <a:pos x="T20" y="T21"/>
+              </a:cxn>
+            </a:cxnLst>
+            <a:rect l="0" t="0" r="r" b="b"/>
+            <a:pathLst>
+              <a:path w="3800" h="1532">
+                <a:moveTo>
+                  <a:pt x="3120" y="0"/>
+                </a:moveTo>
+                <a:lnTo>
+                  <a:pt x="682" y="0"/>
+                </a:lnTo>
+                <a:lnTo>
+                  <a:pt x="682" y="284"/>
+                </a:lnTo>
+                <a:lnTo>
+                  <a:pt x="0" y="766"/>
+                </a:lnTo>
+                <a:lnTo>
+                  <a:pt x="682" y="1248"/>
+                </a:lnTo>
+                <a:lnTo>
+                  <a:pt x="682" y="1532"/>
+                </a:lnTo>
+                <a:lnTo>
+                  <a:pt x="3120" y="1532"/>
+                </a:lnTo>
+                <a:lnTo>
+                  <a:pt x="3120" y="1248"/>
+                </a:lnTo>
+                <a:lnTo>
+                  <a:pt x="3800" y="766"/>
+                </a:lnTo>
+                <a:lnTo>
+                  <a:pt x="3120" y="284"/>
+                </a:lnTo>
+                <a:lnTo>
+                  <a:pt x="3120" y="0"/>
+                </a:lnTo>
+                <a:close/>
+              </a:path>
+            </a:pathLst>
+          </a:custGeom>
+          <a:solidFill>
+            <a:schemeClr val="bg2"/>
+          </a:solidFill>
+          <a:ln>
+            <a:noFill/>
+          </a:ln>
+        </p:spPr>
+        <p:txBody>
+          <a:bodyPr vert="horz" wrap="square" lIns="91440" tIns="45720" rIns="91440" bIns="45720" numCol="1" anchor="ctr" anchorCtr="0" compatLnSpc="1">
+            <a:prstTxWarp prst="textNoShape">
+              <a:avLst/>
+            </a:prstTxWarp>
+            <a:noAutofit/>
+          </a:bodyPr>
+          <a:lstStyle/>
+          <a:p>
+            <a:pPr algn="ctr"/>
+            <a:endParaRPr lang="zh-CN" altLang="en-US" sz="3200" b="1"/>
+          </a:p>
+        </p:txBody>
+      </p:sp>
+      <p:sp>
+        <p:nvSpPr>
+          <p:cNvPr id="34" name="文本框 33"/>
+          <p:cNvSpPr txBox="1"/>
+          <p:nvPr userDrawn="1"/>
+        </p:nvSpPr>
+        <p:spPr>
+          <a:xfrm>
+            <a:off x="2071646" y="4983444"/>
+            <a:ext cx="383206" cy="443226"/>
+          </a:xfrm>
+          <a:prstGeom prst="rect">
+            <a:avLst/>
+          </a:prstGeom>
+          <a:noFill/>
+        </p:spPr>
+        <p:txBody>
+          <a:bodyPr wrap="none" rtlCol="0" anchor="ctr">
+            <a:noAutofit/>
+          </a:bodyPr>
+          <a:lstStyle/>
+          <a:p>
+            <a:pPr algn="ctr"/>
+            <a:r>
+              <a:rPr lang="en-US" altLang="zh-CN" b="1" dirty="0">
+                <a:solidFill>
+                  <a:schemeClr val="bg1"/>
+                </a:solidFill>
+                <a:latin typeface="微软雅黑" panose="020B0503020204020204" pitchFamily="34" charset="-122"/>
+                <a:ea typeface="微软雅黑" panose="020B0503020204020204" pitchFamily="34" charset="-122"/>
+              </a:rPr>
+              <a:t>5</a:t>
+            </a:r>
+            <a:endParaRPr lang="zh-CN" altLang="en-US" b="1" dirty="0">
+              <a:solidFill>
+                <a:schemeClr val="bg1"/>
+              </a:solidFill>
+              <a:latin typeface="微软雅黑" panose="020B0503020204020204" pitchFamily="34" charset="-122"/>
+              <a:ea typeface="微软雅黑" panose="020B0503020204020204" pitchFamily="34" charset="-122"/>
+            </a:endParaRPr>
+          </a:p>
+        </p:txBody>
+      </p:sp>
+      <p:cxnSp>
+        <p:nvCxnSpPr>
+          <p:cNvPr id="35" name="直接连接符 34"/>
+          <p:cNvCxnSpPr>
+            <a:stCxn id="33" idx="6"/>
+          </p:cNvCxnSpPr>
+          <p:nvPr/>
+        </p:nvCxnSpPr>
+        <p:spPr>
+          <a:xfrm>
+            <a:off x="2534033" y="5391109"/>
+            <a:ext cx="4500000" cy="0"/>
+          </a:xfrm>
+          <a:prstGeom prst="line">
+            <a:avLst/>
+          </a:prstGeom>
+          <a:ln>
+            <a:solidFill>
+              <a:schemeClr val="bg2"/>
+            </a:solidFill>
+          </a:ln>
+        </p:spPr>
+        <p:style>
+          <a:lnRef idx="1">
+            <a:schemeClr val="accent1"/>
+          </a:lnRef>
+          <a:fillRef idx="0">
+            <a:schemeClr val="accent1"/>
+          </a:fillRef>
+          <a:effectRef idx="0">
+            <a:schemeClr val="accent1"/>
+          </a:effectRef>
+          <a:fontRef idx="minor">
+            <a:schemeClr val="tx1"/>
+          </a:fontRef>
+        </p:style>
+      </p:cxnSp>
+      <p:sp>
+        <p:nvSpPr>
+          <p:cNvPr id="36" name="文本框 35"/>
+          <p:cNvSpPr txBox="1"/>
+          <p:nvPr/>
+        </p:nvSpPr>
+        <p:spPr>
+          <a:xfrm>
+            <a:off x="2915073" y="4954628"/>
+            <a:ext cx="4387392" cy="461665"/>
+          </a:xfrm>
+          <a:prstGeom prst="rect">
+            <a:avLst/>
+          </a:prstGeom>
+          <a:noFill/>
+        </p:spPr>
+        <p:txBody>
+          <a:bodyPr wrap="square" rtlCol="0">
+            <a:spAutoFit/>
+          </a:bodyPr>
+          <a:lstStyle/>
+          <a:p>
+            <a:r>
+              <a:rPr lang="zh-CN" altLang="en-US" sz="2400" dirty="0">
+                <a:solidFill>
+                  <a:schemeClr val="tx1">
+                    <a:lumMod val="75000"/>
+                    <a:lumOff val="25000"/>
+                  </a:schemeClr>
+                </a:solidFill>
+              </a:rPr>
+              <a:t>图片处理及排版</a:t>
+            </a:r>
+          </a:p>
+        </p:txBody>
+      </p:sp>
+      <p:sp>
+        <p:nvSpPr>
+          <p:cNvPr id="27" name="文本框 26">
+            <a:extLst>
+              <a:ext uri="{FF2B5EF4-FFF2-40B4-BE49-F238E27FC236}">
+                <a16:creationId xmlns:a16="http://schemas.microsoft.com/office/drawing/2014/main" id="{C9E08AC9-4FB0-4550-A1CB-816188F7BA49}"/>
+              </a:ext>
+            </a:extLst>
+          </p:cNvPr>
+          <p:cNvSpPr txBox="1"/>
+          <p:nvPr/>
+        </p:nvSpPr>
+        <p:spPr>
+          <a:xfrm>
+            <a:off x="2915072" y="1274734"/>
+            <a:ext cx="6125295" cy="461665"/>
+          </a:xfrm>
+          <a:prstGeom prst="rect">
+            <a:avLst/>
+          </a:prstGeom>
+          <a:noFill/>
+        </p:spPr>
+        <p:txBody>
+          <a:bodyPr wrap="square" rtlCol="0">
+            <a:spAutoFit/>
+          </a:bodyPr>
+          <a:lstStyle/>
+          <a:p>
+            <a:r>
+              <a:rPr lang="en-GB" altLang="zh-CN" sz="2400" dirty="0" err="1"/>
+              <a:t>NPoS</a:t>
+            </a:r>
+            <a:r>
+              <a:rPr lang="en-GB" altLang="zh-CN" sz="2400" dirty="0"/>
+              <a:t> and Validator election</a:t>
+            </a:r>
+            <a:endParaRPr lang="zh-CN" altLang="en-US" sz="2400" dirty="0"/>
+          </a:p>
+        </p:txBody>
+      </p:sp>
+      <p:sp>
+        <p:nvSpPr>
+          <p:cNvPr id="28" name="文本框 27">
+            <a:extLst>
+              <a:ext uri="{FF2B5EF4-FFF2-40B4-BE49-F238E27FC236}">
+                <a16:creationId xmlns:a16="http://schemas.microsoft.com/office/drawing/2014/main" id="{DCEE20DD-9900-4544-99E0-9CF98F12850C}"/>
+              </a:ext>
+            </a:extLst>
+          </p:cNvPr>
+          <p:cNvSpPr txBox="1"/>
+          <p:nvPr/>
+        </p:nvSpPr>
+        <p:spPr>
+          <a:xfrm>
+            <a:off x="2915073" y="2194707"/>
+            <a:ext cx="4387392" cy="461665"/>
+          </a:xfrm>
+          <a:prstGeom prst="rect">
+            <a:avLst/>
+          </a:prstGeom>
+          <a:noFill/>
+        </p:spPr>
+        <p:txBody>
+          <a:bodyPr wrap="square" rtlCol="0">
+            <a:spAutoFit/>
+          </a:bodyPr>
+          <a:lstStyle/>
+          <a:p>
+            <a:r>
+              <a:rPr lang="en-US" altLang="zh-CN" sz="2400" dirty="0">
+                <a:solidFill>
+                  <a:schemeClr val="tx1">
+                    <a:lumMod val="75000"/>
+                    <a:lumOff val="25000"/>
+                  </a:schemeClr>
+                </a:solidFill>
+              </a:rPr>
+              <a:t>Relay Chain State Machine</a:t>
+            </a:r>
+            <a:endParaRPr lang="zh-CN" altLang="en-US" sz="2400" dirty="0">
+              <a:solidFill>
+                <a:schemeClr val="tx1">
+                  <a:lumMod val="75000"/>
+                  <a:lumOff val="25000"/>
+                </a:schemeClr>
+              </a:solidFill>
+            </a:endParaRPr>
+          </a:p>
+        </p:txBody>
+      </p:sp>
+    </p:spTree>
+    <p:extLst>
+      <p:ext uri="{BB962C8B-B14F-4D97-AF65-F5344CB8AC3E}">
+        <p14:creationId xmlns:p14="http://schemas.microsoft.com/office/powerpoint/2010/main" val="3578238027"/>
+      </p:ext>
+    </p:extLst>
+  </p:cSld>
+  <p:clrMapOvr>
+    <a:masterClrMapping/>
+  </p:clrMapOvr>
+</p:sld>
+</file>
+
+<file path=ppt/slides/slide14.xml><?xml version="1.0" encoding="utf-8"?>
+<p:sld xmlns:a="http://schemas.openxmlformats.org/drawingml/2006/main" xmlns:r="http://schemas.openxmlformats.org/officeDocument/2006/relationships" xmlns:p="http://schemas.openxmlformats.org/presentationml/2006/main">
+  <p:cSld>
+    <p:spTree>
+      <p:nvGrpSpPr>
+        <p:cNvPr id="1" name=""/>
+        <p:cNvGrpSpPr/>
+        <p:nvPr/>
+      </p:nvGrpSpPr>
+      <p:grpSpPr>
+        <a:xfrm>
+          <a:off x="0" y="0"/>
+          <a:ext cx="0" cy="0"/>
+          <a:chOff x="0" y="0"/>
+          <a:chExt cx="0" cy="0"/>
+        </a:xfrm>
+      </p:grpSpPr>
+      <p:sp>
+        <p:nvSpPr>
           <p:cNvPr id="2" name="标题 1"/>
           <p:cNvSpPr>
             <a:spLocks noGrp="1"/>
@@ -10284,7 +13330,7 @@
 </p:sld>
 </file>
 
-<file path=ppt/slides/slide11.xml><?xml version="1.0" encoding="utf-8"?>
+<file path=ppt/slides/slide15.xml><?xml version="1.0" encoding="utf-8"?>
 <p:sld xmlns:a="http://schemas.openxmlformats.org/drawingml/2006/main" xmlns:r="http://schemas.openxmlformats.org/officeDocument/2006/relationships" xmlns:p="http://schemas.openxmlformats.org/presentationml/2006/main">
   <p:cSld>
     <p:spTree>
@@ -14761,7 +17807,7 @@
 </p:sld>
 </file>
 
-<file path=ppt/slides/slide12.xml><?xml version="1.0" encoding="utf-8"?>
+<file path=ppt/slides/slide16.xml><?xml version="1.0" encoding="utf-8"?>
 <p:sld xmlns:a="http://schemas.openxmlformats.org/drawingml/2006/main" xmlns:r="http://schemas.openxmlformats.org/officeDocument/2006/relationships" xmlns:p="http://schemas.openxmlformats.org/presentationml/2006/main">
   <p:cSld>
     <p:spTree>
@@ -15598,7 +18644,7 @@
 </p:sld>
 </file>
 
-<file path=ppt/slides/slide13.xml><?xml version="1.0" encoding="utf-8"?>
+<file path=ppt/slides/slide17.xml><?xml version="1.0" encoding="utf-8"?>
 <p:sld xmlns:a="http://schemas.openxmlformats.org/drawingml/2006/main" xmlns:r="http://schemas.openxmlformats.org/officeDocument/2006/relationships" xmlns:p="http://schemas.openxmlformats.org/presentationml/2006/main">
   <p:cSld>
     <p:spTree>
@@ -15880,42 +18926,6 @@
       </p:cxnSp>
       <p:sp>
         <p:nvSpPr>
-          <p:cNvPr id="11" name="文本框 10"/>
-          <p:cNvSpPr txBox="1"/>
-          <p:nvPr/>
-        </p:nvSpPr>
-        <p:spPr>
-          <a:xfrm>
-            <a:off x="2915073" y="1274734"/>
-            <a:ext cx="4387392" cy="461665"/>
-          </a:xfrm>
-          <a:prstGeom prst="rect">
-            <a:avLst/>
-          </a:prstGeom>
-          <a:noFill/>
-        </p:spPr>
-        <p:txBody>
-          <a:bodyPr wrap="square" rtlCol="0">
-            <a:spAutoFit/>
-          </a:bodyPr>
-          <a:lstStyle/>
-          <a:p>
-            <a:r>
-              <a:rPr lang="zh-CN" altLang="en-US" sz="2400" dirty="0">
-                <a:solidFill>
-                  <a:schemeClr val="tx1">
-                    <a:lumMod val="75000"/>
-                    <a:lumOff val="25000"/>
-                  </a:schemeClr>
-                </a:solidFill>
-              </a:rPr>
-              <a:t>说明</a:t>
-            </a:r>
-          </a:p>
-        </p:txBody>
-      </p:sp>
-      <p:sp>
-        <p:nvSpPr>
           <p:cNvPr id="13" name="Freeform 10"/>
           <p:cNvSpPr>
             <a:spLocks/>
@@ -16132,42 +19142,6 @@
       </p:cxnSp>
       <p:sp>
         <p:nvSpPr>
-          <p:cNvPr id="16" name="文本框 15"/>
-          <p:cNvSpPr txBox="1"/>
-          <p:nvPr/>
-        </p:nvSpPr>
-        <p:spPr>
-          <a:xfrm>
-            <a:off x="2915073" y="2194707"/>
-            <a:ext cx="4387392" cy="461665"/>
-          </a:xfrm>
-          <a:prstGeom prst="rect">
-            <a:avLst/>
-          </a:prstGeom>
-          <a:noFill/>
-        </p:spPr>
-        <p:txBody>
-          <a:bodyPr wrap="square" rtlCol="0">
-            <a:spAutoFit/>
-          </a:bodyPr>
-          <a:lstStyle/>
-          <a:p>
-            <a:r>
-              <a:rPr lang="zh-CN" altLang="en-US" sz="2400" dirty="0">
-                <a:solidFill>
-                  <a:schemeClr val="tx1">
-                    <a:lumMod val="75000"/>
-                    <a:lumOff val="25000"/>
-                  </a:schemeClr>
-                </a:solidFill>
-              </a:rPr>
-              <a:t>无页码版式</a:t>
-            </a:r>
-          </a:p>
-        </p:txBody>
-      </p:sp>
-      <p:sp>
-        <p:nvSpPr>
           <p:cNvPr id="18" name="Freeform 10"/>
           <p:cNvSpPr>
             <a:spLocks/>
@@ -16922,6 +19896,96 @@
           </a:p>
         </p:txBody>
       </p:sp>
+      <p:sp>
+        <p:nvSpPr>
+          <p:cNvPr id="27" name="文本框 26">
+            <a:extLst>
+              <a:ext uri="{FF2B5EF4-FFF2-40B4-BE49-F238E27FC236}">
+                <a16:creationId xmlns:a16="http://schemas.microsoft.com/office/drawing/2014/main" id="{367E0138-5215-460C-8807-841852973E45}"/>
+              </a:ext>
+            </a:extLst>
+          </p:cNvPr>
+          <p:cNvSpPr txBox="1"/>
+          <p:nvPr/>
+        </p:nvSpPr>
+        <p:spPr>
+          <a:xfrm>
+            <a:off x="2915073" y="2194707"/>
+            <a:ext cx="4387392" cy="461665"/>
+          </a:xfrm>
+          <a:prstGeom prst="rect">
+            <a:avLst/>
+          </a:prstGeom>
+          <a:noFill/>
+        </p:spPr>
+        <p:txBody>
+          <a:bodyPr wrap="square" rtlCol="0">
+            <a:spAutoFit/>
+          </a:bodyPr>
+          <a:lstStyle/>
+          <a:p>
+            <a:r>
+              <a:rPr lang="en-US" altLang="zh-CN" sz="2400" dirty="0">
+                <a:solidFill>
+                  <a:schemeClr val="tx1">
+                    <a:lumMod val="75000"/>
+                    <a:lumOff val="25000"/>
+                  </a:schemeClr>
+                </a:solidFill>
+              </a:rPr>
+              <a:t>Relay Chain State Machine</a:t>
+            </a:r>
+            <a:endParaRPr lang="zh-CN" altLang="en-US" sz="2400" dirty="0">
+              <a:solidFill>
+                <a:schemeClr val="tx1">
+                  <a:lumMod val="75000"/>
+                  <a:lumOff val="25000"/>
+                </a:schemeClr>
+              </a:solidFill>
+            </a:endParaRPr>
+          </a:p>
+        </p:txBody>
+      </p:sp>
+      <p:sp>
+        <p:nvSpPr>
+          <p:cNvPr id="28" name="文本框 27">
+            <a:extLst>
+              <a:ext uri="{FF2B5EF4-FFF2-40B4-BE49-F238E27FC236}">
+                <a16:creationId xmlns:a16="http://schemas.microsoft.com/office/drawing/2014/main" id="{E0FFA6AC-4156-4BE7-81FC-FB9E0DB50B7C}"/>
+              </a:ext>
+            </a:extLst>
+          </p:cNvPr>
+          <p:cNvSpPr txBox="1"/>
+          <p:nvPr/>
+        </p:nvSpPr>
+        <p:spPr>
+          <a:xfrm>
+            <a:off x="2915072" y="1274734"/>
+            <a:ext cx="6125295" cy="461665"/>
+          </a:xfrm>
+          <a:prstGeom prst="rect">
+            <a:avLst/>
+          </a:prstGeom>
+          <a:noFill/>
+        </p:spPr>
+        <p:txBody>
+          <a:bodyPr wrap="square" rtlCol="0">
+            <a:spAutoFit/>
+          </a:bodyPr>
+          <a:lstStyle/>
+          <a:p>
+            <a:r>
+              <a:rPr lang="en-GB" altLang="zh-CN" sz="2400" dirty="0" err="1"/>
+              <a:t>NPoS</a:t>
+            </a:r>
+            <a:r>
+              <a:rPr lang="en-GB" altLang="zh-CN" sz="2400" dirty="0"/>
+              <a:t> and Validator election</a:t>
+            </a:r>
+            <a:endParaRPr lang="zh-CN" altLang="en-US" sz="2400" dirty="0"/>
+          </a:p>
+        </p:txBody>
+      </p:sp>
     </p:spTree>
     <p:extLst>
       <p:ext uri="{BB962C8B-B14F-4D97-AF65-F5344CB8AC3E}">
@@ -16935,7 +19999,7 @@
 </p:sld>
 </file>
 
-<file path=ppt/slides/slide14.xml><?xml version="1.0" encoding="utf-8"?>
+<file path=ppt/slides/slide18.xml><?xml version="1.0" encoding="utf-8"?>
 <p:sld xmlns:a="http://schemas.openxmlformats.org/drawingml/2006/main" xmlns:r="http://schemas.openxmlformats.org/officeDocument/2006/relationships" xmlns:p="http://schemas.openxmlformats.org/presentationml/2006/main">
   <p:cSld>
     <p:spTree>
@@ -17444,7 +20508,7 @@
 </p:sld>
 </file>
 
-<file path=ppt/slides/slide15.xml><?xml version="1.0" encoding="utf-8"?>
+<file path=ppt/slides/slide19.xml><?xml version="1.0" encoding="utf-8"?>
 <p:sld xmlns:a="http://schemas.openxmlformats.org/drawingml/2006/main" xmlns:r="http://schemas.openxmlformats.org/officeDocument/2006/relationships" xmlns:p="http://schemas.openxmlformats.org/presentationml/2006/main">
   <p:cSld>
     <p:spTree>
@@ -17794,7 +20858,7 @@
         <p:spPr>
           <a:xfrm>
             <a:off x="2915072" y="1274734"/>
-            <a:ext cx="6125295" cy="400110"/>
+            <a:ext cx="6125295" cy="461665"/>
           </a:xfrm>
           <a:prstGeom prst="rect">
             <a:avLst/>
@@ -17808,10 +20872,14 @@
           <a:lstStyle/>
           <a:p>
             <a:r>
-              <a:rPr lang="en-GB" altLang="zh-CN" sz="2000" dirty="0"/>
-              <a:t>Nominated proof-of-stake and validator election</a:t>
-            </a:r>
-            <a:endParaRPr lang="zh-CN" altLang="en-US" sz="2000" dirty="0"/>
+              <a:rPr lang="en-GB" altLang="zh-CN" sz="2400" dirty="0" err="1"/>
+              <a:t>NPoS</a:t>
+            </a:r>
+            <a:r>
+              <a:rPr lang="en-GB" altLang="zh-CN" sz="2400" dirty="0"/>
+              <a:t> and Validator election</a:t>
+            </a:r>
+            <a:endParaRPr lang="zh-CN" altLang="en-US" sz="2400" dirty="0"/>
           </a:p>
         </p:txBody>
       </p:sp>
@@ -18046,35 +21114,6 @@
           </a:fontRef>
         </p:style>
       </p:cxnSp>
-      <p:sp>
-        <p:nvSpPr>
-          <p:cNvPr id="16" name="文本框 15"/>
-          <p:cNvSpPr txBox="1"/>
-          <p:nvPr/>
-        </p:nvSpPr>
-        <p:spPr>
-          <a:xfrm>
-            <a:off x="2915073" y="2194707"/>
-            <a:ext cx="4387392" cy="461665"/>
-          </a:xfrm>
-          <a:prstGeom prst="rect">
-            <a:avLst/>
-          </a:prstGeom>
-          <a:noFill/>
-        </p:spPr>
-        <p:txBody>
-          <a:bodyPr wrap="square" rtlCol="0">
-            <a:spAutoFit/>
-          </a:bodyPr>
-          <a:lstStyle/>
-          <a:p>
-            <a:r>
-              <a:rPr lang="zh-CN" altLang="en-US" sz="2400" dirty="0"/>
-              <a:t>无页码版式</a:t>
-            </a:r>
-          </a:p>
-        </p:txBody>
-      </p:sp>
       <p:grpSp>
         <p:nvGrpSpPr>
           <p:cNvPr id="17" name="组合 16"/>
@@ -18855,6 +21894,56 @@
           </a:p>
         </p:txBody>
       </p:sp>
+      <p:sp>
+        <p:nvSpPr>
+          <p:cNvPr id="29" name="文本框 28">
+            <a:extLst>
+              <a:ext uri="{FF2B5EF4-FFF2-40B4-BE49-F238E27FC236}">
+                <a16:creationId xmlns:a16="http://schemas.microsoft.com/office/drawing/2014/main" id="{BF2171C6-D7F2-48F4-B228-E0F77001591E}"/>
+              </a:ext>
+            </a:extLst>
+          </p:cNvPr>
+          <p:cNvSpPr txBox="1"/>
+          <p:nvPr/>
+        </p:nvSpPr>
+        <p:spPr>
+          <a:xfrm>
+            <a:off x="2915073" y="2194707"/>
+            <a:ext cx="4387392" cy="461665"/>
+          </a:xfrm>
+          <a:prstGeom prst="rect">
+            <a:avLst/>
+          </a:prstGeom>
+          <a:noFill/>
+        </p:spPr>
+        <p:txBody>
+          <a:bodyPr wrap="square" rtlCol="0">
+            <a:spAutoFit/>
+          </a:bodyPr>
+          <a:lstStyle/>
+          <a:p>
+            <a:r>
+              <a:rPr lang="en-US" altLang="zh-CN" sz="2400" dirty="0">
+                <a:solidFill>
+                  <a:schemeClr val="tx1">
+                    <a:lumMod val="75000"/>
+                    <a:lumOff val="25000"/>
+                  </a:schemeClr>
+                </a:solidFill>
+              </a:rPr>
+              <a:t>Relay Chain State Machine</a:t>
+            </a:r>
+            <a:endParaRPr lang="zh-CN" altLang="en-US" sz="2400" dirty="0">
+              <a:solidFill>
+                <a:schemeClr val="tx1">
+                  <a:lumMod val="75000"/>
+                  <a:lumOff val="25000"/>
+                </a:schemeClr>
+              </a:solidFill>
+            </a:endParaRPr>
+          </a:p>
+        </p:txBody>
+      </p:sp>
     </p:spTree>
     <p:extLst>
       <p:ext uri="{BB962C8B-B14F-4D97-AF65-F5344CB8AC3E}">
@@ -18888,37 +21977,6 @@
           <a:chExt cx="0" cy="0"/>
         </a:xfrm>
       </p:grpSpPr>
-      <p:sp>
-        <p:nvSpPr>
-          <p:cNvPr id="2" name="标题 1"/>
-          <p:cNvSpPr>
-            <a:spLocks noGrp="1"/>
-          </p:cNvSpPr>
-          <p:nvPr>
-            <p:ph type="title"/>
-          </p:nvPr>
-        </p:nvSpPr>
-        <p:spPr/>
-        <p:txBody>
-          <a:bodyPr>
-            <a:normAutofit fontScale="90000"/>
-          </a:bodyPr>
-          <a:lstStyle/>
-          <a:p>
-            <a:r>
-              <a:rPr lang="en-US" altLang="zh-CN" dirty="0">
-                <a:latin typeface="微软雅黑" panose="020B0503020204020204" pitchFamily="34" charset="-122"/>
-                <a:ea typeface="微软雅黑" panose="020B0503020204020204" pitchFamily="34" charset="-122"/>
-              </a:rPr>
-              <a:t>Contents</a:t>
-            </a:r>
-            <a:endParaRPr lang="zh-CN" altLang="en-US" dirty="0">
-              <a:latin typeface="微软雅黑" panose="020B0503020204020204" pitchFamily="34" charset="-122"/>
-              <a:ea typeface="微软雅黑" panose="020B0503020204020204" pitchFamily="34" charset="-122"/>
-            </a:endParaRPr>
-          </a:p>
-        </p:txBody>
-      </p:sp>
       <p:sp>
         <p:nvSpPr>
           <p:cNvPr id="4" name="Freeform 10"/>
@@ -19144,7 +22202,7 @@
         <p:spPr>
           <a:xfrm>
             <a:off x="2915072" y="1274734"/>
-            <a:ext cx="5418159" cy="400110"/>
+            <a:ext cx="5418159" cy="461665"/>
           </a:xfrm>
           <a:prstGeom prst="rect">
             <a:avLst/>
@@ -19158,10 +22216,14 @@
           <a:lstStyle/>
           <a:p>
             <a:r>
-              <a:rPr lang="en-GB" altLang="zh-CN" sz="2000" dirty="0"/>
-              <a:t>Nominated proof-of-stake and validator election</a:t>
-            </a:r>
-            <a:endParaRPr lang="zh-CN" altLang="en-US" sz="2000" dirty="0"/>
+              <a:rPr lang="en-GB" altLang="zh-CN" sz="2400" dirty="0" err="1"/>
+              <a:t>NPoS</a:t>
+            </a:r>
+            <a:r>
+              <a:rPr lang="en-GB" altLang="zh-CN" sz="2400" dirty="0"/>
+              <a:t> and Validator election</a:t>
+            </a:r>
+            <a:endParaRPr lang="zh-CN" altLang="en-US" sz="2400" dirty="0"/>
           </a:p>
         </p:txBody>
       </p:sp>
@@ -19383,42 +22445,6 @@
       </p:cxnSp>
       <p:sp>
         <p:nvSpPr>
-          <p:cNvPr id="16" name="文本框 15"/>
-          <p:cNvSpPr txBox="1"/>
-          <p:nvPr/>
-        </p:nvSpPr>
-        <p:spPr>
-          <a:xfrm>
-            <a:off x="2915073" y="2194707"/>
-            <a:ext cx="4387392" cy="461665"/>
-          </a:xfrm>
-          <a:prstGeom prst="rect">
-            <a:avLst/>
-          </a:prstGeom>
-          <a:noFill/>
-        </p:spPr>
-        <p:txBody>
-          <a:bodyPr wrap="square" rtlCol="0">
-            <a:spAutoFit/>
-          </a:bodyPr>
-          <a:lstStyle/>
-          <a:p>
-            <a:r>
-              <a:rPr lang="zh-CN" altLang="en-US" sz="2400" dirty="0">
-                <a:solidFill>
-                  <a:schemeClr val="tx1">
-                    <a:lumMod val="75000"/>
-                    <a:lumOff val="25000"/>
-                  </a:schemeClr>
-                </a:solidFill>
-              </a:rPr>
-              <a:t>无页码版式</a:t>
-            </a:r>
-          </a:p>
-        </p:txBody>
-      </p:sp>
-      <p:sp>
-        <p:nvSpPr>
           <p:cNvPr id="18" name="Freeform 10"/>
           <p:cNvSpPr>
             <a:spLocks/>
@@ -20170,6 +23196,105 @@
               </a:rPr>
               <a:t>图片处理及排版</a:t>
             </a:r>
+          </a:p>
+        </p:txBody>
+      </p:sp>
+      <p:sp>
+        <p:nvSpPr>
+          <p:cNvPr id="27" name="文本框 26">
+            <a:extLst>
+              <a:ext uri="{FF2B5EF4-FFF2-40B4-BE49-F238E27FC236}">
+                <a16:creationId xmlns:a16="http://schemas.microsoft.com/office/drawing/2014/main" id="{2C8DA445-92E8-40C0-868E-F5D95757462D}"/>
+              </a:ext>
+            </a:extLst>
+          </p:cNvPr>
+          <p:cNvSpPr txBox="1"/>
+          <p:nvPr/>
+        </p:nvSpPr>
+        <p:spPr>
+          <a:xfrm>
+            <a:off x="2915073" y="2194707"/>
+            <a:ext cx="4387392" cy="461665"/>
+          </a:xfrm>
+          <a:prstGeom prst="rect">
+            <a:avLst/>
+          </a:prstGeom>
+          <a:noFill/>
+        </p:spPr>
+        <p:txBody>
+          <a:bodyPr wrap="square" rtlCol="0">
+            <a:spAutoFit/>
+          </a:bodyPr>
+          <a:lstStyle/>
+          <a:p>
+            <a:r>
+              <a:rPr lang="en-US" altLang="zh-CN" sz="2400" dirty="0">
+                <a:solidFill>
+                  <a:schemeClr val="tx1">
+                    <a:lumMod val="75000"/>
+                    <a:lumOff val="25000"/>
+                  </a:schemeClr>
+                </a:solidFill>
+              </a:rPr>
+              <a:t>Relay Chain State Machine</a:t>
+            </a:r>
+            <a:endParaRPr lang="zh-CN" altLang="en-US" sz="2400" dirty="0">
+              <a:solidFill>
+                <a:schemeClr val="tx1">
+                  <a:lumMod val="75000"/>
+                  <a:lumOff val="25000"/>
+                </a:schemeClr>
+              </a:solidFill>
+            </a:endParaRPr>
+          </a:p>
+        </p:txBody>
+      </p:sp>
+      <p:sp>
+        <p:nvSpPr>
+          <p:cNvPr id="29" name="标题 1">
+            <a:extLst>
+              <a:ext uri="{FF2B5EF4-FFF2-40B4-BE49-F238E27FC236}">
+                <a16:creationId xmlns:a16="http://schemas.microsoft.com/office/drawing/2014/main" id="{EF0D622F-4C92-4D81-AD2A-E7072DE87A64}"/>
+              </a:ext>
+            </a:extLst>
+          </p:cNvPr>
+          <p:cNvSpPr>
+            <a:spLocks noGrp="1"/>
+          </p:cNvSpPr>
+          <p:nvPr>
+            <p:ph type="title"/>
+          </p:nvPr>
+        </p:nvSpPr>
+        <p:spPr>
+          <a:xfrm>
+            <a:off x="323850" y="235137"/>
+            <a:ext cx="6474515" cy="337358"/>
+          </a:xfrm>
+        </p:spPr>
+        <p:txBody>
+          <a:bodyPr>
+            <a:normAutofit fontScale="90000"/>
+          </a:bodyPr>
+          <a:lstStyle/>
+          <a:p>
+            <a:r>
+              <a:rPr lang="zh-CN" altLang="en-US" dirty="0">
+                <a:latin typeface="微软雅黑" panose="020B0503020204020204" pitchFamily="34" charset="-122"/>
+                <a:ea typeface="微软雅黑" panose="020B0503020204020204" pitchFamily="34" charset="-122"/>
+              </a:rPr>
+              <a:t> </a:t>
+            </a:r>
+            <a:r>
+              <a:rPr lang="en-US" altLang="zh-CN" dirty="0">
+                <a:latin typeface="微软雅黑" panose="020B0503020204020204" pitchFamily="34" charset="-122"/>
+                <a:ea typeface="微软雅黑" panose="020B0503020204020204" pitchFamily="34" charset="-122"/>
+              </a:rPr>
+              <a:t>Contents</a:t>
+            </a:r>
+            <a:endParaRPr lang="zh-CN" altLang="en-US" dirty="0">
+              <a:latin typeface="微软雅黑" panose="020B0503020204020204" pitchFamily="34" charset="-122"/>
+              <a:ea typeface="微软雅黑" panose="020B0503020204020204" pitchFamily="34" charset="-122"/>
+            </a:endParaRPr>
           </a:p>
         </p:txBody>
       </p:sp>
@@ -20229,7 +23354,9 @@
         </p:nvSpPr>
         <p:spPr/>
         <p:txBody>
-          <a:bodyPr/>
+          <a:bodyPr>
+            <a:normAutofit fontScale="92500"/>
+          </a:bodyPr>
           <a:lstStyle/>
           <a:p>
             <a:r>
@@ -20238,7 +23365,7 @@
             </a:r>
             <a:r>
               <a:rPr lang="en-GB" altLang="zh-CN" dirty="0"/>
-              <a:t> is a very own version of </a:t>
+              <a:t>(Nominated proof-of-state) is a very own version of </a:t>
             </a:r>
             <a:r>
               <a:rPr lang="en-GB" altLang="zh-CN" dirty="0" err="1"/>
@@ -20254,7 +23381,7 @@
             </a:r>
             <a:r>
               <a:rPr lang="en-GB" altLang="zh-CN" dirty="0"/>
-              <a:t>.</a:t>
+              <a:t> which have a native token called DOT</a:t>
             </a:r>
           </a:p>
           <a:p>
@@ -20278,8 +23405,12 @@
           <a:p>
             <a:pPr lvl="1"/>
             <a:r>
+              <a:rPr lang="en-GB" altLang="zh-CN" b="1" dirty="0"/>
+              <a:t>more efficient </a:t>
+            </a:r>
+            <a:r>
               <a:rPr lang="en-GB" altLang="zh-CN" dirty="0"/>
-              <a:t>more efficient than </a:t>
+              <a:t>than </a:t>
             </a:r>
             <a:r>
               <a:rPr lang="en-GB" altLang="zh-CN" dirty="0" err="1"/>
@@ -20291,7 +23422,15 @@
             <a:pPr lvl="1"/>
             <a:r>
               <a:rPr lang="en-GB" altLang="zh-CN" dirty="0"/>
-              <a:t>considerably more secure than conventional forms of </a:t>
+              <a:t>considerably </a:t>
+            </a:r>
+            <a:r>
+              <a:rPr lang="en-GB" altLang="zh-CN" b="1" dirty="0"/>
+              <a:t>more secure than conventional </a:t>
+            </a:r>
+            <a:r>
+              <a:rPr lang="en-GB" altLang="zh-CN" dirty="0"/>
+              <a:t>forms of </a:t>
             </a:r>
             <a:r>
               <a:rPr lang="en-GB" altLang="zh-CN" dirty="0" err="1"/>
@@ -20320,19 +23459,15 @@
           </a:p>
           <a:p>
             <a:r>
-              <a:rPr lang="en-GB" altLang="zh-CN" dirty="0" err="1"/>
-              <a:t>NPoS</a:t>
-            </a:r>
-            <a:r>
               <a:rPr lang="en-GB" altLang="zh-CN" dirty="0"/>
-              <a:t> Scheme:</a:t>
+              <a:t>Validator election:</a:t>
             </a:r>
           </a:p>
           <a:p>
             <a:pPr lvl="1"/>
             <a:r>
               <a:rPr lang="en-GB" altLang="zh-CN" dirty="0"/>
-              <a:t>A new set of validators is elected at the beginning of every era(about one day)</a:t>
+              <a:t>A new set of validators is elected at the beginning of every era( about one day)</a:t>
             </a:r>
           </a:p>
           <a:p>
@@ -20358,7 +23493,10 @@
           </a:p>
           <a:p>
             <a:pPr lvl="1"/>
-            <a:endParaRPr lang="zh-CN" altLang="en-US" dirty="0"/>
+            <a:r>
+              <a:rPr lang="en-GB" altLang="zh-CN" dirty="0"/>
+              <a:t>A public protocol takes these lists as input and elects the candidates with the most backing to serve as validators for the next era.</a:t>
+            </a:r>
           </a:p>
         </p:txBody>
       </p:sp>
@@ -20386,16 +23524,12 @@
           <a:lstStyle/>
           <a:p>
             <a:r>
-              <a:rPr lang="en-GB" altLang="zh-CN" dirty="0"/>
-              <a:t>Nominated proof-of-stake(</a:t>
-            </a:r>
-            <a:r>
               <a:rPr lang="en-GB" altLang="zh-CN" dirty="0" err="1"/>
               <a:t>NPoS</a:t>
             </a:r>
             <a:r>
               <a:rPr lang="en-GB" altLang="zh-CN" dirty="0"/>
-              <a:t>)</a:t>
+              <a:t> and Validator election</a:t>
             </a:r>
             <a:endParaRPr lang="zh-CN" altLang="en-US" dirty="0"/>
           </a:p>
@@ -20452,6 +23586,95 @@
           <a:bodyPr/>
           <a:lstStyle/>
           <a:p>
+            <a:r>
+              <a:rPr lang="en-US" altLang="zh-CN" dirty="0"/>
+              <a:t>A committee should represent each minority in the electorate proportional to their aggregate vote strength(their stake), with no minority being under-represented.</a:t>
+            </a:r>
+          </a:p>
+          <a:p>
+            <a:r>
+              <a:rPr lang="en-US" altLang="zh-CN" dirty="0"/>
+              <a:t>Related works:</a:t>
+            </a:r>
+          </a:p>
+          <a:p>
+            <a:pPr lvl="1"/>
+            <a:r>
+              <a:rPr lang="en-US" altLang="zh-CN" dirty="0"/>
+              <a:t>The work of Edvard </a:t>
+            </a:r>
+            <a:r>
+              <a:rPr lang="en-US" altLang="zh-CN" dirty="0" err="1"/>
+              <a:t>Phragmén</a:t>
+            </a:r>
+            <a:r>
+              <a:rPr lang="en-US" altLang="zh-CN" dirty="0"/>
+              <a:t> and Thorvald Thiele in late 19</a:t>
+            </a:r>
+            <a:r>
+              <a:rPr lang="en-US" altLang="zh-CN" baseline="30000" dirty="0"/>
+              <a:t>th</a:t>
+            </a:r>
+            <a:r>
+              <a:rPr lang="en-US" altLang="zh-CN" dirty="0"/>
+              <a:t> century.</a:t>
+            </a:r>
+          </a:p>
+          <a:p>
+            <a:pPr lvl="1"/>
+            <a:r>
+              <a:rPr lang="en-US" altLang="zh-CN" dirty="0"/>
+              <a:t>Considerable effort to formalize the notion of proportional representation.</a:t>
+            </a:r>
+          </a:p>
+          <a:p>
+            <a:pPr lvl="1"/>
+            <a:r>
+              <a:rPr lang="en-US" altLang="zh-CN" dirty="0" err="1"/>
+              <a:t>Revist</a:t>
+            </a:r>
+            <a:r>
+              <a:rPr lang="en-US" altLang="zh-CN" dirty="0"/>
+              <a:t> the methods by </a:t>
+            </a:r>
+            <a:r>
+              <a:rPr lang="en-US" altLang="zh-CN" dirty="0" err="1"/>
+              <a:t>Phragmén</a:t>
+            </a:r>
+            <a:r>
+              <a:rPr lang="en-US" altLang="zh-CN" dirty="0"/>
+              <a:t> and Thorvald and optimize them.</a:t>
+            </a:r>
+          </a:p>
+          <a:p>
+            <a:r>
+              <a:rPr lang="en-US" altLang="zh-CN" dirty="0"/>
+              <a:t>Validator selection protocol in </a:t>
+            </a:r>
+            <a:r>
+              <a:rPr lang="en-US" altLang="zh-CN" dirty="0" err="1"/>
+              <a:t>Polkadot</a:t>
+            </a:r>
+            <a:r>
+              <a:rPr lang="en-US" altLang="zh-CN" dirty="0"/>
+              <a:t> is an adaptation of </a:t>
+            </a:r>
+            <a:r>
+              <a:rPr lang="en-US" altLang="zh-CN" dirty="0" err="1"/>
+              <a:t>Phragmén’s</a:t>
+            </a:r>
+            <a:r>
+              <a:rPr lang="en-US" altLang="zh-CN" dirty="0"/>
+              <a:t> methods and is guaranteed to observe the technical property of </a:t>
+            </a:r>
+            <a:r>
+              <a:rPr lang="en-US" altLang="zh-CN" i="1" dirty="0"/>
+              <a:t>proportional justified representation </a:t>
+            </a:r>
+            <a:r>
+              <a:rPr lang="en-US" altLang="zh-CN" dirty="0"/>
+              <a:t>(PJR).</a:t>
+            </a:r>
             <a:endParaRPr lang="zh-CN" altLang="en-US" dirty="0"/>
           </a:p>
         </p:txBody>
@@ -20474,20 +23697,14 @@
         </p:nvSpPr>
         <p:spPr/>
         <p:txBody>
-          <a:bodyPr/>
+          <a:bodyPr>
+            <a:normAutofit fontScale="90000"/>
+          </a:bodyPr>
           <a:lstStyle/>
           <a:p>
             <a:r>
               <a:rPr lang="en-GB" altLang="zh-CN" dirty="0"/>
-              <a:t>Analysis of </a:t>
-            </a:r>
-            <a:r>
-              <a:rPr lang="en-GB" altLang="zh-CN" dirty="0" err="1"/>
-              <a:t>NPoS</a:t>
-            </a:r>
-            <a:r>
-              <a:rPr lang="en-GB" altLang="zh-CN" dirty="0"/>
-              <a:t>-Decentralisation</a:t>
+              <a:t>The goals of validator election: Decentralisation</a:t>
             </a:r>
             <a:endParaRPr lang="zh-CN" altLang="en-US" dirty="0"/>
           </a:p>
@@ -20507,6 +23724,2139 @@
 </file>
 
 <file path=ppt/slides/slide6.xml><?xml version="1.0" encoding="utf-8"?>
+<p:sld xmlns:a="http://schemas.openxmlformats.org/drawingml/2006/main" xmlns:r="http://schemas.openxmlformats.org/officeDocument/2006/relationships" xmlns:p="http://schemas.openxmlformats.org/presentationml/2006/main">
+  <p:cSld>
+    <p:spTree>
+      <p:nvGrpSpPr>
+        <p:cNvPr id="1" name=""/>
+        <p:cNvGrpSpPr/>
+        <p:nvPr/>
+      </p:nvGrpSpPr>
+      <p:grpSpPr>
+        <a:xfrm>
+          <a:off x="0" y="0"/>
+          <a:ext cx="0" cy="0"/>
+          <a:chOff x="0" y="0"/>
+          <a:chExt cx="0" cy="0"/>
+        </a:xfrm>
+      </p:grpSpPr>
+      <mc:AlternateContent xmlns:mc="http://schemas.openxmlformats.org/markup-compatibility/2006">
+        <mc:Choice xmlns:a14="http://schemas.microsoft.com/office/drawing/2010/main" Requires="a14">
+          <p:sp>
+            <p:nvSpPr>
+              <p:cNvPr id="2" name="内容占位符 1">
+                <a:extLst>
+                  <a:ext uri="{FF2B5EF4-FFF2-40B4-BE49-F238E27FC236}">
+                    <a16:creationId xmlns:a16="http://schemas.microsoft.com/office/drawing/2014/main" id="{1C033211-2BB1-4F34-AA8B-843D7AA332B4}"/>
+                  </a:ext>
+                </a:extLst>
+              </p:cNvPr>
+              <p:cNvSpPr>
+                <a:spLocks noGrp="1"/>
+              </p:cNvSpPr>
+              <p:nvPr>
+                <p:ph sz="quarter" idx="10"/>
+              </p:nvPr>
+            </p:nvSpPr>
+            <p:spPr/>
+            <p:txBody>
+              <a:bodyPr>
+                <a:normAutofit/>
+              </a:bodyPr>
+              <a:lstStyle/>
+              <a:p>
+                <a:r>
+                  <a:rPr lang="en-US" altLang="zh-CN" dirty="0"/>
+                  <a:t>the technical property of </a:t>
+                </a:r>
+                <a:r>
+                  <a:rPr lang="en-US" altLang="zh-CN" i="1" dirty="0"/>
+                  <a:t>proportional justified representation </a:t>
+                </a:r>
+                <a:r>
+                  <a:rPr lang="en-US" altLang="zh-CN" dirty="0"/>
+                  <a:t>(PJR).</a:t>
+                </a:r>
+              </a:p>
+              <a:p>
+                <a:pPr lvl="1"/>
+                <a:r>
+                  <a:rPr lang="en-US" altLang="zh-CN" dirty="0"/>
+                  <a:t>If each nominator </a:t>
+                </a:r>
+                <a14:m>
+                  <m:oMath xmlns:m="http://schemas.openxmlformats.org/officeDocument/2006/math">
+                    <m:r>
+                      <a:rPr lang="en-US" altLang="zh-CN" b="0" i="1" smtClean="0">
+                        <a:latin typeface="Cambria Math" panose="02040503050406030204" pitchFamily="18" charset="0"/>
+                      </a:rPr>
+                      <m:t>𝑛</m:t>
+                    </m:r>
+                    <m:r>
+                      <a:rPr lang="en-US" altLang="zh-CN" b="0" i="1" smtClean="0">
+                        <a:latin typeface="Cambria Math" panose="02040503050406030204" pitchFamily="18" charset="0"/>
+                      </a:rPr>
+                      <m:t>∈</m:t>
+                    </m:r>
+                    <m:r>
+                      <a:rPr lang="en-US" altLang="zh-CN" b="0" i="1" smtClean="0">
+                        <a:latin typeface="Cambria Math" panose="02040503050406030204" pitchFamily="18" charset="0"/>
+                      </a:rPr>
+                      <m:t>𝒩</m:t>
+                    </m:r>
+                    <m:r>
+                      <a:rPr lang="en-US" altLang="zh-CN" b="0" i="1" smtClean="0">
+                        <a:latin typeface="Cambria Math" panose="02040503050406030204" pitchFamily="18" charset="0"/>
+                      </a:rPr>
+                      <m:t> </m:t>
+                    </m:r>
+                  </m:oMath>
+                </a14:m>
+                <a:r>
+                  <a:rPr lang="en-US" altLang="zh-CN" dirty="0"/>
+                  <a:t>has stake </a:t>
+                </a:r>
+                <a14:m>
+                  <m:oMath xmlns:m="http://schemas.openxmlformats.org/officeDocument/2006/math">
+                    <m:r>
+                      <a:rPr lang="en-US" altLang="zh-CN" i="1" dirty="0" smtClean="0">
+                        <a:latin typeface="Cambria Math" panose="02040503050406030204" pitchFamily="18" charset="0"/>
+                      </a:rPr>
+                      <m:t>𝑠𝑡𝑎𝑘</m:t>
+                    </m:r>
+                    <m:sSub>
+                      <m:sSubPr>
+                        <m:ctrlPr>
+                          <a:rPr lang="en-US" altLang="zh-CN" b="0" i="1" dirty="0" smtClean="0">
+                            <a:latin typeface="Cambria Math" panose="02040503050406030204" pitchFamily="18" charset="0"/>
+                          </a:rPr>
+                        </m:ctrlPr>
+                      </m:sSubPr>
+                      <m:e>
+                        <m:r>
+                          <a:rPr lang="en-US" altLang="zh-CN" i="1" dirty="0" smtClean="0">
+                            <a:latin typeface="Cambria Math" panose="02040503050406030204" pitchFamily="18" charset="0"/>
+                          </a:rPr>
+                          <m:t>𝑒</m:t>
+                        </m:r>
+                      </m:e>
+                      <m:sub>
+                        <m:r>
+                          <a:rPr lang="en-US" altLang="zh-CN" b="0" i="1" dirty="0" smtClean="0">
+                            <a:latin typeface="Cambria Math" panose="02040503050406030204" pitchFamily="18" charset="0"/>
+                          </a:rPr>
+                          <m:t>𝑛</m:t>
+                        </m:r>
+                      </m:sub>
+                    </m:sSub>
+                  </m:oMath>
+                </a14:m>
+                <a:r>
+                  <a:rPr lang="en-US" altLang="zh-CN" dirty="0"/>
+                  <a:t> and backs a subset </a:t>
+                </a:r>
+                <a14:m>
+                  <m:oMath xmlns:m="http://schemas.openxmlformats.org/officeDocument/2006/math">
+                    <m:sSub>
+                      <m:sSubPr>
+                        <m:ctrlPr>
+                          <a:rPr lang="en-US" altLang="zh-CN" b="0" i="1" smtClean="0">
+                            <a:latin typeface="Cambria Math" panose="02040503050406030204" pitchFamily="18" charset="0"/>
+                          </a:rPr>
+                        </m:ctrlPr>
+                      </m:sSubPr>
+                      <m:e>
+                        <m:r>
+                          <a:rPr lang="en-US" altLang="zh-CN" b="0" i="1" smtClean="0">
+                            <a:latin typeface="Cambria Math" panose="02040503050406030204" pitchFamily="18" charset="0"/>
+                          </a:rPr>
+                          <m:t>𝒞</m:t>
+                        </m:r>
+                      </m:e>
+                      <m:sub>
+                        <m:r>
+                          <a:rPr lang="en-US" altLang="zh-CN" b="0" i="1" smtClean="0">
+                            <a:latin typeface="Cambria Math" panose="02040503050406030204" pitchFamily="18" charset="0"/>
+                          </a:rPr>
+                          <m:t>𝑛</m:t>
+                        </m:r>
+                      </m:sub>
+                    </m:sSub>
+                    <m:r>
+                      <a:rPr lang="en-US" altLang="zh-CN" b="0" i="1" smtClean="0">
+                        <a:latin typeface="Cambria Math" panose="02040503050406030204" pitchFamily="18" charset="0"/>
+                      </a:rPr>
+                      <m:t>⊆</m:t>
+                    </m:r>
+                    <m:r>
+                      <a:rPr lang="en-US" altLang="zh-CN" b="0" i="1" smtClean="0">
+                        <a:latin typeface="Cambria Math" panose="02040503050406030204" pitchFamily="18" charset="0"/>
+                      </a:rPr>
+                      <m:t>𝒞</m:t>
+                    </m:r>
+                  </m:oMath>
+                </a14:m>
+                <a:r>
+                  <a:rPr lang="en-US" altLang="zh-CN" dirty="0"/>
+                  <a:t>of candidates. The protocol will elect a set </a:t>
+                </a:r>
+                <a14:m>
+                  <m:oMath xmlns:m="http://schemas.openxmlformats.org/officeDocument/2006/math">
+                    <m:r>
+                      <a:rPr lang="en-US" altLang="zh-CN" b="0" i="1" dirty="0" smtClean="0">
+                        <a:latin typeface="Cambria Math" panose="02040503050406030204" pitchFamily="18" charset="0"/>
+                      </a:rPr>
+                      <m:t>𝒱</m:t>
+                    </m:r>
+                    <m:r>
+                      <a:rPr lang="en-US" altLang="zh-CN" b="0" i="1" dirty="0" smtClean="0">
+                        <a:latin typeface="Cambria Math" panose="02040503050406030204" pitchFamily="18" charset="0"/>
+                      </a:rPr>
+                      <m:t>⊆</m:t>
+                    </m:r>
+                    <m:r>
+                      <a:rPr lang="en-US" altLang="zh-CN" b="0" i="1" dirty="0" smtClean="0">
+                        <a:latin typeface="Cambria Math" panose="02040503050406030204" pitchFamily="18" charset="0"/>
+                      </a:rPr>
+                      <m:t>𝒞</m:t>
+                    </m:r>
+                    <m:r>
+                      <a:rPr lang="en-US" altLang="zh-CN" i="1" dirty="0" smtClean="0">
+                        <a:latin typeface="Cambria Math" panose="02040503050406030204" pitchFamily="18" charset="0"/>
+                      </a:rPr>
+                      <m:t> </m:t>
+                    </m:r>
+                  </m:oMath>
+                </a14:m>
+                <a:r>
+                  <a:rPr lang="en-US" altLang="zh-CN" dirty="0"/>
+                  <a:t>of </a:t>
+                </a:r>
+                <a14:m>
+                  <m:oMath xmlns:m="http://schemas.openxmlformats.org/officeDocument/2006/math">
+                    <m:sSub>
+                      <m:sSubPr>
+                        <m:ctrlPr>
+                          <a:rPr lang="en-US" altLang="zh-CN" b="0" i="1" dirty="0" smtClean="0">
+                            <a:latin typeface="Cambria Math" panose="02040503050406030204" pitchFamily="18" charset="0"/>
+                          </a:rPr>
+                        </m:ctrlPr>
+                      </m:sSubPr>
+                      <m:e>
+                        <m:r>
+                          <a:rPr lang="en-US" altLang="zh-CN" i="1" dirty="0" smtClean="0">
+                            <a:latin typeface="Cambria Math" panose="02040503050406030204" pitchFamily="18" charset="0"/>
+                          </a:rPr>
+                          <m:t>𝑛</m:t>
+                        </m:r>
+                      </m:e>
+                      <m:sub>
+                        <m:r>
+                          <a:rPr lang="en-US" altLang="zh-CN" i="1" dirty="0" smtClean="0">
+                            <a:latin typeface="Cambria Math" panose="02040503050406030204" pitchFamily="18" charset="0"/>
+                          </a:rPr>
+                          <m:t>𝑣𝑎𝑙</m:t>
+                        </m:r>
+                      </m:sub>
+                    </m:sSub>
+                  </m:oMath>
+                </a14:m>
+                <a:r>
+                  <a:rPr lang="en-US" altLang="zh-CN" dirty="0"/>
+                  <a:t> validators such that, if there is a minority </a:t>
+                </a:r>
+                <a14:m>
+                  <m:oMath xmlns:m="http://schemas.openxmlformats.org/officeDocument/2006/math">
+                    <m:sSup>
+                      <m:sSupPr>
+                        <m:ctrlPr>
+                          <a:rPr lang="en-US" altLang="zh-CN" b="0" i="1" smtClean="0">
+                            <a:latin typeface="Cambria Math" panose="02040503050406030204" pitchFamily="18" charset="0"/>
+                          </a:rPr>
+                        </m:ctrlPr>
+                      </m:sSupPr>
+                      <m:e>
+                        <m:r>
+                          <a:rPr lang="en-US" altLang="zh-CN" b="0" i="1" smtClean="0">
+                            <a:latin typeface="Cambria Math" panose="02040503050406030204" pitchFamily="18" charset="0"/>
+                          </a:rPr>
+                          <m:t>𝒩</m:t>
+                        </m:r>
+                      </m:e>
+                      <m:sup>
+                        <m:r>
+                          <a:rPr lang="en-US" altLang="zh-CN" b="0" i="1" smtClean="0">
+                            <a:latin typeface="Cambria Math" panose="02040503050406030204" pitchFamily="18" charset="0"/>
+                          </a:rPr>
+                          <m:t>′</m:t>
+                        </m:r>
+                      </m:sup>
+                    </m:sSup>
+                    <m:r>
+                      <a:rPr lang="en-US" altLang="zh-CN" b="0" i="1" smtClean="0">
+                        <a:latin typeface="Cambria Math" panose="02040503050406030204" pitchFamily="18" charset="0"/>
+                      </a:rPr>
+                      <m:t>⊆</m:t>
+                    </m:r>
+                    <m:r>
+                      <a:rPr lang="en-US" altLang="zh-CN" b="0" i="1" smtClean="0">
+                        <a:latin typeface="Cambria Math" panose="02040503050406030204" pitchFamily="18" charset="0"/>
+                      </a:rPr>
+                      <m:t>𝒩</m:t>
+                    </m:r>
+                  </m:oMath>
+                </a14:m>
+                <a:r>
+                  <a:rPr lang="en-US" altLang="zh-CN" dirty="0"/>
+                  <a:t>of nominators such that:</a:t>
+                </a:r>
+              </a:p>
+              <a:p>
+                <a:pPr marL="457200" lvl="1" indent="0">
+                  <a:buNone/>
+                </a:pPr>
+                <a:r>
+                  <a:rPr lang="en-US" altLang="zh-CN" dirty="0"/>
+                  <a:t>	</a:t>
+                </a:r>
+                <a14:m>
+                  <m:oMath xmlns:m="http://schemas.openxmlformats.org/officeDocument/2006/math">
+                    <m:d>
+                      <m:dPr>
+                        <m:begChr m:val="|"/>
+                        <m:endChr m:val="|"/>
+                        <m:ctrlPr>
+                          <a:rPr lang="en-US" altLang="zh-CN" b="0" i="1" smtClean="0">
+                            <a:latin typeface="Cambria Math" panose="02040503050406030204" pitchFamily="18" charset="0"/>
+                          </a:rPr>
+                        </m:ctrlPr>
+                      </m:dPr>
+                      <m:e>
+                        <m:nary>
+                          <m:naryPr>
+                            <m:chr m:val="⋂"/>
+                            <m:supHide m:val="on"/>
+                            <m:ctrlPr>
+                              <a:rPr lang="en-US" altLang="zh-CN" b="0" i="1" smtClean="0">
+                                <a:latin typeface="Cambria Math" panose="02040503050406030204" pitchFamily="18" charset="0"/>
+                              </a:rPr>
+                            </m:ctrlPr>
+                          </m:naryPr>
+                          <m:sub>
+                            <m:r>
+                              <a:rPr lang="en-US" altLang="zh-CN" b="0" i="1" smtClean="0">
+                                <a:latin typeface="Cambria Math" panose="02040503050406030204" pitchFamily="18" charset="0"/>
+                              </a:rPr>
+                              <m:t>𝑛</m:t>
+                            </m:r>
+                            <m:r>
+                              <a:rPr lang="en-US" altLang="zh-CN" b="0" i="1" smtClean="0">
+                                <a:latin typeface="Cambria Math" panose="02040503050406030204" pitchFamily="18" charset="0"/>
+                              </a:rPr>
+                              <m:t>∈</m:t>
+                            </m:r>
+                            <m:sSup>
+                              <m:sSupPr>
+                                <m:ctrlPr>
+                                  <a:rPr lang="en-US" altLang="zh-CN" b="0" i="1" smtClean="0">
+                                    <a:latin typeface="Cambria Math" panose="02040503050406030204" pitchFamily="18" charset="0"/>
+                                  </a:rPr>
+                                </m:ctrlPr>
+                              </m:sSupPr>
+                              <m:e>
+                                <m:r>
+                                  <a:rPr lang="en-US" altLang="zh-CN" b="0" i="1" smtClean="0">
+                                    <a:latin typeface="Cambria Math" panose="02040503050406030204" pitchFamily="18" charset="0"/>
+                                  </a:rPr>
+                                  <m:t>𝒩</m:t>
+                                </m:r>
+                              </m:e>
+                              <m:sup>
+                                <m:r>
+                                  <a:rPr lang="en-US" altLang="zh-CN" b="0" i="1" smtClean="0">
+                                    <a:latin typeface="Cambria Math" panose="02040503050406030204" pitchFamily="18" charset="0"/>
+                                  </a:rPr>
+                                  <m:t>′</m:t>
+                                </m:r>
+                              </m:sup>
+                            </m:sSup>
+                          </m:sub>
+                          <m:sup/>
+                          <m:e>
+                            <m:sSub>
+                              <m:sSubPr>
+                                <m:ctrlPr>
+                                  <a:rPr lang="en-US" altLang="zh-CN" b="0" i="1" smtClean="0">
+                                    <a:latin typeface="Cambria Math" panose="02040503050406030204" pitchFamily="18" charset="0"/>
+                                  </a:rPr>
+                                </m:ctrlPr>
+                              </m:sSubPr>
+                              <m:e>
+                                <m:r>
+                                  <a:rPr lang="en-US" altLang="zh-CN" b="0" i="1" smtClean="0">
+                                    <a:latin typeface="Cambria Math" panose="02040503050406030204" pitchFamily="18" charset="0"/>
+                                  </a:rPr>
+                                  <m:t>𝒞</m:t>
+                                </m:r>
+                              </m:e>
+                              <m:sub>
+                                <m:r>
+                                  <a:rPr lang="en-US" altLang="zh-CN" b="0" i="1" smtClean="0">
+                                    <a:latin typeface="Cambria Math" panose="02040503050406030204" pitchFamily="18" charset="0"/>
+                                  </a:rPr>
+                                  <m:t>𝑛</m:t>
+                                </m:r>
+                              </m:sub>
+                            </m:sSub>
+                          </m:e>
+                        </m:nary>
+                      </m:e>
+                    </m:d>
+                    <m:r>
+                      <a:rPr lang="en-US" altLang="zh-CN" b="0" i="1" smtClean="0">
+                        <a:latin typeface="Cambria Math" panose="02040503050406030204" pitchFamily="18" charset="0"/>
+                      </a:rPr>
+                      <m:t>≥</m:t>
+                    </m:r>
+                    <m:r>
+                      <a:rPr lang="en-US" altLang="zh-CN" b="0" i="1" smtClean="0">
+                        <a:latin typeface="Cambria Math" panose="02040503050406030204" pitchFamily="18" charset="0"/>
+                      </a:rPr>
+                      <m:t>𝑡</m:t>
+                    </m:r>
+                    <m:r>
+                      <m:rPr>
+                        <m:nor/>
+                      </m:rPr>
+                      <a:rPr lang="en-US" altLang="zh-CN" b="0" i="0" smtClean="0">
+                        <a:latin typeface="Cambria Math" panose="02040503050406030204" pitchFamily="18" charset="0"/>
+                      </a:rPr>
+                      <m:t> </m:t>
+                    </m:r>
+                    <m:r>
+                      <m:rPr>
+                        <m:nor/>
+                      </m:rPr>
+                      <a:rPr lang="en-US" altLang="zh-CN" dirty="0"/>
+                      <m:t>and</m:t>
+                    </m:r>
+                    <m:r>
+                      <a:rPr lang="en-US" altLang="zh-CN" b="0" i="1" dirty="0" smtClean="0">
+                        <a:latin typeface="Cambria Math" panose="02040503050406030204" pitchFamily="18" charset="0"/>
+                      </a:rPr>
+                      <m:t> </m:t>
+                    </m:r>
+                    <m:f>
+                      <m:fPr>
+                        <m:ctrlPr>
+                          <a:rPr lang="en-US" altLang="zh-CN" b="0" i="1" smtClean="0">
+                            <a:latin typeface="Cambria Math" panose="02040503050406030204" pitchFamily="18" charset="0"/>
+                          </a:rPr>
+                        </m:ctrlPr>
+                      </m:fPr>
+                      <m:num>
+                        <m:r>
+                          <a:rPr lang="en-US" altLang="zh-CN" b="0" i="1" smtClean="0">
+                            <a:latin typeface="Cambria Math" panose="02040503050406030204" pitchFamily="18" charset="0"/>
+                          </a:rPr>
+                          <m:t>1</m:t>
+                        </m:r>
+                      </m:num>
+                      <m:den>
+                        <m:r>
+                          <a:rPr lang="en-US" altLang="zh-CN" b="0" i="1" smtClean="0">
+                            <a:latin typeface="Cambria Math" panose="02040503050406030204" pitchFamily="18" charset="0"/>
+                          </a:rPr>
+                          <m:t>𝑡</m:t>
+                        </m:r>
+                      </m:den>
+                    </m:f>
+                    <m:nary>
+                      <m:naryPr>
+                        <m:chr m:val="∑"/>
+                        <m:supHide m:val="on"/>
+                        <m:ctrlPr>
+                          <a:rPr lang="en-US" altLang="zh-CN" b="0" i="1" smtClean="0">
+                            <a:latin typeface="Cambria Math" panose="02040503050406030204" pitchFamily="18" charset="0"/>
+                          </a:rPr>
+                        </m:ctrlPr>
+                      </m:naryPr>
+                      <m:sub>
+                        <m:r>
+                          <a:rPr lang="en-US" altLang="zh-CN" b="0" i="1" smtClean="0">
+                            <a:latin typeface="Cambria Math" panose="02040503050406030204" pitchFamily="18" charset="0"/>
+                          </a:rPr>
+                          <m:t>𝑛</m:t>
+                        </m:r>
+                        <m:r>
+                          <a:rPr lang="en-US" altLang="zh-CN" b="0" i="1" smtClean="0">
+                            <a:latin typeface="Cambria Math" panose="02040503050406030204" pitchFamily="18" charset="0"/>
+                          </a:rPr>
+                          <m:t>∈</m:t>
+                        </m:r>
+                        <m:sSup>
+                          <m:sSupPr>
+                            <m:ctrlPr>
+                              <a:rPr lang="en-US" altLang="zh-CN" b="0" i="1" smtClean="0">
+                                <a:latin typeface="Cambria Math" panose="02040503050406030204" pitchFamily="18" charset="0"/>
+                              </a:rPr>
+                            </m:ctrlPr>
+                          </m:sSupPr>
+                          <m:e>
+                            <m:r>
+                              <a:rPr lang="en-US" altLang="zh-CN" b="0" i="1" smtClean="0">
+                                <a:latin typeface="Cambria Math" panose="02040503050406030204" pitchFamily="18" charset="0"/>
+                              </a:rPr>
+                              <m:t>𝒩</m:t>
+                            </m:r>
+                          </m:e>
+                          <m:sup>
+                            <m:r>
+                              <a:rPr lang="en-US" altLang="zh-CN" b="0" i="1" smtClean="0">
+                                <a:latin typeface="Cambria Math" panose="02040503050406030204" pitchFamily="18" charset="0"/>
+                              </a:rPr>
+                              <m:t>′</m:t>
+                            </m:r>
+                          </m:sup>
+                        </m:sSup>
+                      </m:sub>
+                      <m:sup/>
+                      <m:e>
+                        <m:r>
+                          <a:rPr lang="en-US" altLang="zh-CN" b="0" i="1" smtClean="0">
+                            <a:latin typeface="Cambria Math" panose="02040503050406030204" pitchFamily="18" charset="0"/>
+                          </a:rPr>
+                          <m:t>𝑠𝑡𝑎𝑘</m:t>
+                        </m:r>
+                        <m:sSub>
+                          <m:sSubPr>
+                            <m:ctrlPr>
+                              <a:rPr lang="en-US" altLang="zh-CN" b="0" i="1" smtClean="0">
+                                <a:latin typeface="Cambria Math" panose="02040503050406030204" pitchFamily="18" charset="0"/>
+                              </a:rPr>
+                            </m:ctrlPr>
+                          </m:sSubPr>
+                          <m:e>
+                            <m:r>
+                              <a:rPr lang="en-US" altLang="zh-CN" b="0" i="1" smtClean="0">
+                                <a:latin typeface="Cambria Math" panose="02040503050406030204" pitchFamily="18" charset="0"/>
+                              </a:rPr>
+                              <m:t>𝑒</m:t>
+                            </m:r>
+                          </m:e>
+                          <m:sub>
+                            <m:r>
+                              <a:rPr lang="en-US" altLang="zh-CN" b="0" i="1" smtClean="0">
+                                <a:latin typeface="Cambria Math" panose="02040503050406030204" pitchFamily="18" charset="0"/>
+                              </a:rPr>
+                              <m:t>𝑛</m:t>
+                            </m:r>
+                          </m:sub>
+                        </m:sSub>
+                      </m:e>
+                    </m:nary>
+                    <m:r>
+                      <a:rPr lang="en-US" altLang="zh-CN" b="0" i="1" smtClean="0">
+                        <a:latin typeface="Cambria Math" panose="02040503050406030204" pitchFamily="18" charset="0"/>
+                      </a:rPr>
+                      <m:t>≥</m:t>
+                    </m:r>
+                    <m:f>
+                      <m:fPr>
+                        <m:ctrlPr>
+                          <a:rPr lang="en-US" altLang="zh-CN" b="0" i="1" smtClean="0">
+                            <a:latin typeface="Cambria Math" panose="02040503050406030204" pitchFamily="18" charset="0"/>
+                          </a:rPr>
+                        </m:ctrlPr>
+                      </m:fPr>
+                      <m:num>
+                        <m:r>
+                          <a:rPr lang="en-US" altLang="zh-CN" b="0" i="1" smtClean="0">
+                            <a:latin typeface="Cambria Math" panose="02040503050406030204" pitchFamily="18" charset="0"/>
+                          </a:rPr>
+                          <m:t>1</m:t>
+                        </m:r>
+                      </m:num>
+                      <m:den>
+                        <m:sSub>
+                          <m:sSubPr>
+                            <m:ctrlPr>
+                              <a:rPr lang="en-US" altLang="zh-CN" b="0" i="1" smtClean="0">
+                                <a:latin typeface="Cambria Math" panose="02040503050406030204" pitchFamily="18" charset="0"/>
+                              </a:rPr>
+                            </m:ctrlPr>
+                          </m:sSubPr>
+                          <m:e>
+                            <m:r>
+                              <a:rPr lang="en-US" altLang="zh-CN" b="0" i="1" smtClean="0">
+                                <a:latin typeface="Cambria Math" panose="02040503050406030204" pitchFamily="18" charset="0"/>
+                              </a:rPr>
+                              <m:t>𝑛</m:t>
+                            </m:r>
+                          </m:e>
+                          <m:sub>
+                            <m:r>
+                              <a:rPr lang="en-US" altLang="zh-CN" b="0" i="1" smtClean="0">
+                                <a:latin typeface="Cambria Math" panose="02040503050406030204" pitchFamily="18" charset="0"/>
+                              </a:rPr>
+                              <m:t>𝑣𝑎𝑙</m:t>
+                            </m:r>
+                          </m:sub>
+                        </m:sSub>
+                      </m:den>
+                    </m:f>
+                    <m:nary>
+                      <m:naryPr>
+                        <m:chr m:val="∑"/>
+                        <m:supHide m:val="on"/>
+                        <m:ctrlPr>
+                          <a:rPr lang="en-US" altLang="zh-CN" b="0" i="1" smtClean="0">
+                            <a:latin typeface="Cambria Math" panose="02040503050406030204" pitchFamily="18" charset="0"/>
+                          </a:rPr>
+                        </m:ctrlPr>
+                      </m:naryPr>
+                      <m:sub>
+                        <m:r>
+                          <a:rPr lang="en-US" altLang="zh-CN" b="0" i="1" smtClean="0">
+                            <a:latin typeface="Cambria Math" panose="02040503050406030204" pitchFamily="18" charset="0"/>
+                          </a:rPr>
+                          <m:t>𝑛</m:t>
+                        </m:r>
+                        <m:r>
+                          <a:rPr lang="en-US" altLang="zh-CN" b="0" i="1" smtClean="0">
+                            <a:latin typeface="Cambria Math" panose="02040503050406030204" pitchFamily="18" charset="0"/>
+                          </a:rPr>
+                          <m:t>∈</m:t>
+                        </m:r>
+                        <m:r>
+                          <a:rPr lang="en-US" altLang="zh-CN" b="0" i="1" smtClean="0">
+                            <a:latin typeface="Cambria Math" panose="02040503050406030204" pitchFamily="18" charset="0"/>
+                          </a:rPr>
+                          <m:t>𝒩</m:t>
+                        </m:r>
+                      </m:sub>
+                      <m:sup/>
+                      <m:e>
+                        <m:r>
+                          <a:rPr lang="en-US" altLang="zh-CN" b="0" i="1" smtClean="0">
+                            <a:latin typeface="Cambria Math" panose="02040503050406030204" pitchFamily="18" charset="0"/>
+                          </a:rPr>
+                          <m:t>𝑠𝑡𝑎𝑘</m:t>
+                        </m:r>
+                        <m:sSub>
+                          <m:sSubPr>
+                            <m:ctrlPr>
+                              <a:rPr lang="en-US" altLang="zh-CN" b="0" i="1" smtClean="0">
+                                <a:latin typeface="Cambria Math" panose="02040503050406030204" pitchFamily="18" charset="0"/>
+                              </a:rPr>
+                            </m:ctrlPr>
+                          </m:sSubPr>
+                          <m:e>
+                            <m:r>
+                              <a:rPr lang="en-US" altLang="zh-CN" b="0" i="1" smtClean="0">
+                                <a:latin typeface="Cambria Math" panose="02040503050406030204" pitchFamily="18" charset="0"/>
+                              </a:rPr>
+                              <m:t>𝑒</m:t>
+                            </m:r>
+                          </m:e>
+                          <m:sub>
+                            <m:r>
+                              <a:rPr lang="en-US" altLang="zh-CN" b="0" i="1" smtClean="0">
+                                <a:latin typeface="Cambria Math" panose="02040503050406030204" pitchFamily="18" charset="0"/>
+                              </a:rPr>
+                              <m:t>𝑛</m:t>
+                            </m:r>
+                          </m:sub>
+                        </m:sSub>
+                      </m:e>
+                    </m:nary>
+                  </m:oMath>
+                </a14:m>
+                <a:endParaRPr lang="en-US" altLang="zh-CN" b="0" dirty="0"/>
+              </a:p>
+              <a:p>
+                <a:pPr marL="457200" lvl="1" indent="0">
+                  <a:buNone/>
+                </a:pPr>
+                <a:r>
+                  <a:rPr lang="en-US" altLang="zh-CN" dirty="0"/>
+                  <a:t>for some </a:t>
+                </a:r>
+                <a14:m>
+                  <m:oMath xmlns:m="http://schemas.openxmlformats.org/officeDocument/2006/math">
+                    <m:r>
+                      <a:rPr lang="en-US" altLang="zh-CN" b="0" i="1" smtClean="0">
+                        <a:latin typeface="Cambria Math" panose="02040503050406030204" pitchFamily="18" charset="0"/>
+                      </a:rPr>
+                      <m:t>1≤</m:t>
+                    </m:r>
+                    <m:r>
+                      <a:rPr lang="en-US" altLang="zh-CN" b="0" i="1" smtClean="0">
+                        <a:latin typeface="Cambria Math" panose="02040503050406030204" pitchFamily="18" charset="0"/>
+                      </a:rPr>
+                      <m:t>𝑡</m:t>
+                    </m:r>
+                    <m:r>
+                      <a:rPr lang="en-US" altLang="zh-CN" b="0" i="1" smtClean="0">
+                        <a:latin typeface="Cambria Math" panose="02040503050406030204" pitchFamily="18" charset="0"/>
+                      </a:rPr>
+                      <m:t>≤</m:t>
+                    </m:r>
+                    <m:sSub>
+                      <m:sSubPr>
+                        <m:ctrlPr>
+                          <a:rPr lang="en-US" altLang="zh-CN" b="0" i="1" smtClean="0">
+                            <a:latin typeface="Cambria Math" panose="02040503050406030204" pitchFamily="18" charset="0"/>
+                          </a:rPr>
+                        </m:ctrlPr>
+                      </m:sSubPr>
+                      <m:e>
+                        <m:r>
+                          <a:rPr lang="en-US" altLang="zh-CN" b="0" i="1" smtClean="0">
+                            <a:latin typeface="Cambria Math" panose="02040503050406030204" pitchFamily="18" charset="0"/>
+                          </a:rPr>
+                          <m:t>𝑛</m:t>
+                        </m:r>
+                      </m:e>
+                      <m:sub>
+                        <m:r>
+                          <a:rPr lang="en-US" altLang="zh-CN" b="0" i="1" smtClean="0">
+                            <a:latin typeface="Cambria Math" panose="02040503050406030204" pitchFamily="18" charset="0"/>
+                          </a:rPr>
+                          <m:t>𝑣𝑎𝑙</m:t>
+                        </m:r>
+                      </m:sub>
+                    </m:sSub>
+                  </m:oMath>
+                </a14:m>
+                <a:r>
+                  <a:rPr lang="en-US" altLang="zh-CN" dirty="0"/>
+                  <a:t>, then </a:t>
+                </a:r>
+                <a14:m>
+                  <m:oMath xmlns:m="http://schemas.openxmlformats.org/officeDocument/2006/math">
+                    <m:d>
+                      <m:dPr>
+                        <m:begChr m:val="|"/>
+                        <m:endChr m:val="|"/>
+                        <m:ctrlPr>
+                          <a:rPr lang="en-US" altLang="zh-CN" b="0" i="1" smtClean="0">
+                            <a:latin typeface="Cambria Math" panose="02040503050406030204" pitchFamily="18" charset="0"/>
+                          </a:rPr>
+                        </m:ctrlPr>
+                      </m:dPr>
+                      <m:e>
+                        <m:r>
+                          <a:rPr lang="en-US" altLang="zh-CN" b="0" i="1" smtClean="0">
+                            <a:latin typeface="Cambria Math" panose="02040503050406030204" pitchFamily="18" charset="0"/>
+                          </a:rPr>
+                          <m:t>𝒱</m:t>
+                        </m:r>
+                        <m:r>
+                          <a:rPr lang="en-US" altLang="zh-CN" b="0" i="1" smtClean="0">
+                            <a:latin typeface="Cambria Math" panose="02040503050406030204" pitchFamily="18" charset="0"/>
+                          </a:rPr>
+                          <m:t> ⋂</m:t>
+                        </m:r>
+                        <m:d>
+                          <m:dPr>
+                            <m:ctrlPr>
+                              <a:rPr lang="en-US" altLang="zh-CN" b="0" i="1" smtClean="0">
+                                <a:latin typeface="Cambria Math" panose="02040503050406030204" pitchFamily="18" charset="0"/>
+                              </a:rPr>
+                            </m:ctrlPr>
+                          </m:dPr>
+                          <m:e>
+                            <m:nary>
+                              <m:naryPr>
+                                <m:chr m:val="⋃"/>
+                                <m:supHide m:val="on"/>
+                                <m:ctrlPr>
+                                  <a:rPr lang="en-US" altLang="zh-CN" b="0" i="1" smtClean="0">
+                                    <a:latin typeface="Cambria Math" panose="02040503050406030204" pitchFamily="18" charset="0"/>
+                                  </a:rPr>
+                                </m:ctrlPr>
+                              </m:naryPr>
+                              <m:sub>
+                                <m:r>
+                                  <a:rPr lang="en-US" altLang="zh-CN" b="0" i="1" smtClean="0">
+                                    <a:latin typeface="Cambria Math" panose="02040503050406030204" pitchFamily="18" charset="0"/>
+                                  </a:rPr>
+                                  <m:t>𝑛</m:t>
+                                </m:r>
+                                <m:r>
+                                  <a:rPr lang="en-US" altLang="zh-CN" b="0" i="1" smtClean="0">
+                                    <a:latin typeface="Cambria Math" panose="02040503050406030204" pitchFamily="18" charset="0"/>
+                                  </a:rPr>
+                                  <m:t>∈</m:t>
+                                </m:r>
+                                <m:sSup>
+                                  <m:sSupPr>
+                                    <m:ctrlPr>
+                                      <a:rPr lang="en-US" altLang="zh-CN" b="0" i="1" smtClean="0">
+                                        <a:latin typeface="Cambria Math" panose="02040503050406030204" pitchFamily="18" charset="0"/>
+                                      </a:rPr>
+                                    </m:ctrlPr>
+                                  </m:sSupPr>
+                                  <m:e>
+                                    <m:r>
+                                      <a:rPr lang="en-US" altLang="zh-CN" b="0" i="1" smtClean="0">
+                                        <a:latin typeface="Cambria Math" panose="02040503050406030204" pitchFamily="18" charset="0"/>
+                                      </a:rPr>
+                                      <m:t>𝒩</m:t>
+                                    </m:r>
+                                  </m:e>
+                                  <m:sup>
+                                    <m:r>
+                                      <a:rPr lang="en-US" altLang="zh-CN" b="0" i="1" smtClean="0">
+                                        <a:latin typeface="Cambria Math" panose="02040503050406030204" pitchFamily="18" charset="0"/>
+                                      </a:rPr>
+                                      <m:t>′</m:t>
+                                    </m:r>
+                                  </m:sup>
+                                </m:sSup>
+                              </m:sub>
+                              <m:sup/>
+                              <m:e>
+                                <m:sSub>
+                                  <m:sSubPr>
+                                    <m:ctrlPr>
+                                      <a:rPr lang="en-US" altLang="zh-CN" b="0" i="1" smtClean="0">
+                                        <a:latin typeface="Cambria Math" panose="02040503050406030204" pitchFamily="18" charset="0"/>
+                                      </a:rPr>
+                                    </m:ctrlPr>
+                                  </m:sSubPr>
+                                  <m:e>
+                                    <m:r>
+                                      <a:rPr lang="en-US" altLang="zh-CN" b="0" i="1" smtClean="0">
+                                        <a:latin typeface="Cambria Math" panose="02040503050406030204" pitchFamily="18" charset="0"/>
+                                      </a:rPr>
+                                      <m:t>𝒞</m:t>
+                                    </m:r>
+                                  </m:e>
+                                  <m:sub>
+                                    <m:r>
+                                      <a:rPr lang="en-US" altLang="zh-CN" b="0" i="1" smtClean="0">
+                                        <a:latin typeface="Cambria Math" panose="02040503050406030204" pitchFamily="18" charset="0"/>
+                                      </a:rPr>
+                                      <m:t>𝑛</m:t>
+                                    </m:r>
+                                  </m:sub>
+                                </m:sSub>
+                              </m:e>
+                            </m:nary>
+                          </m:e>
+                        </m:d>
+                        <m:r>
+                          <a:rPr lang="en-US" altLang="zh-CN" b="0" i="1" smtClean="0">
+                            <a:latin typeface="Cambria Math" panose="02040503050406030204" pitchFamily="18" charset="0"/>
+                          </a:rPr>
+                          <m:t> </m:t>
+                        </m:r>
+                      </m:e>
+                    </m:d>
+                    <m:r>
+                      <a:rPr lang="en-US" altLang="zh-CN" b="0" i="1" smtClean="0">
+                        <a:latin typeface="Cambria Math" panose="02040503050406030204" pitchFamily="18" charset="0"/>
+                      </a:rPr>
+                      <m:t>≥</m:t>
+                    </m:r>
+                    <m:r>
+                      <a:rPr lang="en-US" altLang="zh-CN" b="0" i="1" smtClean="0">
+                        <a:latin typeface="Cambria Math" panose="02040503050406030204" pitchFamily="18" charset="0"/>
+                      </a:rPr>
+                      <m:t>𝑡</m:t>
+                    </m:r>
+                  </m:oMath>
+                </a14:m>
+                <a:r>
+                  <a:rPr lang="en-US" altLang="zh-CN" dirty="0"/>
+                  <a:t> .</a:t>
+                </a:r>
+              </a:p>
+              <a:p>
+                <a:pPr lvl="1"/>
+                <a:r>
+                  <a:rPr lang="en-US" altLang="zh-CN" dirty="0"/>
+                  <a:t>In words, If a minority </a:t>
+                </a:r>
+                <a14:m>
+                  <m:oMath xmlns:m="http://schemas.openxmlformats.org/officeDocument/2006/math">
+                    <m:sSup>
+                      <m:sSupPr>
+                        <m:ctrlPr>
+                          <a:rPr lang="en-US" altLang="zh-CN" b="0" i="1" smtClean="0">
+                            <a:latin typeface="Cambria Math" panose="02040503050406030204" pitchFamily="18" charset="0"/>
+                          </a:rPr>
+                        </m:ctrlPr>
+                      </m:sSupPr>
+                      <m:e>
+                        <m:r>
+                          <a:rPr lang="en-US" altLang="zh-CN" b="0" i="1" smtClean="0">
+                            <a:latin typeface="Cambria Math" panose="02040503050406030204" pitchFamily="18" charset="0"/>
+                          </a:rPr>
+                          <m:t>𝒩</m:t>
+                        </m:r>
+                      </m:e>
+                      <m:sup>
+                        <m:r>
+                          <a:rPr lang="en-US" altLang="zh-CN" b="0" i="1" smtClean="0">
+                            <a:latin typeface="Cambria Math" panose="02040503050406030204" pitchFamily="18" charset="0"/>
+                          </a:rPr>
+                          <m:t>′</m:t>
+                        </m:r>
+                      </m:sup>
+                    </m:sSup>
+                  </m:oMath>
+                </a14:m>
+                <a:r>
+                  <a:rPr lang="en-US" altLang="zh-CN" dirty="0"/>
+                  <a:t> has at least </a:t>
+                </a:r>
+                <a14:m>
+                  <m:oMath xmlns:m="http://schemas.openxmlformats.org/officeDocument/2006/math">
+                    <m:r>
+                      <a:rPr lang="en-US" altLang="zh-CN" b="0" i="1" smtClean="0">
+                        <a:latin typeface="Cambria Math" panose="02040503050406030204" pitchFamily="18" charset="0"/>
+                      </a:rPr>
+                      <m:t>𝑡</m:t>
+                    </m:r>
+                  </m:oMath>
+                </a14:m>
+                <a:r>
+                  <a:rPr lang="en-US" altLang="zh-CN" dirty="0"/>
+                  <a:t> commonly trusted candidates, to whom it could “afford” to provide with an average support of at least </a:t>
+                </a:r>
+                <a14:m>
+                  <m:oMath xmlns:m="http://schemas.openxmlformats.org/officeDocument/2006/math">
+                    <m:f>
+                      <m:fPr>
+                        <m:ctrlPr>
+                          <a:rPr lang="en-US" altLang="zh-CN" b="0" i="1" smtClean="0">
+                            <a:latin typeface="Cambria Math" panose="02040503050406030204" pitchFamily="18" charset="0"/>
+                          </a:rPr>
+                        </m:ctrlPr>
+                      </m:fPr>
+                      <m:num>
+                        <m:r>
+                          <a:rPr lang="en-US" altLang="zh-CN" b="0" i="1" smtClean="0">
+                            <a:latin typeface="Cambria Math" panose="02040503050406030204" pitchFamily="18" charset="0"/>
+                          </a:rPr>
+                          <m:t>1</m:t>
+                        </m:r>
+                      </m:num>
+                      <m:den>
+                        <m:sSub>
+                          <m:sSubPr>
+                            <m:ctrlPr>
+                              <a:rPr lang="en-US" altLang="zh-CN" b="0" i="1" smtClean="0">
+                                <a:latin typeface="Cambria Math" panose="02040503050406030204" pitchFamily="18" charset="0"/>
+                              </a:rPr>
+                            </m:ctrlPr>
+                          </m:sSubPr>
+                          <m:e>
+                            <m:r>
+                              <a:rPr lang="en-US" altLang="zh-CN" b="0" i="1" smtClean="0">
+                                <a:latin typeface="Cambria Math" panose="02040503050406030204" pitchFamily="18" charset="0"/>
+                              </a:rPr>
+                              <m:t>𝑛</m:t>
+                            </m:r>
+                          </m:e>
+                          <m:sub>
+                            <m:r>
+                              <a:rPr lang="en-US" altLang="zh-CN" b="0" i="1" smtClean="0">
+                                <a:latin typeface="Cambria Math" panose="02040503050406030204" pitchFamily="18" charset="0"/>
+                              </a:rPr>
+                              <m:t>𝑣𝑎𝑙</m:t>
+                            </m:r>
+                          </m:sub>
+                        </m:sSub>
+                      </m:den>
+                    </m:f>
+                    <m:nary>
+                      <m:naryPr>
+                        <m:chr m:val="∑"/>
+                        <m:supHide m:val="on"/>
+                        <m:ctrlPr>
+                          <a:rPr lang="en-US" altLang="zh-CN" b="0" i="1" smtClean="0">
+                            <a:latin typeface="Cambria Math" panose="02040503050406030204" pitchFamily="18" charset="0"/>
+                          </a:rPr>
+                        </m:ctrlPr>
+                      </m:naryPr>
+                      <m:sub>
+                        <m:r>
+                          <a:rPr lang="en-US" altLang="zh-CN" b="0" i="1" smtClean="0">
+                            <a:latin typeface="Cambria Math" panose="02040503050406030204" pitchFamily="18" charset="0"/>
+                          </a:rPr>
+                          <m:t>𝑛</m:t>
+                        </m:r>
+                        <m:r>
+                          <a:rPr lang="en-US" altLang="zh-CN" b="0" i="1" smtClean="0">
+                            <a:latin typeface="Cambria Math" panose="02040503050406030204" pitchFamily="18" charset="0"/>
+                          </a:rPr>
+                          <m:t>∈</m:t>
+                        </m:r>
+                        <m:r>
+                          <a:rPr lang="en-US" altLang="zh-CN" b="0" i="1" smtClean="0">
+                            <a:latin typeface="Cambria Math" panose="02040503050406030204" pitchFamily="18" charset="0"/>
+                          </a:rPr>
+                          <m:t>𝒩</m:t>
+                        </m:r>
+                      </m:sub>
+                      <m:sup/>
+                      <m:e>
+                        <m:r>
+                          <a:rPr lang="en-US" altLang="zh-CN" b="0" i="1" smtClean="0">
+                            <a:latin typeface="Cambria Math" panose="02040503050406030204" pitchFamily="18" charset="0"/>
+                          </a:rPr>
+                          <m:t>𝑠𝑡𝑎𝑘</m:t>
+                        </m:r>
+                        <m:sSub>
+                          <m:sSubPr>
+                            <m:ctrlPr>
+                              <a:rPr lang="en-US" altLang="zh-CN" b="0" i="1" smtClean="0">
+                                <a:latin typeface="Cambria Math" panose="02040503050406030204" pitchFamily="18" charset="0"/>
+                              </a:rPr>
+                            </m:ctrlPr>
+                          </m:sSubPr>
+                          <m:e>
+                            <m:r>
+                              <a:rPr lang="en-US" altLang="zh-CN" b="0" i="1" smtClean="0">
+                                <a:latin typeface="Cambria Math" panose="02040503050406030204" pitchFamily="18" charset="0"/>
+                              </a:rPr>
+                              <m:t>𝑒</m:t>
+                            </m:r>
+                          </m:e>
+                          <m:sub>
+                            <m:r>
+                              <a:rPr lang="en-US" altLang="zh-CN" b="0" i="1" smtClean="0">
+                                <a:latin typeface="Cambria Math" panose="02040503050406030204" pitchFamily="18" charset="0"/>
+                              </a:rPr>
+                              <m:t>𝑛</m:t>
+                            </m:r>
+                          </m:sub>
+                        </m:sSub>
+                        <m:r>
+                          <a:rPr lang="en-US" altLang="zh-CN" b="0" i="1" smtClean="0">
+                            <a:latin typeface="Cambria Math" panose="02040503050406030204" pitchFamily="18" charset="0"/>
+                          </a:rPr>
+                          <m:t> </m:t>
+                        </m:r>
+                      </m:e>
+                    </m:nary>
+                  </m:oMath>
+                </a14:m>
+                <a:r>
+                  <a:rPr lang="en-US" altLang="zh-CN" dirty="0"/>
+                  <a:t>(which in turn is an upper bound on the average validator support in the elected set </a:t>
+                </a:r>
+                <a14:m>
+                  <m:oMath xmlns:m="http://schemas.openxmlformats.org/officeDocument/2006/math">
+                    <m:r>
+                      <a:rPr lang="en-US" altLang="zh-CN" b="0" i="1" smtClean="0">
+                        <a:latin typeface="Cambria Math" panose="02040503050406030204" pitchFamily="18" charset="0"/>
+                      </a:rPr>
+                      <m:t>𝒱</m:t>
+                    </m:r>
+                  </m:oMath>
+                </a14:m>
+                <a:r>
+                  <a:rPr lang="en-US" altLang="zh-CN" dirty="0"/>
+                  <a:t>). then this minority has a justified claim to be represented in </a:t>
+                </a:r>
+                <a14:m>
+                  <m:oMath xmlns:m="http://schemas.openxmlformats.org/officeDocument/2006/math">
+                    <m:r>
+                      <a:rPr lang="en-US" altLang="zh-CN" b="0" i="1" smtClean="0">
+                        <a:latin typeface="Cambria Math" panose="02040503050406030204" pitchFamily="18" charset="0"/>
+                      </a:rPr>
+                      <m:t>𝒱</m:t>
+                    </m:r>
+                    <m:r>
+                      <a:rPr lang="en-US" altLang="zh-CN" b="0" i="1" smtClean="0">
+                        <a:latin typeface="Cambria Math" panose="02040503050406030204" pitchFamily="18" charset="0"/>
+                      </a:rPr>
+                      <m:t> </m:t>
+                    </m:r>
+                  </m:oMath>
+                </a14:m>
+                <a:r>
+                  <a:rPr lang="en-US" altLang="zh-CN" dirty="0"/>
+                  <a:t>by at least  </a:t>
+                </a:r>
+                <a14:m>
+                  <m:oMath xmlns:m="http://schemas.openxmlformats.org/officeDocument/2006/math">
+                    <m:r>
+                      <a:rPr lang="en-US" altLang="zh-CN" b="0" i="1" smtClean="0">
+                        <a:latin typeface="Cambria Math" panose="02040503050406030204" pitchFamily="18" charset="0"/>
+                      </a:rPr>
+                      <m:t>𝑡</m:t>
+                    </m:r>
+                  </m:oMath>
+                </a14:m>
+                <a:r>
+                  <a:rPr lang="en-US" altLang="zh-CN" dirty="0"/>
+                  <a:t> candidates, though not necessarily commonly trusted.</a:t>
+                </a:r>
+              </a:p>
+              <a:p>
+                <a:pPr lvl="1"/>
+                <a:endParaRPr lang="zh-CN" altLang="en-US" dirty="0"/>
+              </a:p>
+            </p:txBody>
+          </p:sp>
+        </mc:Choice>
+        <mc:Fallback>
+          <p:sp>
+            <p:nvSpPr>
+              <p:cNvPr id="2" name="内容占位符 1">
+                <a:extLst>
+                  <a:ext uri="{FF2B5EF4-FFF2-40B4-BE49-F238E27FC236}">
+                    <a16:creationId xmlns:a16="http://schemas.microsoft.com/office/drawing/2014/main" id="{1C033211-2BB1-4F34-AA8B-843D7AA332B4}"/>
+                  </a:ext>
+                </a:extLst>
+              </p:cNvPr>
+              <p:cNvSpPr>
+                <a:spLocks noGrp="1" noRot="1" noChangeAspect="1" noMove="1" noResize="1" noEditPoints="1" noAdjustHandles="1" noChangeArrowheads="1" noChangeShapeType="1" noTextEdit="1"/>
+              </p:cNvSpPr>
+              <p:nvPr>
+                <p:ph sz="quarter" idx="10"/>
+              </p:nvPr>
+            </p:nvSpPr>
+            <p:spPr>
+              <a:blipFill>
+                <a:blip r:embed="rId2"/>
+                <a:stretch>
+                  <a:fillRect l="-801" t="-124"/>
+                </a:stretch>
+              </a:blipFill>
+            </p:spPr>
+            <p:txBody>
+              <a:bodyPr/>
+              <a:lstStyle/>
+              <a:p>
+                <a:r>
+                  <a:rPr lang="zh-CN" altLang="en-US">
+                    <a:noFill/>
+                  </a:rPr>
+                  <a:t> </a:t>
+                </a:r>
+              </a:p>
+            </p:txBody>
+          </p:sp>
+        </mc:Fallback>
+      </mc:AlternateContent>
+      <p:sp>
+        <p:nvSpPr>
+          <p:cNvPr id="3" name="标题 2">
+            <a:extLst>
+              <a:ext uri="{FF2B5EF4-FFF2-40B4-BE49-F238E27FC236}">
+                <a16:creationId xmlns:a16="http://schemas.microsoft.com/office/drawing/2014/main" id="{2B9782E0-BCC9-449C-B0FC-3AE2578AB581}"/>
+              </a:ext>
+            </a:extLst>
+          </p:cNvPr>
+          <p:cNvSpPr>
+            <a:spLocks noGrp="1"/>
+          </p:cNvSpPr>
+          <p:nvPr>
+            <p:ph type="title"/>
+          </p:nvPr>
+        </p:nvSpPr>
+        <p:spPr/>
+        <p:txBody>
+          <a:bodyPr>
+            <a:normAutofit fontScale="90000"/>
+          </a:bodyPr>
+          <a:lstStyle/>
+          <a:p>
+            <a:r>
+              <a:rPr lang="en-GB" altLang="zh-CN" dirty="0"/>
+              <a:t>The goals of validator election: Decentralisation</a:t>
+            </a:r>
+            <a:endParaRPr lang="zh-CN" altLang="en-US" dirty="0"/>
+          </a:p>
+        </p:txBody>
+      </p:sp>
+    </p:spTree>
+    <p:extLst>
+      <p:ext uri="{BB962C8B-B14F-4D97-AF65-F5344CB8AC3E}">
+        <p14:creationId xmlns:p14="http://schemas.microsoft.com/office/powerpoint/2010/main" val="2695287390"/>
+      </p:ext>
+    </p:extLst>
+  </p:cSld>
+  <p:clrMapOvr>
+    <a:masterClrMapping/>
+  </p:clrMapOvr>
+</p:sld>
+</file>
+
+<file path=ppt/slides/slide7.xml><?xml version="1.0" encoding="utf-8"?>
+<p:sld xmlns:a="http://schemas.openxmlformats.org/drawingml/2006/main" xmlns:r="http://schemas.openxmlformats.org/officeDocument/2006/relationships" xmlns:p="http://schemas.openxmlformats.org/presentationml/2006/main">
+  <p:cSld>
+    <p:spTree>
+      <p:nvGrpSpPr>
+        <p:cNvPr id="1" name=""/>
+        <p:cNvGrpSpPr/>
+        <p:nvPr/>
+      </p:nvGrpSpPr>
+      <p:grpSpPr>
+        <a:xfrm>
+          <a:off x="0" y="0"/>
+          <a:ext cx="0" cy="0"/>
+          <a:chOff x="0" y="0"/>
+          <a:chExt cx="0" cy="0"/>
+        </a:xfrm>
+      </p:grpSpPr>
+      <mc:AlternateContent xmlns:mc="http://schemas.openxmlformats.org/markup-compatibility/2006">
+        <mc:Choice xmlns:a14="http://schemas.microsoft.com/office/drawing/2010/main" Requires="a14">
+          <p:sp>
+            <p:nvSpPr>
+              <p:cNvPr id="2" name="内容占位符 1">
+                <a:extLst>
+                  <a:ext uri="{FF2B5EF4-FFF2-40B4-BE49-F238E27FC236}">
+                    <a16:creationId xmlns:a16="http://schemas.microsoft.com/office/drawing/2014/main" id="{1C033211-2BB1-4F34-AA8B-843D7AA332B4}"/>
+                  </a:ext>
+                </a:extLst>
+              </p:cNvPr>
+              <p:cNvSpPr>
+                <a:spLocks noGrp="1"/>
+              </p:cNvSpPr>
+              <p:nvPr>
+                <p:ph sz="quarter" idx="10"/>
+              </p:nvPr>
+            </p:nvSpPr>
+            <p:spPr/>
+            <p:txBody>
+              <a:bodyPr/>
+              <a:lstStyle/>
+              <a:p>
+                <a:r>
+                  <a:rPr lang="en-US" altLang="zh-CN" dirty="0"/>
+                  <a:t>Security: To make these validators’ supports as </a:t>
+                </a:r>
+                <a:r>
+                  <a:rPr lang="en-US" altLang="zh-CN" b="1" dirty="0"/>
+                  <a:t>high and balanced </a:t>
+                </a:r>
+                <a:r>
+                  <a:rPr lang="en-US" altLang="zh-CN" dirty="0"/>
+                  <a:t>as possible.</a:t>
+                </a:r>
+              </a:p>
+              <a:p>
+                <a:pPr lvl="1"/>
+                <a:r>
+                  <a:rPr lang="en-US" altLang="zh-CN" dirty="0"/>
+                  <a:t>Focus on maximizing the </a:t>
+                </a:r>
+                <a:r>
+                  <a:rPr lang="en-US" altLang="zh-CN" i="1" dirty="0"/>
+                  <a:t>minimum validator support</a:t>
+                </a:r>
+                <a:r>
+                  <a:rPr lang="en-US" altLang="zh-CN" dirty="0"/>
+                  <a:t>. </a:t>
+                </a:r>
+              </a:p>
+              <a:p>
+                <a:r>
+                  <a:rPr lang="en-US" altLang="zh-CN" dirty="0"/>
+                  <a:t>If each nominator </a:t>
+                </a:r>
+                <a14:m>
+                  <m:oMath xmlns:m="http://schemas.openxmlformats.org/officeDocument/2006/math">
+                    <m:r>
+                      <a:rPr lang="en-US" altLang="zh-CN" b="0" i="1" smtClean="0">
+                        <a:latin typeface="Cambria Math" panose="02040503050406030204" pitchFamily="18" charset="0"/>
+                      </a:rPr>
+                      <m:t>𝑛</m:t>
+                    </m:r>
+                    <m:r>
+                      <a:rPr lang="en-US" altLang="zh-CN" b="0" i="1" smtClean="0">
+                        <a:latin typeface="Cambria Math" panose="02040503050406030204" pitchFamily="18" charset="0"/>
+                      </a:rPr>
+                      <m:t>∈</m:t>
+                    </m:r>
+                    <m:r>
+                      <a:rPr lang="en-US" altLang="zh-CN" b="0" i="1" smtClean="0">
+                        <a:latin typeface="Cambria Math" panose="02040503050406030204" pitchFamily="18" charset="0"/>
+                      </a:rPr>
+                      <m:t>𝒩</m:t>
+                    </m:r>
+                    <m:r>
+                      <a:rPr lang="en-US" altLang="zh-CN" b="0" i="1" smtClean="0">
+                        <a:latin typeface="Cambria Math" panose="02040503050406030204" pitchFamily="18" charset="0"/>
+                      </a:rPr>
+                      <m:t> </m:t>
+                    </m:r>
+                  </m:oMath>
+                </a14:m>
+                <a:r>
+                  <a:rPr lang="en-US" altLang="zh-CN" dirty="0"/>
+                  <a:t>has </a:t>
+                </a:r>
+                <a14:m>
+                  <m:oMath xmlns:m="http://schemas.openxmlformats.org/officeDocument/2006/math">
+                    <m:r>
+                      <a:rPr lang="en-US" altLang="zh-CN" b="0" i="1" smtClean="0">
+                        <a:latin typeface="Cambria Math" panose="02040503050406030204" pitchFamily="18" charset="0"/>
+                      </a:rPr>
+                      <m:t>𝑠𝑡𝑎𝑘</m:t>
+                    </m:r>
+                    <m:sSub>
+                      <m:sSubPr>
+                        <m:ctrlPr>
+                          <a:rPr lang="en-US" altLang="zh-CN" b="0" i="1" smtClean="0">
+                            <a:latin typeface="Cambria Math" panose="02040503050406030204" pitchFamily="18" charset="0"/>
+                          </a:rPr>
+                        </m:ctrlPr>
+                      </m:sSubPr>
+                      <m:e>
+                        <m:r>
+                          <a:rPr lang="en-US" altLang="zh-CN" b="0" i="1" smtClean="0">
+                            <a:latin typeface="Cambria Math" panose="02040503050406030204" pitchFamily="18" charset="0"/>
+                          </a:rPr>
+                          <m:t>𝑒</m:t>
+                        </m:r>
+                      </m:e>
+                      <m:sub>
+                        <m:r>
+                          <a:rPr lang="en-US" altLang="zh-CN" b="0" i="1" smtClean="0">
+                            <a:latin typeface="Cambria Math" panose="02040503050406030204" pitchFamily="18" charset="0"/>
+                          </a:rPr>
+                          <m:t>𝑛</m:t>
+                        </m:r>
+                      </m:sub>
+                    </m:sSub>
+                  </m:oMath>
+                </a14:m>
+                <a:r>
+                  <a:rPr lang="zh-CN" altLang="en-US" dirty="0"/>
+                  <a:t> </a:t>
+                </a:r>
+                <a:r>
+                  <a:rPr lang="en-US" altLang="zh-CN" dirty="0"/>
+                  <a:t>and backs a candidate subset </a:t>
+                </a:r>
+                <a14:m>
+                  <m:oMath xmlns:m="http://schemas.openxmlformats.org/officeDocument/2006/math">
+                    <m:sSub>
+                      <m:sSubPr>
+                        <m:ctrlPr>
+                          <a:rPr lang="en-US" altLang="zh-CN" b="0" i="1" smtClean="0">
+                            <a:latin typeface="Cambria Math" panose="02040503050406030204" pitchFamily="18" charset="0"/>
+                          </a:rPr>
+                        </m:ctrlPr>
+                      </m:sSubPr>
+                      <m:e>
+                        <m:r>
+                          <a:rPr lang="en-US" altLang="zh-CN" b="0" i="1" smtClean="0">
+                            <a:latin typeface="Cambria Math" panose="02040503050406030204" pitchFamily="18" charset="0"/>
+                          </a:rPr>
+                          <m:t>𝒞</m:t>
+                        </m:r>
+                      </m:e>
+                      <m:sub>
+                        <m:r>
+                          <a:rPr lang="en-US" altLang="zh-CN" b="0" i="1" smtClean="0">
+                            <a:latin typeface="Cambria Math" panose="02040503050406030204" pitchFamily="18" charset="0"/>
+                          </a:rPr>
+                          <m:t>𝑛</m:t>
+                        </m:r>
+                      </m:sub>
+                    </m:sSub>
+                    <m:r>
+                      <a:rPr lang="en-US" altLang="zh-CN" b="0" i="1" smtClean="0">
+                        <a:latin typeface="Cambria Math" panose="02040503050406030204" pitchFamily="18" charset="0"/>
+                      </a:rPr>
+                      <m:t>⊆</m:t>
+                    </m:r>
+                    <m:r>
+                      <a:rPr lang="en-US" altLang="zh-CN" b="0" i="1" smtClean="0">
+                        <a:latin typeface="Cambria Math" panose="02040503050406030204" pitchFamily="18" charset="0"/>
+                      </a:rPr>
+                      <m:t>𝒞</m:t>
+                    </m:r>
+                  </m:oMath>
+                </a14:m>
+                <a:r>
+                  <a:rPr lang="en-US" altLang="zh-CN" dirty="0"/>
+                  <a:t>, the protocol must not only elect a set</a:t>
+                </a:r>
+                <a14:m>
+                  <m:oMath xmlns:m="http://schemas.openxmlformats.org/officeDocument/2006/math">
+                    <m:r>
+                      <a:rPr lang="en-US" altLang="zh-CN" b="0" i="1" smtClean="0">
+                        <a:latin typeface="Cambria Math" panose="02040503050406030204" pitchFamily="18" charset="0"/>
+                      </a:rPr>
+                      <m:t>𝒱</m:t>
+                    </m:r>
+                    <m:r>
+                      <a:rPr lang="en-US" altLang="zh-CN" b="0" i="1" smtClean="0">
+                        <a:latin typeface="Cambria Math" panose="02040503050406030204" pitchFamily="18" charset="0"/>
+                      </a:rPr>
+                      <m:t>⊆</m:t>
+                    </m:r>
+                    <m:r>
+                      <a:rPr lang="en-US" altLang="zh-CN" b="0" i="1" smtClean="0">
+                        <a:latin typeface="Cambria Math" panose="02040503050406030204" pitchFamily="18" charset="0"/>
+                      </a:rPr>
+                      <m:t>𝒞</m:t>
+                    </m:r>
+                  </m:oMath>
+                </a14:m>
+                <a:r>
+                  <a:rPr lang="zh-CN" altLang="en-US" dirty="0"/>
+                  <a:t> </a:t>
+                </a:r>
+                <a:r>
+                  <a:rPr lang="en-US" altLang="zh-CN" dirty="0"/>
+                  <a:t>of </a:t>
+                </a:r>
+                <a14:m>
+                  <m:oMath xmlns:m="http://schemas.openxmlformats.org/officeDocument/2006/math">
+                    <m:sSub>
+                      <m:sSubPr>
+                        <m:ctrlPr>
+                          <a:rPr lang="en-US" altLang="zh-CN" b="0" i="1" smtClean="0">
+                            <a:latin typeface="Cambria Math" panose="02040503050406030204" pitchFamily="18" charset="0"/>
+                          </a:rPr>
+                        </m:ctrlPr>
+                      </m:sSubPr>
+                      <m:e>
+                        <m:r>
+                          <a:rPr lang="en-US" altLang="zh-CN" b="0" i="1" smtClean="0">
+                            <a:latin typeface="Cambria Math" panose="02040503050406030204" pitchFamily="18" charset="0"/>
+                          </a:rPr>
+                          <m:t>𝑛</m:t>
+                        </m:r>
+                      </m:e>
+                      <m:sub>
+                        <m:r>
+                          <a:rPr lang="en-US" altLang="zh-CN" b="0" i="1" smtClean="0">
+                            <a:latin typeface="Cambria Math" panose="02040503050406030204" pitchFamily="18" charset="0"/>
+                          </a:rPr>
+                          <m:t>𝑣𝑎𝑙</m:t>
+                        </m:r>
+                      </m:sub>
+                    </m:sSub>
+                  </m:oMath>
+                </a14:m>
+                <a:r>
+                  <a:rPr lang="zh-CN" altLang="en-US" dirty="0"/>
+                  <a:t> </a:t>
+                </a:r>
+                <a:r>
+                  <a:rPr lang="en-US" altLang="zh-CN" dirty="0"/>
+                  <a:t>validators with the PJR property, but also define a distribution of each nominator’s stake among the elected validators that she backs, i.e. a function </a:t>
+                </a:r>
+                <a14:m>
+                  <m:oMath xmlns:m="http://schemas.openxmlformats.org/officeDocument/2006/math">
+                    <m:r>
+                      <a:rPr lang="en-US" altLang="zh-CN" b="0" i="1" smtClean="0">
+                        <a:latin typeface="Cambria Math" panose="02040503050406030204" pitchFamily="18" charset="0"/>
+                      </a:rPr>
+                      <m:t>𝑓</m:t>
+                    </m:r>
+                    <m:r>
+                      <a:rPr lang="en-US" altLang="zh-CN" b="0" i="1" smtClean="0">
+                        <a:latin typeface="Cambria Math" panose="02040503050406030204" pitchFamily="18" charset="0"/>
+                      </a:rPr>
+                      <m:t>:</m:t>
+                    </m:r>
+                    <m:r>
+                      <a:rPr lang="en-US" altLang="zh-CN" b="0" i="1" smtClean="0">
+                        <a:latin typeface="Cambria Math" panose="02040503050406030204" pitchFamily="18" charset="0"/>
+                      </a:rPr>
+                      <m:t>𝒩</m:t>
+                    </m:r>
+                    <m:r>
+                      <a:rPr lang="en-US" altLang="zh-CN" b="0" i="1" smtClean="0">
+                        <a:latin typeface="Cambria Math" panose="02040503050406030204" pitchFamily="18" charset="0"/>
+                      </a:rPr>
+                      <m:t>×</m:t>
+                    </m:r>
+                    <m:r>
+                      <a:rPr lang="en-US" altLang="zh-CN" b="0" i="1" smtClean="0">
+                        <a:latin typeface="Cambria Math" panose="02040503050406030204" pitchFamily="18" charset="0"/>
+                      </a:rPr>
+                      <m:t>𝒱</m:t>
+                    </m:r>
+                    <m:r>
+                      <a:rPr lang="en-US" altLang="zh-CN" b="0" i="1" smtClean="0">
+                        <a:latin typeface="Cambria Math" panose="02040503050406030204" pitchFamily="18" charset="0"/>
+                      </a:rPr>
+                      <m:t>→</m:t>
+                    </m:r>
+                    <m:sSub>
+                      <m:sSubPr>
+                        <m:ctrlPr>
+                          <a:rPr lang="en-US" altLang="zh-CN" b="0" i="1" smtClean="0">
+                            <a:latin typeface="Cambria Math" panose="02040503050406030204" pitchFamily="18" charset="0"/>
+                          </a:rPr>
+                        </m:ctrlPr>
+                      </m:sSubPr>
+                      <m:e>
+                        <m:r>
+                          <a:rPr lang="en-US" altLang="zh-CN" b="0" i="1" smtClean="0">
+                            <a:latin typeface="Cambria Math" panose="02040503050406030204" pitchFamily="18" charset="0"/>
+                          </a:rPr>
+                          <m:t>ℝ</m:t>
+                        </m:r>
+                      </m:e>
+                      <m:sub>
+                        <m:r>
+                          <a:rPr lang="en-US" altLang="zh-CN" b="0" i="1" smtClean="0">
+                            <a:latin typeface="Cambria Math" panose="02040503050406030204" pitchFamily="18" charset="0"/>
+                          </a:rPr>
+                          <m:t>≥0</m:t>
+                        </m:r>
+                      </m:sub>
+                    </m:sSub>
+                  </m:oMath>
+                </a14:m>
+                <a:r>
+                  <a:rPr lang="zh-CN" altLang="en-US" dirty="0"/>
+                  <a:t> </a:t>
+                </a:r>
+                <a:r>
+                  <a:rPr lang="en-US" altLang="zh-CN" dirty="0"/>
+                  <a:t>so that,</a:t>
+                </a:r>
+                <a:r>
+                  <a:rPr lang="en-US" altLang="zh-CN" i="1" dirty="0">
+                    <a:latin typeface="Cambria Math" panose="02040503050406030204" pitchFamily="18" charset="0"/>
+                  </a:rPr>
+                  <a:t> </a:t>
+                </a:r>
+                <a14:m>
+                  <m:oMath xmlns:m="http://schemas.openxmlformats.org/officeDocument/2006/math">
+                    <m:nary>
+                      <m:naryPr>
+                        <m:chr m:val="∑"/>
+                        <m:supHide m:val="on"/>
+                        <m:ctrlPr>
+                          <a:rPr lang="en-US" altLang="zh-CN" b="0" i="1" smtClean="0">
+                            <a:latin typeface="Cambria Math" panose="02040503050406030204" pitchFamily="18" charset="0"/>
+                          </a:rPr>
+                        </m:ctrlPr>
+                      </m:naryPr>
+                      <m:sub>
+                        <m:r>
+                          <a:rPr lang="en-US" altLang="zh-CN" b="0" i="1" smtClean="0">
+                            <a:latin typeface="Cambria Math" panose="02040503050406030204" pitchFamily="18" charset="0"/>
+                          </a:rPr>
+                          <m:t>𝑣</m:t>
+                        </m:r>
+                        <m:r>
+                          <a:rPr lang="en-US" altLang="zh-CN" b="0" i="1" smtClean="0">
+                            <a:latin typeface="Cambria Math" panose="02040503050406030204" pitchFamily="18" charset="0"/>
+                          </a:rPr>
+                          <m:t>∈</m:t>
+                        </m:r>
+                        <m:r>
+                          <a:rPr lang="en-US" altLang="zh-CN" b="0" i="1" smtClean="0">
+                            <a:latin typeface="Cambria Math" panose="02040503050406030204" pitchFamily="18" charset="0"/>
+                          </a:rPr>
+                          <m:t>𝒱</m:t>
+                        </m:r>
+                        <m:r>
+                          <a:rPr lang="en-US" altLang="zh-CN" b="0" i="1" smtClean="0">
+                            <a:latin typeface="Cambria Math" panose="02040503050406030204" pitchFamily="18" charset="0"/>
+                          </a:rPr>
+                          <m:t>⋂</m:t>
+                        </m:r>
+                        <m:sSub>
+                          <m:sSubPr>
+                            <m:ctrlPr>
+                              <a:rPr lang="en-US" altLang="zh-CN" b="0" i="1" smtClean="0">
+                                <a:latin typeface="Cambria Math" panose="02040503050406030204" pitchFamily="18" charset="0"/>
+                              </a:rPr>
+                            </m:ctrlPr>
+                          </m:sSubPr>
+                          <m:e>
+                            <m:r>
+                              <a:rPr lang="en-US" altLang="zh-CN" b="0" i="1" smtClean="0">
+                                <a:latin typeface="Cambria Math" panose="02040503050406030204" pitchFamily="18" charset="0"/>
+                              </a:rPr>
+                              <m:t>𝒞</m:t>
+                            </m:r>
+                          </m:e>
+                          <m:sub>
+                            <m:r>
+                              <a:rPr lang="en-US" altLang="zh-CN" b="0" i="1" smtClean="0">
+                                <a:latin typeface="Cambria Math" panose="02040503050406030204" pitchFamily="18" charset="0"/>
+                              </a:rPr>
+                              <m:t>𝑛</m:t>
+                            </m:r>
+                          </m:sub>
+                        </m:sSub>
+                      </m:sub>
+                      <m:sup/>
+                      <m:e>
+                        <m:r>
+                          <a:rPr lang="en-US" altLang="zh-CN" b="0" i="1" smtClean="0">
+                            <a:latin typeface="Cambria Math" panose="02040503050406030204" pitchFamily="18" charset="0"/>
+                          </a:rPr>
+                          <m:t>𝑓</m:t>
+                        </m:r>
+                        <m:d>
+                          <m:dPr>
+                            <m:ctrlPr>
+                              <a:rPr lang="en-US" altLang="zh-CN" b="0" i="1" smtClean="0">
+                                <a:latin typeface="Cambria Math" panose="02040503050406030204" pitchFamily="18" charset="0"/>
+                              </a:rPr>
+                            </m:ctrlPr>
+                          </m:dPr>
+                          <m:e>
+                            <m:r>
+                              <a:rPr lang="en-US" altLang="zh-CN" b="0" i="1" smtClean="0">
+                                <a:latin typeface="Cambria Math" panose="02040503050406030204" pitchFamily="18" charset="0"/>
+                              </a:rPr>
+                              <m:t>𝑛</m:t>
+                            </m:r>
+                            <m:r>
+                              <a:rPr lang="en-US" altLang="zh-CN" b="0" i="1" smtClean="0">
+                                <a:latin typeface="Cambria Math" panose="02040503050406030204" pitchFamily="18" charset="0"/>
+                              </a:rPr>
+                              <m:t>, </m:t>
+                            </m:r>
+                            <m:r>
+                              <a:rPr lang="en-US" altLang="zh-CN" b="0" i="1" smtClean="0">
+                                <a:latin typeface="Cambria Math" panose="02040503050406030204" pitchFamily="18" charset="0"/>
+                              </a:rPr>
+                              <m:t>𝑣</m:t>
+                            </m:r>
+                          </m:e>
+                        </m:d>
+                        <m:r>
+                          <a:rPr lang="en-US" altLang="zh-CN" b="0" i="1" smtClean="0">
+                            <a:latin typeface="Cambria Math" panose="02040503050406030204" pitchFamily="18" charset="0"/>
+                          </a:rPr>
+                          <m:t>=</m:t>
+                        </m:r>
+                        <m:r>
+                          <a:rPr lang="en-US" altLang="zh-CN" b="0" i="1" smtClean="0">
+                            <a:latin typeface="Cambria Math" panose="02040503050406030204" pitchFamily="18" charset="0"/>
+                          </a:rPr>
+                          <m:t>𝑠𝑡𝑎𝑘</m:t>
+                        </m:r>
+                        <m:sSub>
+                          <m:sSubPr>
+                            <m:ctrlPr>
+                              <a:rPr lang="en-US" altLang="zh-CN" b="0" i="1" smtClean="0">
+                                <a:latin typeface="Cambria Math" panose="02040503050406030204" pitchFamily="18" charset="0"/>
+                              </a:rPr>
+                            </m:ctrlPr>
+                          </m:sSubPr>
+                          <m:e>
+                            <m:r>
+                              <a:rPr lang="en-US" altLang="zh-CN" b="0" i="1" smtClean="0">
+                                <a:latin typeface="Cambria Math" panose="02040503050406030204" pitchFamily="18" charset="0"/>
+                              </a:rPr>
+                              <m:t>𝑒</m:t>
+                            </m:r>
+                          </m:e>
+                          <m:sub>
+                            <m:r>
+                              <a:rPr lang="en-US" altLang="zh-CN" b="0" i="1" smtClean="0">
+                                <a:latin typeface="Cambria Math" panose="02040503050406030204" pitchFamily="18" charset="0"/>
+                              </a:rPr>
+                              <m:t>𝑛</m:t>
+                            </m:r>
+                          </m:sub>
+                        </m:sSub>
+                      </m:e>
+                    </m:nary>
+                    <m:r>
+                      <a:rPr lang="en-US" altLang="zh-CN" b="0" i="1" smtClean="0">
+                        <a:latin typeface="Cambria Math" panose="02040503050406030204" pitchFamily="18" charset="0"/>
+                      </a:rPr>
+                      <m:t>  </m:t>
+                    </m:r>
+                  </m:oMath>
+                </a14:m>
+                <a:r>
+                  <a:rPr lang="en-US" altLang="zh-CN" dirty="0"/>
+                  <a:t>,for each nominator </a:t>
+                </a:r>
+                <a14:m>
+                  <m:oMath xmlns:m="http://schemas.openxmlformats.org/officeDocument/2006/math">
+                    <m:r>
+                      <a:rPr lang="en-US" altLang="zh-CN" b="0" i="1" smtClean="0">
+                        <a:latin typeface="Cambria Math" panose="02040503050406030204" pitchFamily="18" charset="0"/>
+                      </a:rPr>
+                      <m:t>𝑛</m:t>
+                    </m:r>
+                    <m:r>
+                      <a:rPr lang="en-US" altLang="zh-CN" b="0" i="1" smtClean="0">
+                        <a:latin typeface="Cambria Math" panose="02040503050406030204" pitchFamily="18" charset="0"/>
+                      </a:rPr>
+                      <m:t>∈</m:t>
+                    </m:r>
+                    <m:r>
+                      <a:rPr lang="en-US" altLang="zh-CN" b="0" i="1" smtClean="0">
+                        <a:latin typeface="Cambria Math" panose="02040503050406030204" pitchFamily="18" charset="0"/>
+                      </a:rPr>
+                      <m:t>𝒱</m:t>
+                    </m:r>
+                  </m:oMath>
+                </a14:m>
+                <a:r>
+                  <a:rPr lang="en-US" altLang="zh-CN" dirty="0"/>
+                  <a:t>,and the objective is then:</a:t>
+                </a:r>
+              </a:p>
+              <a:p>
+                <a:pPr marL="457200" lvl="1" indent="0">
+                  <a:buNone/>
+                </a:pPr>
+                <a14:m>
+                  <m:oMathPara xmlns:m="http://schemas.openxmlformats.org/officeDocument/2006/math">
+                    <m:oMathParaPr>
+                      <m:jc m:val="centerGroup"/>
+                    </m:oMathParaPr>
+                    <m:oMath xmlns:m="http://schemas.openxmlformats.org/officeDocument/2006/math">
+                      <m:func>
+                        <m:funcPr>
+                          <m:ctrlPr>
+                            <a:rPr lang="en-US" altLang="zh-CN" b="0" i="1" smtClean="0">
+                              <a:latin typeface="Cambria Math" panose="02040503050406030204" pitchFamily="18" charset="0"/>
+                            </a:rPr>
+                          </m:ctrlPr>
+                        </m:funcPr>
+                        <m:fName>
+                          <m:limLow>
+                            <m:limLowPr>
+                              <m:ctrlPr>
+                                <a:rPr lang="en-US" altLang="zh-CN" b="0" i="1" smtClean="0">
+                                  <a:latin typeface="Cambria Math" panose="02040503050406030204" pitchFamily="18" charset="0"/>
+                                </a:rPr>
+                              </m:ctrlPr>
+                            </m:limLowPr>
+                            <m:e>
+                              <m:r>
+                                <m:rPr>
+                                  <m:sty m:val="p"/>
+                                </m:rPr>
+                                <a:rPr lang="en-US" altLang="zh-CN" b="0" i="0" smtClean="0">
+                                  <a:latin typeface="Cambria Math" panose="02040503050406030204" pitchFamily="18" charset="0"/>
+                                </a:rPr>
+                                <m:t>max</m:t>
+                              </m:r>
+                            </m:e>
+                            <m:lim>
+                              <m:r>
+                                <a:rPr lang="en-US" altLang="zh-CN" b="0" i="1" smtClean="0">
+                                  <a:latin typeface="Cambria Math" panose="02040503050406030204" pitchFamily="18" charset="0"/>
+                                </a:rPr>
+                                <m:t>𝑣</m:t>
+                              </m:r>
+                              <m:r>
+                                <a:rPr lang="en-US" altLang="zh-CN" b="0" i="1" smtClean="0">
+                                  <a:latin typeface="Cambria Math" panose="02040503050406030204" pitchFamily="18" charset="0"/>
+                                </a:rPr>
+                                <m:t>,</m:t>
+                              </m:r>
+                              <m:r>
+                                <a:rPr lang="en-US" altLang="zh-CN" b="0" i="1" smtClean="0">
+                                  <a:latin typeface="Cambria Math" panose="02040503050406030204" pitchFamily="18" charset="0"/>
+                                </a:rPr>
+                                <m:t>𝑓</m:t>
+                              </m:r>
+                            </m:lim>
+                          </m:limLow>
+                        </m:fName>
+                        <m:e>
+                          <m:func>
+                            <m:funcPr>
+                              <m:ctrlPr>
+                                <a:rPr lang="en-US" altLang="zh-CN" b="0" i="1" smtClean="0">
+                                  <a:latin typeface="Cambria Math" panose="02040503050406030204" pitchFamily="18" charset="0"/>
+                                </a:rPr>
+                              </m:ctrlPr>
+                            </m:funcPr>
+                            <m:fName>
+                              <m:limLow>
+                                <m:limLowPr>
+                                  <m:ctrlPr>
+                                    <a:rPr lang="en-US" altLang="zh-CN" b="0" i="1" smtClean="0">
+                                      <a:latin typeface="Cambria Math" panose="02040503050406030204" pitchFamily="18" charset="0"/>
+                                    </a:rPr>
+                                  </m:ctrlPr>
+                                </m:limLowPr>
+                                <m:e>
+                                  <m:r>
+                                    <m:rPr>
+                                      <m:sty m:val="p"/>
+                                    </m:rPr>
+                                    <a:rPr lang="en-US" altLang="zh-CN" b="0" i="0" smtClean="0">
+                                      <a:latin typeface="Cambria Math" panose="02040503050406030204" pitchFamily="18" charset="0"/>
+                                    </a:rPr>
+                                    <m:t>min</m:t>
+                                  </m:r>
+                                </m:e>
+                                <m:lim>
+                                  <m:r>
+                                    <a:rPr lang="en-US" altLang="zh-CN" b="0" i="1" smtClean="0">
+                                      <a:latin typeface="Cambria Math" panose="02040503050406030204" pitchFamily="18" charset="0"/>
+                                    </a:rPr>
+                                    <m:t>𝑣</m:t>
+                                  </m:r>
+                                  <m:r>
+                                    <a:rPr lang="en-US" altLang="zh-CN" b="0" i="1" smtClean="0">
+                                      <a:latin typeface="Cambria Math" panose="02040503050406030204" pitchFamily="18" charset="0"/>
+                                    </a:rPr>
+                                    <m:t>∈</m:t>
+                                  </m:r>
+                                  <m:r>
+                                    <a:rPr lang="en-US" altLang="zh-CN" b="0" i="1" smtClean="0">
+                                      <a:latin typeface="Cambria Math" panose="02040503050406030204" pitchFamily="18" charset="0"/>
+                                    </a:rPr>
+                                    <m:t>𝒱</m:t>
+                                  </m:r>
+                                </m:lim>
+                              </m:limLow>
+                            </m:fName>
+                            <m:e>
+                              <m:r>
+                                <a:rPr lang="en-US" altLang="zh-CN" b="0" i="1" smtClean="0">
+                                  <a:latin typeface="Cambria Math" panose="02040503050406030204" pitchFamily="18" charset="0"/>
+                                </a:rPr>
+                                <m:t>𝑠𝑢𝑝𝑝𝑜𝑟</m:t>
+                              </m:r>
+                              <m:sSub>
+                                <m:sSubPr>
+                                  <m:ctrlPr>
+                                    <a:rPr lang="en-US" altLang="zh-CN" b="0" i="1" smtClean="0">
+                                      <a:latin typeface="Cambria Math" panose="02040503050406030204" pitchFamily="18" charset="0"/>
+                                    </a:rPr>
+                                  </m:ctrlPr>
+                                </m:sSubPr>
+                                <m:e>
+                                  <m:r>
+                                    <a:rPr lang="en-US" altLang="zh-CN" b="0" i="1" smtClean="0">
+                                      <a:latin typeface="Cambria Math" panose="02040503050406030204" pitchFamily="18" charset="0"/>
+                                    </a:rPr>
+                                    <m:t>𝑡</m:t>
+                                  </m:r>
+                                </m:e>
+                                <m:sub>
+                                  <m:r>
+                                    <a:rPr lang="en-US" altLang="zh-CN" b="0" i="1" smtClean="0">
+                                      <a:latin typeface="Cambria Math" panose="02040503050406030204" pitchFamily="18" charset="0"/>
+                                    </a:rPr>
+                                    <m:t>𝑓</m:t>
+                                  </m:r>
+                                </m:sub>
+                              </m:sSub>
+                              <m:d>
+                                <m:dPr>
+                                  <m:ctrlPr>
+                                    <a:rPr lang="en-US" altLang="zh-CN" b="0" i="1" smtClean="0">
+                                      <a:latin typeface="Cambria Math" panose="02040503050406030204" pitchFamily="18" charset="0"/>
+                                    </a:rPr>
+                                  </m:ctrlPr>
+                                </m:dPr>
+                                <m:e>
+                                  <m:r>
+                                    <a:rPr lang="en-US" altLang="zh-CN" b="0" i="1" smtClean="0">
+                                      <a:latin typeface="Cambria Math" panose="02040503050406030204" pitchFamily="18" charset="0"/>
+                                    </a:rPr>
+                                    <m:t>𝑣</m:t>
+                                  </m:r>
+                                </m:e>
+                              </m:d>
+                              <m:r>
+                                <a:rPr lang="en-US" altLang="zh-CN" b="0" i="1" smtClean="0">
+                                  <a:latin typeface="Cambria Math" panose="02040503050406030204" pitchFamily="18" charset="0"/>
+                                </a:rPr>
+                                <m:t>,  </m:t>
+                              </m:r>
+                              <m:r>
+                                <a:rPr lang="en-US" altLang="zh-CN" b="0" i="1" smtClean="0">
+                                  <a:latin typeface="Cambria Math" panose="02040503050406030204" pitchFamily="18" charset="0"/>
+                                </a:rPr>
+                                <m:t>𝑤h𝑒𝑟𝑒</m:t>
+                              </m:r>
+                              <m:r>
+                                <a:rPr lang="en-US" altLang="zh-CN" b="0" i="1" smtClean="0">
+                                  <a:latin typeface="Cambria Math" panose="02040503050406030204" pitchFamily="18" charset="0"/>
+                                </a:rPr>
+                                <m:t> </m:t>
+                              </m:r>
+                              <m:r>
+                                <a:rPr lang="en-US" altLang="zh-CN" b="0" i="1" smtClean="0">
+                                  <a:latin typeface="Cambria Math" panose="02040503050406030204" pitchFamily="18" charset="0"/>
+                                </a:rPr>
+                                <m:t>𝑠𝑢𝑝𝑝𝑜𝑟</m:t>
+                              </m:r>
+                              <m:sSub>
+                                <m:sSubPr>
+                                  <m:ctrlPr>
+                                    <a:rPr lang="en-US" altLang="zh-CN" b="0" i="1" smtClean="0">
+                                      <a:latin typeface="Cambria Math" panose="02040503050406030204" pitchFamily="18" charset="0"/>
+                                    </a:rPr>
+                                  </m:ctrlPr>
+                                </m:sSubPr>
+                                <m:e>
+                                  <m:r>
+                                    <a:rPr lang="en-US" altLang="zh-CN" b="0" i="1" smtClean="0">
+                                      <a:latin typeface="Cambria Math" panose="02040503050406030204" pitchFamily="18" charset="0"/>
+                                    </a:rPr>
+                                    <m:t>𝑡</m:t>
+                                  </m:r>
+                                </m:e>
+                                <m:sub>
+                                  <m:r>
+                                    <a:rPr lang="en-US" altLang="zh-CN" b="0" i="1" smtClean="0">
+                                      <a:latin typeface="Cambria Math" panose="02040503050406030204" pitchFamily="18" charset="0"/>
+                                    </a:rPr>
+                                    <m:t>𝑓</m:t>
+                                  </m:r>
+                                </m:sub>
+                              </m:sSub>
+                              <m:d>
+                                <m:dPr>
+                                  <m:ctrlPr>
+                                    <a:rPr lang="en-US" altLang="zh-CN" b="0" i="1" smtClean="0">
+                                      <a:latin typeface="Cambria Math" panose="02040503050406030204" pitchFamily="18" charset="0"/>
+                                    </a:rPr>
+                                  </m:ctrlPr>
+                                </m:dPr>
+                                <m:e>
+                                  <m:r>
+                                    <a:rPr lang="en-US" altLang="zh-CN" b="0" i="1" smtClean="0">
+                                      <a:latin typeface="Cambria Math" panose="02040503050406030204" pitchFamily="18" charset="0"/>
+                                    </a:rPr>
+                                    <m:t>𝑣</m:t>
+                                  </m:r>
+                                </m:e>
+                              </m:d>
+                              <m:r>
+                                <a:rPr lang="en-US" altLang="zh-CN" b="0" i="1" smtClean="0">
+                                  <a:latin typeface="Cambria Math" panose="02040503050406030204" pitchFamily="18" charset="0"/>
+                                </a:rPr>
+                                <m:t>≔</m:t>
+                              </m:r>
+                              <m:nary>
+                                <m:naryPr>
+                                  <m:chr m:val="∑"/>
+                                  <m:supHide m:val="on"/>
+                                  <m:ctrlPr>
+                                    <a:rPr lang="en-US" altLang="zh-CN" b="0" i="1" smtClean="0">
+                                      <a:latin typeface="Cambria Math" panose="02040503050406030204" pitchFamily="18" charset="0"/>
+                                    </a:rPr>
+                                  </m:ctrlPr>
+                                </m:naryPr>
+                                <m:sub>
+                                  <m:r>
+                                    <a:rPr lang="en-US" altLang="zh-CN" b="0" i="1" smtClean="0">
+                                      <a:latin typeface="Cambria Math" panose="02040503050406030204" pitchFamily="18" charset="0"/>
+                                    </a:rPr>
+                                    <m:t>𝑛</m:t>
+                                  </m:r>
+                                  <m:r>
+                                    <a:rPr lang="en-US" altLang="zh-CN" b="0" i="1" smtClean="0">
+                                      <a:latin typeface="Cambria Math" panose="02040503050406030204" pitchFamily="18" charset="0"/>
+                                    </a:rPr>
+                                    <m:t>∈</m:t>
+                                  </m:r>
+                                  <m:r>
+                                    <a:rPr lang="en-US" altLang="zh-CN" b="0" i="1" smtClean="0">
+                                      <a:latin typeface="Cambria Math" panose="02040503050406030204" pitchFamily="18" charset="0"/>
+                                    </a:rPr>
+                                    <m:t>𝒩</m:t>
+                                  </m:r>
+                                  <m:r>
+                                    <a:rPr lang="en-US" altLang="zh-CN" b="0" i="1" smtClean="0">
+                                      <a:latin typeface="Cambria Math" panose="02040503050406030204" pitchFamily="18" charset="0"/>
+                                    </a:rPr>
+                                    <m:t>:</m:t>
+                                  </m:r>
+                                  <m:r>
+                                    <a:rPr lang="en-US" altLang="zh-CN" b="0" i="1" smtClean="0">
+                                      <a:latin typeface="Cambria Math" panose="02040503050406030204" pitchFamily="18" charset="0"/>
+                                    </a:rPr>
+                                    <m:t>𝑣</m:t>
+                                  </m:r>
+                                  <m:r>
+                                    <a:rPr lang="en-US" altLang="zh-CN" b="0" i="1" smtClean="0">
+                                      <a:latin typeface="Cambria Math" panose="02040503050406030204" pitchFamily="18" charset="0"/>
+                                    </a:rPr>
+                                    <m:t>∈</m:t>
+                                  </m:r>
+                                  <m:sSub>
+                                    <m:sSubPr>
+                                      <m:ctrlPr>
+                                        <a:rPr lang="en-US" altLang="zh-CN" b="0" i="1" smtClean="0">
+                                          <a:latin typeface="Cambria Math" panose="02040503050406030204" pitchFamily="18" charset="0"/>
+                                        </a:rPr>
+                                      </m:ctrlPr>
+                                    </m:sSubPr>
+                                    <m:e>
+                                      <m:r>
+                                        <a:rPr lang="en-US" altLang="zh-CN" b="0" i="1" smtClean="0">
+                                          <a:latin typeface="Cambria Math" panose="02040503050406030204" pitchFamily="18" charset="0"/>
+                                        </a:rPr>
+                                        <m:t>𝒞</m:t>
+                                      </m:r>
+                                    </m:e>
+                                    <m:sub>
+                                      <m:r>
+                                        <a:rPr lang="en-US" altLang="zh-CN" b="0" i="1" smtClean="0">
+                                          <a:latin typeface="Cambria Math" panose="02040503050406030204" pitchFamily="18" charset="0"/>
+                                        </a:rPr>
+                                        <m:t>𝑛</m:t>
+                                      </m:r>
+                                    </m:sub>
+                                  </m:sSub>
+                                </m:sub>
+                                <m:sup/>
+                                <m:e>
+                                  <m:r>
+                                    <a:rPr lang="en-US" altLang="zh-CN" b="0" i="1" smtClean="0">
+                                      <a:latin typeface="Cambria Math" panose="02040503050406030204" pitchFamily="18" charset="0"/>
+                                    </a:rPr>
+                                    <m:t>𝑓</m:t>
+                                  </m:r>
+                                  <m:d>
+                                    <m:dPr>
+                                      <m:ctrlPr>
+                                        <a:rPr lang="en-US" altLang="zh-CN" b="0" i="1" smtClean="0">
+                                          <a:latin typeface="Cambria Math" panose="02040503050406030204" pitchFamily="18" charset="0"/>
+                                        </a:rPr>
+                                      </m:ctrlPr>
+                                    </m:dPr>
+                                    <m:e>
+                                      <m:r>
+                                        <a:rPr lang="en-US" altLang="zh-CN" b="0" i="1" smtClean="0">
+                                          <a:latin typeface="Cambria Math" panose="02040503050406030204" pitchFamily="18" charset="0"/>
+                                        </a:rPr>
+                                        <m:t>𝑛</m:t>
+                                      </m:r>
+                                      <m:r>
+                                        <a:rPr lang="en-US" altLang="zh-CN" b="0" i="1" smtClean="0">
+                                          <a:latin typeface="Cambria Math" panose="02040503050406030204" pitchFamily="18" charset="0"/>
+                                        </a:rPr>
+                                        <m:t>, </m:t>
+                                      </m:r>
+                                      <m:r>
+                                        <a:rPr lang="en-US" altLang="zh-CN" b="0" i="1" smtClean="0">
+                                          <a:latin typeface="Cambria Math" panose="02040503050406030204" pitchFamily="18" charset="0"/>
+                                        </a:rPr>
+                                        <m:t>𝑣</m:t>
+                                      </m:r>
+                                    </m:e>
+                                  </m:d>
+                                </m:e>
+                              </m:nary>
+                            </m:e>
+                          </m:func>
+                        </m:e>
+                      </m:func>
+                    </m:oMath>
+                  </m:oMathPara>
+                </a14:m>
+                <a:endParaRPr lang="en-US" altLang="zh-CN" dirty="0"/>
+              </a:p>
+              <a:p>
+                <a:r>
+                  <a:rPr lang="en-US" altLang="zh-CN" dirty="0"/>
+                  <a:t>This is a NP-hard problem called </a:t>
+                </a:r>
+                <a:r>
+                  <a:rPr lang="en-US" altLang="zh-CN" b="1" i="1" dirty="0"/>
+                  <a:t>maximin support</a:t>
+                </a:r>
+                <a:endParaRPr lang="en-US" altLang="zh-CN" b="1" dirty="0"/>
+              </a:p>
+            </p:txBody>
+          </p:sp>
+        </mc:Choice>
+        <mc:Fallback>
+          <p:sp>
+            <p:nvSpPr>
+              <p:cNvPr id="2" name="内容占位符 1">
+                <a:extLst>
+                  <a:ext uri="{FF2B5EF4-FFF2-40B4-BE49-F238E27FC236}">
+                    <a16:creationId xmlns:a16="http://schemas.microsoft.com/office/drawing/2014/main" id="{1C033211-2BB1-4F34-AA8B-843D7AA332B4}"/>
+                  </a:ext>
+                </a:extLst>
+              </p:cNvPr>
+              <p:cNvSpPr>
+                <a:spLocks noGrp="1" noRot="1" noChangeAspect="1" noMove="1" noResize="1" noEditPoints="1" noAdjustHandles="1" noChangeArrowheads="1" noChangeShapeType="1" noTextEdit="1"/>
+              </p:cNvSpPr>
+              <p:nvPr>
+                <p:ph sz="quarter" idx="10"/>
+              </p:nvPr>
+            </p:nvSpPr>
+            <p:spPr>
+              <a:blipFill>
+                <a:blip r:embed="rId2"/>
+                <a:stretch>
+                  <a:fillRect l="-801" t="-124" r="-2331" b="-1611"/>
+                </a:stretch>
+              </a:blipFill>
+            </p:spPr>
+            <p:txBody>
+              <a:bodyPr/>
+              <a:lstStyle/>
+              <a:p>
+                <a:r>
+                  <a:rPr lang="zh-CN" altLang="en-US">
+                    <a:noFill/>
+                  </a:rPr>
+                  <a:t> </a:t>
+                </a:r>
+              </a:p>
+            </p:txBody>
+          </p:sp>
+        </mc:Fallback>
+      </mc:AlternateContent>
+      <p:sp>
+        <p:nvSpPr>
+          <p:cNvPr id="3" name="标题 2">
+            <a:extLst>
+              <a:ext uri="{FF2B5EF4-FFF2-40B4-BE49-F238E27FC236}">
+                <a16:creationId xmlns:a16="http://schemas.microsoft.com/office/drawing/2014/main" id="{2B9782E0-BCC9-449C-B0FC-3AE2578AB581}"/>
+              </a:ext>
+            </a:extLst>
+          </p:cNvPr>
+          <p:cNvSpPr>
+            <a:spLocks noGrp="1"/>
+          </p:cNvSpPr>
+          <p:nvPr>
+            <p:ph type="title"/>
+          </p:nvPr>
+        </p:nvSpPr>
+        <p:spPr/>
+        <p:txBody>
+          <a:bodyPr/>
+          <a:lstStyle/>
+          <a:p>
+            <a:r>
+              <a:rPr lang="en-GB" altLang="zh-CN" dirty="0"/>
+              <a:t>The goals of validator election: Security</a:t>
+            </a:r>
+            <a:endParaRPr lang="zh-CN" altLang="en-US" dirty="0"/>
+          </a:p>
+        </p:txBody>
+      </p:sp>
+    </p:spTree>
+    <p:extLst>
+      <p:ext uri="{BB962C8B-B14F-4D97-AF65-F5344CB8AC3E}">
+        <p14:creationId xmlns:p14="http://schemas.microsoft.com/office/powerpoint/2010/main" val="2574557201"/>
+      </p:ext>
+    </p:extLst>
+  </p:cSld>
+  <p:clrMapOvr>
+    <a:masterClrMapping/>
+  </p:clrMapOvr>
+</p:sld>
+</file>
+
+<file path=ppt/slides/slide8.xml><?xml version="1.0" encoding="utf-8"?>
 <p:sld xmlns:a="http://schemas.openxmlformats.org/drawingml/2006/main" xmlns:r="http://schemas.openxmlformats.org/officeDocument/2006/relationships" xmlns:p="http://schemas.openxmlformats.org/presentationml/2006/main">
   <p:cSld>
     <p:spTree>
@@ -20544,7 +25894,7 @@
           <a:bodyPr/>
           <a:lstStyle/>
           <a:p>
-            <a:endParaRPr lang="zh-CN" altLang="en-US" dirty="0"/>
+            <a:endParaRPr lang="en-US" altLang="zh-CN" b="1" dirty="0"/>
           </a:p>
         </p:txBody>
       </p:sp>
@@ -20570,16 +25920,8 @@
           <a:lstStyle/>
           <a:p>
             <a:r>
-              <a:rPr lang="en-GB" altLang="zh-CN" dirty="0"/>
-              <a:t>Analysis of </a:t>
-            </a:r>
-            <a:r>
-              <a:rPr lang="en-GB" altLang="zh-CN" dirty="0" err="1"/>
-              <a:t>NPoS</a:t>
-            </a:r>
-            <a:r>
-              <a:rPr lang="en-GB" altLang="zh-CN" dirty="0"/>
-              <a:t>-Security</a:t>
+              <a:rPr lang="en-US" altLang="zh-CN" dirty="0"/>
+              <a:t>More Information about Validator election</a:t>
             </a:r>
             <a:endParaRPr lang="zh-CN" altLang="en-US" dirty="0"/>
           </a:p>
@@ -20588,7 +25930,7 @@
     </p:spTree>
     <p:extLst>
       <p:ext uri="{BB962C8B-B14F-4D97-AF65-F5344CB8AC3E}">
-        <p14:creationId xmlns:p14="http://schemas.microsoft.com/office/powerpoint/2010/main" val="2574557201"/>
+        <p14:creationId xmlns:p14="http://schemas.microsoft.com/office/powerpoint/2010/main" val="3749700075"/>
       </p:ext>
     </p:extLst>
   </p:cSld>
@@ -20598,7 +25940,7 @@
 </p:sld>
 </file>
 
-<file path=ppt/slides/slide7.xml><?xml version="1.0" encoding="utf-8"?>
+<file path=ppt/slides/slide9.xml><?xml version="1.0" encoding="utf-8"?>
 <p:sld xmlns:a="http://schemas.openxmlformats.org/drawingml/2006/main" xmlns:r="http://schemas.openxmlformats.org/officeDocument/2006/relationships" xmlns:p="http://schemas.openxmlformats.org/presentationml/2006/main">
   <p:cSld>
     <p:spTree>
@@ -20871,42 +26213,6 @@
       </p:cxnSp>
       <p:sp>
         <p:nvSpPr>
-          <p:cNvPr id="11" name="文本框 10"/>
-          <p:cNvSpPr txBox="1"/>
-          <p:nvPr/>
-        </p:nvSpPr>
-        <p:spPr>
-          <a:xfrm>
-            <a:off x="2915073" y="1274734"/>
-            <a:ext cx="4387392" cy="461665"/>
-          </a:xfrm>
-          <a:prstGeom prst="rect">
-            <a:avLst/>
-          </a:prstGeom>
-          <a:noFill/>
-        </p:spPr>
-        <p:txBody>
-          <a:bodyPr wrap="square" rtlCol="0">
-            <a:spAutoFit/>
-          </a:bodyPr>
-          <a:lstStyle/>
-          <a:p>
-            <a:r>
-              <a:rPr lang="zh-CN" altLang="en-US" sz="2400" dirty="0">
-                <a:solidFill>
-                  <a:schemeClr val="tx1">
-                    <a:lumMod val="75000"/>
-                    <a:lumOff val="25000"/>
-                  </a:schemeClr>
-                </a:solidFill>
-              </a:rPr>
-              <a:t>说明</a:t>
-            </a:r>
-          </a:p>
-        </p:txBody>
-      </p:sp>
-      <p:sp>
-        <p:nvSpPr>
           <p:cNvPr id="13" name="Freeform 10"/>
           <p:cNvSpPr>
             <a:spLocks/>
@@ -21144,7 +26450,7 @@
           <a:lstStyle/>
           <a:p>
             <a:r>
-              <a:rPr lang="zh-CN" altLang="en-US" sz="2400" dirty="0">
+              <a:rPr lang="en-US" altLang="zh-CN" sz="2400" dirty="0">
                 <a:solidFill>
                   <a:schemeClr val="tx1">
                     <a:lumMod val="75000"/>
@@ -21152,8 +26458,16 @@
                   </a:schemeClr>
                 </a:solidFill>
               </a:rPr>
-              <a:t>无页码版式</a:t>
-            </a:r>
+              <a:t>Relay Chain State Machine</a:t>
+            </a:r>
+            <a:endParaRPr lang="zh-CN" altLang="en-US" sz="2400" dirty="0">
+              <a:solidFill>
+                <a:schemeClr val="tx1">
+                  <a:lumMod val="75000"/>
+                  <a:lumOff val="25000"/>
+                </a:schemeClr>
+              </a:solidFill>
+            </a:endParaRPr>
           </a:p>
         </p:txBody>
       </p:sp>
@@ -21913,300 +27227,22 @@
           </a:p>
         </p:txBody>
       </p:sp>
-    </p:spTree>
-    <p:extLst>
-      <p:ext uri="{BB962C8B-B14F-4D97-AF65-F5344CB8AC3E}">
-        <p14:creationId xmlns:p14="http://schemas.microsoft.com/office/powerpoint/2010/main" val="3595279237"/>
-      </p:ext>
-    </p:extLst>
-  </p:cSld>
-  <p:clrMapOvr>
-    <a:masterClrMapping/>
-  </p:clrMapOvr>
-</p:sld>
-</file>
-
-<file path=ppt/slides/slide8.xml><?xml version="1.0" encoding="utf-8"?>
-<p:sld xmlns:a="http://schemas.openxmlformats.org/drawingml/2006/main" xmlns:r="http://schemas.openxmlformats.org/officeDocument/2006/relationships" xmlns:p="http://schemas.openxmlformats.org/presentationml/2006/main">
-  <p:cSld>
-    <p:spTree>
-      <p:nvGrpSpPr>
-        <p:cNvPr id="1" name=""/>
-        <p:cNvGrpSpPr/>
-        <p:nvPr/>
-      </p:nvGrpSpPr>
-      <p:grpSpPr>
-        <a:xfrm>
-          <a:off x="0" y="0"/>
-          <a:ext cx="0" cy="0"/>
-          <a:chOff x="0" y="0"/>
-          <a:chExt cx="0" cy="0"/>
-        </a:xfrm>
-      </p:grpSpPr>
       <p:sp>
         <p:nvSpPr>
-          <p:cNvPr id="2" name="标题 1"/>
-          <p:cNvSpPr>
-            <a:spLocks noGrp="1"/>
-          </p:cNvSpPr>
-          <p:nvPr>
-            <p:ph type="title"/>
-          </p:nvPr>
-        </p:nvSpPr>
-        <p:spPr/>
-        <p:txBody>
-          <a:bodyPr>
-            <a:normAutofit fontScale="90000"/>
-          </a:bodyPr>
-          <a:lstStyle/>
-          <a:p>
-            <a:r>
-              <a:rPr lang="zh-CN" altLang="en-US" dirty="0">
-                <a:latin typeface="微软雅黑" panose="020B0503020204020204" pitchFamily="34" charset="-122"/>
-                <a:ea typeface="微软雅黑" panose="020B0503020204020204" pitchFamily="34" charset="-122"/>
-              </a:rPr>
-              <a:t>目录 </a:t>
-            </a:r>
-            <a:r>
-              <a:rPr lang="en-US" altLang="zh-CN" dirty="0">
-                <a:latin typeface="微软雅黑" panose="020B0503020204020204" pitchFamily="34" charset="-122"/>
-                <a:ea typeface="微软雅黑" panose="020B0503020204020204" pitchFamily="34" charset="-122"/>
-              </a:rPr>
-              <a:t>Contents</a:t>
-            </a:r>
-            <a:endParaRPr lang="zh-CN" altLang="en-US" dirty="0">
-              <a:latin typeface="微软雅黑" panose="020B0503020204020204" pitchFamily="34" charset="-122"/>
-              <a:ea typeface="微软雅黑" panose="020B0503020204020204" pitchFamily="34" charset="-122"/>
-            </a:endParaRPr>
-          </a:p>
-        </p:txBody>
-      </p:sp>
-      <p:sp>
-        <p:nvSpPr>
-          <p:cNvPr id="4" name="Freeform 10"/>
-          <p:cNvSpPr>
-            <a:spLocks/>
-          </p:cNvSpPr>
-          <p:nvPr userDrawn="1"/>
-        </p:nvSpPr>
-        <p:spPr bwMode="auto">
-          <a:xfrm>
-            <a:off x="1841535" y="1367357"/>
-            <a:ext cx="843427" cy="343858"/>
-          </a:xfrm>
-          <a:custGeom>
-            <a:avLst/>
-            <a:gdLst>
-              <a:gd name="T0" fmla="*/ 3120 w 3800"/>
-              <a:gd name="T1" fmla="*/ 0 h 1532"/>
-              <a:gd name="T2" fmla="*/ 682 w 3800"/>
-              <a:gd name="T3" fmla="*/ 0 h 1532"/>
-              <a:gd name="T4" fmla="*/ 682 w 3800"/>
-              <a:gd name="T5" fmla="*/ 284 h 1532"/>
-              <a:gd name="T6" fmla="*/ 0 w 3800"/>
-              <a:gd name="T7" fmla="*/ 766 h 1532"/>
-              <a:gd name="T8" fmla="*/ 682 w 3800"/>
-              <a:gd name="T9" fmla="*/ 1248 h 1532"/>
-              <a:gd name="T10" fmla="*/ 682 w 3800"/>
-              <a:gd name="T11" fmla="*/ 1532 h 1532"/>
-              <a:gd name="T12" fmla="*/ 3120 w 3800"/>
-              <a:gd name="T13" fmla="*/ 1532 h 1532"/>
-              <a:gd name="T14" fmla="*/ 3120 w 3800"/>
-              <a:gd name="T15" fmla="*/ 1248 h 1532"/>
-              <a:gd name="T16" fmla="*/ 3800 w 3800"/>
-              <a:gd name="T17" fmla="*/ 766 h 1532"/>
-              <a:gd name="T18" fmla="*/ 3120 w 3800"/>
-              <a:gd name="T19" fmla="*/ 284 h 1532"/>
-              <a:gd name="T20" fmla="*/ 3120 w 3800"/>
-              <a:gd name="T21" fmla="*/ 0 h 1532"/>
-            </a:gdLst>
-            <a:ahLst/>
-            <a:cxnLst>
-              <a:cxn ang="0">
-                <a:pos x="T0" y="T1"/>
-              </a:cxn>
-              <a:cxn ang="0">
-                <a:pos x="T2" y="T3"/>
-              </a:cxn>
-              <a:cxn ang="0">
-                <a:pos x="T4" y="T5"/>
-              </a:cxn>
-              <a:cxn ang="0">
-                <a:pos x="T6" y="T7"/>
-              </a:cxn>
-              <a:cxn ang="0">
-                <a:pos x="T8" y="T9"/>
-              </a:cxn>
-              <a:cxn ang="0">
-                <a:pos x="T10" y="T11"/>
-              </a:cxn>
-              <a:cxn ang="0">
-                <a:pos x="T12" y="T13"/>
-              </a:cxn>
-              <a:cxn ang="0">
-                <a:pos x="T14" y="T15"/>
-              </a:cxn>
-              <a:cxn ang="0">
-                <a:pos x="T16" y="T17"/>
-              </a:cxn>
-              <a:cxn ang="0">
-                <a:pos x="T18" y="T19"/>
-              </a:cxn>
-              <a:cxn ang="0">
-                <a:pos x="T20" y="T21"/>
-              </a:cxn>
-            </a:cxnLst>
-            <a:rect l="0" t="0" r="r" b="b"/>
-            <a:pathLst>
-              <a:path w="3800" h="1532">
-                <a:moveTo>
-                  <a:pt x="3120" y="0"/>
-                </a:moveTo>
-                <a:lnTo>
-                  <a:pt x="682" y="0"/>
-                </a:lnTo>
-                <a:lnTo>
-                  <a:pt x="682" y="284"/>
-                </a:lnTo>
-                <a:lnTo>
-                  <a:pt x="0" y="766"/>
-                </a:lnTo>
-                <a:lnTo>
-                  <a:pt x="682" y="1248"/>
-                </a:lnTo>
-                <a:lnTo>
-                  <a:pt x="682" y="1532"/>
-                </a:lnTo>
-                <a:lnTo>
-                  <a:pt x="3120" y="1532"/>
-                </a:lnTo>
-                <a:lnTo>
-                  <a:pt x="3120" y="1248"/>
-                </a:lnTo>
-                <a:lnTo>
-                  <a:pt x="3800" y="766"/>
-                </a:lnTo>
-                <a:lnTo>
-                  <a:pt x="3120" y="284"/>
-                </a:lnTo>
-                <a:lnTo>
-                  <a:pt x="3120" y="0"/>
-                </a:lnTo>
-                <a:close/>
-              </a:path>
-            </a:pathLst>
-          </a:custGeom>
-          <a:solidFill>
-            <a:schemeClr val="bg2"/>
-          </a:solidFill>
-          <a:ln>
-            <a:noFill/>
-          </a:ln>
-        </p:spPr>
-        <p:txBody>
-          <a:bodyPr vert="horz" wrap="square" lIns="91440" tIns="45720" rIns="91440" bIns="45720" numCol="1" anchor="ctr" anchorCtr="0" compatLnSpc="1">
-            <a:prstTxWarp prst="textNoShape">
-              <a:avLst/>
-            </a:prstTxWarp>
-            <a:noAutofit/>
-          </a:bodyPr>
-          <a:lstStyle/>
-          <a:p>
-            <a:pPr algn="ctr"/>
-            <a:endParaRPr lang="zh-CN" altLang="en-US" sz="3200" b="1"/>
-          </a:p>
-        </p:txBody>
-      </p:sp>
-      <p:sp>
-        <p:nvSpPr>
-          <p:cNvPr id="5" name="文本框 4"/>
-          <p:cNvSpPr txBox="1"/>
-          <p:nvPr userDrawn="1"/>
-        </p:nvSpPr>
-        <p:spPr>
-          <a:xfrm>
-            <a:off x="2071646" y="1303550"/>
-            <a:ext cx="383206" cy="443226"/>
-          </a:xfrm>
-          <a:prstGeom prst="rect">
-            <a:avLst/>
-          </a:prstGeom>
-          <a:noFill/>
-        </p:spPr>
-        <p:txBody>
-          <a:bodyPr wrap="none" rtlCol="0" anchor="ctr">
-            <a:noAutofit/>
-          </a:bodyPr>
-          <a:lstStyle/>
-          <a:p>
-            <a:pPr algn="ctr"/>
-            <a:r>
-              <a:rPr lang="en-US" altLang="zh-CN" b="1" dirty="0">
-                <a:solidFill>
-                  <a:schemeClr val="bg1"/>
-                </a:solidFill>
-                <a:latin typeface="微软雅黑" panose="020B0503020204020204" pitchFamily="34" charset="-122"/>
-                <a:ea typeface="微软雅黑" panose="020B0503020204020204" pitchFamily="34" charset="-122"/>
-              </a:rPr>
-              <a:t>1</a:t>
-            </a:r>
-            <a:endParaRPr lang="zh-CN" altLang="en-US" b="1" dirty="0">
-              <a:solidFill>
-                <a:schemeClr val="bg1"/>
-              </a:solidFill>
-              <a:latin typeface="微软雅黑" panose="020B0503020204020204" pitchFamily="34" charset="-122"/>
-              <a:ea typeface="微软雅黑" panose="020B0503020204020204" pitchFamily="34" charset="-122"/>
-            </a:endParaRPr>
-          </a:p>
-        </p:txBody>
-      </p:sp>
-      <p:cxnSp>
-        <p:nvCxnSpPr>
-          <p:cNvPr id="7" name="直接连接符 6"/>
-          <p:cNvCxnSpPr>
-            <a:stCxn id="4" idx="6"/>
-          </p:cNvCxnSpPr>
-          <p:nvPr/>
-        </p:nvCxnSpPr>
-        <p:spPr>
-          <a:xfrm>
-            <a:off x="2534033" y="1711215"/>
-            <a:ext cx="4500000" cy="0"/>
-          </a:xfrm>
-          <a:prstGeom prst="line">
-            <a:avLst/>
-          </a:prstGeom>
-          <a:ln>
-            <a:solidFill>
-              <a:schemeClr val="bg2"/>
-            </a:solidFill>
-          </a:ln>
-        </p:spPr>
-        <p:style>
-          <a:lnRef idx="1">
-            <a:schemeClr val="accent1"/>
-          </a:lnRef>
-          <a:fillRef idx="0">
-            <a:schemeClr val="accent1"/>
-          </a:fillRef>
-          <a:effectRef idx="0">
-            <a:schemeClr val="accent1"/>
-          </a:effectRef>
-          <a:fontRef idx="minor">
-            <a:schemeClr val="tx1"/>
-          </a:fontRef>
-        </p:style>
-      </p:cxnSp>
-      <p:sp>
-        <p:nvSpPr>
-          <p:cNvPr id="11" name="文本框 10"/>
+          <p:cNvPr id="28" name="文本框 27">
+            <a:extLst>
+              <a:ext uri="{FF2B5EF4-FFF2-40B4-BE49-F238E27FC236}">
+                <a16:creationId xmlns:a16="http://schemas.microsoft.com/office/drawing/2014/main" id="{33740C1C-61C9-47D8-9E2A-A2444B479AD1}"/>
+              </a:ext>
+            </a:extLst>
+          </p:cNvPr>
           <p:cNvSpPr txBox="1"/>
           <p:nvPr/>
         </p:nvSpPr>
         <p:spPr>
           <a:xfrm>
-            <a:off x="2915073" y="1274734"/>
-            <a:ext cx="4387392" cy="461665"/>
+            <a:off x="2915072" y="1274734"/>
+            <a:ext cx="6125295" cy="461665"/>
           </a:xfrm>
           <a:prstGeom prst="rect">
             <a:avLst/>
@@ -22220,2361 +27256,21 @@
           <a:lstStyle/>
           <a:p>
             <a:r>
-              <a:rPr lang="zh-CN" altLang="en-US" sz="2400" dirty="0">
-                <a:solidFill>
-                  <a:schemeClr val="tx1">
-                    <a:lumMod val="75000"/>
-                    <a:lumOff val="25000"/>
-                  </a:schemeClr>
-                </a:solidFill>
-              </a:rPr>
-              <a:t>说明</a:t>
-            </a:r>
-          </a:p>
-        </p:txBody>
-      </p:sp>
-      <p:sp>
-        <p:nvSpPr>
-          <p:cNvPr id="13" name="Freeform 10"/>
-          <p:cNvSpPr>
-            <a:spLocks/>
-          </p:cNvSpPr>
-          <p:nvPr userDrawn="1"/>
-        </p:nvSpPr>
-        <p:spPr bwMode="auto">
-          <a:xfrm>
-            <a:off x="1841535" y="2287330"/>
-            <a:ext cx="843427" cy="343858"/>
-          </a:xfrm>
-          <a:custGeom>
-            <a:avLst/>
-            <a:gdLst>
-              <a:gd name="T0" fmla="*/ 3120 w 3800"/>
-              <a:gd name="T1" fmla="*/ 0 h 1532"/>
-              <a:gd name="T2" fmla="*/ 682 w 3800"/>
-              <a:gd name="T3" fmla="*/ 0 h 1532"/>
-              <a:gd name="T4" fmla="*/ 682 w 3800"/>
-              <a:gd name="T5" fmla="*/ 284 h 1532"/>
-              <a:gd name="T6" fmla="*/ 0 w 3800"/>
-              <a:gd name="T7" fmla="*/ 766 h 1532"/>
-              <a:gd name="T8" fmla="*/ 682 w 3800"/>
-              <a:gd name="T9" fmla="*/ 1248 h 1532"/>
-              <a:gd name="T10" fmla="*/ 682 w 3800"/>
-              <a:gd name="T11" fmla="*/ 1532 h 1532"/>
-              <a:gd name="T12" fmla="*/ 3120 w 3800"/>
-              <a:gd name="T13" fmla="*/ 1532 h 1532"/>
-              <a:gd name="T14" fmla="*/ 3120 w 3800"/>
-              <a:gd name="T15" fmla="*/ 1248 h 1532"/>
-              <a:gd name="T16" fmla="*/ 3800 w 3800"/>
-              <a:gd name="T17" fmla="*/ 766 h 1532"/>
-              <a:gd name="T18" fmla="*/ 3120 w 3800"/>
-              <a:gd name="T19" fmla="*/ 284 h 1532"/>
-              <a:gd name="T20" fmla="*/ 3120 w 3800"/>
-              <a:gd name="T21" fmla="*/ 0 h 1532"/>
-            </a:gdLst>
-            <a:ahLst/>
-            <a:cxnLst>
-              <a:cxn ang="0">
-                <a:pos x="T0" y="T1"/>
-              </a:cxn>
-              <a:cxn ang="0">
-                <a:pos x="T2" y="T3"/>
-              </a:cxn>
-              <a:cxn ang="0">
-                <a:pos x="T4" y="T5"/>
-              </a:cxn>
-              <a:cxn ang="0">
-                <a:pos x="T6" y="T7"/>
-              </a:cxn>
-              <a:cxn ang="0">
-                <a:pos x="T8" y="T9"/>
-              </a:cxn>
-              <a:cxn ang="0">
-                <a:pos x="T10" y="T11"/>
-              </a:cxn>
-              <a:cxn ang="0">
-                <a:pos x="T12" y="T13"/>
-              </a:cxn>
-              <a:cxn ang="0">
-                <a:pos x="T14" y="T15"/>
-              </a:cxn>
-              <a:cxn ang="0">
-                <a:pos x="T16" y="T17"/>
-              </a:cxn>
-              <a:cxn ang="0">
-                <a:pos x="T18" y="T19"/>
-              </a:cxn>
-              <a:cxn ang="0">
-                <a:pos x="T20" y="T21"/>
-              </a:cxn>
-            </a:cxnLst>
-            <a:rect l="0" t="0" r="r" b="b"/>
-            <a:pathLst>
-              <a:path w="3800" h="1532">
-                <a:moveTo>
-                  <a:pt x="3120" y="0"/>
-                </a:moveTo>
-                <a:lnTo>
-                  <a:pt x="682" y="0"/>
-                </a:lnTo>
-                <a:lnTo>
-                  <a:pt x="682" y="284"/>
-                </a:lnTo>
-                <a:lnTo>
-                  <a:pt x="0" y="766"/>
-                </a:lnTo>
-                <a:lnTo>
-                  <a:pt x="682" y="1248"/>
-                </a:lnTo>
-                <a:lnTo>
-                  <a:pt x="682" y="1532"/>
-                </a:lnTo>
-                <a:lnTo>
-                  <a:pt x="3120" y="1532"/>
-                </a:lnTo>
-                <a:lnTo>
-                  <a:pt x="3120" y="1248"/>
-                </a:lnTo>
-                <a:lnTo>
-                  <a:pt x="3800" y="766"/>
-                </a:lnTo>
-                <a:lnTo>
-                  <a:pt x="3120" y="284"/>
-                </a:lnTo>
-                <a:lnTo>
-                  <a:pt x="3120" y="0"/>
-                </a:lnTo>
-                <a:close/>
-              </a:path>
-            </a:pathLst>
-          </a:custGeom>
-          <a:solidFill>
-            <a:schemeClr val="bg2"/>
-          </a:solidFill>
-          <a:ln>
-            <a:noFill/>
-          </a:ln>
-        </p:spPr>
-        <p:txBody>
-          <a:bodyPr vert="horz" wrap="square" lIns="91440" tIns="45720" rIns="91440" bIns="45720" numCol="1" anchor="ctr" anchorCtr="0" compatLnSpc="1">
-            <a:prstTxWarp prst="textNoShape">
-              <a:avLst/>
-            </a:prstTxWarp>
-            <a:noAutofit/>
-          </a:bodyPr>
-          <a:lstStyle/>
-          <a:p>
-            <a:pPr algn="ctr"/>
-            <a:endParaRPr lang="zh-CN" altLang="en-US" sz="3200" b="1"/>
-          </a:p>
-        </p:txBody>
-      </p:sp>
-      <p:sp>
-        <p:nvSpPr>
-          <p:cNvPr id="14" name="文本框 13"/>
-          <p:cNvSpPr txBox="1"/>
-          <p:nvPr userDrawn="1"/>
-        </p:nvSpPr>
-        <p:spPr>
-          <a:xfrm>
-            <a:off x="2071646" y="2223523"/>
-            <a:ext cx="383206" cy="443226"/>
-          </a:xfrm>
-          <a:prstGeom prst="rect">
-            <a:avLst/>
-          </a:prstGeom>
-          <a:noFill/>
-        </p:spPr>
-        <p:txBody>
-          <a:bodyPr wrap="none" rtlCol="0" anchor="ctr">
-            <a:noAutofit/>
-          </a:bodyPr>
-          <a:lstStyle/>
-          <a:p>
-            <a:pPr algn="ctr"/>
-            <a:r>
-              <a:rPr lang="en-US" altLang="zh-CN" b="1" dirty="0">
-                <a:solidFill>
-                  <a:schemeClr val="bg1"/>
-                </a:solidFill>
-                <a:latin typeface="微软雅黑" panose="020B0503020204020204" pitchFamily="34" charset="-122"/>
-                <a:ea typeface="微软雅黑" panose="020B0503020204020204" pitchFamily="34" charset="-122"/>
-              </a:rPr>
-              <a:t>2</a:t>
-            </a:r>
-            <a:endParaRPr lang="zh-CN" altLang="en-US" b="1" dirty="0">
-              <a:solidFill>
-                <a:schemeClr val="bg1"/>
-              </a:solidFill>
-              <a:latin typeface="微软雅黑" panose="020B0503020204020204" pitchFamily="34" charset="-122"/>
-              <a:ea typeface="微软雅黑" panose="020B0503020204020204" pitchFamily="34" charset="-122"/>
-            </a:endParaRPr>
-          </a:p>
-        </p:txBody>
-      </p:sp>
-      <p:cxnSp>
-        <p:nvCxnSpPr>
-          <p:cNvPr id="15" name="直接连接符 14"/>
-          <p:cNvCxnSpPr>
-            <a:stCxn id="13" idx="6"/>
-          </p:cNvCxnSpPr>
-          <p:nvPr/>
-        </p:nvCxnSpPr>
-        <p:spPr>
-          <a:xfrm>
-            <a:off x="2534033" y="2631188"/>
-            <a:ext cx="4500000" cy="0"/>
-          </a:xfrm>
-          <a:prstGeom prst="line">
-            <a:avLst/>
-          </a:prstGeom>
-          <a:ln>
-            <a:solidFill>
-              <a:schemeClr val="bg2"/>
-            </a:solidFill>
-          </a:ln>
-        </p:spPr>
-        <p:style>
-          <a:lnRef idx="1">
-            <a:schemeClr val="accent1"/>
-          </a:lnRef>
-          <a:fillRef idx="0">
-            <a:schemeClr val="accent1"/>
-          </a:fillRef>
-          <a:effectRef idx="0">
-            <a:schemeClr val="accent1"/>
-          </a:effectRef>
-          <a:fontRef idx="minor">
-            <a:schemeClr val="tx1"/>
-          </a:fontRef>
-        </p:style>
-      </p:cxnSp>
-      <p:sp>
-        <p:nvSpPr>
-          <p:cNvPr id="16" name="文本框 15"/>
-          <p:cNvSpPr txBox="1"/>
-          <p:nvPr/>
-        </p:nvSpPr>
-        <p:spPr>
-          <a:xfrm>
-            <a:off x="2915073" y="2194707"/>
-            <a:ext cx="4387392" cy="461665"/>
-          </a:xfrm>
-          <a:prstGeom prst="rect">
-            <a:avLst/>
-          </a:prstGeom>
-          <a:noFill/>
-        </p:spPr>
-        <p:txBody>
-          <a:bodyPr wrap="square" rtlCol="0">
-            <a:spAutoFit/>
-          </a:bodyPr>
-          <a:lstStyle/>
-          <a:p>
-            <a:r>
-              <a:rPr lang="zh-CN" altLang="en-US" sz="2400" dirty="0">
-                <a:solidFill>
-                  <a:schemeClr val="tx1">
-                    <a:lumMod val="75000"/>
-                    <a:lumOff val="25000"/>
-                  </a:schemeClr>
-                </a:solidFill>
-              </a:rPr>
-              <a:t>无页码版式</a:t>
-            </a:r>
-          </a:p>
-        </p:txBody>
-      </p:sp>
-      <p:sp>
-        <p:nvSpPr>
-          <p:cNvPr id="18" name="Freeform 10"/>
-          <p:cNvSpPr>
-            <a:spLocks/>
-          </p:cNvSpPr>
-          <p:nvPr userDrawn="1"/>
-        </p:nvSpPr>
-        <p:spPr bwMode="auto">
-          <a:xfrm>
-            <a:off x="1841535" y="3207303"/>
-            <a:ext cx="843427" cy="343858"/>
-          </a:xfrm>
-          <a:custGeom>
-            <a:avLst/>
-            <a:gdLst>
-              <a:gd name="T0" fmla="*/ 3120 w 3800"/>
-              <a:gd name="T1" fmla="*/ 0 h 1532"/>
-              <a:gd name="T2" fmla="*/ 682 w 3800"/>
-              <a:gd name="T3" fmla="*/ 0 h 1532"/>
-              <a:gd name="T4" fmla="*/ 682 w 3800"/>
-              <a:gd name="T5" fmla="*/ 284 h 1532"/>
-              <a:gd name="T6" fmla="*/ 0 w 3800"/>
-              <a:gd name="T7" fmla="*/ 766 h 1532"/>
-              <a:gd name="T8" fmla="*/ 682 w 3800"/>
-              <a:gd name="T9" fmla="*/ 1248 h 1532"/>
-              <a:gd name="T10" fmla="*/ 682 w 3800"/>
-              <a:gd name="T11" fmla="*/ 1532 h 1532"/>
-              <a:gd name="T12" fmla="*/ 3120 w 3800"/>
-              <a:gd name="T13" fmla="*/ 1532 h 1532"/>
-              <a:gd name="T14" fmla="*/ 3120 w 3800"/>
-              <a:gd name="T15" fmla="*/ 1248 h 1532"/>
-              <a:gd name="T16" fmla="*/ 3800 w 3800"/>
-              <a:gd name="T17" fmla="*/ 766 h 1532"/>
-              <a:gd name="T18" fmla="*/ 3120 w 3800"/>
-              <a:gd name="T19" fmla="*/ 284 h 1532"/>
-              <a:gd name="T20" fmla="*/ 3120 w 3800"/>
-              <a:gd name="T21" fmla="*/ 0 h 1532"/>
-            </a:gdLst>
-            <a:ahLst/>
-            <a:cxnLst>
-              <a:cxn ang="0">
-                <a:pos x="T0" y="T1"/>
-              </a:cxn>
-              <a:cxn ang="0">
-                <a:pos x="T2" y="T3"/>
-              </a:cxn>
-              <a:cxn ang="0">
-                <a:pos x="T4" y="T5"/>
-              </a:cxn>
-              <a:cxn ang="0">
-                <a:pos x="T6" y="T7"/>
-              </a:cxn>
-              <a:cxn ang="0">
-                <a:pos x="T8" y="T9"/>
-              </a:cxn>
-              <a:cxn ang="0">
-                <a:pos x="T10" y="T11"/>
-              </a:cxn>
-              <a:cxn ang="0">
-                <a:pos x="T12" y="T13"/>
-              </a:cxn>
-              <a:cxn ang="0">
-                <a:pos x="T14" y="T15"/>
-              </a:cxn>
-              <a:cxn ang="0">
-                <a:pos x="T16" y="T17"/>
-              </a:cxn>
-              <a:cxn ang="0">
-                <a:pos x="T18" y="T19"/>
-              </a:cxn>
-              <a:cxn ang="0">
-                <a:pos x="T20" y="T21"/>
-              </a:cxn>
-            </a:cxnLst>
-            <a:rect l="0" t="0" r="r" b="b"/>
-            <a:pathLst>
-              <a:path w="3800" h="1532">
-                <a:moveTo>
-                  <a:pt x="3120" y="0"/>
-                </a:moveTo>
-                <a:lnTo>
-                  <a:pt x="682" y="0"/>
-                </a:lnTo>
-                <a:lnTo>
-                  <a:pt x="682" y="284"/>
-                </a:lnTo>
-                <a:lnTo>
-                  <a:pt x="0" y="766"/>
-                </a:lnTo>
-                <a:lnTo>
-                  <a:pt x="682" y="1248"/>
-                </a:lnTo>
-                <a:lnTo>
-                  <a:pt x="682" y="1532"/>
-                </a:lnTo>
-                <a:lnTo>
-                  <a:pt x="3120" y="1532"/>
-                </a:lnTo>
-                <a:lnTo>
-                  <a:pt x="3120" y="1248"/>
-                </a:lnTo>
-                <a:lnTo>
-                  <a:pt x="3800" y="766"/>
-                </a:lnTo>
-                <a:lnTo>
-                  <a:pt x="3120" y="284"/>
-                </a:lnTo>
-                <a:lnTo>
-                  <a:pt x="3120" y="0"/>
-                </a:lnTo>
-                <a:close/>
-              </a:path>
-            </a:pathLst>
-          </a:custGeom>
-          <a:solidFill>
-            <a:schemeClr val="accent1"/>
-          </a:solidFill>
-          <a:ln>
-            <a:noFill/>
-          </a:ln>
-        </p:spPr>
-        <p:txBody>
-          <a:bodyPr vert="horz" wrap="square" lIns="91440" tIns="45720" rIns="91440" bIns="45720" numCol="1" anchor="ctr" anchorCtr="0" compatLnSpc="1">
-            <a:prstTxWarp prst="textNoShape">
-              <a:avLst/>
-            </a:prstTxWarp>
-            <a:noAutofit/>
-          </a:bodyPr>
-          <a:lstStyle/>
-          <a:p>
-            <a:pPr algn="ctr"/>
-            <a:endParaRPr lang="zh-CN" altLang="en-US" sz="3200" b="1"/>
-          </a:p>
-        </p:txBody>
-      </p:sp>
-      <p:sp>
-        <p:nvSpPr>
-          <p:cNvPr id="19" name="文本框 18"/>
-          <p:cNvSpPr txBox="1"/>
-          <p:nvPr userDrawn="1"/>
-        </p:nvSpPr>
-        <p:spPr>
-          <a:xfrm>
-            <a:off x="2071646" y="3143496"/>
-            <a:ext cx="383206" cy="443226"/>
-          </a:xfrm>
-          <a:prstGeom prst="rect">
-            <a:avLst/>
-          </a:prstGeom>
-          <a:noFill/>
-        </p:spPr>
-        <p:txBody>
-          <a:bodyPr wrap="none" rtlCol="0" anchor="ctr">
-            <a:noAutofit/>
-          </a:bodyPr>
-          <a:lstStyle/>
-          <a:p>
-            <a:pPr algn="ctr"/>
-            <a:r>
-              <a:rPr lang="en-US" altLang="zh-CN" b="1" dirty="0">
-                <a:solidFill>
-                  <a:schemeClr val="bg1"/>
-                </a:solidFill>
-                <a:latin typeface="微软雅黑" panose="020B0503020204020204" pitchFamily="34" charset="-122"/>
-                <a:ea typeface="微软雅黑" panose="020B0503020204020204" pitchFamily="34" charset="-122"/>
-              </a:rPr>
-              <a:t>3</a:t>
-            </a:r>
-            <a:endParaRPr lang="zh-CN" altLang="en-US" b="1" dirty="0">
-              <a:solidFill>
-                <a:schemeClr val="bg1"/>
-              </a:solidFill>
-              <a:latin typeface="微软雅黑" panose="020B0503020204020204" pitchFamily="34" charset="-122"/>
-              <a:ea typeface="微软雅黑" panose="020B0503020204020204" pitchFamily="34" charset="-122"/>
-            </a:endParaRPr>
-          </a:p>
-        </p:txBody>
-      </p:sp>
-      <p:cxnSp>
-        <p:nvCxnSpPr>
-          <p:cNvPr id="20" name="直接连接符 19"/>
-          <p:cNvCxnSpPr>
-            <a:stCxn id="18" idx="6"/>
-          </p:cNvCxnSpPr>
-          <p:nvPr/>
-        </p:nvCxnSpPr>
-        <p:spPr>
-          <a:xfrm>
-            <a:off x="2534033" y="3551161"/>
-            <a:ext cx="4500000" cy="0"/>
-          </a:xfrm>
-          <a:prstGeom prst="line">
-            <a:avLst/>
-          </a:prstGeom>
-          <a:ln>
-            <a:solidFill>
-              <a:schemeClr val="accent1"/>
-            </a:solidFill>
-          </a:ln>
-        </p:spPr>
-        <p:style>
-          <a:lnRef idx="1">
-            <a:schemeClr val="accent1"/>
-          </a:lnRef>
-          <a:fillRef idx="0">
-            <a:schemeClr val="accent1"/>
-          </a:fillRef>
-          <a:effectRef idx="0">
-            <a:schemeClr val="accent1"/>
-          </a:effectRef>
-          <a:fontRef idx="minor">
-            <a:schemeClr val="tx1"/>
-          </a:fontRef>
-        </p:style>
-      </p:cxnSp>
-      <p:sp>
-        <p:nvSpPr>
-          <p:cNvPr id="21" name="文本框 20"/>
-          <p:cNvSpPr txBox="1"/>
-          <p:nvPr/>
-        </p:nvSpPr>
-        <p:spPr>
-          <a:xfrm>
-            <a:off x="2915073" y="3114680"/>
-            <a:ext cx="4387392" cy="461665"/>
-          </a:xfrm>
-          <a:prstGeom prst="rect">
-            <a:avLst/>
-          </a:prstGeom>
-          <a:noFill/>
-        </p:spPr>
-        <p:txBody>
-          <a:bodyPr wrap="square" rtlCol="0">
-            <a:spAutoFit/>
-          </a:bodyPr>
-          <a:lstStyle/>
-          <a:p>
-            <a:r>
-              <a:rPr lang="zh-CN" altLang="en-US" sz="2400" dirty="0">
-                <a:solidFill>
-                  <a:schemeClr val="tx1">
-                    <a:lumMod val="75000"/>
-                    <a:lumOff val="25000"/>
-                  </a:schemeClr>
-                </a:solidFill>
-              </a:rPr>
-              <a:t>有页码版式</a:t>
-            </a:r>
-          </a:p>
-        </p:txBody>
-      </p:sp>
-      <p:sp>
-        <p:nvSpPr>
-          <p:cNvPr id="23" name="Freeform 10"/>
-          <p:cNvSpPr>
-            <a:spLocks/>
-          </p:cNvSpPr>
-          <p:nvPr userDrawn="1"/>
-        </p:nvSpPr>
-        <p:spPr bwMode="auto">
-          <a:xfrm>
-            <a:off x="1841535" y="4127276"/>
-            <a:ext cx="843427" cy="343858"/>
-          </a:xfrm>
-          <a:custGeom>
-            <a:avLst/>
-            <a:gdLst>
-              <a:gd name="T0" fmla="*/ 3120 w 3800"/>
-              <a:gd name="T1" fmla="*/ 0 h 1532"/>
-              <a:gd name="T2" fmla="*/ 682 w 3800"/>
-              <a:gd name="T3" fmla="*/ 0 h 1532"/>
-              <a:gd name="T4" fmla="*/ 682 w 3800"/>
-              <a:gd name="T5" fmla="*/ 284 h 1532"/>
-              <a:gd name="T6" fmla="*/ 0 w 3800"/>
-              <a:gd name="T7" fmla="*/ 766 h 1532"/>
-              <a:gd name="T8" fmla="*/ 682 w 3800"/>
-              <a:gd name="T9" fmla="*/ 1248 h 1532"/>
-              <a:gd name="T10" fmla="*/ 682 w 3800"/>
-              <a:gd name="T11" fmla="*/ 1532 h 1532"/>
-              <a:gd name="T12" fmla="*/ 3120 w 3800"/>
-              <a:gd name="T13" fmla="*/ 1532 h 1532"/>
-              <a:gd name="T14" fmla="*/ 3120 w 3800"/>
-              <a:gd name="T15" fmla="*/ 1248 h 1532"/>
-              <a:gd name="T16" fmla="*/ 3800 w 3800"/>
-              <a:gd name="T17" fmla="*/ 766 h 1532"/>
-              <a:gd name="T18" fmla="*/ 3120 w 3800"/>
-              <a:gd name="T19" fmla="*/ 284 h 1532"/>
-              <a:gd name="T20" fmla="*/ 3120 w 3800"/>
-              <a:gd name="T21" fmla="*/ 0 h 1532"/>
-            </a:gdLst>
-            <a:ahLst/>
-            <a:cxnLst>
-              <a:cxn ang="0">
-                <a:pos x="T0" y="T1"/>
-              </a:cxn>
-              <a:cxn ang="0">
-                <a:pos x="T2" y="T3"/>
-              </a:cxn>
-              <a:cxn ang="0">
-                <a:pos x="T4" y="T5"/>
-              </a:cxn>
-              <a:cxn ang="0">
-                <a:pos x="T6" y="T7"/>
-              </a:cxn>
-              <a:cxn ang="0">
-                <a:pos x="T8" y="T9"/>
-              </a:cxn>
-              <a:cxn ang="0">
-                <a:pos x="T10" y="T11"/>
-              </a:cxn>
-              <a:cxn ang="0">
-                <a:pos x="T12" y="T13"/>
-              </a:cxn>
-              <a:cxn ang="0">
-                <a:pos x="T14" y="T15"/>
-              </a:cxn>
-              <a:cxn ang="0">
-                <a:pos x="T16" y="T17"/>
-              </a:cxn>
-              <a:cxn ang="0">
-                <a:pos x="T18" y="T19"/>
-              </a:cxn>
-              <a:cxn ang="0">
-                <a:pos x="T20" y="T21"/>
-              </a:cxn>
-            </a:cxnLst>
-            <a:rect l="0" t="0" r="r" b="b"/>
-            <a:pathLst>
-              <a:path w="3800" h="1532">
-                <a:moveTo>
-                  <a:pt x="3120" y="0"/>
-                </a:moveTo>
-                <a:lnTo>
-                  <a:pt x="682" y="0"/>
-                </a:lnTo>
-                <a:lnTo>
-                  <a:pt x="682" y="284"/>
-                </a:lnTo>
-                <a:lnTo>
-                  <a:pt x="0" y="766"/>
-                </a:lnTo>
-                <a:lnTo>
-                  <a:pt x="682" y="1248"/>
-                </a:lnTo>
-                <a:lnTo>
-                  <a:pt x="682" y="1532"/>
-                </a:lnTo>
-                <a:lnTo>
-                  <a:pt x="3120" y="1532"/>
-                </a:lnTo>
-                <a:lnTo>
-                  <a:pt x="3120" y="1248"/>
-                </a:lnTo>
-                <a:lnTo>
-                  <a:pt x="3800" y="766"/>
-                </a:lnTo>
-                <a:lnTo>
-                  <a:pt x="3120" y="284"/>
-                </a:lnTo>
-                <a:lnTo>
-                  <a:pt x="3120" y="0"/>
-                </a:lnTo>
-                <a:close/>
-              </a:path>
-            </a:pathLst>
-          </a:custGeom>
-          <a:solidFill>
-            <a:schemeClr val="bg2"/>
-          </a:solidFill>
-          <a:ln>
-            <a:noFill/>
-          </a:ln>
-        </p:spPr>
-        <p:txBody>
-          <a:bodyPr vert="horz" wrap="square" lIns="91440" tIns="45720" rIns="91440" bIns="45720" numCol="1" anchor="ctr" anchorCtr="0" compatLnSpc="1">
-            <a:prstTxWarp prst="textNoShape">
-              <a:avLst/>
-            </a:prstTxWarp>
-            <a:noAutofit/>
-          </a:bodyPr>
-          <a:lstStyle/>
-          <a:p>
-            <a:pPr algn="ctr"/>
-            <a:endParaRPr lang="zh-CN" altLang="en-US" sz="3200" b="1"/>
-          </a:p>
-        </p:txBody>
-      </p:sp>
-      <p:sp>
-        <p:nvSpPr>
-          <p:cNvPr id="24" name="文本框 23"/>
-          <p:cNvSpPr txBox="1"/>
-          <p:nvPr userDrawn="1"/>
-        </p:nvSpPr>
-        <p:spPr>
-          <a:xfrm>
-            <a:off x="2071646" y="4063469"/>
-            <a:ext cx="383206" cy="443226"/>
-          </a:xfrm>
-          <a:prstGeom prst="rect">
-            <a:avLst/>
-          </a:prstGeom>
-          <a:noFill/>
-        </p:spPr>
-        <p:txBody>
-          <a:bodyPr wrap="none" rtlCol="0" anchor="ctr">
-            <a:noAutofit/>
-          </a:bodyPr>
-          <a:lstStyle/>
-          <a:p>
-            <a:pPr algn="ctr"/>
-            <a:r>
-              <a:rPr lang="en-US" altLang="zh-CN" b="1" dirty="0">
-                <a:solidFill>
-                  <a:schemeClr val="bg1"/>
-                </a:solidFill>
-                <a:latin typeface="微软雅黑" panose="020B0503020204020204" pitchFamily="34" charset="-122"/>
-                <a:ea typeface="微软雅黑" panose="020B0503020204020204" pitchFamily="34" charset="-122"/>
-              </a:rPr>
-              <a:t>4</a:t>
-            </a:r>
-            <a:endParaRPr lang="zh-CN" altLang="en-US" b="1" dirty="0">
-              <a:solidFill>
-                <a:schemeClr val="bg1"/>
-              </a:solidFill>
-              <a:latin typeface="微软雅黑" panose="020B0503020204020204" pitchFamily="34" charset="-122"/>
-              <a:ea typeface="微软雅黑" panose="020B0503020204020204" pitchFamily="34" charset="-122"/>
-            </a:endParaRPr>
-          </a:p>
-        </p:txBody>
-      </p:sp>
-      <p:cxnSp>
-        <p:nvCxnSpPr>
-          <p:cNvPr id="25" name="直接连接符 24"/>
-          <p:cNvCxnSpPr>
-            <a:stCxn id="23" idx="6"/>
-          </p:cNvCxnSpPr>
-          <p:nvPr/>
-        </p:nvCxnSpPr>
-        <p:spPr>
-          <a:xfrm>
-            <a:off x="2534033" y="4471134"/>
-            <a:ext cx="4500000" cy="0"/>
-          </a:xfrm>
-          <a:prstGeom prst="line">
-            <a:avLst/>
-          </a:prstGeom>
-          <a:ln>
-            <a:solidFill>
-              <a:schemeClr val="bg2"/>
-            </a:solidFill>
-          </a:ln>
-        </p:spPr>
-        <p:style>
-          <a:lnRef idx="1">
-            <a:schemeClr val="accent1"/>
-          </a:lnRef>
-          <a:fillRef idx="0">
-            <a:schemeClr val="accent1"/>
-          </a:fillRef>
-          <a:effectRef idx="0">
-            <a:schemeClr val="accent1"/>
-          </a:effectRef>
-          <a:fontRef idx="minor">
-            <a:schemeClr val="tx1"/>
-          </a:fontRef>
-        </p:style>
-      </p:cxnSp>
-      <p:sp>
-        <p:nvSpPr>
-          <p:cNvPr id="26" name="文本框 25"/>
-          <p:cNvSpPr txBox="1"/>
-          <p:nvPr/>
-        </p:nvSpPr>
-        <p:spPr>
-          <a:xfrm>
-            <a:off x="2915073" y="4034653"/>
-            <a:ext cx="4387392" cy="461665"/>
-          </a:xfrm>
-          <a:prstGeom prst="rect">
-            <a:avLst/>
-          </a:prstGeom>
-          <a:noFill/>
-        </p:spPr>
-        <p:txBody>
-          <a:bodyPr wrap="square" rtlCol="0">
-            <a:spAutoFit/>
-          </a:bodyPr>
-          <a:lstStyle/>
-          <a:p>
-            <a:r>
-              <a:rPr lang="zh-CN" altLang="en-US" sz="2400" dirty="0">
-                <a:solidFill>
-                  <a:schemeClr val="tx1">
-                    <a:lumMod val="75000"/>
-                    <a:lumOff val="25000"/>
-                  </a:schemeClr>
-                </a:solidFill>
-              </a:rPr>
-              <a:t>图形与配色</a:t>
-            </a:r>
-          </a:p>
-        </p:txBody>
-      </p:sp>
-      <p:sp>
-        <p:nvSpPr>
-          <p:cNvPr id="33" name="Freeform 10"/>
-          <p:cNvSpPr>
-            <a:spLocks/>
-          </p:cNvSpPr>
-          <p:nvPr userDrawn="1"/>
-        </p:nvSpPr>
-        <p:spPr bwMode="auto">
-          <a:xfrm>
-            <a:off x="1841535" y="5047251"/>
-            <a:ext cx="843427" cy="343858"/>
-          </a:xfrm>
-          <a:custGeom>
-            <a:avLst/>
-            <a:gdLst>
-              <a:gd name="T0" fmla="*/ 3120 w 3800"/>
-              <a:gd name="T1" fmla="*/ 0 h 1532"/>
-              <a:gd name="T2" fmla="*/ 682 w 3800"/>
-              <a:gd name="T3" fmla="*/ 0 h 1532"/>
-              <a:gd name="T4" fmla="*/ 682 w 3800"/>
-              <a:gd name="T5" fmla="*/ 284 h 1532"/>
-              <a:gd name="T6" fmla="*/ 0 w 3800"/>
-              <a:gd name="T7" fmla="*/ 766 h 1532"/>
-              <a:gd name="T8" fmla="*/ 682 w 3800"/>
-              <a:gd name="T9" fmla="*/ 1248 h 1532"/>
-              <a:gd name="T10" fmla="*/ 682 w 3800"/>
-              <a:gd name="T11" fmla="*/ 1532 h 1532"/>
-              <a:gd name="T12" fmla="*/ 3120 w 3800"/>
-              <a:gd name="T13" fmla="*/ 1532 h 1532"/>
-              <a:gd name="T14" fmla="*/ 3120 w 3800"/>
-              <a:gd name="T15" fmla="*/ 1248 h 1532"/>
-              <a:gd name="T16" fmla="*/ 3800 w 3800"/>
-              <a:gd name="T17" fmla="*/ 766 h 1532"/>
-              <a:gd name="T18" fmla="*/ 3120 w 3800"/>
-              <a:gd name="T19" fmla="*/ 284 h 1532"/>
-              <a:gd name="T20" fmla="*/ 3120 w 3800"/>
-              <a:gd name="T21" fmla="*/ 0 h 1532"/>
-            </a:gdLst>
-            <a:ahLst/>
-            <a:cxnLst>
-              <a:cxn ang="0">
-                <a:pos x="T0" y="T1"/>
-              </a:cxn>
-              <a:cxn ang="0">
-                <a:pos x="T2" y="T3"/>
-              </a:cxn>
-              <a:cxn ang="0">
-                <a:pos x="T4" y="T5"/>
-              </a:cxn>
-              <a:cxn ang="0">
-                <a:pos x="T6" y="T7"/>
-              </a:cxn>
-              <a:cxn ang="0">
-                <a:pos x="T8" y="T9"/>
-              </a:cxn>
-              <a:cxn ang="0">
-                <a:pos x="T10" y="T11"/>
-              </a:cxn>
-              <a:cxn ang="0">
-                <a:pos x="T12" y="T13"/>
-              </a:cxn>
-              <a:cxn ang="0">
-                <a:pos x="T14" y="T15"/>
-              </a:cxn>
-              <a:cxn ang="0">
-                <a:pos x="T16" y="T17"/>
-              </a:cxn>
-              <a:cxn ang="0">
-                <a:pos x="T18" y="T19"/>
-              </a:cxn>
-              <a:cxn ang="0">
-                <a:pos x="T20" y="T21"/>
-              </a:cxn>
-            </a:cxnLst>
-            <a:rect l="0" t="0" r="r" b="b"/>
-            <a:pathLst>
-              <a:path w="3800" h="1532">
-                <a:moveTo>
-                  <a:pt x="3120" y="0"/>
-                </a:moveTo>
-                <a:lnTo>
-                  <a:pt x="682" y="0"/>
-                </a:lnTo>
-                <a:lnTo>
-                  <a:pt x="682" y="284"/>
-                </a:lnTo>
-                <a:lnTo>
-                  <a:pt x="0" y="766"/>
-                </a:lnTo>
-                <a:lnTo>
-                  <a:pt x="682" y="1248"/>
-                </a:lnTo>
-                <a:lnTo>
-                  <a:pt x="682" y="1532"/>
-                </a:lnTo>
-                <a:lnTo>
-                  <a:pt x="3120" y="1532"/>
-                </a:lnTo>
-                <a:lnTo>
-                  <a:pt x="3120" y="1248"/>
-                </a:lnTo>
-                <a:lnTo>
-                  <a:pt x="3800" y="766"/>
-                </a:lnTo>
-                <a:lnTo>
-                  <a:pt x="3120" y="284"/>
-                </a:lnTo>
-                <a:lnTo>
-                  <a:pt x="3120" y="0"/>
-                </a:lnTo>
-                <a:close/>
-              </a:path>
-            </a:pathLst>
-          </a:custGeom>
-          <a:solidFill>
-            <a:schemeClr val="bg2"/>
-          </a:solidFill>
-          <a:ln>
-            <a:noFill/>
-          </a:ln>
-        </p:spPr>
-        <p:txBody>
-          <a:bodyPr vert="horz" wrap="square" lIns="91440" tIns="45720" rIns="91440" bIns="45720" numCol="1" anchor="ctr" anchorCtr="0" compatLnSpc="1">
-            <a:prstTxWarp prst="textNoShape">
-              <a:avLst/>
-            </a:prstTxWarp>
-            <a:noAutofit/>
-          </a:bodyPr>
-          <a:lstStyle/>
-          <a:p>
-            <a:pPr algn="ctr"/>
-            <a:endParaRPr lang="zh-CN" altLang="en-US" sz="3200" b="1"/>
-          </a:p>
-        </p:txBody>
-      </p:sp>
-      <p:sp>
-        <p:nvSpPr>
-          <p:cNvPr id="34" name="文本框 33"/>
-          <p:cNvSpPr txBox="1"/>
-          <p:nvPr userDrawn="1"/>
-        </p:nvSpPr>
-        <p:spPr>
-          <a:xfrm>
-            <a:off x="2071646" y="4983444"/>
-            <a:ext cx="383206" cy="443226"/>
-          </a:xfrm>
-          <a:prstGeom prst="rect">
-            <a:avLst/>
-          </a:prstGeom>
-          <a:noFill/>
-        </p:spPr>
-        <p:txBody>
-          <a:bodyPr wrap="none" rtlCol="0" anchor="ctr">
-            <a:noAutofit/>
-          </a:bodyPr>
-          <a:lstStyle/>
-          <a:p>
-            <a:pPr algn="ctr"/>
-            <a:r>
-              <a:rPr lang="en-US" altLang="zh-CN" b="1" dirty="0">
-                <a:solidFill>
-                  <a:schemeClr val="bg1"/>
-                </a:solidFill>
-                <a:latin typeface="微软雅黑" panose="020B0503020204020204" pitchFamily="34" charset="-122"/>
-                <a:ea typeface="微软雅黑" panose="020B0503020204020204" pitchFamily="34" charset="-122"/>
-              </a:rPr>
-              <a:t>5</a:t>
-            </a:r>
-            <a:endParaRPr lang="zh-CN" altLang="en-US" b="1" dirty="0">
-              <a:solidFill>
-                <a:schemeClr val="bg1"/>
-              </a:solidFill>
-              <a:latin typeface="微软雅黑" panose="020B0503020204020204" pitchFamily="34" charset="-122"/>
-              <a:ea typeface="微软雅黑" panose="020B0503020204020204" pitchFamily="34" charset="-122"/>
-            </a:endParaRPr>
-          </a:p>
-        </p:txBody>
-      </p:sp>
-      <p:cxnSp>
-        <p:nvCxnSpPr>
-          <p:cNvPr id="35" name="直接连接符 34"/>
-          <p:cNvCxnSpPr>
-            <a:stCxn id="33" idx="6"/>
-          </p:cNvCxnSpPr>
-          <p:nvPr/>
-        </p:nvCxnSpPr>
-        <p:spPr>
-          <a:xfrm>
-            <a:off x="2534033" y="5391109"/>
-            <a:ext cx="4500000" cy="0"/>
-          </a:xfrm>
-          <a:prstGeom prst="line">
-            <a:avLst/>
-          </a:prstGeom>
-          <a:ln>
-            <a:solidFill>
-              <a:schemeClr val="bg2"/>
-            </a:solidFill>
-          </a:ln>
-        </p:spPr>
-        <p:style>
-          <a:lnRef idx="1">
-            <a:schemeClr val="accent1"/>
-          </a:lnRef>
-          <a:fillRef idx="0">
-            <a:schemeClr val="accent1"/>
-          </a:fillRef>
-          <a:effectRef idx="0">
-            <a:schemeClr val="accent1"/>
-          </a:effectRef>
-          <a:fontRef idx="minor">
-            <a:schemeClr val="tx1"/>
-          </a:fontRef>
-        </p:style>
-      </p:cxnSp>
-      <p:sp>
-        <p:nvSpPr>
-          <p:cNvPr id="36" name="文本框 35"/>
-          <p:cNvSpPr txBox="1"/>
-          <p:nvPr/>
-        </p:nvSpPr>
-        <p:spPr>
-          <a:xfrm>
-            <a:off x="2915073" y="4954628"/>
-            <a:ext cx="4387392" cy="461665"/>
-          </a:xfrm>
-          <a:prstGeom prst="rect">
-            <a:avLst/>
-          </a:prstGeom>
-          <a:noFill/>
-        </p:spPr>
-        <p:txBody>
-          <a:bodyPr wrap="square" rtlCol="0">
-            <a:spAutoFit/>
-          </a:bodyPr>
-          <a:lstStyle/>
-          <a:p>
-            <a:r>
-              <a:rPr lang="zh-CN" altLang="en-US" sz="2400" dirty="0">
-                <a:solidFill>
-                  <a:schemeClr val="tx1">
-                    <a:lumMod val="75000"/>
-                    <a:lumOff val="25000"/>
-                  </a:schemeClr>
-                </a:solidFill>
-              </a:rPr>
-              <a:t>图片处理及排版</a:t>
-            </a:r>
+              <a:rPr lang="en-GB" altLang="zh-CN" sz="2400" dirty="0" err="1"/>
+              <a:t>NPoS</a:t>
+            </a:r>
+            <a:r>
+              <a:rPr lang="en-GB" altLang="zh-CN" sz="2400" dirty="0"/>
+              <a:t> and Validator election</a:t>
+            </a:r>
+            <a:endParaRPr lang="zh-CN" altLang="en-US" sz="2400" dirty="0"/>
           </a:p>
         </p:txBody>
       </p:sp>
     </p:spTree>
     <p:extLst>
       <p:ext uri="{BB962C8B-B14F-4D97-AF65-F5344CB8AC3E}">
-        <p14:creationId xmlns:p14="http://schemas.microsoft.com/office/powerpoint/2010/main" val="2473960281"/>
-      </p:ext>
-    </p:extLst>
-  </p:cSld>
-  <p:clrMapOvr>
-    <a:masterClrMapping/>
-  </p:clrMapOvr>
-</p:sld>
-</file>
-
-<file path=ppt/slides/slide9.xml><?xml version="1.0" encoding="utf-8"?>
-<p:sld xmlns:a="http://schemas.openxmlformats.org/drawingml/2006/main" xmlns:r="http://schemas.openxmlformats.org/officeDocument/2006/relationships" xmlns:p="http://schemas.openxmlformats.org/presentationml/2006/main">
-  <p:cSld>
-    <p:spTree>
-      <p:nvGrpSpPr>
-        <p:cNvPr id="1" name=""/>
-        <p:cNvGrpSpPr/>
-        <p:nvPr/>
-      </p:nvGrpSpPr>
-      <p:grpSpPr>
-        <a:xfrm>
-          <a:off x="0" y="0"/>
-          <a:ext cx="0" cy="0"/>
-          <a:chOff x="0" y="0"/>
-          <a:chExt cx="0" cy="0"/>
-        </a:xfrm>
-      </p:grpSpPr>
-      <p:sp>
-        <p:nvSpPr>
-          <p:cNvPr id="2" name="标题 1"/>
-          <p:cNvSpPr>
-            <a:spLocks noGrp="1"/>
-          </p:cNvSpPr>
-          <p:nvPr>
-            <p:ph type="title"/>
-          </p:nvPr>
-        </p:nvSpPr>
-        <p:spPr/>
-        <p:txBody>
-          <a:bodyPr>
-            <a:normAutofit fontScale="90000"/>
-          </a:bodyPr>
-          <a:lstStyle/>
-          <a:p>
-            <a:r>
-              <a:rPr lang="zh-CN" altLang="en-US" dirty="0">
-                <a:latin typeface="微软雅黑" panose="020B0503020204020204" pitchFamily="34" charset="-122"/>
-                <a:ea typeface="微软雅黑" panose="020B0503020204020204" pitchFamily="34" charset="-122"/>
-              </a:rPr>
-              <a:t>目录 </a:t>
-            </a:r>
-            <a:r>
-              <a:rPr lang="en-US" altLang="zh-CN" dirty="0">
-                <a:latin typeface="微软雅黑" panose="020B0503020204020204" pitchFamily="34" charset="-122"/>
-                <a:ea typeface="微软雅黑" panose="020B0503020204020204" pitchFamily="34" charset="-122"/>
-              </a:rPr>
-              <a:t>Contents</a:t>
-            </a:r>
-            <a:endParaRPr lang="zh-CN" altLang="en-US" dirty="0">
-              <a:latin typeface="微软雅黑" panose="020B0503020204020204" pitchFamily="34" charset="-122"/>
-              <a:ea typeface="微软雅黑" panose="020B0503020204020204" pitchFamily="34" charset="-122"/>
-            </a:endParaRPr>
-          </a:p>
-        </p:txBody>
-      </p:sp>
-      <p:sp>
-        <p:nvSpPr>
-          <p:cNvPr id="4" name="Freeform 10"/>
-          <p:cNvSpPr>
-            <a:spLocks noChangeAspect="1"/>
-          </p:cNvSpPr>
-          <p:nvPr userDrawn="1"/>
-        </p:nvSpPr>
-        <p:spPr bwMode="auto">
-          <a:xfrm>
-            <a:off x="1841535" y="1367357"/>
-            <a:ext cx="843427" cy="343858"/>
-          </a:xfrm>
-          <a:custGeom>
-            <a:avLst/>
-            <a:gdLst>
-              <a:gd name="T0" fmla="*/ 3120 w 3800"/>
-              <a:gd name="T1" fmla="*/ 0 h 1532"/>
-              <a:gd name="T2" fmla="*/ 682 w 3800"/>
-              <a:gd name="T3" fmla="*/ 0 h 1532"/>
-              <a:gd name="T4" fmla="*/ 682 w 3800"/>
-              <a:gd name="T5" fmla="*/ 284 h 1532"/>
-              <a:gd name="T6" fmla="*/ 0 w 3800"/>
-              <a:gd name="T7" fmla="*/ 766 h 1532"/>
-              <a:gd name="T8" fmla="*/ 682 w 3800"/>
-              <a:gd name="T9" fmla="*/ 1248 h 1532"/>
-              <a:gd name="T10" fmla="*/ 682 w 3800"/>
-              <a:gd name="T11" fmla="*/ 1532 h 1532"/>
-              <a:gd name="T12" fmla="*/ 3120 w 3800"/>
-              <a:gd name="T13" fmla="*/ 1532 h 1532"/>
-              <a:gd name="T14" fmla="*/ 3120 w 3800"/>
-              <a:gd name="T15" fmla="*/ 1248 h 1532"/>
-              <a:gd name="T16" fmla="*/ 3800 w 3800"/>
-              <a:gd name="T17" fmla="*/ 766 h 1532"/>
-              <a:gd name="T18" fmla="*/ 3120 w 3800"/>
-              <a:gd name="T19" fmla="*/ 284 h 1532"/>
-              <a:gd name="T20" fmla="*/ 3120 w 3800"/>
-              <a:gd name="T21" fmla="*/ 0 h 1532"/>
-            </a:gdLst>
-            <a:ahLst/>
-            <a:cxnLst>
-              <a:cxn ang="0">
-                <a:pos x="T0" y="T1"/>
-              </a:cxn>
-              <a:cxn ang="0">
-                <a:pos x="T2" y="T3"/>
-              </a:cxn>
-              <a:cxn ang="0">
-                <a:pos x="T4" y="T5"/>
-              </a:cxn>
-              <a:cxn ang="0">
-                <a:pos x="T6" y="T7"/>
-              </a:cxn>
-              <a:cxn ang="0">
-                <a:pos x="T8" y="T9"/>
-              </a:cxn>
-              <a:cxn ang="0">
-                <a:pos x="T10" y="T11"/>
-              </a:cxn>
-              <a:cxn ang="0">
-                <a:pos x="T12" y="T13"/>
-              </a:cxn>
-              <a:cxn ang="0">
-                <a:pos x="T14" y="T15"/>
-              </a:cxn>
-              <a:cxn ang="0">
-                <a:pos x="T16" y="T17"/>
-              </a:cxn>
-              <a:cxn ang="0">
-                <a:pos x="T18" y="T19"/>
-              </a:cxn>
-              <a:cxn ang="0">
-                <a:pos x="T20" y="T21"/>
-              </a:cxn>
-            </a:cxnLst>
-            <a:rect l="0" t="0" r="r" b="b"/>
-            <a:pathLst>
-              <a:path w="3800" h="1532">
-                <a:moveTo>
-                  <a:pt x="3120" y="0"/>
-                </a:moveTo>
-                <a:lnTo>
-                  <a:pt x="682" y="0"/>
-                </a:lnTo>
-                <a:lnTo>
-                  <a:pt x="682" y="284"/>
-                </a:lnTo>
-                <a:lnTo>
-                  <a:pt x="0" y="766"/>
-                </a:lnTo>
-                <a:lnTo>
-                  <a:pt x="682" y="1248"/>
-                </a:lnTo>
-                <a:lnTo>
-                  <a:pt x="682" y="1532"/>
-                </a:lnTo>
-                <a:lnTo>
-                  <a:pt x="3120" y="1532"/>
-                </a:lnTo>
-                <a:lnTo>
-                  <a:pt x="3120" y="1248"/>
-                </a:lnTo>
-                <a:lnTo>
-                  <a:pt x="3800" y="766"/>
-                </a:lnTo>
-                <a:lnTo>
-                  <a:pt x="3120" y="284"/>
-                </a:lnTo>
-                <a:lnTo>
-                  <a:pt x="3120" y="0"/>
-                </a:lnTo>
-                <a:close/>
-              </a:path>
-            </a:pathLst>
-          </a:custGeom>
-          <a:solidFill>
-            <a:schemeClr val="bg2"/>
-          </a:solidFill>
-          <a:ln>
-            <a:noFill/>
-          </a:ln>
-        </p:spPr>
-        <p:txBody>
-          <a:bodyPr vert="horz" wrap="square" lIns="91440" tIns="45720" rIns="91440" bIns="45720" numCol="1" anchor="ctr" anchorCtr="0" compatLnSpc="1">
-            <a:prstTxWarp prst="textNoShape">
-              <a:avLst/>
-            </a:prstTxWarp>
-            <a:noAutofit/>
-          </a:bodyPr>
-          <a:lstStyle/>
-          <a:p>
-            <a:pPr algn="ctr"/>
-            <a:endParaRPr lang="zh-CN" altLang="en-US" sz="3200" b="1"/>
-          </a:p>
-        </p:txBody>
-      </p:sp>
-      <p:sp>
-        <p:nvSpPr>
-          <p:cNvPr id="5" name="文本框 4"/>
-          <p:cNvSpPr txBox="1">
-            <a:spLocks/>
-          </p:cNvSpPr>
-          <p:nvPr userDrawn="1"/>
-        </p:nvSpPr>
-        <p:spPr>
-          <a:xfrm>
-            <a:off x="2071646" y="1303550"/>
-            <a:ext cx="383206" cy="443226"/>
-          </a:xfrm>
-          <a:prstGeom prst="rect">
-            <a:avLst/>
-          </a:prstGeom>
-          <a:noFill/>
-        </p:spPr>
-        <p:txBody>
-          <a:bodyPr wrap="none" rtlCol="0" anchor="ctr">
-            <a:noAutofit/>
-          </a:bodyPr>
-          <a:lstStyle/>
-          <a:p>
-            <a:pPr algn="ctr"/>
-            <a:r>
-              <a:rPr lang="en-US" altLang="zh-CN" b="1" dirty="0">
-                <a:solidFill>
-                  <a:schemeClr val="bg1"/>
-                </a:solidFill>
-                <a:latin typeface="微软雅黑" panose="020B0503020204020204" pitchFamily="34" charset="-122"/>
-                <a:ea typeface="微软雅黑" panose="020B0503020204020204" pitchFamily="34" charset="-122"/>
-              </a:rPr>
-              <a:t>1</a:t>
-            </a:r>
-            <a:endParaRPr lang="zh-CN" altLang="en-US" b="1" dirty="0">
-              <a:solidFill>
-                <a:schemeClr val="bg1"/>
-              </a:solidFill>
-              <a:latin typeface="微软雅黑" panose="020B0503020204020204" pitchFamily="34" charset="-122"/>
-              <a:ea typeface="微软雅黑" panose="020B0503020204020204" pitchFamily="34" charset="-122"/>
-            </a:endParaRPr>
-          </a:p>
-        </p:txBody>
-      </p:sp>
-      <p:cxnSp>
-        <p:nvCxnSpPr>
-          <p:cNvPr id="7" name="直接连接符 6"/>
-          <p:cNvCxnSpPr>
-            <a:stCxn id="4" idx="6"/>
-          </p:cNvCxnSpPr>
-          <p:nvPr/>
-        </p:nvCxnSpPr>
-        <p:spPr>
-          <a:xfrm>
-            <a:off x="2534033" y="1711215"/>
-            <a:ext cx="4500000" cy="0"/>
-          </a:xfrm>
-          <a:prstGeom prst="line">
-            <a:avLst/>
-          </a:prstGeom>
-          <a:ln>
-            <a:solidFill>
-              <a:schemeClr val="bg2"/>
-            </a:solidFill>
-          </a:ln>
-        </p:spPr>
-        <p:style>
-          <a:lnRef idx="1">
-            <a:schemeClr val="accent1"/>
-          </a:lnRef>
-          <a:fillRef idx="0">
-            <a:schemeClr val="accent1"/>
-          </a:fillRef>
-          <a:effectRef idx="0">
-            <a:schemeClr val="accent1"/>
-          </a:effectRef>
-          <a:fontRef idx="minor">
-            <a:schemeClr val="tx1"/>
-          </a:fontRef>
-        </p:style>
-      </p:cxnSp>
-      <p:sp>
-        <p:nvSpPr>
-          <p:cNvPr id="11" name="文本框 10"/>
-          <p:cNvSpPr txBox="1"/>
-          <p:nvPr/>
-        </p:nvSpPr>
-        <p:spPr>
-          <a:xfrm>
-            <a:off x="2915073" y="1274734"/>
-            <a:ext cx="4387392" cy="461665"/>
-          </a:xfrm>
-          <a:prstGeom prst="rect">
-            <a:avLst/>
-          </a:prstGeom>
-          <a:noFill/>
-        </p:spPr>
-        <p:txBody>
-          <a:bodyPr wrap="square" rtlCol="0">
-            <a:spAutoFit/>
-          </a:bodyPr>
-          <a:lstStyle/>
-          <a:p>
-            <a:r>
-              <a:rPr lang="zh-CN" altLang="en-US" sz="2400" dirty="0">
-                <a:solidFill>
-                  <a:schemeClr val="tx1">
-                    <a:lumMod val="75000"/>
-                    <a:lumOff val="25000"/>
-                  </a:schemeClr>
-                </a:solidFill>
-              </a:rPr>
-              <a:t>说明</a:t>
-            </a:r>
-          </a:p>
-        </p:txBody>
-      </p:sp>
-      <p:sp>
-        <p:nvSpPr>
-          <p:cNvPr id="13" name="Freeform 10"/>
-          <p:cNvSpPr>
-            <a:spLocks noChangeAspect="1"/>
-          </p:cNvSpPr>
-          <p:nvPr userDrawn="1"/>
-        </p:nvSpPr>
-        <p:spPr bwMode="auto">
-          <a:xfrm>
-            <a:off x="1841535" y="2287330"/>
-            <a:ext cx="843427" cy="343858"/>
-          </a:xfrm>
-          <a:custGeom>
-            <a:avLst/>
-            <a:gdLst>
-              <a:gd name="T0" fmla="*/ 3120 w 3800"/>
-              <a:gd name="T1" fmla="*/ 0 h 1532"/>
-              <a:gd name="T2" fmla="*/ 682 w 3800"/>
-              <a:gd name="T3" fmla="*/ 0 h 1532"/>
-              <a:gd name="T4" fmla="*/ 682 w 3800"/>
-              <a:gd name="T5" fmla="*/ 284 h 1532"/>
-              <a:gd name="T6" fmla="*/ 0 w 3800"/>
-              <a:gd name="T7" fmla="*/ 766 h 1532"/>
-              <a:gd name="T8" fmla="*/ 682 w 3800"/>
-              <a:gd name="T9" fmla="*/ 1248 h 1532"/>
-              <a:gd name="T10" fmla="*/ 682 w 3800"/>
-              <a:gd name="T11" fmla="*/ 1532 h 1532"/>
-              <a:gd name="T12" fmla="*/ 3120 w 3800"/>
-              <a:gd name="T13" fmla="*/ 1532 h 1532"/>
-              <a:gd name="T14" fmla="*/ 3120 w 3800"/>
-              <a:gd name="T15" fmla="*/ 1248 h 1532"/>
-              <a:gd name="T16" fmla="*/ 3800 w 3800"/>
-              <a:gd name="T17" fmla="*/ 766 h 1532"/>
-              <a:gd name="T18" fmla="*/ 3120 w 3800"/>
-              <a:gd name="T19" fmla="*/ 284 h 1532"/>
-              <a:gd name="T20" fmla="*/ 3120 w 3800"/>
-              <a:gd name="T21" fmla="*/ 0 h 1532"/>
-            </a:gdLst>
-            <a:ahLst/>
-            <a:cxnLst>
-              <a:cxn ang="0">
-                <a:pos x="T0" y="T1"/>
-              </a:cxn>
-              <a:cxn ang="0">
-                <a:pos x="T2" y="T3"/>
-              </a:cxn>
-              <a:cxn ang="0">
-                <a:pos x="T4" y="T5"/>
-              </a:cxn>
-              <a:cxn ang="0">
-                <a:pos x="T6" y="T7"/>
-              </a:cxn>
-              <a:cxn ang="0">
-                <a:pos x="T8" y="T9"/>
-              </a:cxn>
-              <a:cxn ang="0">
-                <a:pos x="T10" y="T11"/>
-              </a:cxn>
-              <a:cxn ang="0">
-                <a:pos x="T12" y="T13"/>
-              </a:cxn>
-              <a:cxn ang="0">
-                <a:pos x="T14" y="T15"/>
-              </a:cxn>
-              <a:cxn ang="0">
-                <a:pos x="T16" y="T17"/>
-              </a:cxn>
-              <a:cxn ang="0">
-                <a:pos x="T18" y="T19"/>
-              </a:cxn>
-              <a:cxn ang="0">
-                <a:pos x="T20" y="T21"/>
-              </a:cxn>
-            </a:cxnLst>
-            <a:rect l="0" t="0" r="r" b="b"/>
-            <a:pathLst>
-              <a:path w="3800" h="1532">
-                <a:moveTo>
-                  <a:pt x="3120" y="0"/>
-                </a:moveTo>
-                <a:lnTo>
-                  <a:pt x="682" y="0"/>
-                </a:lnTo>
-                <a:lnTo>
-                  <a:pt x="682" y="284"/>
-                </a:lnTo>
-                <a:lnTo>
-                  <a:pt x="0" y="766"/>
-                </a:lnTo>
-                <a:lnTo>
-                  <a:pt x="682" y="1248"/>
-                </a:lnTo>
-                <a:lnTo>
-                  <a:pt x="682" y="1532"/>
-                </a:lnTo>
-                <a:lnTo>
-                  <a:pt x="3120" y="1532"/>
-                </a:lnTo>
-                <a:lnTo>
-                  <a:pt x="3120" y="1248"/>
-                </a:lnTo>
-                <a:lnTo>
-                  <a:pt x="3800" y="766"/>
-                </a:lnTo>
-                <a:lnTo>
-                  <a:pt x="3120" y="284"/>
-                </a:lnTo>
-                <a:lnTo>
-                  <a:pt x="3120" y="0"/>
-                </a:lnTo>
-                <a:close/>
-              </a:path>
-            </a:pathLst>
-          </a:custGeom>
-          <a:solidFill>
-            <a:schemeClr val="bg2"/>
-          </a:solidFill>
-          <a:ln>
-            <a:noFill/>
-          </a:ln>
-        </p:spPr>
-        <p:txBody>
-          <a:bodyPr vert="horz" wrap="square" lIns="91440" tIns="45720" rIns="91440" bIns="45720" numCol="1" anchor="ctr" anchorCtr="0" compatLnSpc="1">
-            <a:prstTxWarp prst="textNoShape">
-              <a:avLst/>
-            </a:prstTxWarp>
-            <a:noAutofit/>
-          </a:bodyPr>
-          <a:lstStyle/>
-          <a:p>
-            <a:pPr algn="ctr"/>
-            <a:endParaRPr lang="zh-CN" altLang="en-US" sz="3200" b="1"/>
-          </a:p>
-        </p:txBody>
-      </p:sp>
-      <p:sp>
-        <p:nvSpPr>
-          <p:cNvPr id="14" name="文本框 13"/>
-          <p:cNvSpPr txBox="1"/>
-          <p:nvPr userDrawn="1"/>
-        </p:nvSpPr>
-        <p:spPr>
-          <a:xfrm>
-            <a:off x="2071646" y="2223523"/>
-            <a:ext cx="383206" cy="443226"/>
-          </a:xfrm>
-          <a:prstGeom prst="rect">
-            <a:avLst/>
-          </a:prstGeom>
-          <a:noFill/>
-        </p:spPr>
-        <p:txBody>
-          <a:bodyPr wrap="none" rtlCol="0" anchor="ctr">
-            <a:noAutofit/>
-          </a:bodyPr>
-          <a:lstStyle/>
-          <a:p>
-            <a:pPr algn="ctr"/>
-            <a:r>
-              <a:rPr lang="en-US" altLang="zh-CN" b="1" dirty="0">
-                <a:solidFill>
-                  <a:schemeClr val="bg1"/>
-                </a:solidFill>
-                <a:latin typeface="微软雅黑" panose="020B0503020204020204" pitchFamily="34" charset="-122"/>
-                <a:ea typeface="微软雅黑" panose="020B0503020204020204" pitchFamily="34" charset="-122"/>
-              </a:rPr>
-              <a:t>2</a:t>
-            </a:r>
-            <a:endParaRPr lang="zh-CN" altLang="en-US" b="1" dirty="0">
-              <a:solidFill>
-                <a:schemeClr val="bg1"/>
-              </a:solidFill>
-              <a:latin typeface="微软雅黑" panose="020B0503020204020204" pitchFamily="34" charset="-122"/>
-              <a:ea typeface="微软雅黑" panose="020B0503020204020204" pitchFamily="34" charset="-122"/>
-            </a:endParaRPr>
-          </a:p>
-        </p:txBody>
-      </p:sp>
-      <p:cxnSp>
-        <p:nvCxnSpPr>
-          <p:cNvPr id="15" name="直接连接符 14"/>
-          <p:cNvCxnSpPr>
-            <a:stCxn id="13" idx="6"/>
-          </p:cNvCxnSpPr>
-          <p:nvPr/>
-        </p:nvCxnSpPr>
-        <p:spPr>
-          <a:xfrm>
-            <a:off x="2534033" y="2631188"/>
-            <a:ext cx="4500000" cy="0"/>
-          </a:xfrm>
-          <a:prstGeom prst="line">
-            <a:avLst/>
-          </a:prstGeom>
-          <a:ln>
-            <a:solidFill>
-              <a:schemeClr val="bg2"/>
-            </a:solidFill>
-          </a:ln>
-        </p:spPr>
-        <p:style>
-          <a:lnRef idx="1">
-            <a:schemeClr val="accent1"/>
-          </a:lnRef>
-          <a:fillRef idx="0">
-            <a:schemeClr val="accent1"/>
-          </a:fillRef>
-          <a:effectRef idx="0">
-            <a:schemeClr val="accent1"/>
-          </a:effectRef>
-          <a:fontRef idx="minor">
-            <a:schemeClr val="tx1"/>
-          </a:fontRef>
-        </p:style>
-      </p:cxnSp>
-      <p:sp>
-        <p:nvSpPr>
-          <p:cNvPr id="16" name="文本框 15"/>
-          <p:cNvSpPr txBox="1"/>
-          <p:nvPr/>
-        </p:nvSpPr>
-        <p:spPr>
-          <a:xfrm>
-            <a:off x="2915073" y="2194707"/>
-            <a:ext cx="4387392" cy="461665"/>
-          </a:xfrm>
-          <a:prstGeom prst="rect">
-            <a:avLst/>
-          </a:prstGeom>
-          <a:noFill/>
-        </p:spPr>
-        <p:txBody>
-          <a:bodyPr wrap="square" rtlCol="0">
-            <a:spAutoFit/>
-          </a:bodyPr>
-          <a:lstStyle/>
-          <a:p>
-            <a:r>
-              <a:rPr lang="zh-CN" altLang="en-US" sz="2400" dirty="0">
-                <a:solidFill>
-                  <a:schemeClr val="tx1">
-                    <a:lumMod val="75000"/>
-                    <a:lumOff val="25000"/>
-                  </a:schemeClr>
-                </a:solidFill>
-              </a:rPr>
-              <a:t>无页码版式</a:t>
-            </a:r>
-          </a:p>
-        </p:txBody>
-      </p:sp>
-      <p:sp>
-        <p:nvSpPr>
-          <p:cNvPr id="18" name="Freeform 10"/>
-          <p:cNvSpPr>
-            <a:spLocks noChangeAspect="1"/>
-          </p:cNvSpPr>
-          <p:nvPr userDrawn="1"/>
-        </p:nvSpPr>
-        <p:spPr bwMode="auto">
-          <a:xfrm>
-            <a:off x="1841535" y="3207303"/>
-            <a:ext cx="843427" cy="343858"/>
-          </a:xfrm>
-          <a:custGeom>
-            <a:avLst/>
-            <a:gdLst>
-              <a:gd name="T0" fmla="*/ 3120 w 3800"/>
-              <a:gd name="T1" fmla="*/ 0 h 1532"/>
-              <a:gd name="T2" fmla="*/ 682 w 3800"/>
-              <a:gd name="T3" fmla="*/ 0 h 1532"/>
-              <a:gd name="T4" fmla="*/ 682 w 3800"/>
-              <a:gd name="T5" fmla="*/ 284 h 1532"/>
-              <a:gd name="T6" fmla="*/ 0 w 3800"/>
-              <a:gd name="T7" fmla="*/ 766 h 1532"/>
-              <a:gd name="T8" fmla="*/ 682 w 3800"/>
-              <a:gd name="T9" fmla="*/ 1248 h 1532"/>
-              <a:gd name="T10" fmla="*/ 682 w 3800"/>
-              <a:gd name="T11" fmla="*/ 1532 h 1532"/>
-              <a:gd name="T12" fmla="*/ 3120 w 3800"/>
-              <a:gd name="T13" fmla="*/ 1532 h 1532"/>
-              <a:gd name="T14" fmla="*/ 3120 w 3800"/>
-              <a:gd name="T15" fmla="*/ 1248 h 1532"/>
-              <a:gd name="T16" fmla="*/ 3800 w 3800"/>
-              <a:gd name="T17" fmla="*/ 766 h 1532"/>
-              <a:gd name="T18" fmla="*/ 3120 w 3800"/>
-              <a:gd name="T19" fmla="*/ 284 h 1532"/>
-              <a:gd name="T20" fmla="*/ 3120 w 3800"/>
-              <a:gd name="T21" fmla="*/ 0 h 1532"/>
-            </a:gdLst>
-            <a:ahLst/>
-            <a:cxnLst>
-              <a:cxn ang="0">
-                <a:pos x="T0" y="T1"/>
-              </a:cxn>
-              <a:cxn ang="0">
-                <a:pos x="T2" y="T3"/>
-              </a:cxn>
-              <a:cxn ang="0">
-                <a:pos x="T4" y="T5"/>
-              </a:cxn>
-              <a:cxn ang="0">
-                <a:pos x="T6" y="T7"/>
-              </a:cxn>
-              <a:cxn ang="0">
-                <a:pos x="T8" y="T9"/>
-              </a:cxn>
-              <a:cxn ang="0">
-                <a:pos x="T10" y="T11"/>
-              </a:cxn>
-              <a:cxn ang="0">
-                <a:pos x="T12" y="T13"/>
-              </a:cxn>
-              <a:cxn ang="0">
-                <a:pos x="T14" y="T15"/>
-              </a:cxn>
-              <a:cxn ang="0">
-                <a:pos x="T16" y="T17"/>
-              </a:cxn>
-              <a:cxn ang="0">
-                <a:pos x="T18" y="T19"/>
-              </a:cxn>
-              <a:cxn ang="0">
-                <a:pos x="T20" y="T21"/>
-              </a:cxn>
-            </a:cxnLst>
-            <a:rect l="0" t="0" r="r" b="b"/>
-            <a:pathLst>
-              <a:path w="3800" h="1532">
-                <a:moveTo>
-                  <a:pt x="3120" y="0"/>
-                </a:moveTo>
-                <a:lnTo>
-                  <a:pt x="682" y="0"/>
-                </a:lnTo>
-                <a:lnTo>
-                  <a:pt x="682" y="284"/>
-                </a:lnTo>
-                <a:lnTo>
-                  <a:pt x="0" y="766"/>
-                </a:lnTo>
-                <a:lnTo>
-                  <a:pt x="682" y="1248"/>
-                </a:lnTo>
-                <a:lnTo>
-                  <a:pt x="682" y="1532"/>
-                </a:lnTo>
-                <a:lnTo>
-                  <a:pt x="3120" y="1532"/>
-                </a:lnTo>
-                <a:lnTo>
-                  <a:pt x="3120" y="1248"/>
-                </a:lnTo>
-                <a:lnTo>
-                  <a:pt x="3800" y="766"/>
-                </a:lnTo>
-                <a:lnTo>
-                  <a:pt x="3120" y="284"/>
-                </a:lnTo>
-                <a:lnTo>
-                  <a:pt x="3120" y="0"/>
-                </a:lnTo>
-                <a:close/>
-              </a:path>
-            </a:pathLst>
-          </a:custGeom>
-          <a:solidFill>
-            <a:schemeClr val="bg2"/>
-          </a:solidFill>
-          <a:ln>
-            <a:noFill/>
-          </a:ln>
-        </p:spPr>
-        <p:txBody>
-          <a:bodyPr vert="horz" wrap="square" lIns="91440" tIns="45720" rIns="91440" bIns="45720" numCol="1" anchor="ctr" anchorCtr="0" compatLnSpc="1">
-            <a:prstTxWarp prst="textNoShape">
-              <a:avLst/>
-            </a:prstTxWarp>
-            <a:noAutofit/>
-          </a:bodyPr>
-          <a:lstStyle/>
-          <a:p>
-            <a:pPr algn="ctr"/>
-            <a:endParaRPr lang="zh-CN" altLang="en-US" sz="3200" b="1"/>
-          </a:p>
-        </p:txBody>
-      </p:sp>
-      <p:sp>
-        <p:nvSpPr>
-          <p:cNvPr id="19" name="文本框 18"/>
-          <p:cNvSpPr txBox="1"/>
-          <p:nvPr userDrawn="1"/>
-        </p:nvSpPr>
-        <p:spPr>
-          <a:xfrm>
-            <a:off x="2071646" y="3143496"/>
-            <a:ext cx="383206" cy="443226"/>
-          </a:xfrm>
-          <a:prstGeom prst="rect">
-            <a:avLst/>
-          </a:prstGeom>
-          <a:noFill/>
-        </p:spPr>
-        <p:txBody>
-          <a:bodyPr wrap="none" rtlCol="0" anchor="ctr">
-            <a:noAutofit/>
-          </a:bodyPr>
-          <a:lstStyle/>
-          <a:p>
-            <a:pPr algn="ctr"/>
-            <a:r>
-              <a:rPr lang="en-US" altLang="zh-CN" b="1" dirty="0">
-                <a:solidFill>
-                  <a:schemeClr val="bg1"/>
-                </a:solidFill>
-                <a:latin typeface="微软雅黑" panose="020B0503020204020204" pitchFamily="34" charset="-122"/>
-                <a:ea typeface="微软雅黑" panose="020B0503020204020204" pitchFamily="34" charset="-122"/>
-              </a:rPr>
-              <a:t>3</a:t>
-            </a:r>
-            <a:endParaRPr lang="zh-CN" altLang="en-US" b="1" dirty="0">
-              <a:solidFill>
-                <a:schemeClr val="bg1"/>
-              </a:solidFill>
-              <a:latin typeface="微软雅黑" panose="020B0503020204020204" pitchFamily="34" charset="-122"/>
-              <a:ea typeface="微软雅黑" panose="020B0503020204020204" pitchFamily="34" charset="-122"/>
-            </a:endParaRPr>
-          </a:p>
-        </p:txBody>
-      </p:sp>
-      <p:cxnSp>
-        <p:nvCxnSpPr>
-          <p:cNvPr id="20" name="直接连接符 19"/>
-          <p:cNvCxnSpPr>
-            <a:stCxn id="18" idx="6"/>
-          </p:cNvCxnSpPr>
-          <p:nvPr/>
-        </p:nvCxnSpPr>
-        <p:spPr>
-          <a:xfrm>
-            <a:off x="2534033" y="3551161"/>
-            <a:ext cx="4500000" cy="0"/>
-          </a:xfrm>
-          <a:prstGeom prst="line">
-            <a:avLst/>
-          </a:prstGeom>
-          <a:ln>
-            <a:solidFill>
-              <a:schemeClr val="bg2"/>
-            </a:solidFill>
-          </a:ln>
-        </p:spPr>
-        <p:style>
-          <a:lnRef idx="1">
-            <a:schemeClr val="accent1"/>
-          </a:lnRef>
-          <a:fillRef idx="0">
-            <a:schemeClr val="accent1"/>
-          </a:fillRef>
-          <a:effectRef idx="0">
-            <a:schemeClr val="accent1"/>
-          </a:effectRef>
-          <a:fontRef idx="minor">
-            <a:schemeClr val="tx1"/>
-          </a:fontRef>
-        </p:style>
-      </p:cxnSp>
-      <p:sp>
-        <p:nvSpPr>
-          <p:cNvPr id="21" name="文本框 20"/>
-          <p:cNvSpPr txBox="1"/>
-          <p:nvPr/>
-        </p:nvSpPr>
-        <p:spPr>
-          <a:xfrm>
-            <a:off x="2915073" y="3114680"/>
-            <a:ext cx="4387392" cy="461665"/>
-          </a:xfrm>
-          <a:prstGeom prst="rect">
-            <a:avLst/>
-          </a:prstGeom>
-          <a:noFill/>
-        </p:spPr>
-        <p:txBody>
-          <a:bodyPr wrap="square" rtlCol="0">
-            <a:spAutoFit/>
-          </a:bodyPr>
-          <a:lstStyle/>
-          <a:p>
-            <a:r>
-              <a:rPr lang="zh-CN" altLang="en-US" sz="2400" dirty="0">
-                <a:solidFill>
-                  <a:schemeClr val="tx1">
-                    <a:lumMod val="75000"/>
-                    <a:lumOff val="25000"/>
-                  </a:schemeClr>
-                </a:solidFill>
-              </a:rPr>
-              <a:t>有页码版式</a:t>
-            </a:r>
-          </a:p>
-        </p:txBody>
-      </p:sp>
-      <p:sp>
-        <p:nvSpPr>
-          <p:cNvPr id="23" name="Freeform 10"/>
-          <p:cNvSpPr>
-            <a:spLocks noChangeAspect="1"/>
-          </p:cNvSpPr>
-          <p:nvPr userDrawn="1"/>
-        </p:nvSpPr>
-        <p:spPr bwMode="auto">
-          <a:xfrm>
-            <a:off x="1841535" y="4127276"/>
-            <a:ext cx="843427" cy="343858"/>
-          </a:xfrm>
-          <a:custGeom>
-            <a:avLst/>
-            <a:gdLst>
-              <a:gd name="T0" fmla="*/ 3120 w 3800"/>
-              <a:gd name="T1" fmla="*/ 0 h 1532"/>
-              <a:gd name="T2" fmla="*/ 682 w 3800"/>
-              <a:gd name="T3" fmla="*/ 0 h 1532"/>
-              <a:gd name="T4" fmla="*/ 682 w 3800"/>
-              <a:gd name="T5" fmla="*/ 284 h 1532"/>
-              <a:gd name="T6" fmla="*/ 0 w 3800"/>
-              <a:gd name="T7" fmla="*/ 766 h 1532"/>
-              <a:gd name="T8" fmla="*/ 682 w 3800"/>
-              <a:gd name="T9" fmla="*/ 1248 h 1532"/>
-              <a:gd name="T10" fmla="*/ 682 w 3800"/>
-              <a:gd name="T11" fmla="*/ 1532 h 1532"/>
-              <a:gd name="T12" fmla="*/ 3120 w 3800"/>
-              <a:gd name="T13" fmla="*/ 1532 h 1532"/>
-              <a:gd name="T14" fmla="*/ 3120 w 3800"/>
-              <a:gd name="T15" fmla="*/ 1248 h 1532"/>
-              <a:gd name="T16" fmla="*/ 3800 w 3800"/>
-              <a:gd name="T17" fmla="*/ 766 h 1532"/>
-              <a:gd name="T18" fmla="*/ 3120 w 3800"/>
-              <a:gd name="T19" fmla="*/ 284 h 1532"/>
-              <a:gd name="T20" fmla="*/ 3120 w 3800"/>
-              <a:gd name="T21" fmla="*/ 0 h 1532"/>
-            </a:gdLst>
-            <a:ahLst/>
-            <a:cxnLst>
-              <a:cxn ang="0">
-                <a:pos x="T0" y="T1"/>
-              </a:cxn>
-              <a:cxn ang="0">
-                <a:pos x="T2" y="T3"/>
-              </a:cxn>
-              <a:cxn ang="0">
-                <a:pos x="T4" y="T5"/>
-              </a:cxn>
-              <a:cxn ang="0">
-                <a:pos x="T6" y="T7"/>
-              </a:cxn>
-              <a:cxn ang="0">
-                <a:pos x="T8" y="T9"/>
-              </a:cxn>
-              <a:cxn ang="0">
-                <a:pos x="T10" y="T11"/>
-              </a:cxn>
-              <a:cxn ang="0">
-                <a:pos x="T12" y="T13"/>
-              </a:cxn>
-              <a:cxn ang="0">
-                <a:pos x="T14" y="T15"/>
-              </a:cxn>
-              <a:cxn ang="0">
-                <a:pos x="T16" y="T17"/>
-              </a:cxn>
-              <a:cxn ang="0">
-                <a:pos x="T18" y="T19"/>
-              </a:cxn>
-              <a:cxn ang="0">
-                <a:pos x="T20" y="T21"/>
-              </a:cxn>
-            </a:cxnLst>
-            <a:rect l="0" t="0" r="r" b="b"/>
-            <a:pathLst>
-              <a:path w="3800" h="1532">
-                <a:moveTo>
-                  <a:pt x="3120" y="0"/>
-                </a:moveTo>
-                <a:lnTo>
-                  <a:pt x="682" y="0"/>
-                </a:lnTo>
-                <a:lnTo>
-                  <a:pt x="682" y="284"/>
-                </a:lnTo>
-                <a:lnTo>
-                  <a:pt x="0" y="766"/>
-                </a:lnTo>
-                <a:lnTo>
-                  <a:pt x="682" y="1248"/>
-                </a:lnTo>
-                <a:lnTo>
-                  <a:pt x="682" y="1532"/>
-                </a:lnTo>
-                <a:lnTo>
-                  <a:pt x="3120" y="1532"/>
-                </a:lnTo>
-                <a:lnTo>
-                  <a:pt x="3120" y="1248"/>
-                </a:lnTo>
-                <a:lnTo>
-                  <a:pt x="3800" y="766"/>
-                </a:lnTo>
-                <a:lnTo>
-                  <a:pt x="3120" y="284"/>
-                </a:lnTo>
-                <a:lnTo>
-                  <a:pt x="3120" y="0"/>
-                </a:lnTo>
-                <a:close/>
-              </a:path>
-            </a:pathLst>
-          </a:custGeom>
-          <a:solidFill>
-            <a:schemeClr val="accent1"/>
-          </a:solidFill>
-          <a:ln>
-            <a:noFill/>
-          </a:ln>
-        </p:spPr>
-        <p:txBody>
-          <a:bodyPr vert="horz" wrap="square" lIns="91440" tIns="45720" rIns="91440" bIns="45720" numCol="1" anchor="ctr" anchorCtr="0" compatLnSpc="1">
-            <a:prstTxWarp prst="textNoShape">
-              <a:avLst/>
-            </a:prstTxWarp>
-            <a:noAutofit/>
-          </a:bodyPr>
-          <a:lstStyle/>
-          <a:p>
-            <a:pPr algn="ctr"/>
-            <a:endParaRPr lang="zh-CN" altLang="en-US" sz="3200" b="1"/>
-          </a:p>
-        </p:txBody>
-      </p:sp>
-      <p:sp>
-        <p:nvSpPr>
-          <p:cNvPr id="24" name="文本框 23"/>
-          <p:cNvSpPr txBox="1"/>
-          <p:nvPr userDrawn="1"/>
-        </p:nvSpPr>
-        <p:spPr>
-          <a:xfrm>
-            <a:off x="2071646" y="4063469"/>
-            <a:ext cx="383206" cy="443226"/>
-          </a:xfrm>
-          <a:prstGeom prst="rect">
-            <a:avLst/>
-          </a:prstGeom>
-          <a:noFill/>
-        </p:spPr>
-        <p:txBody>
-          <a:bodyPr wrap="none" rtlCol="0" anchor="ctr">
-            <a:noAutofit/>
-          </a:bodyPr>
-          <a:lstStyle/>
-          <a:p>
-            <a:pPr algn="ctr"/>
-            <a:r>
-              <a:rPr lang="en-US" altLang="zh-CN" b="1" dirty="0">
-                <a:solidFill>
-                  <a:schemeClr val="bg1"/>
-                </a:solidFill>
-                <a:latin typeface="微软雅黑" panose="020B0503020204020204" pitchFamily="34" charset="-122"/>
-                <a:ea typeface="微软雅黑" panose="020B0503020204020204" pitchFamily="34" charset="-122"/>
-              </a:rPr>
-              <a:t>4</a:t>
-            </a:r>
-            <a:endParaRPr lang="zh-CN" altLang="en-US" b="1" dirty="0">
-              <a:solidFill>
-                <a:schemeClr val="bg1"/>
-              </a:solidFill>
-              <a:latin typeface="微软雅黑" panose="020B0503020204020204" pitchFamily="34" charset="-122"/>
-              <a:ea typeface="微软雅黑" panose="020B0503020204020204" pitchFamily="34" charset="-122"/>
-            </a:endParaRPr>
-          </a:p>
-        </p:txBody>
-      </p:sp>
-      <p:cxnSp>
-        <p:nvCxnSpPr>
-          <p:cNvPr id="25" name="直接连接符 24"/>
-          <p:cNvCxnSpPr>
-            <a:stCxn id="23" idx="6"/>
-          </p:cNvCxnSpPr>
-          <p:nvPr/>
-        </p:nvCxnSpPr>
-        <p:spPr>
-          <a:xfrm>
-            <a:off x="2534033" y="4471134"/>
-            <a:ext cx="4500000" cy="0"/>
-          </a:xfrm>
-          <a:prstGeom prst="line">
-            <a:avLst/>
-          </a:prstGeom>
-          <a:ln>
-            <a:solidFill>
-              <a:schemeClr val="accent1"/>
-            </a:solidFill>
-          </a:ln>
-        </p:spPr>
-        <p:style>
-          <a:lnRef idx="1">
-            <a:schemeClr val="accent1"/>
-          </a:lnRef>
-          <a:fillRef idx="0">
-            <a:schemeClr val="accent1"/>
-          </a:fillRef>
-          <a:effectRef idx="0">
-            <a:schemeClr val="accent1"/>
-          </a:effectRef>
-          <a:fontRef idx="minor">
-            <a:schemeClr val="tx1"/>
-          </a:fontRef>
-        </p:style>
-      </p:cxnSp>
-      <p:sp>
-        <p:nvSpPr>
-          <p:cNvPr id="26" name="文本框 25"/>
-          <p:cNvSpPr txBox="1"/>
-          <p:nvPr/>
-        </p:nvSpPr>
-        <p:spPr>
-          <a:xfrm>
-            <a:off x="2915073" y="4034653"/>
-            <a:ext cx="4387392" cy="461665"/>
-          </a:xfrm>
-          <a:prstGeom prst="rect">
-            <a:avLst/>
-          </a:prstGeom>
-          <a:noFill/>
-        </p:spPr>
-        <p:txBody>
-          <a:bodyPr wrap="square" rtlCol="0">
-            <a:spAutoFit/>
-          </a:bodyPr>
-          <a:lstStyle/>
-          <a:p>
-            <a:r>
-              <a:rPr lang="zh-CN" altLang="en-US" sz="2400" dirty="0">
-                <a:solidFill>
-                  <a:schemeClr val="tx1">
-                    <a:lumMod val="75000"/>
-                    <a:lumOff val="25000"/>
-                  </a:schemeClr>
-                </a:solidFill>
-              </a:rPr>
-              <a:t>图形与配色</a:t>
-            </a:r>
-          </a:p>
-        </p:txBody>
-      </p:sp>
-      <p:sp>
-        <p:nvSpPr>
-          <p:cNvPr id="33" name="Freeform 10"/>
-          <p:cNvSpPr>
-            <a:spLocks noChangeAspect="1"/>
-          </p:cNvSpPr>
-          <p:nvPr userDrawn="1"/>
-        </p:nvSpPr>
-        <p:spPr bwMode="auto">
-          <a:xfrm>
-            <a:off x="1841535" y="5047251"/>
-            <a:ext cx="843427" cy="343858"/>
-          </a:xfrm>
-          <a:custGeom>
-            <a:avLst/>
-            <a:gdLst>
-              <a:gd name="T0" fmla="*/ 3120 w 3800"/>
-              <a:gd name="T1" fmla="*/ 0 h 1532"/>
-              <a:gd name="T2" fmla="*/ 682 w 3800"/>
-              <a:gd name="T3" fmla="*/ 0 h 1532"/>
-              <a:gd name="T4" fmla="*/ 682 w 3800"/>
-              <a:gd name="T5" fmla="*/ 284 h 1532"/>
-              <a:gd name="T6" fmla="*/ 0 w 3800"/>
-              <a:gd name="T7" fmla="*/ 766 h 1532"/>
-              <a:gd name="T8" fmla="*/ 682 w 3800"/>
-              <a:gd name="T9" fmla="*/ 1248 h 1532"/>
-              <a:gd name="T10" fmla="*/ 682 w 3800"/>
-              <a:gd name="T11" fmla="*/ 1532 h 1532"/>
-              <a:gd name="T12" fmla="*/ 3120 w 3800"/>
-              <a:gd name="T13" fmla="*/ 1532 h 1532"/>
-              <a:gd name="T14" fmla="*/ 3120 w 3800"/>
-              <a:gd name="T15" fmla="*/ 1248 h 1532"/>
-              <a:gd name="T16" fmla="*/ 3800 w 3800"/>
-              <a:gd name="T17" fmla="*/ 766 h 1532"/>
-              <a:gd name="T18" fmla="*/ 3120 w 3800"/>
-              <a:gd name="T19" fmla="*/ 284 h 1532"/>
-              <a:gd name="T20" fmla="*/ 3120 w 3800"/>
-              <a:gd name="T21" fmla="*/ 0 h 1532"/>
-            </a:gdLst>
-            <a:ahLst/>
-            <a:cxnLst>
-              <a:cxn ang="0">
-                <a:pos x="T0" y="T1"/>
-              </a:cxn>
-              <a:cxn ang="0">
-                <a:pos x="T2" y="T3"/>
-              </a:cxn>
-              <a:cxn ang="0">
-                <a:pos x="T4" y="T5"/>
-              </a:cxn>
-              <a:cxn ang="0">
-                <a:pos x="T6" y="T7"/>
-              </a:cxn>
-              <a:cxn ang="0">
-                <a:pos x="T8" y="T9"/>
-              </a:cxn>
-              <a:cxn ang="0">
-                <a:pos x="T10" y="T11"/>
-              </a:cxn>
-              <a:cxn ang="0">
-                <a:pos x="T12" y="T13"/>
-              </a:cxn>
-              <a:cxn ang="0">
-                <a:pos x="T14" y="T15"/>
-              </a:cxn>
-              <a:cxn ang="0">
-                <a:pos x="T16" y="T17"/>
-              </a:cxn>
-              <a:cxn ang="0">
-                <a:pos x="T18" y="T19"/>
-              </a:cxn>
-              <a:cxn ang="0">
-                <a:pos x="T20" y="T21"/>
-              </a:cxn>
-            </a:cxnLst>
-            <a:rect l="0" t="0" r="r" b="b"/>
-            <a:pathLst>
-              <a:path w="3800" h="1532">
-                <a:moveTo>
-                  <a:pt x="3120" y="0"/>
-                </a:moveTo>
-                <a:lnTo>
-                  <a:pt x="682" y="0"/>
-                </a:lnTo>
-                <a:lnTo>
-                  <a:pt x="682" y="284"/>
-                </a:lnTo>
-                <a:lnTo>
-                  <a:pt x="0" y="766"/>
-                </a:lnTo>
-                <a:lnTo>
-                  <a:pt x="682" y="1248"/>
-                </a:lnTo>
-                <a:lnTo>
-                  <a:pt x="682" y="1532"/>
-                </a:lnTo>
-                <a:lnTo>
-                  <a:pt x="3120" y="1532"/>
-                </a:lnTo>
-                <a:lnTo>
-                  <a:pt x="3120" y="1248"/>
-                </a:lnTo>
-                <a:lnTo>
-                  <a:pt x="3800" y="766"/>
-                </a:lnTo>
-                <a:lnTo>
-                  <a:pt x="3120" y="284"/>
-                </a:lnTo>
-                <a:lnTo>
-                  <a:pt x="3120" y="0"/>
-                </a:lnTo>
-                <a:close/>
-              </a:path>
-            </a:pathLst>
-          </a:custGeom>
-          <a:solidFill>
-            <a:schemeClr val="bg2"/>
-          </a:solidFill>
-          <a:ln>
-            <a:noFill/>
-          </a:ln>
-        </p:spPr>
-        <p:txBody>
-          <a:bodyPr vert="horz" wrap="square" lIns="91440" tIns="45720" rIns="91440" bIns="45720" numCol="1" anchor="ctr" anchorCtr="0" compatLnSpc="1">
-            <a:prstTxWarp prst="textNoShape">
-              <a:avLst/>
-            </a:prstTxWarp>
-            <a:noAutofit/>
-          </a:bodyPr>
-          <a:lstStyle/>
-          <a:p>
-            <a:pPr algn="ctr"/>
-            <a:endParaRPr lang="zh-CN" altLang="en-US" sz="3200" b="1"/>
-          </a:p>
-        </p:txBody>
-      </p:sp>
-      <p:sp>
-        <p:nvSpPr>
-          <p:cNvPr id="34" name="文本框 33"/>
-          <p:cNvSpPr txBox="1"/>
-          <p:nvPr userDrawn="1"/>
-        </p:nvSpPr>
-        <p:spPr>
-          <a:xfrm>
-            <a:off x="2071646" y="4983444"/>
-            <a:ext cx="383206" cy="443226"/>
-          </a:xfrm>
-          <a:prstGeom prst="rect">
-            <a:avLst/>
-          </a:prstGeom>
-          <a:noFill/>
-        </p:spPr>
-        <p:txBody>
-          <a:bodyPr wrap="none" rtlCol="0" anchor="ctr">
-            <a:noAutofit/>
-          </a:bodyPr>
-          <a:lstStyle/>
-          <a:p>
-            <a:pPr algn="ctr"/>
-            <a:r>
-              <a:rPr lang="en-US" altLang="zh-CN" b="1" dirty="0">
-                <a:solidFill>
-                  <a:schemeClr val="bg1"/>
-                </a:solidFill>
-                <a:latin typeface="微软雅黑" panose="020B0503020204020204" pitchFamily="34" charset="-122"/>
-                <a:ea typeface="微软雅黑" panose="020B0503020204020204" pitchFamily="34" charset="-122"/>
-              </a:rPr>
-              <a:t>5</a:t>
-            </a:r>
-            <a:endParaRPr lang="zh-CN" altLang="en-US" b="1" dirty="0">
-              <a:solidFill>
-                <a:schemeClr val="bg1"/>
-              </a:solidFill>
-              <a:latin typeface="微软雅黑" panose="020B0503020204020204" pitchFamily="34" charset="-122"/>
-              <a:ea typeface="微软雅黑" panose="020B0503020204020204" pitchFamily="34" charset="-122"/>
-            </a:endParaRPr>
-          </a:p>
-        </p:txBody>
-      </p:sp>
-      <p:cxnSp>
-        <p:nvCxnSpPr>
-          <p:cNvPr id="35" name="直接连接符 34"/>
-          <p:cNvCxnSpPr>
-            <a:stCxn id="33" idx="6"/>
-          </p:cNvCxnSpPr>
-          <p:nvPr/>
-        </p:nvCxnSpPr>
-        <p:spPr>
-          <a:xfrm>
-            <a:off x="2534033" y="5391109"/>
-            <a:ext cx="4500000" cy="0"/>
-          </a:xfrm>
-          <a:prstGeom prst="line">
-            <a:avLst/>
-          </a:prstGeom>
-          <a:ln>
-            <a:solidFill>
-              <a:schemeClr val="bg2"/>
-            </a:solidFill>
-          </a:ln>
-        </p:spPr>
-        <p:style>
-          <a:lnRef idx="1">
-            <a:schemeClr val="accent1"/>
-          </a:lnRef>
-          <a:fillRef idx="0">
-            <a:schemeClr val="accent1"/>
-          </a:fillRef>
-          <a:effectRef idx="0">
-            <a:schemeClr val="accent1"/>
-          </a:effectRef>
-          <a:fontRef idx="minor">
-            <a:schemeClr val="tx1"/>
-          </a:fontRef>
-        </p:style>
-      </p:cxnSp>
-      <p:sp>
-        <p:nvSpPr>
-          <p:cNvPr id="36" name="文本框 35"/>
-          <p:cNvSpPr txBox="1"/>
-          <p:nvPr/>
-        </p:nvSpPr>
-        <p:spPr>
-          <a:xfrm>
-            <a:off x="2915073" y="4954628"/>
-            <a:ext cx="4387392" cy="461665"/>
-          </a:xfrm>
-          <a:prstGeom prst="rect">
-            <a:avLst/>
-          </a:prstGeom>
-          <a:noFill/>
-        </p:spPr>
-        <p:txBody>
-          <a:bodyPr wrap="square" rtlCol="0">
-            <a:spAutoFit/>
-          </a:bodyPr>
-          <a:lstStyle/>
-          <a:p>
-            <a:r>
-              <a:rPr lang="zh-CN" altLang="en-US" sz="2400" dirty="0">
-                <a:solidFill>
-                  <a:schemeClr val="tx1">
-                    <a:lumMod val="75000"/>
-                    <a:lumOff val="25000"/>
-                  </a:schemeClr>
-                </a:solidFill>
-              </a:rPr>
-              <a:t>图片处理及排版</a:t>
-            </a:r>
-          </a:p>
-        </p:txBody>
-      </p:sp>
-    </p:spTree>
-    <p:extLst>
-      <p:ext uri="{BB962C8B-B14F-4D97-AF65-F5344CB8AC3E}">
-        <p14:creationId xmlns:p14="http://schemas.microsoft.com/office/powerpoint/2010/main" val="3578238027"/>
+        <p14:creationId xmlns:p14="http://schemas.microsoft.com/office/powerpoint/2010/main" val="3595279237"/>
       </p:ext>
     </p:extLst>
   </p:cSld>

--- a/Polkadot-PPT.pptx
+++ b/Polkadot-PPT.pptx
@@ -5,10 +5,10 @@
     <p:sldMasterId id="2147483802" r:id="rId1"/>
   </p:sldMasterIdLst>
   <p:notesMasterIdLst>
-    <p:notesMasterId r:id="rId21"/>
+    <p:notesMasterId r:id="rId24"/>
   </p:notesMasterIdLst>
   <p:handoutMasterIdLst>
-    <p:handoutMasterId r:id="rId22"/>
+    <p:handoutMasterId r:id="rId25"/>
   </p:handoutMasterIdLst>
   <p:sldIdLst>
     <p:sldId id="259" r:id="rId2"/>
@@ -22,14 +22,17 @@
     <p:sldId id="264" r:id="rId10"/>
     <p:sldId id="288" r:id="rId11"/>
     <p:sldId id="289" r:id="rId12"/>
-    <p:sldId id="270" r:id="rId13"/>
-    <p:sldId id="276" r:id="rId14"/>
-    <p:sldId id="277" r:id="rId15"/>
-    <p:sldId id="278" r:id="rId16"/>
-    <p:sldId id="279" r:id="rId17"/>
-    <p:sldId id="280" r:id="rId18"/>
-    <p:sldId id="281" r:id="rId19"/>
-    <p:sldId id="282" r:id="rId20"/>
+    <p:sldId id="290" r:id="rId13"/>
+    <p:sldId id="291" r:id="rId14"/>
+    <p:sldId id="292" r:id="rId15"/>
+    <p:sldId id="270" r:id="rId16"/>
+    <p:sldId id="276" r:id="rId17"/>
+    <p:sldId id="277" r:id="rId18"/>
+    <p:sldId id="278" r:id="rId19"/>
+    <p:sldId id="279" r:id="rId20"/>
+    <p:sldId id="280" r:id="rId21"/>
+    <p:sldId id="281" r:id="rId22"/>
+    <p:sldId id="282" r:id="rId23"/>
   </p:sldIdLst>
   <p:sldSz cx="9144000" cy="6858000" type="screen4x3"/>
   <p:notesSz cx="6858000" cy="9144000"/>
@@ -3257,7 +3260,7 @@
           <a:p>
             <a:fld id="{202C1FBA-CF23-45CA-A289-03E32D160964}" type="datetimeFigureOut">
               <a:rPr lang="zh-CN" altLang="en-US" smtClean="0"/>
-              <a:t>2020/12/12</a:t>
+              <a:t>2020/12/13</a:t>
             </a:fld>
             <a:endParaRPr lang="zh-CN" altLang="en-US"/>
           </a:p>
@@ -3422,7 +3425,7 @@
           <a:p>
             <a:fld id="{6D966BD8-0FC1-456F-BDC6-7D0CA8E36566}" type="datetimeFigureOut">
               <a:rPr lang="zh-CN" altLang="en-US" smtClean="0"/>
-              <a:t>2020/12/12</a:t>
+              <a:t>2020/12/13</a:t>
             </a:fld>
             <a:endParaRPr lang="zh-CN" altLang="en-US"/>
           </a:p>
@@ -10512,18 +10515,119 @@
         </p:nvSpPr>
         <p:spPr>
           <a:xfrm>
-            <a:off x="494025" y="1685678"/>
-            <a:ext cx="8070855" cy="4538338"/>
+            <a:off x="494025" y="1685677"/>
+            <a:ext cx="8070855" cy="5015373"/>
           </a:xfrm>
         </p:spPr>
         <p:txBody>
-          <a:bodyPr/>
+          <a:bodyPr>
+            <a:normAutofit/>
+          </a:bodyPr>
           <a:lstStyle/>
           <a:p>
             <a:r>
               <a:rPr lang="en-US" altLang="zh-CN" dirty="0"/>
-              <a:t>State transition:</a:t>
-            </a:r>
+              <a:t>State transition</a:t>
+            </a:r>
+          </a:p>
+          <a:p>
+            <a:pPr lvl="1"/>
+            <a:r>
+              <a:rPr lang="en-US" altLang="zh-CN" dirty="0"/>
+              <a:t>Via an executing ordered set of instructions, known as </a:t>
+            </a:r>
+            <a:r>
+              <a:rPr lang="en-US" altLang="zh-CN" dirty="0" err="1"/>
+              <a:t>extrinsics</a:t>
+            </a:r>
+            <a:r>
+              <a:rPr lang="en-US" altLang="zh-CN" dirty="0"/>
+              <a:t>, which include transactions submitted by the public and any data which can affect state transition</a:t>
+            </a:r>
+          </a:p>
+          <a:p>
+            <a:pPr lvl="1"/>
+            <a:r>
+              <a:rPr lang="en-US" altLang="zh-CN" dirty="0"/>
+              <a:t>Relay chain is divided into “Runtime” and the “Runtime environment”</a:t>
+            </a:r>
+          </a:p>
+          <a:p>
+            <a:pPr lvl="2"/>
+            <a:r>
+              <a:rPr lang="en-US" altLang="zh-CN" dirty="0"/>
+              <a:t>The execution logic of State-transition function is encapsulated in Runtime</a:t>
+            </a:r>
+          </a:p>
+          <a:p>
+            <a:pPr lvl="2"/>
+            <a:r>
+              <a:rPr lang="en-US" altLang="zh-CN" dirty="0"/>
+              <a:t>Other generic operation are embedded into the runtime environment</a:t>
+            </a:r>
+          </a:p>
+          <a:p>
+            <a:pPr lvl="1"/>
+            <a:r>
+              <a:rPr lang="en-US" altLang="zh-CN" dirty="0"/>
+              <a:t>Runtime function</a:t>
+            </a:r>
+          </a:p>
+          <a:p>
+            <a:pPr lvl="2"/>
+            <a:r>
+              <a:rPr lang="en-US" altLang="zh-CN" dirty="0"/>
+              <a:t>Compiled into a </a:t>
+            </a:r>
+            <a:r>
+              <a:rPr lang="en-US" altLang="zh-CN" dirty="0" err="1"/>
+              <a:t>WebAssembly</a:t>
+            </a:r>
+            <a:r>
+              <a:rPr lang="en-US" altLang="zh-CN" dirty="0"/>
+              <a:t> module</a:t>
+            </a:r>
+          </a:p>
+          <a:p>
+            <a:pPr lvl="2"/>
+            <a:r>
+              <a:rPr lang="en-US" altLang="zh-CN" dirty="0"/>
+              <a:t>Stored as part of the state</a:t>
+            </a:r>
+          </a:p>
+          <a:p>
+            <a:pPr lvl="1"/>
+            <a:r>
+              <a:rPr lang="en-US" altLang="zh-CN" dirty="0"/>
+              <a:t>The Runtime environment communicates the </a:t>
+            </a:r>
+            <a:r>
+              <a:rPr lang="en-US" altLang="zh-CN" dirty="0" err="1"/>
+              <a:t>extrinsics</a:t>
+            </a:r>
+            <a:r>
+              <a:rPr lang="en-US" altLang="zh-CN" dirty="0"/>
+              <a:t> to the Runtime and interacts with it to execute the state transition. </a:t>
+            </a:r>
+          </a:p>
+          <a:p>
+            <a:pPr lvl="2"/>
+            <a:r>
+              <a:rPr lang="en-US" altLang="zh-CN" dirty="0"/>
+              <a:t>the state transition logic itself can be upgraded as a part of the state transition.</a:t>
+            </a:r>
+          </a:p>
+          <a:p>
+            <a:pPr lvl="1"/>
+            <a:endParaRPr lang="en-US" altLang="zh-CN" dirty="0"/>
+          </a:p>
+          <a:p>
+            <a:pPr lvl="1"/>
+            <a:endParaRPr lang="en-US" altLang="zh-CN" dirty="0"/>
+          </a:p>
+          <a:p>
+            <a:pPr lvl="1"/>
+            <a:endParaRPr lang="en-US" altLang="zh-CN" dirty="0"/>
           </a:p>
           <a:p>
             <a:pPr lvl="1"/>
@@ -10574,6 +10678,407 @@
 </file>
 
 <file path=ppt/slides/slide12.xml><?xml version="1.0" encoding="utf-8"?>
+<p:sld xmlns:a="http://schemas.openxmlformats.org/drawingml/2006/main" xmlns:r="http://schemas.openxmlformats.org/officeDocument/2006/relationships" xmlns:p="http://schemas.openxmlformats.org/presentationml/2006/main">
+  <p:cSld>
+    <p:spTree>
+      <p:nvGrpSpPr>
+        <p:cNvPr id="1" name=""/>
+        <p:cNvGrpSpPr/>
+        <p:nvPr/>
+      </p:nvGrpSpPr>
+      <p:grpSpPr>
+        <a:xfrm>
+          <a:off x="0" y="0"/>
+          <a:ext cx="0" cy="0"/>
+          <a:chOff x="0" y="0"/>
+          <a:chExt cx="0" cy="0"/>
+        </a:xfrm>
+      </p:grpSpPr>
+      <p:sp>
+        <p:nvSpPr>
+          <p:cNvPr id="2" name="内容占位符 1">
+            <a:extLst>
+              <a:ext uri="{FF2B5EF4-FFF2-40B4-BE49-F238E27FC236}">
+                <a16:creationId xmlns:a16="http://schemas.microsoft.com/office/drawing/2014/main" id="{AF3ED768-F4AC-4570-9A14-87BFBBA452E6}"/>
+              </a:ext>
+            </a:extLst>
+          </p:cNvPr>
+          <p:cNvSpPr>
+            <a:spLocks noGrp="1"/>
+          </p:cNvSpPr>
+          <p:nvPr>
+            <p:ph sz="quarter" idx="10"/>
+          </p:nvPr>
+        </p:nvSpPr>
+        <p:spPr>
+          <a:xfrm>
+            <a:off x="494025" y="1685677"/>
+            <a:ext cx="8070855" cy="5015373"/>
+          </a:xfrm>
+        </p:spPr>
+        <p:txBody>
+          <a:bodyPr>
+            <a:normAutofit/>
+          </a:bodyPr>
+          <a:lstStyle/>
+          <a:p>
+            <a:r>
+              <a:rPr lang="en-US" altLang="zh-CN" dirty="0" err="1"/>
+              <a:t>Extrinsics</a:t>
+            </a:r>
+            <a:r>
+              <a:rPr lang="en-US" altLang="zh-CN" dirty="0"/>
+              <a:t>, an executing ordered set of instructions</a:t>
+            </a:r>
+          </a:p>
+          <a:p>
+            <a:pPr lvl="1"/>
+            <a:endParaRPr lang="en-US" altLang="zh-CN" dirty="0"/>
+          </a:p>
+          <a:p>
+            <a:pPr lvl="1"/>
+            <a:endParaRPr lang="en-US" altLang="zh-CN" dirty="0"/>
+          </a:p>
+          <a:p>
+            <a:pPr lvl="1"/>
+            <a:endParaRPr lang="en-US" altLang="zh-CN" dirty="0"/>
+          </a:p>
+          <a:p>
+            <a:pPr lvl="1"/>
+            <a:endParaRPr lang="en-US" altLang="zh-CN" dirty="0"/>
+          </a:p>
+        </p:txBody>
+      </p:sp>
+      <p:sp>
+        <p:nvSpPr>
+          <p:cNvPr id="3" name="标题 2">
+            <a:extLst>
+              <a:ext uri="{FF2B5EF4-FFF2-40B4-BE49-F238E27FC236}">
+                <a16:creationId xmlns:a16="http://schemas.microsoft.com/office/drawing/2014/main" id="{CDC1A08A-FFC4-4FE8-B7F5-70FBB0F936C3}"/>
+              </a:ext>
+            </a:extLst>
+          </p:cNvPr>
+          <p:cNvSpPr>
+            <a:spLocks noGrp="1"/>
+          </p:cNvSpPr>
+          <p:nvPr>
+            <p:ph type="title"/>
+          </p:nvPr>
+        </p:nvSpPr>
+        <p:spPr/>
+        <p:txBody>
+          <a:bodyPr/>
+          <a:lstStyle/>
+          <a:p>
+            <a:r>
+              <a:rPr lang="en-US" altLang="zh-CN" dirty="0"/>
+              <a:t>Relay Chain protocol: A state machine</a:t>
+            </a:r>
+            <a:endParaRPr lang="zh-CN" altLang="en-US" dirty="0"/>
+          </a:p>
+        </p:txBody>
+      </p:sp>
+    </p:spTree>
+    <p:extLst>
+      <p:ext uri="{BB962C8B-B14F-4D97-AF65-F5344CB8AC3E}">
+        <p14:creationId xmlns:p14="http://schemas.microsoft.com/office/powerpoint/2010/main" val="4185833312"/>
+      </p:ext>
+    </p:extLst>
+  </p:cSld>
+  <p:clrMapOvr>
+    <a:masterClrMapping/>
+  </p:clrMapOvr>
+</p:sld>
+</file>
+
+<file path=ppt/slides/slide13.xml><?xml version="1.0" encoding="utf-8"?>
+<p:sld xmlns:a="http://schemas.openxmlformats.org/drawingml/2006/main" xmlns:r="http://schemas.openxmlformats.org/officeDocument/2006/relationships" xmlns:p="http://schemas.openxmlformats.org/presentationml/2006/main">
+  <p:cSld>
+    <p:spTree>
+      <p:nvGrpSpPr>
+        <p:cNvPr id="1" name=""/>
+        <p:cNvGrpSpPr/>
+        <p:nvPr/>
+      </p:nvGrpSpPr>
+      <p:grpSpPr>
+        <a:xfrm>
+          <a:off x="0" y="0"/>
+          <a:ext cx="0" cy="0"/>
+          <a:chOff x="0" y="0"/>
+          <a:chExt cx="0" cy="0"/>
+        </a:xfrm>
+      </p:grpSpPr>
+      <p:sp>
+        <p:nvSpPr>
+          <p:cNvPr id="2" name="内容占位符 1">
+            <a:extLst>
+              <a:ext uri="{FF2B5EF4-FFF2-40B4-BE49-F238E27FC236}">
+                <a16:creationId xmlns:a16="http://schemas.microsoft.com/office/drawing/2014/main" id="{AF3ED768-F4AC-4570-9A14-87BFBBA452E6}"/>
+              </a:ext>
+            </a:extLst>
+          </p:cNvPr>
+          <p:cNvSpPr>
+            <a:spLocks noGrp="1"/>
+          </p:cNvSpPr>
+          <p:nvPr>
+            <p:ph sz="quarter" idx="10"/>
+          </p:nvPr>
+        </p:nvSpPr>
+        <p:spPr>
+          <a:xfrm>
+            <a:off x="494025" y="1685677"/>
+            <a:ext cx="8070855" cy="5015373"/>
+          </a:xfrm>
+        </p:spPr>
+        <p:txBody>
+          <a:bodyPr>
+            <a:normAutofit/>
+          </a:bodyPr>
+          <a:lstStyle/>
+          <a:p>
+            <a:r>
+              <a:rPr lang="en-US" altLang="zh-CN" dirty="0"/>
+              <a:t>Relay chain block format</a:t>
+            </a:r>
+          </a:p>
+          <a:p>
+            <a:pPr lvl="1"/>
+            <a:r>
+              <a:rPr lang="en-US" altLang="zh-CN" dirty="0"/>
+              <a:t>Header</a:t>
+            </a:r>
+          </a:p>
+          <a:p>
+            <a:pPr lvl="2"/>
+            <a:r>
+              <a:rPr lang="en-US" altLang="zh-CN" dirty="0"/>
+              <a:t>Hash of parent block</a:t>
+            </a:r>
+          </a:p>
+          <a:p>
+            <a:pPr lvl="2"/>
+            <a:r>
+              <a:rPr lang="en-US" altLang="zh-CN" dirty="0"/>
+              <a:t>Block number</a:t>
+            </a:r>
+          </a:p>
+          <a:p>
+            <a:pPr lvl="2"/>
+            <a:r>
+              <a:rPr lang="en-US" altLang="zh-CN" dirty="0"/>
+              <a:t>The root of the state tree</a:t>
+            </a:r>
+          </a:p>
+          <a:p>
+            <a:pPr lvl="2"/>
+            <a:r>
+              <a:rPr lang="en-US" altLang="zh-CN" dirty="0"/>
+              <a:t>The root of the Merkle tree</a:t>
+            </a:r>
+          </a:p>
+          <a:p>
+            <a:pPr lvl="2"/>
+            <a:r>
+              <a:rPr lang="en-US" altLang="zh-CN" dirty="0"/>
+              <a:t>Digest</a:t>
+            </a:r>
+          </a:p>
+          <a:p>
+            <a:pPr lvl="3"/>
+            <a:r>
+              <a:rPr lang="en-US" altLang="zh-CN" dirty="0"/>
+              <a:t>Store auxiliary information from the consensus engines for validating the block</a:t>
+            </a:r>
+          </a:p>
+          <a:p>
+            <a:pPr lvl="1"/>
+            <a:r>
+              <a:rPr lang="en-US" altLang="zh-CN" dirty="0"/>
+              <a:t>Body</a:t>
+            </a:r>
+          </a:p>
+          <a:p>
+            <a:pPr lvl="2"/>
+            <a:r>
+              <a:rPr lang="en-US" altLang="zh-CN" dirty="0"/>
+              <a:t>A list of </a:t>
+            </a:r>
+            <a:r>
+              <a:rPr lang="en-US" altLang="zh-CN" dirty="0" err="1"/>
+              <a:t>extrinsics</a:t>
+            </a:r>
+            <a:endParaRPr lang="en-US" altLang="zh-CN" dirty="0"/>
+          </a:p>
+          <a:p>
+            <a:pPr lvl="1"/>
+            <a:endParaRPr lang="en-US" altLang="zh-CN" dirty="0"/>
+          </a:p>
+          <a:p>
+            <a:pPr lvl="1"/>
+            <a:endParaRPr lang="en-US" altLang="zh-CN" dirty="0"/>
+          </a:p>
+          <a:p>
+            <a:pPr lvl="1"/>
+            <a:endParaRPr lang="en-US" altLang="zh-CN" dirty="0"/>
+          </a:p>
+        </p:txBody>
+      </p:sp>
+      <p:sp>
+        <p:nvSpPr>
+          <p:cNvPr id="3" name="标题 2">
+            <a:extLst>
+              <a:ext uri="{FF2B5EF4-FFF2-40B4-BE49-F238E27FC236}">
+                <a16:creationId xmlns:a16="http://schemas.microsoft.com/office/drawing/2014/main" id="{CDC1A08A-FFC4-4FE8-B7F5-70FBB0F936C3}"/>
+              </a:ext>
+            </a:extLst>
+          </p:cNvPr>
+          <p:cNvSpPr>
+            <a:spLocks noGrp="1"/>
+          </p:cNvSpPr>
+          <p:nvPr>
+            <p:ph type="title"/>
+          </p:nvPr>
+        </p:nvSpPr>
+        <p:spPr/>
+        <p:txBody>
+          <a:bodyPr/>
+          <a:lstStyle/>
+          <a:p>
+            <a:r>
+              <a:rPr lang="en-US" altLang="zh-CN" dirty="0"/>
+              <a:t>Relay Chain protocol: A state machine</a:t>
+            </a:r>
+            <a:endParaRPr lang="zh-CN" altLang="en-US" dirty="0"/>
+          </a:p>
+        </p:txBody>
+      </p:sp>
+    </p:spTree>
+    <p:extLst>
+      <p:ext uri="{BB962C8B-B14F-4D97-AF65-F5344CB8AC3E}">
+        <p14:creationId xmlns:p14="http://schemas.microsoft.com/office/powerpoint/2010/main" val="848296587"/>
+      </p:ext>
+    </p:extLst>
+  </p:cSld>
+  <p:clrMapOvr>
+    <a:masterClrMapping/>
+  </p:clrMapOvr>
+</p:sld>
+</file>
+
+<file path=ppt/slides/slide14.xml><?xml version="1.0" encoding="utf-8"?>
+<p:sld xmlns:a="http://schemas.openxmlformats.org/drawingml/2006/main" xmlns:r="http://schemas.openxmlformats.org/officeDocument/2006/relationships" xmlns:p="http://schemas.openxmlformats.org/presentationml/2006/main">
+  <p:cSld>
+    <p:spTree>
+      <p:nvGrpSpPr>
+        <p:cNvPr id="1" name=""/>
+        <p:cNvGrpSpPr/>
+        <p:nvPr/>
+      </p:nvGrpSpPr>
+      <p:grpSpPr>
+        <a:xfrm>
+          <a:off x="0" y="0"/>
+          <a:ext cx="0" cy="0"/>
+          <a:chOff x="0" y="0"/>
+          <a:chExt cx="0" cy="0"/>
+        </a:xfrm>
+      </p:grpSpPr>
+      <p:sp>
+        <p:nvSpPr>
+          <p:cNvPr id="2" name="内容占位符 1">
+            <a:extLst>
+              <a:ext uri="{FF2B5EF4-FFF2-40B4-BE49-F238E27FC236}">
+                <a16:creationId xmlns:a16="http://schemas.microsoft.com/office/drawing/2014/main" id="{AF3ED768-F4AC-4570-9A14-87BFBBA452E6}"/>
+              </a:ext>
+            </a:extLst>
+          </p:cNvPr>
+          <p:cNvSpPr>
+            <a:spLocks noGrp="1"/>
+          </p:cNvSpPr>
+          <p:nvPr>
+            <p:ph sz="quarter" idx="10"/>
+          </p:nvPr>
+        </p:nvSpPr>
+        <p:spPr>
+          <a:xfrm>
+            <a:off x="494025" y="1685677"/>
+            <a:ext cx="8070855" cy="5015373"/>
+          </a:xfrm>
+        </p:spPr>
+        <p:txBody>
+          <a:bodyPr>
+            <a:normAutofit/>
+          </a:bodyPr>
+          <a:lstStyle/>
+          <a:p>
+            <a:r>
+              <a:rPr lang="en-US" altLang="zh-CN" dirty="0"/>
+              <a:t>Relay chain block building</a:t>
+            </a:r>
+          </a:p>
+          <a:p>
+            <a:endParaRPr lang="en-US" altLang="zh-CN" dirty="0"/>
+          </a:p>
+          <a:p>
+            <a:pPr lvl="1"/>
+            <a:endParaRPr lang="en-US" altLang="zh-CN" dirty="0"/>
+          </a:p>
+          <a:p>
+            <a:pPr lvl="1"/>
+            <a:endParaRPr lang="en-US" altLang="zh-CN" dirty="0"/>
+          </a:p>
+          <a:p>
+            <a:pPr lvl="1"/>
+            <a:endParaRPr lang="en-US" altLang="zh-CN" dirty="0"/>
+          </a:p>
+          <a:p>
+            <a:pPr lvl="1"/>
+            <a:endParaRPr lang="en-US" altLang="zh-CN" dirty="0"/>
+          </a:p>
+        </p:txBody>
+      </p:sp>
+      <p:sp>
+        <p:nvSpPr>
+          <p:cNvPr id="3" name="标题 2">
+            <a:extLst>
+              <a:ext uri="{FF2B5EF4-FFF2-40B4-BE49-F238E27FC236}">
+                <a16:creationId xmlns:a16="http://schemas.microsoft.com/office/drawing/2014/main" id="{CDC1A08A-FFC4-4FE8-B7F5-70FBB0F936C3}"/>
+              </a:ext>
+            </a:extLst>
+          </p:cNvPr>
+          <p:cNvSpPr>
+            <a:spLocks noGrp="1"/>
+          </p:cNvSpPr>
+          <p:nvPr>
+            <p:ph type="title"/>
+          </p:nvPr>
+        </p:nvSpPr>
+        <p:spPr/>
+        <p:txBody>
+          <a:bodyPr/>
+          <a:lstStyle/>
+          <a:p>
+            <a:r>
+              <a:rPr lang="en-US" altLang="zh-CN" dirty="0"/>
+              <a:t>Relay Chain protocol: A state machine</a:t>
+            </a:r>
+            <a:endParaRPr lang="zh-CN" altLang="en-US" dirty="0"/>
+          </a:p>
+        </p:txBody>
+      </p:sp>
+    </p:spTree>
+    <p:extLst>
+      <p:ext uri="{BB962C8B-B14F-4D97-AF65-F5344CB8AC3E}">
+        <p14:creationId xmlns:p14="http://schemas.microsoft.com/office/powerpoint/2010/main" val="3389679380"/>
+      </p:ext>
+    </p:extLst>
+  </p:cSld>
+  <p:clrMapOvr>
+    <a:masterClrMapping/>
+  </p:clrMapOvr>
+</p:sld>
+</file>
+
+<file path=ppt/slides/slide15.xml><?xml version="1.0" encoding="utf-8"?>
 <p:sld xmlns:a="http://schemas.openxmlformats.org/drawingml/2006/main" xmlns:r="http://schemas.openxmlformats.org/officeDocument/2006/relationships" xmlns:p="http://schemas.openxmlformats.org/presentationml/2006/main">
   <p:cSld>
     <p:spTree>
@@ -11278,42 +11783,6 @@
       </p:cxnSp>
       <p:sp>
         <p:nvSpPr>
-          <p:cNvPr id="21" name="文本框 20"/>
-          <p:cNvSpPr txBox="1"/>
-          <p:nvPr/>
-        </p:nvSpPr>
-        <p:spPr>
-          <a:xfrm>
-            <a:off x="2915073" y="3114680"/>
-            <a:ext cx="4387392" cy="461665"/>
-          </a:xfrm>
-          <a:prstGeom prst="rect">
-            <a:avLst/>
-          </a:prstGeom>
-          <a:noFill/>
-        </p:spPr>
-        <p:txBody>
-          <a:bodyPr wrap="square" rtlCol="0">
-            <a:spAutoFit/>
-          </a:bodyPr>
-          <a:lstStyle/>
-          <a:p>
-            <a:r>
-              <a:rPr lang="zh-CN" altLang="en-US" sz="2400" dirty="0">
-                <a:solidFill>
-                  <a:schemeClr val="tx1">
-                    <a:lumMod val="75000"/>
-                    <a:lumOff val="25000"/>
-                  </a:schemeClr>
-                </a:solidFill>
-              </a:rPr>
-              <a:t>有页码版式</a:t>
-            </a:r>
-          </a:p>
-        </p:txBody>
-      </p:sp>
-      <p:sp>
-        <p:nvSpPr>
           <p:cNvPr id="23" name="Freeform 10"/>
           <p:cNvSpPr>
             <a:spLocks/>
@@ -11906,6 +12375,41 @@
           </a:p>
         </p:txBody>
       </p:sp>
+      <p:sp>
+        <p:nvSpPr>
+          <p:cNvPr id="29" name="文本框 28">
+            <a:extLst>
+              <a:ext uri="{FF2B5EF4-FFF2-40B4-BE49-F238E27FC236}">
+                <a16:creationId xmlns:a16="http://schemas.microsoft.com/office/drawing/2014/main" id="{8FBC93C7-C074-4E41-BD1E-A1FC8D2C52AD}"/>
+              </a:ext>
+            </a:extLst>
+          </p:cNvPr>
+          <p:cNvSpPr txBox="1"/>
+          <p:nvPr/>
+        </p:nvSpPr>
+        <p:spPr>
+          <a:xfrm>
+            <a:off x="2915073" y="3114680"/>
+            <a:ext cx="4387392" cy="461665"/>
+          </a:xfrm>
+          <a:prstGeom prst="rect">
+            <a:avLst/>
+          </a:prstGeom>
+          <a:noFill/>
+        </p:spPr>
+        <p:txBody>
+          <a:bodyPr wrap="square" rtlCol="0">
+            <a:spAutoFit/>
+          </a:bodyPr>
+          <a:lstStyle/>
+          <a:p>
+            <a:r>
+              <a:rPr lang="en-US" altLang="zh-CN" sz="2400" dirty="0"/>
+              <a:t>Consensus</a:t>
+            </a:r>
+          </a:p>
+        </p:txBody>
+      </p:sp>
     </p:spTree>
     <p:extLst>
       <p:ext uri="{BB962C8B-B14F-4D97-AF65-F5344CB8AC3E}">
@@ -11919,7 +12423,7 @@
 </p:sld>
 </file>
 
-<file path=ppt/slides/slide13.xml><?xml version="1.0" encoding="utf-8"?>
+<file path=ppt/slides/slide16.xml><?xml version="1.0" encoding="utf-8"?>
 <p:sld xmlns:a="http://schemas.openxmlformats.org/drawingml/2006/main" xmlns:r="http://schemas.openxmlformats.org/officeDocument/2006/relationships" xmlns:p="http://schemas.openxmlformats.org/presentationml/2006/main">
   <p:cSld>
     <p:spTree>
@@ -12619,42 +13123,6 @@
       </p:cxnSp>
       <p:sp>
         <p:nvSpPr>
-          <p:cNvPr id="21" name="文本框 20"/>
-          <p:cNvSpPr txBox="1"/>
-          <p:nvPr/>
-        </p:nvSpPr>
-        <p:spPr>
-          <a:xfrm>
-            <a:off x="2915073" y="3114680"/>
-            <a:ext cx="4387392" cy="461665"/>
-          </a:xfrm>
-          <a:prstGeom prst="rect">
-            <a:avLst/>
-          </a:prstGeom>
-          <a:noFill/>
-        </p:spPr>
-        <p:txBody>
-          <a:bodyPr wrap="square" rtlCol="0">
-            <a:spAutoFit/>
-          </a:bodyPr>
-          <a:lstStyle/>
-          <a:p>
-            <a:r>
-              <a:rPr lang="zh-CN" altLang="en-US" sz="2400" dirty="0">
-                <a:solidFill>
-                  <a:schemeClr val="tx1">
-                    <a:lumMod val="75000"/>
-                    <a:lumOff val="25000"/>
-                  </a:schemeClr>
-                </a:solidFill>
-              </a:rPr>
-              <a:t>有页码版式</a:t>
-            </a:r>
-          </a:p>
-        </p:txBody>
-      </p:sp>
-      <p:sp>
-        <p:nvSpPr>
           <p:cNvPr id="23" name="Freeform 10"/>
           <p:cNvSpPr>
             <a:spLocks noChangeAspect="1"/>
@@ -13247,6 +13715,41 @@
           </a:p>
         </p:txBody>
       </p:sp>
+      <p:sp>
+        <p:nvSpPr>
+          <p:cNvPr id="29" name="文本框 28">
+            <a:extLst>
+              <a:ext uri="{FF2B5EF4-FFF2-40B4-BE49-F238E27FC236}">
+                <a16:creationId xmlns:a16="http://schemas.microsoft.com/office/drawing/2014/main" id="{F8A501EB-494C-402A-B6AA-166DC15EC702}"/>
+              </a:ext>
+            </a:extLst>
+          </p:cNvPr>
+          <p:cNvSpPr txBox="1"/>
+          <p:nvPr/>
+        </p:nvSpPr>
+        <p:spPr>
+          <a:xfrm>
+            <a:off x="2915073" y="3114680"/>
+            <a:ext cx="4387392" cy="461665"/>
+          </a:xfrm>
+          <a:prstGeom prst="rect">
+            <a:avLst/>
+          </a:prstGeom>
+          <a:noFill/>
+        </p:spPr>
+        <p:txBody>
+          <a:bodyPr wrap="square" rtlCol="0">
+            <a:spAutoFit/>
+          </a:bodyPr>
+          <a:lstStyle/>
+          <a:p>
+            <a:r>
+              <a:rPr lang="en-US" altLang="zh-CN" sz="2400" dirty="0"/>
+              <a:t>Consensus</a:t>
+            </a:r>
+          </a:p>
+        </p:txBody>
+      </p:sp>
     </p:spTree>
     <p:extLst>
       <p:ext uri="{BB962C8B-B14F-4D97-AF65-F5344CB8AC3E}">
@@ -13260,7 +13763,7 @@
 </p:sld>
 </file>
 
-<file path=ppt/slides/slide14.xml><?xml version="1.0" encoding="utf-8"?>
+<file path=ppt/slides/slide17.xml><?xml version="1.0" encoding="utf-8"?>
 <p:sld xmlns:a="http://schemas.openxmlformats.org/drawingml/2006/main" xmlns:r="http://schemas.openxmlformats.org/officeDocument/2006/relationships" xmlns:p="http://schemas.openxmlformats.org/presentationml/2006/main">
   <p:cSld>
     <p:spTree>
@@ -13330,7 +13833,7 @@
 </p:sld>
 </file>
 
-<file path=ppt/slides/slide15.xml><?xml version="1.0" encoding="utf-8"?>
+<file path=ppt/slides/slide18.xml><?xml version="1.0" encoding="utf-8"?>
 <p:sld xmlns:a="http://schemas.openxmlformats.org/drawingml/2006/main" xmlns:r="http://schemas.openxmlformats.org/officeDocument/2006/relationships" xmlns:p="http://schemas.openxmlformats.org/presentationml/2006/main">
   <p:cSld>
     <p:spTree>
@@ -17807,7 +18310,7 @@
 </p:sld>
 </file>
 
-<file path=ppt/slides/slide16.xml><?xml version="1.0" encoding="utf-8"?>
+<file path=ppt/slides/slide19.xml><?xml version="1.0" encoding="utf-8"?>
 <p:sld xmlns:a="http://schemas.openxmlformats.org/drawingml/2006/main" xmlns:r="http://schemas.openxmlformats.org/officeDocument/2006/relationships" xmlns:p="http://schemas.openxmlformats.org/presentationml/2006/main">
   <p:cSld>
     <p:spTree>
@@ -18644,7 +19147,1404 @@
 </p:sld>
 </file>
 
-<file path=ppt/slides/slide17.xml><?xml version="1.0" encoding="utf-8"?>
+<file path=ppt/slides/slide2.xml><?xml version="1.0" encoding="utf-8"?>
+<p:sld xmlns:a="http://schemas.openxmlformats.org/drawingml/2006/main" xmlns:r="http://schemas.openxmlformats.org/officeDocument/2006/relationships" xmlns:p="http://schemas.openxmlformats.org/presentationml/2006/main">
+  <p:cSld>
+    <p:spTree>
+      <p:nvGrpSpPr>
+        <p:cNvPr id="1" name=""/>
+        <p:cNvGrpSpPr/>
+        <p:nvPr/>
+      </p:nvGrpSpPr>
+      <p:grpSpPr>
+        <a:xfrm>
+          <a:off x="0" y="0"/>
+          <a:ext cx="0" cy="0"/>
+          <a:chOff x="0" y="0"/>
+          <a:chExt cx="0" cy="0"/>
+        </a:xfrm>
+      </p:grpSpPr>
+      <p:sp>
+        <p:nvSpPr>
+          <p:cNvPr id="2" name="标题 1"/>
+          <p:cNvSpPr>
+            <a:spLocks noGrp="1"/>
+          </p:cNvSpPr>
+          <p:nvPr>
+            <p:ph type="title"/>
+          </p:nvPr>
+        </p:nvSpPr>
+        <p:spPr/>
+        <p:txBody>
+          <a:bodyPr>
+            <a:normAutofit fontScale="90000"/>
+          </a:bodyPr>
+          <a:lstStyle/>
+          <a:p>
+            <a:r>
+              <a:rPr lang="zh-CN" altLang="en-US" dirty="0">
+                <a:latin typeface="微软雅黑" panose="020B0503020204020204" pitchFamily="34" charset="-122"/>
+                <a:ea typeface="微软雅黑" panose="020B0503020204020204" pitchFamily="34" charset="-122"/>
+              </a:rPr>
+              <a:t> </a:t>
+            </a:r>
+            <a:r>
+              <a:rPr lang="en-US" altLang="zh-CN" dirty="0">
+                <a:latin typeface="微软雅黑" panose="020B0503020204020204" pitchFamily="34" charset="-122"/>
+                <a:ea typeface="微软雅黑" panose="020B0503020204020204" pitchFamily="34" charset="-122"/>
+              </a:rPr>
+              <a:t>Contents</a:t>
+            </a:r>
+            <a:endParaRPr lang="zh-CN" altLang="en-US" dirty="0">
+              <a:latin typeface="微软雅黑" panose="020B0503020204020204" pitchFamily="34" charset="-122"/>
+              <a:ea typeface="微软雅黑" panose="020B0503020204020204" pitchFamily="34" charset="-122"/>
+            </a:endParaRPr>
+          </a:p>
+        </p:txBody>
+      </p:sp>
+      <p:grpSp>
+        <p:nvGrpSpPr>
+          <p:cNvPr id="3" name="组合 2"/>
+          <p:cNvGrpSpPr/>
+          <p:nvPr/>
+        </p:nvGrpSpPr>
+        <p:grpSpPr>
+          <a:xfrm>
+            <a:off x="1841535" y="1303550"/>
+            <a:ext cx="843427" cy="443226"/>
+            <a:chOff x="666810" y="2586037"/>
+            <a:chExt cx="468000" cy="245937"/>
+          </a:xfrm>
+        </p:grpSpPr>
+        <p:sp>
+          <p:nvSpPr>
+            <p:cNvPr id="4" name="Freeform 10"/>
+            <p:cNvSpPr>
+              <a:spLocks/>
+            </p:cNvSpPr>
+            <p:nvPr userDrawn="1"/>
+          </p:nvSpPr>
+          <p:spPr bwMode="auto">
+            <a:xfrm>
+              <a:off x="666810" y="2621442"/>
+              <a:ext cx="468000" cy="190800"/>
+            </a:xfrm>
+            <a:custGeom>
+              <a:avLst/>
+              <a:gdLst>
+                <a:gd name="T0" fmla="*/ 3120 w 3800"/>
+                <a:gd name="T1" fmla="*/ 0 h 1532"/>
+                <a:gd name="T2" fmla="*/ 682 w 3800"/>
+                <a:gd name="T3" fmla="*/ 0 h 1532"/>
+                <a:gd name="T4" fmla="*/ 682 w 3800"/>
+                <a:gd name="T5" fmla="*/ 284 h 1532"/>
+                <a:gd name="T6" fmla="*/ 0 w 3800"/>
+                <a:gd name="T7" fmla="*/ 766 h 1532"/>
+                <a:gd name="T8" fmla="*/ 682 w 3800"/>
+                <a:gd name="T9" fmla="*/ 1248 h 1532"/>
+                <a:gd name="T10" fmla="*/ 682 w 3800"/>
+                <a:gd name="T11" fmla="*/ 1532 h 1532"/>
+                <a:gd name="T12" fmla="*/ 3120 w 3800"/>
+                <a:gd name="T13" fmla="*/ 1532 h 1532"/>
+                <a:gd name="T14" fmla="*/ 3120 w 3800"/>
+                <a:gd name="T15" fmla="*/ 1248 h 1532"/>
+                <a:gd name="T16" fmla="*/ 3800 w 3800"/>
+                <a:gd name="T17" fmla="*/ 766 h 1532"/>
+                <a:gd name="T18" fmla="*/ 3120 w 3800"/>
+                <a:gd name="T19" fmla="*/ 284 h 1532"/>
+                <a:gd name="T20" fmla="*/ 3120 w 3800"/>
+                <a:gd name="T21" fmla="*/ 0 h 1532"/>
+              </a:gdLst>
+              <a:ahLst/>
+              <a:cxnLst>
+                <a:cxn ang="0">
+                  <a:pos x="T0" y="T1"/>
+                </a:cxn>
+                <a:cxn ang="0">
+                  <a:pos x="T2" y="T3"/>
+                </a:cxn>
+                <a:cxn ang="0">
+                  <a:pos x="T4" y="T5"/>
+                </a:cxn>
+                <a:cxn ang="0">
+                  <a:pos x="T6" y="T7"/>
+                </a:cxn>
+                <a:cxn ang="0">
+                  <a:pos x="T8" y="T9"/>
+                </a:cxn>
+                <a:cxn ang="0">
+                  <a:pos x="T10" y="T11"/>
+                </a:cxn>
+                <a:cxn ang="0">
+                  <a:pos x="T12" y="T13"/>
+                </a:cxn>
+                <a:cxn ang="0">
+                  <a:pos x="T14" y="T15"/>
+                </a:cxn>
+                <a:cxn ang="0">
+                  <a:pos x="T16" y="T17"/>
+                </a:cxn>
+                <a:cxn ang="0">
+                  <a:pos x="T18" y="T19"/>
+                </a:cxn>
+                <a:cxn ang="0">
+                  <a:pos x="T20" y="T21"/>
+                </a:cxn>
+              </a:cxnLst>
+              <a:rect l="0" t="0" r="r" b="b"/>
+              <a:pathLst>
+                <a:path w="3800" h="1532">
+                  <a:moveTo>
+                    <a:pt x="3120" y="0"/>
+                  </a:moveTo>
+                  <a:lnTo>
+                    <a:pt x="682" y="0"/>
+                  </a:lnTo>
+                  <a:lnTo>
+                    <a:pt x="682" y="284"/>
+                  </a:lnTo>
+                  <a:lnTo>
+                    <a:pt x="0" y="766"/>
+                  </a:lnTo>
+                  <a:lnTo>
+                    <a:pt x="682" y="1248"/>
+                  </a:lnTo>
+                  <a:lnTo>
+                    <a:pt x="682" y="1532"/>
+                  </a:lnTo>
+                  <a:lnTo>
+                    <a:pt x="3120" y="1532"/>
+                  </a:lnTo>
+                  <a:lnTo>
+                    <a:pt x="3120" y="1248"/>
+                  </a:lnTo>
+                  <a:lnTo>
+                    <a:pt x="3800" y="766"/>
+                  </a:lnTo>
+                  <a:lnTo>
+                    <a:pt x="3120" y="284"/>
+                  </a:lnTo>
+                  <a:lnTo>
+                    <a:pt x="3120" y="0"/>
+                  </a:lnTo>
+                  <a:close/>
+                </a:path>
+              </a:pathLst>
+            </a:custGeom>
+            <a:solidFill>
+              <a:schemeClr val="accent1"/>
+            </a:solidFill>
+            <a:ln>
+              <a:noFill/>
+            </a:ln>
+          </p:spPr>
+          <p:txBody>
+            <a:bodyPr vert="horz" wrap="square" lIns="91440" tIns="45720" rIns="91440" bIns="45720" numCol="1" anchor="ctr" anchorCtr="0" compatLnSpc="1">
+              <a:prstTxWarp prst="textNoShape">
+                <a:avLst/>
+              </a:prstTxWarp>
+              <a:noAutofit/>
+            </a:bodyPr>
+            <a:lstStyle/>
+            <a:p>
+              <a:pPr algn="ctr"/>
+              <a:endParaRPr lang="zh-CN" altLang="en-US" sz="3200" b="1"/>
+            </a:p>
+          </p:txBody>
+        </p:sp>
+        <p:sp>
+          <p:nvSpPr>
+            <p:cNvPr id="5" name="文本框 4"/>
+            <p:cNvSpPr txBox="1"/>
+            <p:nvPr userDrawn="1"/>
+          </p:nvSpPr>
+          <p:spPr>
+            <a:xfrm>
+              <a:off x="794494" y="2586037"/>
+              <a:ext cx="212633" cy="245937"/>
+            </a:xfrm>
+            <a:prstGeom prst="rect">
+              <a:avLst/>
+            </a:prstGeom>
+            <a:noFill/>
+          </p:spPr>
+          <p:txBody>
+            <a:bodyPr wrap="none" rtlCol="0" anchor="ctr">
+              <a:noAutofit/>
+            </a:bodyPr>
+            <a:lstStyle/>
+            <a:p>
+              <a:pPr algn="ctr"/>
+              <a:r>
+                <a:rPr lang="en-US" altLang="zh-CN" b="1" dirty="0">
+                  <a:solidFill>
+                    <a:schemeClr val="bg1"/>
+                  </a:solidFill>
+                  <a:latin typeface="微软雅黑" panose="020B0503020204020204" pitchFamily="34" charset="-122"/>
+                  <a:ea typeface="微软雅黑" panose="020B0503020204020204" pitchFamily="34" charset="-122"/>
+                </a:rPr>
+                <a:t>1</a:t>
+              </a:r>
+              <a:endParaRPr lang="zh-CN" altLang="en-US" b="1" dirty="0">
+                <a:solidFill>
+                  <a:schemeClr val="bg1"/>
+                </a:solidFill>
+                <a:latin typeface="微软雅黑" panose="020B0503020204020204" pitchFamily="34" charset="-122"/>
+                <a:ea typeface="微软雅黑" panose="020B0503020204020204" pitchFamily="34" charset="-122"/>
+              </a:endParaRPr>
+            </a:p>
+          </p:txBody>
+        </p:sp>
+      </p:grpSp>
+      <p:cxnSp>
+        <p:nvCxnSpPr>
+          <p:cNvPr id="7" name="直接连接符 6"/>
+          <p:cNvCxnSpPr>
+            <a:stCxn id="4" idx="6"/>
+          </p:cNvCxnSpPr>
+          <p:nvPr/>
+        </p:nvCxnSpPr>
+        <p:spPr>
+          <a:xfrm>
+            <a:off x="2534033" y="1711215"/>
+            <a:ext cx="4500000" cy="0"/>
+          </a:xfrm>
+          <a:prstGeom prst="line">
+            <a:avLst/>
+          </a:prstGeom>
+          <a:ln>
+            <a:solidFill>
+              <a:schemeClr val="accent1"/>
+            </a:solidFill>
+          </a:ln>
+        </p:spPr>
+        <p:style>
+          <a:lnRef idx="1">
+            <a:schemeClr val="accent1"/>
+          </a:lnRef>
+          <a:fillRef idx="0">
+            <a:schemeClr val="accent1"/>
+          </a:fillRef>
+          <a:effectRef idx="0">
+            <a:schemeClr val="accent1"/>
+          </a:effectRef>
+          <a:fontRef idx="minor">
+            <a:schemeClr val="tx1"/>
+          </a:fontRef>
+        </p:style>
+      </p:cxnSp>
+      <p:sp>
+        <p:nvSpPr>
+          <p:cNvPr id="11" name="文本框 10"/>
+          <p:cNvSpPr txBox="1"/>
+          <p:nvPr/>
+        </p:nvSpPr>
+        <p:spPr>
+          <a:xfrm>
+            <a:off x="2915072" y="1274734"/>
+            <a:ext cx="6125295" cy="461665"/>
+          </a:xfrm>
+          <a:prstGeom prst="rect">
+            <a:avLst/>
+          </a:prstGeom>
+          <a:noFill/>
+        </p:spPr>
+        <p:txBody>
+          <a:bodyPr wrap="square" rtlCol="0">
+            <a:spAutoFit/>
+          </a:bodyPr>
+          <a:lstStyle/>
+          <a:p>
+            <a:r>
+              <a:rPr lang="en-GB" altLang="zh-CN" sz="2400" dirty="0" err="1"/>
+              <a:t>NPoS</a:t>
+            </a:r>
+            <a:r>
+              <a:rPr lang="en-GB" altLang="zh-CN" sz="2400" dirty="0"/>
+              <a:t> and Validator election</a:t>
+            </a:r>
+            <a:endParaRPr lang="zh-CN" altLang="en-US" sz="2400" dirty="0"/>
+          </a:p>
+        </p:txBody>
+      </p:sp>
+      <p:grpSp>
+        <p:nvGrpSpPr>
+          <p:cNvPr id="12" name="组合 11"/>
+          <p:cNvGrpSpPr/>
+          <p:nvPr/>
+        </p:nvGrpSpPr>
+        <p:grpSpPr>
+          <a:xfrm>
+            <a:off x="1841535" y="2223523"/>
+            <a:ext cx="843427" cy="443226"/>
+            <a:chOff x="666810" y="2586037"/>
+            <a:chExt cx="468000" cy="245937"/>
+          </a:xfrm>
+        </p:grpSpPr>
+        <p:sp>
+          <p:nvSpPr>
+            <p:cNvPr id="13" name="Freeform 10"/>
+            <p:cNvSpPr>
+              <a:spLocks/>
+            </p:cNvSpPr>
+            <p:nvPr userDrawn="1"/>
+          </p:nvSpPr>
+          <p:spPr bwMode="auto">
+            <a:xfrm>
+              <a:off x="666810" y="2621442"/>
+              <a:ext cx="468000" cy="190800"/>
+            </a:xfrm>
+            <a:custGeom>
+              <a:avLst/>
+              <a:gdLst>
+                <a:gd name="T0" fmla="*/ 3120 w 3800"/>
+                <a:gd name="T1" fmla="*/ 0 h 1532"/>
+                <a:gd name="T2" fmla="*/ 682 w 3800"/>
+                <a:gd name="T3" fmla="*/ 0 h 1532"/>
+                <a:gd name="T4" fmla="*/ 682 w 3800"/>
+                <a:gd name="T5" fmla="*/ 284 h 1532"/>
+                <a:gd name="T6" fmla="*/ 0 w 3800"/>
+                <a:gd name="T7" fmla="*/ 766 h 1532"/>
+                <a:gd name="T8" fmla="*/ 682 w 3800"/>
+                <a:gd name="T9" fmla="*/ 1248 h 1532"/>
+                <a:gd name="T10" fmla="*/ 682 w 3800"/>
+                <a:gd name="T11" fmla="*/ 1532 h 1532"/>
+                <a:gd name="T12" fmla="*/ 3120 w 3800"/>
+                <a:gd name="T13" fmla="*/ 1532 h 1532"/>
+                <a:gd name="T14" fmla="*/ 3120 w 3800"/>
+                <a:gd name="T15" fmla="*/ 1248 h 1532"/>
+                <a:gd name="T16" fmla="*/ 3800 w 3800"/>
+                <a:gd name="T17" fmla="*/ 766 h 1532"/>
+                <a:gd name="T18" fmla="*/ 3120 w 3800"/>
+                <a:gd name="T19" fmla="*/ 284 h 1532"/>
+                <a:gd name="T20" fmla="*/ 3120 w 3800"/>
+                <a:gd name="T21" fmla="*/ 0 h 1532"/>
+              </a:gdLst>
+              <a:ahLst/>
+              <a:cxnLst>
+                <a:cxn ang="0">
+                  <a:pos x="T0" y="T1"/>
+                </a:cxn>
+                <a:cxn ang="0">
+                  <a:pos x="T2" y="T3"/>
+                </a:cxn>
+                <a:cxn ang="0">
+                  <a:pos x="T4" y="T5"/>
+                </a:cxn>
+                <a:cxn ang="0">
+                  <a:pos x="T6" y="T7"/>
+                </a:cxn>
+                <a:cxn ang="0">
+                  <a:pos x="T8" y="T9"/>
+                </a:cxn>
+                <a:cxn ang="0">
+                  <a:pos x="T10" y="T11"/>
+                </a:cxn>
+                <a:cxn ang="0">
+                  <a:pos x="T12" y="T13"/>
+                </a:cxn>
+                <a:cxn ang="0">
+                  <a:pos x="T14" y="T15"/>
+                </a:cxn>
+                <a:cxn ang="0">
+                  <a:pos x="T16" y="T17"/>
+                </a:cxn>
+                <a:cxn ang="0">
+                  <a:pos x="T18" y="T19"/>
+                </a:cxn>
+                <a:cxn ang="0">
+                  <a:pos x="T20" y="T21"/>
+                </a:cxn>
+              </a:cxnLst>
+              <a:rect l="0" t="0" r="r" b="b"/>
+              <a:pathLst>
+                <a:path w="3800" h="1532">
+                  <a:moveTo>
+                    <a:pt x="3120" y="0"/>
+                  </a:moveTo>
+                  <a:lnTo>
+                    <a:pt x="682" y="0"/>
+                  </a:lnTo>
+                  <a:lnTo>
+                    <a:pt x="682" y="284"/>
+                  </a:lnTo>
+                  <a:lnTo>
+                    <a:pt x="0" y="766"/>
+                  </a:lnTo>
+                  <a:lnTo>
+                    <a:pt x="682" y="1248"/>
+                  </a:lnTo>
+                  <a:lnTo>
+                    <a:pt x="682" y="1532"/>
+                  </a:lnTo>
+                  <a:lnTo>
+                    <a:pt x="3120" y="1532"/>
+                  </a:lnTo>
+                  <a:lnTo>
+                    <a:pt x="3120" y="1248"/>
+                  </a:lnTo>
+                  <a:lnTo>
+                    <a:pt x="3800" y="766"/>
+                  </a:lnTo>
+                  <a:lnTo>
+                    <a:pt x="3120" y="284"/>
+                  </a:lnTo>
+                  <a:lnTo>
+                    <a:pt x="3120" y="0"/>
+                  </a:lnTo>
+                  <a:close/>
+                </a:path>
+              </a:pathLst>
+            </a:custGeom>
+            <a:solidFill>
+              <a:schemeClr val="accent1"/>
+            </a:solidFill>
+            <a:ln>
+              <a:noFill/>
+            </a:ln>
+          </p:spPr>
+          <p:txBody>
+            <a:bodyPr vert="horz" wrap="square" lIns="91440" tIns="45720" rIns="91440" bIns="45720" numCol="1" anchor="ctr" anchorCtr="0" compatLnSpc="1">
+              <a:prstTxWarp prst="textNoShape">
+                <a:avLst/>
+              </a:prstTxWarp>
+              <a:noAutofit/>
+            </a:bodyPr>
+            <a:lstStyle/>
+            <a:p>
+              <a:pPr algn="ctr"/>
+              <a:endParaRPr lang="zh-CN" altLang="en-US" sz="3200" b="1"/>
+            </a:p>
+          </p:txBody>
+        </p:sp>
+        <p:sp>
+          <p:nvSpPr>
+            <p:cNvPr id="14" name="文本框 13"/>
+            <p:cNvSpPr txBox="1"/>
+            <p:nvPr userDrawn="1"/>
+          </p:nvSpPr>
+          <p:spPr>
+            <a:xfrm>
+              <a:off x="794494" y="2586037"/>
+              <a:ext cx="212633" cy="245937"/>
+            </a:xfrm>
+            <a:prstGeom prst="rect">
+              <a:avLst/>
+            </a:prstGeom>
+            <a:noFill/>
+          </p:spPr>
+          <p:txBody>
+            <a:bodyPr wrap="none" rtlCol="0" anchor="ctr">
+              <a:noAutofit/>
+            </a:bodyPr>
+            <a:lstStyle/>
+            <a:p>
+              <a:pPr algn="ctr"/>
+              <a:r>
+                <a:rPr lang="en-US" altLang="zh-CN" b="1" dirty="0">
+                  <a:solidFill>
+                    <a:schemeClr val="bg1"/>
+                  </a:solidFill>
+                  <a:latin typeface="微软雅黑" panose="020B0503020204020204" pitchFamily="34" charset="-122"/>
+                  <a:ea typeface="微软雅黑" panose="020B0503020204020204" pitchFamily="34" charset="-122"/>
+                </a:rPr>
+                <a:t>2</a:t>
+              </a:r>
+              <a:endParaRPr lang="zh-CN" altLang="en-US" b="1" dirty="0">
+                <a:solidFill>
+                  <a:schemeClr val="bg1"/>
+                </a:solidFill>
+                <a:latin typeface="微软雅黑" panose="020B0503020204020204" pitchFamily="34" charset="-122"/>
+                <a:ea typeface="微软雅黑" panose="020B0503020204020204" pitchFamily="34" charset="-122"/>
+              </a:endParaRPr>
+            </a:p>
+          </p:txBody>
+        </p:sp>
+      </p:grpSp>
+      <p:cxnSp>
+        <p:nvCxnSpPr>
+          <p:cNvPr id="15" name="直接连接符 14"/>
+          <p:cNvCxnSpPr>
+            <a:stCxn id="13" idx="6"/>
+          </p:cNvCxnSpPr>
+          <p:nvPr/>
+        </p:nvCxnSpPr>
+        <p:spPr>
+          <a:xfrm>
+            <a:off x="2534033" y="2631188"/>
+            <a:ext cx="4500000" cy="0"/>
+          </a:xfrm>
+          <a:prstGeom prst="line">
+            <a:avLst/>
+          </a:prstGeom>
+          <a:ln>
+            <a:solidFill>
+              <a:schemeClr val="accent1"/>
+            </a:solidFill>
+          </a:ln>
+        </p:spPr>
+        <p:style>
+          <a:lnRef idx="1">
+            <a:schemeClr val="accent1"/>
+          </a:lnRef>
+          <a:fillRef idx="0">
+            <a:schemeClr val="accent1"/>
+          </a:fillRef>
+          <a:effectRef idx="0">
+            <a:schemeClr val="accent1"/>
+          </a:effectRef>
+          <a:fontRef idx="minor">
+            <a:schemeClr val="tx1"/>
+          </a:fontRef>
+        </p:style>
+      </p:cxnSp>
+      <p:grpSp>
+        <p:nvGrpSpPr>
+          <p:cNvPr id="17" name="组合 16"/>
+          <p:cNvGrpSpPr/>
+          <p:nvPr/>
+        </p:nvGrpSpPr>
+        <p:grpSpPr>
+          <a:xfrm>
+            <a:off x="1841535" y="3143496"/>
+            <a:ext cx="843427" cy="443226"/>
+            <a:chOff x="666810" y="2586037"/>
+            <a:chExt cx="468000" cy="245937"/>
+          </a:xfrm>
+        </p:grpSpPr>
+        <p:sp>
+          <p:nvSpPr>
+            <p:cNvPr id="18" name="Freeform 10"/>
+            <p:cNvSpPr>
+              <a:spLocks/>
+            </p:cNvSpPr>
+            <p:nvPr userDrawn="1"/>
+          </p:nvSpPr>
+          <p:spPr bwMode="auto">
+            <a:xfrm>
+              <a:off x="666810" y="2621442"/>
+              <a:ext cx="468000" cy="190800"/>
+            </a:xfrm>
+            <a:custGeom>
+              <a:avLst/>
+              <a:gdLst>
+                <a:gd name="T0" fmla="*/ 3120 w 3800"/>
+                <a:gd name="T1" fmla="*/ 0 h 1532"/>
+                <a:gd name="T2" fmla="*/ 682 w 3800"/>
+                <a:gd name="T3" fmla="*/ 0 h 1532"/>
+                <a:gd name="T4" fmla="*/ 682 w 3800"/>
+                <a:gd name="T5" fmla="*/ 284 h 1532"/>
+                <a:gd name="T6" fmla="*/ 0 w 3800"/>
+                <a:gd name="T7" fmla="*/ 766 h 1532"/>
+                <a:gd name="T8" fmla="*/ 682 w 3800"/>
+                <a:gd name="T9" fmla="*/ 1248 h 1532"/>
+                <a:gd name="T10" fmla="*/ 682 w 3800"/>
+                <a:gd name="T11" fmla="*/ 1532 h 1532"/>
+                <a:gd name="T12" fmla="*/ 3120 w 3800"/>
+                <a:gd name="T13" fmla="*/ 1532 h 1532"/>
+                <a:gd name="T14" fmla="*/ 3120 w 3800"/>
+                <a:gd name="T15" fmla="*/ 1248 h 1532"/>
+                <a:gd name="T16" fmla="*/ 3800 w 3800"/>
+                <a:gd name="T17" fmla="*/ 766 h 1532"/>
+                <a:gd name="T18" fmla="*/ 3120 w 3800"/>
+                <a:gd name="T19" fmla="*/ 284 h 1532"/>
+                <a:gd name="T20" fmla="*/ 3120 w 3800"/>
+                <a:gd name="T21" fmla="*/ 0 h 1532"/>
+              </a:gdLst>
+              <a:ahLst/>
+              <a:cxnLst>
+                <a:cxn ang="0">
+                  <a:pos x="T0" y="T1"/>
+                </a:cxn>
+                <a:cxn ang="0">
+                  <a:pos x="T2" y="T3"/>
+                </a:cxn>
+                <a:cxn ang="0">
+                  <a:pos x="T4" y="T5"/>
+                </a:cxn>
+                <a:cxn ang="0">
+                  <a:pos x="T6" y="T7"/>
+                </a:cxn>
+                <a:cxn ang="0">
+                  <a:pos x="T8" y="T9"/>
+                </a:cxn>
+                <a:cxn ang="0">
+                  <a:pos x="T10" y="T11"/>
+                </a:cxn>
+                <a:cxn ang="0">
+                  <a:pos x="T12" y="T13"/>
+                </a:cxn>
+                <a:cxn ang="0">
+                  <a:pos x="T14" y="T15"/>
+                </a:cxn>
+                <a:cxn ang="0">
+                  <a:pos x="T16" y="T17"/>
+                </a:cxn>
+                <a:cxn ang="0">
+                  <a:pos x="T18" y="T19"/>
+                </a:cxn>
+                <a:cxn ang="0">
+                  <a:pos x="T20" y="T21"/>
+                </a:cxn>
+              </a:cxnLst>
+              <a:rect l="0" t="0" r="r" b="b"/>
+              <a:pathLst>
+                <a:path w="3800" h="1532">
+                  <a:moveTo>
+                    <a:pt x="3120" y="0"/>
+                  </a:moveTo>
+                  <a:lnTo>
+                    <a:pt x="682" y="0"/>
+                  </a:lnTo>
+                  <a:lnTo>
+                    <a:pt x="682" y="284"/>
+                  </a:lnTo>
+                  <a:lnTo>
+                    <a:pt x="0" y="766"/>
+                  </a:lnTo>
+                  <a:lnTo>
+                    <a:pt x="682" y="1248"/>
+                  </a:lnTo>
+                  <a:lnTo>
+                    <a:pt x="682" y="1532"/>
+                  </a:lnTo>
+                  <a:lnTo>
+                    <a:pt x="3120" y="1532"/>
+                  </a:lnTo>
+                  <a:lnTo>
+                    <a:pt x="3120" y="1248"/>
+                  </a:lnTo>
+                  <a:lnTo>
+                    <a:pt x="3800" y="766"/>
+                  </a:lnTo>
+                  <a:lnTo>
+                    <a:pt x="3120" y="284"/>
+                  </a:lnTo>
+                  <a:lnTo>
+                    <a:pt x="3120" y="0"/>
+                  </a:lnTo>
+                  <a:close/>
+                </a:path>
+              </a:pathLst>
+            </a:custGeom>
+            <a:solidFill>
+              <a:schemeClr val="accent1"/>
+            </a:solidFill>
+            <a:ln>
+              <a:noFill/>
+            </a:ln>
+          </p:spPr>
+          <p:txBody>
+            <a:bodyPr vert="horz" wrap="square" lIns="91440" tIns="45720" rIns="91440" bIns="45720" numCol="1" anchor="ctr" anchorCtr="0" compatLnSpc="1">
+              <a:prstTxWarp prst="textNoShape">
+                <a:avLst/>
+              </a:prstTxWarp>
+              <a:noAutofit/>
+            </a:bodyPr>
+            <a:lstStyle/>
+            <a:p>
+              <a:pPr algn="ctr"/>
+              <a:endParaRPr lang="zh-CN" altLang="en-US" sz="3200" b="1"/>
+            </a:p>
+          </p:txBody>
+        </p:sp>
+        <p:sp>
+          <p:nvSpPr>
+            <p:cNvPr id="19" name="文本框 18"/>
+            <p:cNvSpPr txBox="1"/>
+            <p:nvPr userDrawn="1"/>
+          </p:nvSpPr>
+          <p:spPr>
+            <a:xfrm>
+              <a:off x="794494" y="2586037"/>
+              <a:ext cx="212633" cy="245937"/>
+            </a:xfrm>
+            <a:prstGeom prst="rect">
+              <a:avLst/>
+            </a:prstGeom>
+            <a:noFill/>
+          </p:spPr>
+          <p:txBody>
+            <a:bodyPr wrap="none" rtlCol="0" anchor="ctr">
+              <a:noAutofit/>
+            </a:bodyPr>
+            <a:lstStyle/>
+            <a:p>
+              <a:pPr algn="ctr"/>
+              <a:r>
+                <a:rPr lang="en-US" altLang="zh-CN" b="1" dirty="0">
+                  <a:solidFill>
+                    <a:schemeClr val="bg1"/>
+                  </a:solidFill>
+                  <a:latin typeface="微软雅黑" panose="020B0503020204020204" pitchFamily="34" charset="-122"/>
+                  <a:ea typeface="微软雅黑" panose="020B0503020204020204" pitchFamily="34" charset="-122"/>
+                </a:rPr>
+                <a:t>3</a:t>
+              </a:r>
+              <a:endParaRPr lang="zh-CN" altLang="en-US" b="1" dirty="0">
+                <a:solidFill>
+                  <a:schemeClr val="bg1"/>
+                </a:solidFill>
+                <a:latin typeface="微软雅黑" panose="020B0503020204020204" pitchFamily="34" charset="-122"/>
+                <a:ea typeface="微软雅黑" panose="020B0503020204020204" pitchFamily="34" charset="-122"/>
+              </a:endParaRPr>
+            </a:p>
+          </p:txBody>
+        </p:sp>
+      </p:grpSp>
+      <p:cxnSp>
+        <p:nvCxnSpPr>
+          <p:cNvPr id="20" name="直接连接符 19"/>
+          <p:cNvCxnSpPr>
+            <a:stCxn id="18" idx="6"/>
+          </p:cNvCxnSpPr>
+          <p:nvPr/>
+        </p:nvCxnSpPr>
+        <p:spPr>
+          <a:xfrm>
+            <a:off x="2534033" y="3551161"/>
+            <a:ext cx="4500000" cy="0"/>
+          </a:xfrm>
+          <a:prstGeom prst="line">
+            <a:avLst/>
+          </a:prstGeom>
+          <a:ln>
+            <a:solidFill>
+              <a:schemeClr val="accent1"/>
+            </a:solidFill>
+          </a:ln>
+        </p:spPr>
+        <p:style>
+          <a:lnRef idx="1">
+            <a:schemeClr val="accent1"/>
+          </a:lnRef>
+          <a:fillRef idx="0">
+            <a:schemeClr val="accent1"/>
+          </a:fillRef>
+          <a:effectRef idx="0">
+            <a:schemeClr val="accent1"/>
+          </a:effectRef>
+          <a:fontRef idx="minor">
+            <a:schemeClr val="tx1"/>
+          </a:fontRef>
+        </p:style>
+      </p:cxnSp>
+      <p:sp>
+        <p:nvSpPr>
+          <p:cNvPr id="21" name="文本框 20"/>
+          <p:cNvSpPr txBox="1"/>
+          <p:nvPr/>
+        </p:nvSpPr>
+        <p:spPr>
+          <a:xfrm>
+            <a:off x="2915073" y="3114680"/>
+            <a:ext cx="4387392" cy="461665"/>
+          </a:xfrm>
+          <a:prstGeom prst="rect">
+            <a:avLst/>
+          </a:prstGeom>
+          <a:noFill/>
+        </p:spPr>
+        <p:txBody>
+          <a:bodyPr wrap="square" rtlCol="0">
+            <a:spAutoFit/>
+          </a:bodyPr>
+          <a:lstStyle/>
+          <a:p>
+            <a:r>
+              <a:rPr lang="en-US" altLang="zh-CN" sz="2400" dirty="0"/>
+              <a:t>Consensus</a:t>
+            </a:r>
+          </a:p>
+        </p:txBody>
+      </p:sp>
+      <p:grpSp>
+        <p:nvGrpSpPr>
+          <p:cNvPr id="22" name="组合 21"/>
+          <p:cNvGrpSpPr/>
+          <p:nvPr/>
+        </p:nvGrpSpPr>
+        <p:grpSpPr>
+          <a:xfrm>
+            <a:off x="1841535" y="4063469"/>
+            <a:ext cx="843427" cy="443226"/>
+            <a:chOff x="666810" y="2586037"/>
+            <a:chExt cx="468000" cy="245937"/>
+          </a:xfrm>
+        </p:grpSpPr>
+        <p:sp>
+          <p:nvSpPr>
+            <p:cNvPr id="23" name="Freeform 10"/>
+            <p:cNvSpPr>
+              <a:spLocks/>
+            </p:cNvSpPr>
+            <p:nvPr userDrawn="1"/>
+          </p:nvSpPr>
+          <p:spPr bwMode="auto">
+            <a:xfrm>
+              <a:off x="666810" y="2621442"/>
+              <a:ext cx="468000" cy="190800"/>
+            </a:xfrm>
+            <a:custGeom>
+              <a:avLst/>
+              <a:gdLst>
+                <a:gd name="T0" fmla="*/ 3120 w 3800"/>
+                <a:gd name="T1" fmla="*/ 0 h 1532"/>
+                <a:gd name="T2" fmla="*/ 682 w 3800"/>
+                <a:gd name="T3" fmla="*/ 0 h 1532"/>
+                <a:gd name="T4" fmla="*/ 682 w 3800"/>
+                <a:gd name="T5" fmla="*/ 284 h 1532"/>
+                <a:gd name="T6" fmla="*/ 0 w 3800"/>
+                <a:gd name="T7" fmla="*/ 766 h 1532"/>
+                <a:gd name="T8" fmla="*/ 682 w 3800"/>
+                <a:gd name="T9" fmla="*/ 1248 h 1532"/>
+                <a:gd name="T10" fmla="*/ 682 w 3800"/>
+                <a:gd name="T11" fmla="*/ 1532 h 1532"/>
+                <a:gd name="T12" fmla="*/ 3120 w 3800"/>
+                <a:gd name="T13" fmla="*/ 1532 h 1532"/>
+                <a:gd name="T14" fmla="*/ 3120 w 3800"/>
+                <a:gd name="T15" fmla="*/ 1248 h 1532"/>
+                <a:gd name="T16" fmla="*/ 3800 w 3800"/>
+                <a:gd name="T17" fmla="*/ 766 h 1532"/>
+                <a:gd name="T18" fmla="*/ 3120 w 3800"/>
+                <a:gd name="T19" fmla="*/ 284 h 1532"/>
+                <a:gd name="T20" fmla="*/ 3120 w 3800"/>
+                <a:gd name="T21" fmla="*/ 0 h 1532"/>
+              </a:gdLst>
+              <a:ahLst/>
+              <a:cxnLst>
+                <a:cxn ang="0">
+                  <a:pos x="T0" y="T1"/>
+                </a:cxn>
+                <a:cxn ang="0">
+                  <a:pos x="T2" y="T3"/>
+                </a:cxn>
+                <a:cxn ang="0">
+                  <a:pos x="T4" y="T5"/>
+                </a:cxn>
+                <a:cxn ang="0">
+                  <a:pos x="T6" y="T7"/>
+                </a:cxn>
+                <a:cxn ang="0">
+                  <a:pos x="T8" y="T9"/>
+                </a:cxn>
+                <a:cxn ang="0">
+                  <a:pos x="T10" y="T11"/>
+                </a:cxn>
+                <a:cxn ang="0">
+                  <a:pos x="T12" y="T13"/>
+                </a:cxn>
+                <a:cxn ang="0">
+                  <a:pos x="T14" y="T15"/>
+                </a:cxn>
+                <a:cxn ang="0">
+                  <a:pos x="T16" y="T17"/>
+                </a:cxn>
+                <a:cxn ang="0">
+                  <a:pos x="T18" y="T19"/>
+                </a:cxn>
+                <a:cxn ang="0">
+                  <a:pos x="T20" y="T21"/>
+                </a:cxn>
+              </a:cxnLst>
+              <a:rect l="0" t="0" r="r" b="b"/>
+              <a:pathLst>
+                <a:path w="3800" h="1532">
+                  <a:moveTo>
+                    <a:pt x="3120" y="0"/>
+                  </a:moveTo>
+                  <a:lnTo>
+                    <a:pt x="682" y="0"/>
+                  </a:lnTo>
+                  <a:lnTo>
+                    <a:pt x="682" y="284"/>
+                  </a:lnTo>
+                  <a:lnTo>
+                    <a:pt x="0" y="766"/>
+                  </a:lnTo>
+                  <a:lnTo>
+                    <a:pt x="682" y="1248"/>
+                  </a:lnTo>
+                  <a:lnTo>
+                    <a:pt x="682" y="1532"/>
+                  </a:lnTo>
+                  <a:lnTo>
+                    <a:pt x="3120" y="1532"/>
+                  </a:lnTo>
+                  <a:lnTo>
+                    <a:pt x="3120" y="1248"/>
+                  </a:lnTo>
+                  <a:lnTo>
+                    <a:pt x="3800" y="766"/>
+                  </a:lnTo>
+                  <a:lnTo>
+                    <a:pt x="3120" y="284"/>
+                  </a:lnTo>
+                  <a:lnTo>
+                    <a:pt x="3120" y="0"/>
+                  </a:lnTo>
+                  <a:close/>
+                </a:path>
+              </a:pathLst>
+            </a:custGeom>
+            <a:solidFill>
+              <a:schemeClr val="accent1"/>
+            </a:solidFill>
+            <a:ln>
+              <a:noFill/>
+            </a:ln>
+          </p:spPr>
+          <p:txBody>
+            <a:bodyPr vert="horz" wrap="square" lIns="91440" tIns="45720" rIns="91440" bIns="45720" numCol="1" anchor="ctr" anchorCtr="0" compatLnSpc="1">
+              <a:prstTxWarp prst="textNoShape">
+                <a:avLst/>
+              </a:prstTxWarp>
+              <a:noAutofit/>
+            </a:bodyPr>
+            <a:lstStyle/>
+            <a:p>
+              <a:pPr algn="ctr"/>
+              <a:endParaRPr lang="zh-CN" altLang="en-US" sz="3200" b="1"/>
+            </a:p>
+          </p:txBody>
+        </p:sp>
+        <p:sp>
+          <p:nvSpPr>
+            <p:cNvPr id="24" name="文本框 23"/>
+            <p:cNvSpPr txBox="1"/>
+            <p:nvPr userDrawn="1"/>
+          </p:nvSpPr>
+          <p:spPr>
+            <a:xfrm>
+              <a:off x="794494" y="2586037"/>
+              <a:ext cx="212633" cy="245937"/>
+            </a:xfrm>
+            <a:prstGeom prst="rect">
+              <a:avLst/>
+            </a:prstGeom>
+            <a:noFill/>
+          </p:spPr>
+          <p:txBody>
+            <a:bodyPr wrap="none" rtlCol="0" anchor="ctr">
+              <a:noAutofit/>
+            </a:bodyPr>
+            <a:lstStyle/>
+            <a:p>
+              <a:pPr algn="ctr"/>
+              <a:r>
+                <a:rPr lang="en-US" altLang="zh-CN" b="1" dirty="0">
+                  <a:solidFill>
+                    <a:schemeClr val="bg1"/>
+                  </a:solidFill>
+                  <a:latin typeface="微软雅黑" panose="020B0503020204020204" pitchFamily="34" charset="-122"/>
+                  <a:ea typeface="微软雅黑" panose="020B0503020204020204" pitchFamily="34" charset="-122"/>
+                </a:rPr>
+                <a:t>4</a:t>
+              </a:r>
+              <a:endParaRPr lang="zh-CN" altLang="en-US" b="1" dirty="0">
+                <a:solidFill>
+                  <a:schemeClr val="bg1"/>
+                </a:solidFill>
+                <a:latin typeface="微软雅黑" panose="020B0503020204020204" pitchFamily="34" charset="-122"/>
+                <a:ea typeface="微软雅黑" panose="020B0503020204020204" pitchFamily="34" charset="-122"/>
+              </a:endParaRPr>
+            </a:p>
+          </p:txBody>
+        </p:sp>
+      </p:grpSp>
+      <p:cxnSp>
+        <p:nvCxnSpPr>
+          <p:cNvPr id="25" name="直接连接符 24"/>
+          <p:cNvCxnSpPr>
+            <a:stCxn id="23" idx="6"/>
+          </p:cNvCxnSpPr>
+          <p:nvPr/>
+        </p:nvCxnSpPr>
+        <p:spPr>
+          <a:xfrm>
+            <a:off x="2534033" y="4471134"/>
+            <a:ext cx="4500000" cy="0"/>
+          </a:xfrm>
+          <a:prstGeom prst="line">
+            <a:avLst/>
+          </a:prstGeom>
+          <a:ln>
+            <a:solidFill>
+              <a:schemeClr val="accent1"/>
+            </a:solidFill>
+          </a:ln>
+        </p:spPr>
+        <p:style>
+          <a:lnRef idx="1">
+            <a:schemeClr val="accent1"/>
+          </a:lnRef>
+          <a:fillRef idx="0">
+            <a:schemeClr val="accent1"/>
+          </a:fillRef>
+          <a:effectRef idx="0">
+            <a:schemeClr val="accent1"/>
+          </a:effectRef>
+          <a:fontRef idx="minor">
+            <a:schemeClr val="tx1"/>
+          </a:fontRef>
+        </p:style>
+      </p:cxnSp>
+      <p:sp>
+        <p:nvSpPr>
+          <p:cNvPr id="26" name="文本框 25"/>
+          <p:cNvSpPr txBox="1"/>
+          <p:nvPr/>
+        </p:nvSpPr>
+        <p:spPr>
+          <a:xfrm>
+            <a:off x="2915073" y="4034653"/>
+            <a:ext cx="4387392" cy="461665"/>
+          </a:xfrm>
+          <a:prstGeom prst="rect">
+            <a:avLst/>
+          </a:prstGeom>
+          <a:noFill/>
+        </p:spPr>
+        <p:txBody>
+          <a:bodyPr wrap="square" rtlCol="0">
+            <a:spAutoFit/>
+          </a:bodyPr>
+          <a:lstStyle/>
+          <a:p>
+            <a:r>
+              <a:rPr lang="zh-CN" altLang="en-US" sz="2400" dirty="0"/>
+              <a:t>图形与配色</a:t>
+            </a:r>
+          </a:p>
+        </p:txBody>
+      </p:sp>
+      <p:grpSp>
+        <p:nvGrpSpPr>
+          <p:cNvPr id="32" name="组合 31"/>
+          <p:cNvGrpSpPr/>
+          <p:nvPr/>
+        </p:nvGrpSpPr>
+        <p:grpSpPr>
+          <a:xfrm>
+            <a:off x="1841535" y="4983444"/>
+            <a:ext cx="843427" cy="443226"/>
+            <a:chOff x="666810" y="2586037"/>
+            <a:chExt cx="468000" cy="245937"/>
+          </a:xfrm>
+        </p:grpSpPr>
+        <p:sp>
+          <p:nvSpPr>
+            <p:cNvPr id="33" name="Freeform 10"/>
+            <p:cNvSpPr>
+              <a:spLocks/>
+            </p:cNvSpPr>
+            <p:nvPr userDrawn="1"/>
+          </p:nvSpPr>
+          <p:spPr bwMode="auto">
+            <a:xfrm>
+              <a:off x="666810" y="2621442"/>
+              <a:ext cx="468000" cy="190800"/>
+            </a:xfrm>
+            <a:custGeom>
+              <a:avLst/>
+              <a:gdLst>
+                <a:gd name="T0" fmla="*/ 3120 w 3800"/>
+                <a:gd name="T1" fmla="*/ 0 h 1532"/>
+                <a:gd name="T2" fmla="*/ 682 w 3800"/>
+                <a:gd name="T3" fmla="*/ 0 h 1532"/>
+                <a:gd name="T4" fmla="*/ 682 w 3800"/>
+                <a:gd name="T5" fmla="*/ 284 h 1532"/>
+                <a:gd name="T6" fmla="*/ 0 w 3800"/>
+                <a:gd name="T7" fmla="*/ 766 h 1532"/>
+                <a:gd name="T8" fmla="*/ 682 w 3800"/>
+                <a:gd name="T9" fmla="*/ 1248 h 1532"/>
+                <a:gd name="T10" fmla="*/ 682 w 3800"/>
+                <a:gd name="T11" fmla="*/ 1532 h 1532"/>
+                <a:gd name="T12" fmla="*/ 3120 w 3800"/>
+                <a:gd name="T13" fmla="*/ 1532 h 1532"/>
+                <a:gd name="T14" fmla="*/ 3120 w 3800"/>
+                <a:gd name="T15" fmla="*/ 1248 h 1532"/>
+                <a:gd name="T16" fmla="*/ 3800 w 3800"/>
+                <a:gd name="T17" fmla="*/ 766 h 1532"/>
+                <a:gd name="T18" fmla="*/ 3120 w 3800"/>
+                <a:gd name="T19" fmla="*/ 284 h 1532"/>
+                <a:gd name="T20" fmla="*/ 3120 w 3800"/>
+                <a:gd name="T21" fmla="*/ 0 h 1532"/>
+              </a:gdLst>
+              <a:ahLst/>
+              <a:cxnLst>
+                <a:cxn ang="0">
+                  <a:pos x="T0" y="T1"/>
+                </a:cxn>
+                <a:cxn ang="0">
+                  <a:pos x="T2" y="T3"/>
+                </a:cxn>
+                <a:cxn ang="0">
+                  <a:pos x="T4" y="T5"/>
+                </a:cxn>
+                <a:cxn ang="0">
+                  <a:pos x="T6" y="T7"/>
+                </a:cxn>
+                <a:cxn ang="0">
+                  <a:pos x="T8" y="T9"/>
+                </a:cxn>
+                <a:cxn ang="0">
+                  <a:pos x="T10" y="T11"/>
+                </a:cxn>
+                <a:cxn ang="0">
+                  <a:pos x="T12" y="T13"/>
+                </a:cxn>
+                <a:cxn ang="0">
+                  <a:pos x="T14" y="T15"/>
+                </a:cxn>
+                <a:cxn ang="0">
+                  <a:pos x="T16" y="T17"/>
+                </a:cxn>
+                <a:cxn ang="0">
+                  <a:pos x="T18" y="T19"/>
+                </a:cxn>
+                <a:cxn ang="0">
+                  <a:pos x="T20" y="T21"/>
+                </a:cxn>
+              </a:cxnLst>
+              <a:rect l="0" t="0" r="r" b="b"/>
+              <a:pathLst>
+                <a:path w="3800" h="1532">
+                  <a:moveTo>
+                    <a:pt x="3120" y="0"/>
+                  </a:moveTo>
+                  <a:lnTo>
+                    <a:pt x="682" y="0"/>
+                  </a:lnTo>
+                  <a:lnTo>
+                    <a:pt x="682" y="284"/>
+                  </a:lnTo>
+                  <a:lnTo>
+                    <a:pt x="0" y="766"/>
+                  </a:lnTo>
+                  <a:lnTo>
+                    <a:pt x="682" y="1248"/>
+                  </a:lnTo>
+                  <a:lnTo>
+                    <a:pt x="682" y="1532"/>
+                  </a:lnTo>
+                  <a:lnTo>
+                    <a:pt x="3120" y="1532"/>
+                  </a:lnTo>
+                  <a:lnTo>
+                    <a:pt x="3120" y="1248"/>
+                  </a:lnTo>
+                  <a:lnTo>
+                    <a:pt x="3800" y="766"/>
+                  </a:lnTo>
+                  <a:lnTo>
+                    <a:pt x="3120" y="284"/>
+                  </a:lnTo>
+                  <a:lnTo>
+                    <a:pt x="3120" y="0"/>
+                  </a:lnTo>
+                  <a:close/>
+                </a:path>
+              </a:pathLst>
+            </a:custGeom>
+            <a:solidFill>
+              <a:schemeClr val="accent1"/>
+            </a:solidFill>
+            <a:ln>
+              <a:noFill/>
+            </a:ln>
+          </p:spPr>
+          <p:txBody>
+            <a:bodyPr vert="horz" wrap="square" lIns="91440" tIns="45720" rIns="91440" bIns="45720" numCol="1" anchor="ctr" anchorCtr="0" compatLnSpc="1">
+              <a:prstTxWarp prst="textNoShape">
+                <a:avLst/>
+              </a:prstTxWarp>
+              <a:noAutofit/>
+            </a:bodyPr>
+            <a:lstStyle/>
+            <a:p>
+              <a:pPr algn="ctr"/>
+              <a:endParaRPr lang="zh-CN" altLang="en-US" sz="3200" b="1"/>
+            </a:p>
+          </p:txBody>
+        </p:sp>
+        <p:sp>
+          <p:nvSpPr>
+            <p:cNvPr id="34" name="文本框 33"/>
+            <p:cNvSpPr txBox="1"/>
+            <p:nvPr userDrawn="1"/>
+          </p:nvSpPr>
+          <p:spPr>
+            <a:xfrm>
+              <a:off x="794494" y="2586037"/>
+              <a:ext cx="212633" cy="245937"/>
+            </a:xfrm>
+            <a:prstGeom prst="rect">
+              <a:avLst/>
+            </a:prstGeom>
+            <a:noFill/>
+          </p:spPr>
+          <p:txBody>
+            <a:bodyPr wrap="none" rtlCol="0" anchor="ctr">
+              <a:noAutofit/>
+            </a:bodyPr>
+            <a:lstStyle/>
+            <a:p>
+              <a:pPr algn="ctr"/>
+              <a:r>
+                <a:rPr lang="en-US" altLang="zh-CN" b="1" dirty="0">
+                  <a:solidFill>
+                    <a:schemeClr val="bg1"/>
+                  </a:solidFill>
+                  <a:latin typeface="微软雅黑" panose="020B0503020204020204" pitchFamily="34" charset="-122"/>
+                  <a:ea typeface="微软雅黑" panose="020B0503020204020204" pitchFamily="34" charset="-122"/>
+                </a:rPr>
+                <a:t>5</a:t>
+              </a:r>
+              <a:endParaRPr lang="zh-CN" altLang="en-US" b="1" dirty="0">
+                <a:solidFill>
+                  <a:schemeClr val="bg1"/>
+                </a:solidFill>
+                <a:latin typeface="微软雅黑" panose="020B0503020204020204" pitchFamily="34" charset="-122"/>
+                <a:ea typeface="微软雅黑" panose="020B0503020204020204" pitchFamily="34" charset="-122"/>
+              </a:endParaRPr>
+            </a:p>
+          </p:txBody>
+        </p:sp>
+      </p:grpSp>
+      <p:cxnSp>
+        <p:nvCxnSpPr>
+          <p:cNvPr id="35" name="直接连接符 34"/>
+          <p:cNvCxnSpPr>
+            <a:stCxn id="33" idx="6"/>
+          </p:cNvCxnSpPr>
+          <p:nvPr/>
+        </p:nvCxnSpPr>
+        <p:spPr>
+          <a:xfrm>
+            <a:off x="2534033" y="5391109"/>
+            <a:ext cx="4500000" cy="0"/>
+          </a:xfrm>
+          <a:prstGeom prst="line">
+            <a:avLst/>
+          </a:prstGeom>
+          <a:ln>
+            <a:solidFill>
+              <a:schemeClr val="accent1"/>
+            </a:solidFill>
+          </a:ln>
+        </p:spPr>
+        <p:style>
+          <a:lnRef idx="1">
+            <a:schemeClr val="accent1"/>
+          </a:lnRef>
+          <a:fillRef idx="0">
+            <a:schemeClr val="accent1"/>
+          </a:fillRef>
+          <a:effectRef idx="0">
+            <a:schemeClr val="accent1"/>
+          </a:effectRef>
+          <a:fontRef idx="minor">
+            <a:schemeClr val="tx1"/>
+          </a:fontRef>
+        </p:style>
+      </p:cxnSp>
+      <p:sp>
+        <p:nvSpPr>
+          <p:cNvPr id="36" name="文本框 35"/>
+          <p:cNvSpPr txBox="1"/>
+          <p:nvPr/>
+        </p:nvSpPr>
+        <p:spPr>
+          <a:xfrm>
+            <a:off x="2915073" y="4954628"/>
+            <a:ext cx="4387392" cy="461665"/>
+          </a:xfrm>
+          <a:prstGeom prst="rect">
+            <a:avLst/>
+          </a:prstGeom>
+          <a:noFill/>
+        </p:spPr>
+        <p:txBody>
+          <a:bodyPr wrap="square" rtlCol="0">
+            <a:spAutoFit/>
+          </a:bodyPr>
+          <a:lstStyle/>
+          <a:p>
+            <a:r>
+              <a:rPr lang="zh-CN" altLang="en-US" sz="2400" dirty="0"/>
+              <a:t>图片处理及排版</a:t>
+            </a:r>
+          </a:p>
+        </p:txBody>
+      </p:sp>
+      <p:sp>
+        <p:nvSpPr>
+          <p:cNvPr id="29" name="文本框 28">
+            <a:extLst>
+              <a:ext uri="{FF2B5EF4-FFF2-40B4-BE49-F238E27FC236}">
+                <a16:creationId xmlns:a16="http://schemas.microsoft.com/office/drawing/2014/main" id="{BF2171C6-D7F2-48F4-B228-E0F77001591E}"/>
+              </a:ext>
+            </a:extLst>
+          </p:cNvPr>
+          <p:cNvSpPr txBox="1"/>
+          <p:nvPr/>
+        </p:nvSpPr>
+        <p:spPr>
+          <a:xfrm>
+            <a:off x="2915073" y="2194707"/>
+            <a:ext cx="4387392" cy="461665"/>
+          </a:xfrm>
+          <a:prstGeom prst="rect">
+            <a:avLst/>
+          </a:prstGeom>
+          <a:noFill/>
+        </p:spPr>
+        <p:txBody>
+          <a:bodyPr wrap="square" rtlCol="0">
+            <a:spAutoFit/>
+          </a:bodyPr>
+          <a:lstStyle/>
+          <a:p>
+            <a:r>
+              <a:rPr lang="en-US" altLang="zh-CN" sz="2400" dirty="0">
+                <a:solidFill>
+                  <a:schemeClr val="tx1">
+                    <a:lumMod val="75000"/>
+                    <a:lumOff val="25000"/>
+                  </a:schemeClr>
+                </a:solidFill>
+              </a:rPr>
+              <a:t>Relay Chain State Machine</a:t>
+            </a:r>
+            <a:endParaRPr lang="zh-CN" altLang="en-US" sz="2400" dirty="0">
+              <a:solidFill>
+                <a:schemeClr val="tx1">
+                  <a:lumMod val="75000"/>
+                  <a:lumOff val="25000"/>
+                </a:schemeClr>
+              </a:solidFill>
+            </a:endParaRPr>
+          </a:p>
+        </p:txBody>
+      </p:sp>
+    </p:spTree>
+    <p:extLst>
+      <p:ext uri="{BB962C8B-B14F-4D97-AF65-F5344CB8AC3E}">
+        <p14:creationId xmlns:p14="http://schemas.microsoft.com/office/powerpoint/2010/main" val="3155251148"/>
+      </p:ext>
+    </p:extLst>
+  </p:cSld>
+  <p:clrMapOvr>
+    <a:masterClrMapping/>
+  </p:clrMapOvr>
+  <p:transition spd="slow">
+    <p:push/>
+  </p:transition>
+</p:sld>
+</file>
+
+<file path=ppt/slides/slide20.xml><?xml version="1.0" encoding="utf-8"?>
 <p:sld xmlns:a="http://schemas.openxmlformats.org/drawingml/2006/main" xmlns:r="http://schemas.openxmlformats.org/officeDocument/2006/relationships" xmlns:p="http://schemas.openxmlformats.org/presentationml/2006/main">
   <p:cSld>
     <p:spTree>
@@ -19358,42 +21258,6 @@
       </p:cxnSp>
       <p:sp>
         <p:nvSpPr>
-          <p:cNvPr id="21" name="文本框 20"/>
-          <p:cNvSpPr txBox="1"/>
-          <p:nvPr/>
-        </p:nvSpPr>
-        <p:spPr>
-          <a:xfrm>
-            <a:off x="2915073" y="3114680"/>
-            <a:ext cx="4387392" cy="461665"/>
-          </a:xfrm>
-          <a:prstGeom prst="rect">
-            <a:avLst/>
-          </a:prstGeom>
-          <a:noFill/>
-        </p:spPr>
-        <p:txBody>
-          <a:bodyPr wrap="square" rtlCol="0">
-            <a:spAutoFit/>
-          </a:bodyPr>
-          <a:lstStyle/>
-          <a:p>
-            <a:r>
-              <a:rPr lang="zh-CN" altLang="en-US" sz="2400" dirty="0">
-                <a:solidFill>
-                  <a:schemeClr val="tx1">
-                    <a:lumMod val="75000"/>
-                    <a:lumOff val="25000"/>
-                  </a:schemeClr>
-                </a:solidFill>
-              </a:rPr>
-              <a:t>有页码版式</a:t>
-            </a:r>
-          </a:p>
-        </p:txBody>
-      </p:sp>
-      <p:sp>
-        <p:nvSpPr>
           <p:cNvPr id="23" name="Freeform 10"/>
           <p:cNvSpPr>
             <a:spLocks/>
@@ -19986,6 +21850,41 @@
           </a:p>
         </p:txBody>
       </p:sp>
+      <p:sp>
+        <p:nvSpPr>
+          <p:cNvPr id="29" name="文本框 28">
+            <a:extLst>
+              <a:ext uri="{FF2B5EF4-FFF2-40B4-BE49-F238E27FC236}">
+                <a16:creationId xmlns:a16="http://schemas.microsoft.com/office/drawing/2014/main" id="{88940596-F3BD-4F05-9966-2D763E066895}"/>
+              </a:ext>
+            </a:extLst>
+          </p:cNvPr>
+          <p:cNvSpPr txBox="1"/>
+          <p:nvPr/>
+        </p:nvSpPr>
+        <p:spPr>
+          <a:xfrm>
+            <a:off x="2915073" y="3114680"/>
+            <a:ext cx="4387392" cy="461665"/>
+          </a:xfrm>
+          <a:prstGeom prst="rect">
+            <a:avLst/>
+          </a:prstGeom>
+          <a:noFill/>
+        </p:spPr>
+        <p:txBody>
+          <a:bodyPr wrap="square" rtlCol="0">
+            <a:spAutoFit/>
+          </a:bodyPr>
+          <a:lstStyle/>
+          <a:p>
+            <a:r>
+              <a:rPr lang="en-US" altLang="zh-CN" sz="2400" dirty="0"/>
+              <a:t>Consensus</a:t>
+            </a:r>
+          </a:p>
+        </p:txBody>
+      </p:sp>
     </p:spTree>
     <p:extLst>
       <p:ext uri="{BB962C8B-B14F-4D97-AF65-F5344CB8AC3E}">
@@ -19999,7 +21898,7 @@
 </p:sld>
 </file>
 
-<file path=ppt/slides/slide18.xml><?xml version="1.0" encoding="utf-8"?>
+<file path=ppt/slides/slide21.xml><?xml version="1.0" encoding="utf-8"?>
 <p:sld xmlns:a="http://schemas.openxmlformats.org/drawingml/2006/main" xmlns:r="http://schemas.openxmlformats.org/officeDocument/2006/relationships" xmlns:p="http://schemas.openxmlformats.org/presentationml/2006/main">
   <p:cSld>
     <p:spTree>
@@ -20508,7 +22407,7 @@
 </p:sld>
 </file>
 
-<file path=ppt/slides/slide19.xml><?xml version="1.0" encoding="utf-8"?>
+<file path=ppt/slides/slide22.xml><?xml version="1.0" encoding="utf-8"?>
 <p:sld xmlns:a="http://schemas.openxmlformats.org/drawingml/2006/main" xmlns:r="http://schemas.openxmlformats.org/officeDocument/2006/relationships" xmlns:p="http://schemas.openxmlformats.org/presentationml/2006/main">
   <p:cSld>
     <p:spTree>
@@ -20560,1403 +22459,6 @@
   <p:clrMapOvr>
     <a:masterClrMapping/>
   </p:clrMapOvr>
-</p:sld>
-</file>
-
-<file path=ppt/slides/slide2.xml><?xml version="1.0" encoding="utf-8"?>
-<p:sld xmlns:a="http://schemas.openxmlformats.org/drawingml/2006/main" xmlns:r="http://schemas.openxmlformats.org/officeDocument/2006/relationships" xmlns:p="http://schemas.openxmlformats.org/presentationml/2006/main">
-  <p:cSld>
-    <p:spTree>
-      <p:nvGrpSpPr>
-        <p:cNvPr id="1" name=""/>
-        <p:cNvGrpSpPr/>
-        <p:nvPr/>
-      </p:nvGrpSpPr>
-      <p:grpSpPr>
-        <a:xfrm>
-          <a:off x="0" y="0"/>
-          <a:ext cx="0" cy="0"/>
-          <a:chOff x="0" y="0"/>
-          <a:chExt cx="0" cy="0"/>
-        </a:xfrm>
-      </p:grpSpPr>
-      <p:sp>
-        <p:nvSpPr>
-          <p:cNvPr id="2" name="标题 1"/>
-          <p:cNvSpPr>
-            <a:spLocks noGrp="1"/>
-          </p:cNvSpPr>
-          <p:nvPr>
-            <p:ph type="title"/>
-          </p:nvPr>
-        </p:nvSpPr>
-        <p:spPr/>
-        <p:txBody>
-          <a:bodyPr>
-            <a:normAutofit fontScale="90000"/>
-          </a:bodyPr>
-          <a:lstStyle/>
-          <a:p>
-            <a:r>
-              <a:rPr lang="zh-CN" altLang="en-US" dirty="0">
-                <a:latin typeface="微软雅黑" panose="020B0503020204020204" pitchFamily="34" charset="-122"/>
-                <a:ea typeface="微软雅黑" panose="020B0503020204020204" pitchFamily="34" charset="-122"/>
-              </a:rPr>
-              <a:t> </a:t>
-            </a:r>
-            <a:r>
-              <a:rPr lang="en-US" altLang="zh-CN" dirty="0">
-                <a:latin typeface="微软雅黑" panose="020B0503020204020204" pitchFamily="34" charset="-122"/>
-                <a:ea typeface="微软雅黑" panose="020B0503020204020204" pitchFamily="34" charset="-122"/>
-              </a:rPr>
-              <a:t>Contents</a:t>
-            </a:r>
-            <a:endParaRPr lang="zh-CN" altLang="en-US" dirty="0">
-              <a:latin typeface="微软雅黑" panose="020B0503020204020204" pitchFamily="34" charset="-122"/>
-              <a:ea typeface="微软雅黑" panose="020B0503020204020204" pitchFamily="34" charset="-122"/>
-            </a:endParaRPr>
-          </a:p>
-        </p:txBody>
-      </p:sp>
-      <p:grpSp>
-        <p:nvGrpSpPr>
-          <p:cNvPr id="3" name="组合 2"/>
-          <p:cNvGrpSpPr/>
-          <p:nvPr/>
-        </p:nvGrpSpPr>
-        <p:grpSpPr>
-          <a:xfrm>
-            <a:off x="1841535" y="1303550"/>
-            <a:ext cx="843427" cy="443226"/>
-            <a:chOff x="666810" y="2586037"/>
-            <a:chExt cx="468000" cy="245937"/>
-          </a:xfrm>
-        </p:grpSpPr>
-        <p:sp>
-          <p:nvSpPr>
-            <p:cNvPr id="4" name="Freeform 10"/>
-            <p:cNvSpPr>
-              <a:spLocks/>
-            </p:cNvSpPr>
-            <p:nvPr userDrawn="1"/>
-          </p:nvSpPr>
-          <p:spPr bwMode="auto">
-            <a:xfrm>
-              <a:off x="666810" y="2621442"/>
-              <a:ext cx="468000" cy="190800"/>
-            </a:xfrm>
-            <a:custGeom>
-              <a:avLst/>
-              <a:gdLst>
-                <a:gd name="T0" fmla="*/ 3120 w 3800"/>
-                <a:gd name="T1" fmla="*/ 0 h 1532"/>
-                <a:gd name="T2" fmla="*/ 682 w 3800"/>
-                <a:gd name="T3" fmla="*/ 0 h 1532"/>
-                <a:gd name="T4" fmla="*/ 682 w 3800"/>
-                <a:gd name="T5" fmla="*/ 284 h 1532"/>
-                <a:gd name="T6" fmla="*/ 0 w 3800"/>
-                <a:gd name="T7" fmla="*/ 766 h 1532"/>
-                <a:gd name="T8" fmla="*/ 682 w 3800"/>
-                <a:gd name="T9" fmla="*/ 1248 h 1532"/>
-                <a:gd name="T10" fmla="*/ 682 w 3800"/>
-                <a:gd name="T11" fmla="*/ 1532 h 1532"/>
-                <a:gd name="T12" fmla="*/ 3120 w 3800"/>
-                <a:gd name="T13" fmla="*/ 1532 h 1532"/>
-                <a:gd name="T14" fmla="*/ 3120 w 3800"/>
-                <a:gd name="T15" fmla="*/ 1248 h 1532"/>
-                <a:gd name="T16" fmla="*/ 3800 w 3800"/>
-                <a:gd name="T17" fmla="*/ 766 h 1532"/>
-                <a:gd name="T18" fmla="*/ 3120 w 3800"/>
-                <a:gd name="T19" fmla="*/ 284 h 1532"/>
-                <a:gd name="T20" fmla="*/ 3120 w 3800"/>
-                <a:gd name="T21" fmla="*/ 0 h 1532"/>
-              </a:gdLst>
-              <a:ahLst/>
-              <a:cxnLst>
-                <a:cxn ang="0">
-                  <a:pos x="T0" y="T1"/>
-                </a:cxn>
-                <a:cxn ang="0">
-                  <a:pos x="T2" y="T3"/>
-                </a:cxn>
-                <a:cxn ang="0">
-                  <a:pos x="T4" y="T5"/>
-                </a:cxn>
-                <a:cxn ang="0">
-                  <a:pos x="T6" y="T7"/>
-                </a:cxn>
-                <a:cxn ang="0">
-                  <a:pos x="T8" y="T9"/>
-                </a:cxn>
-                <a:cxn ang="0">
-                  <a:pos x="T10" y="T11"/>
-                </a:cxn>
-                <a:cxn ang="0">
-                  <a:pos x="T12" y="T13"/>
-                </a:cxn>
-                <a:cxn ang="0">
-                  <a:pos x="T14" y="T15"/>
-                </a:cxn>
-                <a:cxn ang="0">
-                  <a:pos x="T16" y="T17"/>
-                </a:cxn>
-                <a:cxn ang="0">
-                  <a:pos x="T18" y="T19"/>
-                </a:cxn>
-                <a:cxn ang="0">
-                  <a:pos x="T20" y="T21"/>
-                </a:cxn>
-              </a:cxnLst>
-              <a:rect l="0" t="0" r="r" b="b"/>
-              <a:pathLst>
-                <a:path w="3800" h="1532">
-                  <a:moveTo>
-                    <a:pt x="3120" y="0"/>
-                  </a:moveTo>
-                  <a:lnTo>
-                    <a:pt x="682" y="0"/>
-                  </a:lnTo>
-                  <a:lnTo>
-                    <a:pt x="682" y="284"/>
-                  </a:lnTo>
-                  <a:lnTo>
-                    <a:pt x="0" y="766"/>
-                  </a:lnTo>
-                  <a:lnTo>
-                    <a:pt x="682" y="1248"/>
-                  </a:lnTo>
-                  <a:lnTo>
-                    <a:pt x="682" y="1532"/>
-                  </a:lnTo>
-                  <a:lnTo>
-                    <a:pt x="3120" y="1532"/>
-                  </a:lnTo>
-                  <a:lnTo>
-                    <a:pt x="3120" y="1248"/>
-                  </a:lnTo>
-                  <a:lnTo>
-                    <a:pt x="3800" y="766"/>
-                  </a:lnTo>
-                  <a:lnTo>
-                    <a:pt x="3120" y="284"/>
-                  </a:lnTo>
-                  <a:lnTo>
-                    <a:pt x="3120" y="0"/>
-                  </a:lnTo>
-                  <a:close/>
-                </a:path>
-              </a:pathLst>
-            </a:custGeom>
-            <a:solidFill>
-              <a:schemeClr val="accent1"/>
-            </a:solidFill>
-            <a:ln>
-              <a:noFill/>
-            </a:ln>
-          </p:spPr>
-          <p:txBody>
-            <a:bodyPr vert="horz" wrap="square" lIns="91440" tIns="45720" rIns="91440" bIns="45720" numCol="1" anchor="ctr" anchorCtr="0" compatLnSpc="1">
-              <a:prstTxWarp prst="textNoShape">
-                <a:avLst/>
-              </a:prstTxWarp>
-              <a:noAutofit/>
-            </a:bodyPr>
-            <a:lstStyle/>
-            <a:p>
-              <a:pPr algn="ctr"/>
-              <a:endParaRPr lang="zh-CN" altLang="en-US" sz="3200" b="1"/>
-            </a:p>
-          </p:txBody>
-        </p:sp>
-        <p:sp>
-          <p:nvSpPr>
-            <p:cNvPr id="5" name="文本框 4"/>
-            <p:cNvSpPr txBox="1"/>
-            <p:nvPr userDrawn="1"/>
-          </p:nvSpPr>
-          <p:spPr>
-            <a:xfrm>
-              <a:off x="794494" y="2586037"/>
-              <a:ext cx="212633" cy="245937"/>
-            </a:xfrm>
-            <a:prstGeom prst="rect">
-              <a:avLst/>
-            </a:prstGeom>
-            <a:noFill/>
-          </p:spPr>
-          <p:txBody>
-            <a:bodyPr wrap="none" rtlCol="0" anchor="ctr">
-              <a:noAutofit/>
-            </a:bodyPr>
-            <a:lstStyle/>
-            <a:p>
-              <a:pPr algn="ctr"/>
-              <a:r>
-                <a:rPr lang="en-US" altLang="zh-CN" b="1" dirty="0">
-                  <a:solidFill>
-                    <a:schemeClr val="bg1"/>
-                  </a:solidFill>
-                  <a:latin typeface="微软雅黑" panose="020B0503020204020204" pitchFamily="34" charset="-122"/>
-                  <a:ea typeface="微软雅黑" panose="020B0503020204020204" pitchFamily="34" charset="-122"/>
-                </a:rPr>
-                <a:t>1</a:t>
-              </a:r>
-              <a:endParaRPr lang="zh-CN" altLang="en-US" b="1" dirty="0">
-                <a:solidFill>
-                  <a:schemeClr val="bg1"/>
-                </a:solidFill>
-                <a:latin typeface="微软雅黑" panose="020B0503020204020204" pitchFamily="34" charset="-122"/>
-                <a:ea typeface="微软雅黑" panose="020B0503020204020204" pitchFamily="34" charset="-122"/>
-              </a:endParaRPr>
-            </a:p>
-          </p:txBody>
-        </p:sp>
-      </p:grpSp>
-      <p:cxnSp>
-        <p:nvCxnSpPr>
-          <p:cNvPr id="7" name="直接连接符 6"/>
-          <p:cNvCxnSpPr>
-            <a:stCxn id="4" idx="6"/>
-          </p:cNvCxnSpPr>
-          <p:nvPr/>
-        </p:nvCxnSpPr>
-        <p:spPr>
-          <a:xfrm>
-            <a:off x="2534033" y="1711215"/>
-            <a:ext cx="4500000" cy="0"/>
-          </a:xfrm>
-          <a:prstGeom prst="line">
-            <a:avLst/>
-          </a:prstGeom>
-          <a:ln>
-            <a:solidFill>
-              <a:schemeClr val="accent1"/>
-            </a:solidFill>
-          </a:ln>
-        </p:spPr>
-        <p:style>
-          <a:lnRef idx="1">
-            <a:schemeClr val="accent1"/>
-          </a:lnRef>
-          <a:fillRef idx="0">
-            <a:schemeClr val="accent1"/>
-          </a:fillRef>
-          <a:effectRef idx="0">
-            <a:schemeClr val="accent1"/>
-          </a:effectRef>
-          <a:fontRef idx="minor">
-            <a:schemeClr val="tx1"/>
-          </a:fontRef>
-        </p:style>
-      </p:cxnSp>
-      <p:sp>
-        <p:nvSpPr>
-          <p:cNvPr id="11" name="文本框 10"/>
-          <p:cNvSpPr txBox="1"/>
-          <p:nvPr/>
-        </p:nvSpPr>
-        <p:spPr>
-          <a:xfrm>
-            <a:off x="2915072" y="1274734"/>
-            <a:ext cx="6125295" cy="461665"/>
-          </a:xfrm>
-          <a:prstGeom prst="rect">
-            <a:avLst/>
-          </a:prstGeom>
-          <a:noFill/>
-        </p:spPr>
-        <p:txBody>
-          <a:bodyPr wrap="square" rtlCol="0">
-            <a:spAutoFit/>
-          </a:bodyPr>
-          <a:lstStyle/>
-          <a:p>
-            <a:r>
-              <a:rPr lang="en-GB" altLang="zh-CN" sz="2400" dirty="0" err="1"/>
-              <a:t>NPoS</a:t>
-            </a:r>
-            <a:r>
-              <a:rPr lang="en-GB" altLang="zh-CN" sz="2400" dirty="0"/>
-              <a:t> and Validator election</a:t>
-            </a:r>
-            <a:endParaRPr lang="zh-CN" altLang="en-US" sz="2400" dirty="0"/>
-          </a:p>
-        </p:txBody>
-      </p:sp>
-      <p:grpSp>
-        <p:nvGrpSpPr>
-          <p:cNvPr id="12" name="组合 11"/>
-          <p:cNvGrpSpPr/>
-          <p:nvPr/>
-        </p:nvGrpSpPr>
-        <p:grpSpPr>
-          <a:xfrm>
-            <a:off x="1841535" y="2223523"/>
-            <a:ext cx="843427" cy="443226"/>
-            <a:chOff x="666810" y="2586037"/>
-            <a:chExt cx="468000" cy="245937"/>
-          </a:xfrm>
-        </p:grpSpPr>
-        <p:sp>
-          <p:nvSpPr>
-            <p:cNvPr id="13" name="Freeform 10"/>
-            <p:cNvSpPr>
-              <a:spLocks/>
-            </p:cNvSpPr>
-            <p:nvPr userDrawn="1"/>
-          </p:nvSpPr>
-          <p:spPr bwMode="auto">
-            <a:xfrm>
-              <a:off x="666810" y="2621442"/>
-              <a:ext cx="468000" cy="190800"/>
-            </a:xfrm>
-            <a:custGeom>
-              <a:avLst/>
-              <a:gdLst>
-                <a:gd name="T0" fmla="*/ 3120 w 3800"/>
-                <a:gd name="T1" fmla="*/ 0 h 1532"/>
-                <a:gd name="T2" fmla="*/ 682 w 3800"/>
-                <a:gd name="T3" fmla="*/ 0 h 1532"/>
-                <a:gd name="T4" fmla="*/ 682 w 3800"/>
-                <a:gd name="T5" fmla="*/ 284 h 1532"/>
-                <a:gd name="T6" fmla="*/ 0 w 3800"/>
-                <a:gd name="T7" fmla="*/ 766 h 1532"/>
-                <a:gd name="T8" fmla="*/ 682 w 3800"/>
-                <a:gd name="T9" fmla="*/ 1248 h 1532"/>
-                <a:gd name="T10" fmla="*/ 682 w 3800"/>
-                <a:gd name="T11" fmla="*/ 1532 h 1532"/>
-                <a:gd name="T12" fmla="*/ 3120 w 3800"/>
-                <a:gd name="T13" fmla="*/ 1532 h 1532"/>
-                <a:gd name="T14" fmla="*/ 3120 w 3800"/>
-                <a:gd name="T15" fmla="*/ 1248 h 1532"/>
-                <a:gd name="T16" fmla="*/ 3800 w 3800"/>
-                <a:gd name="T17" fmla="*/ 766 h 1532"/>
-                <a:gd name="T18" fmla="*/ 3120 w 3800"/>
-                <a:gd name="T19" fmla="*/ 284 h 1532"/>
-                <a:gd name="T20" fmla="*/ 3120 w 3800"/>
-                <a:gd name="T21" fmla="*/ 0 h 1532"/>
-              </a:gdLst>
-              <a:ahLst/>
-              <a:cxnLst>
-                <a:cxn ang="0">
-                  <a:pos x="T0" y="T1"/>
-                </a:cxn>
-                <a:cxn ang="0">
-                  <a:pos x="T2" y="T3"/>
-                </a:cxn>
-                <a:cxn ang="0">
-                  <a:pos x="T4" y="T5"/>
-                </a:cxn>
-                <a:cxn ang="0">
-                  <a:pos x="T6" y="T7"/>
-                </a:cxn>
-                <a:cxn ang="0">
-                  <a:pos x="T8" y="T9"/>
-                </a:cxn>
-                <a:cxn ang="0">
-                  <a:pos x="T10" y="T11"/>
-                </a:cxn>
-                <a:cxn ang="0">
-                  <a:pos x="T12" y="T13"/>
-                </a:cxn>
-                <a:cxn ang="0">
-                  <a:pos x="T14" y="T15"/>
-                </a:cxn>
-                <a:cxn ang="0">
-                  <a:pos x="T16" y="T17"/>
-                </a:cxn>
-                <a:cxn ang="0">
-                  <a:pos x="T18" y="T19"/>
-                </a:cxn>
-                <a:cxn ang="0">
-                  <a:pos x="T20" y="T21"/>
-                </a:cxn>
-              </a:cxnLst>
-              <a:rect l="0" t="0" r="r" b="b"/>
-              <a:pathLst>
-                <a:path w="3800" h="1532">
-                  <a:moveTo>
-                    <a:pt x="3120" y="0"/>
-                  </a:moveTo>
-                  <a:lnTo>
-                    <a:pt x="682" y="0"/>
-                  </a:lnTo>
-                  <a:lnTo>
-                    <a:pt x="682" y="284"/>
-                  </a:lnTo>
-                  <a:lnTo>
-                    <a:pt x="0" y="766"/>
-                  </a:lnTo>
-                  <a:lnTo>
-                    <a:pt x="682" y="1248"/>
-                  </a:lnTo>
-                  <a:lnTo>
-                    <a:pt x="682" y="1532"/>
-                  </a:lnTo>
-                  <a:lnTo>
-                    <a:pt x="3120" y="1532"/>
-                  </a:lnTo>
-                  <a:lnTo>
-                    <a:pt x="3120" y="1248"/>
-                  </a:lnTo>
-                  <a:lnTo>
-                    <a:pt x="3800" y="766"/>
-                  </a:lnTo>
-                  <a:lnTo>
-                    <a:pt x="3120" y="284"/>
-                  </a:lnTo>
-                  <a:lnTo>
-                    <a:pt x="3120" y="0"/>
-                  </a:lnTo>
-                  <a:close/>
-                </a:path>
-              </a:pathLst>
-            </a:custGeom>
-            <a:solidFill>
-              <a:schemeClr val="accent1"/>
-            </a:solidFill>
-            <a:ln>
-              <a:noFill/>
-            </a:ln>
-          </p:spPr>
-          <p:txBody>
-            <a:bodyPr vert="horz" wrap="square" lIns="91440" tIns="45720" rIns="91440" bIns="45720" numCol="1" anchor="ctr" anchorCtr="0" compatLnSpc="1">
-              <a:prstTxWarp prst="textNoShape">
-                <a:avLst/>
-              </a:prstTxWarp>
-              <a:noAutofit/>
-            </a:bodyPr>
-            <a:lstStyle/>
-            <a:p>
-              <a:pPr algn="ctr"/>
-              <a:endParaRPr lang="zh-CN" altLang="en-US" sz="3200" b="1"/>
-            </a:p>
-          </p:txBody>
-        </p:sp>
-        <p:sp>
-          <p:nvSpPr>
-            <p:cNvPr id="14" name="文本框 13"/>
-            <p:cNvSpPr txBox="1"/>
-            <p:nvPr userDrawn="1"/>
-          </p:nvSpPr>
-          <p:spPr>
-            <a:xfrm>
-              <a:off x="794494" y="2586037"/>
-              <a:ext cx="212633" cy="245937"/>
-            </a:xfrm>
-            <a:prstGeom prst="rect">
-              <a:avLst/>
-            </a:prstGeom>
-            <a:noFill/>
-          </p:spPr>
-          <p:txBody>
-            <a:bodyPr wrap="none" rtlCol="0" anchor="ctr">
-              <a:noAutofit/>
-            </a:bodyPr>
-            <a:lstStyle/>
-            <a:p>
-              <a:pPr algn="ctr"/>
-              <a:r>
-                <a:rPr lang="en-US" altLang="zh-CN" b="1" dirty="0">
-                  <a:solidFill>
-                    <a:schemeClr val="bg1"/>
-                  </a:solidFill>
-                  <a:latin typeface="微软雅黑" panose="020B0503020204020204" pitchFamily="34" charset="-122"/>
-                  <a:ea typeface="微软雅黑" panose="020B0503020204020204" pitchFamily="34" charset="-122"/>
-                </a:rPr>
-                <a:t>2</a:t>
-              </a:r>
-              <a:endParaRPr lang="zh-CN" altLang="en-US" b="1" dirty="0">
-                <a:solidFill>
-                  <a:schemeClr val="bg1"/>
-                </a:solidFill>
-                <a:latin typeface="微软雅黑" panose="020B0503020204020204" pitchFamily="34" charset="-122"/>
-                <a:ea typeface="微软雅黑" panose="020B0503020204020204" pitchFamily="34" charset="-122"/>
-              </a:endParaRPr>
-            </a:p>
-          </p:txBody>
-        </p:sp>
-      </p:grpSp>
-      <p:cxnSp>
-        <p:nvCxnSpPr>
-          <p:cNvPr id="15" name="直接连接符 14"/>
-          <p:cNvCxnSpPr>
-            <a:stCxn id="13" idx="6"/>
-          </p:cNvCxnSpPr>
-          <p:nvPr/>
-        </p:nvCxnSpPr>
-        <p:spPr>
-          <a:xfrm>
-            <a:off x="2534033" y="2631188"/>
-            <a:ext cx="4500000" cy="0"/>
-          </a:xfrm>
-          <a:prstGeom prst="line">
-            <a:avLst/>
-          </a:prstGeom>
-          <a:ln>
-            <a:solidFill>
-              <a:schemeClr val="accent1"/>
-            </a:solidFill>
-          </a:ln>
-        </p:spPr>
-        <p:style>
-          <a:lnRef idx="1">
-            <a:schemeClr val="accent1"/>
-          </a:lnRef>
-          <a:fillRef idx="0">
-            <a:schemeClr val="accent1"/>
-          </a:fillRef>
-          <a:effectRef idx="0">
-            <a:schemeClr val="accent1"/>
-          </a:effectRef>
-          <a:fontRef idx="minor">
-            <a:schemeClr val="tx1"/>
-          </a:fontRef>
-        </p:style>
-      </p:cxnSp>
-      <p:grpSp>
-        <p:nvGrpSpPr>
-          <p:cNvPr id="17" name="组合 16"/>
-          <p:cNvGrpSpPr/>
-          <p:nvPr/>
-        </p:nvGrpSpPr>
-        <p:grpSpPr>
-          <a:xfrm>
-            <a:off x="1841535" y="3143496"/>
-            <a:ext cx="843427" cy="443226"/>
-            <a:chOff x="666810" y="2586037"/>
-            <a:chExt cx="468000" cy="245937"/>
-          </a:xfrm>
-        </p:grpSpPr>
-        <p:sp>
-          <p:nvSpPr>
-            <p:cNvPr id="18" name="Freeform 10"/>
-            <p:cNvSpPr>
-              <a:spLocks/>
-            </p:cNvSpPr>
-            <p:nvPr userDrawn="1"/>
-          </p:nvSpPr>
-          <p:spPr bwMode="auto">
-            <a:xfrm>
-              <a:off x="666810" y="2621442"/>
-              <a:ext cx="468000" cy="190800"/>
-            </a:xfrm>
-            <a:custGeom>
-              <a:avLst/>
-              <a:gdLst>
-                <a:gd name="T0" fmla="*/ 3120 w 3800"/>
-                <a:gd name="T1" fmla="*/ 0 h 1532"/>
-                <a:gd name="T2" fmla="*/ 682 w 3800"/>
-                <a:gd name="T3" fmla="*/ 0 h 1532"/>
-                <a:gd name="T4" fmla="*/ 682 w 3800"/>
-                <a:gd name="T5" fmla="*/ 284 h 1532"/>
-                <a:gd name="T6" fmla="*/ 0 w 3800"/>
-                <a:gd name="T7" fmla="*/ 766 h 1532"/>
-                <a:gd name="T8" fmla="*/ 682 w 3800"/>
-                <a:gd name="T9" fmla="*/ 1248 h 1532"/>
-                <a:gd name="T10" fmla="*/ 682 w 3800"/>
-                <a:gd name="T11" fmla="*/ 1532 h 1532"/>
-                <a:gd name="T12" fmla="*/ 3120 w 3800"/>
-                <a:gd name="T13" fmla="*/ 1532 h 1532"/>
-                <a:gd name="T14" fmla="*/ 3120 w 3800"/>
-                <a:gd name="T15" fmla="*/ 1248 h 1532"/>
-                <a:gd name="T16" fmla="*/ 3800 w 3800"/>
-                <a:gd name="T17" fmla="*/ 766 h 1532"/>
-                <a:gd name="T18" fmla="*/ 3120 w 3800"/>
-                <a:gd name="T19" fmla="*/ 284 h 1532"/>
-                <a:gd name="T20" fmla="*/ 3120 w 3800"/>
-                <a:gd name="T21" fmla="*/ 0 h 1532"/>
-              </a:gdLst>
-              <a:ahLst/>
-              <a:cxnLst>
-                <a:cxn ang="0">
-                  <a:pos x="T0" y="T1"/>
-                </a:cxn>
-                <a:cxn ang="0">
-                  <a:pos x="T2" y="T3"/>
-                </a:cxn>
-                <a:cxn ang="0">
-                  <a:pos x="T4" y="T5"/>
-                </a:cxn>
-                <a:cxn ang="0">
-                  <a:pos x="T6" y="T7"/>
-                </a:cxn>
-                <a:cxn ang="0">
-                  <a:pos x="T8" y="T9"/>
-                </a:cxn>
-                <a:cxn ang="0">
-                  <a:pos x="T10" y="T11"/>
-                </a:cxn>
-                <a:cxn ang="0">
-                  <a:pos x="T12" y="T13"/>
-                </a:cxn>
-                <a:cxn ang="0">
-                  <a:pos x="T14" y="T15"/>
-                </a:cxn>
-                <a:cxn ang="0">
-                  <a:pos x="T16" y="T17"/>
-                </a:cxn>
-                <a:cxn ang="0">
-                  <a:pos x="T18" y="T19"/>
-                </a:cxn>
-                <a:cxn ang="0">
-                  <a:pos x="T20" y="T21"/>
-                </a:cxn>
-              </a:cxnLst>
-              <a:rect l="0" t="0" r="r" b="b"/>
-              <a:pathLst>
-                <a:path w="3800" h="1532">
-                  <a:moveTo>
-                    <a:pt x="3120" y="0"/>
-                  </a:moveTo>
-                  <a:lnTo>
-                    <a:pt x="682" y="0"/>
-                  </a:lnTo>
-                  <a:lnTo>
-                    <a:pt x="682" y="284"/>
-                  </a:lnTo>
-                  <a:lnTo>
-                    <a:pt x="0" y="766"/>
-                  </a:lnTo>
-                  <a:lnTo>
-                    <a:pt x="682" y="1248"/>
-                  </a:lnTo>
-                  <a:lnTo>
-                    <a:pt x="682" y="1532"/>
-                  </a:lnTo>
-                  <a:lnTo>
-                    <a:pt x="3120" y="1532"/>
-                  </a:lnTo>
-                  <a:lnTo>
-                    <a:pt x="3120" y="1248"/>
-                  </a:lnTo>
-                  <a:lnTo>
-                    <a:pt x="3800" y="766"/>
-                  </a:lnTo>
-                  <a:lnTo>
-                    <a:pt x="3120" y="284"/>
-                  </a:lnTo>
-                  <a:lnTo>
-                    <a:pt x="3120" y="0"/>
-                  </a:lnTo>
-                  <a:close/>
-                </a:path>
-              </a:pathLst>
-            </a:custGeom>
-            <a:solidFill>
-              <a:schemeClr val="accent1"/>
-            </a:solidFill>
-            <a:ln>
-              <a:noFill/>
-            </a:ln>
-          </p:spPr>
-          <p:txBody>
-            <a:bodyPr vert="horz" wrap="square" lIns="91440" tIns="45720" rIns="91440" bIns="45720" numCol="1" anchor="ctr" anchorCtr="0" compatLnSpc="1">
-              <a:prstTxWarp prst="textNoShape">
-                <a:avLst/>
-              </a:prstTxWarp>
-              <a:noAutofit/>
-            </a:bodyPr>
-            <a:lstStyle/>
-            <a:p>
-              <a:pPr algn="ctr"/>
-              <a:endParaRPr lang="zh-CN" altLang="en-US" sz="3200" b="1"/>
-            </a:p>
-          </p:txBody>
-        </p:sp>
-        <p:sp>
-          <p:nvSpPr>
-            <p:cNvPr id="19" name="文本框 18"/>
-            <p:cNvSpPr txBox="1"/>
-            <p:nvPr userDrawn="1"/>
-          </p:nvSpPr>
-          <p:spPr>
-            <a:xfrm>
-              <a:off x="794494" y="2586037"/>
-              <a:ext cx="212633" cy="245937"/>
-            </a:xfrm>
-            <a:prstGeom prst="rect">
-              <a:avLst/>
-            </a:prstGeom>
-            <a:noFill/>
-          </p:spPr>
-          <p:txBody>
-            <a:bodyPr wrap="none" rtlCol="0" anchor="ctr">
-              <a:noAutofit/>
-            </a:bodyPr>
-            <a:lstStyle/>
-            <a:p>
-              <a:pPr algn="ctr"/>
-              <a:r>
-                <a:rPr lang="en-US" altLang="zh-CN" b="1" dirty="0">
-                  <a:solidFill>
-                    <a:schemeClr val="bg1"/>
-                  </a:solidFill>
-                  <a:latin typeface="微软雅黑" panose="020B0503020204020204" pitchFamily="34" charset="-122"/>
-                  <a:ea typeface="微软雅黑" panose="020B0503020204020204" pitchFamily="34" charset="-122"/>
-                </a:rPr>
-                <a:t>3</a:t>
-              </a:r>
-              <a:endParaRPr lang="zh-CN" altLang="en-US" b="1" dirty="0">
-                <a:solidFill>
-                  <a:schemeClr val="bg1"/>
-                </a:solidFill>
-                <a:latin typeface="微软雅黑" panose="020B0503020204020204" pitchFamily="34" charset="-122"/>
-                <a:ea typeface="微软雅黑" panose="020B0503020204020204" pitchFamily="34" charset="-122"/>
-              </a:endParaRPr>
-            </a:p>
-          </p:txBody>
-        </p:sp>
-      </p:grpSp>
-      <p:cxnSp>
-        <p:nvCxnSpPr>
-          <p:cNvPr id="20" name="直接连接符 19"/>
-          <p:cNvCxnSpPr>
-            <a:stCxn id="18" idx="6"/>
-          </p:cNvCxnSpPr>
-          <p:nvPr/>
-        </p:nvCxnSpPr>
-        <p:spPr>
-          <a:xfrm>
-            <a:off x="2534033" y="3551161"/>
-            <a:ext cx="4500000" cy="0"/>
-          </a:xfrm>
-          <a:prstGeom prst="line">
-            <a:avLst/>
-          </a:prstGeom>
-          <a:ln>
-            <a:solidFill>
-              <a:schemeClr val="accent1"/>
-            </a:solidFill>
-          </a:ln>
-        </p:spPr>
-        <p:style>
-          <a:lnRef idx="1">
-            <a:schemeClr val="accent1"/>
-          </a:lnRef>
-          <a:fillRef idx="0">
-            <a:schemeClr val="accent1"/>
-          </a:fillRef>
-          <a:effectRef idx="0">
-            <a:schemeClr val="accent1"/>
-          </a:effectRef>
-          <a:fontRef idx="minor">
-            <a:schemeClr val="tx1"/>
-          </a:fontRef>
-        </p:style>
-      </p:cxnSp>
-      <p:sp>
-        <p:nvSpPr>
-          <p:cNvPr id="21" name="文本框 20"/>
-          <p:cNvSpPr txBox="1"/>
-          <p:nvPr/>
-        </p:nvSpPr>
-        <p:spPr>
-          <a:xfrm>
-            <a:off x="2915073" y="3114680"/>
-            <a:ext cx="4387392" cy="461665"/>
-          </a:xfrm>
-          <a:prstGeom prst="rect">
-            <a:avLst/>
-          </a:prstGeom>
-          <a:noFill/>
-        </p:spPr>
-        <p:txBody>
-          <a:bodyPr wrap="square" rtlCol="0">
-            <a:spAutoFit/>
-          </a:bodyPr>
-          <a:lstStyle/>
-          <a:p>
-            <a:r>
-              <a:rPr lang="zh-CN" altLang="en-US" sz="2400" dirty="0"/>
-              <a:t>有页码版式</a:t>
-            </a:r>
-          </a:p>
-        </p:txBody>
-      </p:sp>
-      <p:grpSp>
-        <p:nvGrpSpPr>
-          <p:cNvPr id="22" name="组合 21"/>
-          <p:cNvGrpSpPr/>
-          <p:nvPr/>
-        </p:nvGrpSpPr>
-        <p:grpSpPr>
-          <a:xfrm>
-            <a:off x="1841535" y="4063469"/>
-            <a:ext cx="843427" cy="443226"/>
-            <a:chOff x="666810" y="2586037"/>
-            <a:chExt cx="468000" cy="245937"/>
-          </a:xfrm>
-        </p:grpSpPr>
-        <p:sp>
-          <p:nvSpPr>
-            <p:cNvPr id="23" name="Freeform 10"/>
-            <p:cNvSpPr>
-              <a:spLocks/>
-            </p:cNvSpPr>
-            <p:nvPr userDrawn="1"/>
-          </p:nvSpPr>
-          <p:spPr bwMode="auto">
-            <a:xfrm>
-              <a:off x="666810" y="2621442"/>
-              <a:ext cx="468000" cy="190800"/>
-            </a:xfrm>
-            <a:custGeom>
-              <a:avLst/>
-              <a:gdLst>
-                <a:gd name="T0" fmla="*/ 3120 w 3800"/>
-                <a:gd name="T1" fmla="*/ 0 h 1532"/>
-                <a:gd name="T2" fmla="*/ 682 w 3800"/>
-                <a:gd name="T3" fmla="*/ 0 h 1532"/>
-                <a:gd name="T4" fmla="*/ 682 w 3800"/>
-                <a:gd name="T5" fmla="*/ 284 h 1532"/>
-                <a:gd name="T6" fmla="*/ 0 w 3800"/>
-                <a:gd name="T7" fmla="*/ 766 h 1532"/>
-                <a:gd name="T8" fmla="*/ 682 w 3800"/>
-                <a:gd name="T9" fmla="*/ 1248 h 1532"/>
-                <a:gd name="T10" fmla="*/ 682 w 3800"/>
-                <a:gd name="T11" fmla="*/ 1532 h 1532"/>
-                <a:gd name="T12" fmla="*/ 3120 w 3800"/>
-                <a:gd name="T13" fmla="*/ 1532 h 1532"/>
-                <a:gd name="T14" fmla="*/ 3120 w 3800"/>
-                <a:gd name="T15" fmla="*/ 1248 h 1532"/>
-                <a:gd name="T16" fmla="*/ 3800 w 3800"/>
-                <a:gd name="T17" fmla="*/ 766 h 1532"/>
-                <a:gd name="T18" fmla="*/ 3120 w 3800"/>
-                <a:gd name="T19" fmla="*/ 284 h 1532"/>
-                <a:gd name="T20" fmla="*/ 3120 w 3800"/>
-                <a:gd name="T21" fmla="*/ 0 h 1532"/>
-              </a:gdLst>
-              <a:ahLst/>
-              <a:cxnLst>
-                <a:cxn ang="0">
-                  <a:pos x="T0" y="T1"/>
-                </a:cxn>
-                <a:cxn ang="0">
-                  <a:pos x="T2" y="T3"/>
-                </a:cxn>
-                <a:cxn ang="0">
-                  <a:pos x="T4" y="T5"/>
-                </a:cxn>
-                <a:cxn ang="0">
-                  <a:pos x="T6" y="T7"/>
-                </a:cxn>
-                <a:cxn ang="0">
-                  <a:pos x="T8" y="T9"/>
-                </a:cxn>
-                <a:cxn ang="0">
-                  <a:pos x="T10" y="T11"/>
-                </a:cxn>
-                <a:cxn ang="0">
-                  <a:pos x="T12" y="T13"/>
-                </a:cxn>
-                <a:cxn ang="0">
-                  <a:pos x="T14" y="T15"/>
-                </a:cxn>
-                <a:cxn ang="0">
-                  <a:pos x="T16" y="T17"/>
-                </a:cxn>
-                <a:cxn ang="0">
-                  <a:pos x="T18" y="T19"/>
-                </a:cxn>
-                <a:cxn ang="0">
-                  <a:pos x="T20" y="T21"/>
-                </a:cxn>
-              </a:cxnLst>
-              <a:rect l="0" t="0" r="r" b="b"/>
-              <a:pathLst>
-                <a:path w="3800" h="1532">
-                  <a:moveTo>
-                    <a:pt x="3120" y="0"/>
-                  </a:moveTo>
-                  <a:lnTo>
-                    <a:pt x="682" y="0"/>
-                  </a:lnTo>
-                  <a:lnTo>
-                    <a:pt x="682" y="284"/>
-                  </a:lnTo>
-                  <a:lnTo>
-                    <a:pt x="0" y="766"/>
-                  </a:lnTo>
-                  <a:lnTo>
-                    <a:pt x="682" y="1248"/>
-                  </a:lnTo>
-                  <a:lnTo>
-                    <a:pt x="682" y="1532"/>
-                  </a:lnTo>
-                  <a:lnTo>
-                    <a:pt x="3120" y="1532"/>
-                  </a:lnTo>
-                  <a:lnTo>
-                    <a:pt x="3120" y="1248"/>
-                  </a:lnTo>
-                  <a:lnTo>
-                    <a:pt x="3800" y="766"/>
-                  </a:lnTo>
-                  <a:lnTo>
-                    <a:pt x="3120" y="284"/>
-                  </a:lnTo>
-                  <a:lnTo>
-                    <a:pt x="3120" y="0"/>
-                  </a:lnTo>
-                  <a:close/>
-                </a:path>
-              </a:pathLst>
-            </a:custGeom>
-            <a:solidFill>
-              <a:schemeClr val="accent1"/>
-            </a:solidFill>
-            <a:ln>
-              <a:noFill/>
-            </a:ln>
-          </p:spPr>
-          <p:txBody>
-            <a:bodyPr vert="horz" wrap="square" lIns="91440" tIns="45720" rIns="91440" bIns="45720" numCol="1" anchor="ctr" anchorCtr="0" compatLnSpc="1">
-              <a:prstTxWarp prst="textNoShape">
-                <a:avLst/>
-              </a:prstTxWarp>
-              <a:noAutofit/>
-            </a:bodyPr>
-            <a:lstStyle/>
-            <a:p>
-              <a:pPr algn="ctr"/>
-              <a:endParaRPr lang="zh-CN" altLang="en-US" sz="3200" b="1"/>
-            </a:p>
-          </p:txBody>
-        </p:sp>
-        <p:sp>
-          <p:nvSpPr>
-            <p:cNvPr id="24" name="文本框 23"/>
-            <p:cNvSpPr txBox="1"/>
-            <p:nvPr userDrawn="1"/>
-          </p:nvSpPr>
-          <p:spPr>
-            <a:xfrm>
-              <a:off x="794494" y="2586037"/>
-              <a:ext cx="212633" cy="245937"/>
-            </a:xfrm>
-            <a:prstGeom prst="rect">
-              <a:avLst/>
-            </a:prstGeom>
-            <a:noFill/>
-          </p:spPr>
-          <p:txBody>
-            <a:bodyPr wrap="none" rtlCol="0" anchor="ctr">
-              <a:noAutofit/>
-            </a:bodyPr>
-            <a:lstStyle/>
-            <a:p>
-              <a:pPr algn="ctr"/>
-              <a:r>
-                <a:rPr lang="en-US" altLang="zh-CN" b="1" dirty="0">
-                  <a:solidFill>
-                    <a:schemeClr val="bg1"/>
-                  </a:solidFill>
-                  <a:latin typeface="微软雅黑" panose="020B0503020204020204" pitchFamily="34" charset="-122"/>
-                  <a:ea typeface="微软雅黑" panose="020B0503020204020204" pitchFamily="34" charset="-122"/>
-                </a:rPr>
-                <a:t>4</a:t>
-              </a:r>
-              <a:endParaRPr lang="zh-CN" altLang="en-US" b="1" dirty="0">
-                <a:solidFill>
-                  <a:schemeClr val="bg1"/>
-                </a:solidFill>
-                <a:latin typeface="微软雅黑" panose="020B0503020204020204" pitchFamily="34" charset="-122"/>
-                <a:ea typeface="微软雅黑" panose="020B0503020204020204" pitchFamily="34" charset="-122"/>
-              </a:endParaRPr>
-            </a:p>
-          </p:txBody>
-        </p:sp>
-      </p:grpSp>
-      <p:cxnSp>
-        <p:nvCxnSpPr>
-          <p:cNvPr id="25" name="直接连接符 24"/>
-          <p:cNvCxnSpPr>
-            <a:stCxn id="23" idx="6"/>
-          </p:cNvCxnSpPr>
-          <p:nvPr/>
-        </p:nvCxnSpPr>
-        <p:spPr>
-          <a:xfrm>
-            <a:off x="2534033" y="4471134"/>
-            <a:ext cx="4500000" cy="0"/>
-          </a:xfrm>
-          <a:prstGeom prst="line">
-            <a:avLst/>
-          </a:prstGeom>
-          <a:ln>
-            <a:solidFill>
-              <a:schemeClr val="accent1"/>
-            </a:solidFill>
-          </a:ln>
-        </p:spPr>
-        <p:style>
-          <a:lnRef idx="1">
-            <a:schemeClr val="accent1"/>
-          </a:lnRef>
-          <a:fillRef idx="0">
-            <a:schemeClr val="accent1"/>
-          </a:fillRef>
-          <a:effectRef idx="0">
-            <a:schemeClr val="accent1"/>
-          </a:effectRef>
-          <a:fontRef idx="minor">
-            <a:schemeClr val="tx1"/>
-          </a:fontRef>
-        </p:style>
-      </p:cxnSp>
-      <p:sp>
-        <p:nvSpPr>
-          <p:cNvPr id="26" name="文本框 25"/>
-          <p:cNvSpPr txBox="1"/>
-          <p:nvPr/>
-        </p:nvSpPr>
-        <p:spPr>
-          <a:xfrm>
-            <a:off x="2915073" y="4034653"/>
-            <a:ext cx="4387392" cy="461665"/>
-          </a:xfrm>
-          <a:prstGeom prst="rect">
-            <a:avLst/>
-          </a:prstGeom>
-          <a:noFill/>
-        </p:spPr>
-        <p:txBody>
-          <a:bodyPr wrap="square" rtlCol="0">
-            <a:spAutoFit/>
-          </a:bodyPr>
-          <a:lstStyle/>
-          <a:p>
-            <a:r>
-              <a:rPr lang="zh-CN" altLang="en-US" sz="2400" dirty="0"/>
-              <a:t>图形与配色</a:t>
-            </a:r>
-          </a:p>
-        </p:txBody>
-      </p:sp>
-      <p:grpSp>
-        <p:nvGrpSpPr>
-          <p:cNvPr id="32" name="组合 31"/>
-          <p:cNvGrpSpPr/>
-          <p:nvPr/>
-        </p:nvGrpSpPr>
-        <p:grpSpPr>
-          <a:xfrm>
-            <a:off x="1841535" y="4983444"/>
-            <a:ext cx="843427" cy="443226"/>
-            <a:chOff x="666810" y="2586037"/>
-            <a:chExt cx="468000" cy="245937"/>
-          </a:xfrm>
-        </p:grpSpPr>
-        <p:sp>
-          <p:nvSpPr>
-            <p:cNvPr id="33" name="Freeform 10"/>
-            <p:cNvSpPr>
-              <a:spLocks/>
-            </p:cNvSpPr>
-            <p:nvPr userDrawn="1"/>
-          </p:nvSpPr>
-          <p:spPr bwMode="auto">
-            <a:xfrm>
-              <a:off x="666810" y="2621442"/>
-              <a:ext cx="468000" cy="190800"/>
-            </a:xfrm>
-            <a:custGeom>
-              <a:avLst/>
-              <a:gdLst>
-                <a:gd name="T0" fmla="*/ 3120 w 3800"/>
-                <a:gd name="T1" fmla="*/ 0 h 1532"/>
-                <a:gd name="T2" fmla="*/ 682 w 3800"/>
-                <a:gd name="T3" fmla="*/ 0 h 1532"/>
-                <a:gd name="T4" fmla="*/ 682 w 3800"/>
-                <a:gd name="T5" fmla="*/ 284 h 1532"/>
-                <a:gd name="T6" fmla="*/ 0 w 3800"/>
-                <a:gd name="T7" fmla="*/ 766 h 1532"/>
-                <a:gd name="T8" fmla="*/ 682 w 3800"/>
-                <a:gd name="T9" fmla="*/ 1248 h 1532"/>
-                <a:gd name="T10" fmla="*/ 682 w 3800"/>
-                <a:gd name="T11" fmla="*/ 1532 h 1532"/>
-                <a:gd name="T12" fmla="*/ 3120 w 3800"/>
-                <a:gd name="T13" fmla="*/ 1532 h 1532"/>
-                <a:gd name="T14" fmla="*/ 3120 w 3800"/>
-                <a:gd name="T15" fmla="*/ 1248 h 1532"/>
-                <a:gd name="T16" fmla="*/ 3800 w 3800"/>
-                <a:gd name="T17" fmla="*/ 766 h 1532"/>
-                <a:gd name="T18" fmla="*/ 3120 w 3800"/>
-                <a:gd name="T19" fmla="*/ 284 h 1532"/>
-                <a:gd name="T20" fmla="*/ 3120 w 3800"/>
-                <a:gd name="T21" fmla="*/ 0 h 1532"/>
-              </a:gdLst>
-              <a:ahLst/>
-              <a:cxnLst>
-                <a:cxn ang="0">
-                  <a:pos x="T0" y="T1"/>
-                </a:cxn>
-                <a:cxn ang="0">
-                  <a:pos x="T2" y="T3"/>
-                </a:cxn>
-                <a:cxn ang="0">
-                  <a:pos x="T4" y="T5"/>
-                </a:cxn>
-                <a:cxn ang="0">
-                  <a:pos x="T6" y="T7"/>
-                </a:cxn>
-                <a:cxn ang="0">
-                  <a:pos x="T8" y="T9"/>
-                </a:cxn>
-                <a:cxn ang="0">
-                  <a:pos x="T10" y="T11"/>
-                </a:cxn>
-                <a:cxn ang="0">
-                  <a:pos x="T12" y="T13"/>
-                </a:cxn>
-                <a:cxn ang="0">
-                  <a:pos x="T14" y="T15"/>
-                </a:cxn>
-                <a:cxn ang="0">
-                  <a:pos x="T16" y="T17"/>
-                </a:cxn>
-                <a:cxn ang="0">
-                  <a:pos x="T18" y="T19"/>
-                </a:cxn>
-                <a:cxn ang="0">
-                  <a:pos x="T20" y="T21"/>
-                </a:cxn>
-              </a:cxnLst>
-              <a:rect l="0" t="0" r="r" b="b"/>
-              <a:pathLst>
-                <a:path w="3800" h="1532">
-                  <a:moveTo>
-                    <a:pt x="3120" y="0"/>
-                  </a:moveTo>
-                  <a:lnTo>
-                    <a:pt x="682" y="0"/>
-                  </a:lnTo>
-                  <a:lnTo>
-                    <a:pt x="682" y="284"/>
-                  </a:lnTo>
-                  <a:lnTo>
-                    <a:pt x="0" y="766"/>
-                  </a:lnTo>
-                  <a:lnTo>
-                    <a:pt x="682" y="1248"/>
-                  </a:lnTo>
-                  <a:lnTo>
-                    <a:pt x="682" y="1532"/>
-                  </a:lnTo>
-                  <a:lnTo>
-                    <a:pt x="3120" y="1532"/>
-                  </a:lnTo>
-                  <a:lnTo>
-                    <a:pt x="3120" y="1248"/>
-                  </a:lnTo>
-                  <a:lnTo>
-                    <a:pt x="3800" y="766"/>
-                  </a:lnTo>
-                  <a:lnTo>
-                    <a:pt x="3120" y="284"/>
-                  </a:lnTo>
-                  <a:lnTo>
-                    <a:pt x="3120" y="0"/>
-                  </a:lnTo>
-                  <a:close/>
-                </a:path>
-              </a:pathLst>
-            </a:custGeom>
-            <a:solidFill>
-              <a:schemeClr val="accent1"/>
-            </a:solidFill>
-            <a:ln>
-              <a:noFill/>
-            </a:ln>
-          </p:spPr>
-          <p:txBody>
-            <a:bodyPr vert="horz" wrap="square" lIns="91440" tIns="45720" rIns="91440" bIns="45720" numCol="1" anchor="ctr" anchorCtr="0" compatLnSpc="1">
-              <a:prstTxWarp prst="textNoShape">
-                <a:avLst/>
-              </a:prstTxWarp>
-              <a:noAutofit/>
-            </a:bodyPr>
-            <a:lstStyle/>
-            <a:p>
-              <a:pPr algn="ctr"/>
-              <a:endParaRPr lang="zh-CN" altLang="en-US" sz="3200" b="1"/>
-            </a:p>
-          </p:txBody>
-        </p:sp>
-        <p:sp>
-          <p:nvSpPr>
-            <p:cNvPr id="34" name="文本框 33"/>
-            <p:cNvSpPr txBox="1"/>
-            <p:nvPr userDrawn="1"/>
-          </p:nvSpPr>
-          <p:spPr>
-            <a:xfrm>
-              <a:off x="794494" y="2586037"/>
-              <a:ext cx="212633" cy="245937"/>
-            </a:xfrm>
-            <a:prstGeom prst="rect">
-              <a:avLst/>
-            </a:prstGeom>
-            <a:noFill/>
-          </p:spPr>
-          <p:txBody>
-            <a:bodyPr wrap="none" rtlCol="0" anchor="ctr">
-              <a:noAutofit/>
-            </a:bodyPr>
-            <a:lstStyle/>
-            <a:p>
-              <a:pPr algn="ctr"/>
-              <a:r>
-                <a:rPr lang="en-US" altLang="zh-CN" b="1" dirty="0">
-                  <a:solidFill>
-                    <a:schemeClr val="bg1"/>
-                  </a:solidFill>
-                  <a:latin typeface="微软雅黑" panose="020B0503020204020204" pitchFamily="34" charset="-122"/>
-                  <a:ea typeface="微软雅黑" panose="020B0503020204020204" pitchFamily="34" charset="-122"/>
-                </a:rPr>
-                <a:t>5</a:t>
-              </a:r>
-              <a:endParaRPr lang="zh-CN" altLang="en-US" b="1" dirty="0">
-                <a:solidFill>
-                  <a:schemeClr val="bg1"/>
-                </a:solidFill>
-                <a:latin typeface="微软雅黑" panose="020B0503020204020204" pitchFamily="34" charset="-122"/>
-                <a:ea typeface="微软雅黑" panose="020B0503020204020204" pitchFamily="34" charset="-122"/>
-              </a:endParaRPr>
-            </a:p>
-          </p:txBody>
-        </p:sp>
-      </p:grpSp>
-      <p:cxnSp>
-        <p:nvCxnSpPr>
-          <p:cNvPr id="35" name="直接连接符 34"/>
-          <p:cNvCxnSpPr>
-            <a:stCxn id="33" idx="6"/>
-          </p:cNvCxnSpPr>
-          <p:nvPr/>
-        </p:nvCxnSpPr>
-        <p:spPr>
-          <a:xfrm>
-            <a:off x="2534033" y="5391109"/>
-            <a:ext cx="4500000" cy="0"/>
-          </a:xfrm>
-          <a:prstGeom prst="line">
-            <a:avLst/>
-          </a:prstGeom>
-          <a:ln>
-            <a:solidFill>
-              <a:schemeClr val="accent1"/>
-            </a:solidFill>
-          </a:ln>
-        </p:spPr>
-        <p:style>
-          <a:lnRef idx="1">
-            <a:schemeClr val="accent1"/>
-          </a:lnRef>
-          <a:fillRef idx="0">
-            <a:schemeClr val="accent1"/>
-          </a:fillRef>
-          <a:effectRef idx="0">
-            <a:schemeClr val="accent1"/>
-          </a:effectRef>
-          <a:fontRef idx="minor">
-            <a:schemeClr val="tx1"/>
-          </a:fontRef>
-        </p:style>
-      </p:cxnSp>
-      <p:sp>
-        <p:nvSpPr>
-          <p:cNvPr id="36" name="文本框 35"/>
-          <p:cNvSpPr txBox="1"/>
-          <p:nvPr/>
-        </p:nvSpPr>
-        <p:spPr>
-          <a:xfrm>
-            <a:off x="2915073" y="4954628"/>
-            <a:ext cx="4387392" cy="461665"/>
-          </a:xfrm>
-          <a:prstGeom prst="rect">
-            <a:avLst/>
-          </a:prstGeom>
-          <a:noFill/>
-        </p:spPr>
-        <p:txBody>
-          <a:bodyPr wrap="square" rtlCol="0">
-            <a:spAutoFit/>
-          </a:bodyPr>
-          <a:lstStyle/>
-          <a:p>
-            <a:r>
-              <a:rPr lang="zh-CN" altLang="en-US" sz="2400" dirty="0"/>
-              <a:t>图片处理及排版</a:t>
-            </a:r>
-          </a:p>
-        </p:txBody>
-      </p:sp>
-      <p:sp>
-        <p:nvSpPr>
-          <p:cNvPr id="29" name="文本框 28">
-            <a:extLst>
-              <a:ext uri="{FF2B5EF4-FFF2-40B4-BE49-F238E27FC236}">
-                <a16:creationId xmlns:a16="http://schemas.microsoft.com/office/drawing/2014/main" id="{BF2171C6-D7F2-48F4-B228-E0F77001591E}"/>
-              </a:ext>
-            </a:extLst>
-          </p:cNvPr>
-          <p:cNvSpPr txBox="1"/>
-          <p:nvPr/>
-        </p:nvSpPr>
-        <p:spPr>
-          <a:xfrm>
-            <a:off x="2915073" y="2194707"/>
-            <a:ext cx="4387392" cy="461665"/>
-          </a:xfrm>
-          <a:prstGeom prst="rect">
-            <a:avLst/>
-          </a:prstGeom>
-          <a:noFill/>
-        </p:spPr>
-        <p:txBody>
-          <a:bodyPr wrap="square" rtlCol="0">
-            <a:spAutoFit/>
-          </a:bodyPr>
-          <a:lstStyle/>
-          <a:p>
-            <a:r>
-              <a:rPr lang="en-US" altLang="zh-CN" sz="2400" dirty="0">
-                <a:solidFill>
-                  <a:schemeClr val="tx1">
-                    <a:lumMod val="75000"/>
-                    <a:lumOff val="25000"/>
-                  </a:schemeClr>
-                </a:solidFill>
-              </a:rPr>
-              <a:t>Relay Chain State Machine</a:t>
-            </a:r>
-            <a:endParaRPr lang="zh-CN" altLang="en-US" sz="2400" dirty="0">
-              <a:solidFill>
-                <a:schemeClr val="tx1">
-                  <a:lumMod val="75000"/>
-                  <a:lumOff val="25000"/>
-                </a:schemeClr>
-              </a:solidFill>
-            </a:endParaRPr>
-          </a:p>
-        </p:txBody>
-      </p:sp>
-    </p:spTree>
-    <p:extLst>
-      <p:ext uri="{BB962C8B-B14F-4D97-AF65-F5344CB8AC3E}">
-        <p14:creationId xmlns:p14="http://schemas.microsoft.com/office/powerpoint/2010/main" val="3155251148"/>
-      </p:ext>
-    </p:extLst>
-  </p:cSld>
-  <p:clrMapOvr>
-    <a:masterClrMapping/>
-  </p:clrMapOvr>
-  <p:transition spd="slow">
-    <p:push/>
-  </p:transition>
 </p:sld>
 </file>
 
@@ -22661,42 +23163,6 @@
       </p:cxnSp>
       <p:sp>
         <p:nvSpPr>
-          <p:cNvPr id="21" name="文本框 20"/>
-          <p:cNvSpPr txBox="1"/>
-          <p:nvPr/>
-        </p:nvSpPr>
-        <p:spPr>
-          <a:xfrm>
-            <a:off x="2915073" y="3114680"/>
-            <a:ext cx="4387392" cy="461665"/>
-          </a:xfrm>
-          <a:prstGeom prst="rect">
-            <a:avLst/>
-          </a:prstGeom>
-          <a:noFill/>
-        </p:spPr>
-        <p:txBody>
-          <a:bodyPr wrap="square" rtlCol="0">
-            <a:spAutoFit/>
-          </a:bodyPr>
-          <a:lstStyle/>
-          <a:p>
-            <a:r>
-              <a:rPr lang="zh-CN" altLang="en-US" sz="2400" dirty="0">
-                <a:solidFill>
-                  <a:schemeClr val="tx1">
-                    <a:lumMod val="75000"/>
-                    <a:lumOff val="25000"/>
-                  </a:schemeClr>
-                </a:solidFill>
-              </a:rPr>
-              <a:t>有页码版式</a:t>
-            </a:r>
-          </a:p>
-        </p:txBody>
-      </p:sp>
-      <p:sp>
-        <p:nvSpPr>
           <p:cNvPr id="23" name="Freeform 10"/>
           <p:cNvSpPr>
             <a:spLocks/>
@@ -23295,6 +23761,41 @@
               <a:latin typeface="微软雅黑" panose="020B0503020204020204" pitchFamily="34" charset="-122"/>
               <a:ea typeface="微软雅黑" panose="020B0503020204020204" pitchFamily="34" charset="-122"/>
             </a:endParaRPr>
+          </a:p>
+        </p:txBody>
+      </p:sp>
+      <p:sp>
+        <p:nvSpPr>
+          <p:cNvPr id="28" name="文本框 27">
+            <a:extLst>
+              <a:ext uri="{FF2B5EF4-FFF2-40B4-BE49-F238E27FC236}">
+                <a16:creationId xmlns:a16="http://schemas.microsoft.com/office/drawing/2014/main" id="{33DD9C39-069B-4BE3-9468-D9A4567725F7}"/>
+              </a:ext>
+            </a:extLst>
+          </p:cNvPr>
+          <p:cNvSpPr txBox="1"/>
+          <p:nvPr/>
+        </p:nvSpPr>
+        <p:spPr>
+          <a:xfrm>
+            <a:off x="2915073" y="3114680"/>
+            <a:ext cx="4387392" cy="461665"/>
+          </a:xfrm>
+          <a:prstGeom prst="rect">
+            <a:avLst/>
+          </a:prstGeom>
+          <a:noFill/>
+        </p:spPr>
+        <p:txBody>
+          <a:bodyPr wrap="square" rtlCol="0">
+            <a:spAutoFit/>
+          </a:bodyPr>
+          <a:lstStyle/>
+          <a:p>
+            <a:r>
+              <a:rPr lang="en-US" altLang="zh-CN" sz="2400" dirty="0"/>
+              <a:t>Consensus</a:t>
+            </a:r>
           </a:p>
         </p:txBody>
       </p:sp>
@@ -23740,8 +24241,8 @@
           <a:chExt cx="0" cy="0"/>
         </a:xfrm>
       </p:grpSpPr>
-      <mc:AlternateContent xmlns:mc="http://schemas.openxmlformats.org/markup-compatibility/2006">
-        <mc:Choice xmlns:a14="http://schemas.microsoft.com/office/drawing/2010/main" Requires="a14">
+      <mc:AlternateContent xmlns:mc="http://schemas.openxmlformats.org/markup-compatibility/2006" xmlns:a14="http://schemas.microsoft.com/office/drawing/2010/main">
+        <mc:Choice Requires="a14">
           <p:sp>
             <p:nvSpPr>
               <p:cNvPr id="2" name="内容占位符 1">
@@ -24806,7 +25307,7 @@
             </p:txBody>
           </p:sp>
         </mc:Choice>
-        <mc:Fallback>
+        <mc:Fallback xmlns="">
           <p:sp>
             <p:nvSpPr>
               <p:cNvPr id="2" name="内容占位符 1">
@@ -24907,8 +25408,8 @@
           <a:chExt cx="0" cy="0"/>
         </a:xfrm>
       </p:grpSpPr>
-      <mc:AlternateContent xmlns:mc="http://schemas.openxmlformats.org/markup-compatibility/2006">
-        <mc:Choice xmlns:a14="http://schemas.microsoft.com/office/drawing/2010/main" Requires="a14">
+      <mc:AlternateContent xmlns:mc="http://schemas.openxmlformats.org/markup-compatibility/2006" xmlns:a14="http://schemas.microsoft.com/office/drawing/2010/main">
+        <mc:Choice Requires="a14">
           <p:sp>
             <p:nvSpPr>
               <p:cNvPr id="2" name="内容占位符 1">
@@ -25774,7 +26275,7 @@
             </p:txBody>
           </p:sp>
         </mc:Choice>
-        <mc:Fallback>
+        <mc:Fallback xmlns="">
           <p:sp>
             <p:nvSpPr>
               <p:cNvPr id="2" name="内容占位符 1">
@@ -26689,42 +27190,6 @@
       </p:cxnSp>
       <p:sp>
         <p:nvSpPr>
-          <p:cNvPr id="21" name="文本框 20"/>
-          <p:cNvSpPr txBox="1"/>
-          <p:nvPr/>
-        </p:nvSpPr>
-        <p:spPr>
-          <a:xfrm>
-            <a:off x="2915073" y="3114680"/>
-            <a:ext cx="4387392" cy="461665"/>
-          </a:xfrm>
-          <a:prstGeom prst="rect">
-            <a:avLst/>
-          </a:prstGeom>
-          <a:noFill/>
-        </p:spPr>
-        <p:txBody>
-          <a:bodyPr wrap="square" rtlCol="0">
-            <a:spAutoFit/>
-          </a:bodyPr>
-          <a:lstStyle/>
-          <a:p>
-            <a:r>
-              <a:rPr lang="zh-CN" altLang="en-US" sz="2400" dirty="0">
-                <a:solidFill>
-                  <a:schemeClr val="tx1">
-                    <a:lumMod val="75000"/>
-                    <a:lumOff val="25000"/>
-                  </a:schemeClr>
-                </a:solidFill>
-              </a:rPr>
-              <a:t>有页码版式</a:t>
-            </a:r>
-          </a:p>
-        </p:txBody>
-      </p:sp>
-      <p:sp>
-        <p:nvSpPr>
           <p:cNvPr id="23" name="Freeform 10"/>
           <p:cNvSpPr>
             <a:spLocks/>
@@ -27264,6 +27729,41 @@
               <a:t> and Validator election</a:t>
             </a:r>
             <a:endParaRPr lang="zh-CN" altLang="en-US" sz="2400" dirty="0"/>
+          </a:p>
+        </p:txBody>
+      </p:sp>
+      <p:sp>
+        <p:nvSpPr>
+          <p:cNvPr id="27" name="文本框 26">
+            <a:extLst>
+              <a:ext uri="{FF2B5EF4-FFF2-40B4-BE49-F238E27FC236}">
+                <a16:creationId xmlns:a16="http://schemas.microsoft.com/office/drawing/2014/main" id="{38F10A68-B2BB-4E03-BEE7-ACF1D623248C}"/>
+              </a:ext>
+            </a:extLst>
+          </p:cNvPr>
+          <p:cNvSpPr txBox="1"/>
+          <p:nvPr/>
+        </p:nvSpPr>
+        <p:spPr>
+          <a:xfrm>
+            <a:off x="2915073" y="3114680"/>
+            <a:ext cx="4387392" cy="461665"/>
+          </a:xfrm>
+          <a:prstGeom prst="rect">
+            <a:avLst/>
+          </a:prstGeom>
+          <a:noFill/>
+        </p:spPr>
+        <p:txBody>
+          <a:bodyPr wrap="square" rtlCol="0">
+            <a:spAutoFit/>
+          </a:bodyPr>
+          <a:lstStyle/>
+          <a:p>
+            <a:r>
+              <a:rPr lang="en-US" altLang="zh-CN" sz="2400" dirty="0"/>
+              <a:t>Consensus</a:t>
+            </a:r>
           </a:p>
         </p:txBody>
       </p:sp>

--- a/Polkadot-PPT.pptx
+++ b/Polkadot-PPT.pptx
@@ -3260,7 +3260,7 @@
           <a:p>
             <a:fld id="{202C1FBA-CF23-45CA-A289-03E32D160964}" type="datetimeFigureOut">
               <a:rPr lang="zh-CN" altLang="en-US" smtClean="0"/>
-              <a:t>2020/12/13</a:t>
+              <a:t>2020/12/14</a:t>
             </a:fld>
             <a:endParaRPr lang="zh-CN" altLang="en-US"/>
           </a:p>
@@ -3425,7 +3425,7 @@
           <a:p>
             <a:fld id="{6D966BD8-0FC1-456F-BDC6-7D0CA8E36566}" type="datetimeFigureOut">
               <a:rPr lang="zh-CN" altLang="en-US" smtClean="0"/>
-              <a:t>2020/12/13</a:t>
+              <a:t>2020/12/14</a:t>
             </a:fld>
             <a:endParaRPr lang="zh-CN" altLang="en-US"/>
           </a:p>

--- a/Polkadot-PPT.pptx
+++ b/Polkadot-PPT.pptx
@@ -10145,20 +10145,25 @@
             <p:ph type="title"/>
           </p:nvPr>
         </p:nvSpPr>
-        <p:spPr/>
+        <p:spPr>
+          <a:xfrm>
+            <a:off x="469123" y="4006448"/>
+            <a:ext cx="8357885" cy="1114192"/>
+          </a:xfrm>
+        </p:spPr>
         <p:txBody>
           <a:bodyPr/>
           <a:lstStyle/>
           <a:p>
             <a:r>
               <a:rPr lang="en-US" altLang="zh-CN" dirty="0"/>
-              <a:t>Some Details about </a:t>
+              <a:t>Some details about </a:t>
             </a:r>
             <a:r>
               <a:rPr lang="en-US" altLang="zh-CN" dirty="0" err="1"/>
               <a:t>Polkadot</a:t>
             </a:r>
-            <a:endParaRPr lang="zh-CN" altLang="en-US" sz="2400" dirty="0"/>
+            <a:endParaRPr lang="zh-CN" altLang="en-US" sz="2000" dirty="0"/>
           </a:p>
         </p:txBody>
       </p:sp>
@@ -10205,6 +10210,51 @@
               <a:t>December, 2020</a:t>
             </a:r>
             <a:endParaRPr lang="zh-CN" altLang="en-US" dirty="0"/>
+          </a:p>
+        </p:txBody>
+      </p:sp>
+      <p:sp>
+        <p:nvSpPr>
+          <p:cNvPr id="2" name="矩形 1">
+            <a:extLst>
+              <a:ext uri="{FF2B5EF4-FFF2-40B4-BE49-F238E27FC236}">
+                <a16:creationId xmlns:a16="http://schemas.microsoft.com/office/drawing/2014/main" id="{8E6F6DC7-ABF5-4659-8C19-B393508271A3}"/>
+              </a:ext>
+            </a:extLst>
+          </p:cNvPr>
+          <p:cNvSpPr/>
+          <p:nvPr/>
+        </p:nvSpPr>
+        <p:spPr>
+          <a:xfrm>
+            <a:off x="469123" y="4845136"/>
+            <a:ext cx="3892412" cy="400110"/>
+          </a:xfrm>
+          <a:prstGeom prst="rect">
+            <a:avLst/>
+          </a:prstGeom>
+        </p:spPr>
+        <p:txBody>
+          <a:bodyPr wrap="none">
+            <a:spAutoFit/>
+          </a:bodyPr>
+          <a:lstStyle/>
+          <a:p>
+            <a:r>
+              <a:rPr lang="en-US" altLang="zh-CN" sz="2000" b="1" dirty="0">
+                <a:solidFill>
+                  <a:schemeClr val="bg1"/>
+                </a:solidFill>
+                <a:latin typeface="+mj-lt"/>
+              </a:rPr>
+              <a:t>Components and sub-protocols</a:t>
+            </a:r>
+            <a:endParaRPr lang="zh-CN" altLang="en-US" sz="2000" b="1" dirty="0">
+              <a:solidFill>
+                <a:schemeClr val="bg1"/>
+              </a:solidFill>
+              <a:latin typeface="+mj-lt"/>
+            </a:endParaRPr>
           </a:p>
         </p:txBody>
       </p:sp>
@@ -10729,6 +10779,13 @@
             <a:r>
               <a:rPr lang="en-US" altLang="zh-CN" dirty="0"/>
               <a:t>, an executing ordered set of instructions</a:t>
+            </a:r>
+          </a:p>
+          <a:p>
+            <a:pPr lvl="1"/>
+            <a:r>
+              <a:rPr lang="en-US" altLang="zh-CN" dirty="0"/>
+              <a:t>Which are the input data supplied to the Relay-chain state machine to transition to new states</a:t>
             </a:r>
           </a:p>
           <a:p>

--- a/Polkadot-PPT.pptx
+++ b/Polkadot-PPT.pptx
@@ -5,10 +5,10 @@
     <p:sldMasterId id="2147483802" r:id="rId1"/>
   </p:sldMasterIdLst>
   <p:notesMasterIdLst>
-    <p:notesMasterId r:id="rId24"/>
+    <p:notesMasterId r:id="rId25"/>
   </p:notesMasterIdLst>
   <p:handoutMasterIdLst>
-    <p:handoutMasterId r:id="rId25"/>
+    <p:handoutMasterId r:id="rId26"/>
   </p:handoutMasterIdLst>
   <p:sldIdLst>
     <p:sldId id="259" r:id="rId2"/>
@@ -26,13 +26,14 @@
     <p:sldId id="291" r:id="rId14"/>
     <p:sldId id="292" r:id="rId15"/>
     <p:sldId id="270" r:id="rId16"/>
-    <p:sldId id="276" r:id="rId17"/>
-    <p:sldId id="277" r:id="rId18"/>
-    <p:sldId id="278" r:id="rId19"/>
-    <p:sldId id="279" r:id="rId20"/>
-    <p:sldId id="280" r:id="rId21"/>
-    <p:sldId id="281" r:id="rId22"/>
-    <p:sldId id="282" r:id="rId23"/>
+    <p:sldId id="293" r:id="rId17"/>
+    <p:sldId id="276" r:id="rId18"/>
+    <p:sldId id="277" r:id="rId19"/>
+    <p:sldId id="278" r:id="rId20"/>
+    <p:sldId id="279" r:id="rId21"/>
+    <p:sldId id="280" r:id="rId22"/>
+    <p:sldId id="281" r:id="rId23"/>
+    <p:sldId id="282" r:id="rId24"/>
   </p:sldIdLst>
   <p:sldSz cx="9144000" cy="6858000" type="screen4x3"/>
   <p:notesSz cx="6858000" cy="9144000"/>
@@ -10592,7 +10593,7 @@
             </a:r>
             <a:r>
               <a:rPr lang="en-US" altLang="zh-CN" dirty="0"/>
-              <a:t>, which include transactions submitted by the public and any data which can affect state transition</a:t>
+              <a:t>, which include transactions submitted by the public and any data which can affect state transition.</a:t>
             </a:r>
           </a:p>
           <a:p>
@@ -10785,8 +10786,88 @@
             <a:pPr lvl="1"/>
             <a:r>
               <a:rPr lang="en-US" altLang="zh-CN" dirty="0"/>
-              <a:t>Which are the input data supplied to the Relay-chain state machine to transition to new states</a:t>
-            </a:r>
+              <a:t>are the input data supplied to the Relay-chain state machine to transition to new states.</a:t>
+            </a:r>
+          </a:p>
+          <a:p>
+            <a:pPr lvl="1"/>
+            <a:r>
+              <a:rPr lang="en-US" altLang="zh-CN" dirty="0"/>
+              <a:t> be stored into blocks of the relay chain  to achieve consensus among the state machine replica.</a:t>
+            </a:r>
+          </a:p>
+          <a:p>
+            <a:r>
+              <a:rPr lang="en-US" altLang="zh-CN" dirty="0"/>
+              <a:t>Two categories of </a:t>
+            </a:r>
+            <a:r>
+              <a:rPr lang="en-US" altLang="zh-CN" dirty="0" err="1"/>
+              <a:t>Extrinsics</a:t>
+            </a:r>
+            <a:endParaRPr lang="en-US" altLang="zh-CN" dirty="0"/>
+          </a:p>
+          <a:p>
+            <a:pPr lvl="1"/>
+            <a:r>
+              <a:rPr lang="en-US" altLang="zh-CN" dirty="0"/>
+              <a:t>Transactions</a:t>
+            </a:r>
+          </a:p>
+          <a:p>
+            <a:pPr lvl="2"/>
+            <a:r>
+              <a:rPr lang="en-US" altLang="zh-CN" dirty="0"/>
+              <a:t>Examples: </a:t>
+            </a:r>
+            <a:r>
+              <a:rPr lang="en-US" altLang="zh-CN" dirty="0" err="1"/>
+              <a:t>set_code</a:t>
+            </a:r>
+            <a:r>
+              <a:rPr lang="en-US" altLang="zh-CN" dirty="0"/>
+              <a:t>, transfer, bond, validate, nominate, vote</a:t>
+            </a:r>
+          </a:p>
+          <a:p>
+            <a:pPr lvl="2"/>
+            <a:r>
+              <a:rPr lang="en-US" altLang="zh-CN" dirty="0"/>
+              <a:t>Signed and gossiped</a:t>
+            </a:r>
+          </a:p>
+          <a:p>
+            <a:pPr lvl="1"/>
+            <a:r>
+              <a:rPr lang="en-US" altLang="zh-CN" dirty="0"/>
+              <a:t>“</a:t>
+            </a:r>
+            <a:r>
+              <a:rPr lang="en-US" altLang="zh-CN" dirty="0" err="1"/>
+              <a:t>inherents</a:t>
+            </a:r>
+            <a:r>
+              <a:rPr lang="en-US" altLang="zh-CN" dirty="0"/>
+              <a:t>”, the data that is inherent to a relay chain block. </a:t>
+            </a:r>
+          </a:p>
+          <a:p>
+            <a:pPr lvl="2"/>
+            <a:r>
+              <a:rPr lang="en-US" altLang="zh-CN" dirty="0"/>
+              <a:t>Example: The timestamp t of blocks</a:t>
+            </a:r>
+          </a:p>
+          <a:p>
+            <a:pPr lvl="2"/>
+            <a:r>
+              <a:rPr lang="en-US" altLang="zh-CN" dirty="0"/>
+              <a:t>Not signed and not gossiped, rather only when they are included in a block</a:t>
+            </a:r>
+          </a:p>
+          <a:p>
+            <a:pPr lvl="2"/>
+            <a:endParaRPr lang="en-US" altLang="zh-CN" dirty="0"/>
           </a:p>
           <a:p>
             <a:pPr lvl="1"/>
@@ -11069,7 +11150,57 @@
           <a:p>
             <a:r>
               <a:rPr lang="en-US" altLang="zh-CN" dirty="0"/>
-              <a:t>Relay chain block building</a:t>
+              <a:t>the validator’s operations for building relay chain block</a:t>
+            </a:r>
+          </a:p>
+          <a:p>
+            <a:pPr lvl="1"/>
+            <a:r>
+              <a:rPr lang="en-US" altLang="zh-CN" dirty="0"/>
+              <a:t>Step one: each relay chain Validators privately knows the time when they should produce a block </a:t>
+            </a:r>
+          </a:p>
+          <a:p>
+            <a:pPr lvl="1"/>
+            <a:r>
+              <a:rPr lang="en-US" altLang="zh-CN" dirty="0"/>
+              <a:t>Step two: transactions (validated </a:t>
+            </a:r>
+            <a:r>
+              <a:rPr lang="en-US" altLang="zh-CN" dirty="0" err="1"/>
+              <a:t>parachain</a:t>
+            </a:r>
+            <a:r>
+              <a:rPr lang="en-US" altLang="zh-CN" dirty="0"/>
+              <a:t> block hash, transfer, staking, nomination or slashing for violation) are submitted to relay chain validators.</a:t>
+            </a:r>
+          </a:p>
+          <a:p>
+            <a:pPr lvl="1"/>
+            <a:r>
+              <a:rPr lang="en-US" altLang="zh-CN" dirty="0"/>
+              <a:t>Step three: relay chain validators examine the validity and store them in their transaction pool</a:t>
+            </a:r>
+          </a:p>
+          <a:p>
+            <a:pPr lvl="1"/>
+            <a:r>
+              <a:rPr lang="en-US" altLang="zh-CN" dirty="0"/>
+              <a:t>Step four: When the validator should produce a block, it will estimate the block which most likely represents the state which is going to be finalized by the finality protocol and set it as the current state of the relay chain.</a:t>
+            </a:r>
+          </a:p>
+          <a:p>
+            <a:pPr lvl="1"/>
+            <a:r>
+              <a:rPr lang="en-US" altLang="zh-CN" dirty="0"/>
+              <a:t>Step five: Validator select and executes transactions and updates the state.</a:t>
+            </a:r>
+          </a:p>
+          <a:p>
+            <a:pPr lvl="1"/>
+            <a:r>
+              <a:rPr lang="en-US" altLang="zh-CN" dirty="0"/>
+              <a:t>Step Six: Validator attaches a digest of the final stage of relay chain, then signs and publishes the built block.</a:t>
             </a:r>
           </a:p>
           <a:p>
@@ -12056,42 +12187,6 @@
       </p:cxnSp>
       <p:sp>
         <p:nvSpPr>
-          <p:cNvPr id="26" name="文本框 25"/>
-          <p:cNvSpPr txBox="1"/>
-          <p:nvPr/>
-        </p:nvSpPr>
-        <p:spPr>
-          <a:xfrm>
-            <a:off x="2915073" y="4034653"/>
-            <a:ext cx="4387392" cy="461665"/>
-          </a:xfrm>
-          <a:prstGeom prst="rect">
-            <a:avLst/>
-          </a:prstGeom>
-          <a:noFill/>
-        </p:spPr>
-        <p:txBody>
-          <a:bodyPr wrap="square" rtlCol="0">
-            <a:spAutoFit/>
-          </a:bodyPr>
-          <a:lstStyle/>
-          <a:p>
-            <a:r>
-              <a:rPr lang="zh-CN" altLang="en-US" sz="2400" dirty="0">
-                <a:solidFill>
-                  <a:schemeClr val="tx1">
-                    <a:lumMod val="75000"/>
-                    <a:lumOff val="25000"/>
-                  </a:schemeClr>
-                </a:solidFill>
-              </a:rPr>
-              <a:t>图形与配色</a:t>
-            </a:r>
-          </a:p>
-        </p:txBody>
-      </p:sp>
-      <p:sp>
-        <p:nvSpPr>
           <p:cNvPr id="33" name="Freeform 10"/>
           <p:cNvSpPr>
             <a:spLocks/>
@@ -12308,42 +12403,6 @@
       </p:cxnSp>
       <p:sp>
         <p:nvSpPr>
-          <p:cNvPr id="36" name="文本框 35"/>
-          <p:cNvSpPr txBox="1"/>
-          <p:nvPr/>
-        </p:nvSpPr>
-        <p:spPr>
-          <a:xfrm>
-            <a:off x="2915073" y="4954628"/>
-            <a:ext cx="4387392" cy="461665"/>
-          </a:xfrm>
-          <a:prstGeom prst="rect">
-            <a:avLst/>
-          </a:prstGeom>
-          <a:noFill/>
-        </p:spPr>
-        <p:txBody>
-          <a:bodyPr wrap="square" rtlCol="0">
-            <a:spAutoFit/>
-          </a:bodyPr>
-          <a:lstStyle/>
-          <a:p>
-            <a:r>
-              <a:rPr lang="zh-CN" altLang="en-US" sz="2400" dirty="0">
-                <a:solidFill>
-                  <a:schemeClr val="tx1">
-                    <a:lumMod val="75000"/>
-                    <a:lumOff val="25000"/>
-                  </a:schemeClr>
-                </a:solidFill>
-              </a:rPr>
-              <a:t>图片处理及排版</a:t>
-            </a:r>
-          </a:p>
-        </p:txBody>
-      </p:sp>
-      <p:sp>
-        <p:nvSpPr>
           <p:cNvPr id="27" name="文本框 26">
             <a:extLst>
               <a:ext uri="{FF2B5EF4-FFF2-40B4-BE49-F238E27FC236}">
@@ -12467,6 +12526,78 @@
           </a:p>
         </p:txBody>
       </p:sp>
+      <p:sp>
+        <p:nvSpPr>
+          <p:cNvPr id="30" name="文本框 29">
+            <a:extLst>
+              <a:ext uri="{FF2B5EF4-FFF2-40B4-BE49-F238E27FC236}">
+                <a16:creationId xmlns:a16="http://schemas.microsoft.com/office/drawing/2014/main" id="{5929A1A1-8BEE-485E-AEA4-46D245D14C99}"/>
+              </a:ext>
+            </a:extLst>
+          </p:cNvPr>
+          <p:cNvSpPr txBox="1"/>
+          <p:nvPr/>
+        </p:nvSpPr>
+        <p:spPr>
+          <a:xfrm>
+            <a:off x="2915073" y="4034653"/>
+            <a:ext cx="4387392" cy="461665"/>
+          </a:xfrm>
+          <a:prstGeom prst="rect">
+            <a:avLst/>
+          </a:prstGeom>
+          <a:noFill/>
+        </p:spPr>
+        <p:txBody>
+          <a:bodyPr wrap="square" rtlCol="0">
+            <a:spAutoFit/>
+          </a:bodyPr>
+          <a:lstStyle/>
+          <a:p>
+            <a:r>
+              <a:rPr lang="en-US" altLang="zh-CN" sz="2400" dirty="0" err="1"/>
+              <a:t>Parachains</a:t>
+            </a:r>
+            <a:endParaRPr lang="zh-CN" altLang="en-US" sz="2400" dirty="0"/>
+          </a:p>
+        </p:txBody>
+      </p:sp>
+      <p:sp>
+        <p:nvSpPr>
+          <p:cNvPr id="31" name="文本框 30">
+            <a:extLst>
+              <a:ext uri="{FF2B5EF4-FFF2-40B4-BE49-F238E27FC236}">
+                <a16:creationId xmlns:a16="http://schemas.microsoft.com/office/drawing/2014/main" id="{4B1788CD-ACAF-4A8E-BDE5-F7C5AF27E736}"/>
+              </a:ext>
+            </a:extLst>
+          </p:cNvPr>
+          <p:cNvSpPr txBox="1"/>
+          <p:nvPr/>
+        </p:nvSpPr>
+        <p:spPr>
+          <a:xfrm>
+            <a:off x="2915073" y="4954628"/>
+            <a:ext cx="5137744" cy="461665"/>
+          </a:xfrm>
+          <a:prstGeom prst="rect">
+            <a:avLst/>
+          </a:prstGeom>
+          <a:noFill/>
+        </p:spPr>
+        <p:txBody>
+          <a:bodyPr wrap="square" rtlCol="0">
+            <a:spAutoFit/>
+          </a:bodyPr>
+          <a:lstStyle/>
+          <a:p>
+            <a:r>
+              <a:rPr lang="en-US" altLang="zh-CN" sz="2400" dirty="0"/>
+              <a:t>Economics, Incentive and Governance</a:t>
+            </a:r>
+            <a:endParaRPr lang="zh-CN" altLang="en-US" sz="2400" dirty="0"/>
+          </a:p>
+        </p:txBody>
+      </p:sp>
     </p:spTree>
     <p:extLst>
       <p:ext uri="{BB962C8B-B14F-4D97-AF65-F5344CB8AC3E}">
@@ -12481,6 +12612,219 @@
 </file>
 
 <file path=ppt/slides/slide16.xml><?xml version="1.0" encoding="utf-8"?>
+<p:sld xmlns:a="http://schemas.openxmlformats.org/drawingml/2006/main" xmlns:r="http://schemas.openxmlformats.org/officeDocument/2006/relationships" xmlns:p="http://schemas.openxmlformats.org/presentationml/2006/main">
+  <p:cSld>
+    <p:spTree>
+      <p:nvGrpSpPr>
+        <p:cNvPr id="1" name=""/>
+        <p:cNvGrpSpPr/>
+        <p:nvPr/>
+      </p:nvGrpSpPr>
+      <p:grpSpPr>
+        <a:xfrm>
+          <a:off x="0" y="0"/>
+          <a:ext cx="0" cy="0"/>
+          <a:chOff x="0" y="0"/>
+          <a:chExt cx="0" cy="0"/>
+        </a:xfrm>
+      </p:grpSpPr>
+      <p:sp>
+        <p:nvSpPr>
+          <p:cNvPr id="2" name="内容占位符 1">
+            <a:extLst>
+              <a:ext uri="{FF2B5EF4-FFF2-40B4-BE49-F238E27FC236}">
+                <a16:creationId xmlns:a16="http://schemas.microsoft.com/office/drawing/2014/main" id="{191A5915-23F6-4A10-9412-0C3A4CDDAD4D}"/>
+              </a:ext>
+            </a:extLst>
+          </p:cNvPr>
+          <p:cNvSpPr>
+            <a:spLocks noGrp="1"/>
+          </p:cNvSpPr>
+          <p:nvPr>
+            <p:ph sz="quarter" idx="10"/>
+          </p:nvPr>
+        </p:nvSpPr>
+        <p:spPr/>
+        <p:txBody>
+          <a:bodyPr/>
+          <a:lstStyle/>
+          <a:p>
+            <a:r>
+              <a:rPr lang="en-US" altLang="zh-CN" dirty="0"/>
+              <a:t>Separate</a:t>
+            </a:r>
+            <a:r>
+              <a:rPr lang="zh-CN" altLang="en-US" dirty="0"/>
+              <a:t> </a:t>
+            </a:r>
+            <a:r>
+              <a:rPr lang="en-US" altLang="zh-CN" dirty="0"/>
+              <a:t>the</a:t>
+            </a:r>
+            <a:r>
+              <a:rPr lang="zh-CN" altLang="en-US" dirty="0"/>
+              <a:t> </a:t>
+            </a:r>
+            <a:r>
+              <a:rPr lang="en-US" altLang="zh-CN" dirty="0"/>
+              <a:t>mechanisms</a:t>
+            </a:r>
+            <a:r>
+              <a:rPr lang="zh-CN" altLang="en-US" dirty="0"/>
+              <a:t> </a:t>
+            </a:r>
+            <a:r>
+              <a:rPr lang="en-US" altLang="zh-CN" dirty="0"/>
+              <a:t>for</a:t>
+            </a:r>
+            <a:r>
+              <a:rPr lang="zh-CN" altLang="en-US" dirty="0"/>
+              <a:t> </a:t>
+            </a:r>
+            <a:r>
+              <a:rPr lang="en-US" altLang="zh-CN" dirty="0"/>
+              <a:t>block</a:t>
+            </a:r>
+            <a:r>
+              <a:rPr lang="zh-CN" altLang="en-US" dirty="0"/>
+              <a:t> </a:t>
+            </a:r>
+            <a:r>
+              <a:rPr lang="en-US" altLang="zh-CN" dirty="0"/>
+              <a:t>production</a:t>
+            </a:r>
+            <a:r>
+              <a:rPr lang="zh-CN" altLang="en-US" dirty="0"/>
+              <a:t> </a:t>
+            </a:r>
+            <a:r>
+              <a:rPr lang="en-US" altLang="zh-CN" dirty="0"/>
+              <a:t>and</a:t>
+            </a:r>
+            <a:r>
+              <a:rPr lang="zh-CN" altLang="en-US" dirty="0"/>
+              <a:t> </a:t>
+            </a:r>
+            <a:r>
+              <a:rPr lang="en-US" altLang="zh-CN" dirty="0" err="1"/>
+              <a:t>finalising</a:t>
+            </a:r>
+            <a:r>
+              <a:rPr lang="zh-CN" altLang="en-US" dirty="0"/>
+              <a:t> </a:t>
+            </a:r>
+            <a:r>
+              <a:rPr lang="en-US" altLang="zh-CN" dirty="0"/>
+              <a:t>blocks.</a:t>
+            </a:r>
+          </a:p>
+          <a:p>
+            <a:pPr lvl="1"/>
+            <a:endParaRPr lang="en-US" altLang="zh-CN" dirty="0"/>
+          </a:p>
+          <a:p>
+            <a:r>
+              <a:rPr lang="en-US" altLang="zh-CN" dirty="0"/>
+              <a:t>Blind Assignment for Blockchain Extension (BABE)</a:t>
+            </a:r>
+          </a:p>
+          <a:p>
+            <a:pPr lvl="1"/>
+            <a:r>
+              <a:rPr lang="en-US" altLang="zh-CN" dirty="0"/>
+              <a:t>A block production mechanism of the relay chain that provide </a:t>
+            </a:r>
+            <a:r>
+              <a:rPr lang="en-US" altLang="zh-CN" b="1" dirty="0"/>
+              <a:t>probabilistic finality( a</a:t>
+            </a:r>
+            <a:r>
+              <a:rPr lang="en-US" altLang="zh-CN" dirty="0"/>
+              <a:t>fter certain time passes, a block in the relay chain will be </a:t>
+            </a:r>
+            <a:r>
+              <a:rPr lang="en-US" altLang="zh-CN" dirty="0" err="1"/>
+              <a:t>finalised</a:t>
+            </a:r>
+            <a:r>
+              <a:rPr lang="en-US" altLang="zh-CN" dirty="0"/>
+              <a:t> with very high probability)</a:t>
+            </a:r>
+          </a:p>
+          <a:p>
+            <a:r>
+              <a:rPr lang="en-US" altLang="zh-CN" dirty="0"/>
+              <a:t>GRANDPA</a:t>
+            </a:r>
+          </a:p>
+          <a:p>
+            <a:pPr lvl="1"/>
+            <a:r>
+              <a:rPr lang="en-US" altLang="zh-CN" dirty="0"/>
+              <a:t>Provides provable, </a:t>
+            </a:r>
+            <a:r>
+              <a:rPr lang="en-US" altLang="zh-CN" b="1" dirty="0"/>
+              <a:t>deterministic finality</a:t>
+            </a:r>
+            <a:r>
+              <a:rPr lang="en-US" altLang="zh-CN" dirty="0"/>
+              <a:t>( a finalized block stays final forever)</a:t>
+            </a:r>
+            <a:r>
+              <a:rPr lang="en-US" altLang="zh-CN" b="1" dirty="0"/>
+              <a:t> </a:t>
+            </a:r>
+            <a:r>
+              <a:rPr lang="en-US" altLang="zh-CN" dirty="0"/>
+              <a:t>and works independently from BABE</a:t>
+            </a:r>
+          </a:p>
+        </p:txBody>
+      </p:sp>
+      <p:sp>
+        <p:nvSpPr>
+          <p:cNvPr id="3" name="标题 2">
+            <a:extLst>
+              <a:ext uri="{FF2B5EF4-FFF2-40B4-BE49-F238E27FC236}">
+                <a16:creationId xmlns:a16="http://schemas.microsoft.com/office/drawing/2014/main" id="{EEE48B09-B8C1-4AD7-938D-28D33DC7D35D}"/>
+              </a:ext>
+            </a:extLst>
+          </p:cNvPr>
+          <p:cNvSpPr>
+            <a:spLocks noGrp="1"/>
+          </p:cNvSpPr>
+          <p:nvPr>
+            <p:ph type="title"/>
+          </p:nvPr>
+        </p:nvSpPr>
+        <p:spPr/>
+        <p:txBody>
+          <a:bodyPr/>
+          <a:lstStyle/>
+          <a:p>
+            <a:r>
+              <a:rPr lang="en-US" altLang="zh-CN" dirty="0"/>
+              <a:t>Consensus </a:t>
+            </a:r>
+            <a:endParaRPr lang="zh-CN" altLang="en-US" dirty="0"/>
+          </a:p>
+        </p:txBody>
+      </p:sp>
+    </p:spTree>
+    <p:extLst>
+      <p:ext uri="{BB962C8B-B14F-4D97-AF65-F5344CB8AC3E}">
+        <p14:creationId xmlns:p14="http://schemas.microsoft.com/office/powerpoint/2010/main" val="1441610796"/>
+      </p:ext>
+    </p:extLst>
+  </p:cSld>
+  <p:clrMapOvr>
+    <a:masterClrMapping/>
+  </p:clrMapOvr>
+</p:sld>
+</file>
+
+<file path=ppt/slides/slide17.xml><?xml version="1.0" encoding="utf-8"?>
 <p:sld xmlns:a="http://schemas.openxmlformats.org/drawingml/2006/main" xmlns:r="http://schemas.openxmlformats.org/officeDocument/2006/relationships" xmlns:p="http://schemas.openxmlformats.org/presentationml/2006/main">
   <p:cSld>
     <p:spTree>
@@ -13396,42 +13740,6 @@
       </p:cxnSp>
       <p:sp>
         <p:nvSpPr>
-          <p:cNvPr id="26" name="文本框 25"/>
-          <p:cNvSpPr txBox="1"/>
-          <p:nvPr/>
-        </p:nvSpPr>
-        <p:spPr>
-          <a:xfrm>
-            <a:off x="2915073" y="4034653"/>
-            <a:ext cx="4387392" cy="461665"/>
-          </a:xfrm>
-          <a:prstGeom prst="rect">
-            <a:avLst/>
-          </a:prstGeom>
-          <a:noFill/>
-        </p:spPr>
-        <p:txBody>
-          <a:bodyPr wrap="square" rtlCol="0">
-            <a:spAutoFit/>
-          </a:bodyPr>
-          <a:lstStyle/>
-          <a:p>
-            <a:r>
-              <a:rPr lang="zh-CN" altLang="en-US" sz="2400" dirty="0">
-                <a:solidFill>
-                  <a:schemeClr val="tx1">
-                    <a:lumMod val="75000"/>
-                    <a:lumOff val="25000"/>
-                  </a:schemeClr>
-                </a:solidFill>
-              </a:rPr>
-              <a:t>图形与配色</a:t>
-            </a:r>
-          </a:p>
-        </p:txBody>
-      </p:sp>
-      <p:sp>
-        <p:nvSpPr>
           <p:cNvPr id="33" name="Freeform 10"/>
           <p:cNvSpPr>
             <a:spLocks noChangeAspect="1"/>
@@ -13648,42 +13956,6 @@
       </p:cxnSp>
       <p:sp>
         <p:nvSpPr>
-          <p:cNvPr id="36" name="文本框 35"/>
-          <p:cNvSpPr txBox="1"/>
-          <p:nvPr/>
-        </p:nvSpPr>
-        <p:spPr>
-          <a:xfrm>
-            <a:off x="2915073" y="4954628"/>
-            <a:ext cx="4387392" cy="461665"/>
-          </a:xfrm>
-          <a:prstGeom prst="rect">
-            <a:avLst/>
-          </a:prstGeom>
-          <a:noFill/>
-        </p:spPr>
-        <p:txBody>
-          <a:bodyPr wrap="square" rtlCol="0">
-            <a:spAutoFit/>
-          </a:bodyPr>
-          <a:lstStyle/>
-          <a:p>
-            <a:r>
-              <a:rPr lang="zh-CN" altLang="en-US" sz="2400" dirty="0">
-                <a:solidFill>
-                  <a:schemeClr val="tx1">
-                    <a:lumMod val="75000"/>
-                    <a:lumOff val="25000"/>
-                  </a:schemeClr>
-                </a:solidFill>
-              </a:rPr>
-              <a:t>图片处理及排版</a:t>
-            </a:r>
-          </a:p>
-        </p:txBody>
-      </p:sp>
-      <p:sp>
-        <p:nvSpPr>
           <p:cNvPr id="27" name="文本框 26">
             <a:extLst>
               <a:ext uri="{FF2B5EF4-FFF2-40B4-BE49-F238E27FC236}">
@@ -13807,6 +14079,78 @@
           </a:p>
         </p:txBody>
       </p:sp>
+      <p:sp>
+        <p:nvSpPr>
+          <p:cNvPr id="30" name="文本框 29">
+            <a:extLst>
+              <a:ext uri="{FF2B5EF4-FFF2-40B4-BE49-F238E27FC236}">
+                <a16:creationId xmlns:a16="http://schemas.microsoft.com/office/drawing/2014/main" id="{FAEEC2EF-63E0-41AC-8096-B58B0901F43E}"/>
+              </a:ext>
+            </a:extLst>
+          </p:cNvPr>
+          <p:cNvSpPr txBox="1"/>
+          <p:nvPr/>
+        </p:nvSpPr>
+        <p:spPr>
+          <a:xfrm>
+            <a:off x="2915073" y="4034653"/>
+            <a:ext cx="4387392" cy="461665"/>
+          </a:xfrm>
+          <a:prstGeom prst="rect">
+            <a:avLst/>
+          </a:prstGeom>
+          <a:noFill/>
+        </p:spPr>
+        <p:txBody>
+          <a:bodyPr wrap="square" rtlCol="0">
+            <a:spAutoFit/>
+          </a:bodyPr>
+          <a:lstStyle/>
+          <a:p>
+            <a:r>
+              <a:rPr lang="en-US" altLang="zh-CN" sz="2400" dirty="0" err="1"/>
+              <a:t>Parachains</a:t>
+            </a:r>
+            <a:endParaRPr lang="zh-CN" altLang="en-US" sz="2400" dirty="0"/>
+          </a:p>
+        </p:txBody>
+      </p:sp>
+      <p:sp>
+        <p:nvSpPr>
+          <p:cNvPr id="31" name="文本框 30">
+            <a:extLst>
+              <a:ext uri="{FF2B5EF4-FFF2-40B4-BE49-F238E27FC236}">
+                <a16:creationId xmlns:a16="http://schemas.microsoft.com/office/drawing/2014/main" id="{5B1E82B5-785F-4746-8986-90B1431A45D7}"/>
+              </a:ext>
+            </a:extLst>
+          </p:cNvPr>
+          <p:cNvSpPr txBox="1"/>
+          <p:nvPr/>
+        </p:nvSpPr>
+        <p:spPr>
+          <a:xfrm>
+            <a:off x="2915073" y="4954628"/>
+            <a:ext cx="5137744" cy="461665"/>
+          </a:xfrm>
+          <a:prstGeom prst="rect">
+            <a:avLst/>
+          </a:prstGeom>
+          <a:noFill/>
+        </p:spPr>
+        <p:txBody>
+          <a:bodyPr wrap="square" rtlCol="0">
+            <a:spAutoFit/>
+          </a:bodyPr>
+          <a:lstStyle/>
+          <a:p>
+            <a:r>
+              <a:rPr lang="en-US" altLang="zh-CN" sz="2400" dirty="0"/>
+              <a:t>Economics, Incentive and Governance</a:t>
+            </a:r>
+            <a:endParaRPr lang="zh-CN" altLang="en-US" sz="2400" dirty="0"/>
+          </a:p>
+        </p:txBody>
+      </p:sp>
     </p:spTree>
     <p:extLst>
       <p:ext uri="{BB962C8B-B14F-4D97-AF65-F5344CB8AC3E}">
@@ -13820,7 +14164,7 @@
 </p:sld>
 </file>
 
-<file path=ppt/slides/slide17.xml><?xml version="1.0" encoding="utf-8"?>
+<file path=ppt/slides/slide18.xml><?xml version="1.0" encoding="utf-8"?>
 <p:sld xmlns:a="http://schemas.openxmlformats.org/drawingml/2006/main" xmlns:r="http://schemas.openxmlformats.org/officeDocument/2006/relationships" xmlns:p="http://schemas.openxmlformats.org/presentationml/2006/main">
   <p:cSld>
     <p:spTree>
@@ -13890,7 +14234,7 @@
 </p:sld>
 </file>
 
-<file path=ppt/slides/slide18.xml><?xml version="1.0" encoding="utf-8"?>
+<file path=ppt/slides/slide19.xml><?xml version="1.0" encoding="utf-8"?>
 <p:sld xmlns:a="http://schemas.openxmlformats.org/drawingml/2006/main" xmlns:r="http://schemas.openxmlformats.org/officeDocument/2006/relationships" xmlns:p="http://schemas.openxmlformats.org/presentationml/2006/main">
   <p:cSld>
     <p:spTree>
@@ -18367,843 +18711,6 @@
 </p:sld>
 </file>
 
-<file path=ppt/slides/slide19.xml><?xml version="1.0" encoding="utf-8"?>
-<p:sld xmlns:a="http://schemas.openxmlformats.org/drawingml/2006/main" xmlns:r="http://schemas.openxmlformats.org/officeDocument/2006/relationships" xmlns:p="http://schemas.openxmlformats.org/presentationml/2006/main">
-  <p:cSld>
-    <p:spTree>
-      <p:nvGrpSpPr>
-        <p:cNvPr id="1" name=""/>
-        <p:cNvGrpSpPr/>
-        <p:nvPr/>
-      </p:nvGrpSpPr>
-      <p:grpSpPr>
-        <a:xfrm>
-          <a:off x="0" y="0"/>
-          <a:ext cx="0" cy="0"/>
-          <a:chOff x="0" y="0"/>
-          <a:chExt cx="0" cy="0"/>
-        </a:xfrm>
-      </p:grpSpPr>
-      <p:sp>
-        <p:nvSpPr>
-          <p:cNvPr id="16" name="矩形 15"/>
-          <p:cNvSpPr/>
-          <p:nvPr/>
-        </p:nvSpPr>
-        <p:spPr>
-          <a:xfrm>
-            <a:off x="2888856" y="2768022"/>
-            <a:ext cx="6069027" cy="3269183"/>
-          </a:xfrm>
-          <a:prstGeom prst="rect">
-            <a:avLst/>
-          </a:prstGeom>
-          <a:solidFill>
-            <a:schemeClr val="bg1"/>
-          </a:solidFill>
-          <a:ln>
-            <a:solidFill>
-              <a:schemeClr val="accent1"/>
-            </a:solidFill>
-          </a:ln>
-        </p:spPr>
-        <p:style>
-          <a:lnRef idx="2">
-            <a:schemeClr val="accent1">
-              <a:shade val="50000"/>
-            </a:schemeClr>
-          </a:lnRef>
-          <a:fillRef idx="1">
-            <a:schemeClr val="accent1"/>
-          </a:fillRef>
-          <a:effectRef idx="0">
-            <a:schemeClr val="accent1"/>
-          </a:effectRef>
-          <a:fontRef idx="minor">
-            <a:schemeClr val="lt1"/>
-          </a:fontRef>
-        </p:style>
-        <p:txBody>
-          <a:bodyPr rtlCol="0" anchor="ctr"/>
-          <a:lstStyle/>
-          <a:p>
-            <a:pPr algn="ctr"/>
-            <a:endParaRPr lang="zh-CN" altLang="en-US"/>
-          </a:p>
-        </p:txBody>
-      </p:sp>
-      <p:sp>
-        <p:nvSpPr>
-          <p:cNvPr id="3" name="标题 2"/>
-          <p:cNvSpPr>
-            <a:spLocks noGrp="1"/>
-          </p:cNvSpPr>
-          <p:nvPr>
-            <p:ph type="title"/>
-          </p:nvPr>
-        </p:nvSpPr>
-        <p:spPr/>
-        <p:txBody>
-          <a:bodyPr/>
-          <a:lstStyle/>
-          <a:p>
-            <a:r>
-              <a:rPr lang="zh-CN" altLang="en-US" dirty="0"/>
-              <a:t>可使用</a:t>
-            </a:r>
-            <a:r>
-              <a:rPr lang="en-US" altLang="zh-CN" dirty="0"/>
-              <a:t>VI</a:t>
-            </a:r>
-            <a:r>
-              <a:rPr lang="zh-CN" altLang="en-US" dirty="0"/>
-              <a:t>辅助图形</a:t>
-            </a:r>
-          </a:p>
-        </p:txBody>
-      </p:sp>
-      <p:sp>
-        <p:nvSpPr>
-          <p:cNvPr id="5" name="Freeform 10"/>
-          <p:cNvSpPr>
-            <a:spLocks noChangeAspect="1"/>
-          </p:cNvSpPr>
-          <p:nvPr userDrawn="1"/>
-        </p:nvSpPr>
-        <p:spPr bwMode="auto">
-          <a:xfrm>
-            <a:off x="3139374" y="1937425"/>
-            <a:ext cx="752895" cy="306949"/>
-          </a:xfrm>
-          <a:custGeom>
-            <a:avLst/>
-            <a:gdLst>
-              <a:gd name="T0" fmla="*/ 3120 w 3800"/>
-              <a:gd name="T1" fmla="*/ 0 h 1532"/>
-              <a:gd name="T2" fmla="*/ 682 w 3800"/>
-              <a:gd name="T3" fmla="*/ 0 h 1532"/>
-              <a:gd name="T4" fmla="*/ 682 w 3800"/>
-              <a:gd name="T5" fmla="*/ 284 h 1532"/>
-              <a:gd name="T6" fmla="*/ 0 w 3800"/>
-              <a:gd name="T7" fmla="*/ 766 h 1532"/>
-              <a:gd name="T8" fmla="*/ 682 w 3800"/>
-              <a:gd name="T9" fmla="*/ 1248 h 1532"/>
-              <a:gd name="T10" fmla="*/ 682 w 3800"/>
-              <a:gd name="T11" fmla="*/ 1532 h 1532"/>
-              <a:gd name="T12" fmla="*/ 3120 w 3800"/>
-              <a:gd name="T13" fmla="*/ 1532 h 1532"/>
-              <a:gd name="T14" fmla="*/ 3120 w 3800"/>
-              <a:gd name="T15" fmla="*/ 1248 h 1532"/>
-              <a:gd name="T16" fmla="*/ 3800 w 3800"/>
-              <a:gd name="T17" fmla="*/ 766 h 1532"/>
-              <a:gd name="T18" fmla="*/ 3120 w 3800"/>
-              <a:gd name="T19" fmla="*/ 284 h 1532"/>
-              <a:gd name="T20" fmla="*/ 3120 w 3800"/>
-              <a:gd name="T21" fmla="*/ 0 h 1532"/>
-            </a:gdLst>
-            <a:ahLst/>
-            <a:cxnLst>
-              <a:cxn ang="0">
-                <a:pos x="T0" y="T1"/>
-              </a:cxn>
-              <a:cxn ang="0">
-                <a:pos x="T2" y="T3"/>
-              </a:cxn>
-              <a:cxn ang="0">
-                <a:pos x="T4" y="T5"/>
-              </a:cxn>
-              <a:cxn ang="0">
-                <a:pos x="T6" y="T7"/>
-              </a:cxn>
-              <a:cxn ang="0">
-                <a:pos x="T8" y="T9"/>
-              </a:cxn>
-              <a:cxn ang="0">
-                <a:pos x="T10" y="T11"/>
-              </a:cxn>
-              <a:cxn ang="0">
-                <a:pos x="T12" y="T13"/>
-              </a:cxn>
-              <a:cxn ang="0">
-                <a:pos x="T14" y="T15"/>
-              </a:cxn>
-              <a:cxn ang="0">
-                <a:pos x="T16" y="T17"/>
-              </a:cxn>
-              <a:cxn ang="0">
-                <a:pos x="T18" y="T19"/>
-              </a:cxn>
-              <a:cxn ang="0">
-                <a:pos x="T20" y="T21"/>
-              </a:cxn>
-            </a:cxnLst>
-            <a:rect l="0" t="0" r="r" b="b"/>
-            <a:pathLst>
-              <a:path w="3800" h="1532">
-                <a:moveTo>
-                  <a:pt x="3120" y="0"/>
-                </a:moveTo>
-                <a:lnTo>
-                  <a:pt x="682" y="0"/>
-                </a:lnTo>
-                <a:lnTo>
-                  <a:pt x="682" y="284"/>
-                </a:lnTo>
-                <a:lnTo>
-                  <a:pt x="0" y="766"/>
-                </a:lnTo>
-                <a:lnTo>
-                  <a:pt x="682" y="1248"/>
-                </a:lnTo>
-                <a:lnTo>
-                  <a:pt x="682" y="1532"/>
-                </a:lnTo>
-                <a:lnTo>
-                  <a:pt x="3120" y="1532"/>
-                </a:lnTo>
-                <a:lnTo>
-                  <a:pt x="3120" y="1248"/>
-                </a:lnTo>
-                <a:lnTo>
-                  <a:pt x="3800" y="766"/>
-                </a:lnTo>
-                <a:lnTo>
-                  <a:pt x="3120" y="284"/>
-                </a:lnTo>
-                <a:lnTo>
-                  <a:pt x="3120" y="0"/>
-                </a:lnTo>
-                <a:close/>
-              </a:path>
-            </a:pathLst>
-          </a:custGeom>
-          <a:solidFill>
-            <a:schemeClr val="accent1"/>
-          </a:solidFill>
-          <a:ln>
-            <a:noFill/>
-          </a:ln>
-        </p:spPr>
-        <p:txBody>
-          <a:bodyPr vert="horz" wrap="square" lIns="91440" tIns="45720" rIns="91440" bIns="45720" numCol="1" anchor="ctr" anchorCtr="0" compatLnSpc="1">
-            <a:prstTxWarp prst="textNoShape">
-              <a:avLst/>
-            </a:prstTxWarp>
-            <a:noAutofit/>
-          </a:bodyPr>
-          <a:lstStyle/>
-          <a:p>
-            <a:pPr algn="ctr"/>
-            <a:r>
-              <a:rPr lang="en-US" altLang="zh-CN" sz="2000" b="1" dirty="0">
-                <a:solidFill>
-                  <a:schemeClr val="bg1"/>
-                </a:solidFill>
-              </a:rPr>
-              <a:t>1</a:t>
-            </a:r>
-            <a:endParaRPr lang="zh-CN" altLang="en-US" sz="2000" b="1" dirty="0">
-              <a:solidFill>
-                <a:schemeClr val="bg1"/>
-              </a:solidFill>
-            </a:endParaRPr>
-          </a:p>
-        </p:txBody>
-      </p:sp>
-      <p:sp>
-        <p:nvSpPr>
-          <p:cNvPr id="11" name="文本框 10"/>
-          <p:cNvSpPr txBox="1"/>
-          <p:nvPr/>
-        </p:nvSpPr>
-        <p:spPr>
-          <a:xfrm>
-            <a:off x="494024" y="1875043"/>
-            <a:ext cx="2723951" cy="369332"/>
-          </a:xfrm>
-          <a:prstGeom prst="rect">
-            <a:avLst/>
-          </a:prstGeom>
-          <a:noFill/>
-        </p:spPr>
-        <p:txBody>
-          <a:bodyPr wrap="none" rtlCol="0">
-            <a:spAutoFit/>
-          </a:bodyPr>
-          <a:lstStyle/>
-          <a:p>
-            <a:r>
-              <a:rPr lang="zh-CN" altLang="en-US" dirty="0"/>
-              <a:t>可作为</a:t>
-            </a:r>
-            <a:r>
-              <a:rPr lang="en-US" altLang="zh-CN" dirty="0"/>
-              <a:t>ICON</a:t>
-            </a:r>
-            <a:r>
-              <a:rPr lang="zh-CN" altLang="en-US" dirty="0"/>
-              <a:t>或形状，如：</a:t>
-            </a:r>
-          </a:p>
-        </p:txBody>
-      </p:sp>
-      <p:sp>
-        <p:nvSpPr>
-          <p:cNvPr id="12" name="文本框 11"/>
-          <p:cNvSpPr txBox="1"/>
-          <p:nvPr/>
-        </p:nvSpPr>
-        <p:spPr>
-          <a:xfrm>
-            <a:off x="494024" y="2699082"/>
-            <a:ext cx="2243499" cy="369332"/>
-          </a:xfrm>
-          <a:prstGeom prst="rect">
-            <a:avLst/>
-          </a:prstGeom>
-          <a:noFill/>
-        </p:spPr>
-        <p:txBody>
-          <a:bodyPr wrap="none" rtlCol="0">
-            <a:spAutoFit/>
-          </a:bodyPr>
-          <a:lstStyle/>
-          <a:p>
-            <a:r>
-              <a:rPr lang="zh-CN" altLang="en-US" dirty="0"/>
-              <a:t>可作为分割线，如：</a:t>
-            </a:r>
-          </a:p>
-        </p:txBody>
-      </p:sp>
-      <p:sp>
-        <p:nvSpPr>
-          <p:cNvPr id="14" name="文本框 13"/>
-          <p:cNvSpPr txBox="1"/>
-          <p:nvPr/>
-        </p:nvSpPr>
-        <p:spPr>
-          <a:xfrm>
-            <a:off x="3329483" y="3022586"/>
-            <a:ext cx="1193965" cy="369332"/>
-          </a:xfrm>
-          <a:prstGeom prst="rect">
-            <a:avLst/>
-          </a:prstGeom>
-          <a:noFill/>
-        </p:spPr>
-        <p:txBody>
-          <a:bodyPr wrap="square" rtlCol="0">
-            <a:spAutoFit/>
-          </a:bodyPr>
-          <a:lstStyle/>
-          <a:p>
-            <a:r>
-              <a:rPr lang="zh-CN" altLang="en-US" dirty="0"/>
-              <a:t>文字内容</a:t>
-            </a:r>
-          </a:p>
-        </p:txBody>
-      </p:sp>
-      <p:sp>
-        <p:nvSpPr>
-          <p:cNvPr id="15" name="文本框 14"/>
-          <p:cNvSpPr txBox="1"/>
-          <p:nvPr/>
-        </p:nvSpPr>
-        <p:spPr>
-          <a:xfrm>
-            <a:off x="6225798" y="3022586"/>
-            <a:ext cx="1380830" cy="369332"/>
-          </a:xfrm>
-          <a:prstGeom prst="rect">
-            <a:avLst/>
-          </a:prstGeom>
-          <a:noFill/>
-        </p:spPr>
-        <p:txBody>
-          <a:bodyPr wrap="square" rtlCol="0">
-            <a:spAutoFit/>
-          </a:bodyPr>
-          <a:lstStyle/>
-          <a:p>
-            <a:r>
-              <a:rPr lang="zh-CN" altLang="en-US" dirty="0"/>
-              <a:t>文字内容</a:t>
-            </a:r>
-          </a:p>
-        </p:txBody>
-      </p:sp>
-      <p:sp>
-        <p:nvSpPr>
-          <p:cNvPr id="19" name="文本框 18"/>
-          <p:cNvSpPr txBox="1"/>
-          <p:nvPr/>
-        </p:nvSpPr>
-        <p:spPr>
-          <a:xfrm>
-            <a:off x="3329483" y="3463936"/>
-            <a:ext cx="1193965" cy="369332"/>
-          </a:xfrm>
-          <a:prstGeom prst="rect">
-            <a:avLst/>
-          </a:prstGeom>
-          <a:noFill/>
-        </p:spPr>
-        <p:txBody>
-          <a:bodyPr wrap="square" rtlCol="0">
-            <a:spAutoFit/>
-          </a:bodyPr>
-          <a:lstStyle/>
-          <a:p>
-            <a:r>
-              <a:rPr lang="zh-CN" altLang="en-US" dirty="0"/>
-              <a:t>文字内容</a:t>
-            </a:r>
-          </a:p>
-        </p:txBody>
-      </p:sp>
-      <p:sp>
-        <p:nvSpPr>
-          <p:cNvPr id="20" name="文本框 19"/>
-          <p:cNvSpPr txBox="1"/>
-          <p:nvPr/>
-        </p:nvSpPr>
-        <p:spPr>
-          <a:xfrm>
-            <a:off x="6225798" y="3463936"/>
-            <a:ext cx="1380830" cy="369332"/>
-          </a:xfrm>
-          <a:prstGeom prst="rect">
-            <a:avLst/>
-          </a:prstGeom>
-          <a:noFill/>
-        </p:spPr>
-        <p:txBody>
-          <a:bodyPr wrap="square" rtlCol="0">
-            <a:spAutoFit/>
-          </a:bodyPr>
-          <a:lstStyle/>
-          <a:p>
-            <a:r>
-              <a:rPr lang="zh-CN" altLang="en-US" dirty="0"/>
-              <a:t>文字内容</a:t>
-            </a:r>
-          </a:p>
-        </p:txBody>
-      </p:sp>
-      <p:sp>
-        <p:nvSpPr>
-          <p:cNvPr id="21" name="文本框 20"/>
-          <p:cNvSpPr txBox="1"/>
-          <p:nvPr/>
-        </p:nvSpPr>
-        <p:spPr>
-          <a:xfrm>
-            <a:off x="3329483" y="3905286"/>
-            <a:ext cx="1193965" cy="369332"/>
-          </a:xfrm>
-          <a:prstGeom prst="rect">
-            <a:avLst/>
-          </a:prstGeom>
-          <a:noFill/>
-        </p:spPr>
-        <p:txBody>
-          <a:bodyPr wrap="square" rtlCol="0">
-            <a:spAutoFit/>
-          </a:bodyPr>
-          <a:lstStyle/>
-          <a:p>
-            <a:r>
-              <a:rPr lang="zh-CN" altLang="en-US" dirty="0"/>
-              <a:t>文字内容</a:t>
-            </a:r>
-          </a:p>
-        </p:txBody>
-      </p:sp>
-      <p:sp>
-        <p:nvSpPr>
-          <p:cNvPr id="22" name="文本框 21"/>
-          <p:cNvSpPr txBox="1"/>
-          <p:nvPr/>
-        </p:nvSpPr>
-        <p:spPr>
-          <a:xfrm>
-            <a:off x="6225798" y="3905286"/>
-            <a:ext cx="1380830" cy="369332"/>
-          </a:xfrm>
-          <a:prstGeom prst="rect">
-            <a:avLst/>
-          </a:prstGeom>
-          <a:noFill/>
-        </p:spPr>
-        <p:txBody>
-          <a:bodyPr wrap="square" rtlCol="0">
-            <a:spAutoFit/>
-          </a:bodyPr>
-          <a:lstStyle/>
-          <a:p>
-            <a:r>
-              <a:rPr lang="zh-CN" altLang="en-US" dirty="0"/>
-              <a:t>文字内容</a:t>
-            </a:r>
-          </a:p>
-        </p:txBody>
-      </p:sp>
-      <p:sp>
-        <p:nvSpPr>
-          <p:cNvPr id="23" name="文本框 22"/>
-          <p:cNvSpPr txBox="1"/>
-          <p:nvPr/>
-        </p:nvSpPr>
-        <p:spPr>
-          <a:xfrm>
-            <a:off x="3329483" y="4346636"/>
-            <a:ext cx="1193965" cy="369332"/>
-          </a:xfrm>
-          <a:prstGeom prst="rect">
-            <a:avLst/>
-          </a:prstGeom>
-          <a:noFill/>
-        </p:spPr>
-        <p:txBody>
-          <a:bodyPr wrap="square" rtlCol="0">
-            <a:spAutoFit/>
-          </a:bodyPr>
-          <a:lstStyle/>
-          <a:p>
-            <a:r>
-              <a:rPr lang="zh-CN" altLang="en-US" dirty="0"/>
-              <a:t>文字内容</a:t>
-            </a:r>
-          </a:p>
-        </p:txBody>
-      </p:sp>
-      <p:sp>
-        <p:nvSpPr>
-          <p:cNvPr id="24" name="文本框 23"/>
-          <p:cNvSpPr txBox="1"/>
-          <p:nvPr/>
-        </p:nvSpPr>
-        <p:spPr>
-          <a:xfrm>
-            <a:off x="6225798" y="4346636"/>
-            <a:ext cx="1380830" cy="369332"/>
-          </a:xfrm>
-          <a:prstGeom prst="rect">
-            <a:avLst/>
-          </a:prstGeom>
-          <a:noFill/>
-        </p:spPr>
-        <p:txBody>
-          <a:bodyPr wrap="square" rtlCol="0">
-            <a:spAutoFit/>
-          </a:bodyPr>
-          <a:lstStyle/>
-          <a:p>
-            <a:r>
-              <a:rPr lang="zh-CN" altLang="en-US" dirty="0"/>
-              <a:t>文字内容</a:t>
-            </a:r>
-          </a:p>
-        </p:txBody>
-      </p:sp>
-      <p:sp>
-        <p:nvSpPr>
-          <p:cNvPr id="25" name="文本框 24"/>
-          <p:cNvSpPr txBox="1"/>
-          <p:nvPr/>
-        </p:nvSpPr>
-        <p:spPr>
-          <a:xfrm>
-            <a:off x="3329483" y="4787986"/>
-            <a:ext cx="1193965" cy="369332"/>
-          </a:xfrm>
-          <a:prstGeom prst="rect">
-            <a:avLst/>
-          </a:prstGeom>
-          <a:noFill/>
-        </p:spPr>
-        <p:txBody>
-          <a:bodyPr wrap="square" rtlCol="0">
-            <a:spAutoFit/>
-          </a:bodyPr>
-          <a:lstStyle/>
-          <a:p>
-            <a:r>
-              <a:rPr lang="zh-CN" altLang="en-US" dirty="0"/>
-              <a:t>文字内容</a:t>
-            </a:r>
-          </a:p>
-        </p:txBody>
-      </p:sp>
-      <p:sp>
-        <p:nvSpPr>
-          <p:cNvPr id="26" name="文本框 25"/>
-          <p:cNvSpPr txBox="1"/>
-          <p:nvPr/>
-        </p:nvSpPr>
-        <p:spPr>
-          <a:xfrm>
-            <a:off x="6225798" y="4787986"/>
-            <a:ext cx="1380830" cy="369332"/>
-          </a:xfrm>
-          <a:prstGeom prst="rect">
-            <a:avLst/>
-          </a:prstGeom>
-          <a:noFill/>
-        </p:spPr>
-        <p:txBody>
-          <a:bodyPr wrap="square" rtlCol="0">
-            <a:spAutoFit/>
-          </a:bodyPr>
-          <a:lstStyle/>
-          <a:p>
-            <a:r>
-              <a:rPr lang="zh-CN" altLang="en-US" dirty="0"/>
-              <a:t>文字内容</a:t>
-            </a:r>
-          </a:p>
-        </p:txBody>
-      </p:sp>
-      <p:sp>
-        <p:nvSpPr>
-          <p:cNvPr id="27" name="文本框 26"/>
-          <p:cNvSpPr txBox="1"/>
-          <p:nvPr/>
-        </p:nvSpPr>
-        <p:spPr>
-          <a:xfrm>
-            <a:off x="3329483" y="5229336"/>
-            <a:ext cx="1193965" cy="369332"/>
-          </a:xfrm>
-          <a:prstGeom prst="rect">
-            <a:avLst/>
-          </a:prstGeom>
-          <a:noFill/>
-        </p:spPr>
-        <p:txBody>
-          <a:bodyPr wrap="square" rtlCol="0">
-            <a:spAutoFit/>
-          </a:bodyPr>
-          <a:lstStyle/>
-          <a:p>
-            <a:r>
-              <a:rPr lang="zh-CN" altLang="en-US" dirty="0"/>
-              <a:t>文字内容</a:t>
-            </a:r>
-          </a:p>
-        </p:txBody>
-      </p:sp>
-      <p:sp>
-        <p:nvSpPr>
-          <p:cNvPr id="28" name="文本框 27"/>
-          <p:cNvSpPr txBox="1"/>
-          <p:nvPr/>
-        </p:nvSpPr>
-        <p:spPr>
-          <a:xfrm>
-            <a:off x="6225798" y="5229336"/>
-            <a:ext cx="1380830" cy="369332"/>
-          </a:xfrm>
-          <a:prstGeom prst="rect">
-            <a:avLst/>
-          </a:prstGeom>
-          <a:noFill/>
-        </p:spPr>
-        <p:txBody>
-          <a:bodyPr wrap="square" rtlCol="0">
-            <a:spAutoFit/>
-          </a:bodyPr>
-          <a:lstStyle/>
-          <a:p>
-            <a:r>
-              <a:rPr lang="zh-CN" altLang="en-US" dirty="0"/>
-              <a:t>文字内容</a:t>
-            </a:r>
-          </a:p>
-        </p:txBody>
-      </p:sp>
-      <p:sp>
-        <p:nvSpPr>
-          <p:cNvPr id="29" name="Freeform 10"/>
-          <p:cNvSpPr>
-            <a:spLocks noChangeAspect="1"/>
-          </p:cNvSpPr>
-          <p:nvPr/>
-        </p:nvSpPr>
-        <p:spPr bwMode="auto">
-          <a:xfrm>
-            <a:off x="4232135" y="1850742"/>
-            <a:ext cx="1295869" cy="528315"/>
-          </a:xfrm>
-          <a:custGeom>
-            <a:avLst/>
-            <a:gdLst>
-              <a:gd name="T0" fmla="*/ 3120 w 3800"/>
-              <a:gd name="T1" fmla="*/ 0 h 1532"/>
-              <a:gd name="T2" fmla="*/ 682 w 3800"/>
-              <a:gd name="T3" fmla="*/ 0 h 1532"/>
-              <a:gd name="T4" fmla="*/ 682 w 3800"/>
-              <a:gd name="T5" fmla="*/ 284 h 1532"/>
-              <a:gd name="T6" fmla="*/ 0 w 3800"/>
-              <a:gd name="T7" fmla="*/ 766 h 1532"/>
-              <a:gd name="T8" fmla="*/ 682 w 3800"/>
-              <a:gd name="T9" fmla="*/ 1248 h 1532"/>
-              <a:gd name="T10" fmla="*/ 682 w 3800"/>
-              <a:gd name="T11" fmla="*/ 1532 h 1532"/>
-              <a:gd name="T12" fmla="*/ 3120 w 3800"/>
-              <a:gd name="T13" fmla="*/ 1532 h 1532"/>
-              <a:gd name="T14" fmla="*/ 3120 w 3800"/>
-              <a:gd name="T15" fmla="*/ 1248 h 1532"/>
-              <a:gd name="T16" fmla="*/ 3800 w 3800"/>
-              <a:gd name="T17" fmla="*/ 766 h 1532"/>
-              <a:gd name="T18" fmla="*/ 3120 w 3800"/>
-              <a:gd name="T19" fmla="*/ 284 h 1532"/>
-              <a:gd name="T20" fmla="*/ 3120 w 3800"/>
-              <a:gd name="T21" fmla="*/ 0 h 1532"/>
-            </a:gdLst>
-            <a:ahLst/>
-            <a:cxnLst>
-              <a:cxn ang="0">
-                <a:pos x="T0" y="T1"/>
-              </a:cxn>
-              <a:cxn ang="0">
-                <a:pos x="T2" y="T3"/>
-              </a:cxn>
-              <a:cxn ang="0">
-                <a:pos x="T4" y="T5"/>
-              </a:cxn>
-              <a:cxn ang="0">
-                <a:pos x="T6" y="T7"/>
-              </a:cxn>
-              <a:cxn ang="0">
-                <a:pos x="T8" y="T9"/>
-              </a:cxn>
-              <a:cxn ang="0">
-                <a:pos x="T10" y="T11"/>
-              </a:cxn>
-              <a:cxn ang="0">
-                <a:pos x="T12" y="T13"/>
-              </a:cxn>
-              <a:cxn ang="0">
-                <a:pos x="T14" y="T15"/>
-              </a:cxn>
-              <a:cxn ang="0">
-                <a:pos x="T16" y="T17"/>
-              </a:cxn>
-              <a:cxn ang="0">
-                <a:pos x="T18" y="T19"/>
-              </a:cxn>
-              <a:cxn ang="0">
-                <a:pos x="T20" y="T21"/>
-              </a:cxn>
-            </a:cxnLst>
-            <a:rect l="0" t="0" r="r" b="b"/>
-            <a:pathLst>
-              <a:path w="3800" h="1532">
-                <a:moveTo>
-                  <a:pt x="3120" y="0"/>
-                </a:moveTo>
-                <a:lnTo>
-                  <a:pt x="682" y="0"/>
-                </a:lnTo>
-                <a:lnTo>
-                  <a:pt x="682" y="284"/>
-                </a:lnTo>
-                <a:lnTo>
-                  <a:pt x="0" y="766"/>
-                </a:lnTo>
-                <a:lnTo>
-                  <a:pt x="682" y="1248"/>
-                </a:lnTo>
-                <a:lnTo>
-                  <a:pt x="682" y="1532"/>
-                </a:lnTo>
-                <a:lnTo>
-                  <a:pt x="3120" y="1532"/>
-                </a:lnTo>
-                <a:lnTo>
-                  <a:pt x="3120" y="1248"/>
-                </a:lnTo>
-                <a:lnTo>
-                  <a:pt x="3800" y="766"/>
-                </a:lnTo>
-                <a:lnTo>
-                  <a:pt x="3120" y="284"/>
-                </a:lnTo>
-                <a:lnTo>
-                  <a:pt x="3120" y="0"/>
-                </a:lnTo>
-                <a:close/>
-              </a:path>
-            </a:pathLst>
-          </a:custGeom>
-          <a:solidFill>
-            <a:schemeClr val="accent1"/>
-          </a:solidFill>
-          <a:ln>
-            <a:noFill/>
-          </a:ln>
-        </p:spPr>
-        <p:txBody>
-          <a:bodyPr vert="horz" wrap="square" lIns="91440" tIns="45720" rIns="91440" bIns="45720" numCol="1" anchor="ctr" anchorCtr="0" compatLnSpc="1">
-            <a:prstTxWarp prst="textNoShape">
-              <a:avLst/>
-            </a:prstTxWarp>
-            <a:noAutofit/>
-          </a:bodyPr>
-          <a:lstStyle/>
-          <a:p>
-            <a:pPr algn="ctr"/>
-            <a:r>
-              <a:rPr lang="zh-CN" altLang="en-US" sz="2000" b="1" dirty="0">
-                <a:solidFill>
-                  <a:schemeClr val="bg1"/>
-                </a:solidFill>
-              </a:rPr>
-              <a:t>注：</a:t>
-            </a:r>
-          </a:p>
-        </p:txBody>
-      </p:sp>
-      <p:pic>
-        <p:nvPicPr>
-          <p:cNvPr id="2" name="图片 1"/>
-          <p:cNvPicPr>
-            <a:picLocks noChangeAspect="1"/>
-          </p:cNvPicPr>
-          <p:nvPr/>
-        </p:nvPicPr>
-        <p:blipFill>
-          <a:blip r:embed="rId2"/>
-          <a:stretch>
-            <a:fillRect/>
-          </a:stretch>
-        </p:blipFill>
-        <p:spPr>
-          <a:xfrm rot="5400000" flipH="1" flipV="1">
-            <a:off x="4455455" y="4299836"/>
-            <a:ext cx="2842228" cy="93600"/>
-          </a:xfrm>
-          <a:prstGeom prst="rect">
-            <a:avLst/>
-          </a:prstGeom>
-        </p:spPr>
-      </p:pic>
-    </p:spTree>
-    <p:extLst>
-      <p:ext uri="{BB962C8B-B14F-4D97-AF65-F5344CB8AC3E}">
-        <p14:creationId xmlns:p14="http://schemas.microsoft.com/office/powerpoint/2010/main" val="2870202382"/>
-      </p:ext>
-    </p:extLst>
-  </p:cSld>
-  <p:clrMapOvr>
-    <a:masterClrMapping/>
-  </p:clrMapOvr>
-</p:sld>
-</file>
-
 <file path=ppt/slides/slide2.xml><?xml version="1.0" encoding="utf-8"?>
 <p:sld xmlns:a="http://schemas.openxmlformats.org/drawingml/2006/main" xmlns:r="http://schemas.openxmlformats.org/officeDocument/2006/relationships" xmlns:p="http://schemas.openxmlformats.org/presentationml/2006/main">
   <p:cSld>
@@ -20269,9 +19776,10 @@
           <a:lstStyle/>
           <a:p>
             <a:r>
-              <a:rPr lang="zh-CN" altLang="en-US" sz="2400" dirty="0"/>
-              <a:t>图形与配色</a:t>
-            </a:r>
+              <a:rPr lang="en-US" altLang="zh-CN" sz="2400" dirty="0" err="1"/>
+              <a:t>Parachains</a:t>
+            </a:r>
+            <a:endParaRPr lang="zh-CN" altLang="en-US" sz="2400" dirty="0"/>
           </a:p>
         </p:txBody>
       </p:sp>
@@ -20515,7 +20023,7 @@
         <p:spPr>
           <a:xfrm>
             <a:off x="2915073" y="4954628"/>
-            <a:ext cx="4387392" cy="461665"/>
+            <a:ext cx="5137744" cy="461665"/>
           </a:xfrm>
           <a:prstGeom prst="rect">
             <a:avLst/>
@@ -20529,9 +20037,10 @@
           <a:lstStyle/>
           <a:p>
             <a:r>
-              <a:rPr lang="zh-CN" altLang="en-US" sz="2400" dirty="0"/>
-              <a:t>图片处理及排版</a:t>
-            </a:r>
+              <a:rPr lang="en-US" altLang="zh-CN" sz="2400" dirty="0"/>
+              <a:t>Economics, Incentive and Governance</a:t>
+            </a:r>
+            <a:endParaRPr lang="zh-CN" altLang="en-US" sz="2400" dirty="0"/>
           </a:p>
         </p:txBody>
       </p:sp>
@@ -20620,7 +20129,55 @@
       </p:grpSpPr>
       <p:sp>
         <p:nvSpPr>
-          <p:cNvPr id="2" name="标题 1"/>
+          <p:cNvPr id="16" name="矩形 15"/>
+          <p:cNvSpPr/>
+          <p:nvPr/>
+        </p:nvSpPr>
+        <p:spPr>
+          <a:xfrm>
+            <a:off x="2888856" y="2768022"/>
+            <a:ext cx="6069027" cy="3269183"/>
+          </a:xfrm>
+          <a:prstGeom prst="rect">
+            <a:avLst/>
+          </a:prstGeom>
+          <a:solidFill>
+            <a:schemeClr val="bg1"/>
+          </a:solidFill>
+          <a:ln>
+            <a:solidFill>
+              <a:schemeClr val="accent1"/>
+            </a:solidFill>
+          </a:ln>
+        </p:spPr>
+        <p:style>
+          <a:lnRef idx="2">
+            <a:schemeClr val="accent1">
+              <a:shade val="50000"/>
+            </a:schemeClr>
+          </a:lnRef>
+          <a:fillRef idx="1">
+            <a:schemeClr val="accent1"/>
+          </a:fillRef>
+          <a:effectRef idx="0">
+            <a:schemeClr val="accent1"/>
+          </a:effectRef>
+          <a:fontRef idx="minor">
+            <a:schemeClr val="lt1"/>
+          </a:fontRef>
+        </p:style>
+        <p:txBody>
+          <a:bodyPr rtlCol="0" anchor="ctr"/>
+          <a:lstStyle/>
+          <a:p>
+            <a:pPr algn="ctr"/>
+            <a:endParaRPr lang="zh-CN" altLang="en-US"/>
+          </a:p>
+        </p:txBody>
+      </p:sp>
+      <p:sp>
+        <p:nvSpPr>
+          <p:cNvPr id="3" name="标题 2"/>
           <p:cNvSpPr>
             <a:spLocks noGrp="1"/>
           </p:cNvSpPr>
@@ -20630,41 +20187,783 @@
         </p:nvSpPr>
         <p:spPr/>
         <p:txBody>
-          <a:bodyPr>
-            <a:normAutofit fontScale="90000"/>
+          <a:bodyPr/>
+          <a:lstStyle/>
+          <a:p>
+            <a:r>
+              <a:rPr lang="zh-CN" altLang="en-US" dirty="0"/>
+              <a:t>可使用</a:t>
+            </a:r>
+            <a:r>
+              <a:rPr lang="en-US" altLang="zh-CN" dirty="0"/>
+              <a:t>VI</a:t>
+            </a:r>
+            <a:r>
+              <a:rPr lang="zh-CN" altLang="en-US" dirty="0"/>
+              <a:t>辅助图形</a:t>
+            </a:r>
+          </a:p>
+        </p:txBody>
+      </p:sp>
+      <p:sp>
+        <p:nvSpPr>
+          <p:cNvPr id="5" name="Freeform 10"/>
+          <p:cNvSpPr>
+            <a:spLocks noChangeAspect="1"/>
+          </p:cNvSpPr>
+          <p:nvPr userDrawn="1"/>
+        </p:nvSpPr>
+        <p:spPr bwMode="auto">
+          <a:xfrm>
+            <a:off x="3139374" y="1937425"/>
+            <a:ext cx="752895" cy="306949"/>
+          </a:xfrm>
+          <a:custGeom>
+            <a:avLst/>
+            <a:gdLst>
+              <a:gd name="T0" fmla="*/ 3120 w 3800"/>
+              <a:gd name="T1" fmla="*/ 0 h 1532"/>
+              <a:gd name="T2" fmla="*/ 682 w 3800"/>
+              <a:gd name="T3" fmla="*/ 0 h 1532"/>
+              <a:gd name="T4" fmla="*/ 682 w 3800"/>
+              <a:gd name="T5" fmla="*/ 284 h 1532"/>
+              <a:gd name="T6" fmla="*/ 0 w 3800"/>
+              <a:gd name="T7" fmla="*/ 766 h 1532"/>
+              <a:gd name="T8" fmla="*/ 682 w 3800"/>
+              <a:gd name="T9" fmla="*/ 1248 h 1532"/>
+              <a:gd name="T10" fmla="*/ 682 w 3800"/>
+              <a:gd name="T11" fmla="*/ 1532 h 1532"/>
+              <a:gd name="T12" fmla="*/ 3120 w 3800"/>
+              <a:gd name="T13" fmla="*/ 1532 h 1532"/>
+              <a:gd name="T14" fmla="*/ 3120 w 3800"/>
+              <a:gd name="T15" fmla="*/ 1248 h 1532"/>
+              <a:gd name="T16" fmla="*/ 3800 w 3800"/>
+              <a:gd name="T17" fmla="*/ 766 h 1532"/>
+              <a:gd name="T18" fmla="*/ 3120 w 3800"/>
+              <a:gd name="T19" fmla="*/ 284 h 1532"/>
+              <a:gd name="T20" fmla="*/ 3120 w 3800"/>
+              <a:gd name="T21" fmla="*/ 0 h 1532"/>
+            </a:gdLst>
+            <a:ahLst/>
+            <a:cxnLst>
+              <a:cxn ang="0">
+                <a:pos x="T0" y="T1"/>
+              </a:cxn>
+              <a:cxn ang="0">
+                <a:pos x="T2" y="T3"/>
+              </a:cxn>
+              <a:cxn ang="0">
+                <a:pos x="T4" y="T5"/>
+              </a:cxn>
+              <a:cxn ang="0">
+                <a:pos x="T6" y="T7"/>
+              </a:cxn>
+              <a:cxn ang="0">
+                <a:pos x="T8" y="T9"/>
+              </a:cxn>
+              <a:cxn ang="0">
+                <a:pos x="T10" y="T11"/>
+              </a:cxn>
+              <a:cxn ang="0">
+                <a:pos x="T12" y="T13"/>
+              </a:cxn>
+              <a:cxn ang="0">
+                <a:pos x="T14" y="T15"/>
+              </a:cxn>
+              <a:cxn ang="0">
+                <a:pos x="T16" y="T17"/>
+              </a:cxn>
+              <a:cxn ang="0">
+                <a:pos x="T18" y="T19"/>
+              </a:cxn>
+              <a:cxn ang="0">
+                <a:pos x="T20" y="T21"/>
+              </a:cxn>
+            </a:cxnLst>
+            <a:rect l="0" t="0" r="r" b="b"/>
+            <a:pathLst>
+              <a:path w="3800" h="1532">
+                <a:moveTo>
+                  <a:pt x="3120" y="0"/>
+                </a:moveTo>
+                <a:lnTo>
+                  <a:pt x="682" y="0"/>
+                </a:lnTo>
+                <a:lnTo>
+                  <a:pt x="682" y="284"/>
+                </a:lnTo>
+                <a:lnTo>
+                  <a:pt x="0" y="766"/>
+                </a:lnTo>
+                <a:lnTo>
+                  <a:pt x="682" y="1248"/>
+                </a:lnTo>
+                <a:lnTo>
+                  <a:pt x="682" y="1532"/>
+                </a:lnTo>
+                <a:lnTo>
+                  <a:pt x="3120" y="1532"/>
+                </a:lnTo>
+                <a:lnTo>
+                  <a:pt x="3120" y="1248"/>
+                </a:lnTo>
+                <a:lnTo>
+                  <a:pt x="3800" y="766"/>
+                </a:lnTo>
+                <a:lnTo>
+                  <a:pt x="3120" y="284"/>
+                </a:lnTo>
+                <a:lnTo>
+                  <a:pt x="3120" y="0"/>
+                </a:lnTo>
+                <a:close/>
+              </a:path>
+            </a:pathLst>
+          </a:custGeom>
+          <a:solidFill>
+            <a:schemeClr val="accent1"/>
+          </a:solidFill>
+          <a:ln>
+            <a:noFill/>
+          </a:ln>
+        </p:spPr>
+        <p:txBody>
+          <a:bodyPr vert="horz" wrap="square" lIns="91440" tIns="45720" rIns="91440" bIns="45720" numCol="1" anchor="ctr" anchorCtr="0" compatLnSpc="1">
+            <a:prstTxWarp prst="textNoShape">
+              <a:avLst/>
+            </a:prstTxWarp>
+            <a:noAutofit/>
           </a:bodyPr>
           <a:lstStyle/>
           <a:p>
-            <a:r>
-              <a:rPr lang="zh-CN" altLang="en-US" dirty="0">
+            <a:pPr algn="ctr"/>
+            <a:r>
+              <a:rPr lang="en-US" altLang="zh-CN" sz="2000" b="1" dirty="0">
                 <a:solidFill>
-                  <a:srgbClr val="C9151E"/>
+                  <a:schemeClr val="bg1"/>
                 </a:solidFill>
-                <a:latin typeface="微软雅黑" panose="020B0503020204020204" pitchFamily="34" charset="-122"/>
-                <a:ea typeface="微软雅黑" panose="020B0503020204020204" pitchFamily="34" charset="-122"/>
               </a:rPr>
-              <a:t>目录 </a:t>
-            </a:r>
-            <a:r>
-              <a:rPr lang="en-US" altLang="zh-CN" dirty="0">
-                <a:solidFill>
-                  <a:srgbClr val="C9151E"/>
-                </a:solidFill>
-                <a:latin typeface="微软雅黑" panose="020B0503020204020204" pitchFamily="34" charset="-122"/>
-                <a:ea typeface="微软雅黑" panose="020B0503020204020204" pitchFamily="34" charset="-122"/>
-              </a:rPr>
-              <a:t>Contents</a:t>
-            </a:r>
-            <a:endParaRPr lang="zh-CN" altLang="en-US" dirty="0">
+              <a:t>1</a:t>
+            </a:r>
+            <a:endParaRPr lang="zh-CN" altLang="en-US" sz="2000" b="1" dirty="0">
               <a:solidFill>
-                <a:srgbClr val="C9151E"/>
+                <a:schemeClr val="bg1"/>
               </a:solidFill>
-              <a:latin typeface="微软雅黑" panose="020B0503020204020204" pitchFamily="34" charset="-122"/>
-              <a:ea typeface="微软雅黑" panose="020B0503020204020204" pitchFamily="34" charset="-122"/>
             </a:endParaRPr>
           </a:p>
         </p:txBody>
       </p:sp>
+      <p:sp>
+        <p:nvSpPr>
+          <p:cNvPr id="11" name="文本框 10"/>
+          <p:cNvSpPr txBox="1"/>
+          <p:nvPr/>
+        </p:nvSpPr>
+        <p:spPr>
+          <a:xfrm>
+            <a:off x="494024" y="1875043"/>
+            <a:ext cx="2723951" cy="369332"/>
+          </a:xfrm>
+          <a:prstGeom prst="rect">
+            <a:avLst/>
+          </a:prstGeom>
+          <a:noFill/>
+        </p:spPr>
+        <p:txBody>
+          <a:bodyPr wrap="none" rtlCol="0">
+            <a:spAutoFit/>
+          </a:bodyPr>
+          <a:lstStyle/>
+          <a:p>
+            <a:r>
+              <a:rPr lang="zh-CN" altLang="en-US" dirty="0"/>
+              <a:t>可作为</a:t>
+            </a:r>
+            <a:r>
+              <a:rPr lang="en-US" altLang="zh-CN" dirty="0"/>
+              <a:t>ICON</a:t>
+            </a:r>
+            <a:r>
+              <a:rPr lang="zh-CN" altLang="en-US" dirty="0"/>
+              <a:t>或形状，如：</a:t>
+            </a:r>
+          </a:p>
+        </p:txBody>
+      </p:sp>
+      <p:sp>
+        <p:nvSpPr>
+          <p:cNvPr id="12" name="文本框 11"/>
+          <p:cNvSpPr txBox="1"/>
+          <p:nvPr/>
+        </p:nvSpPr>
+        <p:spPr>
+          <a:xfrm>
+            <a:off x="494024" y="2699082"/>
+            <a:ext cx="2243499" cy="369332"/>
+          </a:xfrm>
+          <a:prstGeom prst="rect">
+            <a:avLst/>
+          </a:prstGeom>
+          <a:noFill/>
+        </p:spPr>
+        <p:txBody>
+          <a:bodyPr wrap="none" rtlCol="0">
+            <a:spAutoFit/>
+          </a:bodyPr>
+          <a:lstStyle/>
+          <a:p>
+            <a:r>
+              <a:rPr lang="zh-CN" altLang="en-US" dirty="0"/>
+              <a:t>可作为分割线，如：</a:t>
+            </a:r>
+          </a:p>
+        </p:txBody>
+      </p:sp>
+      <p:sp>
+        <p:nvSpPr>
+          <p:cNvPr id="14" name="文本框 13"/>
+          <p:cNvSpPr txBox="1"/>
+          <p:nvPr/>
+        </p:nvSpPr>
+        <p:spPr>
+          <a:xfrm>
+            <a:off x="3329483" y="3022586"/>
+            <a:ext cx="1193965" cy="369332"/>
+          </a:xfrm>
+          <a:prstGeom prst="rect">
+            <a:avLst/>
+          </a:prstGeom>
+          <a:noFill/>
+        </p:spPr>
+        <p:txBody>
+          <a:bodyPr wrap="square" rtlCol="0">
+            <a:spAutoFit/>
+          </a:bodyPr>
+          <a:lstStyle/>
+          <a:p>
+            <a:r>
+              <a:rPr lang="zh-CN" altLang="en-US" dirty="0"/>
+              <a:t>文字内容</a:t>
+            </a:r>
+          </a:p>
+        </p:txBody>
+      </p:sp>
+      <p:sp>
+        <p:nvSpPr>
+          <p:cNvPr id="15" name="文本框 14"/>
+          <p:cNvSpPr txBox="1"/>
+          <p:nvPr/>
+        </p:nvSpPr>
+        <p:spPr>
+          <a:xfrm>
+            <a:off x="6225798" y="3022586"/>
+            <a:ext cx="1380830" cy="369332"/>
+          </a:xfrm>
+          <a:prstGeom prst="rect">
+            <a:avLst/>
+          </a:prstGeom>
+          <a:noFill/>
+        </p:spPr>
+        <p:txBody>
+          <a:bodyPr wrap="square" rtlCol="0">
+            <a:spAutoFit/>
+          </a:bodyPr>
+          <a:lstStyle/>
+          <a:p>
+            <a:r>
+              <a:rPr lang="zh-CN" altLang="en-US" dirty="0"/>
+              <a:t>文字内容</a:t>
+            </a:r>
+          </a:p>
+        </p:txBody>
+      </p:sp>
+      <p:sp>
+        <p:nvSpPr>
+          <p:cNvPr id="19" name="文本框 18"/>
+          <p:cNvSpPr txBox="1"/>
+          <p:nvPr/>
+        </p:nvSpPr>
+        <p:spPr>
+          <a:xfrm>
+            <a:off x="3329483" y="3463936"/>
+            <a:ext cx="1193965" cy="369332"/>
+          </a:xfrm>
+          <a:prstGeom prst="rect">
+            <a:avLst/>
+          </a:prstGeom>
+          <a:noFill/>
+        </p:spPr>
+        <p:txBody>
+          <a:bodyPr wrap="square" rtlCol="0">
+            <a:spAutoFit/>
+          </a:bodyPr>
+          <a:lstStyle/>
+          <a:p>
+            <a:r>
+              <a:rPr lang="zh-CN" altLang="en-US" dirty="0"/>
+              <a:t>文字内容</a:t>
+            </a:r>
+          </a:p>
+        </p:txBody>
+      </p:sp>
+      <p:sp>
+        <p:nvSpPr>
+          <p:cNvPr id="20" name="文本框 19"/>
+          <p:cNvSpPr txBox="1"/>
+          <p:nvPr/>
+        </p:nvSpPr>
+        <p:spPr>
+          <a:xfrm>
+            <a:off x="6225798" y="3463936"/>
+            <a:ext cx="1380830" cy="369332"/>
+          </a:xfrm>
+          <a:prstGeom prst="rect">
+            <a:avLst/>
+          </a:prstGeom>
+          <a:noFill/>
+        </p:spPr>
+        <p:txBody>
+          <a:bodyPr wrap="square" rtlCol="0">
+            <a:spAutoFit/>
+          </a:bodyPr>
+          <a:lstStyle/>
+          <a:p>
+            <a:r>
+              <a:rPr lang="zh-CN" altLang="en-US" dirty="0"/>
+              <a:t>文字内容</a:t>
+            </a:r>
+          </a:p>
+        </p:txBody>
+      </p:sp>
+      <p:sp>
+        <p:nvSpPr>
+          <p:cNvPr id="21" name="文本框 20"/>
+          <p:cNvSpPr txBox="1"/>
+          <p:nvPr/>
+        </p:nvSpPr>
+        <p:spPr>
+          <a:xfrm>
+            <a:off x="3329483" y="3905286"/>
+            <a:ext cx="1193965" cy="369332"/>
+          </a:xfrm>
+          <a:prstGeom prst="rect">
+            <a:avLst/>
+          </a:prstGeom>
+          <a:noFill/>
+        </p:spPr>
+        <p:txBody>
+          <a:bodyPr wrap="square" rtlCol="0">
+            <a:spAutoFit/>
+          </a:bodyPr>
+          <a:lstStyle/>
+          <a:p>
+            <a:r>
+              <a:rPr lang="zh-CN" altLang="en-US" dirty="0"/>
+              <a:t>文字内容</a:t>
+            </a:r>
+          </a:p>
+        </p:txBody>
+      </p:sp>
+      <p:sp>
+        <p:nvSpPr>
+          <p:cNvPr id="22" name="文本框 21"/>
+          <p:cNvSpPr txBox="1"/>
+          <p:nvPr/>
+        </p:nvSpPr>
+        <p:spPr>
+          <a:xfrm>
+            <a:off x="6225798" y="3905286"/>
+            <a:ext cx="1380830" cy="369332"/>
+          </a:xfrm>
+          <a:prstGeom prst="rect">
+            <a:avLst/>
+          </a:prstGeom>
+          <a:noFill/>
+        </p:spPr>
+        <p:txBody>
+          <a:bodyPr wrap="square" rtlCol="0">
+            <a:spAutoFit/>
+          </a:bodyPr>
+          <a:lstStyle/>
+          <a:p>
+            <a:r>
+              <a:rPr lang="zh-CN" altLang="en-US" dirty="0"/>
+              <a:t>文字内容</a:t>
+            </a:r>
+          </a:p>
+        </p:txBody>
+      </p:sp>
+      <p:sp>
+        <p:nvSpPr>
+          <p:cNvPr id="23" name="文本框 22"/>
+          <p:cNvSpPr txBox="1"/>
+          <p:nvPr/>
+        </p:nvSpPr>
+        <p:spPr>
+          <a:xfrm>
+            <a:off x="3329483" y="4346636"/>
+            <a:ext cx="1193965" cy="369332"/>
+          </a:xfrm>
+          <a:prstGeom prst="rect">
+            <a:avLst/>
+          </a:prstGeom>
+          <a:noFill/>
+        </p:spPr>
+        <p:txBody>
+          <a:bodyPr wrap="square" rtlCol="0">
+            <a:spAutoFit/>
+          </a:bodyPr>
+          <a:lstStyle/>
+          <a:p>
+            <a:r>
+              <a:rPr lang="zh-CN" altLang="en-US" dirty="0"/>
+              <a:t>文字内容</a:t>
+            </a:r>
+          </a:p>
+        </p:txBody>
+      </p:sp>
+      <p:sp>
+        <p:nvSpPr>
+          <p:cNvPr id="24" name="文本框 23"/>
+          <p:cNvSpPr txBox="1"/>
+          <p:nvPr/>
+        </p:nvSpPr>
+        <p:spPr>
+          <a:xfrm>
+            <a:off x="6225798" y="4346636"/>
+            <a:ext cx="1380830" cy="369332"/>
+          </a:xfrm>
+          <a:prstGeom prst="rect">
+            <a:avLst/>
+          </a:prstGeom>
+          <a:noFill/>
+        </p:spPr>
+        <p:txBody>
+          <a:bodyPr wrap="square" rtlCol="0">
+            <a:spAutoFit/>
+          </a:bodyPr>
+          <a:lstStyle/>
+          <a:p>
+            <a:r>
+              <a:rPr lang="zh-CN" altLang="en-US" dirty="0"/>
+              <a:t>文字内容</a:t>
+            </a:r>
+          </a:p>
+        </p:txBody>
+      </p:sp>
+      <p:sp>
+        <p:nvSpPr>
+          <p:cNvPr id="25" name="文本框 24"/>
+          <p:cNvSpPr txBox="1"/>
+          <p:nvPr/>
+        </p:nvSpPr>
+        <p:spPr>
+          <a:xfrm>
+            <a:off x="3329483" y="4787986"/>
+            <a:ext cx="1193965" cy="369332"/>
+          </a:xfrm>
+          <a:prstGeom prst="rect">
+            <a:avLst/>
+          </a:prstGeom>
+          <a:noFill/>
+        </p:spPr>
+        <p:txBody>
+          <a:bodyPr wrap="square" rtlCol="0">
+            <a:spAutoFit/>
+          </a:bodyPr>
+          <a:lstStyle/>
+          <a:p>
+            <a:r>
+              <a:rPr lang="zh-CN" altLang="en-US" dirty="0"/>
+              <a:t>文字内容</a:t>
+            </a:r>
+          </a:p>
+        </p:txBody>
+      </p:sp>
+      <p:sp>
+        <p:nvSpPr>
+          <p:cNvPr id="26" name="文本框 25"/>
+          <p:cNvSpPr txBox="1"/>
+          <p:nvPr/>
+        </p:nvSpPr>
+        <p:spPr>
+          <a:xfrm>
+            <a:off x="6225798" y="4787986"/>
+            <a:ext cx="1380830" cy="369332"/>
+          </a:xfrm>
+          <a:prstGeom prst="rect">
+            <a:avLst/>
+          </a:prstGeom>
+          <a:noFill/>
+        </p:spPr>
+        <p:txBody>
+          <a:bodyPr wrap="square" rtlCol="0">
+            <a:spAutoFit/>
+          </a:bodyPr>
+          <a:lstStyle/>
+          <a:p>
+            <a:r>
+              <a:rPr lang="zh-CN" altLang="en-US" dirty="0"/>
+              <a:t>文字内容</a:t>
+            </a:r>
+          </a:p>
+        </p:txBody>
+      </p:sp>
+      <p:sp>
+        <p:nvSpPr>
+          <p:cNvPr id="27" name="文本框 26"/>
+          <p:cNvSpPr txBox="1"/>
+          <p:nvPr/>
+        </p:nvSpPr>
+        <p:spPr>
+          <a:xfrm>
+            <a:off x="3329483" y="5229336"/>
+            <a:ext cx="1193965" cy="369332"/>
+          </a:xfrm>
+          <a:prstGeom prst="rect">
+            <a:avLst/>
+          </a:prstGeom>
+          <a:noFill/>
+        </p:spPr>
+        <p:txBody>
+          <a:bodyPr wrap="square" rtlCol="0">
+            <a:spAutoFit/>
+          </a:bodyPr>
+          <a:lstStyle/>
+          <a:p>
+            <a:r>
+              <a:rPr lang="zh-CN" altLang="en-US" dirty="0"/>
+              <a:t>文字内容</a:t>
+            </a:r>
+          </a:p>
+        </p:txBody>
+      </p:sp>
+      <p:sp>
+        <p:nvSpPr>
+          <p:cNvPr id="28" name="文本框 27"/>
+          <p:cNvSpPr txBox="1"/>
+          <p:nvPr/>
+        </p:nvSpPr>
+        <p:spPr>
+          <a:xfrm>
+            <a:off x="6225798" y="5229336"/>
+            <a:ext cx="1380830" cy="369332"/>
+          </a:xfrm>
+          <a:prstGeom prst="rect">
+            <a:avLst/>
+          </a:prstGeom>
+          <a:noFill/>
+        </p:spPr>
+        <p:txBody>
+          <a:bodyPr wrap="square" rtlCol="0">
+            <a:spAutoFit/>
+          </a:bodyPr>
+          <a:lstStyle/>
+          <a:p>
+            <a:r>
+              <a:rPr lang="zh-CN" altLang="en-US" dirty="0"/>
+              <a:t>文字内容</a:t>
+            </a:r>
+          </a:p>
+        </p:txBody>
+      </p:sp>
+      <p:sp>
+        <p:nvSpPr>
+          <p:cNvPr id="29" name="Freeform 10"/>
+          <p:cNvSpPr>
+            <a:spLocks noChangeAspect="1"/>
+          </p:cNvSpPr>
+          <p:nvPr/>
+        </p:nvSpPr>
+        <p:spPr bwMode="auto">
+          <a:xfrm>
+            <a:off x="4232135" y="1850742"/>
+            <a:ext cx="1295869" cy="528315"/>
+          </a:xfrm>
+          <a:custGeom>
+            <a:avLst/>
+            <a:gdLst>
+              <a:gd name="T0" fmla="*/ 3120 w 3800"/>
+              <a:gd name="T1" fmla="*/ 0 h 1532"/>
+              <a:gd name="T2" fmla="*/ 682 w 3800"/>
+              <a:gd name="T3" fmla="*/ 0 h 1532"/>
+              <a:gd name="T4" fmla="*/ 682 w 3800"/>
+              <a:gd name="T5" fmla="*/ 284 h 1532"/>
+              <a:gd name="T6" fmla="*/ 0 w 3800"/>
+              <a:gd name="T7" fmla="*/ 766 h 1532"/>
+              <a:gd name="T8" fmla="*/ 682 w 3800"/>
+              <a:gd name="T9" fmla="*/ 1248 h 1532"/>
+              <a:gd name="T10" fmla="*/ 682 w 3800"/>
+              <a:gd name="T11" fmla="*/ 1532 h 1532"/>
+              <a:gd name="T12" fmla="*/ 3120 w 3800"/>
+              <a:gd name="T13" fmla="*/ 1532 h 1532"/>
+              <a:gd name="T14" fmla="*/ 3120 w 3800"/>
+              <a:gd name="T15" fmla="*/ 1248 h 1532"/>
+              <a:gd name="T16" fmla="*/ 3800 w 3800"/>
+              <a:gd name="T17" fmla="*/ 766 h 1532"/>
+              <a:gd name="T18" fmla="*/ 3120 w 3800"/>
+              <a:gd name="T19" fmla="*/ 284 h 1532"/>
+              <a:gd name="T20" fmla="*/ 3120 w 3800"/>
+              <a:gd name="T21" fmla="*/ 0 h 1532"/>
+            </a:gdLst>
+            <a:ahLst/>
+            <a:cxnLst>
+              <a:cxn ang="0">
+                <a:pos x="T0" y="T1"/>
+              </a:cxn>
+              <a:cxn ang="0">
+                <a:pos x="T2" y="T3"/>
+              </a:cxn>
+              <a:cxn ang="0">
+                <a:pos x="T4" y="T5"/>
+              </a:cxn>
+              <a:cxn ang="0">
+                <a:pos x="T6" y="T7"/>
+              </a:cxn>
+              <a:cxn ang="0">
+                <a:pos x="T8" y="T9"/>
+              </a:cxn>
+              <a:cxn ang="0">
+                <a:pos x="T10" y="T11"/>
+              </a:cxn>
+              <a:cxn ang="0">
+                <a:pos x="T12" y="T13"/>
+              </a:cxn>
+              <a:cxn ang="0">
+                <a:pos x="T14" y="T15"/>
+              </a:cxn>
+              <a:cxn ang="0">
+                <a:pos x="T16" y="T17"/>
+              </a:cxn>
+              <a:cxn ang="0">
+                <a:pos x="T18" y="T19"/>
+              </a:cxn>
+              <a:cxn ang="0">
+                <a:pos x="T20" y="T21"/>
+              </a:cxn>
+            </a:cxnLst>
+            <a:rect l="0" t="0" r="r" b="b"/>
+            <a:pathLst>
+              <a:path w="3800" h="1532">
+                <a:moveTo>
+                  <a:pt x="3120" y="0"/>
+                </a:moveTo>
+                <a:lnTo>
+                  <a:pt x="682" y="0"/>
+                </a:lnTo>
+                <a:lnTo>
+                  <a:pt x="682" y="284"/>
+                </a:lnTo>
+                <a:lnTo>
+                  <a:pt x="0" y="766"/>
+                </a:lnTo>
+                <a:lnTo>
+                  <a:pt x="682" y="1248"/>
+                </a:lnTo>
+                <a:lnTo>
+                  <a:pt x="682" y="1532"/>
+                </a:lnTo>
+                <a:lnTo>
+                  <a:pt x="3120" y="1532"/>
+                </a:lnTo>
+                <a:lnTo>
+                  <a:pt x="3120" y="1248"/>
+                </a:lnTo>
+                <a:lnTo>
+                  <a:pt x="3800" y="766"/>
+                </a:lnTo>
+                <a:lnTo>
+                  <a:pt x="3120" y="284"/>
+                </a:lnTo>
+                <a:lnTo>
+                  <a:pt x="3120" y="0"/>
+                </a:lnTo>
+                <a:close/>
+              </a:path>
+            </a:pathLst>
+          </a:custGeom>
+          <a:solidFill>
+            <a:schemeClr val="accent1"/>
+          </a:solidFill>
+          <a:ln>
+            <a:noFill/>
+          </a:ln>
+        </p:spPr>
+        <p:txBody>
+          <a:bodyPr vert="horz" wrap="square" lIns="91440" tIns="45720" rIns="91440" bIns="45720" numCol="1" anchor="ctr" anchorCtr="0" compatLnSpc="1">
+            <a:prstTxWarp prst="textNoShape">
+              <a:avLst/>
+            </a:prstTxWarp>
+            <a:noAutofit/>
+          </a:bodyPr>
+          <a:lstStyle/>
+          <a:p>
+            <a:pPr algn="ctr"/>
+            <a:r>
+              <a:rPr lang="zh-CN" altLang="en-US" sz="2000" b="1" dirty="0">
+                <a:solidFill>
+                  <a:schemeClr val="bg1"/>
+                </a:solidFill>
+              </a:rPr>
+              <a:t>注：</a:t>
+            </a:r>
+          </a:p>
+        </p:txBody>
+      </p:sp>
+      <p:pic>
+        <p:nvPicPr>
+          <p:cNvPr id="2" name="图片 1"/>
+          <p:cNvPicPr>
+            <a:picLocks noChangeAspect="1"/>
+          </p:cNvPicPr>
+          <p:nvPr/>
+        </p:nvPicPr>
+        <p:blipFill>
+          <a:blip r:embed="rId2"/>
+          <a:stretch>
+            <a:fillRect/>
+          </a:stretch>
+        </p:blipFill>
+        <p:spPr>
+          <a:xfrm rot="5400000" flipH="1" flipV="1">
+            <a:off x="4455455" y="4299836"/>
+            <a:ext cx="2842228" cy="93600"/>
+          </a:xfrm>
+          <a:prstGeom prst="rect">
+            <a:avLst/>
+          </a:prstGeom>
+        </p:spPr>
+      </p:pic>
+    </p:spTree>
+    <p:extLst>
+      <p:ext uri="{BB962C8B-B14F-4D97-AF65-F5344CB8AC3E}">
+        <p14:creationId xmlns:p14="http://schemas.microsoft.com/office/powerpoint/2010/main" val="2870202382"/>
+      </p:ext>
+    </p:extLst>
+  </p:cSld>
+  <p:clrMapOvr>
+    <a:masterClrMapping/>
+  </p:clrMapOvr>
+</p:sld>
+</file>
+
+<file path=ppt/slides/slide21.xml><?xml version="1.0" encoding="utf-8"?>
+<p:sld xmlns:a="http://schemas.openxmlformats.org/drawingml/2006/main" xmlns:r="http://schemas.openxmlformats.org/officeDocument/2006/relationships" xmlns:p="http://schemas.openxmlformats.org/presentationml/2006/main">
+  <p:cSld>
+    <p:spTree>
+      <p:nvGrpSpPr>
+        <p:cNvPr id="1" name=""/>
+        <p:cNvGrpSpPr/>
+        <p:nvPr/>
+      </p:nvGrpSpPr>
+      <p:grpSpPr>
+        <a:xfrm>
+          <a:off x="0" y="0"/>
+          <a:ext cx="0" cy="0"/>
+          <a:chOff x="0" y="0"/>
+          <a:chExt cx="0" cy="0"/>
+        </a:xfrm>
+      </p:grpSpPr>
       <p:sp>
         <p:nvSpPr>
           <p:cNvPr id="4" name="Freeform 10"/>
@@ -21531,42 +21830,6 @@
       </p:cxnSp>
       <p:sp>
         <p:nvSpPr>
-          <p:cNvPr id="26" name="文本框 25"/>
-          <p:cNvSpPr txBox="1"/>
-          <p:nvPr/>
-        </p:nvSpPr>
-        <p:spPr>
-          <a:xfrm>
-            <a:off x="2915073" y="4034653"/>
-            <a:ext cx="4387392" cy="461665"/>
-          </a:xfrm>
-          <a:prstGeom prst="rect">
-            <a:avLst/>
-          </a:prstGeom>
-          <a:noFill/>
-        </p:spPr>
-        <p:txBody>
-          <a:bodyPr wrap="square" rtlCol="0">
-            <a:spAutoFit/>
-          </a:bodyPr>
-          <a:lstStyle/>
-          <a:p>
-            <a:r>
-              <a:rPr lang="zh-CN" altLang="en-US" sz="2400" dirty="0">
-                <a:solidFill>
-                  <a:schemeClr val="tx1">
-                    <a:lumMod val="75000"/>
-                    <a:lumOff val="25000"/>
-                  </a:schemeClr>
-                </a:solidFill>
-              </a:rPr>
-              <a:t>图形与配色</a:t>
-            </a:r>
-          </a:p>
-        </p:txBody>
-      </p:sp>
-      <p:sp>
-        <p:nvSpPr>
           <p:cNvPr id="33" name="Freeform 10"/>
           <p:cNvSpPr>
             <a:spLocks/>
@@ -21783,42 +22046,6 @@
       </p:cxnSp>
       <p:sp>
         <p:nvSpPr>
-          <p:cNvPr id="36" name="文本框 35"/>
-          <p:cNvSpPr txBox="1"/>
-          <p:nvPr/>
-        </p:nvSpPr>
-        <p:spPr>
-          <a:xfrm>
-            <a:off x="2915073" y="4954628"/>
-            <a:ext cx="4387392" cy="461665"/>
-          </a:xfrm>
-          <a:prstGeom prst="rect">
-            <a:avLst/>
-          </a:prstGeom>
-          <a:noFill/>
-        </p:spPr>
-        <p:txBody>
-          <a:bodyPr wrap="square" rtlCol="0">
-            <a:spAutoFit/>
-          </a:bodyPr>
-          <a:lstStyle/>
-          <a:p>
-            <a:r>
-              <a:rPr lang="zh-CN" altLang="en-US" sz="2400" dirty="0">
-                <a:solidFill>
-                  <a:schemeClr val="tx1">
-                    <a:lumMod val="75000"/>
-                    <a:lumOff val="25000"/>
-                  </a:schemeClr>
-                </a:solidFill>
-              </a:rPr>
-              <a:t>图片处理及排版</a:t>
-            </a:r>
-          </a:p>
-        </p:txBody>
-      </p:sp>
-      <p:sp>
-        <p:nvSpPr>
           <p:cNvPr id="27" name="文本框 26">
             <a:extLst>
               <a:ext uri="{FF2B5EF4-FFF2-40B4-BE49-F238E27FC236}">
@@ -21942,6 +22169,115 @@
           </a:p>
         </p:txBody>
       </p:sp>
+      <p:sp>
+        <p:nvSpPr>
+          <p:cNvPr id="30" name="文本框 29">
+            <a:extLst>
+              <a:ext uri="{FF2B5EF4-FFF2-40B4-BE49-F238E27FC236}">
+                <a16:creationId xmlns:a16="http://schemas.microsoft.com/office/drawing/2014/main" id="{61A8F5F0-4E1D-4D1B-A162-0F0BA62E3FA2}"/>
+              </a:ext>
+            </a:extLst>
+          </p:cNvPr>
+          <p:cNvSpPr txBox="1"/>
+          <p:nvPr/>
+        </p:nvSpPr>
+        <p:spPr>
+          <a:xfrm>
+            <a:off x="2915073" y="4034653"/>
+            <a:ext cx="4387392" cy="461665"/>
+          </a:xfrm>
+          <a:prstGeom prst="rect">
+            <a:avLst/>
+          </a:prstGeom>
+          <a:noFill/>
+        </p:spPr>
+        <p:txBody>
+          <a:bodyPr wrap="square" rtlCol="0">
+            <a:spAutoFit/>
+          </a:bodyPr>
+          <a:lstStyle/>
+          <a:p>
+            <a:r>
+              <a:rPr lang="en-US" altLang="zh-CN" sz="2400" dirty="0" err="1"/>
+              <a:t>Parachains</a:t>
+            </a:r>
+            <a:endParaRPr lang="zh-CN" altLang="en-US" sz="2400" dirty="0"/>
+          </a:p>
+        </p:txBody>
+      </p:sp>
+      <p:sp>
+        <p:nvSpPr>
+          <p:cNvPr id="31" name="文本框 30">
+            <a:extLst>
+              <a:ext uri="{FF2B5EF4-FFF2-40B4-BE49-F238E27FC236}">
+                <a16:creationId xmlns:a16="http://schemas.microsoft.com/office/drawing/2014/main" id="{0047BF2E-4148-4A4D-B0D6-DD4D44FED3E7}"/>
+              </a:ext>
+            </a:extLst>
+          </p:cNvPr>
+          <p:cNvSpPr txBox="1"/>
+          <p:nvPr/>
+        </p:nvSpPr>
+        <p:spPr>
+          <a:xfrm>
+            <a:off x="2915073" y="4954628"/>
+            <a:ext cx="5137744" cy="461665"/>
+          </a:xfrm>
+          <a:prstGeom prst="rect">
+            <a:avLst/>
+          </a:prstGeom>
+          <a:noFill/>
+        </p:spPr>
+        <p:txBody>
+          <a:bodyPr wrap="square" rtlCol="0">
+            <a:spAutoFit/>
+          </a:bodyPr>
+          <a:lstStyle/>
+          <a:p>
+            <a:r>
+              <a:rPr lang="en-US" altLang="zh-CN" sz="2400" dirty="0"/>
+              <a:t>Economics, Incentive and Governance</a:t>
+            </a:r>
+            <a:endParaRPr lang="zh-CN" altLang="en-US" sz="2400" dirty="0"/>
+          </a:p>
+        </p:txBody>
+      </p:sp>
+      <p:sp>
+        <p:nvSpPr>
+          <p:cNvPr id="6" name="标题 5">
+            <a:extLst>
+              <a:ext uri="{FF2B5EF4-FFF2-40B4-BE49-F238E27FC236}">
+                <a16:creationId xmlns:a16="http://schemas.microsoft.com/office/drawing/2014/main" id="{E6886549-E124-47E4-9E2A-3658BCDF64FD}"/>
+              </a:ext>
+            </a:extLst>
+          </p:cNvPr>
+          <p:cNvSpPr>
+            <a:spLocks noGrp="1"/>
+          </p:cNvSpPr>
+          <p:nvPr>
+            <p:ph type="title"/>
+          </p:nvPr>
+        </p:nvSpPr>
+        <p:spPr/>
+        <p:txBody>
+          <a:bodyPr>
+            <a:normAutofit fontScale="90000"/>
+          </a:bodyPr>
+          <a:lstStyle/>
+          <a:p>
+            <a:r>
+              <a:rPr lang="en-US" altLang="zh-CN" dirty="0">
+                <a:latin typeface="微软雅黑" panose="020B0503020204020204" pitchFamily="34" charset="-122"/>
+                <a:ea typeface="微软雅黑" panose="020B0503020204020204" pitchFamily="34" charset="-122"/>
+              </a:rPr>
+              <a:t>Contents</a:t>
+            </a:r>
+            <a:endParaRPr lang="zh-CN" altLang="en-US" dirty="0">
+              <a:latin typeface="微软雅黑" panose="020B0503020204020204" pitchFamily="34" charset="-122"/>
+              <a:ea typeface="微软雅黑" panose="020B0503020204020204" pitchFamily="34" charset="-122"/>
+            </a:endParaRPr>
+          </a:p>
+        </p:txBody>
+      </p:sp>
     </p:spTree>
     <p:extLst>
       <p:ext uri="{BB962C8B-B14F-4D97-AF65-F5344CB8AC3E}">
@@ -21955,7 +22291,7 @@
 </p:sld>
 </file>
 
-<file path=ppt/slides/slide21.xml><?xml version="1.0" encoding="utf-8"?>
+<file path=ppt/slides/slide22.xml><?xml version="1.0" encoding="utf-8"?>
 <p:sld xmlns:a="http://schemas.openxmlformats.org/drawingml/2006/main" xmlns:r="http://schemas.openxmlformats.org/officeDocument/2006/relationships" xmlns:p="http://schemas.openxmlformats.org/presentationml/2006/main">
   <p:cSld>
     <p:spTree>
@@ -22464,7 +22800,7 @@
 </p:sld>
 </file>
 
-<file path=ppt/slides/slide22.xml><?xml version="1.0" encoding="utf-8"?>
+<file path=ppt/slides/slide23.xml><?xml version="1.0" encoding="utf-8"?>
 <p:sld xmlns:a="http://schemas.openxmlformats.org/drawingml/2006/main" xmlns:r="http://schemas.openxmlformats.org/officeDocument/2006/relationships" xmlns:p="http://schemas.openxmlformats.org/presentationml/2006/main">
   <p:cSld>
     <p:spTree>
@@ -23436,42 +23772,6 @@
       </p:cxnSp>
       <p:sp>
         <p:nvSpPr>
-          <p:cNvPr id="26" name="文本框 25"/>
-          <p:cNvSpPr txBox="1"/>
-          <p:nvPr/>
-        </p:nvSpPr>
-        <p:spPr>
-          <a:xfrm>
-            <a:off x="2915073" y="4034653"/>
-            <a:ext cx="4387392" cy="461665"/>
-          </a:xfrm>
-          <a:prstGeom prst="rect">
-            <a:avLst/>
-          </a:prstGeom>
-          <a:noFill/>
-        </p:spPr>
-        <p:txBody>
-          <a:bodyPr wrap="square" rtlCol="0">
-            <a:spAutoFit/>
-          </a:bodyPr>
-          <a:lstStyle/>
-          <a:p>
-            <a:r>
-              <a:rPr lang="zh-CN" altLang="en-US" sz="2400" dirty="0">
-                <a:solidFill>
-                  <a:schemeClr val="tx1">
-                    <a:lumMod val="75000"/>
-                    <a:lumOff val="25000"/>
-                  </a:schemeClr>
-                </a:solidFill>
-              </a:rPr>
-              <a:t>图形与配色</a:t>
-            </a:r>
-          </a:p>
-        </p:txBody>
-      </p:sp>
-      <p:sp>
-        <p:nvSpPr>
           <p:cNvPr id="33" name="Freeform 10"/>
           <p:cNvSpPr>
             <a:spLocks/>
@@ -23688,42 +23988,6 @@
       </p:cxnSp>
       <p:sp>
         <p:nvSpPr>
-          <p:cNvPr id="36" name="文本框 35"/>
-          <p:cNvSpPr txBox="1"/>
-          <p:nvPr/>
-        </p:nvSpPr>
-        <p:spPr>
-          <a:xfrm>
-            <a:off x="2915073" y="4954628"/>
-            <a:ext cx="4387392" cy="461665"/>
-          </a:xfrm>
-          <a:prstGeom prst="rect">
-            <a:avLst/>
-          </a:prstGeom>
-          <a:noFill/>
-        </p:spPr>
-        <p:txBody>
-          <a:bodyPr wrap="square" rtlCol="0">
-            <a:spAutoFit/>
-          </a:bodyPr>
-          <a:lstStyle/>
-          <a:p>
-            <a:r>
-              <a:rPr lang="zh-CN" altLang="en-US" sz="2400" dirty="0">
-                <a:solidFill>
-                  <a:schemeClr val="tx1">
-                    <a:lumMod val="75000"/>
-                    <a:lumOff val="25000"/>
-                  </a:schemeClr>
-                </a:solidFill>
-              </a:rPr>
-              <a:t>图片处理及排版</a:t>
-            </a:r>
-          </a:p>
-        </p:txBody>
-      </p:sp>
-      <p:sp>
-        <p:nvSpPr>
           <p:cNvPr id="27" name="文本框 26">
             <a:extLst>
               <a:ext uri="{FF2B5EF4-FFF2-40B4-BE49-F238E27FC236}">
@@ -23853,6 +24117,78 @@
               <a:rPr lang="en-US" altLang="zh-CN" sz="2400" dirty="0"/>
               <a:t>Consensus</a:t>
             </a:r>
+          </a:p>
+        </p:txBody>
+      </p:sp>
+      <p:sp>
+        <p:nvSpPr>
+          <p:cNvPr id="30" name="文本框 29">
+            <a:extLst>
+              <a:ext uri="{FF2B5EF4-FFF2-40B4-BE49-F238E27FC236}">
+                <a16:creationId xmlns:a16="http://schemas.microsoft.com/office/drawing/2014/main" id="{4648E780-24D5-4C51-B768-63C60ED6B6CC}"/>
+              </a:ext>
+            </a:extLst>
+          </p:cNvPr>
+          <p:cNvSpPr txBox="1"/>
+          <p:nvPr/>
+        </p:nvSpPr>
+        <p:spPr>
+          <a:xfrm>
+            <a:off x="2915073" y="4034653"/>
+            <a:ext cx="4387392" cy="461665"/>
+          </a:xfrm>
+          <a:prstGeom prst="rect">
+            <a:avLst/>
+          </a:prstGeom>
+          <a:noFill/>
+        </p:spPr>
+        <p:txBody>
+          <a:bodyPr wrap="square" rtlCol="0">
+            <a:spAutoFit/>
+          </a:bodyPr>
+          <a:lstStyle/>
+          <a:p>
+            <a:r>
+              <a:rPr lang="en-US" altLang="zh-CN" sz="2400" dirty="0" err="1"/>
+              <a:t>Parachains</a:t>
+            </a:r>
+            <a:endParaRPr lang="zh-CN" altLang="en-US" sz="2400" dirty="0"/>
+          </a:p>
+        </p:txBody>
+      </p:sp>
+      <p:sp>
+        <p:nvSpPr>
+          <p:cNvPr id="32" name="文本框 31">
+            <a:extLst>
+              <a:ext uri="{FF2B5EF4-FFF2-40B4-BE49-F238E27FC236}">
+                <a16:creationId xmlns:a16="http://schemas.microsoft.com/office/drawing/2014/main" id="{FEBDDB1C-D4FC-44A6-909B-23FE25C7F23A}"/>
+              </a:ext>
+            </a:extLst>
+          </p:cNvPr>
+          <p:cNvSpPr txBox="1"/>
+          <p:nvPr/>
+        </p:nvSpPr>
+        <p:spPr>
+          <a:xfrm>
+            <a:off x="2915073" y="4954628"/>
+            <a:ext cx="5137744" cy="461665"/>
+          </a:xfrm>
+          <a:prstGeom prst="rect">
+            <a:avLst/>
+          </a:prstGeom>
+          <a:noFill/>
+        </p:spPr>
+        <p:txBody>
+          <a:bodyPr wrap="square" rtlCol="0">
+            <a:spAutoFit/>
+          </a:bodyPr>
+          <a:lstStyle/>
+          <a:p>
+            <a:r>
+              <a:rPr lang="en-US" altLang="zh-CN" sz="2400" dirty="0"/>
+              <a:t>Economics, Incentive and Governance</a:t>
+            </a:r>
+            <a:endParaRPr lang="zh-CN" altLang="en-US" sz="2400" dirty="0"/>
           </a:p>
         </p:txBody>
       </p:sp>
@@ -27463,42 +27799,6 @@
       </p:cxnSp>
       <p:sp>
         <p:nvSpPr>
-          <p:cNvPr id="26" name="文本框 25"/>
-          <p:cNvSpPr txBox="1"/>
-          <p:nvPr/>
-        </p:nvSpPr>
-        <p:spPr>
-          <a:xfrm>
-            <a:off x="2915073" y="4034653"/>
-            <a:ext cx="4387392" cy="461665"/>
-          </a:xfrm>
-          <a:prstGeom prst="rect">
-            <a:avLst/>
-          </a:prstGeom>
-          <a:noFill/>
-        </p:spPr>
-        <p:txBody>
-          <a:bodyPr wrap="square" rtlCol="0">
-            <a:spAutoFit/>
-          </a:bodyPr>
-          <a:lstStyle/>
-          <a:p>
-            <a:r>
-              <a:rPr lang="zh-CN" altLang="en-US" sz="2400" dirty="0">
-                <a:solidFill>
-                  <a:schemeClr val="tx1">
-                    <a:lumMod val="75000"/>
-                    <a:lumOff val="25000"/>
-                  </a:schemeClr>
-                </a:solidFill>
-              </a:rPr>
-              <a:t>图形与配色</a:t>
-            </a:r>
-          </a:p>
-        </p:txBody>
-      </p:sp>
-      <p:sp>
-        <p:nvSpPr>
           <p:cNvPr id="33" name="Freeform 10"/>
           <p:cNvSpPr>
             <a:spLocks/>
@@ -27715,42 +28015,6 @@
       </p:cxnSp>
       <p:sp>
         <p:nvSpPr>
-          <p:cNvPr id="36" name="文本框 35"/>
-          <p:cNvSpPr txBox="1"/>
-          <p:nvPr/>
-        </p:nvSpPr>
-        <p:spPr>
-          <a:xfrm>
-            <a:off x="2915073" y="4954628"/>
-            <a:ext cx="4387392" cy="461665"/>
-          </a:xfrm>
-          <a:prstGeom prst="rect">
-            <a:avLst/>
-          </a:prstGeom>
-          <a:noFill/>
-        </p:spPr>
-        <p:txBody>
-          <a:bodyPr wrap="square" rtlCol="0">
-            <a:spAutoFit/>
-          </a:bodyPr>
-          <a:lstStyle/>
-          <a:p>
-            <a:r>
-              <a:rPr lang="zh-CN" altLang="en-US" sz="2400" dirty="0">
-                <a:solidFill>
-                  <a:schemeClr val="tx1">
-                    <a:lumMod val="75000"/>
-                    <a:lumOff val="25000"/>
-                  </a:schemeClr>
-                </a:solidFill>
-              </a:rPr>
-              <a:t>图片处理及排版</a:t>
-            </a:r>
-          </a:p>
-        </p:txBody>
-      </p:sp>
-      <p:sp>
-        <p:nvSpPr>
           <p:cNvPr id="28" name="文本框 27">
             <a:extLst>
               <a:ext uri="{FF2B5EF4-FFF2-40B4-BE49-F238E27FC236}">
@@ -27821,6 +28085,78 @@
               <a:rPr lang="en-US" altLang="zh-CN" sz="2400" dirty="0"/>
               <a:t>Consensus</a:t>
             </a:r>
+          </a:p>
+        </p:txBody>
+      </p:sp>
+      <p:sp>
+        <p:nvSpPr>
+          <p:cNvPr id="29" name="文本框 28">
+            <a:extLst>
+              <a:ext uri="{FF2B5EF4-FFF2-40B4-BE49-F238E27FC236}">
+                <a16:creationId xmlns:a16="http://schemas.microsoft.com/office/drawing/2014/main" id="{C1B15F69-6774-4175-B851-B16CD1E49593}"/>
+              </a:ext>
+            </a:extLst>
+          </p:cNvPr>
+          <p:cNvSpPr txBox="1"/>
+          <p:nvPr/>
+        </p:nvSpPr>
+        <p:spPr>
+          <a:xfrm>
+            <a:off x="2915073" y="4034653"/>
+            <a:ext cx="4387392" cy="461665"/>
+          </a:xfrm>
+          <a:prstGeom prst="rect">
+            <a:avLst/>
+          </a:prstGeom>
+          <a:noFill/>
+        </p:spPr>
+        <p:txBody>
+          <a:bodyPr wrap="square" rtlCol="0">
+            <a:spAutoFit/>
+          </a:bodyPr>
+          <a:lstStyle/>
+          <a:p>
+            <a:r>
+              <a:rPr lang="en-US" altLang="zh-CN" sz="2400" dirty="0" err="1"/>
+              <a:t>Parachains</a:t>
+            </a:r>
+            <a:endParaRPr lang="zh-CN" altLang="en-US" sz="2400" dirty="0"/>
+          </a:p>
+        </p:txBody>
+      </p:sp>
+      <p:sp>
+        <p:nvSpPr>
+          <p:cNvPr id="30" name="文本框 29">
+            <a:extLst>
+              <a:ext uri="{FF2B5EF4-FFF2-40B4-BE49-F238E27FC236}">
+                <a16:creationId xmlns:a16="http://schemas.microsoft.com/office/drawing/2014/main" id="{B807BB52-D038-4AAF-8C7E-43CD09DECD5C}"/>
+              </a:ext>
+            </a:extLst>
+          </p:cNvPr>
+          <p:cNvSpPr txBox="1"/>
+          <p:nvPr/>
+        </p:nvSpPr>
+        <p:spPr>
+          <a:xfrm>
+            <a:off x="2915073" y="4954628"/>
+            <a:ext cx="5137744" cy="461665"/>
+          </a:xfrm>
+          <a:prstGeom prst="rect">
+            <a:avLst/>
+          </a:prstGeom>
+          <a:noFill/>
+        </p:spPr>
+        <p:txBody>
+          <a:bodyPr wrap="square" rtlCol="0">
+            <a:spAutoFit/>
+          </a:bodyPr>
+          <a:lstStyle/>
+          <a:p>
+            <a:r>
+              <a:rPr lang="en-US" altLang="zh-CN" sz="2400" dirty="0"/>
+              <a:t>Economics, Incentive and Governance</a:t>
+            </a:r>
+            <a:endParaRPr lang="zh-CN" altLang="en-US" sz="2400" dirty="0"/>
           </a:p>
         </p:txBody>
       </p:sp>

--- a/Polkadot-PPT.pptx
+++ b/Polkadot-PPT.pptx
@@ -5,10 +5,10 @@
     <p:sldMasterId id="2147483802" r:id="rId1"/>
   </p:sldMasterIdLst>
   <p:notesMasterIdLst>
-    <p:notesMasterId r:id="rId25"/>
+    <p:notesMasterId r:id="rId28"/>
   </p:notesMasterIdLst>
   <p:handoutMasterIdLst>
-    <p:handoutMasterId r:id="rId26"/>
+    <p:handoutMasterId r:id="rId29"/>
   </p:handoutMasterIdLst>
   <p:sldIdLst>
     <p:sldId id="259" r:id="rId2"/>
@@ -27,13 +27,16 @@
     <p:sldId id="292" r:id="rId15"/>
     <p:sldId id="270" r:id="rId16"/>
     <p:sldId id="293" r:id="rId17"/>
-    <p:sldId id="276" r:id="rId18"/>
-    <p:sldId id="277" r:id="rId19"/>
-    <p:sldId id="278" r:id="rId20"/>
-    <p:sldId id="279" r:id="rId21"/>
-    <p:sldId id="280" r:id="rId22"/>
-    <p:sldId id="281" r:id="rId23"/>
-    <p:sldId id="282" r:id="rId24"/>
+    <p:sldId id="294" r:id="rId18"/>
+    <p:sldId id="295" r:id="rId19"/>
+    <p:sldId id="296" r:id="rId20"/>
+    <p:sldId id="276" r:id="rId21"/>
+    <p:sldId id="277" r:id="rId22"/>
+    <p:sldId id="278" r:id="rId23"/>
+    <p:sldId id="279" r:id="rId24"/>
+    <p:sldId id="280" r:id="rId25"/>
+    <p:sldId id="281" r:id="rId26"/>
+    <p:sldId id="282" r:id="rId27"/>
   </p:sldIdLst>
   <p:sldSz cx="9144000" cy="6858000" type="screen4x3"/>
   <p:notesSz cx="6858000" cy="9144000"/>
@@ -12644,9 +12647,16 @@
             <p:ph sz="quarter" idx="10"/>
           </p:nvPr>
         </p:nvSpPr>
-        <p:spPr/>
+        <p:spPr>
+          <a:xfrm>
+            <a:off x="494025" y="1685678"/>
+            <a:ext cx="8479287" cy="4921498"/>
+          </a:xfrm>
+        </p:spPr>
         <p:txBody>
-          <a:bodyPr/>
+          <a:bodyPr>
+            <a:normAutofit lnSpcReduction="10000"/>
+          </a:bodyPr>
           <a:lstStyle/>
           <a:p>
             <a:r>
@@ -12720,7 +12730,33 @@
           </a:p>
           <a:p>
             <a:pPr lvl="1"/>
-            <a:endParaRPr lang="en-US" altLang="zh-CN" dirty="0"/>
+            <a:r>
+              <a:rPr lang="en-US" altLang="zh-CN" dirty="0"/>
+              <a:t>The Byzantine agreement among the validators on the state of </a:t>
+            </a:r>
+            <a:r>
+              <a:rPr lang="en-US" altLang="zh-CN" dirty="0" err="1"/>
+              <a:t>Polkadot</a:t>
+            </a:r>
+            <a:r>
+              <a:rPr lang="en-US" altLang="zh-CN" dirty="0"/>
+              <a:t> and its </a:t>
+            </a:r>
+            <a:r>
+              <a:rPr lang="en-US" altLang="zh-CN" dirty="0" err="1"/>
+              <a:t>parachains</a:t>
+            </a:r>
+            <a:r>
+              <a:rPr lang="en-US" altLang="zh-CN" dirty="0"/>
+              <a:t> is needed. But the availability and validity scheme may require us to revert blocks.</a:t>
+            </a:r>
+          </a:p>
+          <a:p>
+            <a:pPr lvl="1"/>
+            <a:r>
+              <a:rPr lang="en-US" altLang="zh-CN" dirty="0"/>
+              <a:t>Because XCMP, message passing speed is dependent on block time ,not finality time. Thus if we delay finality but do not revert, the message passing is still fast.  </a:t>
+            </a:r>
           </a:p>
           <a:p>
             <a:r>
@@ -12825,6 +12861,1657 @@
 </file>
 
 <file path=ppt/slides/slide17.xml><?xml version="1.0" encoding="utf-8"?>
+<p:sld xmlns:a="http://schemas.openxmlformats.org/drawingml/2006/main" xmlns:r="http://schemas.openxmlformats.org/officeDocument/2006/relationships" xmlns:p="http://schemas.openxmlformats.org/presentationml/2006/main">
+  <p:cSld>
+    <p:spTree>
+      <p:nvGrpSpPr>
+        <p:cNvPr id="1" name=""/>
+        <p:cNvGrpSpPr/>
+        <p:nvPr/>
+      </p:nvGrpSpPr>
+      <p:grpSpPr>
+        <a:xfrm>
+          <a:off x="0" y="0"/>
+          <a:ext cx="0" cy="0"/>
+          <a:chOff x="0" y="0"/>
+          <a:chExt cx="0" cy="0"/>
+        </a:xfrm>
+      </p:grpSpPr>
+      <p:sp>
+        <p:nvSpPr>
+          <p:cNvPr id="2" name="内容占位符 1">
+            <a:extLst>
+              <a:ext uri="{FF2B5EF4-FFF2-40B4-BE49-F238E27FC236}">
+                <a16:creationId xmlns:a16="http://schemas.microsoft.com/office/drawing/2014/main" id="{6F146971-72BE-4CAA-BC80-0DD908AEE031}"/>
+              </a:ext>
+            </a:extLst>
+          </p:cNvPr>
+          <p:cNvSpPr>
+            <a:spLocks noGrp="1"/>
+          </p:cNvSpPr>
+          <p:nvPr>
+            <p:ph sz="quarter" idx="10"/>
+          </p:nvPr>
+        </p:nvSpPr>
+        <p:spPr/>
+        <p:txBody>
+          <a:bodyPr/>
+          <a:lstStyle/>
+          <a:p>
+            <a:endParaRPr lang="zh-CN" altLang="en-US" dirty="0"/>
+          </a:p>
+        </p:txBody>
+      </p:sp>
+      <p:sp>
+        <p:nvSpPr>
+          <p:cNvPr id="3" name="标题 2">
+            <a:extLst>
+              <a:ext uri="{FF2B5EF4-FFF2-40B4-BE49-F238E27FC236}">
+                <a16:creationId xmlns:a16="http://schemas.microsoft.com/office/drawing/2014/main" id="{B47FBCFA-5660-4351-804B-A74871DC21B9}"/>
+              </a:ext>
+            </a:extLst>
+          </p:cNvPr>
+          <p:cNvSpPr>
+            <a:spLocks noGrp="1"/>
+          </p:cNvSpPr>
+          <p:nvPr>
+            <p:ph type="title"/>
+          </p:nvPr>
+        </p:nvSpPr>
+        <p:spPr/>
+        <p:txBody>
+          <a:bodyPr/>
+          <a:lstStyle/>
+          <a:p>
+            <a:r>
+              <a:rPr lang="en-US" altLang="zh-CN" dirty="0"/>
+              <a:t>Blind Assignment for Blockchain Extension</a:t>
+            </a:r>
+            <a:endParaRPr lang="zh-CN" altLang="en-US" dirty="0"/>
+          </a:p>
+        </p:txBody>
+      </p:sp>
+    </p:spTree>
+    <p:extLst>
+      <p:ext uri="{BB962C8B-B14F-4D97-AF65-F5344CB8AC3E}">
+        <p14:creationId xmlns:p14="http://schemas.microsoft.com/office/powerpoint/2010/main" val="3040317584"/>
+      </p:ext>
+    </p:extLst>
+  </p:cSld>
+  <p:clrMapOvr>
+    <a:masterClrMapping/>
+  </p:clrMapOvr>
+</p:sld>
+</file>
+
+<file path=ppt/slides/slide18.xml><?xml version="1.0" encoding="utf-8"?>
+<p:sld xmlns:a="http://schemas.openxmlformats.org/drawingml/2006/main" xmlns:r="http://schemas.openxmlformats.org/officeDocument/2006/relationships" xmlns:p="http://schemas.openxmlformats.org/presentationml/2006/main">
+  <p:cSld>
+    <p:spTree>
+      <p:nvGrpSpPr>
+        <p:cNvPr id="1" name=""/>
+        <p:cNvGrpSpPr/>
+        <p:nvPr/>
+      </p:nvGrpSpPr>
+      <p:grpSpPr>
+        <a:xfrm>
+          <a:off x="0" y="0"/>
+          <a:ext cx="0" cy="0"/>
+          <a:chOff x="0" y="0"/>
+          <a:chExt cx="0" cy="0"/>
+        </a:xfrm>
+      </p:grpSpPr>
+      <p:sp>
+        <p:nvSpPr>
+          <p:cNvPr id="2" name="内容占位符 1">
+            <a:extLst>
+              <a:ext uri="{FF2B5EF4-FFF2-40B4-BE49-F238E27FC236}">
+                <a16:creationId xmlns:a16="http://schemas.microsoft.com/office/drawing/2014/main" id="{6F146971-72BE-4CAA-BC80-0DD908AEE031}"/>
+              </a:ext>
+            </a:extLst>
+          </p:cNvPr>
+          <p:cNvSpPr>
+            <a:spLocks noGrp="1"/>
+          </p:cNvSpPr>
+          <p:nvPr>
+            <p:ph sz="quarter" idx="10"/>
+          </p:nvPr>
+        </p:nvSpPr>
+        <p:spPr/>
+        <p:txBody>
+          <a:bodyPr/>
+          <a:lstStyle/>
+          <a:p>
+            <a:endParaRPr lang="zh-CN" altLang="en-US" dirty="0"/>
+          </a:p>
+        </p:txBody>
+      </p:sp>
+      <p:sp>
+        <p:nvSpPr>
+          <p:cNvPr id="3" name="标题 2">
+            <a:extLst>
+              <a:ext uri="{FF2B5EF4-FFF2-40B4-BE49-F238E27FC236}">
+                <a16:creationId xmlns:a16="http://schemas.microsoft.com/office/drawing/2014/main" id="{B47FBCFA-5660-4351-804B-A74871DC21B9}"/>
+              </a:ext>
+            </a:extLst>
+          </p:cNvPr>
+          <p:cNvSpPr>
+            <a:spLocks noGrp="1"/>
+          </p:cNvSpPr>
+          <p:nvPr>
+            <p:ph type="title"/>
+          </p:nvPr>
+        </p:nvSpPr>
+        <p:spPr/>
+        <p:txBody>
+          <a:bodyPr/>
+          <a:lstStyle/>
+          <a:p>
+            <a:r>
+              <a:rPr lang="en-US" altLang="zh-CN" dirty="0"/>
+              <a:t>Blind Assignment for Blockchain Extension</a:t>
+            </a:r>
+            <a:endParaRPr lang="zh-CN" altLang="en-US" dirty="0"/>
+          </a:p>
+        </p:txBody>
+      </p:sp>
+    </p:spTree>
+    <p:extLst>
+      <p:ext uri="{BB962C8B-B14F-4D97-AF65-F5344CB8AC3E}">
+        <p14:creationId xmlns:p14="http://schemas.microsoft.com/office/powerpoint/2010/main" val="2036020226"/>
+      </p:ext>
+    </p:extLst>
+  </p:cSld>
+  <p:clrMapOvr>
+    <a:masterClrMapping/>
+  </p:clrMapOvr>
+</p:sld>
+</file>
+
+<file path=ppt/slides/slide19.xml><?xml version="1.0" encoding="utf-8"?>
+<p:sld xmlns:a="http://schemas.openxmlformats.org/drawingml/2006/main" xmlns:r="http://schemas.openxmlformats.org/officeDocument/2006/relationships" xmlns:p="http://schemas.openxmlformats.org/presentationml/2006/main">
+  <p:cSld>
+    <p:spTree>
+      <p:nvGrpSpPr>
+        <p:cNvPr id="1" name=""/>
+        <p:cNvGrpSpPr/>
+        <p:nvPr/>
+      </p:nvGrpSpPr>
+      <p:grpSpPr>
+        <a:xfrm>
+          <a:off x="0" y="0"/>
+          <a:ext cx="0" cy="0"/>
+          <a:chOff x="0" y="0"/>
+          <a:chExt cx="0" cy="0"/>
+        </a:xfrm>
+      </p:grpSpPr>
+      <p:sp>
+        <p:nvSpPr>
+          <p:cNvPr id="2" name="内容占位符 1">
+            <a:extLst>
+              <a:ext uri="{FF2B5EF4-FFF2-40B4-BE49-F238E27FC236}">
+                <a16:creationId xmlns:a16="http://schemas.microsoft.com/office/drawing/2014/main" id="{6F146971-72BE-4CAA-BC80-0DD908AEE031}"/>
+              </a:ext>
+            </a:extLst>
+          </p:cNvPr>
+          <p:cNvSpPr>
+            <a:spLocks noGrp="1"/>
+          </p:cNvSpPr>
+          <p:nvPr>
+            <p:ph sz="quarter" idx="10"/>
+          </p:nvPr>
+        </p:nvSpPr>
+        <p:spPr/>
+        <p:txBody>
+          <a:bodyPr/>
+          <a:lstStyle/>
+          <a:p>
+            <a:endParaRPr lang="zh-CN" altLang="en-US" dirty="0"/>
+          </a:p>
+        </p:txBody>
+      </p:sp>
+      <p:sp>
+        <p:nvSpPr>
+          <p:cNvPr id="3" name="标题 2">
+            <a:extLst>
+              <a:ext uri="{FF2B5EF4-FFF2-40B4-BE49-F238E27FC236}">
+                <a16:creationId xmlns:a16="http://schemas.microsoft.com/office/drawing/2014/main" id="{B47FBCFA-5660-4351-804B-A74871DC21B9}"/>
+              </a:ext>
+            </a:extLst>
+          </p:cNvPr>
+          <p:cNvSpPr>
+            <a:spLocks noGrp="1"/>
+          </p:cNvSpPr>
+          <p:nvPr>
+            <p:ph type="title"/>
+          </p:nvPr>
+        </p:nvSpPr>
+        <p:spPr/>
+        <p:txBody>
+          <a:bodyPr/>
+          <a:lstStyle/>
+          <a:p>
+            <a:r>
+              <a:rPr lang="en-US" altLang="zh-CN" dirty="0"/>
+              <a:t>GRANDPA</a:t>
+            </a:r>
+            <a:endParaRPr lang="zh-CN" altLang="en-US" dirty="0"/>
+          </a:p>
+        </p:txBody>
+      </p:sp>
+    </p:spTree>
+    <p:extLst>
+      <p:ext uri="{BB962C8B-B14F-4D97-AF65-F5344CB8AC3E}">
+        <p14:creationId xmlns:p14="http://schemas.microsoft.com/office/powerpoint/2010/main" val="433964219"/>
+      </p:ext>
+    </p:extLst>
+  </p:cSld>
+  <p:clrMapOvr>
+    <a:masterClrMapping/>
+  </p:clrMapOvr>
+</p:sld>
+</file>
+
+<file path=ppt/slides/slide2.xml><?xml version="1.0" encoding="utf-8"?>
+<p:sld xmlns:a="http://schemas.openxmlformats.org/drawingml/2006/main" xmlns:r="http://schemas.openxmlformats.org/officeDocument/2006/relationships" xmlns:p="http://schemas.openxmlformats.org/presentationml/2006/main">
+  <p:cSld>
+    <p:spTree>
+      <p:nvGrpSpPr>
+        <p:cNvPr id="1" name=""/>
+        <p:cNvGrpSpPr/>
+        <p:nvPr/>
+      </p:nvGrpSpPr>
+      <p:grpSpPr>
+        <a:xfrm>
+          <a:off x="0" y="0"/>
+          <a:ext cx="0" cy="0"/>
+          <a:chOff x="0" y="0"/>
+          <a:chExt cx="0" cy="0"/>
+        </a:xfrm>
+      </p:grpSpPr>
+      <p:sp>
+        <p:nvSpPr>
+          <p:cNvPr id="2" name="标题 1"/>
+          <p:cNvSpPr>
+            <a:spLocks noGrp="1"/>
+          </p:cNvSpPr>
+          <p:nvPr>
+            <p:ph type="title"/>
+          </p:nvPr>
+        </p:nvSpPr>
+        <p:spPr/>
+        <p:txBody>
+          <a:bodyPr>
+            <a:normAutofit fontScale="90000"/>
+          </a:bodyPr>
+          <a:lstStyle/>
+          <a:p>
+            <a:r>
+              <a:rPr lang="zh-CN" altLang="en-US" dirty="0">
+                <a:latin typeface="微软雅黑" panose="020B0503020204020204" pitchFamily="34" charset="-122"/>
+                <a:ea typeface="微软雅黑" panose="020B0503020204020204" pitchFamily="34" charset="-122"/>
+              </a:rPr>
+              <a:t> </a:t>
+            </a:r>
+            <a:r>
+              <a:rPr lang="en-US" altLang="zh-CN" dirty="0">
+                <a:latin typeface="微软雅黑" panose="020B0503020204020204" pitchFamily="34" charset="-122"/>
+                <a:ea typeface="微软雅黑" panose="020B0503020204020204" pitchFamily="34" charset="-122"/>
+              </a:rPr>
+              <a:t>Contents</a:t>
+            </a:r>
+            <a:endParaRPr lang="zh-CN" altLang="en-US" dirty="0">
+              <a:latin typeface="微软雅黑" panose="020B0503020204020204" pitchFamily="34" charset="-122"/>
+              <a:ea typeface="微软雅黑" panose="020B0503020204020204" pitchFamily="34" charset="-122"/>
+            </a:endParaRPr>
+          </a:p>
+        </p:txBody>
+      </p:sp>
+      <p:grpSp>
+        <p:nvGrpSpPr>
+          <p:cNvPr id="3" name="组合 2"/>
+          <p:cNvGrpSpPr/>
+          <p:nvPr/>
+        </p:nvGrpSpPr>
+        <p:grpSpPr>
+          <a:xfrm>
+            <a:off x="1841535" y="1303550"/>
+            <a:ext cx="843427" cy="443226"/>
+            <a:chOff x="666810" y="2586037"/>
+            <a:chExt cx="468000" cy="245937"/>
+          </a:xfrm>
+        </p:grpSpPr>
+        <p:sp>
+          <p:nvSpPr>
+            <p:cNvPr id="4" name="Freeform 10"/>
+            <p:cNvSpPr>
+              <a:spLocks/>
+            </p:cNvSpPr>
+            <p:nvPr userDrawn="1"/>
+          </p:nvSpPr>
+          <p:spPr bwMode="auto">
+            <a:xfrm>
+              <a:off x="666810" y="2621442"/>
+              <a:ext cx="468000" cy="190800"/>
+            </a:xfrm>
+            <a:custGeom>
+              <a:avLst/>
+              <a:gdLst>
+                <a:gd name="T0" fmla="*/ 3120 w 3800"/>
+                <a:gd name="T1" fmla="*/ 0 h 1532"/>
+                <a:gd name="T2" fmla="*/ 682 w 3800"/>
+                <a:gd name="T3" fmla="*/ 0 h 1532"/>
+                <a:gd name="T4" fmla="*/ 682 w 3800"/>
+                <a:gd name="T5" fmla="*/ 284 h 1532"/>
+                <a:gd name="T6" fmla="*/ 0 w 3800"/>
+                <a:gd name="T7" fmla="*/ 766 h 1532"/>
+                <a:gd name="T8" fmla="*/ 682 w 3800"/>
+                <a:gd name="T9" fmla="*/ 1248 h 1532"/>
+                <a:gd name="T10" fmla="*/ 682 w 3800"/>
+                <a:gd name="T11" fmla="*/ 1532 h 1532"/>
+                <a:gd name="T12" fmla="*/ 3120 w 3800"/>
+                <a:gd name="T13" fmla="*/ 1532 h 1532"/>
+                <a:gd name="T14" fmla="*/ 3120 w 3800"/>
+                <a:gd name="T15" fmla="*/ 1248 h 1532"/>
+                <a:gd name="T16" fmla="*/ 3800 w 3800"/>
+                <a:gd name="T17" fmla="*/ 766 h 1532"/>
+                <a:gd name="T18" fmla="*/ 3120 w 3800"/>
+                <a:gd name="T19" fmla="*/ 284 h 1532"/>
+                <a:gd name="T20" fmla="*/ 3120 w 3800"/>
+                <a:gd name="T21" fmla="*/ 0 h 1532"/>
+              </a:gdLst>
+              <a:ahLst/>
+              <a:cxnLst>
+                <a:cxn ang="0">
+                  <a:pos x="T0" y="T1"/>
+                </a:cxn>
+                <a:cxn ang="0">
+                  <a:pos x="T2" y="T3"/>
+                </a:cxn>
+                <a:cxn ang="0">
+                  <a:pos x="T4" y="T5"/>
+                </a:cxn>
+                <a:cxn ang="0">
+                  <a:pos x="T6" y="T7"/>
+                </a:cxn>
+                <a:cxn ang="0">
+                  <a:pos x="T8" y="T9"/>
+                </a:cxn>
+                <a:cxn ang="0">
+                  <a:pos x="T10" y="T11"/>
+                </a:cxn>
+                <a:cxn ang="0">
+                  <a:pos x="T12" y="T13"/>
+                </a:cxn>
+                <a:cxn ang="0">
+                  <a:pos x="T14" y="T15"/>
+                </a:cxn>
+                <a:cxn ang="0">
+                  <a:pos x="T16" y="T17"/>
+                </a:cxn>
+                <a:cxn ang="0">
+                  <a:pos x="T18" y="T19"/>
+                </a:cxn>
+                <a:cxn ang="0">
+                  <a:pos x="T20" y="T21"/>
+                </a:cxn>
+              </a:cxnLst>
+              <a:rect l="0" t="0" r="r" b="b"/>
+              <a:pathLst>
+                <a:path w="3800" h="1532">
+                  <a:moveTo>
+                    <a:pt x="3120" y="0"/>
+                  </a:moveTo>
+                  <a:lnTo>
+                    <a:pt x="682" y="0"/>
+                  </a:lnTo>
+                  <a:lnTo>
+                    <a:pt x="682" y="284"/>
+                  </a:lnTo>
+                  <a:lnTo>
+                    <a:pt x="0" y="766"/>
+                  </a:lnTo>
+                  <a:lnTo>
+                    <a:pt x="682" y="1248"/>
+                  </a:lnTo>
+                  <a:lnTo>
+                    <a:pt x="682" y="1532"/>
+                  </a:lnTo>
+                  <a:lnTo>
+                    <a:pt x="3120" y="1532"/>
+                  </a:lnTo>
+                  <a:lnTo>
+                    <a:pt x="3120" y="1248"/>
+                  </a:lnTo>
+                  <a:lnTo>
+                    <a:pt x="3800" y="766"/>
+                  </a:lnTo>
+                  <a:lnTo>
+                    <a:pt x="3120" y="284"/>
+                  </a:lnTo>
+                  <a:lnTo>
+                    <a:pt x="3120" y="0"/>
+                  </a:lnTo>
+                  <a:close/>
+                </a:path>
+              </a:pathLst>
+            </a:custGeom>
+            <a:solidFill>
+              <a:schemeClr val="accent1"/>
+            </a:solidFill>
+            <a:ln>
+              <a:noFill/>
+            </a:ln>
+          </p:spPr>
+          <p:txBody>
+            <a:bodyPr vert="horz" wrap="square" lIns="91440" tIns="45720" rIns="91440" bIns="45720" numCol="1" anchor="ctr" anchorCtr="0" compatLnSpc="1">
+              <a:prstTxWarp prst="textNoShape">
+                <a:avLst/>
+              </a:prstTxWarp>
+              <a:noAutofit/>
+            </a:bodyPr>
+            <a:lstStyle/>
+            <a:p>
+              <a:pPr algn="ctr"/>
+              <a:endParaRPr lang="zh-CN" altLang="en-US" sz="3200" b="1"/>
+            </a:p>
+          </p:txBody>
+        </p:sp>
+        <p:sp>
+          <p:nvSpPr>
+            <p:cNvPr id="5" name="文本框 4"/>
+            <p:cNvSpPr txBox="1"/>
+            <p:nvPr userDrawn="1"/>
+          </p:nvSpPr>
+          <p:spPr>
+            <a:xfrm>
+              <a:off x="794494" y="2586037"/>
+              <a:ext cx="212633" cy="245937"/>
+            </a:xfrm>
+            <a:prstGeom prst="rect">
+              <a:avLst/>
+            </a:prstGeom>
+            <a:noFill/>
+          </p:spPr>
+          <p:txBody>
+            <a:bodyPr wrap="none" rtlCol="0" anchor="ctr">
+              <a:noAutofit/>
+            </a:bodyPr>
+            <a:lstStyle/>
+            <a:p>
+              <a:pPr algn="ctr"/>
+              <a:r>
+                <a:rPr lang="en-US" altLang="zh-CN" b="1" dirty="0">
+                  <a:solidFill>
+                    <a:schemeClr val="bg1"/>
+                  </a:solidFill>
+                  <a:latin typeface="微软雅黑" panose="020B0503020204020204" pitchFamily="34" charset="-122"/>
+                  <a:ea typeface="微软雅黑" panose="020B0503020204020204" pitchFamily="34" charset="-122"/>
+                </a:rPr>
+                <a:t>1</a:t>
+              </a:r>
+              <a:endParaRPr lang="zh-CN" altLang="en-US" b="1" dirty="0">
+                <a:solidFill>
+                  <a:schemeClr val="bg1"/>
+                </a:solidFill>
+                <a:latin typeface="微软雅黑" panose="020B0503020204020204" pitchFamily="34" charset="-122"/>
+                <a:ea typeface="微软雅黑" panose="020B0503020204020204" pitchFamily="34" charset="-122"/>
+              </a:endParaRPr>
+            </a:p>
+          </p:txBody>
+        </p:sp>
+      </p:grpSp>
+      <p:cxnSp>
+        <p:nvCxnSpPr>
+          <p:cNvPr id="7" name="直接连接符 6"/>
+          <p:cNvCxnSpPr>
+            <a:stCxn id="4" idx="6"/>
+          </p:cNvCxnSpPr>
+          <p:nvPr/>
+        </p:nvCxnSpPr>
+        <p:spPr>
+          <a:xfrm>
+            <a:off x="2534033" y="1711215"/>
+            <a:ext cx="4500000" cy="0"/>
+          </a:xfrm>
+          <a:prstGeom prst="line">
+            <a:avLst/>
+          </a:prstGeom>
+          <a:ln>
+            <a:solidFill>
+              <a:schemeClr val="accent1"/>
+            </a:solidFill>
+          </a:ln>
+        </p:spPr>
+        <p:style>
+          <a:lnRef idx="1">
+            <a:schemeClr val="accent1"/>
+          </a:lnRef>
+          <a:fillRef idx="0">
+            <a:schemeClr val="accent1"/>
+          </a:fillRef>
+          <a:effectRef idx="0">
+            <a:schemeClr val="accent1"/>
+          </a:effectRef>
+          <a:fontRef idx="minor">
+            <a:schemeClr val="tx1"/>
+          </a:fontRef>
+        </p:style>
+      </p:cxnSp>
+      <p:sp>
+        <p:nvSpPr>
+          <p:cNvPr id="11" name="文本框 10"/>
+          <p:cNvSpPr txBox="1"/>
+          <p:nvPr/>
+        </p:nvSpPr>
+        <p:spPr>
+          <a:xfrm>
+            <a:off x="2915072" y="1274734"/>
+            <a:ext cx="6125295" cy="461665"/>
+          </a:xfrm>
+          <a:prstGeom prst="rect">
+            <a:avLst/>
+          </a:prstGeom>
+          <a:noFill/>
+        </p:spPr>
+        <p:txBody>
+          <a:bodyPr wrap="square" rtlCol="0">
+            <a:spAutoFit/>
+          </a:bodyPr>
+          <a:lstStyle/>
+          <a:p>
+            <a:r>
+              <a:rPr lang="en-GB" altLang="zh-CN" sz="2400" dirty="0" err="1"/>
+              <a:t>NPoS</a:t>
+            </a:r>
+            <a:r>
+              <a:rPr lang="en-GB" altLang="zh-CN" sz="2400" dirty="0"/>
+              <a:t> and Validator election</a:t>
+            </a:r>
+            <a:endParaRPr lang="zh-CN" altLang="en-US" sz="2400" dirty="0"/>
+          </a:p>
+        </p:txBody>
+      </p:sp>
+      <p:grpSp>
+        <p:nvGrpSpPr>
+          <p:cNvPr id="12" name="组合 11"/>
+          <p:cNvGrpSpPr/>
+          <p:nvPr/>
+        </p:nvGrpSpPr>
+        <p:grpSpPr>
+          <a:xfrm>
+            <a:off x="1841535" y="2223523"/>
+            <a:ext cx="843427" cy="443226"/>
+            <a:chOff x="666810" y="2586037"/>
+            <a:chExt cx="468000" cy="245937"/>
+          </a:xfrm>
+        </p:grpSpPr>
+        <p:sp>
+          <p:nvSpPr>
+            <p:cNvPr id="13" name="Freeform 10"/>
+            <p:cNvSpPr>
+              <a:spLocks/>
+            </p:cNvSpPr>
+            <p:nvPr userDrawn="1"/>
+          </p:nvSpPr>
+          <p:spPr bwMode="auto">
+            <a:xfrm>
+              <a:off x="666810" y="2621442"/>
+              <a:ext cx="468000" cy="190800"/>
+            </a:xfrm>
+            <a:custGeom>
+              <a:avLst/>
+              <a:gdLst>
+                <a:gd name="T0" fmla="*/ 3120 w 3800"/>
+                <a:gd name="T1" fmla="*/ 0 h 1532"/>
+                <a:gd name="T2" fmla="*/ 682 w 3800"/>
+                <a:gd name="T3" fmla="*/ 0 h 1532"/>
+                <a:gd name="T4" fmla="*/ 682 w 3800"/>
+                <a:gd name="T5" fmla="*/ 284 h 1532"/>
+                <a:gd name="T6" fmla="*/ 0 w 3800"/>
+                <a:gd name="T7" fmla="*/ 766 h 1532"/>
+                <a:gd name="T8" fmla="*/ 682 w 3800"/>
+                <a:gd name="T9" fmla="*/ 1248 h 1532"/>
+                <a:gd name="T10" fmla="*/ 682 w 3800"/>
+                <a:gd name="T11" fmla="*/ 1532 h 1532"/>
+                <a:gd name="T12" fmla="*/ 3120 w 3800"/>
+                <a:gd name="T13" fmla="*/ 1532 h 1532"/>
+                <a:gd name="T14" fmla="*/ 3120 w 3800"/>
+                <a:gd name="T15" fmla="*/ 1248 h 1532"/>
+                <a:gd name="T16" fmla="*/ 3800 w 3800"/>
+                <a:gd name="T17" fmla="*/ 766 h 1532"/>
+                <a:gd name="T18" fmla="*/ 3120 w 3800"/>
+                <a:gd name="T19" fmla="*/ 284 h 1532"/>
+                <a:gd name="T20" fmla="*/ 3120 w 3800"/>
+                <a:gd name="T21" fmla="*/ 0 h 1532"/>
+              </a:gdLst>
+              <a:ahLst/>
+              <a:cxnLst>
+                <a:cxn ang="0">
+                  <a:pos x="T0" y="T1"/>
+                </a:cxn>
+                <a:cxn ang="0">
+                  <a:pos x="T2" y="T3"/>
+                </a:cxn>
+                <a:cxn ang="0">
+                  <a:pos x="T4" y="T5"/>
+                </a:cxn>
+                <a:cxn ang="0">
+                  <a:pos x="T6" y="T7"/>
+                </a:cxn>
+                <a:cxn ang="0">
+                  <a:pos x="T8" y="T9"/>
+                </a:cxn>
+                <a:cxn ang="0">
+                  <a:pos x="T10" y="T11"/>
+                </a:cxn>
+                <a:cxn ang="0">
+                  <a:pos x="T12" y="T13"/>
+                </a:cxn>
+                <a:cxn ang="0">
+                  <a:pos x="T14" y="T15"/>
+                </a:cxn>
+                <a:cxn ang="0">
+                  <a:pos x="T16" y="T17"/>
+                </a:cxn>
+                <a:cxn ang="0">
+                  <a:pos x="T18" y="T19"/>
+                </a:cxn>
+                <a:cxn ang="0">
+                  <a:pos x="T20" y="T21"/>
+                </a:cxn>
+              </a:cxnLst>
+              <a:rect l="0" t="0" r="r" b="b"/>
+              <a:pathLst>
+                <a:path w="3800" h="1532">
+                  <a:moveTo>
+                    <a:pt x="3120" y="0"/>
+                  </a:moveTo>
+                  <a:lnTo>
+                    <a:pt x="682" y="0"/>
+                  </a:lnTo>
+                  <a:lnTo>
+                    <a:pt x="682" y="284"/>
+                  </a:lnTo>
+                  <a:lnTo>
+                    <a:pt x="0" y="766"/>
+                  </a:lnTo>
+                  <a:lnTo>
+                    <a:pt x="682" y="1248"/>
+                  </a:lnTo>
+                  <a:lnTo>
+                    <a:pt x="682" y="1532"/>
+                  </a:lnTo>
+                  <a:lnTo>
+                    <a:pt x="3120" y="1532"/>
+                  </a:lnTo>
+                  <a:lnTo>
+                    <a:pt x="3120" y="1248"/>
+                  </a:lnTo>
+                  <a:lnTo>
+                    <a:pt x="3800" y="766"/>
+                  </a:lnTo>
+                  <a:lnTo>
+                    <a:pt x="3120" y="284"/>
+                  </a:lnTo>
+                  <a:lnTo>
+                    <a:pt x="3120" y="0"/>
+                  </a:lnTo>
+                  <a:close/>
+                </a:path>
+              </a:pathLst>
+            </a:custGeom>
+            <a:solidFill>
+              <a:schemeClr val="accent1"/>
+            </a:solidFill>
+            <a:ln>
+              <a:noFill/>
+            </a:ln>
+          </p:spPr>
+          <p:txBody>
+            <a:bodyPr vert="horz" wrap="square" lIns="91440" tIns="45720" rIns="91440" bIns="45720" numCol="1" anchor="ctr" anchorCtr="0" compatLnSpc="1">
+              <a:prstTxWarp prst="textNoShape">
+                <a:avLst/>
+              </a:prstTxWarp>
+              <a:noAutofit/>
+            </a:bodyPr>
+            <a:lstStyle/>
+            <a:p>
+              <a:pPr algn="ctr"/>
+              <a:endParaRPr lang="zh-CN" altLang="en-US" sz="3200" b="1"/>
+            </a:p>
+          </p:txBody>
+        </p:sp>
+        <p:sp>
+          <p:nvSpPr>
+            <p:cNvPr id="14" name="文本框 13"/>
+            <p:cNvSpPr txBox="1"/>
+            <p:nvPr userDrawn="1"/>
+          </p:nvSpPr>
+          <p:spPr>
+            <a:xfrm>
+              <a:off x="794494" y="2586037"/>
+              <a:ext cx="212633" cy="245937"/>
+            </a:xfrm>
+            <a:prstGeom prst="rect">
+              <a:avLst/>
+            </a:prstGeom>
+            <a:noFill/>
+          </p:spPr>
+          <p:txBody>
+            <a:bodyPr wrap="none" rtlCol="0" anchor="ctr">
+              <a:noAutofit/>
+            </a:bodyPr>
+            <a:lstStyle/>
+            <a:p>
+              <a:pPr algn="ctr"/>
+              <a:r>
+                <a:rPr lang="en-US" altLang="zh-CN" b="1" dirty="0">
+                  <a:solidFill>
+                    <a:schemeClr val="bg1"/>
+                  </a:solidFill>
+                  <a:latin typeface="微软雅黑" panose="020B0503020204020204" pitchFamily="34" charset="-122"/>
+                  <a:ea typeface="微软雅黑" panose="020B0503020204020204" pitchFamily="34" charset="-122"/>
+                </a:rPr>
+                <a:t>2</a:t>
+              </a:r>
+              <a:endParaRPr lang="zh-CN" altLang="en-US" b="1" dirty="0">
+                <a:solidFill>
+                  <a:schemeClr val="bg1"/>
+                </a:solidFill>
+                <a:latin typeface="微软雅黑" panose="020B0503020204020204" pitchFamily="34" charset="-122"/>
+                <a:ea typeface="微软雅黑" panose="020B0503020204020204" pitchFamily="34" charset="-122"/>
+              </a:endParaRPr>
+            </a:p>
+          </p:txBody>
+        </p:sp>
+      </p:grpSp>
+      <p:cxnSp>
+        <p:nvCxnSpPr>
+          <p:cNvPr id="15" name="直接连接符 14"/>
+          <p:cNvCxnSpPr>
+            <a:stCxn id="13" idx="6"/>
+          </p:cNvCxnSpPr>
+          <p:nvPr/>
+        </p:nvCxnSpPr>
+        <p:spPr>
+          <a:xfrm>
+            <a:off x="2534033" y="2631188"/>
+            <a:ext cx="4500000" cy="0"/>
+          </a:xfrm>
+          <a:prstGeom prst="line">
+            <a:avLst/>
+          </a:prstGeom>
+          <a:ln>
+            <a:solidFill>
+              <a:schemeClr val="accent1"/>
+            </a:solidFill>
+          </a:ln>
+        </p:spPr>
+        <p:style>
+          <a:lnRef idx="1">
+            <a:schemeClr val="accent1"/>
+          </a:lnRef>
+          <a:fillRef idx="0">
+            <a:schemeClr val="accent1"/>
+          </a:fillRef>
+          <a:effectRef idx="0">
+            <a:schemeClr val="accent1"/>
+          </a:effectRef>
+          <a:fontRef idx="minor">
+            <a:schemeClr val="tx1"/>
+          </a:fontRef>
+        </p:style>
+      </p:cxnSp>
+      <p:grpSp>
+        <p:nvGrpSpPr>
+          <p:cNvPr id="17" name="组合 16"/>
+          <p:cNvGrpSpPr/>
+          <p:nvPr/>
+        </p:nvGrpSpPr>
+        <p:grpSpPr>
+          <a:xfrm>
+            <a:off x="1841535" y="3143496"/>
+            <a:ext cx="843427" cy="443226"/>
+            <a:chOff x="666810" y="2586037"/>
+            <a:chExt cx="468000" cy="245937"/>
+          </a:xfrm>
+        </p:grpSpPr>
+        <p:sp>
+          <p:nvSpPr>
+            <p:cNvPr id="18" name="Freeform 10"/>
+            <p:cNvSpPr>
+              <a:spLocks/>
+            </p:cNvSpPr>
+            <p:nvPr userDrawn="1"/>
+          </p:nvSpPr>
+          <p:spPr bwMode="auto">
+            <a:xfrm>
+              <a:off x="666810" y="2621442"/>
+              <a:ext cx="468000" cy="190800"/>
+            </a:xfrm>
+            <a:custGeom>
+              <a:avLst/>
+              <a:gdLst>
+                <a:gd name="T0" fmla="*/ 3120 w 3800"/>
+                <a:gd name="T1" fmla="*/ 0 h 1532"/>
+                <a:gd name="T2" fmla="*/ 682 w 3800"/>
+                <a:gd name="T3" fmla="*/ 0 h 1532"/>
+                <a:gd name="T4" fmla="*/ 682 w 3800"/>
+                <a:gd name="T5" fmla="*/ 284 h 1532"/>
+                <a:gd name="T6" fmla="*/ 0 w 3800"/>
+                <a:gd name="T7" fmla="*/ 766 h 1532"/>
+                <a:gd name="T8" fmla="*/ 682 w 3800"/>
+                <a:gd name="T9" fmla="*/ 1248 h 1532"/>
+                <a:gd name="T10" fmla="*/ 682 w 3800"/>
+                <a:gd name="T11" fmla="*/ 1532 h 1532"/>
+                <a:gd name="T12" fmla="*/ 3120 w 3800"/>
+                <a:gd name="T13" fmla="*/ 1532 h 1532"/>
+                <a:gd name="T14" fmla="*/ 3120 w 3800"/>
+                <a:gd name="T15" fmla="*/ 1248 h 1532"/>
+                <a:gd name="T16" fmla="*/ 3800 w 3800"/>
+                <a:gd name="T17" fmla="*/ 766 h 1532"/>
+                <a:gd name="T18" fmla="*/ 3120 w 3800"/>
+                <a:gd name="T19" fmla="*/ 284 h 1532"/>
+                <a:gd name="T20" fmla="*/ 3120 w 3800"/>
+                <a:gd name="T21" fmla="*/ 0 h 1532"/>
+              </a:gdLst>
+              <a:ahLst/>
+              <a:cxnLst>
+                <a:cxn ang="0">
+                  <a:pos x="T0" y="T1"/>
+                </a:cxn>
+                <a:cxn ang="0">
+                  <a:pos x="T2" y="T3"/>
+                </a:cxn>
+                <a:cxn ang="0">
+                  <a:pos x="T4" y="T5"/>
+                </a:cxn>
+                <a:cxn ang="0">
+                  <a:pos x="T6" y="T7"/>
+                </a:cxn>
+                <a:cxn ang="0">
+                  <a:pos x="T8" y="T9"/>
+                </a:cxn>
+                <a:cxn ang="0">
+                  <a:pos x="T10" y="T11"/>
+                </a:cxn>
+                <a:cxn ang="0">
+                  <a:pos x="T12" y="T13"/>
+                </a:cxn>
+                <a:cxn ang="0">
+                  <a:pos x="T14" y="T15"/>
+                </a:cxn>
+                <a:cxn ang="0">
+                  <a:pos x="T16" y="T17"/>
+                </a:cxn>
+                <a:cxn ang="0">
+                  <a:pos x="T18" y="T19"/>
+                </a:cxn>
+                <a:cxn ang="0">
+                  <a:pos x="T20" y="T21"/>
+                </a:cxn>
+              </a:cxnLst>
+              <a:rect l="0" t="0" r="r" b="b"/>
+              <a:pathLst>
+                <a:path w="3800" h="1532">
+                  <a:moveTo>
+                    <a:pt x="3120" y="0"/>
+                  </a:moveTo>
+                  <a:lnTo>
+                    <a:pt x="682" y="0"/>
+                  </a:lnTo>
+                  <a:lnTo>
+                    <a:pt x="682" y="284"/>
+                  </a:lnTo>
+                  <a:lnTo>
+                    <a:pt x="0" y="766"/>
+                  </a:lnTo>
+                  <a:lnTo>
+                    <a:pt x="682" y="1248"/>
+                  </a:lnTo>
+                  <a:lnTo>
+                    <a:pt x="682" y="1532"/>
+                  </a:lnTo>
+                  <a:lnTo>
+                    <a:pt x="3120" y="1532"/>
+                  </a:lnTo>
+                  <a:lnTo>
+                    <a:pt x="3120" y="1248"/>
+                  </a:lnTo>
+                  <a:lnTo>
+                    <a:pt x="3800" y="766"/>
+                  </a:lnTo>
+                  <a:lnTo>
+                    <a:pt x="3120" y="284"/>
+                  </a:lnTo>
+                  <a:lnTo>
+                    <a:pt x="3120" y="0"/>
+                  </a:lnTo>
+                  <a:close/>
+                </a:path>
+              </a:pathLst>
+            </a:custGeom>
+            <a:solidFill>
+              <a:schemeClr val="accent1"/>
+            </a:solidFill>
+            <a:ln>
+              <a:noFill/>
+            </a:ln>
+          </p:spPr>
+          <p:txBody>
+            <a:bodyPr vert="horz" wrap="square" lIns="91440" tIns="45720" rIns="91440" bIns="45720" numCol="1" anchor="ctr" anchorCtr="0" compatLnSpc="1">
+              <a:prstTxWarp prst="textNoShape">
+                <a:avLst/>
+              </a:prstTxWarp>
+              <a:noAutofit/>
+            </a:bodyPr>
+            <a:lstStyle/>
+            <a:p>
+              <a:pPr algn="ctr"/>
+              <a:endParaRPr lang="zh-CN" altLang="en-US" sz="3200" b="1"/>
+            </a:p>
+          </p:txBody>
+        </p:sp>
+        <p:sp>
+          <p:nvSpPr>
+            <p:cNvPr id="19" name="文本框 18"/>
+            <p:cNvSpPr txBox="1"/>
+            <p:nvPr userDrawn="1"/>
+          </p:nvSpPr>
+          <p:spPr>
+            <a:xfrm>
+              <a:off x="794494" y="2586037"/>
+              <a:ext cx="212633" cy="245937"/>
+            </a:xfrm>
+            <a:prstGeom prst="rect">
+              <a:avLst/>
+            </a:prstGeom>
+            <a:noFill/>
+          </p:spPr>
+          <p:txBody>
+            <a:bodyPr wrap="none" rtlCol="0" anchor="ctr">
+              <a:noAutofit/>
+            </a:bodyPr>
+            <a:lstStyle/>
+            <a:p>
+              <a:pPr algn="ctr"/>
+              <a:r>
+                <a:rPr lang="en-US" altLang="zh-CN" b="1" dirty="0">
+                  <a:solidFill>
+                    <a:schemeClr val="bg1"/>
+                  </a:solidFill>
+                  <a:latin typeface="微软雅黑" panose="020B0503020204020204" pitchFamily="34" charset="-122"/>
+                  <a:ea typeface="微软雅黑" panose="020B0503020204020204" pitchFamily="34" charset="-122"/>
+                </a:rPr>
+                <a:t>3</a:t>
+              </a:r>
+              <a:endParaRPr lang="zh-CN" altLang="en-US" b="1" dirty="0">
+                <a:solidFill>
+                  <a:schemeClr val="bg1"/>
+                </a:solidFill>
+                <a:latin typeface="微软雅黑" panose="020B0503020204020204" pitchFamily="34" charset="-122"/>
+                <a:ea typeface="微软雅黑" panose="020B0503020204020204" pitchFamily="34" charset="-122"/>
+              </a:endParaRPr>
+            </a:p>
+          </p:txBody>
+        </p:sp>
+      </p:grpSp>
+      <p:cxnSp>
+        <p:nvCxnSpPr>
+          <p:cNvPr id="20" name="直接连接符 19"/>
+          <p:cNvCxnSpPr>
+            <a:stCxn id="18" idx="6"/>
+          </p:cNvCxnSpPr>
+          <p:nvPr/>
+        </p:nvCxnSpPr>
+        <p:spPr>
+          <a:xfrm>
+            <a:off x="2534033" y="3551161"/>
+            <a:ext cx="4500000" cy="0"/>
+          </a:xfrm>
+          <a:prstGeom prst="line">
+            <a:avLst/>
+          </a:prstGeom>
+          <a:ln>
+            <a:solidFill>
+              <a:schemeClr val="accent1"/>
+            </a:solidFill>
+          </a:ln>
+        </p:spPr>
+        <p:style>
+          <a:lnRef idx="1">
+            <a:schemeClr val="accent1"/>
+          </a:lnRef>
+          <a:fillRef idx="0">
+            <a:schemeClr val="accent1"/>
+          </a:fillRef>
+          <a:effectRef idx="0">
+            <a:schemeClr val="accent1"/>
+          </a:effectRef>
+          <a:fontRef idx="minor">
+            <a:schemeClr val="tx1"/>
+          </a:fontRef>
+        </p:style>
+      </p:cxnSp>
+      <p:sp>
+        <p:nvSpPr>
+          <p:cNvPr id="21" name="文本框 20"/>
+          <p:cNvSpPr txBox="1"/>
+          <p:nvPr/>
+        </p:nvSpPr>
+        <p:spPr>
+          <a:xfrm>
+            <a:off x="2915073" y="3114680"/>
+            <a:ext cx="4387392" cy="461665"/>
+          </a:xfrm>
+          <a:prstGeom prst="rect">
+            <a:avLst/>
+          </a:prstGeom>
+          <a:noFill/>
+        </p:spPr>
+        <p:txBody>
+          <a:bodyPr wrap="square" rtlCol="0">
+            <a:spAutoFit/>
+          </a:bodyPr>
+          <a:lstStyle/>
+          <a:p>
+            <a:r>
+              <a:rPr lang="en-US" altLang="zh-CN" sz="2400" dirty="0"/>
+              <a:t>Consensus</a:t>
+            </a:r>
+          </a:p>
+        </p:txBody>
+      </p:sp>
+      <p:grpSp>
+        <p:nvGrpSpPr>
+          <p:cNvPr id="22" name="组合 21"/>
+          <p:cNvGrpSpPr/>
+          <p:nvPr/>
+        </p:nvGrpSpPr>
+        <p:grpSpPr>
+          <a:xfrm>
+            <a:off x="1841535" y="4063469"/>
+            <a:ext cx="843427" cy="443226"/>
+            <a:chOff x="666810" y="2586037"/>
+            <a:chExt cx="468000" cy="245937"/>
+          </a:xfrm>
+        </p:grpSpPr>
+        <p:sp>
+          <p:nvSpPr>
+            <p:cNvPr id="23" name="Freeform 10"/>
+            <p:cNvSpPr>
+              <a:spLocks/>
+            </p:cNvSpPr>
+            <p:nvPr userDrawn="1"/>
+          </p:nvSpPr>
+          <p:spPr bwMode="auto">
+            <a:xfrm>
+              <a:off x="666810" y="2621442"/>
+              <a:ext cx="468000" cy="190800"/>
+            </a:xfrm>
+            <a:custGeom>
+              <a:avLst/>
+              <a:gdLst>
+                <a:gd name="T0" fmla="*/ 3120 w 3800"/>
+                <a:gd name="T1" fmla="*/ 0 h 1532"/>
+                <a:gd name="T2" fmla="*/ 682 w 3800"/>
+                <a:gd name="T3" fmla="*/ 0 h 1532"/>
+                <a:gd name="T4" fmla="*/ 682 w 3800"/>
+                <a:gd name="T5" fmla="*/ 284 h 1532"/>
+                <a:gd name="T6" fmla="*/ 0 w 3800"/>
+                <a:gd name="T7" fmla="*/ 766 h 1532"/>
+                <a:gd name="T8" fmla="*/ 682 w 3800"/>
+                <a:gd name="T9" fmla="*/ 1248 h 1532"/>
+                <a:gd name="T10" fmla="*/ 682 w 3800"/>
+                <a:gd name="T11" fmla="*/ 1532 h 1532"/>
+                <a:gd name="T12" fmla="*/ 3120 w 3800"/>
+                <a:gd name="T13" fmla="*/ 1532 h 1532"/>
+                <a:gd name="T14" fmla="*/ 3120 w 3800"/>
+                <a:gd name="T15" fmla="*/ 1248 h 1532"/>
+                <a:gd name="T16" fmla="*/ 3800 w 3800"/>
+                <a:gd name="T17" fmla="*/ 766 h 1532"/>
+                <a:gd name="T18" fmla="*/ 3120 w 3800"/>
+                <a:gd name="T19" fmla="*/ 284 h 1532"/>
+                <a:gd name="T20" fmla="*/ 3120 w 3800"/>
+                <a:gd name="T21" fmla="*/ 0 h 1532"/>
+              </a:gdLst>
+              <a:ahLst/>
+              <a:cxnLst>
+                <a:cxn ang="0">
+                  <a:pos x="T0" y="T1"/>
+                </a:cxn>
+                <a:cxn ang="0">
+                  <a:pos x="T2" y="T3"/>
+                </a:cxn>
+                <a:cxn ang="0">
+                  <a:pos x="T4" y="T5"/>
+                </a:cxn>
+                <a:cxn ang="0">
+                  <a:pos x="T6" y="T7"/>
+                </a:cxn>
+                <a:cxn ang="0">
+                  <a:pos x="T8" y="T9"/>
+                </a:cxn>
+                <a:cxn ang="0">
+                  <a:pos x="T10" y="T11"/>
+                </a:cxn>
+                <a:cxn ang="0">
+                  <a:pos x="T12" y="T13"/>
+                </a:cxn>
+                <a:cxn ang="0">
+                  <a:pos x="T14" y="T15"/>
+                </a:cxn>
+                <a:cxn ang="0">
+                  <a:pos x="T16" y="T17"/>
+                </a:cxn>
+                <a:cxn ang="0">
+                  <a:pos x="T18" y="T19"/>
+                </a:cxn>
+                <a:cxn ang="0">
+                  <a:pos x="T20" y="T21"/>
+                </a:cxn>
+              </a:cxnLst>
+              <a:rect l="0" t="0" r="r" b="b"/>
+              <a:pathLst>
+                <a:path w="3800" h="1532">
+                  <a:moveTo>
+                    <a:pt x="3120" y="0"/>
+                  </a:moveTo>
+                  <a:lnTo>
+                    <a:pt x="682" y="0"/>
+                  </a:lnTo>
+                  <a:lnTo>
+                    <a:pt x="682" y="284"/>
+                  </a:lnTo>
+                  <a:lnTo>
+                    <a:pt x="0" y="766"/>
+                  </a:lnTo>
+                  <a:lnTo>
+                    <a:pt x="682" y="1248"/>
+                  </a:lnTo>
+                  <a:lnTo>
+                    <a:pt x="682" y="1532"/>
+                  </a:lnTo>
+                  <a:lnTo>
+                    <a:pt x="3120" y="1532"/>
+                  </a:lnTo>
+                  <a:lnTo>
+                    <a:pt x="3120" y="1248"/>
+                  </a:lnTo>
+                  <a:lnTo>
+                    <a:pt x="3800" y="766"/>
+                  </a:lnTo>
+                  <a:lnTo>
+                    <a:pt x="3120" y="284"/>
+                  </a:lnTo>
+                  <a:lnTo>
+                    <a:pt x="3120" y="0"/>
+                  </a:lnTo>
+                  <a:close/>
+                </a:path>
+              </a:pathLst>
+            </a:custGeom>
+            <a:solidFill>
+              <a:schemeClr val="accent1"/>
+            </a:solidFill>
+            <a:ln>
+              <a:noFill/>
+            </a:ln>
+          </p:spPr>
+          <p:txBody>
+            <a:bodyPr vert="horz" wrap="square" lIns="91440" tIns="45720" rIns="91440" bIns="45720" numCol="1" anchor="ctr" anchorCtr="0" compatLnSpc="1">
+              <a:prstTxWarp prst="textNoShape">
+                <a:avLst/>
+              </a:prstTxWarp>
+              <a:noAutofit/>
+            </a:bodyPr>
+            <a:lstStyle/>
+            <a:p>
+              <a:pPr algn="ctr"/>
+              <a:endParaRPr lang="zh-CN" altLang="en-US" sz="3200" b="1"/>
+            </a:p>
+          </p:txBody>
+        </p:sp>
+        <p:sp>
+          <p:nvSpPr>
+            <p:cNvPr id="24" name="文本框 23"/>
+            <p:cNvSpPr txBox="1"/>
+            <p:nvPr userDrawn="1"/>
+          </p:nvSpPr>
+          <p:spPr>
+            <a:xfrm>
+              <a:off x="794494" y="2586037"/>
+              <a:ext cx="212633" cy="245937"/>
+            </a:xfrm>
+            <a:prstGeom prst="rect">
+              <a:avLst/>
+            </a:prstGeom>
+            <a:noFill/>
+          </p:spPr>
+          <p:txBody>
+            <a:bodyPr wrap="none" rtlCol="0" anchor="ctr">
+              <a:noAutofit/>
+            </a:bodyPr>
+            <a:lstStyle/>
+            <a:p>
+              <a:pPr algn="ctr"/>
+              <a:r>
+                <a:rPr lang="en-US" altLang="zh-CN" b="1" dirty="0">
+                  <a:solidFill>
+                    <a:schemeClr val="bg1"/>
+                  </a:solidFill>
+                  <a:latin typeface="微软雅黑" panose="020B0503020204020204" pitchFamily="34" charset="-122"/>
+                  <a:ea typeface="微软雅黑" panose="020B0503020204020204" pitchFamily="34" charset="-122"/>
+                </a:rPr>
+                <a:t>4</a:t>
+              </a:r>
+              <a:endParaRPr lang="zh-CN" altLang="en-US" b="1" dirty="0">
+                <a:solidFill>
+                  <a:schemeClr val="bg1"/>
+                </a:solidFill>
+                <a:latin typeface="微软雅黑" panose="020B0503020204020204" pitchFamily="34" charset="-122"/>
+                <a:ea typeface="微软雅黑" panose="020B0503020204020204" pitchFamily="34" charset="-122"/>
+              </a:endParaRPr>
+            </a:p>
+          </p:txBody>
+        </p:sp>
+      </p:grpSp>
+      <p:cxnSp>
+        <p:nvCxnSpPr>
+          <p:cNvPr id="25" name="直接连接符 24"/>
+          <p:cNvCxnSpPr>
+            <a:stCxn id="23" idx="6"/>
+          </p:cNvCxnSpPr>
+          <p:nvPr/>
+        </p:nvCxnSpPr>
+        <p:spPr>
+          <a:xfrm>
+            <a:off x="2534033" y="4471134"/>
+            <a:ext cx="4500000" cy="0"/>
+          </a:xfrm>
+          <a:prstGeom prst="line">
+            <a:avLst/>
+          </a:prstGeom>
+          <a:ln>
+            <a:solidFill>
+              <a:schemeClr val="accent1"/>
+            </a:solidFill>
+          </a:ln>
+        </p:spPr>
+        <p:style>
+          <a:lnRef idx="1">
+            <a:schemeClr val="accent1"/>
+          </a:lnRef>
+          <a:fillRef idx="0">
+            <a:schemeClr val="accent1"/>
+          </a:fillRef>
+          <a:effectRef idx="0">
+            <a:schemeClr val="accent1"/>
+          </a:effectRef>
+          <a:fontRef idx="minor">
+            <a:schemeClr val="tx1"/>
+          </a:fontRef>
+        </p:style>
+      </p:cxnSp>
+      <p:sp>
+        <p:nvSpPr>
+          <p:cNvPr id="26" name="文本框 25"/>
+          <p:cNvSpPr txBox="1"/>
+          <p:nvPr/>
+        </p:nvSpPr>
+        <p:spPr>
+          <a:xfrm>
+            <a:off x="2915073" y="4034653"/>
+            <a:ext cx="4387392" cy="461665"/>
+          </a:xfrm>
+          <a:prstGeom prst="rect">
+            <a:avLst/>
+          </a:prstGeom>
+          <a:noFill/>
+        </p:spPr>
+        <p:txBody>
+          <a:bodyPr wrap="square" rtlCol="0">
+            <a:spAutoFit/>
+          </a:bodyPr>
+          <a:lstStyle/>
+          <a:p>
+            <a:r>
+              <a:rPr lang="en-US" altLang="zh-CN" sz="2400" dirty="0" err="1"/>
+              <a:t>Parachains</a:t>
+            </a:r>
+            <a:endParaRPr lang="zh-CN" altLang="en-US" sz="2400" dirty="0"/>
+          </a:p>
+        </p:txBody>
+      </p:sp>
+      <p:grpSp>
+        <p:nvGrpSpPr>
+          <p:cNvPr id="32" name="组合 31"/>
+          <p:cNvGrpSpPr/>
+          <p:nvPr/>
+        </p:nvGrpSpPr>
+        <p:grpSpPr>
+          <a:xfrm>
+            <a:off x="1841535" y="4983444"/>
+            <a:ext cx="843427" cy="443226"/>
+            <a:chOff x="666810" y="2586037"/>
+            <a:chExt cx="468000" cy="245937"/>
+          </a:xfrm>
+        </p:grpSpPr>
+        <p:sp>
+          <p:nvSpPr>
+            <p:cNvPr id="33" name="Freeform 10"/>
+            <p:cNvSpPr>
+              <a:spLocks/>
+            </p:cNvSpPr>
+            <p:nvPr userDrawn="1"/>
+          </p:nvSpPr>
+          <p:spPr bwMode="auto">
+            <a:xfrm>
+              <a:off x="666810" y="2621442"/>
+              <a:ext cx="468000" cy="190800"/>
+            </a:xfrm>
+            <a:custGeom>
+              <a:avLst/>
+              <a:gdLst>
+                <a:gd name="T0" fmla="*/ 3120 w 3800"/>
+                <a:gd name="T1" fmla="*/ 0 h 1532"/>
+                <a:gd name="T2" fmla="*/ 682 w 3800"/>
+                <a:gd name="T3" fmla="*/ 0 h 1532"/>
+                <a:gd name="T4" fmla="*/ 682 w 3800"/>
+                <a:gd name="T5" fmla="*/ 284 h 1532"/>
+                <a:gd name="T6" fmla="*/ 0 w 3800"/>
+                <a:gd name="T7" fmla="*/ 766 h 1532"/>
+                <a:gd name="T8" fmla="*/ 682 w 3800"/>
+                <a:gd name="T9" fmla="*/ 1248 h 1532"/>
+                <a:gd name="T10" fmla="*/ 682 w 3800"/>
+                <a:gd name="T11" fmla="*/ 1532 h 1532"/>
+                <a:gd name="T12" fmla="*/ 3120 w 3800"/>
+                <a:gd name="T13" fmla="*/ 1532 h 1532"/>
+                <a:gd name="T14" fmla="*/ 3120 w 3800"/>
+                <a:gd name="T15" fmla="*/ 1248 h 1532"/>
+                <a:gd name="T16" fmla="*/ 3800 w 3800"/>
+                <a:gd name="T17" fmla="*/ 766 h 1532"/>
+                <a:gd name="T18" fmla="*/ 3120 w 3800"/>
+                <a:gd name="T19" fmla="*/ 284 h 1532"/>
+                <a:gd name="T20" fmla="*/ 3120 w 3800"/>
+                <a:gd name="T21" fmla="*/ 0 h 1532"/>
+              </a:gdLst>
+              <a:ahLst/>
+              <a:cxnLst>
+                <a:cxn ang="0">
+                  <a:pos x="T0" y="T1"/>
+                </a:cxn>
+                <a:cxn ang="0">
+                  <a:pos x="T2" y="T3"/>
+                </a:cxn>
+                <a:cxn ang="0">
+                  <a:pos x="T4" y="T5"/>
+                </a:cxn>
+                <a:cxn ang="0">
+                  <a:pos x="T6" y="T7"/>
+                </a:cxn>
+                <a:cxn ang="0">
+                  <a:pos x="T8" y="T9"/>
+                </a:cxn>
+                <a:cxn ang="0">
+                  <a:pos x="T10" y="T11"/>
+                </a:cxn>
+                <a:cxn ang="0">
+                  <a:pos x="T12" y="T13"/>
+                </a:cxn>
+                <a:cxn ang="0">
+                  <a:pos x="T14" y="T15"/>
+                </a:cxn>
+                <a:cxn ang="0">
+                  <a:pos x="T16" y="T17"/>
+                </a:cxn>
+                <a:cxn ang="0">
+                  <a:pos x="T18" y="T19"/>
+                </a:cxn>
+                <a:cxn ang="0">
+                  <a:pos x="T20" y="T21"/>
+                </a:cxn>
+              </a:cxnLst>
+              <a:rect l="0" t="0" r="r" b="b"/>
+              <a:pathLst>
+                <a:path w="3800" h="1532">
+                  <a:moveTo>
+                    <a:pt x="3120" y="0"/>
+                  </a:moveTo>
+                  <a:lnTo>
+                    <a:pt x="682" y="0"/>
+                  </a:lnTo>
+                  <a:lnTo>
+                    <a:pt x="682" y="284"/>
+                  </a:lnTo>
+                  <a:lnTo>
+                    <a:pt x="0" y="766"/>
+                  </a:lnTo>
+                  <a:lnTo>
+                    <a:pt x="682" y="1248"/>
+                  </a:lnTo>
+                  <a:lnTo>
+                    <a:pt x="682" y="1532"/>
+                  </a:lnTo>
+                  <a:lnTo>
+                    <a:pt x="3120" y="1532"/>
+                  </a:lnTo>
+                  <a:lnTo>
+                    <a:pt x="3120" y="1248"/>
+                  </a:lnTo>
+                  <a:lnTo>
+                    <a:pt x="3800" y="766"/>
+                  </a:lnTo>
+                  <a:lnTo>
+                    <a:pt x="3120" y="284"/>
+                  </a:lnTo>
+                  <a:lnTo>
+                    <a:pt x="3120" y="0"/>
+                  </a:lnTo>
+                  <a:close/>
+                </a:path>
+              </a:pathLst>
+            </a:custGeom>
+            <a:solidFill>
+              <a:schemeClr val="accent1"/>
+            </a:solidFill>
+            <a:ln>
+              <a:noFill/>
+            </a:ln>
+          </p:spPr>
+          <p:txBody>
+            <a:bodyPr vert="horz" wrap="square" lIns="91440" tIns="45720" rIns="91440" bIns="45720" numCol="1" anchor="ctr" anchorCtr="0" compatLnSpc="1">
+              <a:prstTxWarp prst="textNoShape">
+                <a:avLst/>
+              </a:prstTxWarp>
+              <a:noAutofit/>
+            </a:bodyPr>
+            <a:lstStyle/>
+            <a:p>
+              <a:pPr algn="ctr"/>
+              <a:endParaRPr lang="zh-CN" altLang="en-US" sz="3200" b="1"/>
+            </a:p>
+          </p:txBody>
+        </p:sp>
+        <p:sp>
+          <p:nvSpPr>
+            <p:cNvPr id="34" name="文本框 33"/>
+            <p:cNvSpPr txBox="1"/>
+            <p:nvPr userDrawn="1"/>
+          </p:nvSpPr>
+          <p:spPr>
+            <a:xfrm>
+              <a:off x="794494" y="2586037"/>
+              <a:ext cx="212633" cy="245937"/>
+            </a:xfrm>
+            <a:prstGeom prst="rect">
+              <a:avLst/>
+            </a:prstGeom>
+            <a:noFill/>
+          </p:spPr>
+          <p:txBody>
+            <a:bodyPr wrap="none" rtlCol="0" anchor="ctr">
+              <a:noAutofit/>
+            </a:bodyPr>
+            <a:lstStyle/>
+            <a:p>
+              <a:pPr algn="ctr"/>
+              <a:r>
+                <a:rPr lang="en-US" altLang="zh-CN" b="1" dirty="0">
+                  <a:solidFill>
+                    <a:schemeClr val="bg1"/>
+                  </a:solidFill>
+                  <a:latin typeface="微软雅黑" panose="020B0503020204020204" pitchFamily="34" charset="-122"/>
+                  <a:ea typeface="微软雅黑" panose="020B0503020204020204" pitchFamily="34" charset="-122"/>
+                </a:rPr>
+                <a:t>5</a:t>
+              </a:r>
+              <a:endParaRPr lang="zh-CN" altLang="en-US" b="1" dirty="0">
+                <a:solidFill>
+                  <a:schemeClr val="bg1"/>
+                </a:solidFill>
+                <a:latin typeface="微软雅黑" panose="020B0503020204020204" pitchFamily="34" charset="-122"/>
+                <a:ea typeface="微软雅黑" panose="020B0503020204020204" pitchFamily="34" charset="-122"/>
+              </a:endParaRPr>
+            </a:p>
+          </p:txBody>
+        </p:sp>
+      </p:grpSp>
+      <p:cxnSp>
+        <p:nvCxnSpPr>
+          <p:cNvPr id="35" name="直接连接符 34"/>
+          <p:cNvCxnSpPr>
+            <a:stCxn id="33" idx="6"/>
+          </p:cNvCxnSpPr>
+          <p:nvPr/>
+        </p:nvCxnSpPr>
+        <p:spPr>
+          <a:xfrm>
+            <a:off x="2534033" y="5391109"/>
+            <a:ext cx="4500000" cy="0"/>
+          </a:xfrm>
+          <a:prstGeom prst="line">
+            <a:avLst/>
+          </a:prstGeom>
+          <a:ln>
+            <a:solidFill>
+              <a:schemeClr val="accent1"/>
+            </a:solidFill>
+          </a:ln>
+        </p:spPr>
+        <p:style>
+          <a:lnRef idx="1">
+            <a:schemeClr val="accent1"/>
+          </a:lnRef>
+          <a:fillRef idx="0">
+            <a:schemeClr val="accent1"/>
+          </a:fillRef>
+          <a:effectRef idx="0">
+            <a:schemeClr val="accent1"/>
+          </a:effectRef>
+          <a:fontRef idx="minor">
+            <a:schemeClr val="tx1"/>
+          </a:fontRef>
+        </p:style>
+      </p:cxnSp>
+      <p:sp>
+        <p:nvSpPr>
+          <p:cNvPr id="36" name="文本框 35"/>
+          <p:cNvSpPr txBox="1"/>
+          <p:nvPr/>
+        </p:nvSpPr>
+        <p:spPr>
+          <a:xfrm>
+            <a:off x="2915073" y="4954628"/>
+            <a:ext cx="5137744" cy="461665"/>
+          </a:xfrm>
+          <a:prstGeom prst="rect">
+            <a:avLst/>
+          </a:prstGeom>
+          <a:noFill/>
+        </p:spPr>
+        <p:txBody>
+          <a:bodyPr wrap="square" rtlCol="0">
+            <a:spAutoFit/>
+          </a:bodyPr>
+          <a:lstStyle/>
+          <a:p>
+            <a:r>
+              <a:rPr lang="en-US" altLang="zh-CN" sz="2400" dirty="0"/>
+              <a:t>Economics, Incentive and Governance</a:t>
+            </a:r>
+            <a:endParaRPr lang="zh-CN" altLang="en-US" sz="2400" dirty="0"/>
+          </a:p>
+        </p:txBody>
+      </p:sp>
+      <p:sp>
+        <p:nvSpPr>
+          <p:cNvPr id="29" name="文本框 28">
+            <a:extLst>
+              <a:ext uri="{FF2B5EF4-FFF2-40B4-BE49-F238E27FC236}">
+                <a16:creationId xmlns:a16="http://schemas.microsoft.com/office/drawing/2014/main" id="{BF2171C6-D7F2-48F4-B228-E0F77001591E}"/>
+              </a:ext>
+            </a:extLst>
+          </p:cNvPr>
+          <p:cNvSpPr txBox="1"/>
+          <p:nvPr/>
+        </p:nvSpPr>
+        <p:spPr>
+          <a:xfrm>
+            <a:off x="2915073" y="2194707"/>
+            <a:ext cx="4387392" cy="461665"/>
+          </a:xfrm>
+          <a:prstGeom prst="rect">
+            <a:avLst/>
+          </a:prstGeom>
+          <a:noFill/>
+        </p:spPr>
+        <p:txBody>
+          <a:bodyPr wrap="square" rtlCol="0">
+            <a:spAutoFit/>
+          </a:bodyPr>
+          <a:lstStyle/>
+          <a:p>
+            <a:r>
+              <a:rPr lang="en-US" altLang="zh-CN" sz="2400" dirty="0">
+                <a:solidFill>
+                  <a:schemeClr val="tx1">
+                    <a:lumMod val="75000"/>
+                    <a:lumOff val="25000"/>
+                  </a:schemeClr>
+                </a:solidFill>
+              </a:rPr>
+              <a:t>Relay Chain State Machine</a:t>
+            </a:r>
+            <a:endParaRPr lang="zh-CN" altLang="en-US" sz="2400" dirty="0">
+              <a:solidFill>
+                <a:schemeClr val="tx1">
+                  <a:lumMod val="75000"/>
+                  <a:lumOff val="25000"/>
+                </a:schemeClr>
+              </a:solidFill>
+            </a:endParaRPr>
+          </a:p>
+        </p:txBody>
+      </p:sp>
+    </p:spTree>
+    <p:extLst>
+      <p:ext uri="{BB962C8B-B14F-4D97-AF65-F5344CB8AC3E}">
+        <p14:creationId xmlns:p14="http://schemas.microsoft.com/office/powerpoint/2010/main" val="3155251148"/>
+      </p:ext>
+    </p:extLst>
+  </p:cSld>
+  <p:clrMapOvr>
+    <a:masterClrMapping/>
+  </p:clrMapOvr>
+  <p:transition spd="slow">
+    <p:push/>
+  </p:transition>
+</p:sld>
+</file>
+
+<file path=ppt/slides/slide20.xml><?xml version="1.0" encoding="utf-8"?>
 <p:sld xmlns:a="http://schemas.openxmlformats.org/drawingml/2006/main" xmlns:r="http://schemas.openxmlformats.org/officeDocument/2006/relationships" xmlns:p="http://schemas.openxmlformats.org/presentationml/2006/main">
   <p:cSld>
     <p:spTree>
@@ -14164,7 +15851,7 @@
 </p:sld>
 </file>
 
-<file path=ppt/slides/slide18.xml><?xml version="1.0" encoding="utf-8"?>
+<file path=ppt/slides/slide21.xml><?xml version="1.0" encoding="utf-8"?>
 <p:sld xmlns:a="http://schemas.openxmlformats.org/drawingml/2006/main" xmlns:r="http://schemas.openxmlformats.org/officeDocument/2006/relationships" xmlns:p="http://schemas.openxmlformats.org/presentationml/2006/main">
   <p:cSld>
     <p:spTree>
@@ -14234,7 +15921,7 @@
 </p:sld>
 </file>
 
-<file path=ppt/slides/slide19.xml><?xml version="1.0" encoding="utf-8"?>
+<file path=ppt/slides/slide22.xml><?xml version="1.0" encoding="utf-8"?>
 <p:sld xmlns:a="http://schemas.openxmlformats.org/drawingml/2006/main" xmlns:r="http://schemas.openxmlformats.org/officeDocument/2006/relationships" xmlns:p="http://schemas.openxmlformats.org/presentationml/2006/main">
   <p:cSld>
     <p:spTree>
@@ -18711,1406 +20398,7 @@
 </p:sld>
 </file>
 
-<file path=ppt/slides/slide2.xml><?xml version="1.0" encoding="utf-8"?>
-<p:sld xmlns:a="http://schemas.openxmlformats.org/drawingml/2006/main" xmlns:r="http://schemas.openxmlformats.org/officeDocument/2006/relationships" xmlns:p="http://schemas.openxmlformats.org/presentationml/2006/main">
-  <p:cSld>
-    <p:spTree>
-      <p:nvGrpSpPr>
-        <p:cNvPr id="1" name=""/>
-        <p:cNvGrpSpPr/>
-        <p:nvPr/>
-      </p:nvGrpSpPr>
-      <p:grpSpPr>
-        <a:xfrm>
-          <a:off x="0" y="0"/>
-          <a:ext cx="0" cy="0"/>
-          <a:chOff x="0" y="0"/>
-          <a:chExt cx="0" cy="0"/>
-        </a:xfrm>
-      </p:grpSpPr>
-      <p:sp>
-        <p:nvSpPr>
-          <p:cNvPr id="2" name="标题 1"/>
-          <p:cNvSpPr>
-            <a:spLocks noGrp="1"/>
-          </p:cNvSpPr>
-          <p:nvPr>
-            <p:ph type="title"/>
-          </p:nvPr>
-        </p:nvSpPr>
-        <p:spPr/>
-        <p:txBody>
-          <a:bodyPr>
-            <a:normAutofit fontScale="90000"/>
-          </a:bodyPr>
-          <a:lstStyle/>
-          <a:p>
-            <a:r>
-              <a:rPr lang="zh-CN" altLang="en-US" dirty="0">
-                <a:latin typeface="微软雅黑" panose="020B0503020204020204" pitchFamily="34" charset="-122"/>
-                <a:ea typeface="微软雅黑" panose="020B0503020204020204" pitchFamily="34" charset="-122"/>
-              </a:rPr>
-              <a:t> </a:t>
-            </a:r>
-            <a:r>
-              <a:rPr lang="en-US" altLang="zh-CN" dirty="0">
-                <a:latin typeface="微软雅黑" panose="020B0503020204020204" pitchFamily="34" charset="-122"/>
-                <a:ea typeface="微软雅黑" panose="020B0503020204020204" pitchFamily="34" charset="-122"/>
-              </a:rPr>
-              <a:t>Contents</a:t>
-            </a:r>
-            <a:endParaRPr lang="zh-CN" altLang="en-US" dirty="0">
-              <a:latin typeface="微软雅黑" panose="020B0503020204020204" pitchFamily="34" charset="-122"/>
-              <a:ea typeface="微软雅黑" panose="020B0503020204020204" pitchFamily="34" charset="-122"/>
-            </a:endParaRPr>
-          </a:p>
-        </p:txBody>
-      </p:sp>
-      <p:grpSp>
-        <p:nvGrpSpPr>
-          <p:cNvPr id="3" name="组合 2"/>
-          <p:cNvGrpSpPr/>
-          <p:nvPr/>
-        </p:nvGrpSpPr>
-        <p:grpSpPr>
-          <a:xfrm>
-            <a:off x="1841535" y="1303550"/>
-            <a:ext cx="843427" cy="443226"/>
-            <a:chOff x="666810" y="2586037"/>
-            <a:chExt cx="468000" cy="245937"/>
-          </a:xfrm>
-        </p:grpSpPr>
-        <p:sp>
-          <p:nvSpPr>
-            <p:cNvPr id="4" name="Freeform 10"/>
-            <p:cNvSpPr>
-              <a:spLocks/>
-            </p:cNvSpPr>
-            <p:nvPr userDrawn="1"/>
-          </p:nvSpPr>
-          <p:spPr bwMode="auto">
-            <a:xfrm>
-              <a:off x="666810" y="2621442"/>
-              <a:ext cx="468000" cy="190800"/>
-            </a:xfrm>
-            <a:custGeom>
-              <a:avLst/>
-              <a:gdLst>
-                <a:gd name="T0" fmla="*/ 3120 w 3800"/>
-                <a:gd name="T1" fmla="*/ 0 h 1532"/>
-                <a:gd name="T2" fmla="*/ 682 w 3800"/>
-                <a:gd name="T3" fmla="*/ 0 h 1532"/>
-                <a:gd name="T4" fmla="*/ 682 w 3800"/>
-                <a:gd name="T5" fmla="*/ 284 h 1532"/>
-                <a:gd name="T6" fmla="*/ 0 w 3800"/>
-                <a:gd name="T7" fmla="*/ 766 h 1532"/>
-                <a:gd name="T8" fmla="*/ 682 w 3800"/>
-                <a:gd name="T9" fmla="*/ 1248 h 1532"/>
-                <a:gd name="T10" fmla="*/ 682 w 3800"/>
-                <a:gd name="T11" fmla="*/ 1532 h 1532"/>
-                <a:gd name="T12" fmla="*/ 3120 w 3800"/>
-                <a:gd name="T13" fmla="*/ 1532 h 1532"/>
-                <a:gd name="T14" fmla="*/ 3120 w 3800"/>
-                <a:gd name="T15" fmla="*/ 1248 h 1532"/>
-                <a:gd name="T16" fmla="*/ 3800 w 3800"/>
-                <a:gd name="T17" fmla="*/ 766 h 1532"/>
-                <a:gd name="T18" fmla="*/ 3120 w 3800"/>
-                <a:gd name="T19" fmla="*/ 284 h 1532"/>
-                <a:gd name="T20" fmla="*/ 3120 w 3800"/>
-                <a:gd name="T21" fmla="*/ 0 h 1532"/>
-              </a:gdLst>
-              <a:ahLst/>
-              <a:cxnLst>
-                <a:cxn ang="0">
-                  <a:pos x="T0" y="T1"/>
-                </a:cxn>
-                <a:cxn ang="0">
-                  <a:pos x="T2" y="T3"/>
-                </a:cxn>
-                <a:cxn ang="0">
-                  <a:pos x="T4" y="T5"/>
-                </a:cxn>
-                <a:cxn ang="0">
-                  <a:pos x="T6" y="T7"/>
-                </a:cxn>
-                <a:cxn ang="0">
-                  <a:pos x="T8" y="T9"/>
-                </a:cxn>
-                <a:cxn ang="0">
-                  <a:pos x="T10" y="T11"/>
-                </a:cxn>
-                <a:cxn ang="0">
-                  <a:pos x="T12" y="T13"/>
-                </a:cxn>
-                <a:cxn ang="0">
-                  <a:pos x="T14" y="T15"/>
-                </a:cxn>
-                <a:cxn ang="0">
-                  <a:pos x="T16" y="T17"/>
-                </a:cxn>
-                <a:cxn ang="0">
-                  <a:pos x="T18" y="T19"/>
-                </a:cxn>
-                <a:cxn ang="0">
-                  <a:pos x="T20" y="T21"/>
-                </a:cxn>
-              </a:cxnLst>
-              <a:rect l="0" t="0" r="r" b="b"/>
-              <a:pathLst>
-                <a:path w="3800" h="1532">
-                  <a:moveTo>
-                    <a:pt x="3120" y="0"/>
-                  </a:moveTo>
-                  <a:lnTo>
-                    <a:pt x="682" y="0"/>
-                  </a:lnTo>
-                  <a:lnTo>
-                    <a:pt x="682" y="284"/>
-                  </a:lnTo>
-                  <a:lnTo>
-                    <a:pt x="0" y="766"/>
-                  </a:lnTo>
-                  <a:lnTo>
-                    <a:pt x="682" y="1248"/>
-                  </a:lnTo>
-                  <a:lnTo>
-                    <a:pt x="682" y="1532"/>
-                  </a:lnTo>
-                  <a:lnTo>
-                    <a:pt x="3120" y="1532"/>
-                  </a:lnTo>
-                  <a:lnTo>
-                    <a:pt x="3120" y="1248"/>
-                  </a:lnTo>
-                  <a:lnTo>
-                    <a:pt x="3800" y="766"/>
-                  </a:lnTo>
-                  <a:lnTo>
-                    <a:pt x="3120" y="284"/>
-                  </a:lnTo>
-                  <a:lnTo>
-                    <a:pt x="3120" y="0"/>
-                  </a:lnTo>
-                  <a:close/>
-                </a:path>
-              </a:pathLst>
-            </a:custGeom>
-            <a:solidFill>
-              <a:schemeClr val="accent1"/>
-            </a:solidFill>
-            <a:ln>
-              <a:noFill/>
-            </a:ln>
-          </p:spPr>
-          <p:txBody>
-            <a:bodyPr vert="horz" wrap="square" lIns="91440" tIns="45720" rIns="91440" bIns="45720" numCol="1" anchor="ctr" anchorCtr="0" compatLnSpc="1">
-              <a:prstTxWarp prst="textNoShape">
-                <a:avLst/>
-              </a:prstTxWarp>
-              <a:noAutofit/>
-            </a:bodyPr>
-            <a:lstStyle/>
-            <a:p>
-              <a:pPr algn="ctr"/>
-              <a:endParaRPr lang="zh-CN" altLang="en-US" sz="3200" b="1"/>
-            </a:p>
-          </p:txBody>
-        </p:sp>
-        <p:sp>
-          <p:nvSpPr>
-            <p:cNvPr id="5" name="文本框 4"/>
-            <p:cNvSpPr txBox="1"/>
-            <p:nvPr userDrawn="1"/>
-          </p:nvSpPr>
-          <p:spPr>
-            <a:xfrm>
-              <a:off x="794494" y="2586037"/>
-              <a:ext cx="212633" cy="245937"/>
-            </a:xfrm>
-            <a:prstGeom prst="rect">
-              <a:avLst/>
-            </a:prstGeom>
-            <a:noFill/>
-          </p:spPr>
-          <p:txBody>
-            <a:bodyPr wrap="none" rtlCol="0" anchor="ctr">
-              <a:noAutofit/>
-            </a:bodyPr>
-            <a:lstStyle/>
-            <a:p>
-              <a:pPr algn="ctr"/>
-              <a:r>
-                <a:rPr lang="en-US" altLang="zh-CN" b="1" dirty="0">
-                  <a:solidFill>
-                    <a:schemeClr val="bg1"/>
-                  </a:solidFill>
-                  <a:latin typeface="微软雅黑" panose="020B0503020204020204" pitchFamily="34" charset="-122"/>
-                  <a:ea typeface="微软雅黑" panose="020B0503020204020204" pitchFamily="34" charset="-122"/>
-                </a:rPr>
-                <a:t>1</a:t>
-              </a:r>
-              <a:endParaRPr lang="zh-CN" altLang="en-US" b="1" dirty="0">
-                <a:solidFill>
-                  <a:schemeClr val="bg1"/>
-                </a:solidFill>
-                <a:latin typeface="微软雅黑" panose="020B0503020204020204" pitchFamily="34" charset="-122"/>
-                <a:ea typeface="微软雅黑" panose="020B0503020204020204" pitchFamily="34" charset="-122"/>
-              </a:endParaRPr>
-            </a:p>
-          </p:txBody>
-        </p:sp>
-      </p:grpSp>
-      <p:cxnSp>
-        <p:nvCxnSpPr>
-          <p:cNvPr id="7" name="直接连接符 6"/>
-          <p:cNvCxnSpPr>
-            <a:stCxn id="4" idx="6"/>
-          </p:cNvCxnSpPr>
-          <p:nvPr/>
-        </p:nvCxnSpPr>
-        <p:spPr>
-          <a:xfrm>
-            <a:off x="2534033" y="1711215"/>
-            <a:ext cx="4500000" cy="0"/>
-          </a:xfrm>
-          <a:prstGeom prst="line">
-            <a:avLst/>
-          </a:prstGeom>
-          <a:ln>
-            <a:solidFill>
-              <a:schemeClr val="accent1"/>
-            </a:solidFill>
-          </a:ln>
-        </p:spPr>
-        <p:style>
-          <a:lnRef idx="1">
-            <a:schemeClr val="accent1"/>
-          </a:lnRef>
-          <a:fillRef idx="0">
-            <a:schemeClr val="accent1"/>
-          </a:fillRef>
-          <a:effectRef idx="0">
-            <a:schemeClr val="accent1"/>
-          </a:effectRef>
-          <a:fontRef idx="minor">
-            <a:schemeClr val="tx1"/>
-          </a:fontRef>
-        </p:style>
-      </p:cxnSp>
-      <p:sp>
-        <p:nvSpPr>
-          <p:cNvPr id="11" name="文本框 10"/>
-          <p:cNvSpPr txBox="1"/>
-          <p:nvPr/>
-        </p:nvSpPr>
-        <p:spPr>
-          <a:xfrm>
-            <a:off x="2915072" y="1274734"/>
-            <a:ext cx="6125295" cy="461665"/>
-          </a:xfrm>
-          <a:prstGeom prst="rect">
-            <a:avLst/>
-          </a:prstGeom>
-          <a:noFill/>
-        </p:spPr>
-        <p:txBody>
-          <a:bodyPr wrap="square" rtlCol="0">
-            <a:spAutoFit/>
-          </a:bodyPr>
-          <a:lstStyle/>
-          <a:p>
-            <a:r>
-              <a:rPr lang="en-GB" altLang="zh-CN" sz="2400" dirty="0" err="1"/>
-              <a:t>NPoS</a:t>
-            </a:r>
-            <a:r>
-              <a:rPr lang="en-GB" altLang="zh-CN" sz="2400" dirty="0"/>
-              <a:t> and Validator election</a:t>
-            </a:r>
-            <a:endParaRPr lang="zh-CN" altLang="en-US" sz="2400" dirty="0"/>
-          </a:p>
-        </p:txBody>
-      </p:sp>
-      <p:grpSp>
-        <p:nvGrpSpPr>
-          <p:cNvPr id="12" name="组合 11"/>
-          <p:cNvGrpSpPr/>
-          <p:nvPr/>
-        </p:nvGrpSpPr>
-        <p:grpSpPr>
-          <a:xfrm>
-            <a:off x="1841535" y="2223523"/>
-            <a:ext cx="843427" cy="443226"/>
-            <a:chOff x="666810" y="2586037"/>
-            <a:chExt cx="468000" cy="245937"/>
-          </a:xfrm>
-        </p:grpSpPr>
-        <p:sp>
-          <p:nvSpPr>
-            <p:cNvPr id="13" name="Freeform 10"/>
-            <p:cNvSpPr>
-              <a:spLocks/>
-            </p:cNvSpPr>
-            <p:nvPr userDrawn="1"/>
-          </p:nvSpPr>
-          <p:spPr bwMode="auto">
-            <a:xfrm>
-              <a:off x="666810" y="2621442"/>
-              <a:ext cx="468000" cy="190800"/>
-            </a:xfrm>
-            <a:custGeom>
-              <a:avLst/>
-              <a:gdLst>
-                <a:gd name="T0" fmla="*/ 3120 w 3800"/>
-                <a:gd name="T1" fmla="*/ 0 h 1532"/>
-                <a:gd name="T2" fmla="*/ 682 w 3800"/>
-                <a:gd name="T3" fmla="*/ 0 h 1532"/>
-                <a:gd name="T4" fmla="*/ 682 w 3800"/>
-                <a:gd name="T5" fmla="*/ 284 h 1532"/>
-                <a:gd name="T6" fmla="*/ 0 w 3800"/>
-                <a:gd name="T7" fmla="*/ 766 h 1532"/>
-                <a:gd name="T8" fmla="*/ 682 w 3800"/>
-                <a:gd name="T9" fmla="*/ 1248 h 1532"/>
-                <a:gd name="T10" fmla="*/ 682 w 3800"/>
-                <a:gd name="T11" fmla="*/ 1532 h 1532"/>
-                <a:gd name="T12" fmla="*/ 3120 w 3800"/>
-                <a:gd name="T13" fmla="*/ 1532 h 1532"/>
-                <a:gd name="T14" fmla="*/ 3120 w 3800"/>
-                <a:gd name="T15" fmla="*/ 1248 h 1532"/>
-                <a:gd name="T16" fmla="*/ 3800 w 3800"/>
-                <a:gd name="T17" fmla="*/ 766 h 1532"/>
-                <a:gd name="T18" fmla="*/ 3120 w 3800"/>
-                <a:gd name="T19" fmla="*/ 284 h 1532"/>
-                <a:gd name="T20" fmla="*/ 3120 w 3800"/>
-                <a:gd name="T21" fmla="*/ 0 h 1532"/>
-              </a:gdLst>
-              <a:ahLst/>
-              <a:cxnLst>
-                <a:cxn ang="0">
-                  <a:pos x="T0" y="T1"/>
-                </a:cxn>
-                <a:cxn ang="0">
-                  <a:pos x="T2" y="T3"/>
-                </a:cxn>
-                <a:cxn ang="0">
-                  <a:pos x="T4" y="T5"/>
-                </a:cxn>
-                <a:cxn ang="0">
-                  <a:pos x="T6" y="T7"/>
-                </a:cxn>
-                <a:cxn ang="0">
-                  <a:pos x="T8" y="T9"/>
-                </a:cxn>
-                <a:cxn ang="0">
-                  <a:pos x="T10" y="T11"/>
-                </a:cxn>
-                <a:cxn ang="0">
-                  <a:pos x="T12" y="T13"/>
-                </a:cxn>
-                <a:cxn ang="0">
-                  <a:pos x="T14" y="T15"/>
-                </a:cxn>
-                <a:cxn ang="0">
-                  <a:pos x="T16" y="T17"/>
-                </a:cxn>
-                <a:cxn ang="0">
-                  <a:pos x="T18" y="T19"/>
-                </a:cxn>
-                <a:cxn ang="0">
-                  <a:pos x="T20" y="T21"/>
-                </a:cxn>
-              </a:cxnLst>
-              <a:rect l="0" t="0" r="r" b="b"/>
-              <a:pathLst>
-                <a:path w="3800" h="1532">
-                  <a:moveTo>
-                    <a:pt x="3120" y="0"/>
-                  </a:moveTo>
-                  <a:lnTo>
-                    <a:pt x="682" y="0"/>
-                  </a:lnTo>
-                  <a:lnTo>
-                    <a:pt x="682" y="284"/>
-                  </a:lnTo>
-                  <a:lnTo>
-                    <a:pt x="0" y="766"/>
-                  </a:lnTo>
-                  <a:lnTo>
-                    <a:pt x="682" y="1248"/>
-                  </a:lnTo>
-                  <a:lnTo>
-                    <a:pt x="682" y="1532"/>
-                  </a:lnTo>
-                  <a:lnTo>
-                    <a:pt x="3120" y="1532"/>
-                  </a:lnTo>
-                  <a:lnTo>
-                    <a:pt x="3120" y="1248"/>
-                  </a:lnTo>
-                  <a:lnTo>
-                    <a:pt x="3800" y="766"/>
-                  </a:lnTo>
-                  <a:lnTo>
-                    <a:pt x="3120" y="284"/>
-                  </a:lnTo>
-                  <a:lnTo>
-                    <a:pt x="3120" y="0"/>
-                  </a:lnTo>
-                  <a:close/>
-                </a:path>
-              </a:pathLst>
-            </a:custGeom>
-            <a:solidFill>
-              <a:schemeClr val="accent1"/>
-            </a:solidFill>
-            <a:ln>
-              <a:noFill/>
-            </a:ln>
-          </p:spPr>
-          <p:txBody>
-            <a:bodyPr vert="horz" wrap="square" lIns="91440" tIns="45720" rIns="91440" bIns="45720" numCol="1" anchor="ctr" anchorCtr="0" compatLnSpc="1">
-              <a:prstTxWarp prst="textNoShape">
-                <a:avLst/>
-              </a:prstTxWarp>
-              <a:noAutofit/>
-            </a:bodyPr>
-            <a:lstStyle/>
-            <a:p>
-              <a:pPr algn="ctr"/>
-              <a:endParaRPr lang="zh-CN" altLang="en-US" sz="3200" b="1"/>
-            </a:p>
-          </p:txBody>
-        </p:sp>
-        <p:sp>
-          <p:nvSpPr>
-            <p:cNvPr id="14" name="文本框 13"/>
-            <p:cNvSpPr txBox="1"/>
-            <p:nvPr userDrawn="1"/>
-          </p:nvSpPr>
-          <p:spPr>
-            <a:xfrm>
-              <a:off x="794494" y="2586037"/>
-              <a:ext cx="212633" cy="245937"/>
-            </a:xfrm>
-            <a:prstGeom prst="rect">
-              <a:avLst/>
-            </a:prstGeom>
-            <a:noFill/>
-          </p:spPr>
-          <p:txBody>
-            <a:bodyPr wrap="none" rtlCol="0" anchor="ctr">
-              <a:noAutofit/>
-            </a:bodyPr>
-            <a:lstStyle/>
-            <a:p>
-              <a:pPr algn="ctr"/>
-              <a:r>
-                <a:rPr lang="en-US" altLang="zh-CN" b="1" dirty="0">
-                  <a:solidFill>
-                    <a:schemeClr val="bg1"/>
-                  </a:solidFill>
-                  <a:latin typeface="微软雅黑" panose="020B0503020204020204" pitchFamily="34" charset="-122"/>
-                  <a:ea typeface="微软雅黑" panose="020B0503020204020204" pitchFamily="34" charset="-122"/>
-                </a:rPr>
-                <a:t>2</a:t>
-              </a:r>
-              <a:endParaRPr lang="zh-CN" altLang="en-US" b="1" dirty="0">
-                <a:solidFill>
-                  <a:schemeClr val="bg1"/>
-                </a:solidFill>
-                <a:latin typeface="微软雅黑" panose="020B0503020204020204" pitchFamily="34" charset="-122"/>
-                <a:ea typeface="微软雅黑" panose="020B0503020204020204" pitchFamily="34" charset="-122"/>
-              </a:endParaRPr>
-            </a:p>
-          </p:txBody>
-        </p:sp>
-      </p:grpSp>
-      <p:cxnSp>
-        <p:nvCxnSpPr>
-          <p:cNvPr id="15" name="直接连接符 14"/>
-          <p:cNvCxnSpPr>
-            <a:stCxn id="13" idx="6"/>
-          </p:cNvCxnSpPr>
-          <p:nvPr/>
-        </p:nvCxnSpPr>
-        <p:spPr>
-          <a:xfrm>
-            <a:off x="2534033" y="2631188"/>
-            <a:ext cx="4500000" cy="0"/>
-          </a:xfrm>
-          <a:prstGeom prst="line">
-            <a:avLst/>
-          </a:prstGeom>
-          <a:ln>
-            <a:solidFill>
-              <a:schemeClr val="accent1"/>
-            </a:solidFill>
-          </a:ln>
-        </p:spPr>
-        <p:style>
-          <a:lnRef idx="1">
-            <a:schemeClr val="accent1"/>
-          </a:lnRef>
-          <a:fillRef idx="0">
-            <a:schemeClr val="accent1"/>
-          </a:fillRef>
-          <a:effectRef idx="0">
-            <a:schemeClr val="accent1"/>
-          </a:effectRef>
-          <a:fontRef idx="minor">
-            <a:schemeClr val="tx1"/>
-          </a:fontRef>
-        </p:style>
-      </p:cxnSp>
-      <p:grpSp>
-        <p:nvGrpSpPr>
-          <p:cNvPr id="17" name="组合 16"/>
-          <p:cNvGrpSpPr/>
-          <p:nvPr/>
-        </p:nvGrpSpPr>
-        <p:grpSpPr>
-          <a:xfrm>
-            <a:off x="1841535" y="3143496"/>
-            <a:ext cx="843427" cy="443226"/>
-            <a:chOff x="666810" y="2586037"/>
-            <a:chExt cx="468000" cy="245937"/>
-          </a:xfrm>
-        </p:grpSpPr>
-        <p:sp>
-          <p:nvSpPr>
-            <p:cNvPr id="18" name="Freeform 10"/>
-            <p:cNvSpPr>
-              <a:spLocks/>
-            </p:cNvSpPr>
-            <p:nvPr userDrawn="1"/>
-          </p:nvSpPr>
-          <p:spPr bwMode="auto">
-            <a:xfrm>
-              <a:off x="666810" y="2621442"/>
-              <a:ext cx="468000" cy="190800"/>
-            </a:xfrm>
-            <a:custGeom>
-              <a:avLst/>
-              <a:gdLst>
-                <a:gd name="T0" fmla="*/ 3120 w 3800"/>
-                <a:gd name="T1" fmla="*/ 0 h 1532"/>
-                <a:gd name="T2" fmla="*/ 682 w 3800"/>
-                <a:gd name="T3" fmla="*/ 0 h 1532"/>
-                <a:gd name="T4" fmla="*/ 682 w 3800"/>
-                <a:gd name="T5" fmla="*/ 284 h 1532"/>
-                <a:gd name="T6" fmla="*/ 0 w 3800"/>
-                <a:gd name="T7" fmla="*/ 766 h 1532"/>
-                <a:gd name="T8" fmla="*/ 682 w 3800"/>
-                <a:gd name="T9" fmla="*/ 1248 h 1532"/>
-                <a:gd name="T10" fmla="*/ 682 w 3800"/>
-                <a:gd name="T11" fmla="*/ 1532 h 1532"/>
-                <a:gd name="T12" fmla="*/ 3120 w 3800"/>
-                <a:gd name="T13" fmla="*/ 1532 h 1532"/>
-                <a:gd name="T14" fmla="*/ 3120 w 3800"/>
-                <a:gd name="T15" fmla="*/ 1248 h 1532"/>
-                <a:gd name="T16" fmla="*/ 3800 w 3800"/>
-                <a:gd name="T17" fmla="*/ 766 h 1532"/>
-                <a:gd name="T18" fmla="*/ 3120 w 3800"/>
-                <a:gd name="T19" fmla="*/ 284 h 1532"/>
-                <a:gd name="T20" fmla="*/ 3120 w 3800"/>
-                <a:gd name="T21" fmla="*/ 0 h 1532"/>
-              </a:gdLst>
-              <a:ahLst/>
-              <a:cxnLst>
-                <a:cxn ang="0">
-                  <a:pos x="T0" y="T1"/>
-                </a:cxn>
-                <a:cxn ang="0">
-                  <a:pos x="T2" y="T3"/>
-                </a:cxn>
-                <a:cxn ang="0">
-                  <a:pos x="T4" y="T5"/>
-                </a:cxn>
-                <a:cxn ang="0">
-                  <a:pos x="T6" y="T7"/>
-                </a:cxn>
-                <a:cxn ang="0">
-                  <a:pos x="T8" y="T9"/>
-                </a:cxn>
-                <a:cxn ang="0">
-                  <a:pos x="T10" y="T11"/>
-                </a:cxn>
-                <a:cxn ang="0">
-                  <a:pos x="T12" y="T13"/>
-                </a:cxn>
-                <a:cxn ang="0">
-                  <a:pos x="T14" y="T15"/>
-                </a:cxn>
-                <a:cxn ang="0">
-                  <a:pos x="T16" y="T17"/>
-                </a:cxn>
-                <a:cxn ang="0">
-                  <a:pos x="T18" y="T19"/>
-                </a:cxn>
-                <a:cxn ang="0">
-                  <a:pos x="T20" y="T21"/>
-                </a:cxn>
-              </a:cxnLst>
-              <a:rect l="0" t="0" r="r" b="b"/>
-              <a:pathLst>
-                <a:path w="3800" h="1532">
-                  <a:moveTo>
-                    <a:pt x="3120" y="0"/>
-                  </a:moveTo>
-                  <a:lnTo>
-                    <a:pt x="682" y="0"/>
-                  </a:lnTo>
-                  <a:lnTo>
-                    <a:pt x="682" y="284"/>
-                  </a:lnTo>
-                  <a:lnTo>
-                    <a:pt x="0" y="766"/>
-                  </a:lnTo>
-                  <a:lnTo>
-                    <a:pt x="682" y="1248"/>
-                  </a:lnTo>
-                  <a:lnTo>
-                    <a:pt x="682" y="1532"/>
-                  </a:lnTo>
-                  <a:lnTo>
-                    <a:pt x="3120" y="1532"/>
-                  </a:lnTo>
-                  <a:lnTo>
-                    <a:pt x="3120" y="1248"/>
-                  </a:lnTo>
-                  <a:lnTo>
-                    <a:pt x="3800" y="766"/>
-                  </a:lnTo>
-                  <a:lnTo>
-                    <a:pt x="3120" y="284"/>
-                  </a:lnTo>
-                  <a:lnTo>
-                    <a:pt x="3120" y="0"/>
-                  </a:lnTo>
-                  <a:close/>
-                </a:path>
-              </a:pathLst>
-            </a:custGeom>
-            <a:solidFill>
-              <a:schemeClr val="accent1"/>
-            </a:solidFill>
-            <a:ln>
-              <a:noFill/>
-            </a:ln>
-          </p:spPr>
-          <p:txBody>
-            <a:bodyPr vert="horz" wrap="square" lIns="91440" tIns="45720" rIns="91440" bIns="45720" numCol="1" anchor="ctr" anchorCtr="0" compatLnSpc="1">
-              <a:prstTxWarp prst="textNoShape">
-                <a:avLst/>
-              </a:prstTxWarp>
-              <a:noAutofit/>
-            </a:bodyPr>
-            <a:lstStyle/>
-            <a:p>
-              <a:pPr algn="ctr"/>
-              <a:endParaRPr lang="zh-CN" altLang="en-US" sz="3200" b="1"/>
-            </a:p>
-          </p:txBody>
-        </p:sp>
-        <p:sp>
-          <p:nvSpPr>
-            <p:cNvPr id="19" name="文本框 18"/>
-            <p:cNvSpPr txBox="1"/>
-            <p:nvPr userDrawn="1"/>
-          </p:nvSpPr>
-          <p:spPr>
-            <a:xfrm>
-              <a:off x="794494" y="2586037"/>
-              <a:ext cx="212633" cy="245937"/>
-            </a:xfrm>
-            <a:prstGeom prst="rect">
-              <a:avLst/>
-            </a:prstGeom>
-            <a:noFill/>
-          </p:spPr>
-          <p:txBody>
-            <a:bodyPr wrap="none" rtlCol="0" anchor="ctr">
-              <a:noAutofit/>
-            </a:bodyPr>
-            <a:lstStyle/>
-            <a:p>
-              <a:pPr algn="ctr"/>
-              <a:r>
-                <a:rPr lang="en-US" altLang="zh-CN" b="1" dirty="0">
-                  <a:solidFill>
-                    <a:schemeClr val="bg1"/>
-                  </a:solidFill>
-                  <a:latin typeface="微软雅黑" panose="020B0503020204020204" pitchFamily="34" charset="-122"/>
-                  <a:ea typeface="微软雅黑" panose="020B0503020204020204" pitchFamily="34" charset="-122"/>
-                </a:rPr>
-                <a:t>3</a:t>
-              </a:r>
-              <a:endParaRPr lang="zh-CN" altLang="en-US" b="1" dirty="0">
-                <a:solidFill>
-                  <a:schemeClr val="bg1"/>
-                </a:solidFill>
-                <a:latin typeface="微软雅黑" panose="020B0503020204020204" pitchFamily="34" charset="-122"/>
-                <a:ea typeface="微软雅黑" panose="020B0503020204020204" pitchFamily="34" charset="-122"/>
-              </a:endParaRPr>
-            </a:p>
-          </p:txBody>
-        </p:sp>
-      </p:grpSp>
-      <p:cxnSp>
-        <p:nvCxnSpPr>
-          <p:cNvPr id="20" name="直接连接符 19"/>
-          <p:cNvCxnSpPr>
-            <a:stCxn id="18" idx="6"/>
-          </p:cNvCxnSpPr>
-          <p:nvPr/>
-        </p:nvCxnSpPr>
-        <p:spPr>
-          <a:xfrm>
-            <a:off x="2534033" y="3551161"/>
-            <a:ext cx="4500000" cy="0"/>
-          </a:xfrm>
-          <a:prstGeom prst="line">
-            <a:avLst/>
-          </a:prstGeom>
-          <a:ln>
-            <a:solidFill>
-              <a:schemeClr val="accent1"/>
-            </a:solidFill>
-          </a:ln>
-        </p:spPr>
-        <p:style>
-          <a:lnRef idx="1">
-            <a:schemeClr val="accent1"/>
-          </a:lnRef>
-          <a:fillRef idx="0">
-            <a:schemeClr val="accent1"/>
-          </a:fillRef>
-          <a:effectRef idx="0">
-            <a:schemeClr val="accent1"/>
-          </a:effectRef>
-          <a:fontRef idx="minor">
-            <a:schemeClr val="tx1"/>
-          </a:fontRef>
-        </p:style>
-      </p:cxnSp>
-      <p:sp>
-        <p:nvSpPr>
-          <p:cNvPr id="21" name="文本框 20"/>
-          <p:cNvSpPr txBox="1"/>
-          <p:nvPr/>
-        </p:nvSpPr>
-        <p:spPr>
-          <a:xfrm>
-            <a:off x="2915073" y="3114680"/>
-            <a:ext cx="4387392" cy="461665"/>
-          </a:xfrm>
-          <a:prstGeom prst="rect">
-            <a:avLst/>
-          </a:prstGeom>
-          <a:noFill/>
-        </p:spPr>
-        <p:txBody>
-          <a:bodyPr wrap="square" rtlCol="0">
-            <a:spAutoFit/>
-          </a:bodyPr>
-          <a:lstStyle/>
-          <a:p>
-            <a:r>
-              <a:rPr lang="en-US" altLang="zh-CN" sz="2400" dirty="0"/>
-              <a:t>Consensus</a:t>
-            </a:r>
-          </a:p>
-        </p:txBody>
-      </p:sp>
-      <p:grpSp>
-        <p:nvGrpSpPr>
-          <p:cNvPr id="22" name="组合 21"/>
-          <p:cNvGrpSpPr/>
-          <p:nvPr/>
-        </p:nvGrpSpPr>
-        <p:grpSpPr>
-          <a:xfrm>
-            <a:off x="1841535" y="4063469"/>
-            <a:ext cx="843427" cy="443226"/>
-            <a:chOff x="666810" y="2586037"/>
-            <a:chExt cx="468000" cy="245937"/>
-          </a:xfrm>
-        </p:grpSpPr>
-        <p:sp>
-          <p:nvSpPr>
-            <p:cNvPr id="23" name="Freeform 10"/>
-            <p:cNvSpPr>
-              <a:spLocks/>
-            </p:cNvSpPr>
-            <p:nvPr userDrawn="1"/>
-          </p:nvSpPr>
-          <p:spPr bwMode="auto">
-            <a:xfrm>
-              <a:off x="666810" y="2621442"/>
-              <a:ext cx="468000" cy="190800"/>
-            </a:xfrm>
-            <a:custGeom>
-              <a:avLst/>
-              <a:gdLst>
-                <a:gd name="T0" fmla="*/ 3120 w 3800"/>
-                <a:gd name="T1" fmla="*/ 0 h 1532"/>
-                <a:gd name="T2" fmla="*/ 682 w 3800"/>
-                <a:gd name="T3" fmla="*/ 0 h 1532"/>
-                <a:gd name="T4" fmla="*/ 682 w 3800"/>
-                <a:gd name="T5" fmla="*/ 284 h 1532"/>
-                <a:gd name="T6" fmla="*/ 0 w 3800"/>
-                <a:gd name="T7" fmla="*/ 766 h 1532"/>
-                <a:gd name="T8" fmla="*/ 682 w 3800"/>
-                <a:gd name="T9" fmla="*/ 1248 h 1532"/>
-                <a:gd name="T10" fmla="*/ 682 w 3800"/>
-                <a:gd name="T11" fmla="*/ 1532 h 1532"/>
-                <a:gd name="T12" fmla="*/ 3120 w 3800"/>
-                <a:gd name="T13" fmla="*/ 1532 h 1532"/>
-                <a:gd name="T14" fmla="*/ 3120 w 3800"/>
-                <a:gd name="T15" fmla="*/ 1248 h 1532"/>
-                <a:gd name="T16" fmla="*/ 3800 w 3800"/>
-                <a:gd name="T17" fmla="*/ 766 h 1532"/>
-                <a:gd name="T18" fmla="*/ 3120 w 3800"/>
-                <a:gd name="T19" fmla="*/ 284 h 1532"/>
-                <a:gd name="T20" fmla="*/ 3120 w 3800"/>
-                <a:gd name="T21" fmla="*/ 0 h 1532"/>
-              </a:gdLst>
-              <a:ahLst/>
-              <a:cxnLst>
-                <a:cxn ang="0">
-                  <a:pos x="T0" y="T1"/>
-                </a:cxn>
-                <a:cxn ang="0">
-                  <a:pos x="T2" y="T3"/>
-                </a:cxn>
-                <a:cxn ang="0">
-                  <a:pos x="T4" y="T5"/>
-                </a:cxn>
-                <a:cxn ang="0">
-                  <a:pos x="T6" y="T7"/>
-                </a:cxn>
-                <a:cxn ang="0">
-                  <a:pos x="T8" y="T9"/>
-                </a:cxn>
-                <a:cxn ang="0">
-                  <a:pos x="T10" y="T11"/>
-                </a:cxn>
-                <a:cxn ang="0">
-                  <a:pos x="T12" y="T13"/>
-                </a:cxn>
-                <a:cxn ang="0">
-                  <a:pos x="T14" y="T15"/>
-                </a:cxn>
-                <a:cxn ang="0">
-                  <a:pos x="T16" y="T17"/>
-                </a:cxn>
-                <a:cxn ang="0">
-                  <a:pos x="T18" y="T19"/>
-                </a:cxn>
-                <a:cxn ang="0">
-                  <a:pos x="T20" y="T21"/>
-                </a:cxn>
-              </a:cxnLst>
-              <a:rect l="0" t="0" r="r" b="b"/>
-              <a:pathLst>
-                <a:path w="3800" h="1532">
-                  <a:moveTo>
-                    <a:pt x="3120" y="0"/>
-                  </a:moveTo>
-                  <a:lnTo>
-                    <a:pt x="682" y="0"/>
-                  </a:lnTo>
-                  <a:lnTo>
-                    <a:pt x="682" y="284"/>
-                  </a:lnTo>
-                  <a:lnTo>
-                    <a:pt x="0" y="766"/>
-                  </a:lnTo>
-                  <a:lnTo>
-                    <a:pt x="682" y="1248"/>
-                  </a:lnTo>
-                  <a:lnTo>
-                    <a:pt x="682" y="1532"/>
-                  </a:lnTo>
-                  <a:lnTo>
-                    <a:pt x="3120" y="1532"/>
-                  </a:lnTo>
-                  <a:lnTo>
-                    <a:pt x="3120" y="1248"/>
-                  </a:lnTo>
-                  <a:lnTo>
-                    <a:pt x="3800" y="766"/>
-                  </a:lnTo>
-                  <a:lnTo>
-                    <a:pt x="3120" y="284"/>
-                  </a:lnTo>
-                  <a:lnTo>
-                    <a:pt x="3120" y="0"/>
-                  </a:lnTo>
-                  <a:close/>
-                </a:path>
-              </a:pathLst>
-            </a:custGeom>
-            <a:solidFill>
-              <a:schemeClr val="accent1"/>
-            </a:solidFill>
-            <a:ln>
-              <a:noFill/>
-            </a:ln>
-          </p:spPr>
-          <p:txBody>
-            <a:bodyPr vert="horz" wrap="square" lIns="91440" tIns="45720" rIns="91440" bIns="45720" numCol="1" anchor="ctr" anchorCtr="0" compatLnSpc="1">
-              <a:prstTxWarp prst="textNoShape">
-                <a:avLst/>
-              </a:prstTxWarp>
-              <a:noAutofit/>
-            </a:bodyPr>
-            <a:lstStyle/>
-            <a:p>
-              <a:pPr algn="ctr"/>
-              <a:endParaRPr lang="zh-CN" altLang="en-US" sz="3200" b="1"/>
-            </a:p>
-          </p:txBody>
-        </p:sp>
-        <p:sp>
-          <p:nvSpPr>
-            <p:cNvPr id="24" name="文本框 23"/>
-            <p:cNvSpPr txBox="1"/>
-            <p:nvPr userDrawn="1"/>
-          </p:nvSpPr>
-          <p:spPr>
-            <a:xfrm>
-              <a:off x="794494" y="2586037"/>
-              <a:ext cx="212633" cy="245937"/>
-            </a:xfrm>
-            <a:prstGeom prst="rect">
-              <a:avLst/>
-            </a:prstGeom>
-            <a:noFill/>
-          </p:spPr>
-          <p:txBody>
-            <a:bodyPr wrap="none" rtlCol="0" anchor="ctr">
-              <a:noAutofit/>
-            </a:bodyPr>
-            <a:lstStyle/>
-            <a:p>
-              <a:pPr algn="ctr"/>
-              <a:r>
-                <a:rPr lang="en-US" altLang="zh-CN" b="1" dirty="0">
-                  <a:solidFill>
-                    <a:schemeClr val="bg1"/>
-                  </a:solidFill>
-                  <a:latin typeface="微软雅黑" panose="020B0503020204020204" pitchFamily="34" charset="-122"/>
-                  <a:ea typeface="微软雅黑" panose="020B0503020204020204" pitchFamily="34" charset="-122"/>
-                </a:rPr>
-                <a:t>4</a:t>
-              </a:r>
-              <a:endParaRPr lang="zh-CN" altLang="en-US" b="1" dirty="0">
-                <a:solidFill>
-                  <a:schemeClr val="bg1"/>
-                </a:solidFill>
-                <a:latin typeface="微软雅黑" panose="020B0503020204020204" pitchFamily="34" charset="-122"/>
-                <a:ea typeface="微软雅黑" panose="020B0503020204020204" pitchFamily="34" charset="-122"/>
-              </a:endParaRPr>
-            </a:p>
-          </p:txBody>
-        </p:sp>
-      </p:grpSp>
-      <p:cxnSp>
-        <p:nvCxnSpPr>
-          <p:cNvPr id="25" name="直接连接符 24"/>
-          <p:cNvCxnSpPr>
-            <a:stCxn id="23" idx="6"/>
-          </p:cNvCxnSpPr>
-          <p:nvPr/>
-        </p:nvCxnSpPr>
-        <p:spPr>
-          <a:xfrm>
-            <a:off x="2534033" y="4471134"/>
-            <a:ext cx="4500000" cy="0"/>
-          </a:xfrm>
-          <a:prstGeom prst="line">
-            <a:avLst/>
-          </a:prstGeom>
-          <a:ln>
-            <a:solidFill>
-              <a:schemeClr val="accent1"/>
-            </a:solidFill>
-          </a:ln>
-        </p:spPr>
-        <p:style>
-          <a:lnRef idx="1">
-            <a:schemeClr val="accent1"/>
-          </a:lnRef>
-          <a:fillRef idx="0">
-            <a:schemeClr val="accent1"/>
-          </a:fillRef>
-          <a:effectRef idx="0">
-            <a:schemeClr val="accent1"/>
-          </a:effectRef>
-          <a:fontRef idx="minor">
-            <a:schemeClr val="tx1"/>
-          </a:fontRef>
-        </p:style>
-      </p:cxnSp>
-      <p:sp>
-        <p:nvSpPr>
-          <p:cNvPr id="26" name="文本框 25"/>
-          <p:cNvSpPr txBox="1"/>
-          <p:nvPr/>
-        </p:nvSpPr>
-        <p:spPr>
-          <a:xfrm>
-            <a:off x="2915073" y="4034653"/>
-            <a:ext cx="4387392" cy="461665"/>
-          </a:xfrm>
-          <a:prstGeom prst="rect">
-            <a:avLst/>
-          </a:prstGeom>
-          <a:noFill/>
-        </p:spPr>
-        <p:txBody>
-          <a:bodyPr wrap="square" rtlCol="0">
-            <a:spAutoFit/>
-          </a:bodyPr>
-          <a:lstStyle/>
-          <a:p>
-            <a:r>
-              <a:rPr lang="en-US" altLang="zh-CN" sz="2400" dirty="0" err="1"/>
-              <a:t>Parachains</a:t>
-            </a:r>
-            <a:endParaRPr lang="zh-CN" altLang="en-US" sz="2400" dirty="0"/>
-          </a:p>
-        </p:txBody>
-      </p:sp>
-      <p:grpSp>
-        <p:nvGrpSpPr>
-          <p:cNvPr id="32" name="组合 31"/>
-          <p:cNvGrpSpPr/>
-          <p:nvPr/>
-        </p:nvGrpSpPr>
-        <p:grpSpPr>
-          <a:xfrm>
-            <a:off x="1841535" y="4983444"/>
-            <a:ext cx="843427" cy="443226"/>
-            <a:chOff x="666810" y="2586037"/>
-            <a:chExt cx="468000" cy="245937"/>
-          </a:xfrm>
-        </p:grpSpPr>
-        <p:sp>
-          <p:nvSpPr>
-            <p:cNvPr id="33" name="Freeform 10"/>
-            <p:cNvSpPr>
-              <a:spLocks/>
-            </p:cNvSpPr>
-            <p:nvPr userDrawn="1"/>
-          </p:nvSpPr>
-          <p:spPr bwMode="auto">
-            <a:xfrm>
-              <a:off x="666810" y="2621442"/>
-              <a:ext cx="468000" cy="190800"/>
-            </a:xfrm>
-            <a:custGeom>
-              <a:avLst/>
-              <a:gdLst>
-                <a:gd name="T0" fmla="*/ 3120 w 3800"/>
-                <a:gd name="T1" fmla="*/ 0 h 1532"/>
-                <a:gd name="T2" fmla="*/ 682 w 3800"/>
-                <a:gd name="T3" fmla="*/ 0 h 1532"/>
-                <a:gd name="T4" fmla="*/ 682 w 3800"/>
-                <a:gd name="T5" fmla="*/ 284 h 1532"/>
-                <a:gd name="T6" fmla="*/ 0 w 3800"/>
-                <a:gd name="T7" fmla="*/ 766 h 1532"/>
-                <a:gd name="T8" fmla="*/ 682 w 3800"/>
-                <a:gd name="T9" fmla="*/ 1248 h 1532"/>
-                <a:gd name="T10" fmla="*/ 682 w 3800"/>
-                <a:gd name="T11" fmla="*/ 1532 h 1532"/>
-                <a:gd name="T12" fmla="*/ 3120 w 3800"/>
-                <a:gd name="T13" fmla="*/ 1532 h 1532"/>
-                <a:gd name="T14" fmla="*/ 3120 w 3800"/>
-                <a:gd name="T15" fmla="*/ 1248 h 1532"/>
-                <a:gd name="T16" fmla="*/ 3800 w 3800"/>
-                <a:gd name="T17" fmla="*/ 766 h 1532"/>
-                <a:gd name="T18" fmla="*/ 3120 w 3800"/>
-                <a:gd name="T19" fmla="*/ 284 h 1532"/>
-                <a:gd name="T20" fmla="*/ 3120 w 3800"/>
-                <a:gd name="T21" fmla="*/ 0 h 1532"/>
-              </a:gdLst>
-              <a:ahLst/>
-              <a:cxnLst>
-                <a:cxn ang="0">
-                  <a:pos x="T0" y="T1"/>
-                </a:cxn>
-                <a:cxn ang="0">
-                  <a:pos x="T2" y="T3"/>
-                </a:cxn>
-                <a:cxn ang="0">
-                  <a:pos x="T4" y="T5"/>
-                </a:cxn>
-                <a:cxn ang="0">
-                  <a:pos x="T6" y="T7"/>
-                </a:cxn>
-                <a:cxn ang="0">
-                  <a:pos x="T8" y="T9"/>
-                </a:cxn>
-                <a:cxn ang="0">
-                  <a:pos x="T10" y="T11"/>
-                </a:cxn>
-                <a:cxn ang="0">
-                  <a:pos x="T12" y="T13"/>
-                </a:cxn>
-                <a:cxn ang="0">
-                  <a:pos x="T14" y="T15"/>
-                </a:cxn>
-                <a:cxn ang="0">
-                  <a:pos x="T16" y="T17"/>
-                </a:cxn>
-                <a:cxn ang="0">
-                  <a:pos x="T18" y="T19"/>
-                </a:cxn>
-                <a:cxn ang="0">
-                  <a:pos x="T20" y="T21"/>
-                </a:cxn>
-              </a:cxnLst>
-              <a:rect l="0" t="0" r="r" b="b"/>
-              <a:pathLst>
-                <a:path w="3800" h="1532">
-                  <a:moveTo>
-                    <a:pt x="3120" y="0"/>
-                  </a:moveTo>
-                  <a:lnTo>
-                    <a:pt x="682" y="0"/>
-                  </a:lnTo>
-                  <a:lnTo>
-                    <a:pt x="682" y="284"/>
-                  </a:lnTo>
-                  <a:lnTo>
-                    <a:pt x="0" y="766"/>
-                  </a:lnTo>
-                  <a:lnTo>
-                    <a:pt x="682" y="1248"/>
-                  </a:lnTo>
-                  <a:lnTo>
-                    <a:pt x="682" y="1532"/>
-                  </a:lnTo>
-                  <a:lnTo>
-                    <a:pt x="3120" y="1532"/>
-                  </a:lnTo>
-                  <a:lnTo>
-                    <a:pt x="3120" y="1248"/>
-                  </a:lnTo>
-                  <a:lnTo>
-                    <a:pt x="3800" y="766"/>
-                  </a:lnTo>
-                  <a:lnTo>
-                    <a:pt x="3120" y="284"/>
-                  </a:lnTo>
-                  <a:lnTo>
-                    <a:pt x="3120" y="0"/>
-                  </a:lnTo>
-                  <a:close/>
-                </a:path>
-              </a:pathLst>
-            </a:custGeom>
-            <a:solidFill>
-              <a:schemeClr val="accent1"/>
-            </a:solidFill>
-            <a:ln>
-              <a:noFill/>
-            </a:ln>
-          </p:spPr>
-          <p:txBody>
-            <a:bodyPr vert="horz" wrap="square" lIns="91440" tIns="45720" rIns="91440" bIns="45720" numCol="1" anchor="ctr" anchorCtr="0" compatLnSpc="1">
-              <a:prstTxWarp prst="textNoShape">
-                <a:avLst/>
-              </a:prstTxWarp>
-              <a:noAutofit/>
-            </a:bodyPr>
-            <a:lstStyle/>
-            <a:p>
-              <a:pPr algn="ctr"/>
-              <a:endParaRPr lang="zh-CN" altLang="en-US" sz="3200" b="1"/>
-            </a:p>
-          </p:txBody>
-        </p:sp>
-        <p:sp>
-          <p:nvSpPr>
-            <p:cNvPr id="34" name="文本框 33"/>
-            <p:cNvSpPr txBox="1"/>
-            <p:nvPr userDrawn="1"/>
-          </p:nvSpPr>
-          <p:spPr>
-            <a:xfrm>
-              <a:off x="794494" y="2586037"/>
-              <a:ext cx="212633" cy="245937"/>
-            </a:xfrm>
-            <a:prstGeom prst="rect">
-              <a:avLst/>
-            </a:prstGeom>
-            <a:noFill/>
-          </p:spPr>
-          <p:txBody>
-            <a:bodyPr wrap="none" rtlCol="0" anchor="ctr">
-              <a:noAutofit/>
-            </a:bodyPr>
-            <a:lstStyle/>
-            <a:p>
-              <a:pPr algn="ctr"/>
-              <a:r>
-                <a:rPr lang="en-US" altLang="zh-CN" b="1" dirty="0">
-                  <a:solidFill>
-                    <a:schemeClr val="bg1"/>
-                  </a:solidFill>
-                  <a:latin typeface="微软雅黑" panose="020B0503020204020204" pitchFamily="34" charset="-122"/>
-                  <a:ea typeface="微软雅黑" panose="020B0503020204020204" pitchFamily="34" charset="-122"/>
-                </a:rPr>
-                <a:t>5</a:t>
-              </a:r>
-              <a:endParaRPr lang="zh-CN" altLang="en-US" b="1" dirty="0">
-                <a:solidFill>
-                  <a:schemeClr val="bg1"/>
-                </a:solidFill>
-                <a:latin typeface="微软雅黑" panose="020B0503020204020204" pitchFamily="34" charset="-122"/>
-                <a:ea typeface="微软雅黑" panose="020B0503020204020204" pitchFamily="34" charset="-122"/>
-              </a:endParaRPr>
-            </a:p>
-          </p:txBody>
-        </p:sp>
-      </p:grpSp>
-      <p:cxnSp>
-        <p:nvCxnSpPr>
-          <p:cNvPr id="35" name="直接连接符 34"/>
-          <p:cNvCxnSpPr>
-            <a:stCxn id="33" idx="6"/>
-          </p:cNvCxnSpPr>
-          <p:nvPr/>
-        </p:nvCxnSpPr>
-        <p:spPr>
-          <a:xfrm>
-            <a:off x="2534033" y="5391109"/>
-            <a:ext cx="4500000" cy="0"/>
-          </a:xfrm>
-          <a:prstGeom prst="line">
-            <a:avLst/>
-          </a:prstGeom>
-          <a:ln>
-            <a:solidFill>
-              <a:schemeClr val="accent1"/>
-            </a:solidFill>
-          </a:ln>
-        </p:spPr>
-        <p:style>
-          <a:lnRef idx="1">
-            <a:schemeClr val="accent1"/>
-          </a:lnRef>
-          <a:fillRef idx="0">
-            <a:schemeClr val="accent1"/>
-          </a:fillRef>
-          <a:effectRef idx="0">
-            <a:schemeClr val="accent1"/>
-          </a:effectRef>
-          <a:fontRef idx="minor">
-            <a:schemeClr val="tx1"/>
-          </a:fontRef>
-        </p:style>
-      </p:cxnSp>
-      <p:sp>
-        <p:nvSpPr>
-          <p:cNvPr id="36" name="文本框 35"/>
-          <p:cNvSpPr txBox="1"/>
-          <p:nvPr/>
-        </p:nvSpPr>
-        <p:spPr>
-          <a:xfrm>
-            <a:off x="2915073" y="4954628"/>
-            <a:ext cx="5137744" cy="461665"/>
-          </a:xfrm>
-          <a:prstGeom prst="rect">
-            <a:avLst/>
-          </a:prstGeom>
-          <a:noFill/>
-        </p:spPr>
-        <p:txBody>
-          <a:bodyPr wrap="square" rtlCol="0">
-            <a:spAutoFit/>
-          </a:bodyPr>
-          <a:lstStyle/>
-          <a:p>
-            <a:r>
-              <a:rPr lang="en-US" altLang="zh-CN" sz="2400" dirty="0"/>
-              <a:t>Economics, Incentive and Governance</a:t>
-            </a:r>
-            <a:endParaRPr lang="zh-CN" altLang="en-US" sz="2400" dirty="0"/>
-          </a:p>
-        </p:txBody>
-      </p:sp>
-      <p:sp>
-        <p:nvSpPr>
-          <p:cNvPr id="29" name="文本框 28">
-            <a:extLst>
-              <a:ext uri="{FF2B5EF4-FFF2-40B4-BE49-F238E27FC236}">
-                <a16:creationId xmlns:a16="http://schemas.microsoft.com/office/drawing/2014/main" id="{BF2171C6-D7F2-48F4-B228-E0F77001591E}"/>
-              </a:ext>
-            </a:extLst>
-          </p:cNvPr>
-          <p:cNvSpPr txBox="1"/>
-          <p:nvPr/>
-        </p:nvSpPr>
-        <p:spPr>
-          <a:xfrm>
-            <a:off x="2915073" y="2194707"/>
-            <a:ext cx="4387392" cy="461665"/>
-          </a:xfrm>
-          <a:prstGeom prst="rect">
-            <a:avLst/>
-          </a:prstGeom>
-          <a:noFill/>
-        </p:spPr>
-        <p:txBody>
-          <a:bodyPr wrap="square" rtlCol="0">
-            <a:spAutoFit/>
-          </a:bodyPr>
-          <a:lstStyle/>
-          <a:p>
-            <a:r>
-              <a:rPr lang="en-US" altLang="zh-CN" sz="2400" dirty="0">
-                <a:solidFill>
-                  <a:schemeClr val="tx1">
-                    <a:lumMod val="75000"/>
-                    <a:lumOff val="25000"/>
-                  </a:schemeClr>
-                </a:solidFill>
-              </a:rPr>
-              <a:t>Relay Chain State Machine</a:t>
-            </a:r>
-            <a:endParaRPr lang="zh-CN" altLang="en-US" sz="2400" dirty="0">
-              <a:solidFill>
-                <a:schemeClr val="tx1">
-                  <a:lumMod val="75000"/>
-                  <a:lumOff val="25000"/>
-                </a:schemeClr>
-              </a:solidFill>
-            </a:endParaRPr>
-          </a:p>
-        </p:txBody>
-      </p:sp>
-    </p:spTree>
-    <p:extLst>
-      <p:ext uri="{BB962C8B-B14F-4D97-AF65-F5344CB8AC3E}">
-        <p14:creationId xmlns:p14="http://schemas.microsoft.com/office/powerpoint/2010/main" val="3155251148"/>
-      </p:ext>
-    </p:extLst>
-  </p:cSld>
-  <p:clrMapOvr>
-    <a:masterClrMapping/>
-  </p:clrMapOvr>
-  <p:transition spd="slow">
-    <p:push/>
-  </p:transition>
-</p:sld>
-</file>
-
-<file path=ppt/slides/slide20.xml><?xml version="1.0" encoding="utf-8"?>
+<file path=ppt/slides/slide23.xml><?xml version="1.0" encoding="utf-8"?>
 <p:sld xmlns:a="http://schemas.openxmlformats.org/drawingml/2006/main" xmlns:r="http://schemas.openxmlformats.org/officeDocument/2006/relationships" xmlns:p="http://schemas.openxmlformats.org/presentationml/2006/main">
   <p:cSld>
     <p:spTree>
@@ -20947,7 +21235,7 @@
 </p:sld>
 </file>
 
-<file path=ppt/slides/slide21.xml><?xml version="1.0" encoding="utf-8"?>
+<file path=ppt/slides/slide24.xml><?xml version="1.0" encoding="utf-8"?>
 <p:sld xmlns:a="http://schemas.openxmlformats.org/drawingml/2006/main" xmlns:r="http://schemas.openxmlformats.org/officeDocument/2006/relationships" xmlns:p="http://schemas.openxmlformats.org/presentationml/2006/main">
   <p:cSld>
     <p:spTree>
@@ -22291,7 +22579,7 @@
 </p:sld>
 </file>
 
-<file path=ppt/slides/slide22.xml><?xml version="1.0" encoding="utf-8"?>
+<file path=ppt/slides/slide25.xml><?xml version="1.0" encoding="utf-8"?>
 <p:sld xmlns:a="http://schemas.openxmlformats.org/drawingml/2006/main" xmlns:r="http://schemas.openxmlformats.org/officeDocument/2006/relationships" xmlns:p="http://schemas.openxmlformats.org/presentationml/2006/main">
   <p:cSld>
     <p:spTree>
@@ -22800,7 +23088,7 @@
 </p:sld>
 </file>
 
-<file path=ppt/slides/slide23.xml><?xml version="1.0" encoding="utf-8"?>
+<file path=ppt/slides/slide26.xml><?xml version="1.0" encoding="utf-8"?>
 <p:sld xmlns:a="http://schemas.openxmlformats.org/drawingml/2006/main" xmlns:r="http://schemas.openxmlformats.org/officeDocument/2006/relationships" xmlns:p="http://schemas.openxmlformats.org/presentationml/2006/main">
   <p:cSld>
     <p:spTree>
